--- a/presentation/Presentation.pptx
+++ b/presentation/Presentation.pptx
@@ -1,14 +1,20 @@
 
 <file path=ppt/presentation.xml><?xml version="1.0" encoding="utf-8"?>
-<p:presentation xmlns:a="http://schemas.openxmlformats.org/drawingml/2006/main" xmlns:r="http://schemas.openxmlformats.org/officeDocument/2006/relationships" xmlns:p="http://schemas.openxmlformats.org/presentationml/2006/main" saveSubsetFonts="1">
+<p:presentation xmlns:a="http://schemas.openxmlformats.org/drawingml/2006/main" xmlns:r="http://schemas.openxmlformats.org/officeDocument/2006/relationships" xmlns:p="http://schemas.openxmlformats.org/presentationml/2006/main">
   <p:sldMasterIdLst>
     <p:sldMasterId id="2147483648" r:id="rId1"/>
   </p:sldMasterIdLst>
   <p:sldIdLst>
-    <p:sldId id="256" r:id="rId2"/>
+    <p:sldId id="256" r:id="rId3"/>
+    <p:sldId id="260" r:id="rId4"/>
+    <p:sldId id="261" r:id="rId5"/>
+    <p:sldId id="262" r:id="rId6"/>
   </p:sldIdLst>
   <p:sldSz cx="12192000" cy="6858000"/>
   <p:notesSz cx="6858000" cy="9144000"/>
+  <p:custDataLst>
+    <p:tags r:id="rId10"/>
+  </p:custDataLst>
   <p:defaultTextStyle>
     <a:defPPr>
       <a:defRPr lang="en-US"/>
@@ -238,7 +244,6 @@
           <a:p>
             <a:fld id="{63A1C593-65D0-4073-BCC9-577B9352EA97}" type="datetimeFigureOut">
               <a:rPr lang="en-US" smtClean="0"/>
-              <a:t>11/27/2015</a:t>
             </a:fld>
             <a:endParaRPr lang="en-US"/>
           </a:p>
@@ -280,18 +285,12 @@
           <a:p>
             <a:fld id="{9B618960-8005-486C-9A75-10CB2AAC16F9}" type="slidenum">
               <a:rPr lang="en-US" smtClean="0"/>
-              <a:t>‹#›</a:t>
             </a:fld>
             <a:endParaRPr lang="en-US"/>
           </a:p>
         </p:txBody>
       </p:sp>
     </p:spTree>
-    <p:extLst>
-      <p:ext uri="{BB962C8B-B14F-4D97-AF65-F5344CB8AC3E}">
-        <p14:creationId xmlns:p14="http://schemas.microsoft.com/office/powerpoint/2010/main" val="4001249340"/>
-      </p:ext>
-    </p:extLst>
   </p:cSld>
   <p:clrMapOvr>
     <a:masterClrMapping/>
@@ -359,6 +358,7 @@
               <a:rPr lang="en-US" smtClean="0"/>
               <a:t>Click to edit Master text styles</a:t>
             </a:r>
+            <a:endParaRPr lang="en-US" smtClean="0"/>
           </a:p>
           <a:p>
             <a:pPr lvl="1"/>
@@ -366,6 +366,7 @@
               <a:rPr lang="en-US" smtClean="0"/>
               <a:t>Second level</a:t>
             </a:r>
+            <a:endParaRPr lang="en-US" smtClean="0"/>
           </a:p>
           <a:p>
             <a:pPr lvl="2"/>
@@ -373,6 +374,7 @@
               <a:rPr lang="en-US" smtClean="0"/>
               <a:t>Third level</a:t>
             </a:r>
+            <a:endParaRPr lang="en-US" smtClean="0"/>
           </a:p>
           <a:p>
             <a:pPr lvl="3"/>
@@ -380,6 +382,7 @@
               <a:rPr lang="en-US" smtClean="0"/>
               <a:t>Fourth level</a:t>
             </a:r>
+            <a:endParaRPr lang="en-US" smtClean="0"/>
           </a:p>
           <a:p>
             <a:pPr lvl="4"/>
@@ -408,7 +411,6 @@
           <a:p>
             <a:fld id="{63A1C593-65D0-4073-BCC9-577B9352EA97}" type="datetimeFigureOut">
               <a:rPr lang="en-US" smtClean="0"/>
-              <a:t>11/27/2015</a:t>
             </a:fld>
             <a:endParaRPr lang="en-US"/>
           </a:p>
@@ -450,18 +452,12 @@
           <a:p>
             <a:fld id="{9B618960-8005-486C-9A75-10CB2AAC16F9}" type="slidenum">
               <a:rPr lang="en-US" smtClean="0"/>
-              <a:t>‹#›</a:t>
             </a:fld>
             <a:endParaRPr lang="en-US"/>
           </a:p>
         </p:txBody>
       </p:sp>
     </p:spTree>
-    <p:extLst>
-      <p:ext uri="{BB962C8B-B14F-4D97-AF65-F5344CB8AC3E}">
-        <p14:creationId xmlns:p14="http://schemas.microsoft.com/office/powerpoint/2010/main" val="682560079"/>
-      </p:ext>
-    </p:extLst>
   </p:cSld>
   <p:clrMapOvr>
     <a:masterClrMapping/>
@@ -539,6 +535,7 @@
               <a:rPr lang="en-US" smtClean="0"/>
               <a:t>Click to edit Master text styles</a:t>
             </a:r>
+            <a:endParaRPr lang="en-US" smtClean="0"/>
           </a:p>
           <a:p>
             <a:pPr lvl="1"/>
@@ -546,6 +543,7 @@
               <a:rPr lang="en-US" smtClean="0"/>
               <a:t>Second level</a:t>
             </a:r>
+            <a:endParaRPr lang="en-US" smtClean="0"/>
           </a:p>
           <a:p>
             <a:pPr lvl="2"/>
@@ -553,6 +551,7 @@
               <a:rPr lang="en-US" smtClean="0"/>
               <a:t>Third level</a:t>
             </a:r>
+            <a:endParaRPr lang="en-US" smtClean="0"/>
           </a:p>
           <a:p>
             <a:pPr lvl="3"/>
@@ -560,6 +559,7 @@
               <a:rPr lang="en-US" smtClean="0"/>
               <a:t>Fourth level</a:t>
             </a:r>
+            <a:endParaRPr lang="en-US" smtClean="0"/>
           </a:p>
           <a:p>
             <a:pPr lvl="4"/>
@@ -588,7 +588,6 @@
           <a:p>
             <a:fld id="{63A1C593-65D0-4073-BCC9-577B9352EA97}" type="datetimeFigureOut">
               <a:rPr lang="en-US" smtClean="0"/>
-              <a:t>11/27/2015</a:t>
             </a:fld>
             <a:endParaRPr lang="en-US"/>
           </a:p>
@@ -630,18 +629,12 @@
           <a:p>
             <a:fld id="{9B618960-8005-486C-9A75-10CB2AAC16F9}" type="slidenum">
               <a:rPr lang="en-US" smtClean="0"/>
-              <a:t>‹#›</a:t>
             </a:fld>
             <a:endParaRPr lang="en-US"/>
           </a:p>
         </p:txBody>
       </p:sp>
     </p:spTree>
-    <p:extLst>
-      <p:ext uri="{BB962C8B-B14F-4D97-AF65-F5344CB8AC3E}">
-        <p14:creationId xmlns:p14="http://schemas.microsoft.com/office/powerpoint/2010/main" val="3435286789"/>
-      </p:ext>
-    </p:extLst>
   </p:cSld>
   <p:clrMapOvr>
     <a:masterClrMapping/>
@@ -709,6 +702,7 @@
               <a:rPr lang="en-US" smtClean="0"/>
               <a:t>Click to edit Master text styles</a:t>
             </a:r>
+            <a:endParaRPr lang="en-US" smtClean="0"/>
           </a:p>
           <a:p>
             <a:pPr lvl="1"/>
@@ -716,6 +710,7 @@
               <a:rPr lang="en-US" smtClean="0"/>
               <a:t>Second level</a:t>
             </a:r>
+            <a:endParaRPr lang="en-US" smtClean="0"/>
           </a:p>
           <a:p>
             <a:pPr lvl="2"/>
@@ -723,6 +718,7 @@
               <a:rPr lang="en-US" smtClean="0"/>
               <a:t>Third level</a:t>
             </a:r>
+            <a:endParaRPr lang="en-US" smtClean="0"/>
           </a:p>
           <a:p>
             <a:pPr lvl="3"/>
@@ -730,6 +726,7 @@
               <a:rPr lang="en-US" smtClean="0"/>
               <a:t>Fourth level</a:t>
             </a:r>
+            <a:endParaRPr lang="en-US" smtClean="0"/>
           </a:p>
           <a:p>
             <a:pPr lvl="4"/>
@@ -758,7 +755,6 @@
           <a:p>
             <a:fld id="{63A1C593-65D0-4073-BCC9-577B9352EA97}" type="datetimeFigureOut">
               <a:rPr lang="en-US" smtClean="0"/>
-              <a:t>11/27/2015</a:t>
             </a:fld>
             <a:endParaRPr lang="en-US"/>
           </a:p>
@@ -800,18 +796,12 @@
           <a:p>
             <a:fld id="{9B618960-8005-486C-9A75-10CB2AAC16F9}" type="slidenum">
               <a:rPr lang="en-US" smtClean="0"/>
-              <a:t>‹#›</a:t>
             </a:fld>
             <a:endParaRPr lang="en-US"/>
           </a:p>
         </p:txBody>
       </p:sp>
     </p:spTree>
-    <p:extLst>
-      <p:ext uri="{BB962C8B-B14F-4D97-AF65-F5344CB8AC3E}">
-        <p14:creationId xmlns:p14="http://schemas.microsoft.com/office/powerpoint/2010/main" val="140206455"/>
-      </p:ext>
-    </p:extLst>
   </p:cSld>
   <p:clrMapOvr>
     <a:masterClrMapping/>
@@ -984,6 +974,7 @@
               <a:rPr lang="en-US" smtClean="0"/>
               <a:t>Click to edit Master text styles</a:t>
             </a:r>
+            <a:endParaRPr lang="en-US" smtClean="0"/>
           </a:p>
         </p:txBody>
       </p:sp>
@@ -1004,7 +995,6 @@
           <a:p>
             <a:fld id="{63A1C593-65D0-4073-BCC9-577B9352EA97}" type="datetimeFigureOut">
               <a:rPr lang="en-US" smtClean="0"/>
-              <a:t>11/27/2015</a:t>
             </a:fld>
             <a:endParaRPr lang="en-US"/>
           </a:p>
@@ -1046,18 +1036,12 @@
           <a:p>
             <a:fld id="{9B618960-8005-486C-9A75-10CB2AAC16F9}" type="slidenum">
               <a:rPr lang="en-US" smtClean="0"/>
-              <a:t>‹#›</a:t>
             </a:fld>
             <a:endParaRPr lang="en-US"/>
           </a:p>
         </p:txBody>
       </p:sp>
     </p:spTree>
-    <p:extLst>
-      <p:ext uri="{BB962C8B-B14F-4D97-AF65-F5344CB8AC3E}">
-        <p14:creationId xmlns:p14="http://schemas.microsoft.com/office/powerpoint/2010/main" val="1965547352"/>
-      </p:ext>
-    </p:extLst>
   </p:cSld>
   <p:clrMapOvr>
     <a:masterClrMapping/>
@@ -1130,6 +1114,7 @@
               <a:rPr lang="en-US" smtClean="0"/>
               <a:t>Click to edit Master text styles</a:t>
             </a:r>
+            <a:endParaRPr lang="en-US" smtClean="0"/>
           </a:p>
           <a:p>
             <a:pPr lvl="1"/>
@@ -1137,6 +1122,7 @@
               <a:rPr lang="en-US" smtClean="0"/>
               <a:t>Second level</a:t>
             </a:r>
+            <a:endParaRPr lang="en-US" smtClean="0"/>
           </a:p>
           <a:p>
             <a:pPr lvl="2"/>
@@ -1144,6 +1130,7 @@
               <a:rPr lang="en-US" smtClean="0"/>
               <a:t>Third level</a:t>
             </a:r>
+            <a:endParaRPr lang="en-US" smtClean="0"/>
           </a:p>
           <a:p>
             <a:pPr lvl="3"/>
@@ -1151,6 +1138,7 @@
               <a:rPr lang="en-US" smtClean="0"/>
               <a:t>Fourth level</a:t>
             </a:r>
+            <a:endParaRPr lang="en-US" smtClean="0"/>
           </a:p>
           <a:p>
             <a:pPr lvl="4"/>
@@ -1187,6 +1175,7 @@
               <a:rPr lang="en-US" smtClean="0"/>
               <a:t>Click to edit Master text styles</a:t>
             </a:r>
+            <a:endParaRPr lang="en-US" smtClean="0"/>
           </a:p>
           <a:p>
             <a:pPr lvl="1"/>
@@ -1194,6 +1183,7 @@
               <a:rPr lang="en-US" smtClean="0"/>
               <a:t>Second level</a:t>
             </a:r>
+            <a:endParaRPr lang="en-US" smtClean="0"/>
           </a:p>
           <a:p>
             <a:pPr lvl="2"/>
@@ -1201,6 +1191,7 @@
               <a:rPr lang="en-US" smtClean="0"/>
               <a:t>Third level</a:t>
             </a:r>
+            <a:endParaRPr lang="en-US" smtClean="0"/>
           </a:p>
           <a:p>
             <a:pPr lvl="3"/>
@@ -1208,6 +1199,7 @@
               <a:rPr lang="en-US" smtClean="0"/>
               <a:t>Fourth level</a:t>
             </a:r>
+            <a:endParaRPr lang="en-US" smtClean="0"/>
           </a:p>
           <a:p>
             <a:pPr lvl="4"/>
@@ -1236,7 +1228,6 @@
           <a:p>
             <a:fld id="{63A1C593-65D0-4073-BCC9-577B9352EA97}" type="datetimeFigureOut">
               <a:rPr lang="en-US" smtClean="0"/>
-              <a:t>11/27/2015</a:t>
             </a:fld>
             <a:endParaRPr lang="en-US"/>
           </a:p>
@@ -1278,18 +1269,12 @@
           <a:p>
             <a:fld id="{9B618960-8005-486C-9A75-10CB2AAC16F9}" type="slidenum">
               <a:rPr lang="en-US" smtClean="0"/>
-              <a:t>‹#›</a:t>
             </a:fld>
             <a:endParaRPr lang="en-US"/>
           </a:p>
         </p:txBody>
       </p:sp>
     </p:spTree>
-    <p:extLst>
-      <p:ext uri="{BB962C8B-B14F-4D97-AF65-F5344CB8AC3E}">
-        <p14:creationId xmlns:p14="http://schemas.microsoft.com/office/powerpoint/2010/main" val="2375149612"/>
-      </p:ext>
-    </p:extLst>
   </p:cSld>
   <p:clrMapOvr>
     <a:masterClrMapping/>
@@ -1404,6 +1389,7 @@
               <a:rPr lang="en-US" smtClean="0"/>
               <a:t>Click to edit Master text styles</a:t>
             </a:r>
+            <a:endParaRPr lang="en-US" smtClean="0"/>
           </a:p>
         </p:txBody>
       </p:sp>
@@ -1432,6 +1418,7 @@
               <a:rPr lang="en-US" smtClean="0"/>
               <a:t>Click to edit Master text styles</a:t>
             </a:r>
+            <a:endParaRPr lang="en-US" smtClean="0"/>
           </a:p>
           <a:p>
             <a:pPr lvl="1"/>
@@ -1439,6 +1426,7 @@
               <a:rPr lang="en-US" smtClean="0"/>
               <a:t>Second level</a:t>
             </a:r>
+            <a:endParaRPr lang="en-US" smtClean="0"/>
           </a:p>
           <a:p>
             <a:pPr lvl="2"/>
@@ -1446,6 +1434,7 @@
               <a:rPr lang="en-US" smtClean="0"/>
               <a:t>Third level</a:t>
             </a:r>
+            <a:endParaRPr lang="en-US" smtClean="0"/>
           </a:p>
           <a:p>
             <a:pPr lvl="3"/>
@@ -1453,6 +1442,7 @@
               <a:rPr lang="en-US" smtClean="0"/>
               <a:t>Fourth level</a:t>
             </a:r>
+            <a:endParaRPr lang="en-US" smtClean="0"/>
           </a:p>
           <a:p>
             <a:pPr lvl="4"/>
@@ -1526,6 +1516,7 @@
               <a:rPr lang="en-US" smtClean="0"/>
               <a:t>Click to edit Master text styles</a:t>
             </a:r>
+            <a:endParaRPr lang="en-US" smtClean="0"/>
           </a:p>
         </p:txBody>
       </p:sp>
@@ -1554,6 +1545,7 @@
               <a:rPr lang="en-US" smtClean="0"/>
               <a:t>Click to edit Master text styles</a:t>
             </a:r>
+            <a:endParaRPr lang="en-US" smtClean="0"/>
           </a:p>
           <a:p>
             <a:pPr lvl="1"/>
@@ -1561,6 +1553,7 @@
               <a:rPr lang="en-US" smtClean="0"/>
               <a:t>Second level</a:t>
             </a:r>
+            <a:endParaRPr lang="en-US" smtClean="0"/>
           </a:p>
           <a:p>
             <a:pPr lvl="2"/>
@@ -1568,6 +1561,7 @@
               <a:rPr lang="en-US" smtClean="0"/>
               <a:t>Third level</a:t>
             </a:r>
+            <a:endParaRPr lang="en-US" smtClean="0"/>
           </a:p>
           <a:p>
             <a:pPr lvl="3"/>
@@ -1575,6 +1569,7 @@
               <a:rPr lang="en-US" smtClean="0"/>
               <a:t>Fourth level</a:t>
             </a:r>
+            <a:endParaRPr lang="en-US" smtClean="0"/>
           </a:p>
           <a:p>
             <a:pPr lvl="4"/>
@@ -1603,7 +1598,6 @@
           <a:p>
             <a:fld id="{63A1C593-65D0-4073-BCC9-577B9352EA97}" type="datetimeFigureOut">
               <a:rPr lang="en-US" smtClean="0"/>
-              <a:t>11/27/2015</a:t>
             </a:fld>
             <a:endParaRPr lang="en-US"/>
           </a:p>
@@ -1645,18 +1639,12 @@
           <a:p>
             <a:fld id="{9B618960-8005-486C-9A75-10CB2AAC16F9}" type="slidenum">
               <a:rPr lang="en-US" smtClean="0"/>
-              <a:t>‹#›</a:t>
             </a:fld>
             <a:endParaRPr lang="en-US"/>
           </a:p>
         </p:txBody>
       </p:sp>
     </p:spTree>
-    <p:extLst>
-      <p:ext uri="{BB962C8B-B14F-4D97-AF65-F5344CB8AC3E}">
-        <p14:creationId xmlns:p14="http://schemas.microsoft.com/office/powerpoint/2010/main" val="412943597"/>
-      </p:ext>
-    </p:extLst>
   </p:cSld>
   <p:clrMapOvr>
     <a:masterClrMapping/>
@@ -1721,7 +1709,6 @@
           <a:p>
             <a:fld id="{63A1C593-65D0-4073-BCC9-577B9352EA97}" type="datetimeFigureOut">
               <a:rPr lang="en-US" smtClean="0"/>
-              <a:t>11/27/2015</a:t>
             </a:fld>
             <a:endParaRPr lang="en-US"/>
           </a:p>
@@ -1763,18 +1750,12 @@
           <a:p>
             <a:fld id="{9B618960-8005-486C-9A75-10CB2AAC16F9}" type="slidenum">
               <a:rPr lang="en-US" smtClean="0"/>
-              <a:t>‹#›</a:t>
             </a:fld>
             <a:endParaRPr lang="en-US"/>
           </a:p>
         </p:txBody>
       </p:sp>
     </p:spTree>
-    <p:extLst>
-      <p:ext uri="{BB962C8B-B14F-4D97-AF65-F5344CB8AC3E}">
-        <p14:creationId xmlns:p14="http://schemas.microsoft.com/office/powerpoint/2010/main" val="3558084423"/>
-      </p:ext>
-    </p:extLst>
   </p:cSld>
   <p:clrMapOvr>
     <a:masterClrMapping/>
@@ -1816,7 +1797,6 @@
           <a:p>
             <a:fld id="{63A1C593-65D0-4073-BCC9-577B9352EA97}" type="datetimeFigureOut">
               <a:rPr lang="en-US" smtClean="0"/>
-              <a:t>11/27/2015</a:t>
             </a:fld>
             <a:endParaRPr lang="en-US"/>
           </a:p>
@@ -1858,18 +1838,12 @@
           <a:p>
             <a:fld id="{9B618960-8005-486C-9A75-10CB2AAC16F9}" type="slidenum">
               <a:rPr lang="en-US" smtClean="0"/>
-              <a:t>‹#›</a:t>
             </a:fld>
             <a:endParaRPr lang="en-US"/>
           </a:p>
         </p:txBody>
       </p:sp>
     </p:spTree>
-    <p:extLst>
-      <p:ext uri="{BB962C8B-B14F-4D97-AF65-F5344CB8AC3E}">
-        <p14:creationId xmlns:p14="http://schemas.microsoft.com/office/powerpoint/2010/main" val="2454063194"/>
-      </p:ext>
-    </p:extLst>
   </p:cSld>
   <p:clrMapOvr>
     <a:masterClrMapping/>
@@ -1979,6 +1953,7 @@
               <a:rPr lang="en-US" smtClean="0"/>
               <a:t>Click to edit Master text styles</a:t>
             </a:r>
+            <a:endParaRPr lang="en-US" smtClean="0"/>
           </a:p>
           <a:p>
             <a:pPr lvl="1"/>
@@ -1986,6 +1961,7 @@
               <a:rPr lang="en-US" smtClean="0"/>
               <a:t>Second level</a:t>
             </a:r>
+            <a:endParaRPr lang="en-US" smtClean="0"/>
           </a:p>
           <a:p>
             <a:pPr lvl="2"/>
@@ -1993,6 +1969,7 @@
               <a:rPr lang="en-US" smtClean="0"/>
               <a:t>Third level</a:t>
             </a:r>
+            <a:endParaRPr lang="en-US" smtClean="0"/>
           </a:p>
           <a:p>
             <a:pPr lvl="3"/>
@@ -2000,6 +1977,7 @@
               <a:rPr lang="en-US" smtClean="0"/>
               <a:t>Fourth level</a:t>
             </a:r>
+            <a:endParaRPr lang="en-US" smtClean="0"/>
           </a:p>
           <a:p>
             <a:pPr lvl="4"/>
@@ -2073,6 +2051,7 @@
               <a:rPr lang="en-US" smtClean="0"/>
               <a:t>Click to edit Master text styles</a:t>
             </a:r>
+            <a:endParaRPr lang="en-US" smtClean="0"/>
           </a:p>
         </p:txBody>
       </p:sp>
@@ -2093,7 +2072,6 @@
           <a:p>
             <a:fld id="{63A1C593-65D0-4073-BCC9-577B9352EA97}" type="datetimeFigureOut">
               <a:rPr lang="en-US" smtClean="0"/>
-              <a:t>11/27/2015</a:t>
             </a:fld>
             <a:endParaRPr lang="en-US"/>
           </a:p>
@@ -2135,18 +2113,12 @@
           <a:p>
             <a:fld id="{9B618960-8005-486C-9A75-10CB2AAC16F9}" type="slidenum">
               <a:rPr lang="en-US" smtClean="0"/>
-              <a:t>‹#›</a:t>
             </a:fld>
             <a:endParaRPr lang="en-US"/>
           </a:p>
         </p:txBody>
       </p:sp>
     </p:spTree>
-    <p:extLst>
-      <p:ext uri="{BB962C8B-B14F-4D97-AF65-F5344CB8AC3E}">
-        <p14:creationId xmlns:p14="http://schemas.microsoft.com/office/powerpoint/2010/main" val="3300537932"/>
-      </p:ext>
-    </p:extLst>
   </p:cSld>
   <p:clrMapOvr>
     <a:masterClrMapping/>
@@ -2326,6 +2298,7 @@
               <a:rPr lang="en-US" smtClean="0"/>
               <a:t>Click to edit Master text styles</a:t>
             </a:r>
+            <a:endParaRPr lang="en-US" smtClean="0"/>
           </a:p>
         </p:txBody>
       </p:sp>
@@ -2346,7 +2319,6 @@
           <a:p>
             <a:fld id="{63A1C593-65D0-4073-BCC9-577B9352EA97}" type="datetimeFigureOut">
               <a:rPr lang="en-US" smtClean="0"/>
-              <a:t>11/27/2015</a:t>
             </a:fld>
             <a:endParaRPr lang="en-US"/>
           </a:p>
@@ -2388,18 +2360,12 @@
           <a:p>
             <a:fld id="{9B618960-8005-486C-9A75-10CB2AAC16F9}" type="slidenum">
               <a:rPr lang="en-US" smtClean="0"/>
-              <a:t>‹#›</a:t>
             </a:fld>
             <a:endParaRPr lang="en-US"/>
           </a:p>
         </p:txBody>
       </p:sp>
     </p:spTree>
-    <p:extLst>
-      <p:ext uri="{BB962C8B-B14F-4D97-AF65-F5344CB8AC3E}">
-        <p14:creationId xmlns:p14="http://schemas.microsoft.com/office/powerpoint/2010/main" val="585876398"/>
-      </p:ext>
-    </p:extLst>
   </p:cSld>
   <p:clrMapOvr>
     <a:masterClrMapping/>
@@ -2492,6 +2458,7 @@
               <a:rPr lang="en-US" smtClean="0"/>
               <a:t>Click to edit Master text styles</a:t>
             </a:r>
+            <a:endParaRPr lang="en-US" smtClean="0"/>
           </a:p>
           <a:p>
             <a:pPr lvl="1"/>
@@ -2499,6 +2466,7 @@
               <a:rPr lang="en-US" smtClean="0"/>
               <a:t>Second level</a:t>
             </a:r>
+            <a:endParaRPr lang="en-US" smtClean="0"/>
           </a:p>
           <a:p>
             <a:pPr lvl="2"/>
@@ -2506,6 +2474,7 @@
               <a:rPr lang="en-US" smtClean="0"/>
               <a:t>Third level</a:t>
             </a:r>
+            <a:endParaRPr lang="en-US" smtClean="0"/>
           </a:p>
           <a:p>
             <a:pPr lvl="3"/>
@@ -2513,6 +2482,7 @@
               <a:rPr lang="en-US" smtClean="0"/>
               <a:t>Fourth level</a:t>
             </a:r>
+            <a:endParaRPr lang="en-US" smtClean="0"/>
           </a:p>
           <a:p>
             <a:pPr lvl="4"/>
@@ -2559,7 +2529,6 @@
           <a:p>
             <a:fld id="{63A1C593-65D0-4073-BCC9-577B9352EA97}" type="datetimeFigureOut">
               <a:rPr lang="en-US" smtClean="0"/>
-              <a:t>11/27/2015</a:t>
             </a:fld>
             <a:endParaRPr lang="en-US"/>
           </a:p>
@@ -2637,18 +2606,12 @@
           <a:p>
             <a:fld id="{9B618960-8005-486C-9A75-10CB2AAC16F9}" type="slidenum">
               <a:rPr lang="en-US" smtClean="0"/>
-              <a:t>‹#›</a:t>
             </a:fld>
             <a:endParaRPr lang="en-US"/>
           </a:p>
         </p:txBody>
       </p:sp>
     </p:spTree>
-    <p:extLst>
-      <p:ext uri="{BB962C8B-B14F-4D97-AF65-F5344CB8AC3E}">
-        <p14:creationId xmlns:p14="http://schemas.microsoft.com/office/powerpoint/2010/main" val="3597300896"/>
-      </p:ext>
-    </p:extLst>
   </p:cSld>
   <p:clrMap bg1="lt1" tx1="dk1" bg2="lt2" tx2="dk2" accent1="accent1" accent2="accent2" accent3="accent3" accent4="accent4" accent5="accent5" accent6="accent6" hlink="hlink" folHlink="folHlink"/>
   <p:sldLayoutIdLst>
@@ -2950,6 +2913,17 @@
 <file path=ppt/slides/slide1.xml><?xml version="1.0" encoding="utf-8"?>
 <p:sld xmlns:a="http://schemas.openxmlformats.org/drawingml/2006/main" xmlns:r="http://schemas.openxmlformats.org/officeDocument/2006/relationships" xmlns:p="http://schemas.openxmlformats.org/presentationml/2006/main">
   <p:cSld>
+    <p:bg>
+      <p:bgPr>
+        <a:solidFill>
+          <a:schemeClr val="bg1">
+            <a:lumMod val="85000"/>
+            <a:alpha val="40000"/>
+          </a:schemeClr>
+        </a:solidFill>
+        <a:effectLst/>
+      </p:bgPr>
+    </p:bg>
     <p:spTree>
       <p:nvGrpSpPr>
         <p:cNvPr id="1" name=""/>
@@ -2966,53 +2940,1815 @@
       </p:grpSpPr>
       <p:sp>
         <p:nvSpPr>
-          <p:cNvPr id="2" name="Title 1"/>
-          <p:cNvSpPr>
-            <a:spLocks noGrp="1"/>
-          </p:cNvSpPr>
-          <p:nvPr>
-            <p:ph type="ctrTitle"/>
-          </p:nvPr>
-        </p:nvSpPr>
-        <p:spPr/>
-        <p:txBody>
-          <a:bodyPr/>
+          <p:cNvPr id="4" name="Rectangles 3"/>
+          <p:cNvSpPr/>
+          <p:nvPr/>
+        </p:nvSpPr>
+        <p:spPr>
+          <a:xfrm>
+            <a:off x="584200" y="463550"/>
+            <a:ext cx="11132185" cy="5862320"/>
+          </a:xfrm>
+          <a:prstGeom prst="rect">
+            <a:avLst/>
+          </a:prstGeom>
+          <a:solidFill>
+            <a:schemeClr val="bg1"/>
+          </a:solidFill>
+          <a:ln>
+            <a:noFill/>
+          </a:ln>
+          <a:effectLst>
+            <a:outerShdw blurRad="50800" dist="38100" dir="8100000" algn="tr" rotWithShape="0">
+              <a:prstClr val="black">
+                <a:alpha val="25000"/>
+              </a:prstClr>
+            </a:outerShdw>
+          </a:effectLst>
+        </p:spPr>
+        <p:style>
+          <a:lnRef idx="2">
+            <a:schemeClr val="accent1">
+              <a:lumMod val="75000"/>
+            </a:schemeClr>
+          </a:lnRef>
+          <a:fillRef idx="1">
+            <a:schemeClr val="accent1"/>
+          </a:fillRef>
+          <a:effectRef idx="0">
+            <a:srgbClr val="FFFFFF"/>
+          </a:effectRef>
+          <a:fontRef idx="minor">
+            <a:schemeClr val="lt1"/>
+          </a:fontRef>
+        </p:style>
+        <p:txBody>
+          <a:bodyPr rtlCol="0" anchor="ctr"/>
+          <a:p>
+            <a:pPr algn="ctr"/>
+            <a:endParaRPr lang="en-GB" altLang="en-US"/>
+          </a:p>
+        </p:txBody>
+      </p:sp>
+      <p:cxnSp>
+        <p:nvCxnSpPr>
+          <p:cNvPr id="5" name="Straight Connector 4"/>
+          <p:cNvCxnSpPr/>
+          <p:nvPr/>
+        </p:nvCxnSpPr>
+        <p:spPr>
+          <a:xfrm>
+            <a:off x="584200" y="5459095"/>
+            <a:ext cx="2842260" cy="2540"/>
+          </a:xfrm>
+          <a:prstGeom prst="line">
+            <a:avLst/>
+          </a:prstGeom>
+        </p:spPr>
+        <p:style>
+          <a:lnRef idx="3">
+            <a:prstClr val="black"/>
+          </a:lnRef>
+          <a:fillRef idx="0">
+            <a:srgbClr val="FFFFFF"/>
+          </a:fillRef>
+          <a:effectRef idx="0">
+            <a:srgbClr val="FFFFFF"/>
+          </a:effectRef>
+          <a:fontRef idx="minor">
+            <a:schemeClr val="tx1"/>
+          </a:fontRef>
+        </p:style>
+      </p:cxnSp>
+      <p:sp>
+        <p:nvSpPr>
+          <p:cNvPr id="6" name="Text Box 5"/>
+          <p:cNvSpPr txBox="1"/>
+          <p:nvPr/>
+        </p:nvSpPr>
+        <p:spPr>
+          <a:xfrm>
+            <a:off x="984250" y="1050290"/>
+            <a:ext cx="6144260" cy="706755"/>
+          </a:xfrm>
+          <a:prstGeom prst="rect">
+            <a:avLst/>
+          </a:prstGeom>
+          <a:noFill/>
+        </p:spPr>
+        <p:txBody>
+          <a:bodyPr wrap="square" rtlCol="0">
+            <a:spAutoFit/>
+          </a:bodyPr>
+          <a:p>
+            <a:r>
+              <a:rPr lang="en-US" altLang="en-GB" sz="2000" b="1">
+                <a:effectLst/>
+              </a:rPr>
+              <a:t>Performance Comparison of QUIC and TCL+TLS Protocols</a:t>
+            </a:r>
+            <a:endParaRPr lang="en-US" altLang="en-GB" sz="2000" b="1">
+              <a:effectLst/>
+            </a:endParaRPr>
+          </a:p>
+          <a:p>
+            <a:r>
+              <a:rPr lang="en-US" altLang="en-GB" sz="2000" b="1">
+                <a:effectLst/>
+              </a:rPr>
+              <a:t>in a File Transfer Application</a:t>
+            </a:r>
+            <a:endParaRPr lang="en-US" altLang="en-GB" sz="2000" b="1">
+              <a:effectLst/>
+            </a:endParaRPr>
+          </a:p>
+        </p:txBody>
+      </p:sp>
+      <p:sp>
+        <p:nvSpPr>
+          <p:cNvPr id="7" name="Text Box 6"/>
+          <p:cNvSpPr txBox="1"/>
+          <p:nvPr/>
+        </p:nvSpPr>
+        <p:spPr>
+          <a:xfrm>
+            <a:off x="735965" y="5642610"/>
+            <a:ext cx="3103880" cy="306705"/>
+          </a:xfrm>
+          <a:prstGeom prst="rect">
+            <a:avLst/>
+          </a:prstGeom>
+          <a:noFill/>
+        </p:spPr>
+        <p:txBody>
+          <a:bodyPr wrap="square" rtlCol="0">
+            <a:spAutoFit/>
+          </a:bodyPr>
+          <a:p>
+            <a:r>
+              <a:rPr lang="it-IT" altLang="en-GB" sz="1400"/>
+              <a:t>Riccardo Puddu, Simone Zedda</a:t>
+            </a:r>
+            <a:endParaRPr lang="it-IT" altLang="en-GB" sz="1400"/>
+          </a:p>
+        </p:txBody>
+      </p:sp>
+      <p:sp>
+        <p:nvSpPr>
+          <p:cNvPr id="68" name="椭圆 4"/>
+          <p:cNvSpPr/>
+          <p:nvPr>
+            <p:custDataLst>
+              <p:tags r:id="rId1"/>
+            </p:custDataLst>
+          </p:nvPr>
+        </p:nvSpPr>
+        <p:spPr>
+          <a:xfrm>
+            <a:off x="7362825" y="2661920"/>
+            <a:ext cx="2247900" cy="2247900"/>
+          </a:xfrm>
+          <a:prstGeom prst="ellipse">
+            <a:avLst/>
+          </a:prstGeom>
+          <a:solidFill>
+            <a:schemeClr val="accent1">
+              <a:lumMod val="20000"/>
+              <a:lumOff val="80000"/>
+              <a:alpha val="60000"/>
+            </a:schemeClr>
+          </a:solidFill>
+          <a:ln>
+            <a:noFill/>
+          </a:ln>
+          <a:effectLst/>
+        </p:spPr>
+        <p:style>
+          <a:lnRef idx="2">
+            <a:schemeClr val="accent1">
+              <a:shade val="50000"/>
+            </a:schemeClr>
+          </a:lnRef>
+          <a:fillRef idx="1">
+            <a:schemeClr val="accent1"/>
+          </a:fillRef>
+          <a:effectRef idx="0">
+            <a:schemeClr val="accent1"/>
+          </a:effectRef>
+          <a:fontRef idx="minor">
+            <a:schemeClr val="lt1"/>
+          </a:fontRef>
+        </p:style>
+        <p:txBody>
+          <a:bodyPr vertOverflow="overflow" horzOverflow="overflow" vert="horz" wrap="square" numCol="1" spcCol="0" rtlCol="0" fromWordArt="0" anchor="ctr" anchorCtr="0" forceAA="0" compatLnSpc="1">
+            <a:noAutofit/>
+          </a:bodyPr>
           <a:lstStyle/>
           <a:p>
-            <a:endParaRPr lang="en-US" dirty="0"/>
-          </a:p>
-        </p:txBody>
-      </p:sp>
-      <p:sp>
-        <p:nvSpPr>
-          <p:cNvPr id="3" name="Subtitle 2"/>
-          <p:cNvSpPr>
-            <a:spLocks noGrp="1"/>
-          </p:cNvSpPr>
-          <p:nvPr>
-            <p:ph type="subTitle" idx="1"/>
-          </p:nvPr>
-        </p:nvSpPr>
-        <p:spPr/>
-        <p:txBody>
-          <a:bodyPr/>
+            <a:pPr lvl="0" algn="ctr">
+              <a:buClrTx/>
+              <a:buSzTx/>
+              <a:buFontTx/>
+            </a:pPr>
+            <a:endParaRPr lang="en-US">
+              <a:sym typeface="+mn-lt"/>
+            </a:endParaRPr>
+          </a:p>
+        </p:txBody>
+      </p:sp>
+      <p:sp>
+        <p:nvSpPr>
+          <p:cNvPr id="73" name="弧形 13"/>
+          <p:cNvSpPr/>
+          <p:nvPr>
+            <p:custDataLst>
+              <p:tags r:id="rId2"/>
+            </p:custDataLst>
+          </p:nvPr>
+        </p:nvSpPr>
+        <p:spPr>
+          <a:xfrm rot="7200000">
+            <a:off x="7102475" y="2401570"/>
+            <a:ext cx="2769235" cy="2769235"/>
+          </a:xfrm>
+          <a:prstGeom prst="arc">
+            <a:avLst>
+              <a:gd name="adj1" fmla="val 15835561"/>
+              <a:gd name="adj2" fmla="val 21121678"/>
+            </a:avLst>
+          </a:prstGeom>
+          <a:ln w="6350">
+            <a:gradFill>
+              <a:gsLst>
+                <a:gs pos="0">
+                  <a:schemeClr val="accent1">
+                    <a:alpha val="0"/>
+                  </a:schemeClr>
+                </a:gs>
+                <a:gs pos="60000">
+                  <a:schemeClr val="accent1"/>
+                </a:gs>
+              </a:gsLst>
+              <a:lin ang="5400000" scaled="1"/>
+            </a:gradFill>
+            <a:prstDash val="dash"/>
+            <a:tailEnd type="triangle"/>
+          </a:ln>
+          <a:effectLst>
+            <a:outerShdw blurRad="50800" dist="38100" dir="2700000" algn="tl" rotWithShape="0">
+              <a:schemeClr val="accent1">
+                <a:lumMod val="75000"/>
+                <a:alpha val="40000"/>
+              </a:schemeClr>
+            </a:outerShdw>
+          </a:effectLst>
+        </p:spPr>
+        <p:style>
+          <a:lnRef idx="1">
+            <a:schemeClr val="accent1"/>
+          </a:lnRef>
+          <a:fillRef idx="0">
+            <a:schemeClr val="accent1"/>
+          </a:fillRef>
+          <a:effectRef idx="0">
+            <a:schemeClr val="accent1"/>
+          </a:effectRef>
+          <a:fontRef idx="minor">
+            <a:schemeClr val="tx1"/>
+          </a:fontRef>
+        </p:style>
+        <p:txBody>
+          <a:bodyPr rtlCol="0" anchor="ctr"/>
+          <a:lstStyle>
+            <a:defPPr>
+              <a:defRPr lang="en-US"/>
+            </a:defPPr>
+            <a:lvl1pPr marL="0" algn="l" defTabSz="914400" rtl="0" eaLnBrk="1" latinLnBrk="0" hangingPunct="1">
+              <a:defRPr sz="1800" kern="1200">
+                <a:solidFill>
+                  <a:schemeClr val="tx1"/>
+                </a:solidFill>
+                <a:latin typeface="+mn-lt"/>
+              </a:defRPr>
+            </a:lvl1pPr>
+            <a:lvl2pPr marL="457200" algn="l" defTabSz="914400" rtl="0" eaLnBrk="1" latinLnBrk="0" hangingPunct="1">
+              <a:defRPr sz="1800" kern="1200">
+                <a:solidFill>
+                  <a:schemeClr val="tx1"/>
+                </a:solidFill>
+                <a:latin typeface="+mn-lt"/>
+              </a:defRPr>
+            </a:lvl2pPr>
+            <a:lvl3pPr marL="914400" algn="l" defTabSz="914400" rtl="0" eaLnBrk="1" latinLnBrk="0" hangingPunct="1">
+              <a:defRPr sz="1800" kern="1200">
+                <a:solidFill>
+                  <a:schemeClr val="tx1"/>
+                </a:solidFill>
+                <a:latin typeface="+mn-lt"/>
+              </a:defRPr>
+            </a:lvl3pPr>
+            <a:lvl4pPr marL="1371600" algn="l" defTabSz="914400" rtl="0" eaLnBrk="1" latinLnBrk="0" hangingPunct="1">
+              <a:defRPr sz="1800" kern="1200">
+                <a:solidFill>
+                  <a:schemeClr val="tx1"/>
+                </a:solidFill>
+                <a:latin typeface="+mn-lt"/>
+              </a:defRPr>
+            </a:lvl4pPr>
+            <a:lvl5pPr marL="1828800" algn="l" defTabSz="914400" rtl="0" eaLnBrk="1" latinLnBrk="0" hangingPunct="1">
+              <a:defRPr sz="1800" kern="1200">
+                <a:solidFill>
+                  <a:schemeClr val="tx1"/>
+                </a:solidFill>
+                <a:latin typeface="+mn-lt"/>
+              </a:defRPr>
+            </a:lvl5pPr>
+            <a:lvl6pPr marL="2286000" algn="l" defTabSz="914400" rtl="0" eaLnBrk="1" latinLnBrk="0" hangingPunct="1">
+              <a:defRPr sz="1800" kern="1200">
+                <a:solidFill>
+                  <a:schemeClr val="tx1"/>
+                </a:solidFill>
+                <a:latin typeface="+mn-lt"/>
+              </a:defRPr>
+            </a:lvl6pPr>
+            <a:lvl7pPr marL="2743200" algn="l" defTabSz="914400" rtl="0" eaLnBrk="1" latinLnBrk="0" hangingPunct="1">
+              <a:defRPr sz="1800" kern="1200">
+                <a:solidFill>
+                  <a:schemeClr val="tx1"/>
+                </a:solidFill>
+                <a:latin typeface="+mn-lt"/>
+              </a:defRPr>
+            </a:lvl7pPr>
+            <a:lvl8pPr marL="3200400" algn="l" defTabSz="914400" rtl="0" eaLnBrk="1" latinLnBrk="0" hangingPunct="1">
+              <a:defRPr sz="1800" kern="1200">
+                <a:solidFill>
+                  <a:schemeClr val="tx1"/>
+                </a:solidFill>
+                <a:latin typeface="+mn-lt"/>
+              </a:defRPr>
+            </a:lvl8pPr>
+            <a:lvl9pPr marL="3657600" algn="l" defTabSz="914400" rtl="0" eaLnBrk="1" latinLnBrk="0" hangingPunct="1">
+              <a:defRPr sz="1800" kern="1200">
+                <a:solidFill>
+                  <a:schemeClr val="tx1"/>
+                </a:solidFill>
+                <a:latin typeface="+mn-lt"/>
+              </a:defRPr>
+            </a:lvl9pPr>
+          </a:lstStyle>
+          <a:p>
+            <a:pPr algn="ctr"/>
+            <a:endParaRPr lang="en-US"/>
+          </a:p>
+        </p:txBody>
+      </p:sp>
+      <p:sp>
+        <p:nvSpPr>
+          <p:cNvPr id="74" name="弧形 14"/>
+          <p:cNvSpPr/>
+          <p:nvPr>
+            <p:custDataLst>
+              <p:tags r:id="rId3"/>
+            </p:custDataLst>
+          </p:nvPr>
+        </p:nvSpPr>
+        <p:spPr>
+          <a:xfrm rot="20880000">
+            <a:off x="7115810" y="2402205"/>
+            <a:ext cx="2769235" cy="2769235"/>
+          </a:xfrm>
+          <a:prstGeom prst="arc">
+            <a:avLst>
+              <a:gd name="adj1" fmla="val 15835561"/>
+              <a:gd name="adj2" fmla="val 21121678"/>
+            </a:avLst>
+          </a:prstGeom>
+          <a:ln w="6350">
+            <a:gradFill>
+              <a:gsLst>
+                <a:gs pos="0">
+                  <a:schemeClr val="accent1">
+                    <a:alpha val="0"/>
+                  </a:schemeClr>
+                </a:gs>
+                <a:gs pos="60000">
+                  <a:schemeClr val="accent1"/>
+                </a:gs>
+              </a:gsLst>
+              <a:lin ang="5400000" scaled="1"/>
+            </a:gradFill>
+            <a:prstDash val="dash"/>
+            <a:tailEnd type="triangle"/>
+          </a:ln>
+          <a:effectLst>
+            <a:outerShdw blurRad="50800" dist="38100" dir="2700000" algn="tl" rotWithShape="0">
+              <a:schemeClr val="accent1">
+                <a:lumMod val="75000"/>
+                <a:alpha val="40000"/>
+              </a:schemeClr>
+            </a:outerShdw>
+          </a:effectLst>
+        </p:spPr>
+        <p:style>
+          <a:lnRef idx="1">
+            <a:schemeClr val="accent1"/>
+          </a:lnRef>
+          <a:fillRef idx="0">
+            <a:schemeClr val="accent1"/>
+          </a:fillRef>
+          <a:effectRef idx="0">
+            <a:schemeClr val="accent1"/>
+          </a:effectRef>
+          <a:fontRef idx="minor">
+            <a:schemeClr val="tx1"/>
+          </a:fontRef>
+        </p:style>
+        <p:txBody>
+          <a:bodyPr rtlCol="0" anchor="ctr"/>
+          <a:lstStyle>
+            <a:defPPr>
+              <a:defRPr lang="en-US"/>
+            </a:defPPr>
+            <a:lvl1pPr marL="0" algn="l" defTabSz="914400" rtl="0" eaLnBrk="1" latinLnBrk="0" hangingPunct="1">
+              <a:defRPr sz="1800" kern="1200">
+                <a:solidFill>
+                  <a:schemeClr val="tx1"/>
+                </a:solidFill>
+                <a:latin typeface="+mn-lt"/>
+              </a:defRPr>
+            </a:lvl1pPr>
+            <a:lvl2pPr marL="457200" algn="l" defTabSz="914400" rtl="0" eaLnBrk="1" latinLnBrk="0" hangingPunct="1">
+              <a:defRPr sz="1800" kern="1200">
+                <a:solidFill>
+                  <a:schemeClr val="tx1"/>
+                </a:solidFill>
+                <a:latin typeface="+mn-lt"/>
+              </a:defRPr>
+            </a:lvl2pPr>
+            <a:lvl3pPr marL="914400" algn="l" defTabSz="914400" rtl="0" eaLnBrk="1" latinLnBrk="0" hangingPunct="1">
+              <a:defRPr sz="1800" kern="1200">
+                <a:solidFill>
+                  <a:schemeClr val="tx1"/>
+                </a:solidFill>
+                <a:latin typeface="+mn-lt"/>
+              </a:defRPr>
+            </a:lvl3pPr>
+            <a:lvl4pPr marL="1371600" algn="l" defTabSz="914400" rtl="0" eaLnBrk="1" latinLnBrk="0" hangingPunct="1">
+              <a:defRPr sz="1800" kern="1200">
+                <a:solidFill>
+                  <a:schemeClr val="tx1"/>
+                </a:solidFill>
+                <a:latin typeface="+mn-lt"/>
+              </a:defRPr>
+            </a:lvl4pPr>
+            <a:lvl5pPr marL="1828800" algn="l" defTabSz="914400" rtl="0" eaLnBrk="1" latinLnBrk="0" hangingPunct="1">
+              <a:defRPr sz="1800" kern="1200">
+                <a:solidFill>
+                  <a:schemeClr val="tx1"/>
+                </a:solidFill>
+                <a:latin typeface="+mn-lt"/>
+              </a:defRPr>
+            </a:lvl5pPr>
+            <a:lvl6pPr marL="2286000" algn="l" defTabSz="914400" rtl="0" eaLnBrk="1" latinLnBrk="0" hangingPunct="1">
+              <a:defRPr sz="1800" kern="1200">
+                <a:solidFill>
+                  <a:schemeClr val="tx1"/>
+                </a:solidFill>
+                <a:latin typeface="+mn-lt"/>
+              </a:defRPr>
+            </a:lvl6pPr>
+            <a:lvl7pPr marL="2743200" algn="l" defTabSz="914400" rtl="0" eaLnBrk="1" latinLnBrk="0" hangingPunct="1">
+              <a:defRPr sz="1800" kern="1200">
+                <a:solidFill>
+                  <a:schemeClr val="tx1"/>
+                </a:solidFill>
+                <a:latin typeface="+mn-lt"/>
+              </a:defRPr>
+            </a:lvl7pPr>
+            <a:lvl8pPr marL="3200400" algn="l" defTabSz="914400" rtl="0" eaLnBrk="1" latinLnBrk="0" hangingPunct="1">
+              <a:defRPr sz="1800" kern="1200">
+                <a:solidFill>
+                  <a:schemeClr val="tx1"/>
+                </a:solidFill>
+                <a:latin typeface="+mn-lt"/>
+              </a:defRPr>
+            </a:lvl8pPr>
+            <a:lvl9pPr marL="3657600" algn="l" defTabSz="914400" rtl="0" eaLnBrk="1" latinLnBrk="0" hangingPunct="1">
+              <a:defRPr sz="1800" kern="1200">
+                <a:solidFill>
+                  <a:schemeClr val="tx1"/>
+                </a:solidFill>
+                <a:latin typeface="+mn-lt"/>
+              </a:defRPr>
+            </a:lvl9pPr>
+          </a:lstStyle>
+          <a:p>
+            <a:pPr algn="ctr"/>
+            <a:endParaRPr lang="en-US"/>
+          </a:p>
+        </p:txBody>
+      </p:sp>
+      <p:sp>
+        <p:nvSpPr>
+          <p:cNvPr id="67" name="椭圆 2"/>
+          <p:cNvSpPr/>
+          <p:nvPr>
+            <p:custDataLst>
+              <p:tags r:id="rId4"/>
+            </p:custDataLst>
+          </p:nvPr>
+        </p:nvSpPr>
+        <p:spPr>
+          <a:xfrm>
+            <a:off x="6323330" y="1622425"/>
+            <a:ext cx="4326890" cy="4326890"/>
+          </a:xfrm>
+          <a:prstGeom prst="ellipse">
+            <a:avLst/>
+          </a:prstGeom>
+          <a:gradFill>
+            <a:gsLst>
+              <a:gs pos="0">
+                <a:schemeClr val="accent1">
+                  <a:lumMod val="20000"/>
+                  <a:lumOff val="80000"/>
+                  <a:alpha val="0"/>
+                </a:schemeClr>
+              </a:gs>
+              <a:gs pos="100000">
+                <a:schemeClr val="accent1">
+                  <a:lumMod val="20000"/>
+                  <a:lumOff val="80000"/>
+                  <a:alpha val="51000"/>
+                </a:schemeClr>
+              </a:gs>
+            </a:gsLst>
+            <a:lin ang="16200000" scaled="0"/>
+          </a:gradFill>
+          <a:ln>
+            <a:noFill/>
+          </a:ln>
+          <a:effectLst/>
+        </p:spPr>
+        <p:style>
+          <a:lnRef idx="2">
+            <a:schemeClr val="accent1">
+              <a:shade val="50000"/>
+            </a:schemeClr>
+          </a:lnRef>
+          <a:fillRef idx="1">
+            <a:schemeClr val="accent1"/>
+          </a:fillRef>
+          <a:effectRef idx="0">
+            <a:schemeClr val="accent1"/>
+          </a:effectRef>
+          <a:fontRef idx="minor">
+            <a:schemeClr val="lt1"/>
+          </a:fontRef>
+        </p:style>
+        <p:txBody>
+          <a:bodyPr vertOverflow="overflow" horzOverflow="overflow" vert="horz" wrap="square" numCol="1" spcCol="0" rtlCol="0" fromWordArt="0" anchor="ctr" anchorCtr="0" forceAA="0" compatLnSpc="1">
+            <a:noAutofit/>
+          </a:bodyPr>
           <a:lstStyle/>
           <a:p>
-            <a:endParaRPr lang="en-US"/>
-          </a:p>
-        </p:txBody>
-      </p:sp>
+            <a:pPr lvl="0" algn="ctr">
+              <a:buClrTx/>
+              <a:buSzTx/>
+              <a:buFontTx/>
+            </a:pPr>
+            <a:endParaRPr lang="en-US">
+              <a:sym typeface="+mn-lt"/>
+            </a:endParaRPr>
+          </a:p>
+        </p:txBody>
+      </p:sp>
+      <p:sp>
+        <p:nvSpPr>
+          <p:cNvPr id="75" name="弧形 15"/>
+          <p:cNvSpPr/>
+          <p:nvPr>
+            <p:custDataLst>
+              <p:tags r:id="rId5"/>
+            </p:custDataLst>
+          </p:nvPr>
+        </p:nvSpPr>
+        <p:spPr>
+          <a:xfrm rot="14100000">
+            <a:off x="7115810" y="2402205"/>
+            <a:ext cx="2769235" cy="2769235"/>
+          </a:xfrm>
+          <a:prstGeom prst="arc">
+            <a:avLst>
+              <a:gd name="adj1" fmla="val 15835561"/>
+              <a:gd name="adj2" fmla="val 21121678"/>
+            </a:avLst>
+          </a:prstGeom>
+          <a:ln w="6350">
+            <a:gradFill>
+              <a:gsLst>
+                <a:gs pos="0">
+                  <a:schemeClr val="accent1">
+                    <a:alpha val="0"/>
+                  </a:schemeClr>
+                </a:gs>
+                <a:gs pos="60000">
+                  <a:schemeClr val="accent1"/>
+                </a:gs>
+              </a:gsLst>
+              <a:lin ang="5400000" scaled="1"/>
+            </a:gradFill>
+            <a:prstDash val="dash"/>
+            <a:tailEnd type="triangle"/>
+          </a:ln>
+          <a:effectLst>
+            <a:outerShdw blurRad="50800" dist="38100" dir="2700000" algn="tl" rotWithShape="0">
+              <a:schemeClr val="accent1">
+                <a:lumMod val="75000"/>
+                <a:alpha val="40000"/>
+              </a:schemeClr>
+            </a:outerShdw>
+          </a:effectLst>
+        </p:spPr>
+        <p:style>
+          <a:lnRef idx="1">
+            <a:schemeClr val="accent1"/>
+          </a:lnRef>
+          <a:fillRef idx="0">
+            <a:schemeClr val="accent1"/>
+          </a:fillRef>
+          <a:effectRef idx="0">
+            <a:schemeClr val="accent1"/>
+          </a:effectRef>
+          <a:fontRef idx="minor">
+            <a:schemeClr val="tx1"/>
+          </a:fontRef>
+        </p:style>
+        <p:txBody>
+          <a:bodyPr rtlCol="0" anchor="ctr"/>
+          <a:lstStyle>
+            <a:defPPr>
+              <a:defRPr lang="en-US"/>
+            </a:defPPr>
+            <a:lvl1pPr marL="0" algn="l" defTabSz="914400" rtl="0" eaLnBrk="1" latinLnBrk="0" hangingPunct="1">
+              <a:defRPr sz="1800" kern="1200">
+                <a:solidFill>
+                  <a:schemeClr val="tx1"/>
+                </a:solidFill>
+                <a:latin typeface="+mn-lt"/>
+              </a:defRPr>
+            </a:lvl1pPr>
+            <a:lvl2pPr marL="457200" algn="l" defTabSz="914400" rtl="0" eaLnBrk="1" latinLnBrk="0" hangingPunct="1">
+              <a:defRPr sz="1800" kern="1200">
+                <a:solidFill>
+                  <a:schemeClr val="tx1"/>
+                </a:solidFill>
+                <a:latin typeface="+mn-lt"/>
+              </a:defRPr>
+            </a:lvl2pPr>
+            <a:lvl3pPr marL="914400" algn="l" defTabSz="914400" rtl="0" eaLnBrk="1" latinLnBrk="0" hangingPunct="1">
+              <a:defRPr sz="1800" kern="1200">
+                <a:solidFill>
+                  <a:schemeClr val="tx1"/>
+                </a:solidFill>
+                <a:latin typeface="+mn-lt"/>
+              </a:defRPr>
+            </a:lvl3pPr>
+            <a:lvl4pPr marL="1371600" algn="l" defTabSz="914400" rtl="0" eaLnBrk="1" latinLnBrk="0" hangingPunct="1">
+              <a:defRPr sz="1800" kern="1200">
+                <a:solidFill>
+                  <a:schemeClr val="tx1"/>
+                </a:solidFill>
+                <a:latin typeface="+mn-lt"/>
+              </a:defRPr>
+            </a:lvl4pPr>
+            <a:lvl5pPr marL="1828800" algn="l" defTabSz="914400" rtl="0" eaLnBrk="1" latinLnBrk="0" hangingPunct="1">
+              <a:defRPr sz="1800" kern="1200">
+                <a:solidFill>
+                  <a:schemeClr val="tx1"/>
+                </a:solidFill>
+                <a:latin typeface="+mn-lt"/>
+              </a:defRPr>
+            </a:lvl5pPr>
+            <a:lvl6pPr marL="2286000" algn="l" defTabSz="914400" rtl="0" eaLnBrk="1" latinLnBrk="0" hangingPunct="1">
+              <a:defRPr sz="1800" kern="1200">
+                <a:solidFill>
+                  <a:schemeClr val="tx1"/>
+                </a:solidFill>
+                <a:latin typeface="+mn-lt"/>
+              </a:defRPr>
+            </a:lvl6pPr>
+            <a:lvl7pPr marL="2743200" algn="l" defTabSz="914400" rtl="0" eaLnBrk="1" latinLnBrk="0" hangingPunct="1">
+              <a:defRPr sz="1800" kern="1200">
+                <a:solidFill>
+                  <a:schemeClr val="tx1"/>
+                </a:solidFill>
+                <a:latin typeface="+mn-lt"/>
+              </a:defRPr>
+            </a:lvl7pPr>
+            <a:lvl8pPr marL="3200400" algn="l" defTabSz="914400" rtl="0" eaLnBrk="1" latinLnBrk="0" hangingPunct="1">
+              <a:defRPr sz="1800" kern="1200">
+                <a:solidFill>
+                  <a:schemeClr val="tx1"/>
+                </a:solidFill>
+                <a:latin typeface="+mn-lt"/>
+              </a:defRPr>
+            </a:lvl8pPr>
+            <a:lvl9pPr marL="3657600" algn="l" defTabSz="914400" rtl="0" eaLnBrk="1" latinLnBrk="0" hangingPunct="1">
+              <a:defRPr sz="1800" kern="1200">
+                <a:solidFill>
+                  <a:schemeClr val="tx1"/>
+                </a:solidFill>
+                <a:latin typeface="+mn-lt"/>
+              </a:defRPr>
+            </a:lvl9pPr>
+          </a:lstStyle>
+          <a:p>
+            <a:pPr algn="ctr"/>
+            <a:endParaRPr lang="en-US"/>
+          </a:p>
+        </p:txBody>
+      </p:sp>
+      <p:sp>
+        <p:nvSpPr>
+          <p:cNvPr id="76" name="椭圆 6"/>
+          <p:cNvSpPr/>
+          <p:nvPr>
+            <p:custDataLst>
+              <p:tags r:id="rId6"/>
+            </p:custDataLst>
+          </p:nvPr>
+        </p:nvSpPr>
+        <p:spPr>
+          <a:xfrm>
+            <a:off x="6858000" y="2024380"/>
+            <a:ext cx="3436620" cy="3437255"/>
+          </a:xfrm>
+          <a:prstGeom prst="ellipse">
+            <a:avLst/>
+          </a:prstGeom>
+          <a:noFill/>
+          <a:ln>
+            <a:solidFill>
+              <a:schemeClr val="accent1"/>
+            </a:solidFill>
+          </a:ln>
+          <a:effectLst>
+            <a:outerShdw blurRad="50800" dist="38100" dir="2700000" algn="tl" rotWithShape="0">
+              <a:schemeClr val="accent1">
+                <a:alpha val="40000"/>
+              </a:schemeClr>
+            </a:outerShdw>
+          </a:effectLst>
+        </p:spPr>
+        <p:style>
+          <a:lnRef idx="2">
+            <a:schemeClr val="accent1">
+              <a:shade val="50000"/>
+            </a:schemeClr>
+          </a:lnRef>
+          <a:fillRef idx="1">
+            <a:schemeClr val="accent1"/>
+          </a:fillRef>
+          <a:effectRef idx="0">
+            <a:schemeClr val="accent1"/>
+          </a:effectRef>
+          <a:fontRef idx="minor">
+            <a:schemeClr val="lt1"/>
+          </a:fontRef>
+        </p:style>
+        <p:txBody>
+          <a:bodyPr rtlCol="0" anchor="ctr"/>
+          <a:p>
+            <a:pPr algn="ctr"/>
+            <a:endParaRPr lang="en-US"/>
+          </a:p>
+        </p:txBody>
+      </p:sp>
+      <p:grpSp>
+        <p:nvGrpSpPr>
+          <p:cNvPr id="16" name="Group 15"/>
+          <p:cNvGrpSpPr/>
+          <p:nvPr/>
+        </p:nvGrpSpPr>
+        <p:grpSpPr>
+          <a:xfrm rot="0">
+            <a:off x="7031355" y="4674870"/>
+            <a:ext cx="762000" cy="762000"/>
+            <a:chOff x="11379" y="3952"/>
+            <a:chExt cx="1200" cy="1200"/>
+          </a:xfrm>
+        </p:grpSpPr>
+        <p:sp>
+          <p:nvSpPr>
+            <p:cNvPr id="9" name="Oval 8"/>
+            <p:cNvSpPr/>
+            <p:nvPr/>
+          </p:nvSpPr>
+          <p:spPr>
+            <a:xfrm>
+              <a:off x="11379" y="3952"/>
+              <a:ext cx="1201" cy="1201"/>
+            </a:xfrm>
+            <a:prstGeom prst="ellipse">
+              <a:avLst/>
+            </a:prstGeom>
+            <a:solidFill>
+              <a:schemeClr val="bg1">
+                <a:lumMod val="95000"/>
+              </a:schemeClr>
+            </a:solidFill>
+            <a:ln>
+              <a:solidFill>
+                <a:schemeClr val="bg1">
+                  <a:lumMod val="85000"/>
+                </a:schemeClr>
+              </a:solidFill>
+            </a:ln>
+          </p:spPr>
+          <p:style>
+            <a:lnRef idx="2">
+              <a:schemeClr val="accent1">
+                <a:lumMod val="75000"/>
+              </a:schemeClr>
+            </a:lnRef>
+            <a:fillRef idx="1">
+              <a:schemeClr val="accent1"/>
+            </a:fillRef>
+            <a:effectRef idx="0">
+              <a:srgbClr val="FFFFFF"/>
+            </a:effectRef>
+            <a:fontRef idx="minor">
+              <a:schemeClr val="lt1"/>
+            </a:fontRef>
+          </p:style>
+          <p:txBody>
+            <a:bodyPr rtlCol="0" anchor="ctr"/>
+            <a:p>
+              <a:pPr algn="ctr"/>
+              <a:endParaRPr lang="en-GB" altLang="en-US"/>
+            </a:p>
+          </p:txBody>
+        </p:sp>
+        <p:pic>
+          <p:nvPicPr>
+            <p:cNvPr id="13" name="Picture 12" descr="speedometer-svgrepo-com"/>
+            <p:cNvPicPr>
+              <a:picLocks noChangeAspect="1"/>
+            </p:cNvPicPr>
+            <p:nvPr/>
+          </p:nvPicPr>
+          <p:blipFill>
+            <a:blip r:embed="rId7">
+              <a:extLst>
+                <a:ext uri="{96DAC541-7B7A-43D3-8B79-37D633B846F1}">
+                  <asvg:svgBlip xmlns:asvg="http://schemas.microsoft.com/office/drawing/2016/SVG/main" r:embed="rId8"/>
+                </a:ext>
+              </a:extLst>
+            </a:blip>
+            <a:stretch>
+              <a:fillRect/>
+            </a:stretch>
+          </p:blipFill>
+          <p:spPr>
+            <a:xfrm>
+              <a:off x="11639" y="4212"/>
+              <a:ext cx="680" cy="680"/>
+            </a:xfrm>
+            <a:prstGeom prst="rect">
+              <a:avLst/>
+            </a:prstGeom>
+          </p:spPr>
+        </p:pic>
+      </p:grpSp>
+      <p:grpSp>
+        <p:nvGrpSpPr>
+          <p:cNvPr id="15" name="Group 14"/>
+          <p:cNvGrpSpPr/>
+          <p:nvPr/>
+        </p:nvGrpSpPr>
+        <p:grpSpPr>
+          <a:xfrm rot="0">
+            <a:off x="9772015" y="3859530"/>
+            <a:ext cx="762000" cy="762000"/>
+            <a:chOff x="9600" y="5153"/>
+            <a:chExt cx="1200" cy="1200"/>
+          </a:xfrm>
+        </p:grpSpPr>
+        <p:sp>
+          <p:nvSpPr>
+            <p:cNvPr id="8" name="Oval 7"/>
+            <p:cNvSpPr/>
+            <p:nvPr/>
+          </p:nvSpPr>
+          <p:spPr>
+            <a:xfrm>
+              <a:off x="9600" y="5153"/>
+              <a:ext cx="1201" cy="1201"/>
+            </a:xfrm>
+            <a:prstGeom prst="ellipse">
+              <a:avLst/>
+            </a:prstGeom>
+            <a:solidFill>
+              <a:schemeClr val="bg1">
+                <a:lumMod val="95000"/>
+              </a:schemeClr>
+            </a:solidFill>
+            <a:ln>
+              <a:solidFill>
+                <a:schemeClr val="bg1">
+                  <a:lumMod val="85000"/>
+                </a:schemeClr>
+              </a:solidFill>
+            </a:ln>
+          </p:spPr>
+          <p:style>
+            <a:lnRef idx="2">
+              <a:schemeClr val="accent1">
+                <a:lumMod val="75000"/>
+              </a:schemeClr>
+            </a:lnRef>
+            <a:fillRef idx="1">
+              <a:schemeClr val="accent1"/>
+            </a:fillRef>
+            <a:effectRef idx="0">
+              <a:srgbClr val="FFFFFF"/>
+            </a:effectRef>
+            <a:fontRef idx="minor">
+              <a:schemeClr val="lt1"/>
+            </a:fontRef>
+          </p:style>
+          <p:txBody>
+            <a:bodyPr rtlCol="0" anchor="ctr"/>
+            <a:p>
+              <a:pPr algn="ctr"/>
+              <a:endParaRPr lang="en-GB" altLang="en-US"/>
+            </a:p>
+          </p:txBody>
+        </p:sp>
+        <p:pic>
+          <p:nvPicPr>
+            <p:cNvPr id="12" name="Picture 11" descr="lock-alt-svgrepo-com"/>
+            <p:cNvPicPr>
+              <a:picLocks noChangeAspect="1"/>
+            </p:cNvPicPr>
+            <p:nvPr/>
+          </p:nvPicPr>
+          <p:blipFill>
+            <a:blip r:embed="rId9">
+              <a:extLst>
+                <a:ext uri="{96DAC541-7B7A-43D3-8B79-37D633B846F1}">
+                  <asvg:svgBlip xmlns:asvg="http://schemas.microsoft.com/office/drawing/2016/SVG/main" r:embed="rId10"/>
+                </a:ext>
+              </a:extLst>
+            </a:blip>
+            <a:stretch>
+              <a:fillRect/>
+            </a:stretch>
+          </p:blipFill>
+          <p:spPr>
+            <a:xfrm>
+              <a:off x="9875" y="5413"/>
+              <a:ext cx="680" cy="680"/>
+            </a:xfrm>
+            <a:prstGeom prst="rect">
+              <a:avLst/>
+            </a:prstGeom>
+          </p:spPr>
+        </p:pic>
+      </p:grpSp>
+      <p:grpSp>
+        <p:nvGrpSpPr>
+          <p:cNvPr id="17" name="Group 16"/>
+          <p:cNvGrpSpPr/>
+          <p:nvPr/>
+        </p:nvGrpSpPr>
+        <p:grpSpPr>
+          <a:xfrm rot="0">
+            <a:off x="7753350" y="1729740"/>
+            <a:ext cx="762000" cy="762000"/>
+            <a:chOff x="11379" y="6354"/>
+            <a:chExt cx="1200" cy="1200"/>
+          </a:xfrm>
+        </p:grpSpPr>
+        <p:sp>
+          <p:nvSpPr>
+            <p:cNvPr id="10" name="Oval 9"/>
+            <p:cNvSpPr/>
+            <p:nvPr/>
+          </p:nvSpPr>
+          <p:spPr>
+            <a:xfrm>
+              <a:off x="11379" y="6354"/>
+              <a:ext cx="1201" cy="1201"/>
+            </a:xfrm>
+            <a:prstGeom prst="ellipse">
+              <a:avLst/>
+            </a:prstGeom>
+            <a:solidFill>
+              <a:schemeClr val="bg1">
+                <a:lumMod val="95000"/>
+              </a:schemeClr>
+            </a:solidFill>
+            <a:ln>
+              <a:solidFill>
+                <a:schemeClr val="bg1">
+                  <a:lumMod val="85000"/>
+                </a:schemeClr>
+              </a:solidFill>
+            </a:ln>
+          </p:spPr>
+          <p:style>
+            <a:lnRef idx="2">
+              <a:schemeClr val="accent1">
+                <a:lumMod val="75000"/>
+              </a:schemeClr>
+            </a:lnRef>
+            <a:fillRef idx="1">
+              <a:schemeClr val="accent1"/>
+            </a:fillRef>
+            <a:effectRef idx="0">
+              <a:srgbClr val="FFFFFF"/>
+            </a:effectRef>
+            <a:fontRef idx="minor">
+              <a:schemeClr val="lt1"/>
+            </a:fontRef>
+          </p:style>
+          <p:txBody>
+            <a:bodyPr rtlCol="0" anchor="ctr"/>
+            <a:p>
+              <a:pPr algn="ctr"/>
+              <a:endParaRPr lang="en-GB" altLang="en-US"/>
+            </a:p>
+          </p:txBody>
+        </p:sp>
+        <p:pic>
+          <p:nvPicPr>
+            <p:cNvPr id="14" name="Picture 13" descr="cloud-download-svgrepo-com"/>
+            <p:cNvPicPr>
+              <a:picLocks noChangeAspect="1"/>
+            </p:cNvPicPr>
+            <p:nvPr/>
+          </p:nvPicPr>
+          <p:blipFill>
+            <a:blip r:embed="rId11">
+              <a:extLst>
+                <a:ext uri="{96DAC541-7B7A-43D3-8B79-37D633B846F1}">
+                  <asvg:svgBlip xmlns:asvg="http://schemas.microsoft.com/office/drawing/2016/SVG/main" r:embed="rId12"/>
+                </a:ext>
+              </a:extLst>
+            </a:blip>
+            <a:stretch>
+              <a:fillRect/>
+            </a:stretch>
+          </p:blipFill>
+          <p:spPr>
+            <a:xfrm>
+              <a:off x="11639" y="6614"/>
+              <a:ext cx="680" cy="680"/>
+            </a:xfrm>
+            <a:prstGeom prst="rect">
+              <a:avLst/>
+            </a:prstGeom>
+          </p:spPr>
+        </p:pic>
+      </p:grpSp>
     </p:spTree>
-    <p:extLst>
-      <p:ext uri="{BB962C8B-B14F-4D97-AF65-F5344CB8AC3E}">
-        <p14:creationId xmlns:p14="http://schemas.microsoft.com/office/powerpoint/2010/main" val="3072013332"/>
-      </p:ext>
-    </p:extLst>
   </p:cSld>
   <p:clrMapOvr>
     <a:masterClrMapping/>
   </p:clrMapOvr>
 </p:sld>
+</file>
+
+<file path=ppt/slides/slide2.xml><?xml version="1.0" encoding="utf-8"?>
+<p:sld xmlns:a="http://schemas.openxmlformats.org/drawingml/2006/main" xmlns:r="http://schemas.openxmlformats.org/officeDocument/2006/relationships" xmlns:p="http://schemas.openxmlformats.org/presentationml/2006/main">
+  <p:cSld>
+    <p:bg>
+      <p:bgPr>
+        <a:solidFill>
+          <a:schemeClr val="bg1">
+            <a:lumMod val="85000"/>
+            <a:alpha val="40000"/>
+          </a:schemeClr>
+        </a:solidFill>
+        <a:effectLst/>
+      </p:bgPr>
+    </p:bg>
+    <p:spTree>
+      <p:nvGrpSpPr>
+        <p:cNvPr id="1" name=""/>
+        <p:cNvGrpSpPr/>
+        <p:nvPr/>
+      </p:nvGrpSpPr>
+      <p:grpSpPr>
+        <a:xfrm>
+          <a:off x="0" y="0"/>
+          <a:ext cx="0" cy="0"/>
+          <a:chOff x="0" y="0"/>
+          <a:chExt cx="0" cy="0"/>
+        </a:xfrm>
+      </p:grpSpPr>
+      <p:sp>
+        <p:nvSpPr>
+          <p:cNvPr id="4" name="Rectangles 3"/>
+          <p:cNvSpPr/>
+          <p:nvPr/>
+        </p:nvSpPr>
+        <p:spPr>
+          <a:xfrm>
+            <a:off x="584200" y="463550"/>
+            <a:ext cx="11132185" cy="5862320"/>
+          </a:xfrm>
+          <a:prstGeom prst="rect">
+            <a:avLst/>
+          </a:prstGeom>
+          <a:solidFill>
+            <a:schemeClr val="bg1"/>
+          </a:solidFill>
+          <a:ln>
+            <a:noFill/>
+          </a:ln>
+          <a:effectLst>
+            <a:outerShdw blurRad="50800" dist="38100" dir="8100000" algn="tr" rotWithShape="0">
+              <a:prstClr val="black">
+                <a:alpha val="25000"/>
+              </a:prstClr>
+            </a:outerShdw>
+          </a:effectLst>
+        </p:spPr>
+        <p:style>
+          <a:lnRef idx="2">
+            <a:schemeClr val="accent1">
+              <a:lumMod val="75000"/>
+            </a:schemeClr>
+          </a:lnRef>
+          <a:fillRef idx="1">
+            <a:schemeClr val="accent1"/>
+          </a:fillRef>
+          <a:effectRef idx="0">
+            <a:srgbClr val="FFFFFF"/>
+          </a:effectRef>
+          <a:fontRef idx="minor">
+            <a:schemeClr val="lt1"/>
+          </a:fontRef>
+        </p:style>
+        <p:txBody>
+          <a:bodyPr rtlCol="0" anchor="ctr"/>
+          <a:p>
+            <a:pPr algn="ctr"/>
+            <a:endParaRPr lang="en-GB" altLang="en-US"/>
+          </a:p>
+        </p:txBody>
+      </p:sp>
+      <p:cxnSp>
+        <p:nvCxnSpPr>
+          <p:cNvPr id="5" name="Straight Connector 4"/>
+          <p:cNvCxnSpPr/>
+          <p:nvPr/>
+        </p:nvCxnSpPr>
+        <p:spPr>
+          <a:xfrm>
+            <a:off x="584200" y="5459095"/>
+            <a:ext cx="969645" cy="3175"/>
+          </a:xfrm>
+          <a:prstGeom prst="line">
+            <a:avLst/>
+          </a:prstGeom>
+        </p:spPr>
+        <p:style>
+          <a:lnRef idx="3">
+            <a:prstClr val="black"/>
+          </a:lnRef>
+          <a:fillRef idx="0">
+            <a:srgbClr val="FFFFFF"/>
+          </a:fillRef>
+          <a:effectRef idx="0">
+            <a:srgbClr val="FFFFFF"/>
+          </a:effectRef>
+          <a:fontRef idx="minor">
+            <a:schemeClr val="tx1"/>
+          </a:fontRef>
+        </p:style>
+      </p:cxnSp>
+      <p:sp>
+        <p:nvSpPr>
+          <p:cNvPr id="6" name="Text Box 5"/>
+          <p:cNvSpPr txBox="1"/>
+          <p:nvPr/>
+        </p:nvSpPr>
+        <p:spPr>
+          <a:xfrm>
+            <a:off x="984250" y="1050290"/>
+            <a:ext cx="1530985" cy="398780"/>
+          </a:xfrm>
+          <a:prstGeom prst="rect">
+            <a:avLst/>
+          </a:prstGeom>
+          <a:noFill/>
+        </p:spPr>
+        <p:txBody>
+          <a:bodyPr wrap="square" rtlCol="0">
+            <a:spAutoFit/>
+          </a:bodyPr>
+          <a:p>
+            <a:r>
+              <a:rPr lang="it-IT" altLang="en-US" sz="2000" b="1">
+                <a:effectLst/>
+              </a:rPr>
+              <a:t>Motivation</a:t>
+            </a:r>
+            <a:endParaRPr lang="it-IT" altLang="en-US" sz="2000" b="1">
+              <a:effectLst/>
+            </a:endParaRPr>
+          </a:p>
+        </p:txBody>
+      </p:sp>
+      <p:sp>
+        <p:nvSpPr>
+          <p:cNvPr id="7" name="Text Box 6"/>
+          <p:cNvSpPr txBox="1"/>
+          <p:nvPr/>
+        </p:nvSpPr>
+        <p:spPr>
+          <a:xfrm>
+            <a:off x="913130" y="5642610"/>
+            <a:ext cx="311150" cy="306705"/>
+          </a:xfrm>
+          <a:prstGeom prst="rect">
+            <a:avLst/>
+          </a:prstGeom>
+          <a:noFill/>
+        </p:spPr>
+        <p:txBody>
+          <a:bodyPr wrap="square" rtlCol="0">
+            <a:spAutoFit/>
+          </a:bodyPr>
+          <a:p>
+            <a:r>
+              <a:rPr lang="it-IT" altLang="en-GB" sz="1400"/>
+              <a:t>2</a:t>
+            </a:r>
+            <a:endParaRPr lang="it-IT" altLang="en-GB" sz="1400"/>
+          </a:p>
+        </p:txBody>
+      </p:sp>
+      <p:sp>
+        <p:nvSpPr>
+          <p:cNvPr id="2" name="Text Box 1"/>
+          <p:cNvSpPr txBox="1"/>
+          <p:nvPr/>
+        </p:nvSpPr>
+        <p:spPr>
+          <a:xfrm>
+            <a:off x="984250" y="2101850"/>
+            <a:ext cx="2629535" cy="368300"/>
+          </a:xfrm>
+          <a:prstGeom prst="rect">
+            <a:avLst/>
+          </a:prstGeom>
+          <a:noFill/>
+        </p:spPr>
+        <p:txBody>
+          <a:bodyPr wrap="square" rtlCol="0">
+            <a:spAutoFit/>
+          </a:bodyPr>
+          <a:p>
+            <a:r>
+              <a:rPr lang="it-IT" altLang="en-GB"/>
+              <a:t>Why does this matter?</a:t>
+            </a:r>
+            <a:endParaRPr lang="it-IT" altLang="en-GB"/>
+          </a:p>
+        </p:txBody>
+      </p:sp>
+    </p:spTree>
+  </p:cSld>
+  <p:clrMapOvr>
+    <a:masterClrMapping/>
+  </p:clrMapOvr>
+</p:sld>
+</file>
+
+<file path=ppt/slides/slide3.xml><?xml version="1.0" encoding="utf-8"?>
+<p:sld xmlns:a="http://schemas.openxmlformats.org/drawingml/2006/main" xmlns:r="http://schemas.openxmlformats.org/officeDocument/2006/relationships" xmlns:p="http://schemas.openxmlformats.org/presentationml/2006/main">
+  <p:cSld>
+    <p:bg>
+      <p:bgPr>
+        <a:solidFill>
+          <a:schemeClr val="bg1">
+            <a:lumMod val="85000"/>
+            <a:alpha val="40000"/>
+          </a:schemeClr>
+        </a:solidFill>
+        <a:effectLst/>
+      </p:bgPr>
+    </p:bg>
+    <p:spTree>
+      <p:nvGrpSpPr>
+        <p:cNvPr id="1" name=""/>
+        <p:cNvGrpSpPr/>
+        <p:nvPr/>
+      </p:nvGrpSpPr>
+      <p:grpSpPr>
+        <a:xfrm>
+          <a:off x="0" y="0"/>
+          <a:ext cx="0" cy="0"/>
+          <a:chOff x="0" y="0"/>
+          <a:chExt cx="0" cy="0"/>
+        </a:xfrm>
+      </p:grpSpPr>
+      <p:sp>
+        <p:nvSpPr>
+          <p:cNvPr id="4" name="Rectangles 3"/>
+          <p:cNvSpPr/>
+          <p:nvPr/>
+        </p:nvSpPr>
+        <p:spPr>
+          <a:xfrm>
+            <a:off x="584200" y="463550"/>
+            <a:ext cx="11132185" cy="5862320"/>
+          </a:xfrm>
+          <a:prstGeom prst="rect">
+            <a:avLst/>
+          </a:prstGeom>
+          <a:solidFill>
+            <a:schemeClr val="bg1"/>
+          </a:solidFill>
+          <a:ln>
+            <a:noFill/>
+          </a:ln>
+          <a:effectLst>
+            <a:outerShdw blurRad="50800" dist="38100" dir="8100000" algn="tr" rotWithShape="0">
+              <a:prstClr val="black">
+                <a:alpha val="25000"/>
+              </a:prstClr>
+            </a:outerShdw>
+          </a:effectLst>
+        </p:spPr>
+        <p:style>
+          <a:lnRef idx="2">
+            <a:schemeClr val="accent1">
+              <a:lumMod val="75000"/>
+            </a:schemeClr>
+          </a:lnRef>
+          <a:fillRef idx="1">
+            <a:schemeClr val="accent1"/>
+          </a:fillRef>
+          <a:effectRef idx="0">
+            <a:srgbClr val="FFFFFF"/>
+          </a:effectRef>
+          <a:fontRef idx="minor">
+            <a:schemeClr val="lt1"/>
+          </a:fontRef>
+        </p:style>
+        <p:txBody>
+          <a:bodyPr rtlCol="0" anchor="ctr"/>
+          <a:p>
+            <a:pPr algn="ctr"/>
+            <a:endParaRPr lang="en-GB" altLang="en-US"/>
+          </a:p>
+        </p:txBody>
+      </p:sp>
+      <p:cxnSp>
+        <p:nvCxnSpPr>
+          <p:cNvPr id="5" name="Straight Connector 4"/>
+          <p:cNvCxnSpPr/>
+          <p:nvPr/>
+        </p:nvCxnSpPr>
+        <p:spPr>
+          <a:xfrm>
+            <a:off x="584200" y="5459095"/>
+            <a:ext cx="969645" cy="3175"/>
+          </a:xfrm>
+          <a:prstGeom prst="line">
+            <a:avLst/>
+          </a:prstGeom>
+        </p:spPr>
+        <p:style>
+          <a:lnRef idx="3">
+            <a:prstClr val="black"/>
+          </a:lnRef>
+          <a:fillRef idx="0">
+            <a:srgbClr val="FFFFFF"/>
+          </a:fillRef>
+          <a:effectRef idx="0">
+            <a:srgbClr val="FFFFFF"/>
+          </a:effectRef>
+          <a:fontRef idx="minor">
+            <a:schemeClr val="tx1"/>
+          </a:fontRef>
+        </p:style>
+      </p:cxnSp>
+      <p:sp>
+        <p:nvSpPr>
+          <p:cNvPr id="6" name="Text Box 5"/>
+          <p:cNvSpPr txBox="1"/>
+          <p:nvPr/>
+        </p:nvSpPr>
+        <p:spPr>
+          <a:xfrm>
+            <a:off x="984250" y="1050290"/>
+            <a:ext cx="1991995" cy="398780"/>
+          </a:xfrm>
+          <a:prstGeom prst="rect">
+            <a:avLst/>
+          </a:prstGeom>
+          <a:noFill/>
+        </p:spPr>
+        <p:txBody>
+          <a:bodyPr wrap="square" rtlCol="0">
+            <a:spAutoFit/>
+          </a:bodyPr>
+          <a:p>
+            <a:r>
+              <a:rPr lang="it-IT" altLang="en-US" sz="2000" b="1">
+                <a:effectLst/>
+              </a:rPr>
+              <a:t>State of the Art</a:t>
+            </a:r>
+            <a:endParaRPr lang="it-IT" altLang="en-US" sz="2000" b="1">
+              <a:effectLst/>
+            </a:endParaRPr>
+          </a:p>
+        </p:txBody>
+      </p:sp>
+      <p:sp>
+        <p:nvSpPr>
+          <p:cNvPr id="7" name="Text Box 6"/>
+          <p:cNvSpPr txBox="1"/>
+          <p:nvPr/>
+        </p:nvSpPr>
+        <p:spPr>
+          <a:xfrm>
+            <a:off x="913130" y="5642610"/>
+            <a:ext cx="311150" cy="306705"/>
+          </a:xfrm>
+          <a:prstGeom prst="rect">
+            <a:avLst/>
+          </a:prstGeom>
+          <a:noFill/>
+        </p:spPr>
+        <p:txBody>
+          <a:bodyPr wrap="square" rtlCol="0">
+            <a:spAutoFit/>
+          </a:bodyPr>
+          <a:p>
+            <a:r>
+              <a:rPr lang="it-IT" altLang="en-GB" sz="1400"/>
+              <a:t>3</a:t>
+            </a:r>
+            <a:endParaRPr lang="it-IT" altLang="en-GB" sz="1400"/>
+          </a:p>
+        </p:txBody>
+      </p:sp>
+    </p:spTree>
+  </p:cSld>
+  <p:clrMapOvr>
+    <a:masterClrMapping/>
+  </p:clrMapOvr>
+</p:sld>
+</file>
+
+<file path=ppt/slides/slide4.xml><?xml version="1.0" encoding="utf-8"?>
+<p:sld xmlns:a="http://schemas.openxmlformats.org/drawingml/2006/main" xmlns:r="http://schemas.openxmlformats.org/officeDocument/2006/relationships" xmlns:p="http://schemas.openxmlformats.org/presentationml/2006/main">
+  <p:cSld>
+    <p:bg>
+      <p:bgPr>
+        <a:solidFill>
+          <a:schemeClr val="bg1">
+            <a:lumMod val="85000"/>
+            <a:alpha val="40000"/>
+          </a:schemeClr>
+        </a:solidFill>
+        <a:effectLst/>
+      </p:bgPr>
+    </p:bg>
+    <p:spTree>
+      <p:nvGrpSpPr>
+        <p:cNvPr id="1" name=""/>
+        <p:cNvGrpSpPr/>
+        <p:nvPr/>
+      </p:nvGrpSpPr>
+      <p:grpSpPr>
+        <a:xfrm>
+          <a:off x="0" y="0"/>
+          <a:ext cx="0" cy="0"/>
+          <a:chOff x="0" y="0"/>
+          <a:chExt cx="0" cy="0"/>
+        </a:xfrm>
+      </p:grpSpPr>
+      <p:sp>
+        <p:nvSpPr>
+          <p:cNvPr id="4" name="Rectangles 3"/>
+          <p:cNvSpPr/>
+          <p:nvPr/>
+        </p:nvSpPr>
+        <p:spPr>
+          <a:xfrm>
+            <a:off x="584200" y="463550"/>
+            <a:ext cx="11132185" cy="5862320"/>
+          </a:xfrm>
+          <a:prstGeom prst="rect">
+            <a:avLst/>
+          </a:prstGeom>
+          <a:solidFill>
+            <a:schemeClr val="bg1"/>
+          </a:solidFill>
+          <a:ln>
+            <a:noFill/>
+          </a:ln>
+          <a:effectLst>
+            <a:outerShdw blurRad="50800" dist="38100" dir="8100000" algn="tr" rotWithShape="0">
+              <a:prstClr val="black">
+                <a:alpha val="25000"/>
+              </a:prstClr>
+            </a:outerShdw>
+          </a:effectLst>
+        </p:spPr>
+        <p:style>
+          <a:lnRef idx="2">
+            <a:schemeClr val="accent1">
+              <a:lumMod val="75000"/>
+            </a:schemeClr>
+          </a:lnRef>
+          <a:fillRef idx="1">
+            <a:schemeClr val="accent1"/>
+          </a:fillRef>
+          <a:effectRef idx="0">
+            <a:srgbClr val="FFFFFF"/>
+          </a:effectRef>
+          <a:fontRef idx="minor">
+            <a:schemeClr val="lt1"/>
+          </a:fontRef>
+        </p:style>
+        <p:txBody>
+          <a:bodyPr rtlCol="0" anchor="ctr"/>
+          <a:p>
+            <a:pPr algn="ctr"/>
+            <a:endParaRPr lang="en-GB" altLang="en-US"/>
+          </a:p>
+        </p:txBody>
+      </p:sp>
+      <p:cxnSp>
+        <p:nvCxnSpPr>
+          <p:cNvPr id="5" name="Straight Connector 4"/>
+          <p:cNvCxnSpPr/>
+          <p:nvPr/>
+        </p:nvCxnSpPr>
+        <p:spPr>
+          <a:xfrm>
+            <a:off x="584200" y="5459095"/>
+            <a:ext cx="969645" cy="3175"/>
+          </a:xfrm>
+          <a:prstGeom prst="line">
+            <a:avLst/>
+          </a:prstGeom>
+        </p:spPr>
+        <p:style>
+          <a:lnRef idx="3">
+            <a:prstClr val="black"/>
+          </a:lnRef>
+          <a:fillRef idx="0">
+            <a:srgbClr val="FFFFFF"/>
+          </a:fillRef>
+          <a:effectRef idx="0">
+            <a:srgbClr val="FFFFFF"/>
+          </a:effectRef>
+          <a:fontRef idx="minor">
+            <a:schemeClr val="tx1"/>
+          </a:fontRef>
+        </p:style>
+      </p:cxnSp>
+      <p:sp>
+        <p:nvSpPr>
+          <p:cNvPr id="6" name="Text Box 5"/>
+          <p:cNvSpPr txBox="1"/>
+          <p:nvPr/>
+        </p:nvSpPr>
+        <p:spPr>
+          <a:xfrm>
+            <a:off x="984250" y="1050290"/>
+            <a:ext cx="2240915" cy="706755"/>
+          </a:xfrm>
+          <a:prstGeom prst="rect">
+            <a:avLst/>
+          </a:prstGeom>
+          <a:noFill/>
+        </p:spPr>
+        <p:txBody>
+          <a:bodyPr wrap="square" rtlCol="0">
+            <a:spAutoFit/>
+          </a:bodyPr>
+          <a:p>
+            <a:r>
+              <a:rPr lang="it-IT" altLang="en-US" sz="2000" b="1">
+                <a:effectLst/>
+              </a:rPr>
+              <a:t>Implementation Overview</a:t>
+            </a:r>
+            <a:endParaRPr lang="it-IT" altLang="en-US" sz="2000" b="1">
+              <a:effectLst/>
+            </a:endParaRPr>
+          </a:p>
+        </p:txBody>
+      </p:sp>
+      <p:sp>
+        <p:nvSpPr>
+          <p:cNvPr id="7" name="Text Box 6"/>
+          <p:cNvSpPr txBox="1"/>
+          <p:nvPr/>
+        </p:nvSpPr>
+        <p:spPr>
+          <a:xfrm>
+            <a:off x="924560" y="5642610"/>
+            <a:ext cx="311150" cy="306705"/>
+          </a:xfrm>
+          <a:prstGeom prst="rect">
+            <a:avLst/>
+          </a:prstGeom>
+          <a:noFill/>
+        </p:spPr>
+        <p:txBody>
+          <a:bodyPr wrap="square" rtlCol="0">
+            <a:spAutoFit/>
+          </a:bodyPr>
+          <a:p>
+            <a:r>
+              <a:rPr lang="it-IT" altLang="en-GB" sz="1400"/>
+              <a:t>4</a:t>
+            </a:r>
+            <a:endParaRPr lang="it-IT" altLang="en-GB" sz="1400"/>
+          </a:p>
+        </p:txBody>
+      </p:sp>
+    </p:spTree>
+  </p:cSld>
+  <p:clrMapOvr>
+    <a:masterClrMapping/>
+  </p:clrMapOvr>
+</p:sld>
+</file>
+
+<file path=ppt/tags/tag1.xml><?xml version="1.0" encoding="utf-8"?>
+<p:tagLst xmlns:p="http://schemas.openxmlformats.org/presentationml/2006/main">
+  <p:tag name="KSO_WM_UNIT_HIGHLIGHT" val="0"/>
+  <p:tag name="KSO_WM_UNIT_COMPATIBLE" val="0"/>
+  <p:tag name="KSO_WM_UNIT_DIAGRAM_ISNUMVISUAL" val="0"/>
+  <p:tag name="KSO_WM_UNIT_DIAGRAM_ISREFERUNIT" val="0"/>
+  <p:tag name="KSO_WM_UNIT_ID" val="diagram20238176_2*n_h_i*1_1_2"/>
+  <p:tag name="KSO_WM_TEMPLATE_CATEGORY" val="diagram"/>
+  <p:tag name="KSO_WM_TEMPLATE_INDEX" val="20238176"/>
+  <p:tag name="KSO_WM_UNIT_LAYERLEVEL" val="1_1_1"/>
+  <p:tag name="KSO_WM_TAG_VERSION" val="3.0"/>
+  <p:tag name="KSO_WM_DIAGRAM_VERSION" val="3"/>
+  <p:tag name="KSO_WM_DIAGRAM_COLOR_TRICK" val="1"/>
+  <p:tag name="KSO_WM_DIAGRAM_COLOR_TEXT_CAN_REMOVE" val="n"/>
+  <p:tag name="KSO_WM_DIAGRAM_GROUP_CODE" val="n1-1"/>
+  <p:tag name="KSO_WM_UNIT_TYPE" val="n_h_i"/>
+  <p:tag name="KSO_WM_UNIT_INDEX" val="1_1_2"/>
+  <p:tag name="KSO_WM_DIAGRAM_MAX_ITEMCNT" val="6"/>
+  <p:tag name="KSO_WM_DIAGRAM_MIN_ITEMCNT" val="2"/>
+  <p:tag name="KSO_WM_DIAGRAM_VIRTUALLY_FRAME" val="{&quot;height&quot;:372.9,&quot;left&quot;:53.57498779296875,&quot;top&quot;:83.6,&quot;width&quot;:852.9000244140625}"/>
+  <p:tag name="KSO_WM_DIAGRAM_COLOR_MATCH_VALUE" val="{&quot;shape&quot;:{&quot;fill&quot;:{&quot;solid&quot;:{&quot;brightness&quot;:0.800000011920929,&quot;colorType&quot;:1,&quot;foreColorIndex&quot;:5,&quot;transparency&quot;:0.4000000059604645},&quot;type&quot;:1},&quot;glow&quot;:{&quot;colorType&quot;:0},&quot;line&quot;:{&quot;type&quot;:0},&quot;shadow&quot;:{&quot;colorType&quot;:0},&quot;threeD&quot;:{&quot;curvedSurface&quot;:{&quot;brightness&quot;:0,&quot;colorType&quot;:2,&quot;rgb&quot;:&quot;#000000&quot;},&quot;depth&quot;:{&quot;colorType&quot;:0}}},&quot;text&quot;:{&quot;fill&quot;:{&quot;solid&quot;:{&quot;brightness&quot;:0,&quot;colorType&quot;:1,&quot;foreColorIndex&quot;:2,&quot;transparency&quot;:0},&quot;type&quot;:1},&quot;glow&quot;:{&quot;colorType&quot;:0},&quot;line&quot;:{&quot;type&quot;:0},&quot;shadow&quot;:{&quot;colorType&quot;:0},&quot;threeD&quot;:{&quot;curvedSurface&quot;:{&quot;brightness&quot;:0,&quot;colorType&quot;:2,&quot;rgb&quot;:&quot;#000000&quot;},&quot;depth&quot;:{&quot;colorType&quot;:0}}}}"/>
+  <p:tag name="KSO_WM_UNIT_FILL_TYPE" val="1"/>
+  <p:tag name="KSO_WM_UNIT_FILL_FORE_SCHEMECOLOR_INDEX" val="5"/>
+  <p:tag name="KSO_WM_UNIT_FILL_FORE_SCHEMECOLOR_INDEX_BRIGHTNESS" val="0.8"/>
+  <p:tag name="KSO_WM_DIAGRAM_USE_COLOR_VALUE" val="{&quot;color_scheme&quot;:1,&quot;color_type&quot;:1,&quot;theme_color_indexes&quot;:[]}"/>
+</p:tagLst>
+</file>
+
+<file path=ppt/tags/tag2.xml><?xml version="1.0" encoding="utf-8"?>
+<p:tagLst xmlns:p="http://schemas.openxmlformats.org/presentationml/2006/main">
+  <p:tag name="KSO_WM_UNIT_HIGHLIGHT" val="0"/>
+  <p:tag name="KSO_WM_UNIT_COMPATIBLE" val="0"/>
+  <p:tag name="KSO_WM_UNIT_DIAGRAM_ISNUMVISUAL" val="0"/>
+  <p:tag name="KSO_WM_UNIT_DIAGRAM_ISREFERUNIT" val="0"/>
+  <p:tag name="KSO_WM_UNIT_ID" val="diagram20238176_2*n_h_h_i*1_2_2_2"/>
+  <p:tag name="KSO_WM_TEMPLATE_CATEGORY" val="diagram"/>
+  <p:tag name="KSO_WM_TEMPLATE_INDEX" val="20238176"/>
+  <p:tag name="KSO_WM_UNIT_LAYERLEVEL" val="1_1_1_1"/>
+  <p:tag name="KSO_WM_TAG_VERSION" val="3.0"/>
+  <p:tag name="KSO_WM_DIAGRAM_VERSION" val="3"/>
+  <p:tag name="KSO_WM_DIAGRAM_COLOR_TRICK" val="1"/>
+  <p:tag name="KSO_WM_DIAGRAM_COLOR_TEXT_CAN_REMOVE" val="n"/>
+  <p:tag name="KSO_WM_DIAGRAM_GROUP_CODE" val="n1-1"/>
+  <p:tag name="KSO_WM_UNIT_TYPE" val="n_h_h_i"/>
+  <p:tag name="KSO_WM_UNIT_INDEX" val="1_2_2_2"/>
+  <p:tag name="KSO_WM_DIAGRAM_MAX_ITEMCNT" val="6"/>
+  <p:tag name="KSO_WM_DIAGRAM_MIN_ITEMCNT" val="2"/>
+  <p:tag name="KSO_WM_DIAGRAM_VIRTUALLY_FRAME" val="{&quot;height&quot;:372.9,&quot;left&quot;:53.57498779296875,&quot;top&quot;:83.6,&quot;width&quot;:852.9000244140625}"/>
+  <p:tag name="KSO_WM_DIAGRAM_COLOR_MATCH_VALUE" val="{&quot;shape&quot;:{&quot;fill&quot;:{&quot;type&quot;:0},&quot;glow&quot;:{&quot;colorType&quot;:0},&quot;line&quot;:{&quot;gradient&quot;:[{&quot;brightness&quot;:0,&quot;colorType&quot;:1,&quot;foreColorIndex&quot;:5,&quot;pos&quot;:0,&quot;transparency&quot;:1},{&quot;brightness&quot;:0,&quot;colorType&quot;:1,&quot;foreColorIndex&quot;:5,&quot;pos&quot;:0.6000000238418579,&quot;transparency&quot;:0}],&quot;type&quot;:2},&quot;shadow&quot;:{&quot;brightness&quot;:-0.25,&quot;colorType&quot;:1,&quot;foreColorIndex&quot;:5,&quot;transparency&quot;:0.6000000238418579},&quot;threeD&quot;:{&quot;curvedSurface&quot;:{&quot;brightness&quot;:0,&quot;colorType&quot;:2,&quot;rgb&quot;:&quot;#000000&quot;},&quot;depth&quot;:{&quot;colorType&quot;:0}}},&quot;text&quot;:{&quot;fill&quot;:{&quot;solid&quot;:{&quot;brightness&quot;:0,&quot;colorType&quot;:1,&quot;foreColorIndex&quot;:13,&quot;transparency&quot;:0},&quot;type&quot;:1},&quot;glow&quot;:{&quot;colorType&quot;:0},&quot;line&quot;:{&quot;type&quot;:0},&quot;shadow&quot;:{&quot;colorType&quot;:0},&quot;threeD&quot;:{&quot;curvedSurface&quot;:{&quot;brightness&quot;:0,&quot;colorType&quot;:2,&quot;rgb&quot;:&quot;#000000&quot;},&quot;depth&quot;:{&quot;colorType&quot;:0}}}}"/>
+  <p:tag name="KSO_WM_DIAGRAM_USE_COLOR_VALUE" val="{&quot;color_scheme&quot;:1,&quot;color_type&quot;:1,&quot;theme_color_indexes&quot;:[]}"/>
+</p:tagLst>
+</file>
+
+<file path=ppt/tags/tag3.xml><?xml version="1.0" encoding="utf-8"?>
+<p:tagLst xmlns:p="http://schemas.openxmlformats.org/presentationml/2006/main">
+  <p:tag name="KSO_WM_UNIT_HIGHLIGHT" val="0"/>
+  <p:tag name="KSO_WM_UNIT_COMPATIBLE" val="0"/>
+  <p:tag name="KSO_WM_UNIT_DIAGRAM_ISNUMVISUAL" val="0"/>
+  <p:tag name="KSO_WM_UNIT_DIAGRAM_ISREFERUNIT" val="0"/>
+  <p:tag name="KSO_WM_UNIT_ID" val="diagram20238176_2*n_h_h_i*1_2_1_2"/>
+  <p:tag name="KSO_WM_TEMPLATE_CATEGORY" val="diagram"/>
+  <p:tag name="KSO_WM_TEMPLATE_INDEX" val="20238176"/>
+  <p:tag name="KSO_WM_UNIT_LAYERLEVEL" val="1_1_1_1"/>
+  <p:tag name="KSO_WM_TAG_VERSION" val="3.0"/>
+  <p:tag name="KSO_WM_DIAGRAM_VERSION" val="3"/>
+  <p:tag name="KSO_WM_DIAGRAM_COLOR_TRICK" val="1"/>
+  <p:tag name="KSO_WM_DIAGRAM_COLOR_TEXT_CAN_REMOVE" val="n"/>
+  <p:tag name="KSO_WM_DIAGRAM_GROUP_CODE" val="n1-1"/>
+  <p:tag name="KSO_WM_UNIT_TYPE" val="n_h_h_i"/>
+  <p:tag name="KSO_WM_UNIT_INDEX" val="1_2_1_2"/>
+  <p:tag name="KSO_WM_DIAGRAM_MAX_ITEMCNT" val="6"/>
+  <p:tag name="KSO_WM_DIAGRAM_MIN_ITEMCNT" val="2"/>
+  <p:tag name="KSO_WM_DIAGRAM_VIRTUALLY_FRAME" val="{&quot;height&quot;:372.9,&quot;left&quot;:53.57498779296875,&quot;top&quot;:83.6,&quot;width&quot;:852.9000244140625}"/>
+  <p:tag name="KSO_WM_DIAGRAM_COLOR_MATCH_VALUE" val="{&quot;shape&quot;:{&quot;fill&quot;:{&quot;type&quot;:0},&quot;glow&quot;:{&quot;colorType&quot;:0},&quot;line&quot;:{&quot;gradient&quot;:[{&quot;brightness&quot;:0,&quot;colorType&quot;:1,&quot;foreColorIndex&quot;:5,&quot;pos&quot;:0,&quot;transparency&quot;:1},{&quot;brightness&quot;:0,&quot;colorType&quot;:1,&quot;foreColorIndex&quot;:5,&quot;pos&quot;:0.6000000238418579,&quot;transparency&quot;:0}],&quot;type&quot;:2},&quot;shadow&quot;:{&quot;brightness&quot;:-0.25,&quot;colorType&quot;:1,&quot;foreColorIndex&quot;:5,&quot;transparency&quot;:0.6000000238418579},&quot;threeD&quot;:{&quot;curvedSurface&quot;:{&quot;brightness&quot;:0,&quot;colorType&quot;:2,&quot;rgb&quot;:&quot;#000000&quot;},&quot;depth&quot;:{&quot;colorType&quot;:0}}},&quot;text&quot;:{&quot;fill&quot;:{&quot;solid&quot;:{&quot;brightness&quot;:0,&quot;colorType&quot;:1,&quot;foreColorIndex&quot;:13,&quot;transparency&quot;:0},&quot;type&quot;:1},&quot;glow&quot;:{&quot;colorType&quot;:0},&quot;line&quot;:{&quot;type&quot;:0},&quot;shadow&quot;:{&quot;colorType&quot;:0},&quot;threeD&quot;:{&quot;curvedSurface&quot;:{&quot;brightness&quot;:0,&quot;colorType&quot;:2,&quot;rgb&quot;:&quot;#000000&quot;},&quot;depth&quot;:{&quot;colorType&quot;:0}}}}"/>
+  <p:tag name="KSO_WM_DIAGRAM_USE_COLOR_VALUE" val="{&quot;color_scheme&quot;:1,&quot;color_type&quot;:1,&quot;theme_color_indexes&quot;:[]}"/>
+</p:tagLst>
+</file>
+
+<file path=ppt/tags/tag4.xml><?xml version="1.0" encoding="utf-8"?>
+<p:tagLst xmlns:p="http://schemas.openxmlformats.org/presentationml/2006/main">
+  <p:tag name="KSO_WM_UNIT_HIGHLIGHT" val="0"/>
+  <p:tag name="KSO_WM_UNIT_COMPATIBLE" val="0"/>
+  <p:tag name="KSO_WM_UNIT_DIAGRAM_ISNUMVISUAL" val="0"/>
+  <p:tag name="KSO_WM_UNIT_DIAGRAM_ISREFERUNIT" val="0"/>
+  <p:tag name="KSO_WM_UNIT_ID" val="diagram20238176_2*n_h_i*1_1_1"/>
+  <p:tag name="KSO_WM_TEMPLATE_CATEGORY" val="diagram"/>
+  <p:tag name="KSO_WM_TEMPLATE_INDEX" val="20238176"/>
+  <p:tag name="KSO_WM_UNIT_LAYERLEVEL" val="1_1_1"/>
+  <p:tag name="KSO_WM_TAG_VERSION" val="3.0"/>
+  <p:tag name="KSO_WM_DIAGRAM_VERSION" val="3"/>
+  <p:tag name="KSO_WM_DIAGRAM_COLOR_TRICK" val="1"/>
+  <p:tag name="KSO_WM_DIAGRAM_COLOR_TEXT_CAN_REMOVE" val="n"/>
+  <p:tag name="KSO_WM_DIAGRAM_GROUP_CODE" val="n1-1"/>
+  <p:tag name="KSO_WM_UNIT_TYPE" val="n_h_i"/>
+  <p:tag name="KSO_WM_UNIT_INDEX" val="1_1_1"/>
+  <p:tag name="KSO_WM_DIAGRAM_MAX_ITEMCNT" val="6"/>
+  <p:tag name="KSO_WM_DIAGRAM_MIN_ITEMCNT" val="2"/>
+  <p:tag name="KSO_WM_DIAGRAM_VIRTUALLY_FRAME" val="{&quot;height&quot;:372.9,&quot;left&quot;:53.57498779296875,&quot;top&quot;:83.6,&quot;width&quot;:852.9000244140625}"/>
+  <p:tag name="KSO_WM_DIAGRAM_COLOR_MATCH_VALUE" val="{&quot;shape&quot;:{&quot;fill&quot;:{&quot;gradient&quot;:[{&quot;brightness&quot;:0.800000011920929,&quot;colorType&quot;:1,&quot;foreColorIndex&quot;:5,&quot;pos&quot;:0,&quot;transparency&quot;:1},{&quot;brightness&quot;:0.800000011920929,&quot;colorType&quot;:1,&quot;foreColorIndex&quot;:5,&quot;pos&quot;:1,&quot;transparency&quot;:0.49000000953674316}],&quot;type&quot;:3},&quot;glow&quot;:{&quot;colorType&quot;:0},&quot;line&quot;:{&quot;type&quot;:0},&quot;shadow&quot;:{&quot;colorType&quot;:0},&quot;threeD&quot;:{&quot;curvedSurface&quot;:{&quot;brightness&quot;:0,&quot;colorType&quot;:2,&quot;rgb&quot;:&quot;#000000&quot;},&quot;depth&quot;:{&quot;colorType&quot;:0}}},&quot;text&quot;:{&quot;fill&quot;:{&quot;solid&quot;:{&quot;brightness&quot;:0,&quot;colorType&quot;:1,&quot;foreColorIndex&quot;:2,&quot;transparency&quot;:0},&quot;type&quot;:1},&quot;glow&quot;:{&quot;colorType&quot;:0},&quot;line&quot;:{&quot;type&quot;:0},&quot;shadow&quot;:{&quot;colorType&quot;:0},&quot;threeD&quot;:{&quot;curvedSurface&quot;:{&quot;brightness&quot;:0,&quot;colorType&quot;:2,&quot;rgb&quot;:&quot;#000000&quot;},&quot;depth&quot;:{&quot;colorType&quot;:0}}}}"/>
+  <p:tag name="KSO_WM_UNIT_FILL_TYPE" val="3"/>
+  <p:tag name="KSO_WM_DIAGRAM_USE_COLOR_VALUE" val="{&quot;color_scheme&quot;:1,&quot;color_type&quot;:1,&quot;theme_color_indexes&quot;:[]}"/>
+</p:tagLst>
+</file>
+
+<file path=ppt/tags/tag5.xml><?xml version="1.0" encoding="utf-8"?>
+<p:tagLst xmlns:p="http://schemas.openxmlformats.org/presentationml/2006/main">
+  <p:tag name="KSO_WM_UNIT_HIGHLIGHT" val="0"/>
+  <p:tag name="KSO_WM_UNIT_COMPATIBLE" val="0"/>
+  <p:tag name="KSO_WM_UNIT_DIAGRAM_ISNUMVISUAL" val="0"/>
+  <p:tag name="KSO_WM_UNIT_DIAGRAM_ISREFERUNIT" val="0"/>
+  <p:tag name="KSO_WM_UNIT_ID" val="diagram20238176_2*n_h_h_i*1_2_3_2"/>
+  <p:tag name="KSO_WM_TEMPLATE_CATEGORY" val="diagram"/>
+  <p:tag name="KSO_WM_TEMPLATE_INDEX" val="20238176"/>
+  <p:tag name="KSO_WM_UNIT_LAYERLEVEL" val="1_1_1_1"/>
+  <p:tag name="KSO_WM_TAG_VERSION" val="3.0"/>
+  <p:tag name="KSO_WM_DIAGRAM_VERSION" val="3"/>
+  <p:tag name="KSO_WM_DIAGRAM_COLOR_TRICK" val="1"/>
+  <p:tag name="KSO_WM_DIAGRAM_COLOR_TEXT_CAN_REMOVE" val="n"/>
+  <p:tag name="KSO_WM_DIAGRAM_GROUP_CODE" val="n1-1"/>
+  <p:tag name="KSO_WM_UNIT_TYPE" val="n_h_h_i"/>
+  <p:tag name="KSO_WM_UNIT_INDEX" val="1_2_3_2"/>
+  <p:tag name="KSO_WM_DIAGRAM_MAX_ITEMCNT" val="6"/>
+  <p:tag name="KSO_WM_DIAGRAM_MIN_ITEMCNT" val="2"/>
+  <p:tag name="KSO_WM_DIAGRAM_VIRTUALLY_FRAME" val="{&quot;height&quot;:372.9,&quot;left&quot;:53.57498779296875,&quot;top&quot;:83.6,&quot;width&quot;:852.9000244140625}"/>
+  <p:tag name="KSO_WM_DIAGRAM_COLOR_MATCH_VALUE" val="{&quot;shape&quot;:{&quot;fill&quot;:{&quot;type&quot;:0},&quot;glow&quot;:{&quot;colorType&quot;:0},&quot;line&quot;:{&quot;gradient&quot;:[{&quot;brightness&quot;:0,&quot;colorType&quot;:1,&quot;foreColorIndex&quot;:5,&quot;pos&quot;:0,&quot;transparency&quot;:1},{&quot;brightness&quot;:0,&quot;colorType&quot;:1,&quot;foreColorIndex&quot;:5,&quot;pos&quot;:0.6000000238418579,&quot;transparency&quot;:0}],&quot;type&quot;:2},&quot;shadow&quot;:{&quot;brightness&quot;:-0.25,&quot;colorType&quot;:1,&quot;foreColorIndex&quot;:5,&quot;transparency&quot;:0.6000000238418579},&quot;threeD&quot;:{&quot;curvedSurface&quot;:{&quot;brightness&quot;:0,&quot;colorType&quot;:2,&quot;rgb&quot;:&quot;#000000&quot;},&quot;depth&quot;:{&quot;colorType&quot;:0}}},&quot;text&quot;:{&quot;fill&quot;:{&quot;solid&quot;:{&quot;brightness&quot;:0,&quot;colorType&quot;:1,&quot;foreColorIndex&quot;:13,&quot;transparency&quot;:0},&quot;type&quot;:1},&quot;glow&quot;:{&quot;colorType&quot;:0},&quot;line&quot;:{&quot;type&quot;:0},&quot;shadow&quot;:{&quot;colorType&quot;:0},&quot;threeD&quot;:{&quot;curvedSurface&quot;:{&quot;brightness&quot;:0,&quot;colorType&quot;:2,&quot;rgb&quot;:&quot;#000000&quot;},&quot;depth&quot;:{&quot;colorType&quot;:0}}}}"/>
+  <p:tag name="KSO_WM_DIAGRAM_USE_COLOR_VALUE" val="{&quot;color_scheme&quot;:1,&quot;color_type&quot;:1,&quot;theme_color_indexes&quot;:[]}"/>
+</p:tagLst>
+</file>
+
+<file path=ppt/tags/tag6.xml><?xml version="1.0" encoding="utf-8"?>
+<p:tagLst xmlns:p="http://schemas.openxmlformats.org/presentationml/2006/main">
+  <p:tag name="KSO_WM_UNIT_HIGHLIGHT" val="0"/>
+  <p:tag name="KSO_WM_UNIT_COMPATIBLE" val="0"/>
+  <p:tag name="KSO_WM_UNIT_DIAGRAM_ISNUMVISUAL" val="0"/>
+  <p:tag name="KSO_WM_UNIT_DIAGRAM_ISREFERUNIT" val="0"/>
+  <p:tag name="KSO_WM_UNIT_ID" val="diagram20238176_2*n_h_i*1_1_3"/>
+  <p:tag name="KSO_WM_TEMPLATE_CATEGORY" val="diagram"/>
+  <p:tag name="KSO_WM_TEMPLATE_INDEX" val="20238176"/>
+  <p:tag name="KSO_WM_UNIT_LAYERLEVEL" val="1_1_1"/>
+  <p:tag name="KSO_WM_TAG_VERSION" val="3.0"/>
+  <p:tag name="KSO_WM_DIAGRAM_VERSION" val="3"/>
+  <p:tag name="KSO_WM_DIAGRAM_COLOR_TRICK" val="1"/>
+  <p:tag name="KSO_WM_DIAGRAM_COLOR_TEXT_CAN_REMOVE" val="n"/>
+  <p:tag name="KSO_WM_DIAGRAM_GROUP_CODE" val="n1-1"/>
+  <p:tag name="KSO_WM_UNIT_TYPE" val="n_h_i"/>
+  <p:tag name="KSO_WM_UNIT_INDEX" val="1_1_3"/>
+  <p:tag name="KSO_WM_DIAGRAM_MAX_ITEMCNT" val="6"/>
+  <p:tag name="KSO_WM_DIAGRAM_MIN_ITEMCNT" val="2"/>
+  <p:tag name="KSO_WM_DIAGRAM_VIRTUALLY_FRAME" val="{&quot;height&quot;:372.9,&quot;left&quot;:53.57498779296875,&quot;top&quot;:83.6,&quot;width&quot;:852.9000244140625}"/>
+  <p:tag name="KSO_WM_DIAGRAM_COLOR_MATCH_VALUE" val="{&quot;shape&quot;:{&quot;fill&quot;:{&quot;type&quot;:0},&quot;glow&quot;:{&quot;colorType&quot;:0},&quot;line&quot;:{&quot;solidLine&quot;:{&quot;brightness&quot;:0,&quot;colorType&quot;:1,&quot;foreColorIndex&quot;:5,&quot;transparency&quot;:0},&quot;type&quot;:1},&quot;shadow&quot;:{&quot;brightness&quot;:0,&quot;colorType&quot;:1,&quot;foreColorIndex&quot;:5,&quot;transparency&quot;:0.6000000238418579},&quot;threeD&quot;:{&quot;curvedSurface&quot;:{&quot;brightness&quot;:0,&quot;colorType&quot;:2,&quot;rgb&quot;:&quot;#000000&quot;},&quot;depth&quot;:{&quot;colorType&quot;:0}}},&quot;text&quot;:{&quot;fill&quot;:{&quot;solid&quot;:{&quot;brightness&quot;:0,&quot;colorType&quot;:1,&quot;foreColorIndex&quot;:2,&quot;transparency&quot;:0},&quot;type&quot;:1},&quot;glow&quot;:{&quot;colorType&quot;:0},&quot;line&quot;:{&quot;type&quot;:0},&quot;shadow&quot;:{&quot;colorType&quot;:0},&quot;threeD&quot;:{&quot;curvedSurface&quot;:{&quot;brightness&quot;:0,&quot;colorType&quot;:2,&quot;rgb&quot;:&quot;#000000&quot;},&quot;depth&quot;:{&quot;colorType&quot;:0}}}}"/>
+  <p:tag name="KSO_WM_UNIT_LINE_FORE_SCHEMECOLOR_INDEX" val="5"/>
+  <p:tag name="KSO_WM_DIAGRAM_USE_COLOR_VALUE" val="{&quot;color_scheme&quot;:1,&quot;color_type&quot;:1,&quot;theme_color_indexes&quot;:[]}"/>
+</p:tagLst>
+</file>
+
+<file path=ppt/tags/tag7.xml><?xml version="1.0" encoding="utf-8"?>
+<p:tagLst xmlns:p="http://schemas.openxmlformats.org/presentationml/2006/main">
+  <p:tag name="resource_record_key" val="{&quot;70&quot;:[3321980]}"/>
+</p:tagLst>
 </file>
 
 <file path=ppt/theme/theme1.xml><?xml version="1.0" encoding="utf-8"?>
@@ -3058,7 +4794,7 @@
     </a:clrScheme>
     <a:fontScheme name="Office">
       <a:majorFont>
-        <a:latin typeface="Calibri Light" panose="020F0302020204030204"/>
+        <a:latin typeface="Calibri Light"/>
         <a:ea typeface=""/>
         <a:cs typeface=""/>
         <a:font script="Jpan" typeface="ＭＳ Ｐゴシック"/>
@@ -3093,7 +4829,7 @@
         <a:font script="Geor" typeface="Sylfaen"/>
       </a:majorFont>
       <a:minorFont>
-        <a:latin typeface="Calibri" panose="020F0502020204030204"/>
+        <a:latin typeface="Calibri"/>
         <a:ea typeface=""/>
         <a:cs typeface=""/>
         <a:font script="Jpan" typeface="ＭＳ Ｐゴシック"/>
@@ -3266,8 +5002,6 @@
       </a:bgFillStyleLst>
     </a:fmtScheme>
   </a:themeElements>
-  <a:objectDefaults/>
-  <a:extraClrSchemeLst/>
   <a:extLst>
     <a:ext uri="{05A4C25C-085E-4340-85A3-A5531E510DB2}">
       <thm15:themeFamily xmlns:thm15="http://schemas.microsoft.com/office/thememl/2012/main" name="Office Theme" id="{62F939B6-93AF-4DB8-9C6B-D6C7DFDC589F}" vid="{4A3C46E8-61CC-4603-A589-7422A47A8E4A}"/>

--- a/presentation/Presentation.pptx
+++ b/presentation/Presentation.pptx
@@ -4,6 +4,9 @@
   <p:sldMasterIdLst>
     <p:sldMasterId id="2147483648" r:id="rId1"/>
   </p:sldMasterIdLst>
+  <p:notesMasterIdLst>
+    <p:notesMasterId r:id="rId7"/>
+  </p:notesMasterIdLst>
   <p:sldIdLst>
     <p:sldId id="256" r:id="rId3"/>
     <p:sldId id="260" r:id="rId4"/>
@@ -13,7 +16,7 @@
   <p:sldSz cx="12192000" cy="6858000"/>
   <p:notesSz cx="6858000" cy="9144000"/>
   <p:custDataLst>
-    <p:tags r:id="rId10"/>
+    <p:tags r:id="rId11"/>
   </p:custDataLst>
   <p:defaultTextStyle>
     <a:defPPr>
@@ -111,6 +114,353 @@
     </a:lvl9pPr>
   </p:defaultTextStyle>
 </p:presentation>
+</file>
+
+<file path=ppt/notesMasters/notesMaster1.xml><?xml version="1.0" encoding="utf-8"?>
+<p:notesMaster xmlns:a="http://schemas.openxmlformats.org/drawingml/2006/main" xmlns:r="http://schemas.openxmlformats.org/officeDocument/2006/relationships" xmlns:p="http://schemas.openxmlformats.org/presentationml/2006/main">
+  <p:cSld>
+    <p:bg>
+      <p:bgRef idx="1001">
+        <a:schemeClr val="bg1"/>
+      </p:bgRef>
+    </p:bg>
+    <p:spTree>
+      <p:nvGrpSpPr>
+        <p:cNvPr id="1" name=""/>
+        <p:cNvGrpSpPr/>
+        <p:nvPr/>
+      </p:nvGrpSpPr>
+      <p:grpSpPr>
+        <a:xfrm>
+          <a:off x="0" y="0"/>
+          <a:ext cx="0" cy="0"/>
+          <a:chOff x="0" y="0"/>
+          <a:chExt cx="0" cy="0"/>
+        </a:xfrm>
+      </p:grpSpPr>
+      <p:sp>
+        <p:nvSpPr>
+          <p:cNvPr id="2" name="Header Placeholder 1"/>
+          <p:cNvSpPr>
+            <a:spLocks noGrp="1"/>
+          </p:cNvSpPr>
+          <p:nvPr>
+            <p:ph type="hdr" sz="quarter"/>
+          </p:nvPr>
+        </p:nvSpPr>
+        <p:spPr>
+          <a:xfrm>
+            <a:off x="0" y="0"/>
+            <a:ext cx="2971800" cy="458788"/>
+          </a:xfrm>
+          <a:prstGeom prst="rect">
+            <a:avLst/>
+          </a:prstGeom>
+        </p:spPr>
+        <p:txBody>
+          <a:bodyPr vert="horz" lIns="91440" tIns="45720" rIns="91440" bIns="45720" rtlCol="0"/>
+          <a:lstStyle>
+            <a:lvl1pPr algn="l">
+              <a:defRPr sz="1200"/>
+            </a:lvl1pPr>
+          </a:lstStyle>
+          <a:p>
+            <a:endParaRPr lang="en-US"/>
+          </a:p>
+        </p:txBody>
+      </p:sp>
+      <p:sp>
+        <p:nvSpPr>
+          <p:cNvPr id="3" name="Date Placeholder 2"/>
+          <p:cNvSpPr>
+            <a:spLocks noGrp="1"/>
+          </p:cNvSpPr>
+          <p:nvPr>
+            <p:ph type="dt" idx="1"/>
+          </p:nvPr>
+        </p:nvSpPr>
+        <p:spPr>
+          <a:xfrm>
+            <a:off x="3884613" y="0"/>
+            <a:ext cx="2971800" cy="458788"/>
+          </a:xfrm>
+          <a:prstGeom prst="rect">
+            <a:avLst/>
+          </a:prstGeom>
+        </p:spPr>
+        <p:txBody>
+          <a:bodyPr vert="horz" lIns="91440" tIns="45720" rIns="91440" bIns="45720" rtlCol="0"/>
+          <a:lstStyle>
+            <a:lvl1pPr algn="r">
+              <a:defRPr sz="1200"/>
+            </a:lvl1pPr>
+          </a:lstStyle>
+          <a:p>
+            <a:fld id="{3EFD42F7-718C-4B98-AAEC-167E6DDD60A7}" type="datetimeFigureOut">
+              <a:rPr lang="en-US" smtClean="0"/>
+            </a:fld>
+            <a:endParaRPr lang="en-US"/>
+          </a:p>
+        </p:txBody>
+      </p:sp>
+      <p:sp>
+        <p:nvSpPr>
+          <p:cNvPr id="4" name="Slide Image Placeholder 3"/>
+          <p:cNvSpPr>
+            <a:spLocks noGrp="1" noRot="1" noChangeAspect="1"/>
+          </p:cNvSpPr>
+          <p:nvPr>
+            <p:ph type="sldImg" idx="2"/>
+          </p:nvPr>
+        </p:nvSpPr>
+        <p:spPr>
+          <a:xfrm>
+            <a:off x="685800" y="1143000"/>
+            <a:ext cx="5486400" cy="3086100"/>
+          </a:xfrm>
+          <a:prstGeom prst="rect">
+            <a:avLst/>
+          </a:prstGeom>
+          <a:noFill/>
+          <a:ln w="12700">
+            <a:solidFill>
+              <a:prstClr val="black"/>
+            </a:solidFill>
+          </a:ln>
+        </p:spPr>
+        <p:txBody>
+          <a:bodyPr vert="horz" lIns="91440" tIns="45720" rIns="91440" bIns="45720" rtlCol="0" anchor="ctr"/>
+          <a:lstStyle/>
+          <a:p>
+            <a:endParaRPr lang="en-US"/>
+          </a:p>
+        </p:txBody>
+      </p:sp>
+      <p:sp>
+        <p:nvSpPr>
+          <p:cNvPr id="5" name="Notes Placeholder 4"/>
+          <p:cNvSpPr>
+            <a:spLocks noGrp="1"/>
+          </p:cNvSpPr>
+          <p:nvPr>
+            <p:ph type="body" sz="quarter" idx="3"/>
+          </p:nvPr>
+        </p:nvSpPr>
+        <p:spPr>
+          <a:xfrm>
+            <a:off x="685800" y="4400550"/>
+            <a:ext cx="5486400" cy="3600450"/>
+          </a:xfrm>
+          <a:prstGeom prst="rect">
+            <a:avLst/>
+          </a:prstGeom>
+        </p:spPr>
+        <p:txBody>
+          <a:bodyPr vert="horz" lIns="91440" tIns="45720" rIns="91440" bIns="45720" rtlCol="0"/>
+          <a:lstStyle/>
+          <a:p>
+            <a:pPr lvl="0"/>
+            <a:r>
+              <a:rPr lang="en-US" smtClean="0"/>
+              <a:t>Click to edit Master text styles</a:t>
+            </a:r>
+            <a:endParaRPr lang="en-US" smtClean="0"/>
+          </a:p>
+          <a:p>
+            <a:pPr lvl="1"/>
+            <a:r>
+              <a:rPr lang="en-US" smtClean="0"/>
+              <a:t>Second level</a:t>
+            </a:r>
+            <a:endParaRPr lang="en-US" smtClean="0"/>
+          </a:p>
+          <a:p>
+            <a:pPr lvl="2"/>
+            <a:r>
+              <a:rPr lang="en-US" smtClean="0"/>
+              <a:t>Third level</a:t>
+            </a:r>
+            <a:endParaRPr lang="en-US" smtClean="0"/>
+          </a:p>
+          <a:p>
+            <a:pPr lvl="3"/>
+            <a:r>
+              <a:rPr lang="en-US" smtClean="0"/>
+              <a:t>Fourth level</a:t>
+            </a:r>
+            <a:endParaRPr lang="en-US" smtClean="0"/>
+          </a:p>
+          <a:p>
+            <a:pPr lvl="4"/>
+            <a:r>
+              <a:rPr lang="en-US" smtClean="0"/>
+              <a:t>Fifth level</a:t>
+            </a:r>
+            <a:endParaRPr lang="en-US"/>
+          </a:p>
+        </p:txBody>
+      </p:sp>
+      <p:sp>
+        <p:nvSpPr>
+          <p:cNvPr id="6" name="Footer Placeholder 5"/>
+          <p:cNvSpPr>
+            <a:spLocks noGrp="1"/>
+          </p:cNvSpPr>
+          <p:nvPr>
+            <p:ph type="ftr" sz="quarter" idx="4"/>
+          </p:nvPr>
+        </p:nvSpPr>
+        <p:spPr>
+          <a:xfrm>
+            <a:off x="0" y="8685213"/>
+            <a:ext cx="2971800" cy="458787"/>
+          </a:xfrm>
+          <a:prstGeom prst="rect">
+            <a:avLst/>
+          </a:prstGeom>
+        </p:spPr>
+        <p:txBody>
+          <a:bodyPr vert="horz" lIns="91440" tIns="45720" rIns="91440" bIns="45720" rtlCol="0" anchor="b"/>
+          <a:lstStyle>
+            <a:lvl1pPr algn="l">
+              <a:defRPr sz="1200"/>
+            </a:lvl1pPr>
+          </a:lstStyle>
+          <a:p>
+            <a:endParaRPr lang="en-US"/>
+          </a:p>
+        </p:txBody>
+      </p:sp>
+      <p:sp>
+        <p:nvSpPr>
+          <p:cNvPr id="7" name="Slide Number Placeholder 6"/>
+          <p:cNvSpPr>
+            <a:spLocks noGrp="1"/>
+          </p:cNvSpPr>
+          <p:nvPr>
+            <p:ph type="sldNum" sz="quarter" idx="5"/>
+          </p:nvPr>
+        </p:nvSpPr>
+        <p:spPr>
+          <a:xfrm>
+            <a:off x="3884613" y="8685213"/>
+            <a:ext cx="2971800" cy="458787"/>
+          </a:xfrm>
+          <a:prstGeom prst="rect">
+            <a:avLst/>
+          </a:prstGeom>
+        </p:spPr>
+        <p:txBody>
+          <a:bodyPr vert="horz" lIns="91440" tIns="45720" rIns="91440" bIns="45720" rtlCol="0" anchor="b"/>
+          <a:lstStyle>
+            <a:lvl1pPr algn="r">
+              <a:defRPr sz="1200"/>
+            </a:lvl1pPr>
+          </a:lstStyle>
+          <a:p>
+            <a:fld id="{21B2AA4F-B828-4D7C-AFD3-893933DAFCB4}" type="slidenum">
+              <a:rPr lang="en-US" smtClean="0"/>
+            </a:fld>
+            <a:endParaRPr lang="en-US"/>
+          </a:p>
+        </p:txBody>
+      </p:sp>
+    </p:spTree>
+  </p:cSld>
+  <p:clrMap bg1="lt1" tx1="dk1" bg2="lt2" tx2="dk2" accent1="accent1" accent2="accent2" accent3="accent3" accent4="accent4" accent5="accent5" accent6="accent6" hlink="hlink" folHlink="folHlink"/>
+  <p:notesStyle>
+    <a:lvl1pPr marL="0" algn="l" defTabSz="914400" rtl="0" eaLnBrk="1" latinLnBrk="0" hangingPunct="1">
+      <a:defRPr sz="1200" kern="1200">
+        <a:solidFill>
+          <a:schemeClr val="tx1"/>
+        </a:solidFill>
+        <a:latin typeface="+mn-lt"/>
+        <a:ea typeface="+mn-ea"/>
+        <a:cs typeface="+mn-cs"/>
+      </a:defRPr>
+    </a:lvl1pPr>
+    <a:lvl2pPr marL="457200" algn="l" defTabSz="914400" rtl="0" eaLnBrk="1" latinLnBrk="0" hangingPunct="1">
+      <a:defRPr sz="1200" kern="1200">
+        <a:solidFill>
+          <a:schemeClr val="tx1"/>
+        </a:solidFill>
+        <a:latin typeface="+mn-lt"/>
+        <a:ea typeface="+mn-ea"/>
+        <a:cs typeface="+mn-cs"/>
+      </a:defRPr>
+    </a:lvl2pPr>
+    <a:lvl3pPr marL="914400" algn="l" defTabSz="914400" rtl="0" eaLnBrk="1" latinLnBrk="0" hangingPunct="1">
+      <a:defRPr sz="1200" kern="1200">
+        <a:solidFill>
+          <a:schemeClr val="tx1"/>
+        </a:solidFill>
+        <a:latin typeface="+mn-lt"/>
+        <a:ea typeface="+mn-ea"/>
+        <a:cs typeface="+mn-cs"/>
+      </a:defRPr>
+    </a:lvl3pPr>
+    <a:lvl4pPr marL="1371600" algn="l" defTabSz="914400" rtl="0" eaLnBrk="1" latinLnBrk="0" hangingPunct="1">
+      <a:defRPr sz="1200" kern="1200">
+        <a:solidFill>
+          <a:schemeClr val="tx1"/>
+        </a:solidFill>
+        <a:latin typeface="+mn-lt"/>
+        <a:ea typeface="+mn-ea"/>
+        <a:cs typeface="+mn-cs"/>
+      </a:defRPr>
+    </a:lvl4pPr>
+    <a:lvl5pPr marL="1828800" algn="l" defTabSz="914400" rtl="0" eaLnBrk="1" latinLnBrk="0" hangingPunct="1">
+      <a:defRPr sz="1200" kern="1200">
+        <a:solidFill>
+          <a:schemeClr val="tx1"/>
+        </a:solidFill>
+        <a:latin typeface="+mn-lt"/>
+        <a:ea typeface="+mn-ea"/>
+        <a:cs typeface="+mn-cs"/>
+      </a:defRPr>
+    </a:lvl5pPr>
+    <a:lvl6pPr marL="2286000" algn="l" defTabSz="914400" rtl="0" eaLnBrk="1" latinLnBrk="0" hangingPunct="1">
+      <a:defRPr sz="1200" kern="1200">
+        <a:solidFill>
+          <a:schemeClr val="tx1"/>
+        </a:solidFill>
+        <a:latin typeface="+mn-lt"/>
+        <a:ea typeface="+mn-ea"/>
+        <a:cs typeface="+mn-cs"/>
+      </a:defRPr>
+    </a:lvl6pPr>
+    <a:lvl7pPr marL="2743200" algn="l" defTabSz="914400" rtl="0" eaLnBrk="1" latinLnBrk="0" hangingPunct="1">
+      <a:defRPr sz="1200" kern="1200">
+        <a:solidFill>
+          <a:schemeClr val="tx1"/>
+        </a:solidFill>
+        <a:latin typeface="+mn-lt"/>
+        <a:ea typeface="+mn-ea"/>
+        <a:cs typeface="+mn-cs"/>
+      </a:defRPr>
+    </a:lvl7pPr>
+    <a:lvl8pPr marL="3200400" algn="l" defTabSz="914400" rtl="0" eaLnBrk="1" latinLnBrk="0" hangingPunct="1">
+      <a:defRPr sz="1200" kern="1200">
+        <a:solidFill>
+          <a:schemeClr val="tx1"/>
+        </a:solidFill>
+        <a:latin typeface="+mn-lt"/>
+        <a:ea typeface="+mn-ea"/>
+        <a:cs typeface="+mn-cs"/>
+      </a:defRPr>
+    </a:lvl8pPr>
+    <a:lvl9pPr marL="3657600" algn="l" defTabSz="914400" rtl="0" eaLnBrk="1" latinLnBrk="0" hangingPunct="1">
+      <a:defRPr sz="1200" kern="1200">
+        <a:solidFill>
+          <a:schemeClr val="tx1"/>
+        </a:solidFill>
+        <a:latin typeface="+mn-lt"/>
+        <a:ea typeface="+mn-ea"/>
+        <a:cs typeface="+mn-cs"/>
+      </a:defRPr>
+    </a:lvl9pPr>
+  </p:notesStyle>
+</p:notesMaster>
 </file>
 
 <file path=ppt/slideLayouts/slideLayout1.xml><?xml version="1.0" encoding="utf-8"?>
@@ -3029,7 +3379,7 @@
         <p:spPr>
           <a:xfrm>
             <a:off x="984250" y="1050290"/>
-            <a:ext cx="6144260" cy="706755"/>
+            <a:ext cx="7365365" cy="829945"/>
           </a:xfrm>
           <a:prstGeom prst="rect">
             <a:avLst/>
@@ -3042,23 +3392,23 @@
           </a:bodyPr>
           <a:p>
             <a:r>
-              <a:rPr lang="en-US" altLang="en-GB" sz="2000" b="1">
+              <a:rPr lang="en-US" altLang="en-GB" sz="2400" b="1">
                 <a:effectLst/>
               </a:rPr>
               <a:t>Performance Comparison of QUIC and TCL+TLS Protocols</a:t>
             </a:r>
-            <a:endParaRPr lang="en-US" altLang="en-GB" sz="2000" b="1">
+            <a:endParaRPr lang="en-US" altLang="en-GB" sz="2400" b="1">
               <a:effectLst/>
             </a:endParaRPr>
           </a:p>
           <a:p>
             <a:r>
-              <a:rPr lang="en-US" altLang="en-GB" sz="2000" b="1">
+              <a:rPr lang="en-US" altLang="en-GB" sz="2400" b="1">
                 <a:effectLst/>
               </a:rPr>
               <a:t>in a File Transfer Application</a:t>
             </a:r>
-            <a:endParaRPr lang="en-US" altLang="en-GB" sz="2000" b="1">
+            <a:endParaRPr lang="en-US" altLang="en-GB" sz="2400" b="1">
               <a:effectLst/>
             </a:endParaRPr>
           </a:p>
@@ -4140,7 +4490,7 @@
         <p:spPr>
           <a:xfrm>
             <a:off x="984250" y="1050290"/>
-            <a:ext cx="1530985" cy="398780"/>
+            <a:ext cx="1713230" cy="460375"/>
           </a:xfrm>
           <a:prstGeom prst="rect">
             <a:avLst/>
@@ -4153,12 +4503,12 @@
           </a:bodyPr>
           <a:p>
             <a:r>
-              <a:rPr lang="it-IT" altLang="en-US" sz="2000" b="1">
+              <a:rPr lang="it-IT" altLang="en-US" sz="2400" b="1">
                 <a:effectLst/>
               </a:rPr>
               <a:t>Motivation</a:t>
             </a:r>
-            <a:endParaRPr lang="it-IT" altLang="en-US" sz="2000" b="1">
+            <a:endParaRPr lang="it-IT" altLang="en-US" sz="2400" b="1">
               <a:effectLst/>
             </a:endParaRPr>
           </a:p>
@@ -4349,7 +4699,7 @@
         <p:spPr>
           <a:xfrm>
             <a:off x="984250" y="1050290"/>
-            <a:ext cx="1991995" cy="398780"/>
+            <a:ext cx="2228850" cy="460375"/>
           </a:xfrm>
           <a:prstGeom prst="rect">
             <a:avLst/>
@@ -4362,12 +4712,12 @@
           </a:bodyPr>
           <a:p>
             <a:r>
-              <a:rPr lang="it-IT" altLang="en-US" sz="2000" b="1">
+              <a:rPr lang="it-IT" altLang="en-US" sz="2400" b="1">
                 <a:effectLst/>
               </a:rPr>
               <a:t>State of the Art</a:t>
             </a:r>
-            <a:endParaRPr lang="it-IT" altLang="en-US" sz="2000" b="1">
+            <a:endParaRPr lang="it-IT" altLang="en-US" sz="2400" b="1">
               <a:effectLst/>
             </a:endParaRPr>
           </a:p>
@@ -4529,7 +4879,7 @@
         <p:spPr>
           <a:xfrm>
             <a:off x="984250" y="1050290"/>
-            <a:ext cx="2240915" cy="706755"/>
+            <a:ext cx="2240915" cy="829945"/>
           </a:xfrm>
           <a:prstGeom prst="rect">
             <a:avLst/>
@@ -4542,12 +4892,12 @@
           </a:bodyPr>
           <a:p>
             <a:r>
-              <a:rPr lang="it-IT" altLang="en-US" sz="2000" b="1">
+              <a:rPr lang="it-IT" altLang="en-US" sz="2400" b="1">
                 <a:effectLst/>
               </a:rPr>
               <a:t>Implementation Overview</a:t>
             </a:r>
-            <a:endParaRPr lang="it-IT" altLang="en-US" sz="2000" b="1">
+            <a:endParaRPr lang="it-IT" altLang="en-US" sz="2400" b="1">
               <a:effectLst/>
             </a:endParaRPr>
           </a:p>
@@ -4582,6 +4932,451 @@
           </a:p>
         </p:txBody>
       </p:sp>
+      <p:grpSp>
+        <p:nvGrpSpPr>
+          <p:cNvPr id="35" name="Group 34"/>
+          <p:cNvGrpSpPr/>
+          <p:nvPr/>
+        </p:nvGrpSpPr>
+        <p:grpSpPr>
+          <a:xfrm>
+            <a:off x="584835" y="2200910"/>
+            <a:ext cx="4431030" cy="736600"/>
+            <a:chOff x="921" y="3466"/>
+            <a:chExt cx="6978" cy="1160"/>
+          </a:xfrm>
+        </p:grpSpPr>
+        <p:sp>
+          <p:nvSpPr>
+            <p:cNvPr id="21" name="Round Same Side Corner Rectangle 20"/>
+            <p:cNvSpPr/>
+            <p:nvPr/>
+          </p:nvSpPr>
+          <p:spPr>
+            <a:xfrm rot="5400000">
+              <a:off x="3830" y="557"/>
+              <a:ext cx="1160" cy="6978"/>
+            </a:xfrm>
+            <a:prstGeom prst="round2SameRect">
+              <a:avLst/>
+            </a:prstGeom>
+            <a:gradFill>
+              <a:gsLst>
+                <a:gs pos="0">
+                  <a:schemeClr val="accent1">
+                    <a:lumMod val="60000"/>
+                    <a:lumOff val="40000"/>
+                  </a:schemeClr>
+                </a:gs>
+                <a:gs pos="100000">
+                  <a:schemeClr val="accent1">
+                    <a:lumMod val="20000"/>
+                    <a:lumOff val="80000"/>
+                  </a:schemeClr>
+                </a:gs>
+              </a:gsLst>
+              <a:lin ang="5400000" scaled="0"/>
+            </a:gradFill>
+            <a:ln>
+              <a:gradFill>
+                <a:gsLst>
+                  <a:gs pos="100000">
+                    <a:schemeClr val="accent1">
+                      <a:lumMod val="5000"/>
+                      <a:lumOff val="95000"/>
+                    </a:schemeClr>
+                  </a:gs>
+                  <a:gs pos="0">
+                    <a:schemeClr val="accent1">
+                      <a:lumMod val="50000"/>
+                    </a:schemeClr>
+                  </a:gs>
+                </a:gsLst>
+                <a:lin ang="5400000" scaled="1"/>
+              </a:gradFill>
+            </a:ln>
+          </p:spPr>
+          <p:style>
+            <a:lnRef idx="2">
+              <a:schemeClr val="accent1">
+                <a:lumMod val="75000"/>
+              </a:schemeClr>
+            </a:lnRef>
+            <a:fillRef idx="1">
+              <a:schemeClr val="accent1"/>
+            </a:fillRef>
+            <a:effectRef idx="0">
+              <a:srgbClr val="FFFFFF"/>
+            </a:effectRef>
+            <a:fontRef idx="minor">
+              <a:schemeClr val="lt1"/>
+            </a:fontRef>
+          </p:style>
+          <p:txBody>
+            <a:bodyPr rtlCol="0" anchor="ctr"/>
+            <a:p>
+              <a:pPr algn="ctr"/>
+              <a:endParaRPr lang="en-GB" altLang="en-US"/>
+            </a:p>
+          </p:txBody>
+        </p:sp>
+        <p:pic>
+          <p:nvPicPr>
+            <p:cNvPr id="13" name="Picture 12" descr="file-svgrepo-com"/>
+            <p:cNvPicPr>
+              <a:picLocks noChangeAspect="1"/>
+            </p:cNvPicPr>
+            <p:nvPr/>
+          </p:nvPicPr>
+          <p:blipFill>
+            <a:blip r:embed="rId1">
+              <a:extLst>
+                <a:ext uri="{96DAC541-7B7A-43D3-8B79-37D633B846F1}">
+                  <asvg:svgBlip xmlns:asvg="http://schemas.microsoft.com/office/drawing/2016/SVG/main" r:embed="rId2"/>
+                </a:ext>
+              </a:extLst>
+            </a:blip>
+            <a:stretch>
+              <a:fillRect/>
+            </a:stretch>
+          </p:blipFill>
+          <p:spPr>
+            <a:xfrm>
+              <a:off x="2447" y="3669"/>
+              <a:ext cx="755" cy="755"/>
+            </a:xfrm>
+            <a:prstGeom prst="rect">
+              <a:avLst/>
+            </a:prstGeom>
+          </p:spPr>
+        </p:pic>
+        <p:sp>
+          <p:nvSpPr>
+            <p:cNvPr id="16" name="Text Box 15"/>
+            <p:cNvSpPr txBox="1"/>
+            <p:nvPr/>
+          </p:nvSpPr>
+          <p:spPr>
+            <a:xfrm>
+              <a:off x="3940" y="3756"/>
+              <a:ext cx="3959" cy="580"/>
+            </a:xfrm>
+            <a:prstGeom prst="rect">
+              <a:avLst/>
+            </a:prstGeom>
+            <a:noFill/>
+          </p:spPr>
+          <p:txBody>
+            <a:bodyPr wrap="square" rtlCol="0">
+              <a:spAutoFit/>
+            </a:bodyPr>
+            <a:p>
+              <a:r>
+                <a:rPr lang="it-IT" altLang="en-GB"/>
+                <a:t>File Download Request</a:t>
+              </a:r>
+              <a:endParaRPr lang="it-IT" altLang="en-GB"/>
+            </a:p>
+          </p:txBody>
+        </p:sp>
+      </p:grpSp>
+      <p:grpSp>
+        <p:nvGrpSpPr>
+          <p:cNvPr id="33" name="Group 32"/>
+          <p:cNvGrpSpPr/>
+          <p:nvPr/>
+        </p:nvGrpSpPr>
+        <p:grpSpPr>
+          <a:xfrm>
+            <a:off x="584200" y="3185795"/>
+            <a:ext cx="4431030" cy="736600"/>
+            <a:chOff x="920" y="5116"/>
+            <a:chExt cx="6978" cy="1160"/>
+          </a:xfrm>
+        </p:grpSpPr>
+        <p:sp>
+          <p:nvSpPr>
+            <p:cNvPr id="30" name="Round Same Side Corner Rectangle 29"/>
+            <p:cNvSpPr/>
+            <p:nvPr/>
+          </p:nvSpPr>
+          <p:spPr>
+            <a:xfrm rot="5400000">
+              <a:off x="3829" y="2207"/>
+              <a:ext cx="1160" cy="6978"/>
+            </a:xfrm>
+            <a:prstGeom prst="round2SameRect">
+              <a:avLst/>
+            </a:prstGeom>
+            <a:gradFill>
+              <a:gsLst>
+                <a:gs pos="0">
+                  <a:schemeClr val="accent1">
+                    <a:lumMod val="60000"/>
+                    <a:lumOff val="40000"/>
+                  </a:schemeClr>
+                </a:gs>
+                <a:gs pos="100000">
+                  <a:schemeClr val="accent1">
+                    <a:lumMod val="20000"/>
+                    <a:lumOff val="80000"/>
+                  </a:schemeClr>
+                </a:gs>
+              </a:gsLst>
+              <a:lin ang="5400000" scaled="0"/>
+            </a:gradFill>
+            <a:ln>
+              <a:gradFill>
+                <a:gsLst>
+                  <a:gs pos="100000">
+                    <a:schemeClr val="accent1">
+                      <a:lumMod val="5000"/>
+                      <a:lumOff val="95000"/>
+                    </a:schemeClr>
+                  </a:gs>
+                  <a:gs pos="0">
+                    <a:schemeClr val="accent1">
+                      <a:lumMod val="50000"/>
+                    </a:schemeClr>
+                  </a:gs>
+                </a:gsLst>
+                <a:lin ang="5400000" scaled="1"/>
+              </a:gradFill>
+            </a:ln>
+          </p:spPr>
+          <p:style>
+            <a:lnRef idx="2">
+              <a:schemeClr val="accent1">
+                <a:lumMod val="75000"/>
+              </a:schemeClr>
+            </a:lnRef>
+            <a:fillRef idx="1">
+              <a:schemeClr val="accent1"/>
+            </a:fillRef>
+            <a:effectRef idx="0">
+              <a:srgbClr val="FFFFFF"/>
+            </a:effectRef>
+            <a:fontRef idx="minor">
+              <a:schemeClr val="lt1"/>
+            </a:fontRef>
+          </p:style>
+          <p:txBody>
+            <a:bodyPr rtlCol="0" anchor="ctr"/>
+            <a:p>
+              <a:pPr algn="ctr"/>
+              <a:endParaRPr lang="en-GB" altLang="en-US"/>
+            </a:p>
+          </p:txBody>
+        </p:sp>
+        <p:pic>
+          <p:nvPicPr>
+            <p:cNvPr id="14" name="Picture 13" descr="upload-svgrepo-com"/>
+            <p:cNvPicPr>
+              <a:picLocks noChangeAspect="1"/>
+            </p:cNvPicPr>
+            <p:nvPr/>
+          </p:nvPicPr>
+          <p:blipFill>
+            <a:blip r:embed="rId3">
+              <a:extLst>
+                <a:ext uri="{96DAC541-7B7A-43D3-8B79-37D633B846F1}">
+                  <asvg:svgBlip xmlns:asvg="http://schemas.microsoft.com/office/drawing/2016/SVG/main" r:embed="rId4"/>
+                </a:ext>
+              </a:extLst>
+            </a:blip>
+            <a:stretch>
+              <a:fillRect/>
+            </a:stretch>
+          </p:blipFill>
+          <p:spPr>
+            <a:xfrm>
+              <a:off x="2447" y="5319"/>
+              <a:ext cx="755" cy="755"/>
+            </a:xfrm>
+            <a:prstGeom prst="rect">
+              <a:avLst/>
+            </a:prstGeom>
+          </p:spPr>
+        </p:pic>
+        <p:sp>
+          <p:nvSpPr>
+            <p:cNvPr id="17" name="Text Box 16"/>
+            <p:cNvSpPr txBox="1"/>
+            <p:nvPr/>
+          </p:nvSpPr>
+          <p:spPr>
+            <a:xfrm>
+              <a:off x="3940" y="5406"/>
+              <a:ext cx="3320" cy="580"/>
+            </a:xfrm>
+            <a:prstGeom prst="rect">
+              <a:avLst/>
+            </a:prstGeom>
+            <a:noFill/>
+          </p:spPr>
+          <p:txBody>
+            <a:bodyPr wrap="square" rtlCol="0">
+              <a:spAutoFit/>
+            </a:bodyPr>
+            <a:p>
+              <a:r>
+                <a:rPr lang="it-IT" altLang="en-GB"/>
+                <a:t>File Upload Request</a:t>
+              </a:r>
+              <a:endParaRPr lang="it-IT" altLang="en-GB"/>
+            </a:p>
+          </p:txBody>
+        </p:sp>
+      </p:grpSp>
+      <p:grpSp>
+        <p:nvGrpSpPr>
+          <p:cNvPr id="32" name="Group 31"/>
+          <p:cNvGrpSpPr/>
+          <p:nvPr/>
+        </p:nvGrpSpPr>
+        <p:grpSpPr>
+          <a:xfrm>
+            <a:off x="584200" y="4170680"/>
+            <a:ext cx="4431030" cy="736600"/>
+            <a:chOff x="920" y="6567"/>
+            <a:chExt cx="6978" cy="1160"/>
+          </a:xfrm>
+        </p:grpSpPr>
+        <p:sp>
+          <p:nvSpPr>
+            <p:cNvPr id="31" name="Round Same Side Corner Rectangle 30"/>
+            <p:cNvSpPr/>
+            <p:nvPr/>
+          </p:nvSpPr>
+          <p:spPr>
+            <a:xfrm rot="5400000">
+              <a:off x="3829" y="3658"/>
+              <a:ext cx="1160" cy="6978"/>
+            </a:xfrm>
+            <a:prstGeom prst="round2SameRect">
+              <a:avLst/>
+            </a:prstGeom>
+            <a:gradFill>
+              <a:gsLst>
+                <a:gs pos="0">
+                  <a:schemeClr val="accent1">
+                    <a:lumMod val="60000"/>
+                    <a:lumOff val="40000"/>
+                  </a:schemeClr>
+                </a:gs>
+                <a:gs pos="100000">
+                  <a:schemeClr val="accent1">
+                    <a:lumMod val="20000"/>
+                    <a:lumOff val="80000"/>
+                  </a:schemeClr>
+                </a:gs>
+              </a:gsLst>
+              <a:lin ang="5400000" scaled="0"/>
+            </a:gradFill>
+            <a:ln>
+              <a:gradFill>
+                <a:gsLst>
+                  <a:gs pos="100000">
+                    <a:schemeClr val="accent1">
+                      <a:lumMod val="5000"/>
+                      <a:lumOff val="95000"/>
+                    </a:schemeClr>
+                  </a:gs>
+                  <a:gs pos="0">
+                    <a:schemeClr val="accent1">
+                      <a:lumMod val="50000"/>
+                    </a:schemeClr>
+                  </a:gs>
+                </a:gsLst>
+                <a:lin ang="5400000" scaled="1"/>
+              </a:gradFill>
+            </a:ln>
+          </p:spPr>
+          <p:style>
+            <a:lnRef idx="2">
+              <a:schemeClr val="accent1">
+                <a:lumMod val="75000"/>
+              </a:schemeClr>
+            </a:lnRef>
+            <a:fillRef idx="1">
+              <a:schemeClr val="accent1"/>
+            </a:fillRef>
+            <a:effectRef idx="0">
+              <a:srgbClr val="FFFFFF"/>
+            </a:effectRef>
+            <a:fontRef idx="minor">
+              <a:schemeClr val="lt1"/>
+            </a:fontRef>
+          </p:style>
+          <p:txBody>
+            <a:bodyPr rtlCol="0" anchor="ctr"/>
+            <a:p>
+              <a:pPr algn="ctr"/>
+              <a:endParaRPr lang="en-GB" altLang="en-US"/>
+            </a:p>
+          </p:txBody>
+        </p:sp>
+        <p:pic>
+          <p:nvPicPr>
+            <p:cNvPr id="15" name="Picture 14" descr="wi-fi-svgrepo-com"/>
+            <p:cNvPicPr>
+              <a:picLocks noChangeAspect="1"/>
+            </p:cNvPicPr>
+            <p:nvPr/>
+          </p:nvPicPr>
+          <p:blipFill>
+            <a:blip r:embed="rId5">
+              <a:extLst>
+                <a:ext uri="{96DAC541-7B7A-43D3-8B79-37D633B846F1}">
+                  <asvg:svgBlip xmlns:asvg="http://schemas.microsoft.com/office/drawing/2016/SVG/main" r:embed="rId6"/>
+                </a:ext>
+              </a:extLst>
+            </a:blip>
+            <a:srcRect t="7836" r="2383" b="41854"/>
+            <a:stretch>
+              <a:fillRect/>
+            </a:stretch>
+          </p:blipFill>
+          <p:spPr>
+            <a:xfrm>
+              <a:off x="2456" y="6958"/>
+              <a:ext cx="737" cy="379"/>
+            </a:xfrm>
+            <a:prstGeom prst="rect">
+              <a:avLst/>
+            </a:prstGeom>
+          </p:spPr>
+        </p:pic>
+        <p:sp>
+          <p:nvSpPr>
+            <p:cNvPr id="18" name="Text Box 17"/>
+            <p:cNvSpPr txBox="1"/>
+            <p:nvPr/>
+          </p:nvSpPr>
+          <p:spPr>
+            <a:xfrm>
+              <a:off x="3940" y="6857"/>
+              <a:ext cx="3320" cy="580"/>
+            </a:xfrm>
+            <a:prstGeom prst="rect">
+              <a:avLst/>
+            </a:prstGeom>
+            <a:noFill/>
+          </p:spPr>
+          <p:txBody>
+            <a:bodyPr wrap="square" rtlCol="0">
+              <a:spAutoFit/>
+            </a:bodyPr>
+            <a:p>
+              <a:r>
+                <a:rPr lang="it-IT" altLang="en-GB"/>
+                <a:t>Ping Request</a:t>
+              </a:r>
+              <a:endParaRPr lang="it-IT" altLang="en-GB"/>
+            </a:p>
+          </p:txBody>
+        </p:sp>
+      </p:grpSp>
     </p:spTree>
   </p:cSld>
   <p:clrMapOvr>
@@ -5008,4 +5803,263 @@
     </a:ext>
   </a:extLst>
 </a:theme>
+</file>
+
+<file path=ppt/theme/theme2.xml><?xml version="1.0" encoding="utf-8"?>
+<a:theme xmlns:a="http://schemas.openxmlformats.org/drawingml/2006/main" name="Office Theme">
+  <a:themeElements>
+    <a:clrScheme name="Office">
+      <a:dk1>
+        <a:sysClr val="windowText" lastClr="000000"/>
+      </a:dk1>
+      <a:lt1>
+        <a:sysClr val="window" lastClr="FFFFFF"/>
+      </a:lt1>
+      <a:dk2>
+        <a:srgbClr val="44546A"/>
+      </a:dk2>
+      <a:lt2>
+        <a:srgbClr val="E7E6E6"/>
+      </a:lt2>
+      <a:accent1>
+        <a:srgbClr val="5B9BD5"/>
+      </a:accent1>
+      <a:accent2>
+        <a:srgbClr val="ED7D31"/>
+      </a:accent2>
+      <a:accent3>
+        <a:srgbClr val="A5A5A5"/>
+      </a:accent3>
+      <a:accent4>
+        <a:srgbClr val="FFC000"/>
+      </a:accent4>
+      <a:accent5>
+        <a:srgbClr val="4472C4"/>
+      </a:accent5>
+      <a:accent6>
+        <a:srgbClr val="70AD47"/>
+      </a:accent6>
+      <a:hlink>
+        <a:srgbClr val="0563C1"/>
+      </a:hlink>
+      <a:folHlink>
+        <a:srgbClr val="954F72"/>
+      </a:folHlink>
+    </a:clrScheme>
+    <a:fontScheme name="Office">
+      <a:majorFont>
+        <a:latin typeface="Calibri Light"/>
+        <a:ea typeface=""/>
+        <a:cs typeface=""/>
+        <a:font script="Jpan" typeface="ＭＳ Ｐゴシック"/>
+        <a:font script="Hang" typeface="맑은 고딕"/>
+        <a:font script="Hans" typeface="宋体"/>
+        <a:font script="Hant" typeface="新細明體"/>
+        <a:font script="Arab" typeface="Times New Roman"/>
+        <a:font script="Hebr" typeface="Times New Roman"/>
+        <a:font script="Thai" typeface="Angsana New"/>
+        <a:font script="Ethi" typeface="Nyala"/>
+        <a:font script="Beng" typeface="Vrinda"/>
+        <a:font script="Gujr" typeface="Shruti"/>
+        <a:font script="Khmr" typeface="MoolBoran"/>
+        <a:font script="Knda" typeface="Tunga"/>
+        <a:font script="Guru" typeface="Raavi"/>
+        <a:font script="Cans" typeface="Euphemia"/>
+        <a:font script="Cher" typeface="Plantagenet Cherokee"/>
+        <a:font script="Yiii" typeface="Microsoft Yi Baiti"/>
+        <a:font script="Tibt" typeface="Microsoft Himalaya"/>
+        <a:font script="Thaa" typeface="MV Boli"/>
+        <a:font script="Deva" typeface="Mangal"/>
+        <a:font script="Telu" typeface="Gautami"/>
+        <a:font script="Taml" typeface="Latha"/>
+        <a:font script="Syrc" typeface="Estrangelo Edessa"/>
+        <a:font script="Orya" typeface="Kalinga"/>
+        <a:font script="Mlym" typeface="Kartika"/>
+        <a:font script="Laoo" typeface="DokChampa"/>
+        <a:font script="Sinh" typeface="Iskoola Pota"/>
+        <a:font script="Mong" typeface="Mongolian Baiti"/>
+        <a:font script="Viet" typeface="Times New Roman"/>
+        <a:font script="Uigh" typeface="Microsoft Uighur"/>
+        <a:font script="Geor" typeface="Sylfaen"/>
+      </a:majorFont>
+      <a:minorFont>
+        <a:latin typeface="Calibri"/>
+        <a:ea typeface=""/>
+        <a:cs typeface=""/>
+        <a:font script="Jpan" typeface="ＭＳ Ｐゴシック"/>
+        <a:font script="Hang" typeface="맑은 고딕"/>
+        <a:font script="Hans" typeface="宋体"/>
+        <a:font script="Hant" typeface="新細明體"/>
+        <a:font script="Arab" typeface="Arial"/>
+        <a:font script="Hebr" typeface="Arial"/>
+        <a:font script="Thai" typeface="Cordia New"/>
+        <a:font script="Ethi" typeface="Nyala"/>
+        <a:font script="Beng" typeface="Vrinda"/>
+        <a:font script="Gujr" typeface="Shruti"/>
+        <a:font script="Khmr" typeface="DaunPenh"/>
+        <a:font script="Knda" typeface="Tunga"/>
+        <a:font script="Guru" typeface="Raavi"/>
+        <a:font script="Cans" typeface="Euphemia"/>
+        <a:font script="Cher" typeface="Plantagenet Cherokee"/>
+        <a:font script="Yiii" typeface="Microsoft Yi Baiti"/>
+        <a:font script="Tibt" typeface="Microsoft Himalaya"/>
+        <a:font script="Thaa" typeface="MV Boli"/>
+        <a:font script="Deva" typeface="Mangal"/>
+        <a:font script="Telu" typeface="Gautami"/>
+        <a:font script="Taml" typeface="Latha"/>
+        <a:font script="Syrc" typeface="Estrangelo Edessa"/>
+        <a:font script="Orya" typeface="Kalinga"/>
+        <a:font script="Mlym" typeface="Kartika"/>
+        <a:font script="Laoo" typeface="DokChampa"/>
+        <a:font script="Sinh" typeface="Iskoola Pota"/>
+        <a:font script="Mong" typeface="Mongolian Baiti"/>
+        <a:font script="Viet" typeface="Arial"/>
+        <a:font script="Uigh" typeface="Microsoft Uighur"/>
+        <a:font script="Geor" typeface="Sylfaen"/>
+      </a:minorFont>
+    </a:fontScheme>
+    <a:fmtScheme name="Office">
+      <a:fillStyleLst>
+        <a:solidFill>
+          <a:schemeClr val="phClr"/>
+        </a:solidFill>
+        <a:gradFill rotWithShape="1">
+          <a:gsLst>
+            <a:gs pos="0">
+              <a:schemeClr val="phClr">
+                <a:lumMod val="110000"/>
+                <a:satMod val="105000"/>
+                <a:tint val="67000"/>
+              </a:schemeClr>
+            </a:gs>
+            <a:gs pos="50000">
+              <a:schemeClr val="phClr">
+                <a:lumMod val="105000"/>
+                <a:satMod val="103000"/>
+                <a:tint val="73000"/>
+              </a:schemeClr>
+            </a:gs>
+            <a:gs pos="100000">
+              <a:schemeClr val="phClr">
+                <a:lumMod val="105000"/>
+                <a:satMod val="109000"/>
+                <a:tint val="81000"/>
+              </a:schemeClr>
+            </a:gs>
+          </a:gsLst>
+          <a:lin ang="5400000" scaled="0"/>
+        </a:gradFill>
+        <a:gradFill rotWithShape="1">
+          <a:gsLst>
+            <a:gs pos="0">
+              <a:schemeClr val="phClr">
+                <a:satMod val="103000"/>
+                <a:lumMod val="102000"/>
+                <a:tint val="94000"/>
+              </a:schemeClr>
+            </a:gs>
+            <a:gs pos="50000">
+              <a:schemeClr val="phClr">
+                <a:satMod val="110000"/>
+                <a:lumMod val="100000"/>
+                <a:shade val="100000"/>
+              </a:schemeClr>
+            </a:gs>
+            <a:gs pos="100000">
+              <a:schemeClr val="phClr">
+                <a:lumMod val="99000"/>
+                <a:satMod val="120000"/>
+                <a:shade val="78000"/>
+              </a:schemeClr>
+            </a:gs>
+          </a:gsLst>
+          <a:lin ang="5400000" scaled="0"/>
+        </a:gradFill>
+      </a:fillStyleLst>
+      <a:lnStyleLst>
+        <a:ln w="6350" cap="flat" cmpd="sng" algn="ctr">
+          <a:solidFill>
+            <a:schemeClr val="phClr"/>
+          </a:solidFill>
+          <a:prstDash val="solid"/>
+          <a:miter lim="800000"/>
+        </a:ln>
+        <a:ln w="12700" cap="flat" cmpd="sng" algn="ctr">
+          <a:solidFill>
+            <a:schemeClr val="phClr"/>
+          </a:solidFill>
+          <a:prstDash val="solid"/>
+          <a:miter lim="800000"/>
+        </a:ln>
+        <a:ln w="19050" cap="flat" cmpd="sng" algn="ctr">
+          <a:solidFill>
+            <a:schemeClr val="phClr"/>
+          </a:solidFill>
+          <a:prstDash val="solid"/>
+          <a:miter lim="800000"/>
+        </a:ln>
+      </a:lnStyleLst>
+      <a:effectStyleLst>
+        <a:effectStyle>
+          <a:effectLst/>
+        </a:effectStyle>
+        <a:effectStyle>
+          <a:effectLst/>
+        </a:effectStyle>
+        <a:effectStyle>
+          <a:effectLst>
+            <a:outerShdw blurRad="57150" dist="19050" dir="5400000" algn="ctr" rotWithShape="0">
+              <a:srgbClr val="000000">
+                <a:alpha val="63000"/>
+              </a:srgbClr>
+            </a:outerShdw>
+          </a:effectLst>
+        </a:effectStyle>
+      </a:effectStyleLst>
+      <a:bgFillStyleLst>
+        <a:solidFill>
+          <a:schemeClr val="phClr"/>
+        </a:solidFill>
+        <a:solidFill>
+          <a:schemeClr val="phClr">
+            <a:tint val="95000"/>
+            <a:satMod val="170000"/>
+          </a:schemeClr>
+        </a:solidFill>
+        <a:gradFill rotWithShape="1">
+          <a:gsLst>
+            <a:gs pos="0">
+              <a:schemeClr val="phClr">
+                <a:tint val="93000"/>
+                <a:satMod val="150000"/>
+                <a:shade val="98000"/>
+                <a:lumMod val="102000"/>
+              </a:schemeClr>
+            </a:gs>
+            <a:gs pos="50000">
+              <a:schemeClr val="phClr">
+                <a:tint val="98000"/>
+                <a:satMod val="130000"/>
+                <a:shade val="90000"/>
+                <a:lumMod val="103000"/>
+              </a:schemeClr>
+            </a:gs>
+            <a:gs pos="100000">
+              <a:schemeClr val="phClr">
+                <a:shade val="63000"/>
+                <a:satMod val="120000"/>
+              </a:schemeClr>
+            </a:gs>
+          </a:gsLst>
+          <a:lin ang="5400000" scaled="0"/>
+        </a:gradFill>
+      </a:bgFillStyleLst>
+    </a:fmtScheme>
+  </a:themeElements>
+  <a:extLst>
+    <a:ext uri="{05A4C25C-085E-4340-85A3-A5531E510DB2}">
+      <thm15:themeFamily xmlns:thm15="http://schemas.microsoft.com/office/thememl/2012/main" name="Office Theme" id="{62F939B6-93AF-4DB8-9C6B-D6C7DFDC589F}" vid="{4A3C46E8-61CC-4603-A589-7422A47A8E4A}"/>
+    </a:ext>
+  </a:extLst>
+</a:theme>
 </file>
--- a/presentation/Presentation.pptx
+++ b/presentation/Presentation.pptx
@@ -5377,6 +5377,578 @@
           </p:txBody>
         </p:sp>
       </p:grpSp>
+      <p:grpSp>
+        <p:nvGrpSpPr>
+          <p:cNvPr id="41" name="Group 40"/>
+          <p:cNvGrpSpPr/>
+          <p:nvPr/>
+        </p:nvGrpSpPr>
+        <p:grpSpPr>
+          <a:xfrm>
+            <a:off x="6403975" y="1891665"/>
+            <a:ext cx="4231005" cy="3470910"/>
+            <a:chOff x="10085" y="2979"/>
+            <a:chExt cx="6663" cy="5466"/>
+          </a:xfrm>
+        </p:grpSpPr>
+        <p:sp>
+          <p:nvSpPr>
+            <p:cNvPr id="27" name="对象2"/>
+            <p:cNvSpPr/>
+            <p:nvPr>
+              <p:custDataLst>
+                <p:tags r:id="rId7"/>
+              </p:custDataLst>
+            </p:nvPr>
+          </p:nvSpPr>
+          <p:spPr>
+            <a:xfrm>
+              <a:off x="10085" y="3608"/>
+              <a:ext cx="6660" cy="1372"/>
+            </a:xfrm>
+            <a:prstGeom prst="roundRect">
+              <a:avLst>
+                <a:gd name="adj" fmla="val 50000"/>
+              </a:avLst>
+            </a:prstGeom>
+            <a:noFill/>
+            <a:ln>
+              <a:solidFill>
+                <a:schemeClr val="accent1">
+                  <a:lumMod val="60000"/>
+                  <a:lumOff val="40000"/>
+                </a:schemeClr>
+              </a:solidFill>
+              <a:prstDash val="dash"/>
+            </a:ln>
+          </p:spPr>
+          <p:txBody>
+            <a:bodyPr wrap="square"/>
+            <a:p>
+              <a:pPr algn="just"/>
+              <a:endParaRPr lang="en-US">
+                <a:latin typeface="Arial" panose="020B0604020202020204" pitchFamily="34" charset="0"/>
+                <a:sym typeface="Arial" panose="020B0604020202020204" pitchFamily="34" charset="0"/>
+              </a:endParaRPr>
+            </a:p>
+          </p:txBody>
+        </p:sp>
+        <p:sp>
+          <p:nvSpPr>
+            <p:cNvPr id="28" name="对象2"/>
+            <p:cNvSpPr/>
+            <p:nvPr>
+              <p:custDataLst>
+                <p:tags r:id="rId8"/>
+              </p:custDataLst>
+            </p:nvPr>
+          </p:nvSpPr>
+          <p:spPr>
+            <a:xfrm>
+              <a:off x="10086" y="3608"/>
+              <a:ext cx="6660" cy="2808"/>
+            </a:xfrm>
+            <a:prstGeom prst="roundRect">
+              <a:avLst>
+                <a:gd name="adj" fmla="val 25001"/>
+              </a:avLst>
+            </a:prstGeom>
+            <a:noFill/>
+            <a:ln>
+              <a:solidFill>
+                <a:schemeClr val="accent1">
+                  <a:lumMod val="60000"/>
+                  <a:lumOff val="40000"/>
+                </a:schemeClr>
+              </a:solidFill>
+              <a:prstDash val="dash"/>
+            </a:ln>
+          </p:spPr>
+          <p:txBody>
+            <a:bodyPr wrap="square"/>
+            <a:p>
+              <a:pPr algn="just"/>
+              <a:endParaRPr lang="en-US">
+                <a:latin typeface="Arial" panose="020B0604020202020204" pitchFamily="34" charset="0"/>
+                <a:sym typeface="Arial" panose="020B0604020202020204" pitchFamily="34" charset="0"/>
+              </a:endParaRPr>
+            </a:p>
+          </p:txBody>
+        </p:sp>
+        <p:sp>
+          <p:nvSpPr>
+            <p:cNvPr id="29" name="对象2"/>
+            <p:cNvSpPr/>
+            <p:nvPr>
+              <p:custDataLst>
+                <p:tags r:id="rId9"/>
+              </p:custDataLst>
+            </p:nvPr>
+          </p:nvSpPr>
+          <p:spPr>
+            <a:xfrm>
+              <a:off x="10086" y="3608"/>
+              <a:ext cx="6663" cy="4359"/>
+            </a:xfrm>
+            <a:prstGeom prst="roundRect">
+              <a:avLst>
+                <a:gd name="adj" fmla="val 15703"/>
+              </a:avLst>
+            </a:prstGeom>
+            <a:noFill/>
+            <a:ln>
+              <a:solidFill>
+                <a:schemeClr val="accent1">
+                  <a:lumMod val="60000"/>
+                  <a:lumOff val="40000"/>
+                </a:schemeClr>
+              </a:solidFill>
+              <a:prstDash val="dash"/>
+            </a:ln>
+          </p:spPr>
+          <p:txBody>
+            <a:bodyPr wrap="square"/>
+            <a:p>
+              <a:pPr algn="just"/>
+              <a:endParaRPr lang="en-US">
+                <a:latin typeface="Arial" panose="020B0604020202020204" pitchFamily="34" charset="0"/>
+                <a:sym typeface="Arial" panose="020B0604020202020204" pitchFamily="34" charset="0"/>
+              </a:endParaRPr>
+            </a:p>
+          </p:txBody>
+        </p:sp>
+        <p:sp>
+          <p:nvSpPr>
+            <p:cNvPr id="34" name="对象4"/>
+            <p:cNvSpPr/>
+            <p:nvPr>
+              <p:custDataLst>
+                <p:tags r:id="rId10"/>
+              </p:custDataLst>
+            </p:nvPr>
+          </p:nvSpPr>
+          <p:spPr>
+            <a:xfrm>
+              <a:off x="10864" y="4387"/>
+              <a:ext cx="5080" cy="1152"/>
+            </a:xfrm>
+            <a:prstGeom prst="roundRect">
+              <a:avLst/>
+            </a:prstGeom>
+            <a:solidFill>
+              <a:schemeClr val="accent1">
+                <a:lumMod val="10000"/>
+                <a:lumOff val="90000"/>
+              </a:schemeClr>
+            </a:solidFill>
+            <a:ln w="25400">
+              <a:noFill/>
+            </a:ln>
+            <a:effectLst/>
+          </p:spPr>
+          <p:style>
+            <a:lnRef idx="2">
+              <a:schemeClr val="accent1">
+                <a:lumMod val="75000"/>
+              </a:schemeClr>
+            </a:lnRef>
+            <a:fillRef idx="1">
+              <a:schemeClr val="accent1"/>
+            </a:fillRef>
+            <a:effectRef idx="0">
+              <a:srgbClr val="FFFFFF"/>
+            </a:effectRef>
+            <a:fontRef idx="minor">
+              <a:schemeClr val="lt1"/>
+            </a:fontRef>
+          </p:style>
+          <p:txBody>
+            <a:bodyPr vertOverflow="overflow" horzOverflow="overflow" vert="horz" wrap="square" lIns="972185" numCol="1" spcCol="0" rtlCol="0" fromWordArt="0" anchor="ctr" anchorCtr="0" forceAA="0" compatLnSpc="1">
+              <a:normAutofit/>
+            </a:bodyPr>
+            <a:p>
+              <a:pPr lvl="0" algn="l">
+                <a:spcBef>
+                  <a:spcPct val="0"/>
+                </a:spcBef>
+                <a:spcAft>
+                  <a:spcPct val="0"/>
+                </a:spcAft>
+                <a:buClrTx/>
+                <a:buSzTx/>
+                <a:buFontTx/>
+              </a:pPr>
+              <a:r>
+                <a:rPr lang="it-IT" altLang="en-US" dirty="0">
+                  <a:solidFill>
+                    <a:schemeClr val="dk1">
+                      <a:lumMod val="80000"/>
+                      <a:lumOff val="20000"/>
+                    </a:schemeClr>
+                  </a:solidFill>
+                  <a:latin typeface="+mn-lt"/>
+                  <a:sym typeface="+mn-ea"/>
+                </a:rPr>
+                <a:t>Library Used: </a:t>
+              </a:r>
+              <a:endParaRPr lang="it-IT" altLang="en-US" dirty="0">
+                <a:solidFill>
+                  <a:schemeClr val="dk1">
+                    <a:lumMod val="80000"/>
+                    <a:lumOff val="20000"/>
+                  </a:schemeClr>
+                </a:solidFill>
+                <a:latin typeface="+mn-lt"/>
+                <a:sym typeface="+mn-ea"/>
+              </a:endParaRPr>
+            </a:p>
+            <a:p>
+              <a:pPr lvl="0" algn="l">
+                <a:spcBef>
+                  <a:spcPct val="0"/>
+                </a:spcBef>
+                <a:spcAft>
+                  <a:spcPct val="0"/>
+                </a:spcAft>
+                <a:buClrTx/>
+                <a:buSzTx/>
+                <a:buFontTx/>
+              </a:pPr>
+              <a:r>
+                <a:rPr lang="it-IT" altLang="en-US" dirty="0">
+                  <a:solidFill>
+                    <a:schemeClr val="dk1">
+                      <a:lumMod val="80000"/>
+                      <a:lumOff val="20000"/>
+                    </a:schemeClr>
+                  </a:solidFill>
+                  <a:latin typeface="+mn-lt"/>
+                  <a:sym typeface="+mn-ea"/>
+                </a:rPr>
+                <a:t>aioquic [</a:t>
+              </a:r>
+              <a:r>
+                <a:rPr lang="it-IT" altLang="en-US" dirty="0">
+                  <a:solidFill>
+                    <a:schemeClr val="dk1">
+                      <a:lumMod val="80000"/>
+                      <a:lumOff val="20000"/>
+                    </a:schemeClr>
+                  </a:solidFill>
+                  <a:latin typeface="+mn-lt"/>
+                  <a:sym typeface="+mn-ea"/>
+                  <a:hlinkClick r:id="rId11" tooltip="" action="ppaction://hlinkfile"/>
+                </a:rPr>
+                <a:t>Link</a:t>
+              </a:r>
+              <a:r>
+                <a:rPr lang="it-IT" altLang="en-US" dirty="0">
+                  <a:solidFill>
+                    <a:schemeClr val="dk1">
+                      <a:lumMod val="80000"/>
+                      <a:lumOff val="20000"/>
+                    </a:schemeClr>
+                  </a:solidFill>
+                  <a:latin typeface="+mn-lt"/>
+                  <a:sym typeface="+mn-ea"/>
+                </a:rPr>
+                <a:t>]</a:t>
+              </a:r>
+              <a:endParaRPr lang="it-IT" altLang="en-US" dirty="0">
+                <a:solidFill>
+                  <a:schemeClr val="dk1">
+                    <a:lumMod val="80000"/>
+                    <a:lumOff val="20000"/>
+                  </a:schemeClr>
+                </a:solidFill>
+                <a:latin typeface="+mn-lt"/>
+                <a:sym typeface="+mn-ea"/>
+              </a:endParaRPr>
+            </a:p>
+          </p:txBody>
+        </p:sp>
+        <p:sp>
+          <p:nvSpPr>
+            <p:cNvPr id="36" name="对象7"/>
+            <p:cNvSpPr/>
+            <p:nvPr>
+              <p:custDataLst>
+                <p:tags r:id="rId12"/>
+              </p:custDataLst>
+            </p:nvPr>
+          </p:nvSpPr>
+          <p:spPr>
+            <a:xfrm>
+              <a:off x="10864" y="5845"/>
+              <a:ext cx="5080" cy="1152"/>
+            </a:xfrm>
+            <a:prstGeom prst="roundRect">
+              <a:avLst/>
+            </a:prstGeom>
+            <a:solidFill>
+              <a:schemeClr val="accent1">
+                <a:lumMod val="10000"/>
+                <a:lumOff val="90000"/>
+              </a:schemeClr>
+            </a:solidFill>
+            <a:ln w="25400">
+              <a:noFill/>
+            </a:ln>
+            <a:effectLst/>
+          </p:spPr>
+          <p:style>
+            <a:lnRef idx="2">
+              <a:schemeClr val="accent1">
+                <a:lumMod val="75000"/>
+              </a:schemeClr>
+            </a:lnRef>
+            <a:fillRef idx="1">
+              <a:schemeClr val="accent1"/>
+            </a:fillRef>
+            <a:effectRef idx="0">
+              <a:srgbClr val="FFFFFF"/>
+            </a:effectRef>
+            <a:fontRef idx="minor">
+              <a:schemeClr val="lt1"/>
+            </a:fontRef>
+          </p:style>
+          <p:txBody>
+            <a:bodyPr vertOverflow="overflow" horzOverflow="overflow" vert="horz" wrap="square" lIns="972185" numCol="1" spcCol="0" rtlCol="0" fromWordArt="0" anchor="ctr" anchorCtr="0" forceAA="0" compatLnSpc="1">
+              <a:normAutofit/>
+            </a:bodyPr>
+            <a:p>
+              <a:pPr lvl="0" algn="l">
+                <a:spcBef>
+                  <a:spcPct val="0"/>
+                </a:spcBef>
+                <a:spcAft>
+                  <a:spcPct val="0"/>
+                </a:spcAft>
+                <a:buClrTx/>
+                <a:buSzTx/>
+                <a:buFontTx/>
+              </a:pPr>
+              <a:r>
+                <a:rPr lang="it-IT" altLang="en-US" dirty="0">
+                  <a:solidFill>
+                    <a:schemeClr val="dk1">
+                      <a:lumMod val="80000"/>
+                      <a:lumOff val="20000"/>
+                    </a:schemeClr>
+                  </a:solidFill>
+                  <a:latin typeface="+mn-lt"/>
+                  <a:sym typeface="+mn-ea"/>
+                </a:rPr>
+                <a:t>Built on asyncio</a:t>
+              </a:r>
+              <a:endParaRPr lang="it-IT" altLang="en-US" dirty="0">
+                <a:solidFill>
+                  <a:schemeClr val="dk1">
+                    <a:lumMod val="80000"/>
+                    <a:lumOff val="20000"/>
+                  </a:schemeClr>
+                </a:solidFill>
+                <a:latin typeface="+mn-lt"/>
+                <a:sym typeface="+mn-ea"/>
+              </a:endParaRPr>
+            </a:p>
+          </p:txBody>
+        </p:sp>
+        <p:sp>
+          <p:nvSpPr>
+            <p:cNvPr id="37" name="对象10"/>
+            <p:cNvSpPr/>
+            <p:nvPr>
+              <p:custDataLst>
+                <p:tags r:id="rId13"/>
+              </p:custDataLst>
+            </p:nvPr>
+          </p:nvSpPr>
+          <p:spPr>
+            <a:xfrm>
+              <a:off x="10862" y="7293"/>
+              <a:ext cx="5080" cy="1152"/>
+            </a:xfrm>
+            <a:prstGeom prst="roundRect">
+              <a:avLst>
+                <a:gd name="adj" fmla="val 21493"/>
+              </a:avLst>
+            </a:prstGeom>
+            <a:solidFill>
+              <a:schemeClr val="accent1">
+                <a:lumMod val="10000"/>
+                <a:lumOff val="90000"/>
+              </a:schemeClr>
+            </a:solidFill>
+            <a:ln w="25400">
+              <a:noFill/>
+            </a:ln>
+            <a:effectLst/>
+          </p:spPr>
+          <p:style>
+            <a:lnRef idx="2">
+              <a:schemeClr val="accent1">
+                <a:lumMod val="75000"/>
+              </a:schemeClr>
+            </a:lnRef>
+            <a:fillRef idx="1">
+              <a:schemeClr val="accent1"/>
+            </a:fillRef>
+            <a:effectRef idx="0">
+              <a:srgbClr val="FFFFFF"/>
+            </a:effectRef>
+            <a:fontRef idx="minor">
+              <a:schemeClr val="lt1"/>
+            </a:fontRef>
+          </p:style>
+          <p:txBody>
+            <a:bodyPr vertOverflow="overflow" horzOverflow="overflow" vert="horz" wrap="square" lIns="972185" numCol="1" spcCol="0" rtlCol="0" fromWordArt="0" anchor="ctr" anchorCtr="0" forceAA="0" compatLnSpc="1">
+              <a:normAutofit/>
+            </a:bodyPr>
+            <a:p>
+              <a:pPr lvl="0" algn="l">
+                <a:spcBef>
+                  <a:spcPct val="0"/>
+                </a:spcBef>
+                <a:spcAft>
+                  <a:spcPct val="0"/>
+                </a:spcAft>
+                <a:buClrTx/>
+                <a:buSzTx/>
+                <a:buFontTx/>
+              </a:pPr>
+              <a:r>
+                <a:rPr lang="it-IT" altLang="en-US" dirty="0">
+                  <a:solidFill>
+                    <a:schemeClr val="dk1">
+                      <a:lumMod val="80000"/>
+                      <a:lumOff val="20000"/>
+                    </a:schemeClr>
+                  </a:solidFill>
+                  <a:latin typeface="+mn-lt"/>
+                  <a:sym typeface="+mn-ea"/>
+                </a:rPr>
+                <a:t>TLS 1.3 built-in</a:t>
+              </a:r>
+              <a:endParaRPr lang="it-IT" altLang="en-US" dirty="0">
+                <a:solidFill>
+                  <a:schemeClr val="dk1">
+                    <a:lumMod val="80000"/>
+                    <a:lumOff val="20000"/>
+                  </a:schemeClr>
+                </a:solidFill>
+                <a:latin typeface="+mn-lt"/>
+                <a:sym typeface="+mn-ea"/>
+              </a:endParaRPr>
+            </a:p>
+          </p:txBody>
+        </p:sp>
+        <p:sp>
+          <p:nvSpPr>
+            <p:cNvPr id="38" name="对象12"/>
+            <p:cNvSpPr/>
+            <p:nvPr>
+              <p:custDataLst>
+                <p:tags r:id="rId14"/>
+              </p:custDataLst>
+            </p:nvPr>
+          </p:nvSpPr>
+          <p:spPr>
+            <a:xfrm>
+              <a:off x="10864" y="2979"/>
+              <a:ext cx="5078" cy="1093"/>
+            </a:xfrm>
+            <a:prstGeom prst="roundRect">
+              <a:avLst/>
+            </a:prstGeom>
+            <a:gradFill>
+              <a:gsLst>
+                <a:gs pos="0">
+                  <a:schemeClr val="accent1">
+                    <a:alpha val="100000"/>
+                  </a:schemeClr>
+                </a:gs>
+                <a:gs pos="100000">
+                  <a:srgbClr val="7030A0"/>
+                </a:gs>
+              </a:gsLst>
+              <a:lin ang="0" scaled="0"/>
+            </a:gradFill>
+            <a:ln w="25400">
+              <a:noFill/>
+            </a:ln>
+            <a:effectLst/>
+            <a:extLst>
+              <a:ext uri="{AF507438-7753-43E0-B8FC-AC1667EBCBE1}">
+                <a14:hiddenEffects xmlns:a14="http://schemas.microsoft.com/office/drawing/2010/main">
+                  <a:effectLst>
+                    <a:outerShdw blurRad="254000" dist="127000" dir="5400000" algn="ctr" rotWithShape="0">
+                      <a:srgbClr val="000000">
+                        <a:alpha val="40000"/>
+                      </a:srgbClr>
+                    </a:outerShdw>
+                  </a:effectLst>
+                </a14:hiddenEffects>
+              </a:ext>
+            </a:extLst>
+          </p:spPr>
+          <p:style>
+            <a:lnRef idx="2">
+              <a:schemeClr val="accent1">
+                <a:lumMod val="75000"/>
+              </a:schemeClr>
+            </a:lnRef>
+            <a:fillRef idx="1">
+              <a:schemeClr val="accent1"/>
+            </a:fillRef>
+            <a:effectRef idx="0">
+              <a:srgbClr val="FFFFFF"/>
+            </a:effectRef>
+            <a:fontRef idx="minor">
+              <a:schemeClr val="lt1"/>
+            </a:fontRef>
+          </p:style>
+          <p:txBody>
+            <a:bodyPr vertOverflow="overflow" horzOverflow="overflow" vert="horz" wrap="square" numCol="1" spcCol="0" rtlCol="0" fromWordArt="0" anchor="ctr" anchorCtr="1" forceAA="0" compatLnSpc="1">
+              <a:normAutofit/>
+            </a:bodyPr>
+            <a:p>
+              <a:pPr lvl="0" algn="l">
+                <a:spcBef>
+                  <a:spcPct val="0"/>
+                </a:spcBef>
+                <a:spcAft>
+                  <a:spcPct val="0"/>
+                </a:spcAft>
+                <a:buClrTx/>
+                <a:buSzTx/>
+                <a:buFontTx/>
+              </a:pPr>
+              <a:r>
+                <a:rPr lang="it-IT" altLang="en-US" b="1" dirty="0">
+                  <a:solidFill>
+                    <a:schemeClr val="lt1">
+                      <a:lumMod val="100000"/>
+                    </a:schemeClr>
+                  </a:solidFill>
+                  <a:latin typeface="+mj-lt"/>
+                  <a:sym typeface="+mn-ea"/>
+                </a:rPr>
+                <a:t>QUIC </a:t>
+              </a:r>
+              <a:endParaRPr lang="it-IT" altLang="en-US" b="1" dirty="0">
+                <a:solidFill>
+                  <a:schemeClr val="lt1">
+                    <a:lumMod val="100000"/>
+                  </a:schemeClr>
+                </a:solidFill>
+                <a:latin typeface="+mj-lt"/>
+                <a:sym typeface="+mn-ea"/>
+              </a:endParaRPr>
+            </a:p>
+          </p:txBody>
+        </p:sp>
+      </p:grpSp>
     </p:spTree>
   </p:cSld>
   <p:clrMapOvr>
@@ -5410,6 +5982,147 @@
   <p:tag name="KSO_WM_UNIT_FILL_FORE_SCHEMECOLOR_INDEX" val="5"/>
   <p:tag name="KSO_WM_UNIT_FILL_FORE_SCHEMECOLOR_INDEX_BRIGHTNESS" val="0.8"/>
   <p:tag name="KSO_WM_DIAGRAM_USE_COLOR_VALUE" val="{&quot;color_scheme&quot;:1,&quot;color_type&quot;:1,&quot;theme_color_indexes&quot;:[]}"/>
+</p:tagLst>
+</file>
+
+<file path=ppt/tags/tag10.xml><?xml version="1.0" encoding="utf-8"?>
+<p:tagLst xmlns:p="http://schemas.openxmlformats.org/presentationml/2006/main">
+  <p:tag name="KSO_WM_DIAGRAM_MAX_ITEMCNT" val="6"/>
+  <p:tag name="KSO_WM_DIAGRAM_MIN_ITEMCNT" val="2"/>
+  <p:tag name="KSO_WM_DIAGRAM_VIRTUALLY_FRAME" val="{&quot;height&quot;:389.07496062992135,&quot;left&quot;:186.35003326656314,&quot;top&quot;:75.52503937007873,&quot;width&quot;:601.3500122070312}"/>
+  <p:tag name="KSO_WM_DIAGRAM_COLOR_MATCH_VALUE" val="{&quot;shape&quot;:{&quot;fill&quot;:{&quot;solid&quot;:{&quot;brightness&quot;:0.8999999761581421,&quot;colorType&quot;:1,&quot;foreColorIndex&quot;:5,&quot;transparency&quot;:0},&quot;type&quot;:1},&quot;glow&quot;:{&quot;colorType&quot;:0},&quot;line&quot;:{&quot;type&quot;:0},&quot;shadow&quot;:{&quot;colorType&quot;:0},&quot;threeD&quot;:{&quot;curvedSurface&quot;:{&quot;brightness&quot;:0,&quot;colorType&quot;:2,&quot;rgb&quot;:&quot;#000000&quot;},&quot;depth&quot;:{&quot;colorType&quot;:0}}},&quot;text&quot;:{&quot;fill&quot;:{&quot;solid&quot;:{&quot;brightness&quot;:0.20000000298023224,&quot;colorType&quot;:1,&quot;foreColorIndex&quot;:1,&quot;transparency&quot;:0},&quot;type&quot;:1},&quot;glow&quot;:{&quot;colorType&quot;:0},&quot;line&quot;:{&quot;type&quot;:0},&quot;shadow&quot;:{&quot;colorType&quot;:0},&quot;threeD&quot;:{&quot;curvedSurface&quot;:{&quot;brightness&quot;:0,&quot;colorType&quot;:2,&quot;rgb&quot;:&quot;#000000&quot;},&quot;depth&quot;:{&quot;colorType&quot;:0}}}}"/>
+  <p:tag name="KSO_WM_DIAGRAM_VERSION" val="3"/>
+  <p:tag name="KSO_WM_DIAGRAM_COLOR_TRICK" val="1"/>
+  <p:tag name="KSO_WM_DIAGRAM_COLOR_TEXT_CAN_REMOVE" val="n"/>
+  <p:tag name="KSO_WM_UNIT_SUBTYPE" val="a"/>
+  <p:tag name="KSO_WM_UNIT_NOCLEAR" val="0"/>
+  <p:tag name="KSO_WM_UNIT_VALUE" val="60"/>
+  <p:tag name="KSO_WM_UNIT_HIGHLIGHT" val="0"/>
+  <p:tag name="KSO_WM_UNIT_COMPATIBLE" val="0"/>
+  <p:tag name="KSO_WM_UNIT_DIAGRAM_ISNUMVISUAL" val="0"/>
+  <p:tag name="KSO_WM_UNIT_DIAGRAM_ISREFERUNIT" val="0"/>
+  <p:tag name="KSO_WM_DIAGRAM_GROUP_CODE" val="n1-1"/>
+  <p:tag name="KSO_WM_UNIT_TYPE" val="n_h_h_f"/>
+  <p:tag name="KSO_WM_UNIT_INDEX" val="1_2_1_1"/>
+  <p:tag name="KSO_WM_UNIT_ID" val="diagram20238220_2*n_h_h_f*1_2_1_1"/>
+  <p:tag name="KSO_WM_TEMPLATE_CATEGORY" val="diagram"/>
+  <p:tag name="KSO_WM_TEMPLATE_INDEX" val="20238220"/>
+  <p:tag name="KSO_WM_UNIT_LAYERLEVEL" val="1_1_1_1"/>
+  <p:tag name="KSO_WM_TAG_VERSION" val="3.0"/>
+  <p:tag name="KSO_WM_UNIT_PRESET_TEXT" val="Click here to add text"/>
+  <p:tag name="KSO_WM_UNIT_FILL_TYPE" val="1"/>
+  <p:tag name="KSO_WM_UNIT_FILL_FORE_SCHEMECOLOR_INDEX" val="5"/>
+  <p:tag name="KSO_WM_UNIT_FILL_FORE_SCHEMECOLOR_INDEX_BRIGHTNESS" val="0.9"/>
+  <p:tag name="KSO_WM_UNIT_TEXT_FILL_FORE_SCHEMECOLOR_INDEX" val="1"/>
+  <p:tag name="KSO_WM_UNIT_TEXT_FILL_TYPE" val="1"/>
+  <p:tag name="KSO_WM_DIAGRAM_USE_COLOR_VALUE" val="{&quot;color_scheme&quot;:1,&quot;color_type&quot;:1,&quot;theme_color_indexes&quot;:[]}"/>
+</p:tagLst>
+</file>
+
+<file path=ppt/tags/tag11.xml><?xml version="1.0" encoding="utf-8"?>
+<p:tagLst xmlns:p="http://schemas.openxmlformats.org/presentationml/2006/main">
+  <p:tag name="KSO_WM_DIAGRAM_MAX_ITEMCNT" val="6"/>
+  <p:tag name="KSO_WM_DIAGRAM_MIN_ITEMCNT" val="2"/>
+  <p:tag name="KSO_WM_DIAGRAM_VIRTUALLY_FRAME" val="{&quot;height&quot;:389.07496062992135,&quot;left&quot;:186.35003326656314,&quot;top&quot;:75.52503937007873,&quot;width&quot;:601.3500122070312}"/>
+  <p:tag name="KSO_WM_DIAGRAM_COLOR_MATCH_VALUE" val="{&quot;shape&quot;:{&quot;fill&quot;:{&quot;solid&quot;:{&quot;brightness&quot;:0.8999999761581421,&quot;colorType&quot;:1,&quot;foreColorIndex&quot;:5,&quot;transparency&quot;:0},&quot;type&quot;:1},&quot;glow&quot;:{&quot;colorType&quot;:0},&quot;line&quot;:{&quot;type&quot;:0},&quot;shadow&quot;:{&quot;colorType&quot;:0},&quot;threeD&quot;:{&quot;curvedSurface&quot;:{&quot;brightness&quot;:0,&quot;colorType&quot;:2,&quot;rgb&quot;:&quot;#000000&quot;},&quot;depth&quot;:{&quot;colorType&quot;:0}}},&quot;text&quot;:{&quot;fill&quot;:{&quot;solid&quot;:{&quot;brightness&quot;:0.20000000298023224,&quot;colorType&quot;:1,&quot;foreColorIndex&quot;:1,&quot;transparency&quot;:0},&quot;type&quot;:1},&quot;glow&quot;:{&quot;colorType&quot;:0},&quot;line&quot;:{&quot;type&quot;:0},&quot;shadow&quot;:{&quot;colorType&quot;:0},&quot;threeD&quot;:{&quot;curvedSurface&quot;:{&quot;brightness&quot;:0,&quot;colorType&quot;:2,&quot;rgb&quot;:&quot;#000000&quot;},&quot;depth&quot;:{&quot;colorType&quot;:0}}}}"/>
+  <p:tag name="KSO_WM_DIAGRAM_VERSION" val="3"/>
+  <p:tag name="KSO_WM_DIAGRAM_COLOR_TRICK" val="1"/>
+  <p:tag name="KSO_WM_DIAGRAM_COLOR_TEXT_CAN_REMOVE" val="n"/>
+  <p:tag name="KSO_WM_UNIT_SUBTYPE" val="a"/>
+  <p:tag name="KSO_WM_UNIT_NOCLEAR" val="0"/>
+  <p:tag name="KSO_WM_UNIT_VALUE" val="60"/>
+  <p:tag name="KSO_WM_UNIT_HIGHLIGHT" val="0"/>
+  <p:tag name="KSO_WM_UNIT_COMPATIBLE" val="0"/>
+  <p:tag name="KSO_WM_UNIT_DIAGRAM_ISNUMVISUAL" val="0"/>
+  <p:tag name="KSO_WM_UNIT_DIAGRAM_ISREFERUNIT" val="0"/>
+  <p:tag name="KSO_WM_DIAGRAM_GROUP_CODE" val="n1-1"/>
+  <p:tag name="KSO_WM_UNIT_TYPE" val="n_h_h_f"/>
+  <p:tag name="KSO_WM_UNIT_INDEX" val="1_2_2_1"/>
+  <p:tag name="KSO_WM_UNIT_ID" val="diagram20238220_2*n_h_h_f*1_2_2_1"/>
+  <p:tag name="KSO_WM_TEMPLATE_CATEGORY" val="diagram"/>
+  <p:tag name="KSO_WM_TEMPLATE_INDEX" val="20238220"/>
+  <p:tag name="KSO_WM_UNIT_LAYERLEVEL" val="1_1_1_1"/>
+  <p:tag name="KSO_WM_TAG_VERSION" val="3.0"/>
+  <p:tag name="KSO_WM_UNIT_PRESET_TEXT" val="Click here to add text"/>
+  <p:tag name="KSO_WM_UNIT_FILL_TYPE" val="1"/>
+  <p:tag name="KSO_WM_UNIT_FILL_FORE_SCHEMECOLOR_INDEX" val="5"/>
+  <p:tag name="KSO_WM_UNIT_FILL_FORE_SCHEMECOLOR_INDEX_BRIGHTNESS" val="0.9"/>
+  <p:tag name="KSO_WM_UNIT_TEXT_FILL_FORE_SCHEMECOLOR_INDEX" val="1"/>
+  <p:tag name="KSO_WM_UNIT_TEXT_FILL_TYPE" val="1"/>
+  <p:tag name="KSO_WM_DIAGRAM_USE_COLOR_VALUE" val="{&quot;color_scheme&quot;:1,&quot;color_type&quot;:1,&quot;theme_color_indexes&quot;:[]}"/>
+</p:tagLst>
+</file>
+
+<file path=ppt/tags/tag12.xml><?xml version="1.0" encoding="utf-8"?>
+<p:tagLst xmlns:p="http://schemas.openxmlformats.org/presentationml/2006/main">
+  <p:tag name="KSO_WM_DIAGRAM_MAX_ITEMCNT" val="6"/>
+  <p:tag name="KSO_WM_DIAGRAM_MIN_ITEMCNT" val="2"/>
+  <p:tag name="KSO_WM_DIAGRAM_VIRTUALLY_FRAME" val="{&quot;height&quot;:389.07496062992135,&quot;left&quot;:186.35003326656314,&quot;top&quot;:75.52503937007873,&quot;width&quot;:601.3500122070312}"/>
+  <p:tag name="KSO_WM_DIAGRAM_COLOR_MATCH_VALUE" val="{&quot;shape&quot;:{&quot;fill&quot;:{&quot;solid&quot;:{&quot;brightness&quot;:0.8999999761581421,&quot;colorType&quot;:1,&quot;foreColorIndex&quot;:5,&quot;transparency&quot;:0},&quot;type&quot;:1},&quot;glow&quot;:{&quot;colorType&quot;:0},&quot;line&quot;:{&quot;type&quot;:0},&quot;shadow&quot;:{&quot;colorType&quot;:0},&quot;threeD&quot;:{&quot;curvedSurface&quot;:{&quot;brightness&quot;:0,&quot;colorType&quot;:2,&quot;rgb&quot;:&quot;#000000&quot;},&quot;depth&quot;:{&quot;colorType&quot;:0}}},&quot;text&quot;:{&quot;fill&quot;:{&quot;solid&quot;:{&quot;brightness&quot;:0.20000000298023224,&quot;colorType&quot;:1,&quot;foreColorIndex&quot;:1,&quot;transparency&quot;:0},&quot;type&quot;:1},&quot;glow&quot;:{&quot;colorType&quot;:0},&quot;line&quot;:{&quot;type&quot;:0},&quot;shadow&quot;:{&quot;colorType&quot;:0},&quot;threeD&quot;:{&quot;curvedSurface&quot;:{&quot;brightness&quot;:0,&quot;colorType&quot;:2,&quot;rgb&quot;:&quot;#000000&quot;},&quot;depth&quot;:{&quot;colorType&quot;:0}}}}"/>
+  <p:tag name="KSO_WM_DIAGRAM_VERSION" val="3"/>
+  <p:tag name="KSO_WM_DIAGRAM_COLOR_TRICK" val="1"/>
+  <p:tag name="KSO_WM_DIAGRAM_COLOR_TEXT_CAN_REMOVE" val="n"/>
+  <p:tag name="KSO_WM_UNIT_SUBTYPE" val="a"/>
+  <p:tag name="KSO_WM_UNIT_NOCLEAR" val="0"/>
+  <p:tag name="KSO_WM_UNIT_VALUE" val="60"/>
+  <p:tag name="KSO_WM_UNIT_HIGHLIGHT" val="0"/>
+  <p:tag name="KSO_WM_UNIT_COMPATIBLE" val="0"/>
+  <p:tag name="KSO_WM_UNIT_DIAGRAM_ISNUMVISUAL" val="0"/>
+  <p:tag name="KSO_WM_UNIT_DIAGRAM_ISREFERUNIT" val="0"/>
+  <p:tag name="KSO_WM_DIAGRAM_GROUP_CODE" val="n1-1"/>
+  <p:tag name="KSO_WM_UNIT_TYPE" val="n_h_h_f"/>
+  <p:tag name="KSO_WM_UNIT_INDEX" val="1_2_3_1"/>
+  <p:tag name="KSO_WM_UNIT_ID" val="diagram20238220_2*n_h_h_f*1_2_3_1"/>
+  <p:tag name="KSO_WM_TEMPLATE_CATEGORY" val="diagram"/>
+  <p:tag name="KSO_WM_TEMPLATE_INDEX" val="20238220"/>
+  <p:tag name="KSO_WM_UNIT_LAYERLEVEL" val="1_1_1_1"/>
+  <p:tag name="KSO_WM_TAG_VERSION" val="3.0"/>
+  <p:tag name="KSO_WM_UNIT_PRESET_TEXT" val="Click here to add text"/>
+  <p:tag name="KSO_WM_UNIT_FILL_TYPE" val="1"/>
+  <p:tag name="KSO_WM_UNIT_FILL_FORE_SCHEMECOLOR_INDEX" val="5"/>
+  <p:tag name="KSO_WM_UNIT_FILL_FORE_SCHEMECOLOR_INDEX_BRIGHTNESS" val="0.9"/>
+  <p:tag name="KSO_WM_UNIT_TEXT_FILL_FORE_SCHEMECOLOR_INDEX" val="1"/>
+  <p:tag name="KSO_WM_UNIT_TEXT_FILL_TYPE" val="1"/>
+  <p:tag name="KSO_WM_DIAGRAM_USE_COLOR_VALUE" val="{&quot;color_scheme&quot;:1,&quot;color_type&quot;:1,&quot;theme_color_indexes&quot;:[]}"/>
+</p:tagLst>
+</file>
+
+<file path=ppt/tags/tag13.xml><?xml version="1.0" encoding="utf-8"?>
+<p:tagLst xmlns:p="http://schemas.openxmlformats.org/presentationml/2006/main">
+  <p:tag name="KSO_WM_DIAGRAM_MAX_ITEMCNT" val="6"/>
+  <p:tag name="KSO_WM_DIAGRAM_MIN_ITEMCNT" val="2"/>
+  <p:tag name="KSO_WM_DIAGRAM_VIRTUALLY_FRAME" val="{&quot;height&quot;:389.07496062992135,&quot;left&quot;:186.35003326656314,&quot;top&quot;:75.52503937007873,&quot;width&quot;:601.3500122070312}"/>
+  <p:tag name="KSO_WM_DIAGRAM_COLOR_MATCH_VALUE" val="{&quot;shape&quot;:{&quot;fill&quot;:{&quot;gradient&quot;:[{&quot;brightness&quot;:0,&quot;colorType&quot;:1,&quot;foreColorIndex&quot;:5,&quot;pos&quot;:0,&quot;transparency&quot;:0},{&quot;brightness&quot;:0,&quot;colorType&quot;:1,&quot;foreColorIndex&quot;:6,&quot;pos&quot;:1,&quot;transparency&quot;:0}],&quot;type&quot;:3},&quot;glow&quot;:{&quot;colorType&quot;:0},&quot;line&quot;:{&quot;type&quot;:0},&quot;shadow&quot;:{&quot;brightness&quot;:0,&quot;colorType&quot;:2,&quot;rgb&quot;:&quot;#000000&quot;,&quot;transparency&quot;:0.6000000238418579},&quot;threeD&quot;:{&quot;curvedSurface&quot;:{&quot;brightness&quot;:0,&quot;colorType&quot;:2,&quot;rgb&quot;:&quot;#000000&quot;},&quot;depth&quot;:{&quot;colorType&quot;:0}}},&quot;text&quot;:{&quot;fill&quot;:{&quot;solid&quot;:{&quot;brightness&quot;:0,&quot;colorType&quot;:1,&quot;foreColorIndex&quot;:2,&quot;transparency&quot;:0},&quot;type&quot;:1},&quot;glow&quot;:{&quot;colorType&quot;:0},&quot;line&quot;:{&quot;type&quot;:0},&quot;shadow&quot;:{&quot;colorType&quot;:0},&quot;threeD&quot;:{&quot;curvedSurface&quot;:{&quot;brightness&quot;:0,&quot;colorType&quot;:2,&quot;rgb&quot;:&quot;#000000&quot;},&quot;depth&quot;:{&quot;colorType&quot;:0}}}}"/>
+  <p:tag name="KSO_WM_DIAGRAM_VERSION" val="3"/>
+  <p:tag name="KSO_WM_DIAGRAM_COLOR_TRICK" val="1"/>
+  <p:tag name="KSO_WM_DIAGRAM_COLOR_TEXT_CAN_REMOVE" val="n"/>
+  <p:tag name="KSO_WM_UNIT_ISCONTENTSTITLE" val="0"/>
+  <p:tag name="KSO_WM_UNIT_ISNUMDGMTITLE" val="0"/>
+  <p:tag name="KSO_WM_UNIT_NOCLEAR" val="0"/>
+  <p:tag name="KSO_WM_UNIT_VALUE" val="10"/>
+  <p:tag name="KSO_WM_UNIT_HIGHLIGHT" val="0"/>
+  <p:tag name="KSO_WM_UNIT_COMPATIBLE" val="0"/>
+  <p:tag name="KSO_WM_UNIT_DIAGRAM_ISNUMVISUAL" val="0"/>
+  <p:tag name="KSO_WM_UNIT_DIAGRAM_ISREFERUNIT" val="0"/>
+  <p:tag name="KSO_WM_DIAGRAM_GROUP_CODE" val="n1-1"/>
+  <p:tag name="KSO_WM_UNIT_TYPE" val="n_h_a"/>
+  <p:tag name="KSO_WM_UNIT_INDEX" val="1_1_1"/>
+  <p:tag name="KSO_WM_UNIT_ID" val="diagram20238220_2*n_h_a*1_1_1"/>
+  <p:tag name="KSO_WM_TEMPLATE_CATEGORY" val="diagram"/>
+  <p:tag name="KSO_WM_TEMPLATE_INDEX" val="20238220"/>
+  <p:tag name="KSO_WM_UNIT_LAYERLEVEL" val="1_1_1"/>
+  <p:tag name="KSO_WM_TAG_VERSION" val="3.0"/>
+  <p:tag name="KSO_WM_UNIT_PRESET_TEXT" val="Your title here"/>
+  <p:tag name="KSO_WM_UNIT_FILL_TYPE" val="3"/>
+  <p:tag name="KSO_WM_UNIT_TEXT_FILL_FORE_SCHEMECOLOR_INDEX" val="1"/>
+  <p:tag name="KSO_WM_UNIT_TEXT_FILL_TYPE" val="1"/>
+  <p:tag name="KSO_WM_DIAGRAM_USE_COLOR_VALUE" val="{&quot;color_scheme&quot;:1,&quot;color_type&quot;:1,&quot;theme_color_indexes&quot;:[]}"/>
+</p:tagLst>
+</file>
+
+<file path=ppt/tags/tag14.xml><?xml version="1.0" encoding="utf-8"?>
+<p:tagLst xmlns:p="http://schemas.openxmlformats.org/presentationml/2006/main">
+  <p:tag name="resource_record_key" val="{&quot;70&quot;:[3321980,3321390]}"/>
 </p:tagLst>
 </file>
 
@@ -5542,7 +6255,88 @@
 
 <file path=ppt/tags/tag7.xml><?xml version="1.0" encoding="utf-8"?>
 <p:tagLst xmlns:p="http://schemas.openxmlformats.org/presentationml/2006/main">
-  <p:tag name="resource_record_key" val="{&quot;70&quot;:[3321980]}"/>
+  <p:tag name="KSO_WM_DIAGRAM_MAX_ITEMCNT" val="6"/>
+  <p:tag name="KSO_WM_DIAGRAM_MIN_ITEMCNT" val="2"/>
+  <p:tag name="KSO_WM_DIAGRAM_VIRTUALLY_FRAME" val="{&quot;height&quot;:389.07496062992135,&quot;left&quot;:186.35003326656314,&quot;top&quot;:75.52503937007873,&quot;width&quot;:601.3500122070312}"/>
+  <p:tag name="KSO_WM_DIAGRAM_COLOR_MATCH_VALUE" val="{&quot;shape&quot;:{&quot;fill&quot;:{&quot;type&quot;:0},&quot;glow&quot;:{&quot;colorType&quot;:0},&quot;line&quot;:{&quot;solidLine&quot;:{&quot;brightness&quot;:0.4000000059604645,&quot;colorType&quot;:1,&quot;foreColorIndex&quot;:5,&quot;transparency&quot;:0},&quot;type&quot;:1},&quot;shadow&quot;:{&quot;colorType&quot;:0},&quot;threeD&quot;:{&quot;curvedSurface&quot;:{&quot;brightness&quot;:0,&quot;colorType&quot;:2,&quot;rgb&quot;:&quot;#000000&quot;},&quot;depth&quot;:{&quot;colorType&quot;:0}}},&quot;text&quot;:{&quot;fill&quot;:{&quot;solid&quot;:{&quot;brightness&quot;:0,&quot;colorType&quot;:1,&quot;foreColorIndex&quot;:13,&quot;transparency&quot;:0},&quot;type&quot;:1},&quot;glow&quot;:{&quot;colorType&quot;:0},&quot;line&quot;:{&quot;type&quot;:0},&quot;shadow&quot;:{&quot;colorType&quot;:0},&quot;threeD&quot;:{&quot;curvedSurface&quot;:{&quot;brightness&quot;:0,&quot;colorType&quot;:2,&quot;rgb&quot;:&quot;#000000&quot;},&quot;depth&quot;:{&quot;colorType&quot;:0}}}}"/>
+  <p:tag name="KSO_WM_UNIT_FILL_TYPE" val="1"/>
+  <p:tag name="KSO_WM_UNIT_FILL_FORE_SCHEMECOLOR_INDEX" val="6"/>
+  <p:tag name="KSO_WM_UNIT_FILL_FORE_SCHEMECOLOR_INDEX_BRIGHTNESS" val="0"/>
+  <p:tag name="KSO_WM_DIAGRAM_VERSION" val="3"/>
+  <p:tag name="KSO_WM_DIAGRAM_COLOR_TRICK" val="1"/>
+  <p:tag name="KSO_WM_DIAGRAM_COLOR_TEXT_CAN_REMOVE" val="n"/>
+  <p:tag name="KSO_WM_UNIT_HIGHLIGHT" val="0"/>
+  <p:tag name="KSO_WM_UNIT_COMPATIBLE" val="0"/>
+  <p:tag name="KSO_WM_UNIT_DIAGRAM_ISNUMVISUAL" val="0"/>
+  <p:tag name="KSO_WM_UNIT_DIAGRAM_ISREFERUNIT" val="0"/>
+  <p:tag name="KSO_WM_DIAGRAM_GROUP_CODE" val="n1-1"/>
+  <p:tag name="KSO_WM_UNIT_TYPE" val="n_h_i"/>
+  <p:tag name="KSO_WM_UNIT_INDEX" val="1_2_1"/>
+  <p:tag name="KSO_WM_UNIT_ID" val="diagram20238220_2*n_h_i*1_2_1"/>
+  <p:tag name="KSO_WM_TEMPLATE_CATEGORY" val="diagram"/>
+  <p:tag name="KSO_WM_TEMPLATE_INDEX" val="20238220"/>
+  <p:tag name="KSO_WM_UNIT_LAYERLEVEL" val="1_1_1"/>
+  <p:tag name="KSO_WM_TAG_VERSION" val="3.0"/>
+  <p:tag name="KSO_WM_UNIT_LINE_FORE_SCHEMECOLOR_INDEX" val="5"/>
+  <p:tag name="KSO_WM_DIAGRAM_USE_COLOR_VALUE" val="{&quot;color_scheme&quot;:1,&quot;color_type&quot;:1,&quot;theme_color_indexes&quot;:[]}"/>
+</p:tagLst>
+</file>
+
+<file path=ppt/tags/tag8.xml><?xml version="1.0" encoding="utf-8"?>
+<p:tagLst xmlns:p="http://schemas.openxmlformats.org/presentationml/2006/main">
+  <p:tag name="KSO_WM_DIAGRAM_MAX_ITEMCNT" val="6"/>
+  <p:tag name="KSO_WM_DIAGRAM_MIN_ITEMCNT" val="2"/>
+  <p:tag name="KSO_WM_DIAGRAM_VIRTUALLY_FRAME" val="{&quot;height&quot;:389.07496062992135,&quot;left&quot;:186.35003326656314,&quot;top&quot;:75.52503937007873,&quot;width&quot;:601.3500122070312}"/>
+  <p:tag name="KSO_WM_DIAGRAM_COLOR_MATCH_VALUE" val="{&quot;shape&quot;:{&quot;fill&quot;:{&quot;type&quot;:0},&quot;glow&quot;:{&quot;colorType&quot;:0},&quot;line&quot;:{&quot;solidLine&quot;:{&quot;brightness&quot;:0.4000000059604645,&quot;colorType&quot;:1,&quot;foreColorIndex&quot;:5,&quot;transparency&quot;:0},&quot;type&quot;:1},&quot;shadow&quot;:{&quot;colorType&quot;:0},&quot;threeD&quot;:{&quot;curvedSurface&quot;:{&quot;brightness&quot;:0,&quot;colorType&quot;:2,&quot;rgb&quot;:&quot;#000000&quot;},&quot;depth&quot;:{&quot;colorType&quot;:0}}},&quot;text&quot;:{&quot;fill&quot;:{&quot;solid&quot;:{&quot;brightness&quot;:0,&quot;colorType&quot;:1,&quot;foreColorIndex&quot;:13,&quot;transparency&quot;:0},&quot;type&quot;:1},&quot;glow&quot;:{&quot;colorType&quot;:0},&quot;line&quot;:{&quot;type&quot;:0},&quot;shadow&quot;:{&quot;colorType&quot;:0},&quot;threeD&quot;:{&quot;curvedSurface&quot;:{&quot;brightness&quot;:0,&quot;colorType&quot;:2,&quot;rgb&quot;:&quot;#000000&quot;},&quot;depth&quot;:{&quot;colorType&quot;:0}}}}"/>
+  <p:tag name="KSO_WM_UNIT_FILL_TYPE" val="1"/>
+  <p:tag name="KSO_WM_UNIT_FILL_FORE_SCHEMECOLOR_INDEX" val="6"/>
+  <p:tag name="KSO_WM_UNIT_FILL_FORE_SCHEMECOLOR_INDEX_BRIGHTNESS" val="0"/>
+  <p:tag name="KSO_WM_DIAGRAM_VERSION" val="3"/>
+  <p:tag name="KSO_WM_DIAGRAM_COLOR_TRICK" val="1"/>
+  <p:tag name="KSO_WM_DIAGRAM_COLOR_TEXT_CAN_REMOVE" val="n"/>
+  <p:tag name="KSO_WM_UNIT_HIGHLIGHT" val="0"/>
+  <p:tag name="KSO_WM_UNIT_COMPATIBLE" val="0"/>
+  <p:tag name="KSO_WM_UNIT_DIAGRAM_ISNUMVISUAL" val="0"/>
+  <p:tag name="KSO_WM_UNIT_DIAGRAM_ISREFERUNIT" val="0"/>
+  <p:tag name="KSO_WM_DIAGRAM_GROUP_CODE" val="n1-1"/>
+  <p:tag name="KSO_WM_UNIT_TYPE" val="n_h_i"/>
+  <p:tag name="KSO_WM_UNIT_INDEX" val="1_2_2"/>
+  <p:tag name="KSO_WM_UNIT_ID" val="diagram20238220_2*n_h_i*1_2_2"/>
+  <p:tag name="KSO_WM_TEMPLATE_CATEGORY" val="diagram"/>
+  <p:tag name="KSO_WM_TEMPLATE_INDEX" val="20238220"/>
+  <p:tag name="KSO_WM_UNIT_LAYERLEVEL" val="1_1_1"/>
+  <p:tag name="KSO_WM_TAG_VERSION" val="3.0"/>
+  <p:tag name="KSO_WM_UNIT_LINE_FORE_SCHEMECOLOR_INDEX" val="5"/>
+  <p:tag name="KSO_WM_DIAGRAM_USE_COLOR_VALUE" val="{&quot;color_scheme&quot;:1,&quot;color_type&quot;:1,&quot;theme_color_indexes&quot;:[]}"/>
+</p:tagLst>
+</file>
+
+<file path=ppt/tags/tag9.xml><?xml version="1.0" encoding="utf-8"?>
+<p:tagLst xmlns:p="http://schemas.openxmlformats.org/presentationml/2006/main">
+  <p:tag name="KSO_WM_DIAGRAM_MAX_ITEMCNT" val="6"/>
+  <p:tag name="KSO_WM_DIAGRAM_MIN_ITEMCNT" val="2"/>
+  <p:tag name="KSO_WM_DIAGRAM_VIRTUALLY_FRAME" val="{&quot;height&quot;:389.07496062992135,&quot;left&quot;:186.35003326656314,&quot;top&quot;:75.52503937007873,&quot;width&quot;:601.3500122070312}"/>
+  <p:tag name="KSO_WM_DIAGRAM_COLOR_MATCH_VALUE" val="{&quot;shape&quot;:{&quot;fill&quot;:{&quot;type&quot;:0},&quot;glow&quot;:{&quot;colorType&quot;:0},&quot;line&quot;:{&quot;solidLine&quot;:{&quot;brightness&quot;:0.4000000059604645,&quot;colorType&quot;:1,&quot;foreColorIndex&quot;:5,&quot;transparency&quot;:0},&quot;type&quot;:1},&quot;shadow&quot;:{&quot;colorType&quot;:0},&quot;threeD&quot;:{&quot;curvedSurface&quot;:{&quot;brightness&quot;:0,&quot;colorType&quot;:2,&quot;rgb&quot;:&quot;#000000&quot;},&quot;depth&quot;:{&quot;colorType&quot;:0}}},&quot;text&quot;:{&quot;fill&quot;:{&quot;solid&quot;:{&quot;brightness&quot;:0,&quot;colorType&quot;:1,&quot;foreColorIndex&quot;:13,&quot;transparency&quot;:0},&quot;type&quot;:1},&quot;glow&quot;:{&quot;colorType&quot;:0},&quot;line&quot;:{&quot;type&quot;:0},&quot;shadow&quot;:{&quot;colorType&quot;:0},&quot;threeD&quot;:{&quot;curvedSurface&quot;:{&quot;brightness&quot;:0,&quot;colorType&quot;:2,&quot;rgb&quot;:&quot;#000000&quot;},&quot;depth&quot;:{&quot;colorType&quot;:0}}}}"/>
+  <p:tag name="KSO_WM_UNIT_FILL_TYPE" val="1"/>
+  <p:tag name="KSO_WM_UNIT_FILL_FORE_SCHEMECOLOR_INDEX" val="6"/>
+  <p:tag name="KSO_WM_UNIT_FILL_FORE_SCHEMECOLOR_INDEX_BRIGHTNESS" val="0"/>
+  <p:tag name="KSO_WM_DIAGRAM_VERSION" val="3"/>
+  <p:tag name="KSO_WM_DIAGRAM_COLOR_TRICK" val="1"/>
+  <p:tag name="KSO_WM_DIAGRAM_COLOR_TEXT_CAN_REMOVE" val="n"/>
+  <p:tag name="KSO_WM_UNIT_HIGHLIGHT" val="0"/>
+  <p:tag name="KSO_WM_UNIT_COMPATIBLE" val="0"/>
+  <p:tag name="KSO_WM_UNIT_DIAGRAM_ISNUMVISUAL" val="0"/>
+  <p:tag name="KSO_WM_UNIT_DIAGRAM_ISREFERUNIT" val="0"/>
+  <p:tag name="KSO_WM_DIAGRAM_GROUP_CODE" val="n1-1"/>
+  <p:tag name="KSO_WM_UNIT_TYPE" val="n_h_i"/>
+  <p:tag name="KSO_WM_UNIT_INDEX" val="1_2_3"/>
+  <p:tag name="KSO_WM_UNIT_ID" val="diagram20238220_2*n_h_i*1_2_3"/>
+  <p:tag name="KSO_WM_TEMPLATE_CATEGORY" val="diagram"/>
+  <p:tag name="KSO_WM_TEMPLATE_INDEX" val="20238220"/>
+  <p:tag name="KSO_WM_UNIT_LAYERLEVEL" val="1_1_1"/>
+  <p:tag name="KSO_WM_TAG_VERSION" val="3.0"/>
+  <p:tag name="KSO_WM_UNIT_LINE_FORE_SCHEMECOLOR_INDEX" val="5"/>
+  <p:tag name="KSO_WM_DIAGRAM_USE_COLOR_VALUE" val="{&quot;color_scheme&quot;:1,&quot;color_type&quot;:1,&quot;theme_color_indexes&quot;:[]}"/>
 </p:tagLst>
 </file>
 

--- a/presentation/Presentation.pptx
+++ b/presentation/Presentation.pptx
@@ -3340,36 +3340,6 @@
           </a:p>
         </p:txBody>
       </p:sp>
-      <p:cxnSp>
-        <p:nvCxnSpPr>
-          <p:cNvPr id="5" name="Straight Connector 4"/>
-          <p:cNvCxnSpPr/>
-          <p:nvPr/>
-        </p:nvCxnSpPr>
-        <p:spPr>
-          <a:xfrm>
-            <a:off x="584200" y="5459095"/>
-            <a:ext cx="2842260" cy="2540"/>
-          </a:xfrm>
-          <a:prstGeom prst="line">
-            <a:avLst/>
-          </a:prstGeom>
-        </p:spPr>
-        <p:style>
-          <a:lnRef idx="3">
-            <a:prstClr val="black"/>
-          </a:lnRef>
-          <a:fillRef idx="0">
-            <a:srgbClr val="FFFFFF"/>
-          </a:fillRef>
-          <a:effectRef idx="0">
-            <a:srgbClr val="FFFFFF"/>
-          </a:effectRef>
-          <a:fontRef idx="minor">
-            <a:schemeClr val="tx1"/>
-          </a:fontRef>
-        </p:style>
-      </p:cxnSp>
       <p:sp>
         <p:nvSpPr>
           <p:cNvPr id="6" name="Text Box 5"/>
@@ -4363,6 +4333,53 @@
           </p:spPr>
         </p:pic>
       </p:grpSp>
+      <p:sp>
+        <p:nvSpPr>
+          <p:cNvPr id="2" name="Rectangles 1"/>
+          <p:cNvSpPr/>
+          <p:nvPr/>
+        </p:nvSpPr>
+        <p:spPr>
+          <a:xfrm>
+            <a:off x="584200" y="5431790"/>
+            <a:ext cx="2883535" cy="18000"/>
+          </a:xfrm>
+          <a:prstGeom prst="rect">
+            <a:avLst/>
+          </a:prstGeom>
+          <a:solidFill>
+            <a:schemeClr val="tx1"/>
+          </a:solidFill>
+          <a:ln>
+            <a:solidFill>
+              <a:schemeClr val="tx1"/>
+            </a:solidFill>
+          </a:ln>
+        </p:spPr>
+        <p:style>
+          <a:lnRef idx="2">
+            <a:schemeClr val="accent1">
+              <a:lumMod val="75000"/>
+            </a:schemeClr>
+          </a:lnRef>
+          <a:fillRef idx="1">
+            <a:schemeClr val="accent1"/>
+          </a:fillRef>
+          <a:effectRef idx="0">
+            <a:srgbClr val="FFFFFF"/>
+          </a:effectRef>
+          <a:fontRef idx="minor">
+            <a:schemeClr val="lt1"/>
+          </a:fontRef>
+        </p:style>
+        <p:txBody>
+          <a:bodyPr rtlCol="0" anchor="ctr"/>
+          <a:p>
+            <a:pPr algn="ctr"/>
+            <a:endParaRPr lang="en-GB" altLang="en-US"/>
+          </a:p>
+        </p:txBody>
+      </p:sp>
     </p:spTree>
   </p:cSld>
   <p:clrMapOvr>
@@ -4446,41 +4463,13 @@
         <p:txBody>
           <a:bodyPr rtlCol="0" anchor="ctr"/>
           <a:p>
-            <a:pPr algn="ctr"/>
+            <a:pPr indent="0" algn="ctr">
+              <a:buNone/>
+            </a:pPr>
             <a:endParaRPr lang="en-GB" altLang="en-US"/>
           </a:p>
         </p:txBody>
       </p:sp>
-      <p:cxnSp>
-        <p:nvCxnSpPr>
-          <p:cNvPr id="5" name="Straight Connector 4"/>
-          <p:cNvCxnSpPr/>
-          <p:nvPr/>
-        </p:nvCxnSpPr>
-        <p:spPr>
-          <a:xfrm>
-            <a:off x="584200" y="5459095"/>
-            <a:ext cx="969645" cy="3175"/>
-          </a:xfrm>
-          <a:prstGeom prst="line">
-            <a:avLst/>
-          </a:prstGeom>
-        </p:spPr>
-        <p:style>
-          <a:lnRef idx="3">
-            <a:prstClr val="black"/>
-          </a:lnRef>
-          <a:fillRef idx="0">
-            <a:srgbClr val="FFFFFF"/>
-          </a:fillRef>
-          <a:effectRef idx="0">
-            <a:srgbClr val="FFFFFF"/>
-          </a:effectRef>
-          <a:fontRef idx="minor">
-            <a:schemeClr val="tx1"/>
-          </a:fontRef>
-        </p:style>
-      </p:cxnSp>
       <p:sp>
         <p:nvSpPr>
           <p:cNvPr id="6" name="Text Box 5"/>
@@ -4551,7 +4540,7 @@
         </p:nvSpPr>
         <p:spPr>
           <a:xfrm>
-            <a:off x="984250" y="2101850"/>
+            <a:off x="984250" y="1809750"/>
             <a:ext cx="2629535" cy="368300"/>
           </a:xfrm>
           <a:prstGeom prst="rect">
@@ -4572,11 +4561,1025 @@
           </a:p>
         </p:txBody>
       </p:sp>
+      <p:sp>
+        <p:nvSpPr>
+          <p:cNvPr id="8" name="Rectangles 7"/>
+          <p:cNvSpPr/>
+          <p:nvPr/>
+        </p:nvSpPr>
+        <p:spPr>
+          <a:xfrm>
+            <a:off x="584200" y="5431790"/>
+            <a:ext cx="900000" cy="18000"/>
+          </a:xfrm>
+          <a:prstGeom prst="rect">
+            <a:avLst/>
+          </a:prstGeom>
+          <a:solidFill>
+            <a:schemeClr val="tx1"/>
+          </a:solidFill>
+          <a:ln>
+            <a:solidFill>
+              <a:schemeClr val="tx1"/>
+            </a:solidFill>
+          </a:ln>
+        </p:spPr>
+        <p:style>
+          <a:lnRef idx="2">
+            <a:schemeClr val="accent1">
+              <a:lumMod val="75000"/>
+            </a:schemeClr>
+          </a:lnRef>
+          <a:fillRef idx="1">
+            <a:schemeClr val="accent1"/>
+          </a:fillRef>
+          <a:effectRef idx="0">
+            <a:srgbClr val="FFFFFF"/>
+          </a:effectRef>
+          <a:fontRef idx="minor">
+            <a:schemeClr val="lt1"/>
+          </a:fontRef>
+        </p:style>
+        <p:txBody>
+          <a:bodyPr rtlCol="0" anchor="ctr"/>
+          <a:p>
+            <a:pPr algn="ctr"/>
+            <a:endParaRPr lang="en-GB" altLang="en-US"/>
+          </a:p>
+        </p:txBody>
+      </p:sp>
+      <p:grpSp>
+        <p:nvGrpSpPr>
+          <p:cNvPr id="28" name="Group 27"/>
+          <p:cNvGrpSpPr/>
+          <p:nvPr>
+            <p:custDataLst>
+              <p:tags r:id="rId1"/>
+            </p:custDataLst>
+          </p:nvPr>
+        </p:nvGrpSpPr>
+        <p:grpSpPr>
+          <a:xfrm>
+            <a:off x="750253" y="2277745"/>
+            <a:ext cx="10800080" cy="2303780"/>
+            <a:chOff x="1097" y="3587"/>
+            <a:chExt cx="17008" cy="3628"/>
+          </a:xfrm>
+        </p:grpSpPr>
+        <p:grpSp>
+          <p:nvGrpSpPr>
+            <p:cNvPr id="26" name="Group 25"/>
+            <p:cNvGrpSpPr/>
+            <p:nvPr>
+              <p:custDataLst>
+                <p:tags r:id="rId2"/>
+              </p:custDataLst>
+            </p:nvPr>
+          </p:nvGrpSpPr>
+          <p:grpSpPr>
+            <a:xfrm>
+              <a:off x="6823" y="3587"/>
+              <a:ext cx="5556" cy="3628"/>
+              <a:chOff x="6823" y="3587"/>
+              <a:chExt cx="5556" cy="3628"/>
+            </a:xfrm>
+          </p:grpSpPr>
+          <p:sp>
+            <p:nvSpPr>
+              <p:cNvPr id="14" name="圆角矩形 6"/>
+              <p:cNvSpPr/>
+              <p:nvPr>
+                <p:custDataLst>
+                  <p:tags r:id="rId3"/>
+                </p:custDataLst>
+              </p:nvPr>
+            </p:nvSpPr>
+            <p:spPr>
+              <a:xfrm>
+                <a:off x="6823" y="3587"/>
+                <a:ext cx="5556" cy="3628"/>
+              </a:xfrm>
+              <a:prstGeom prst="roundRect">
+                <a:avLst>
+                  <a:gd name="adj" fmla="val 6322"/>
+                </a:avLst>
+              </a:prstGeom>
+              <a:solidFill>
+                <a:schemeClr val="accent1">
+                  <a:lumMod val="40000"/>
+                  <a:lumOff val="60000"/>
+                  <a:alpha val="20000"/>
+                </a:schemeClr>
+              </a:solidFill>
+              <a:ln>
+                <a:noFill/>
+              </a:ln>
+              <a:effectLst/>
+            </p:spPr>
+            <p:style>
+              <a:lnRef idx="2">
+                <a:schemeClr val="accent1">
+                  <a:shade val="50000"/>
+                </a:schemeClr>
+              </a:lnRef>
+              <a:fillRef idx="1">
+                <a:schemeClr val="accent1"/>
+              </a:fillRef>
+              <a:effectRef idx="0">
+                <a:schemeClr val="accent1"/>
+              </a:effectRef>
+              <a:fontRef idx="minor">
+                <a:schemeClr val="lt1"/>
+              </a:fontRef>
+            </p:style>
+            <p:txBody>
+              <a:bodyPr vertOverflow="overflow" horzOverflow="overflow" vert="horz" wrap="square" numCol="1" spcCol="0" rtlCol="0" fromWordArt="0" anchor="ctr" anchorCtr="0" forceAA="0" compatLnSpc="1">
+                <a:noAutofit/>
+              </a:bodyPr>
+              <a:lstStyle>
+                <a:defPPr>
+                  <a:defRPr lang="en-US"/>
+                </a:defPPr>
+                <a:lvl1pPr marL="0" algn="l" defTabSz="914400" rtl="0" eaLnBrk="1" latinLnBrk="0" hangingPunct="1">
+                  <a:defRPr sz="1800" kern="1200">
+                    <a:solidFill>
+                      <a:schemeClr val="lt1"/>
+                    </a:solidFill>
+                    <a:latin typeface="+mn-lt"/>
+                  </a:defRPr>
+                </a:lvl1pPr>
+                <a:lvl2pPr marL="457200" algn="l" defTabSz="914400" rtl="0" eaLnBrk="1" latinLnBrk="0" hangingPunct="1">
+                  <a:defRPr sz="1800" kern="1200">
+                    <a:solidFill>
+                      <a:schemeClr val="lt1"/>
+                    </a:solidFill>
+                    <a:latin typeface="+mn-lt"/>
+                  </a:defRPr>
+                </a:lvl2pPr>
+                <a:lvl3pPr marL="914400" algn="l" defTabSz="914400" rtl="0" eaLnBrk="1" latinLnBrk="0" hangingPunct="1">
+                  <a:defRPr sz="1800" kern="1200">
+                    <a:solidFill>
+                      <a:schemeClr val="lt1"/>
+                    </a:solidFill>
+                    <a:latin typeface="+mn-lt"/>
+                  </a:defRPr>
+                </a:lvl3pPr>
+                <a:lvl4pPr marL="1371600" algn="l" defTabSz="914400" rtl="0" eaLnBrk="1" latinLnBrk="0" hangingPunct="1">
+                  <a:defRPr sz="1800" kern="1200">
+                    <a:solidFill>
+                      <a:schemeClr val="lt1"/>
+                    </a:solidFill>
+                    <a:latin typeface="+mn-lt"/>
+                  </a:defRPr>
+                </a:lvl4pPr>
+                <a:lvl5pPr marL="1828800" algn="l" defTabSz="914400" rtl="0" eaLnBrk="1" latinLnBrk="0" hangingPunct="1">
+                  <a:defRPr sz="1800" kern="1200">
+                    <a:solidFill>
+                      <a:schemeClr val="lt1"/>
+                    </a:solidFill>
+                    <a:latin typeface="+mn-lt"/>
+                  </a:defRPr>
+                </a:lvl5pPr>
+                <a:lvl6pPr marL="2286000" algn="l" defTabSz="914400" rtl="0" eaLnBrk="1" latinLnBrk="0" hangingPunct="1">
+                  <a:defRPr sz="1800" kern="1200">
+                    <a:solidFill>
+                      <a:schemeClr val="lt1"/>
+                    </a:solidFill>
+                    <a:latin typeface="+mn-lt"/>
+                  </a:defRPr>
+                </a:lvl6pPr>
+                <a:lvl7pPr marL="2743200" algn="l" defTabSz="914400" rtl="0" eaLnBrk="1" latinLnBrk="0" hangingPunct="1">
+                  <a:defRPr sz="1800" kern="1200">
+                    <a:solidFill>
+                      <a:schemeClr val="lt1"/>
+                    </a:solidFill>
+                    <a:latin typeface="+mn-lt"/>
+                  </a:defRPr>
+                </a:lvl7pPr>
+                <a:lvl8pPr marL="3200400" algn="l" defTabSz="914400" rtl="0" eaLnBrk="1" latinLnBrk="0" hangingPunct="1">
+                  <a:defRPr sz="1800" kern="1200">
+                    <a:solidFill>
+                      <a:schemeClr val="lt1"/>
+                    </a:solidFill>
+                    <a:latin typeface="+mn-lt"/>
+                  </a:defRPr>
+                </a:lvl8pPr>
+                <a:lvl9pPr marL="3657600" algn="l" defTabSz="914400" rtl="0" eaLnBrk="1" latinLnBrk="0" hangingPunct="1">
+                  <a:defRPr sz="1800" kern="1200">
+                    <a:solidFill>
+                      <a:schemeClr val="lt1"/>
+                    </a:solidFill>
+                    <a:latin typeface="+mn-lt"/>
+                  </a:defRPr>
+                </a:lvl9pPr>
+              </a:lstStyle>
+              <a:p>
+                <a:pPr algn="ctr"/>
+                <a:endParaRPr lang="en-US" sz="1400">
+                  <a:latin typeface="+mj-ea"/>
+                </a:endParaRPr>
+              </a:p>
+            </p:txBody>
+          </p:sp>
+          <p:sp>
+            <p:nvSpPr>
+              <p:cNvPr id="16" name="矩形 3"/>
+              <p:cNvSpPr/>
+              <p:nvPr>
+                <p:custDataLst>
+                  <p:tags r:id="rId4"/>
+                </p:custDataLst>
+              </p:nvPr>
+            </p:nvSpPr>
+            <p:spPr>
+              <a:xfrm>
+                <a:off x="9631" y="4231"/>
+                <a:ext cx="2257" cy="580"/>
+              </a:xfrm>
+              <a:prstGeom prst="rect">
+                <a:avLst/>
+              </a:prstGeom>
+              <a:noFill/>
+            </p:spPr>
+            <p:txBody>
+              <a:bodyPr wrap="square" lIns="0" tIns="0" rIns="0" bIns="0" rtlCol="0" anchor="b">
+                <a:noAutofit/>
+              </a:bodyPr>
+              <a:lstStyle/>
+              <a:p>
+                <a:pPr>
+                  <a:spcBef>
+                    <a:spcPct val="0"/>
+                  </a:spcBef>
+                  <a:spcAft>
+                    <a:spcPct val="0"/>
+                  </a:spcAft>
+                </a:pPr>
+                <a:r>
+                  <a:rPr lang="it-IT" altLang="en-US" sz="1700" b="1" dirty="0">
+                    <a:solidFill>
+                      <a:schemeClr val="accent1"/>
+                    </a:solidFill>
+                    <a:latin typeface="+mj-lt"/>
+                    <a:sym typeface="+mn-ea"/>
+                  </a:rPr>
+                  <a:t>TCP-TLS Drawbacks</a:t>
+                </a:r>
+                <a:endParaRPr lang="it-IT" altLang="en-US" sz="1700" b="1" dirty="0">
+                  <a:solidFill>
+                    <a:schemeClr val="accent1"/>
+                  </a:solidFill>
+                  <a:latin typeface="+mj-lt"/>
+                  <a:sym typeface="+mn-ea"/>
+                </a:endParaRPr>
+              </a:p>
+            </p:txBody>
+          </p:sp>
+          <p:sp>
+            <p:nvSpPr>
+              <p:cNvPr id="17" name="矩形 4"/>
+              <p:cNvSpPr/>
+              <p:nvPr>
+                <p:custDataLst>
+                  <p:tags r:id="rId5"/>
+                </p:custDataLst>
+              </p:nvPr>
+            </p:nvSpPr>
+            <p:spPr>
+              <a:xfrm>
+                <a:off x="9631" y="4920"/>
+                <a:ext cx="2258" cy="1654"/>
+              </a:xfrm>
+              <a:prstGeom prst="rect">
+                <a:avLst/>
+              </a:prstGeom>
+              <a:noFill/>
+            </p:spPr>
+            <p:txBody>
+              <a:bodyPr wrap="square" lIns="0" tIns="0" rIns="0" bIns="0" rtlCol="0" anchor="t" anchorCtr="0">
+                <a:normAutofit/>
+              </a:bodyPr>
+              <a:lstStyle/>
+              <a:p>
+                <a:pPr>
+                  <a:lnSpc>
+                    <a:spcPct val="150000"/>
+                  </a:lnSpc>
+                  <a:spcBef>
+                    <a:spcPct val="0"/>
+                  </a:spcBef>
+                  <a:spcAft>
+                    <a:spcPct val="0"/>
+                  </a:spcAft>
+                </a:pPr>
+                <a:r>
+                  <a:rPr lang="it-IT" altLang="en-US" sz="1400" dirty="0">
+                    <a:solidFill>
+                      <a:schemeClr val="tx1">
+                        <a:lumMod val="85000"/>
+                        <a:lumOff val="15000"/>
+                      </a:schemeClr>
+                    </a:solidFill>
+                    <a:latin typeface="+mn-lt"/>
+                    <a:sym typeface="+mn-ea"/>
+                  </a:rPr>
+                  <a:t>Extra handshakes, latency, packet loss issues.</a:t>
+                </a:r>
+                <a:endParaRPr lang="it-IT" altLang="en-US" sz="1400" dirty="0">
+                  <a:solidFill>
+                    <a:schemeClr val="tx1">
+                      <a:lumMod val="85000"/>
+                      <a:lumOff val="15000"/>
+                    </a:schemeClr>
+                  </a:solidFill>
+                  <a:latin typeface="+mn-lt"/>
+                  <a:sym typeface="+mn-ea"/>
+                </a:endParaRPr>
+              </a:p>
+            </p:txBody>
+          </p:sp>
+          <p:pic>
+            <p:nvPicPr>
+              <p:cNvPr id="22" name="Picture 21" descr="loss-graph-down-svgrepo-com"/>
+              <p:cNvPicPr>
+                <a:picLocks noChangeAspect="1"/>
+              </p:cNvPicPr>
+              <p:nvPr/>
+            </p:nvPicPr>
+            <p:blipFill>
+              <a:blip r:embed="rId6">
+                <a:extLst>
+                  <a:ext uri="{96DAC541-7B7A-43D3-8B79-37D633B846F1}">
+                    <asvg:svgBlip xmlns:asvg="http://schemas.microsoft.com/office/drawing/2016/SVG/main" r:embed="rId7"/>
+                  </a:ext>
+                </a:extLst>
+              </a:blip>
+              <a:stretch>
+                <a:fillRect/>
+              </a:stretch>
+            </p:blipFill>
+            <p:spPr>
+              <a:xfrm>
+                <a:off x="7222" y="4402"/>
+                <a:ext cx="1958" cy="1958"/>
+              </a:xfrm>
+              <a:prstGeom prst="rect">
+                <a:avLst/>
+              </a:prstGeom>
+            </p:spPr>
+          </p:pic>
+        </p:grpSp>
+        <p:grpSp>
+          <p:nvGrpSpPr>
+            <p:cNvPr id="25" name="Group 24"/>
+            <p:cNvGrpSpPr/>
+            <p:nvPr>
+              <p:custDataLst>
+                <p:tags r:id="rId8"/>
+              </p:custDataLst>
+            </p:nvPr>
+          </p:nvGrpSpPr>
+          <p:grpSpPr>
+            <a:xfrm>
+              <a:off x="1097" y="3587"/>
+              <a:ext cx="5556" cy="3628"/>
+              <a:chOff x="1097" y="3587"/>
+              <a:chExt cx="5556" cy="3628"/>
+            </a:xfrm>
+          </p:grpSpPr>
+          <p:sp>
+            <p:nvSpPr>
+              <p:cNvPr id="29" name="圆角矩形 28"/>
+              <p:cNvSpPr/>
+              <p:nvPr>
+                <p:custDataLst>
+                  <p:tags r:id="rId9"/>
+                </p:custDataLst>
+              </p:nvPr>
+            </p:nvSpPr>
+            <p:spPr>
+              <a:xfrm>
+                <a:off x="1097" y="3587"/>
+                <a:ext cx="5556" cy="3628"/>
+              </a:xfrm>
+              <a:prstGeom prst="roundRect">
+                <a:avLst>
+                  <a:gd name="adj" fmla="val 6322"/>
+                </a:avLst>
+              </a:prstGeom>
+              <a:solidFill>
+                <a:schemeClr val="accent1">
+                  <a:lumMod val="40000"/>
+                  <a:lumOff val="60000"/>
+                  <a:alpha val="20000"/>
+                </a:schemeClr>
+              </a:solidFill>
+              <a:ln>
+                <a:noFill/>
+              </a:ln>
+              <a:effectLst/>
+            </p:spPr>
+            <p:style>
+              <a:lnRef idx="2">
+                <a:schemeClr val="accent1">
+                  <a:shade val="50000"/>
+                </a:schemeClr>
+              </a:lnRef>
+              <a:fillRef idx="1">
+                <a:schemeClr val="accent1"/>
+              </a:fillRef>
+              <a:effectRef idx="0">
+                <a:schemeClr val="accent1"/>
+              </a:effectRef>
+              <a:fontRef idx="minor">
+                <a:schemeClr val="lt1"/>
+              </a:fontRef>
+            </p:style>
+            <p:txBody>
+              <a:bodyPr vertOverflow="overflow" horzOverflow="overflow" vert="horz" wrap="square" numCol="1" spcCol="0" rtlCol="0" fromWordArt="0" anchor="ctr" anchorCtr="0" forceAA="0" compatLnSpc="1">
+                <a:noAutofit/>
+              </a:bodyPr>
+              <a:lstStyle>
+                <a:defPPr>
+                  <a:defRPr lang="en-US"/>
+                </a:defPPr>
+                <a:lvl1pPr marL="0" algn="l" defTabSz="914400" rtl="0" eaLnBrk="1" latinLnBrk="0" hangingPunct="1">
+                  <a:defRPr sz="1800" kern="1200">
+                    <a:solidFill>
+                      <a:schemeClr val="lt1"/>
+                    </a:solidFill>
+                    <a:latin typeface="+mn-lt"/>
+                  </a:defRPr>
+                </a:lvl1pPr>
+                <a:lvl2pPr marL="457200" algn="l" defTabSz="914400" rtl="0" eaLnBrk="1" latinLnBrk="0" hangingPunct="1">
+                  <a:defRPr sz="1800" kern="1200">
+                    <a:solidFill>
+                      <a:schemeClr val="lt1"/>
+                    </a:solidFill>
+                    <a:latin typeface="+mn-lt"/>
+                  </a:defRPr>
+                </a:lvl2pPr>
+                <a:lvl3pPr marL="914400" algn="l" defTabSz="914400" rtl="0" eaLnBrk="1" latinLnBrk="0" hangingPunct="1">
+                  <a:defRPr sz="1800" kern="1200">
+                    <a:solidFill>
+                      <a:schemeClr val="lt1"/>
+                    </a:solidFill>
+                    <a:latin typeface="+mn-lt"/>
+                  </a:defRPr>
+                </a:lvl3pPr>
+                <a:lvl4pPr marL="1371600" algn="l" defTabSz="914400" rtl="0" eaLnBrk="1" latinLnBrk="0" hangingPunct="1">
+                  <a:defRPr sz="1800" kern="1200">
+                    <a:solidFill>
+                      <a:schemeClr val="lt1"/>
+                    </a:solidFill>
+                    <a:latin typeface="+mn-lt"/>
+                  </a:defRPr>
+                </a:lvl4pPr>
+                <a:lvl5pPr marL="1828800" algn="l" defTabSz="914400" rtl="0" eaLnBrk="1" latinLnBrk="0" hangingPunct="1">
+                  <a:defRPr sz="1800" kern="1200">
+                    <a:solidFill>
+                      <a:schemeClr val="lt1"/>
+                    </a:solidFill>
+                    <a:latin typeface="+mn-lt"/>
+                  </a:defRPr>
+                </a:lvl5pPr>
+                <a:lvl6pPr marL="2286000" algn="l" defTabSz="914400" rtl="0" eaLnBrk="1" latinLnBrk="0" hangingPunct="1">
+                  <a:defRPr sz="1800" kern="1200">
+                    <a:solidFill>
+                      <a:schemeClr val="lt1"/>
+                    </a:solidFill>
+                    <a:latin typeface="+mn-lt"/>
+                  </a:defRPr>
+                </a:lvl6pPr>
+                <a:lvl7pPr marL="2743200" algn="l" defTabSz="914400" rtl="0" eaLnBrk="1" latinLnBrk="0" hangingPunct="1">
+                  <a:defRPr sz="1800" kern="1200">
+                    <a:solidFill>
+                      <a:schemeClr val="lt1"/>
+                    </a:solidFill>
+                    <a:latin typeface="+mn-lt"/>
+                  </a:defRPr>
+                </a:lvl7pPr>
+                <a:lvl8pPr marL="3200400" algn="l" defTabSz="914400" rtl="0" eaLnBrk="1" latinLnBrk="0" hangingPunct="1">
+                  <a:defRPr sz="1800" kern="1200">
+                    <a:solidFill>
+                      <a:schemeClr val="lt1"/>
+                    </a:solidFill>
+                    <a:latin typeface="+mn-lt"/>
+                  </a:defRPr>
+                </a:lvl8pPr>
+                <a:lvl9pPr marL="3657600" algn="l" defTabSz="914400" rtl="0" eaLnBrk="1" latinLnBrk="0" hangingPunct="1">
+                  <a:defRPr sz="1800" kern="1200">
+                    <a:solidFill>
+                      <a:schemeClr val="lt1"/>
+                    </a:solidFill>
+                    <a:latin typeface="+mn-lt"/>
+                  </a:defRPr>
+                </a:lvl9pPr>
+              </a:lstStyle>
+              <a:p>
+                <a:pPr algn="ctr"/>
+                <a:endParaRPr lang="en-US" sz="1400">
+                  <a:latin typeface="+mj-ea"/>
+                </a:endParaRPr>
+              </a:p>
+            </p:txBody>
+          </p:sp>
+          <p:sp>
+            <p:nvSpPr>
+              <p:cNvPr id="12" name="矩形 1"/>
+              <p:cNvSpPr/>
+              <p:nvPr>
+                <p:custDataLst>
+                  <p:tags r:id="rId10"/>
+                </p:custDataLst>
+              </p:nvPr>
+            </p:nvSpPr>
+            <p:spPr>
+              <a:xfrm>
+                <a:off x="3905" y="4231"/>
+                <a:ext cx="2387" cy="580"/>
+              </a:xfrm>
+              <a:prstGeom prst="rect">
+                <a:avLst/>
+              </a:prstGeom>
+              <a:noFill/>
+            </p:spPr>
+            <p:txBody>
+              <a:bodyPr wrap="square" lIns="0" tIns="0" rIns="0" bIns="0" rtlCol="0" anchor="b">
+                <a:noAutofit/>
+              </a:bodyPr>
+              <a:lstStyle/>
+              <a:p>
+                <a:pPr>
+                  <a:spcBef>
+                    <a:spcPct val="0"/>
+                  </a:spcBef>
+                  <a:spcAft>
+                    <a:spcPct val="0"/>
+                  </a:spcAft>
+                </a:pPr>
+                <a:r>
+                  <a:rPr lang="it-IT" altLang="en-US" sz="1700" b="1" dirty="0">
+                    <a:solidFill>
+                      <a:schemeClr val="accent1"/>
+                    </a:solidFill>
+                    <a:latin typeface="+mj-lt"/>
+                    <a:sym typeface="+mn-ea"/>
+                  </a:rPr>
+                  <a:t>Data Transfer efficiency</a:t>
+                </a:r>
+                <a:endParaRPr lang="it-IT" altLang="en-US" sz="1700" b="1" dirty="0">
+                  <a:solidFill>
+                    <a:schemeClr val="accent1"/>
+                  </a:solidFill>
+                  <a:latin typeface="+mj-lt"/>
+                  <a:sym typeface="+mn-ea"/>
+                </a:endParaRPr>
+              </a:p>
+            </p:txBody>
+          </p:sp>
+          <p:sp>
+            <p:nvSpPr>
+              <p:cNvPr id="13" name="矩形 2"/>
+              <p:cNvSpPr/>
+              <p:nvPr>
+                <p:custDataLst>
+                  <p:tags r:id="rId11"/>
+                </p:custDataLst>
+              </p:nvPr>
+            </p:nvSpPr>
+            <p:spPr>
+              <a:xfrm>
+                <a:off x="3905" y="4920"/>
+                <a:ext cx="2443" cy="1654"/>
+              </a:xfrm>
+              <a:prstGeom prst="rect">
+                <a:avLst/>
+              </a:prstGeom>
+              <a:noFill/>
+            </p:spPr>
+            <p:txBody>
+              <a:bodyPr wrap="square" lIns="0" tIns="0" rIns="0" bIns="0" rtlCol="0" anchor="t" anchorCtr="0">
+                <a:noAutofit/>
+              </a:bodyPr>
+              <a:lstStyle/>
+              <a:p>
+                <a:pPr>
+                  <a:lnSpc>
+                    <a:spcPct val="150000"/>
+                  </a:lnSpc>
+                  <a:spcBef>
+                    <a:spcPct val="0"/>
+                  </a:spcBef>
+                  <a:spcAft>
+                    <a:spcPct val="0"/>
+                  </a:spcAft>
+                </a:pPr>
+                <a:r>
+                  <a:rPr lang="it-IT" altLang="en-US" sz="1300" dirty="0">
+                    <a:solidFill>
+                      <a:schemeClr val="tx1">
+                        <a:lumMod val="85000"/>
+                        <a:lumOff val="15000"/>
+                      </a:schemeClr>
+                    </a:solidFill>
+                    <a:latin typeface="+mn-lt"/>
+                    <a:sym typeface="+mn-ea"/>
+                  </a:rPr>
+                  <a:t>Critical for cloud storage, video streaming, and web apps.</a:t>
+                </a:r>
+                <a:endParaRPr lang="it-IT" altLang="en-US" sz="1300" dirty="0">
+                  <a:solidFill>
+                    <a:schemeClr val="tx1">
+                      <a:lumMod val="85000"/>
+                      <a:lumOff val="15000"/>
+                    </a:schemeClr>
+                  </a:solidFill>
+                  <a:latin typeface="+mn-lt"/>
+                  <a:sym typeface="+mn-ea"/>
+                </a:endParaRPr>
+              </a:p>
+            </p:txBody>
+          </p:sp>
+          <p:pic>
+            <p:nvPicPr>
+              <p:cNvPr id="23" name="Picture 22" descr="connection-relation-communication-svgrepo-com"/>
+              <p:cNvPicPr>
+                <a:picLocks noChangeAspect="1"/>
+              </p:cNvPicPr>
+              <p:nvPr/>
+            </p:nvPicPr>
+            <p:blipFill>
+              <a:blip r:embed="rId12">
+                <a:extLst>
+                  <a:ext uri="{96DAC541-7B7A-43D3-8B79-37D633B846F1}">
+                    <asvg:svgBlip xmlns:asvg="http://schemas.microsoft.com/office/drawing/2016/SVG/main" r:embed="rId13"/>
+                  </a:ext>
+                </a:extLst>
+              </a:blip>
+              <a:stretch>
+                <a:fillRect/>
+              </a:stretch>
+            </p:blipFill>
+            <p:spPr>
+              <a:xfrm>
+                <a:off x="1476" y="4402"/>
+                <a:ext cx="1958" cy="1958"/>
+              </a:xfrm>
+              <a:prstGeom prst="rect">
+                <a:avLst/>
+              </a:prstGeom>
+            </p:spPr>
+          </p:pic>
+        </p:grpSp>
+        <p:grpSp>
+          <p:nvGrpSpPr>
+            <p:cNvPr id="27" name="Group 26"/>
+            <p:cNvGrpSpPr/>
+            <p:nvPr>
+              <p:custDataLst>
+                <p:tags r:id="rId14"/>
+              </p:custDataLst>
+            </p:nvPr>
+          </p:nvGrpSpPr>
+          <p:grpSpPr>
+            <a:xfrm>
+              <a:off x="12549" y="3587"/>
+              <a:ext cx="5556" cy="3628"/>
+              <a:chOff x="12549" y="3587"/>
+              <a:chExt cx="5556" cy="3628"/>
+            </a:xfrm>
+          </p:grpSpPr>
+          <p:sp>
+            <p:nvSpPr>
+              <p:cNvPr id="18" name="圆角矩形 13"/>
+              <p:cNvSpPr/>
+              <p:nvPr>
+                <p:custDataLst>
+                  <p:tags r:id="rId15"/>
+                </p:custDataLst>
+              </p:nvPr>
+            </p:nvSpPr>
+            <p:spPr>
+              <a:xfrm>
+                <a:off x="12549" y="3587"/>
+                <a:ext cx="5556" cy="3628"/>
+              </a:xfrm>
+              <a:prstGeom prst="roundRect">
+                <a:avLst>
+                  <a:gd name="adj" fmla="val 6322"/>
+                </a:avLst>
+              </a:prstGeom>
+              <a:solidFill>
+                <a:schemeClr val="accent1">
+                  <a:lumMod val="40000"/>
+                  <a:lumOff val="60000"/>
+                  <a:alpha val="20000"/>
+                </a:schemeClr>
+              </a:solidFill>
+              <a:ln>
+                <a:noFill/>
+              </a:ln>
+              <a:effectLst/>
+            </p:spPr>
+            <p:style>
+              <a:lnRef idx="2">
+                <a:schemeClr val="accent1">
+                  <a:shade val="50000"/>
+                </a:schemeClr>
+              </a:lnRef>
+              <a:fillRef idx="1">
+                <a:schemeClr val="accent1"/>
+              </a:fillRef>
+              <a:effectRef idx="0">
+                <a:schemeClr val="accent1"/>
+              </a:effectRef>
+              <a:fontRef idx="minor">
+                <a:schemeClr val="lt1"/>
+              </a:fontRef>
+            </p:style>
+            <p:txBody>
+              <a:bodyPr vertOverflow="overflow" horzOverflow="overflow" vert="horz" wrap="square" numCol="1" spcCol="0" rtlCol="0" fromWordArt="0" anchor="ctr" anchorCtr="0" forceAA="0" compatLnSpc="1">
+                <a:noAutofit/>
+              </a:bodyPr>
+              <a:lstStyle>
+                <a:defPPr>
+                  <a:defRPr lang="en-US"/>
+                </a:defPPr>
+                <a:lvl1pPr marL="0" algn="l" defTabSz="914400" rtl="0" eaLnBrk="1" latinLnBrk="0" hangingPunct="1">
+                  <a:defRPr sz="1800" kern="1200">
+                    <a:solidFill>
+                      <a:schemeClr val="lt1"/>
+                    </a:solidFill>
+                    <a:latin typeface="+mn-lt"/>
+                  </a:defRPr>
+                </a:lvl1pPr>
+                <a:lvl2pPr marL="457200" algn="l" defTabSz="914400" rtl="0" eaLnBrk="1" latinLnBrk="0" hangingPunct="1">
+                  <a:defRPr sz="1800" kern="1200">
+                    <a:solidFill>
+                      <a:schemeClr val="lt1"/>
+                    </a:solidFill>
+                    <a:latin typeface="+mn-lt"/>
+                  </a:defRPr>
+                </a:lvl2pPr>
+                <a:lvl3pPr marL="914400" algn="l" defTabSz="914400" rtl="0" eaLnBrk="1" latinLnBrk="0" hangingPunct="1">
+                  <a:defRPr sz="1800" kern="1200">
+                    <a:solidFill>
+                      <a:schemeClr val="lt1"/>
+                    </a:solidFill>
+                    <a:latin typeface="+mn-lt"/>
+                  </a:defRPr>
+                </a:lvl3pPr>
+                <a:lvl4pPr marL="1371600" algn="l" defTabSz="914400" rtl="0" eaLnBrk="1" latinLnBrk="0" hangingPunct="1">
+                  <a:defRPr sz="1800" kern="1200">
+                    <a:solidFill>
+                      <a:schemeClr val="lt1"/>
+                    </a:solidFill>
+                    <a:latin typeface="+mn-lt"/>
+                  </a:defRPr>
+                </a:lvl4pPr>
+                <a:lvl5pPr marL="1828800" algn="l" defTabSz="914400" rtl="0" eaLnBrk="1" latinLnBrk="0" hangingPunct="1">
+                  <a:defRPr sz="1800" kern="1200">
+                    <a:solidFill>
+                      <a:schemeClr val="lt1"/>
+                    </a:solidFill>
+                    <a:latin typeface="+mn-lt"/>
+                  </a:defRPr>
+                </a:lvl5pPr>
+                <a:lvl6pPr marL="2286000" algn="l" defTabSz="914400" rtl="0" eaLnBrk="1" latinLnBrk="0" hangingPunct="1">
+                  <a:defRPr sz="1800" kern="1200">
+                    <a:solidFill>
+                      <a:schemeClr val="lt1"/>
+                    </a:solidFill>
+                    <a:latin typeface="+mn-lt"/>
+                  </a:defRPr>
+                </a:lvl6pPr>
+                <a:lvl7pPr marL="2743200" algn="l" defTabSz="914400" rtl="0" eaLnBrk="1" latinLnBrk="0" hangingPunct="1">
+                  <a:defRPr sz="1800" kern="1200">
+                    <a:solidFill>
+                      <a:schemeClr val="lt1"/>
+                    </a:solidFill>
+                    <a:latin typeface="+mn-lt"/>
+                  </a:defRPr>
+                </a:lvl7pPr>
+                <a:lvl8pPr marL="3200400" algn="l" defTabSz="914400" rtl="0" eaLnBrk="1" latinLnBrk="0" hangingPunct="1">
+                  <a:defRPr sz="1800" kern="1200">
+                    <a:solidFill>
+                      <a:schemeClr val="lt1"/>
+                    </a:solidFill>
+                    <a:latin typeface="+mn-lt"/>
+                  </a:defRPr>
+                </a:lvl8pPr>
+                <a:lvl9pPr marL="3657600" algn="l" defTabSz="914400" rtl="0" eaLnBrk="1" latinLnBrk="0" hangingPunct="1">
+                  <a:defRPr sz="1800" kern="1200">
+                    <a:solidFill>
+                      <a:schemeClr val="lt1"/>
+                    </a:solidFill>
+                    <a:latin typeface="+mn-lt"/>
+                  </a:defRPr>
+                </a:lvl9pPr>
+              </a:lstStyle>
+              <a:p>
+                <a:pPr algn="ctr"/>
+                <a:endParaRPr lang="en-US" sz="1400">
+                  <a:latin typeface="+mj-ea"/>
+                </a:endParaRPr>
+              </a:p>
+            </p:txBody>
+          </p:sp>
+          <p:sp>
+            <p:nvSpPr>
+              <p:cNvPr id="20" name="矩形 12"/>
+              <p:cNvSpPr/>
+              <p:nvPr>
+                <p:custDataLst>
+                  <p:tags r:id="rId16"/>
+                </p:custDataLst>
+              </p:nvPr>
+            </p:nvSpPr>
+            <p:spPr>
+              <a:xfrm>
+                <a:off x="15357" y="4231"/>
+                <a:ext cx="2257" cy="580"/>
+              </a:xfrm>
+              <a:prstGeom prst="rect">
+                <a:avLst/>
+              </a:prstGeom>
+              <a:noFill/>
+            </p:spPr>
+            <p:txBody>
+              <a:bodyPr wrap="square" lIns="0" tIns="0" rIns="0" bIns="0" rtlCol="0" anchor="b">
+                <a:noAutofit/>
+              </a:bodyPr>
+              <a:lstStyle/>
+              <a:p>
+                <a:pPr>
+                  <a:spcBef>
+                    <a:spcPct val="0"/>
+                  </a:spcBef>
+                  <a:spcAft>
+                    <a:spcPct val="0"/>
+                  </a:spcAft>
+                </a:pPr>
+                <a:r>
+                  <a:rPr lang="it-IT" altLang="en-US" sz="1700" b="1" dirty="0">
+                    <a:solidFill>
+                      <a:schemeClr val="accent1"/>
+                    </a:solidFill>
+                    <a:latin typeface="+mj-lt"/>
+                    <a:sym typeface="+mn-ea"/>
+                  </a:rPr>
+                  <a:t>QUIC:</a:t>
+                </a:r>
+                <a:endParaRPr lang="it-IT" altLang="en-US" sz="1700" b="1" dirty="0">
+                  <a:solidFill>
+                    <a:schemeClr val="accent1"/>
+                  </a:solidFill>
+                  <a:latin typeface="+mj-lt"/>
+                  <a:sym typeface="+mn-ea"/>
+                </a:endParaRPr>
+              </a:p>
+              <a:p>
+                <a:pPr>
+                  <a:spcBef>
+                    <a:spcPct val="0"/>
+                  </a:spcBef>
+                  <a:spcAft>
+                    <a:spcPct val="0"/>
+                  </a:spcAft>
+                </a:pPr>
+                <a:r>
+                  <a:rPr lang="it-IT" altLang="en-US" sz="1700" b="1" dirty="0">
+                    <a:solidFill>
+                      <a:schemeClr val="accent1"/>
+                    </a:solidFill>
+                    <a:latin typeface="+mj-lt"/>
+                    <a:sym typeface="+mn-ea"/>
+                  </a:rPr>
+                  <a:t>Fast by design</a:t>
+                </a:r>
+                <a:endParaRPr lang="it-IT" altLang="en-US" sz="1700" b="1" dirty="0">
+                  <a:solidFill>
+                    <a:schemeClr val="accent1"/>
+                  </a:solidFill>
+                  <a:latin typeface="+mj-lt"/>
+                  <a:sym typeface="+mn-ea"/>
+                </a:endParaRPr>
+              </a:p>
+            </p:txBody>
+          </p:sp>
+          <p:sp>
+            <p:nvSpPr>
+              <p:cNvPr id="21" name="矩形 15"/>
+              <p:cNvSpPr/>
+              <p:nvPr>
+                <p:custDataLst>
+                  <p:tags r:id="rId17"/>
+                </p:custDataLst>
+              </p:nvPr>
+            </p:nvSpPr>
+            <p:spPr>
+              <a:xfrm>
+                <a:off x="15357" y="4920"/>
+                <a:ext cx="2258" cy="1654"/>
+              </a:xfrm>
+              <a:prstGeom prst="rect">
+                <a:avLst/>
+              </a:prstGeom>
+              <a:noFill/>
+            </p:spPr>
+            <p:txBody>
+              <a:bodyPr wrap="square" lIns="0" tIns="0" rIns="0" bIns="0" rtlCol="0" anchor="t" anchorCtr="0">
+                <a:normAutofit/>
+              </a:bodyPr>
+              <a:lstStyle/>
+              <a:p>
+                <a:pPr>
+                  <a:lnSpc>
+                    <a:spcPct val="150000"/>
+                  </a:lnSpc>
+                  <a:spcBef>
+                    <a:spcPct val="0"/>
+                  </a:spcBef>
+                  <a:spcAft>
+                    <a:spcPct val="0"/>
+                  </a:spcAft>
+                </a:pPr>
+                <a:r>
+                  <a:rPr lang="it-IT" altLang="en-US" sz="1400" dirty="0">
+                    <a:solidFill>
+                      <a:schemeClr val="tx1">
+                        <a:lumMod val="85000"/>
+                        <a:lumOff val="15000"/>
+                      </a:schemeClr>
+                    </a:solidFill>
+                    <a:latin typeface="+mn-lt"/>
+                    <a:sym typeface="+mn-ea"/>
+                  </a:rPr>
+                  <a:t>Real-world performance needs verification.</a:t>
+                </a:r>
+                <a:endParaRPr lang="it-IT" altLang="en-US" sz="1400" dirty="0">
+                  <a:solidFill>
+                    <a:schemeClr val="tx1">
+                      <a:lumMod val="85000"/>
+                      <a:lumOff val="15000"/>
+                    </a:schemeClr>
+                  </a:solidFill>
+                  <a:latin typeface="+mn-lt"/>
+                  <a:sym typeface="+mn-ea"/>
+                </a:endParaRPr>
+              </a:p>
+            </p:txBody>
+          </p:sp>
+          <p:pic>
+            <p:nvPicPr>
+              <p:cNvPr id="24" name="Picture 23" descr="chart-bar-graph-analytics-svgrepo-com"/>
+              <p:cNvPicPr>
+                <a:picLocks noChangeAspect="1"/>
+              </p:cNvPicPr>
+              <p:nvPr/>
+            </p:nvPicPr>
+            <p:blipFill>
+              <a:blip r:embed="rId18">
+                <a:extLst>
+                  <a:ext uri="{96DAC541-7B7A-43D3-8B79-37D633B846F1}">
+                    <asvg:svgBlip xmlns:asvg="http://schemas.microsoft.com/office/drawing/2016/SVG/main" r:embed="rId19"/>
+                  </a:ext>
+                </a:extLst>
+              </a:blip>
+              <a:stretch>
+                <a:fillRect/>
+              </a:stretch>
+            </p:blipFill>
+            <p:spPr>
+              <a:xfrm>
+                <a:off x="12889" y="4402"/>
+                <a:ext cx="1958" cy="1958"/>
+              </a:xfrm>
+              <a:prstGeom prst="rect">
+                <a:avLst/>
+              </a:prstGeom>
+            </p:spPr>
+          </p:pic>
+        </p:grpSp>
+      </p:grpSp>
     </p:spTree>
   </p:cSld>
   <p:clrMapOvr>
     <a:masterClrMapping/>
   </p:clrMapOvr>
+  <mc:AlternateContent xmlns:mc="http://schemas.openxmlformats.org/markup-compatibility/2006" xmlns:p159="http://schemas.microsoft.com/office/powerpoint/2015/09/main">
+    <mc:Choice Requires="p159">
+      <p:transition xmlns:p14="http://schemas.microsoft.com/office/powerpoint/2010/main" spd="slow" p14:dur="2000">
+        <p159:morph option="byObject"/>
+      </p:transition>
+    </mc:Choice>
+    <mc:Fallback>
+      <p:transition spd="slow">
+        <p:fade/>
+      </p:transition>
+    </mc:Fallback>
+  </mc:AlternateContent>
 </p:sld>
 </file>
 
@@ -4660,36 +5663,6 @@
           </a:p>
         </p:txBody>
       </p:sp>
-      <p:cxnSp>
-        <p:nvCxnSpPr>
-          <p:cNvPr id="5" name="Straight Connector 4"/>
-          <p:cNvCxnSpPr/>
-          <p:nvPr/>
-        </p:nvCxnSpPr>
-        <p:spPr>
-          <a:xfrm>
-            <a:off x="584200" y="5459095"/>
-            <a:ext cx="969645" cy="3175"/>
-          </a:xfrm>
-          <a:prstGeom prst="line">
-            <a:avLst/>
-          </a:prstGeom>
-        </p:spPr>
-        <p:style>
-          <a:lnRef idx="3">
-            <a:prstClr val="black"/>
-          </a:lnRef>
-          <a:fillRef idx="0">
-            <a:srgbClr val="FFFFFF"/>
-          </a:fillRef>
-          <a:effectRef idx="0">
-            <a:srgbClr val="FFFFFF"/>
-          </a:effectRef>
-          <a:fontRef idx="minor">
-            <a:schemeClr val="tx1"/>
-          </a:fontRef>
-        </p:style>
-      </p:cxnSp>
       <p:sp>
         <p:nvSpPr>
           <p:cNvPr id="6" name="Text Box 5"/>
@@ -4752,11 +5725,92 @@
           </a:p>
         </p:txBody>
       </p:sp>
+      <p:sp>
+        <p:nvSpPr>
+          <p:cNvPr id="8" name="Rectangles 7"/>
+          <p:cNvSpPr/>
+          <p:nvPr/>
+        </p:nvSpPr>
+        <p:spPr>
+          <a:xfrm>
+            <a:off x="584200" y="5431790"/>
+            <a:ext cx="900000" cy="18000"/>
+          </a:xfrm>
+          <a:prstGeom prst="rect">
+            <a:avLst/>
+          </a:prstGeom>
+          <a:solidFill>
+            <a:schemeClr val="tx1"/>
+          </a:solidFill>
+          <a:ln>
+            <a:solidFill>
+              <a:schemeClr val="tx1"/>
+            </a:solidFill>
+          </a:ln>
+        </p:spPr>
+        <p:style>
+          <a:lnRef idx="2">
+            <a:schemeClr val="accent1">
+              <a:lumMod val="75000"/>
+            </a:schemeClr>
+          </a:lnRef>
+          <a:fillRef idx="1">
+            <a:schemeClr val="accent1"/>
+          </a:fillRef>
+          <a:effectRef idx="0">
+            <a:srgbClr val="FFFFFF"/>
+          </a:effectRef>
+          <a:fontRef idx="minor">
+            <a:schemeClr val="lt1"/>
+          </a:fontRef>
+        </p:style>
+        <p:txBody>
+          <a:bodyPr rtlCol="0" anchor="ctr"/>
+          <a:p>
+            <a:pPr algn="ctr"/>
+            <a:endParaRPr lang="en-GB" altLang="en-US"/>
+          </a:p>
+        </p:txBody>
+      </p:sp>
+      <p:pic>
+        <p:nvPicPr>
+          <p:cNvPr id="9" name="Picture 8"/>
+          <p:cNvPicPr/>
+          <p:nvPr/>
+        </p:nvPicPr>
+        <p:blipFill>
+          <a:blip r:embed="rId1"/>
+          <a:stretch>
+            <a:fillRect/>
+          </a:stretch>
+        </p:blipFill>
+        <p:spPr>
+          <a:xfrm>
+            <a:off x="6052820" y="2142490"/>
+            <a:ext cx="5313045" cy="2573655"/>
+          </a:xfrm>
+          <a:prstGeom prst="rect">
+            <a:avLst/>
+          </a:prstGeom>
+        </p:spPr>
+      </p:pic>
     </p:spTree>
   </p:cSld>
   <p:clrMapOvr>
     <a:masterClrMapping/>
   </p:clrMapOvr>
+  <mc:AlternateContent xmlns:mc="http://schemas.openxmlformats.org/markup-compatibility/2006" xmlns:p159="http://schemas.microsoft.com/office/powerpoint/2015/09/main">
+    <mc:Choice Requires="p159">
+      <p:transition xmlns:p14="http://schemas.microsoft.com/office/powerpoint/2010/main" spd="slow" p14:dur="2000">
+        <p159:morph option="byObject"/>
+      </p:transition>
+    </mc:Choice>
+    <mc:Fallback>
+      <p:transition spd="slow">
+        <p:fade/>
+      </p:transition>
+    </mc:Fallback>
+  </mc:AlternateContent>
 </p:sld>
 </file>
 
@@ -4840,36 +5894,6 @@
           </a:p>
         </p:txBody>
       </p:sp>
-      <p:cxnSp>
-        <p:nvCxnSpPr>
-          <p:cNvPr id="5" name="Straight Connector 4"/>
-          <p:cNvCxnSpPr/>
-          <p:nvPr/>
-        </p:nvCxnSpPr>
-        <p:spPr>
-          <a:xfrm>
-            <a:off x="584200" y="5459095"/>
-            <a:ext cx="969645" cy="3175"/>
-          </a:xfrm>
-          <a:prstGeom prst="line">
-            <a:avLst/>
-          </a:prstGeom>
-        </p:spPr>
-        <p:style>
-          <a:lnRef idx="3">
-            <a:prstClr val="black"/>
-          </a:lnRef>
-          <a:fillRef idx="0">
-            <a:srgbClr val="FFFFFF"/>
-          </a:fillRef>
-          <a:effectRef idx="0">
-            <a:srgbClr val="FFFFFF"/>
-          </a:effectRef>
-          <a:fontRef idx="minor">
-            <a:schemeClr val="tx1"/>
-          </a:fontRef>
-        </p:style>
-      </p:cxnSp>
       <p:sp>
         <p:nvSpPr>
           <p:cNvPr id="6" name="Text Box 5"/>
@@ -5637,7 +6661,7 @@
                   </a:solidFill>
                   <a:latin typeface="+mn-lt"/>
                   <a:sym typeface="+mn-ea"/>
-                  <a:hlinkClick r:id="rId11" tooltip="" action="ppaction://hlinkfile"/>
+                  <a:hlinkClick r:id="rId11" action="ppaction://hlinkfile"/>
                 </a:rPr>
                 <a:t>Link</a:t>
               </a:r>
@@ -5949,11 +6973,70 @@
           </p:txBody>
         </p:sp>
       </p:grpSp>
+      <p:sp>
+        <p:nvSpPr>
+          <p:cNvPr id="8" name="Rectangles 7"/>
+          <p:cNvSpPr/>
+          <p:nvPr/>
+        </p:nvSpPr>
+        <p:spPr>
+          <a:xfrm>
+            <a:off x="584200" y="5431790"/>
+            <a:ext cx="900000" cy="18000"/>
+          </a:xfrm>
+          <a:prstGeom prst="rect">
+            <a:avLst/>
+          </a:prstGeom>
+          <a:solidFill>
+            <a:schemeClr val="tx1"/>
+          </a:solidFill>
+          <a:ln>
+            <a:solidFill>
+              <a:schemeClr val="tx1"/>
+            </a:solidFill>
+          </a:ln>
+        </p:spPr>
+        <p:style>
+          <a:lnRef idx="2">
+            <a:schemeClr val="accent1">
+              <a:lumMod val="75000"/>
+            </a:schemeClr>
+          </a:lnRef>
+          <a:fillRef idx="1">
+            <a:schemeClr val="accent1"/>
+          </a:fillRef>
+          <a:effectRef idx="0">
+            <a:srgbClr val="FFFFFF"/>
+          </a:effectRef>
+          <a:fontRef idx="minor">
+            <a:schemeClr val="lt1"/>
+          </a:fontRef>
+        </p:style>
+        <p:txBody>
+          <a:bodyPr rtlCol="0" anchor="ctr"/>
+          <a:p>
+            <a:pPr algn="ctr"/>
+            <a:endParaRPr lang="en-GB" altLang="en-US"/>
+          </a:p>
+        </p:txBody>
+      </p:sp>
     </p:spTree>
   </p:cSld>
   <p:clrMapOvr>
     <a:masterClrMapping/>
   </p:clrMapOvr>
+  <mc:AlternateContent xmlns:mc="http://schemas.openxmlformats.org/markup-compatibility/2006" xmlns:p159="http://schemas.microsoft.com/office/powerpoint/2015/09/main">
+    <mc:Choice Requires="p159">
+      <p:transition xmlns:p14="http://schemas.microsoft.com/office/powerpoint/2010/main" spd="slow" p14:dur="2000">
+        <p159:morph option="byObject"/>
+      </p:transition>
+    </mc:Choice>
+    <mc:Fallback>
+      <p:transition spd="slow">
+        <p:fade/>
+      </p:transition>
+    </mc:Fallback>
+  </mc:AlternateContent>
 </p:sld>
 </file>
 
@@ -5987,6 +7070,381 @@
 
 <file path=ppt/tags/tag10.xml><?xml version="1.0" encoding="utf-8"?>
 <p:tagLst xmlns:p="http://schemas.openxmlformats.org/presentationml/2006/main">
+  <p:tag name="KSO_WM_UNIT_TEXT_FILL_FORE_SCHEMECOLOR_INDEX_BRIGHTNESS" val="0.15"/>
+  <p:tag name="KSO_WM_DIAGRAM_MAX_ITEMCNT" val="4"/>
+  <p:tag name="KSO_WM_DIAGRAM_MIN_ITEMCNT" val="2"/>
+  <p:tag name="KSO_WM_DIAGRAM_VIRTUALLY_FRAME" val="{&quot;height&quot;:351.67499847412114,&quot;left&quot;:54.80003326656315,&quot;top&quot;:179.30004089595764,&quot;width&quot;:850.4500122070312}"/>
+  <p:tag name="KSO_WM_DIAGRAM_COLOR_MATCH_VALUE" val="{&quot;shape&quot;:{&quot;fill&quot;:{&quot;type&quot;:0},&quot;glow&quot;:{&quot;colorType&quot;:0},&quot;line&quot;:{&quot;type&quot;:0},&quot;shadow&quot;:{&quot;colorType&quot;:0},&quot;threeD&quot;:{&quot;curvedSurface&quot;:{&quot;brightness&quot;:0,&quot;colorType&quot;:2,&quot;rgb&quot;:&quot;#000000&quot;},&quot;depth&quot;:{&quot;colorType&quot;:0}}},&quot;text&quot;:{&quot;fill&quot;:{&quot;solid&quot;:{&quot;brightness&quot;:0,&quot;colorType&quot;:1,&quot;foreColorIndex&quot;:5,&quot;transparency&quot;:0},&quot;type&quot;:1},&quot;glow&quot;:{&quot;colorType&quot;:0},&quot;line&quot;:{&quot;type&quot;:0},&quot;shadow&quot;:{&quot;colorType&quot;:0},&quot;threeD&quot;:{&quot;curvedSurface&quot;:{&quot;brightness&quot;:0,&quot;colorType&quot;:2,&quot;rgb&quot;:&quot;#000000&quot;},&quot;depth&quot;:{&quot;colorType&quot;:0}}}}"/>
+  <p:tag name="KSO_WM_DIAGRAM_VERSION" val="3"/>
+  <p:tag name="KSO_WM_DIAGRAM_COLOR_TRICK" val="1"/>
+  <p:tag name="KSO_WM_DIAGRAM_COLOR_TEXT_CAN_REMOVE" val="n"/>
+  <p:tag name="KSO_WM_UNIT_ISCONTENTSTITLE" val="0"/>
+  <p:tag name="KSO_WM_UNIT_ISNUMDGMTITLE" val="0"/>
+  <p:tag name="KSO_WM_UNIT_NOCLEAR" val="0"/>
+  <p:tag name="KSO_WM_UNIT_VALUE" val="10"/>
+  <p:tag name="KSO_WM_UNIT_HIGHLIGHT" val="0"/>
+  <p:tag name="KSO_WM_UNIT_COMPATIBLE" val="0"/>
+  <p:tag name="KSO_WM_UNIT_DIAGRAM_ISNUMVISUAL" val="0"/>
+  <p:tag name="KSO_WM_UNIT_DIAGRAM_ISREFERUNIT" val="0"/>
+  <p:tag name="KSO_WM_DIAGRAM_GROUP_CODE" val="l1-1"/>
+  <p:tag name="KSO_WM_UNIT_TYPE" val="l_h_a"/>
+  <p:tag name="KSO_WM_UNIT_INDEX" val="1_2_1"/>
+  <p:tag name="KSO_WM_UNIT_ID" val="diagram20237921_2*l_h_a*1_2_1"/>
+  <p:tag name="KSO_WM_TEMPLATE_CATEGORY" val="diagram"/>
+  <p:tag name="KSO_WM_TEMPLATE_INDEX" val="20237921"/>
+  <p:tag name="KSO_WM_UNIT_LAYERLEVEL" val="1_1_1"/>
+  <p:tag name="KSO_WM_TAG_VERSION" val="3.0"/>
+  <p:tag name="KSO_WM_BEAUTIFY_FLAG" val="#wm#"/>
+  <p:tag name="KSO_WM_UNIT_PRESET_TEXT" val="Your title here"/>
+  <p:tag name="KSO_WM_UNIT_TEXT_FILL_FORE_SCHEMECOLOR_INDEX" val="1"/>
+  <p:tag name="KSO_WM_UNIT_TEXT_FILL_TYPE" val="1"/>
+</p:tagLst>
+</file>
+
+<file path=ppt/tags/tag11.xml><?xml version="1.0" encoding="utf-8"?>
+<p:tagLst xmlns:p="http://schemas.openxmlformats.org/presentationml/2006/main">
+  <p:tag name="KSO_WM_UNIT_TEXT_FILL_FORE_SCHEMECOLOR_INDEX_BRIGHTNESS" val="0.15"/>
+  <p:tag name="KSO_WM_DIAGRAM_MAX_ITEMCNT" val="4"/>
+  <p:tag name="KSO_WM_DIAGRAM_MIN_ITEMCNT" val="2"/>
+  <p:tag name="KSO_WM_DIAGRAM_VIRTUALLY_FRAME" val="{&quot;height&quot;:351.67499847412114,&quot;left&quot;:54.80003326656315,&quot;top&quot;:179.30004089595764,&quot;width&quot;:850.4500122070312}"/>
+  <p:tag name="KSO_WM_DIAGRAM_COLOR_MATCH_VALUE" val="{&quot;shape&quot;:{&quot;fill&quot;:{&quot;type&quot;:0},&quot;glow&quot;:{&quot;colorType&quot;:0},&quot;line&quot;:{&quot;type&quot;:0},&quot;shadow&quot;:{&quot;colorType&quot;:0},&quot;threeD&quot;:{&quot;curvedSurface&quot;:{&quot;brightness&quot;:0,&quot;colorType&quot;:2,&quot;rgb&quot;:&quot;#000000&quot;},&quot;depth&quot;:{&quot;colorType&quot;:0}}},&quot;text&quot;:{&quot;fill&quot;:{&quot;solid&quot;:{&quot;brightness&quot;:0.15000000596046448,&quot;colorType&quot;:1,&quot;foreColorIndex&quot;:13,&quot;transparency&quot;:0},&quot;type&quot;:1},&quot;glow&quot;:{&quot;colorType&quot;:0},&quot;line&quot;:{&quot;type&quot;:0},&quot;shadow&quot;:{&quot;colorType&quot;:0},&quot;threeD&quot;:{&quot;curvedSurface&quot;:{&quot;brightness&quot;:0,&quot;colorType&quot;:2,&quot;rgb&quot;:&quot;#000000&quot;},&quot;depth&quot;:{&quot;colorType&quot;:0}}}}"/>
+  <p:tag name="KSO_WM_DIAGRAM_VERSION" val="3"/>
+  <p:tag name="KSO_WM_DIAGRAM_COLOR_TRICK" val="1"/>
+  <p:tag name="KSO_WM_DIAGRAM_COLOR_TEXT_CAN_REMOVE" val="n"/>
+  <p:tag name="KSO_WM_UNIT_SUBTYPE" val="a"/>
+  <p:tag name="KSO_WM_UNIT_NOCLEAR" val="0"/>
+  <p:tag name="KSO_WM_UNIT_VALUE" val="60"/>
+  <p:tag name="KSO_WM_UNIT_HIGHLIGHT" val="0"/>
+  <p:tag name="KSO_WM_UNIT_COMPATIBLE" val="0"/>
+  <p:tag name="KSO_WM_UNIT_DIAGRAM_ISNUMVISUAL" val="0"/>
+  <p:tag name="KSO_WM_UNIT_DIAGRAM_ISREFERUNIT" val="0"/>
+  <p:tag name="KSO_WM_DIAGRAM_GROUP_CODE" val="l1-1"/>
+  <p:tag name="KSO_WM_UNIT_TYPE" val="l_h_f"/>
+  <p:tag name="KSO_WM_UNIT_INDEX" val="1_2_1"/>
+  <p:tag name="KSO_WM_UNIT_ID" val="diagram20237921_2*l_h_f*1_2_1"/>
+  <p:tag name="KSO_WM_TEMPLATE_CATEGORY" val="diagram"/>
+  <p:tag name="KSO_WM_TEMPLATE_INDEX" val="20237921"/>
+  <p:tag name="KSO_WM_UNIT_LAYERLEVEL" val="1_1_1"/>
+  <p:tag name="KSO_WM_TAG_VERSION" val="3.0"/>
+  <p:tag name="KSO_WM_BEAUTIFY_FLAG" val="#wm#"/>
+  <p:tag name="KSO_WM_UNIT_PRESET_TEXT" val="Presentations are communication tools"/>
+  <p:tag name="KSO_WM_UNIT_TEXT_FILL_FORE_SCHEMECOLOR_INDEX" val="1"/>
+  <p:tag name="KSO_WM_UNIT_TEXT_FILL_TYPE" val="1"/>
+</p:tagLst>
+</file>
+
+<file path=ppt/tags/tag12.xml><?xml version="1.0" encoding="utf-8"?>
+<p:tagLst xmlns:p="http://schemas.openxmlformats.org/presentationml/2006/main">
+  <p:tag name="KSO_WM_DIAGRAM_VIRTUALLY_FRAME" val="{&quot;height&quot;:351.67499847412114,&quot;left&quot;:54.80003326656315,&quot;top&quot;:179.30004089595764,&quot;width&quot;:850.4500122070312}"/>
+</p:tagLst>
+</file>
+
+<file path=ppt/tags/tag13.xml><?xml version="1.0" encoding="utf-8"?>
+<p:tagLst xmlns:p="http://schemas.openxmlformats.org/presentationml/2006/main">
+  <p:tag name="KSO_WM_DIAGRAM_MAX_ITEMCNT" val="4"/>
+  <p:tag name="KSO_WM_DIAGRAM_MIN_ITEMCNT" val="2"/>
+  <p:tag name="KSO_WM_DIAGRAM_VIRTUALLY_FRAME" val="{&quot;height&quot;:351.67499847412114,&quot;left&quot;:54.80003326656315,&quot;top&quot;:179.30004089595764,&quot;width&quot;:850.4500122070312}"/>
+  <p:tag name="KSO_WM_DIAGRAM_COLOR_MATCH_VALUE" val="{&quot;shape&quot;:{&quot;fill&quot;:{&quot;solid&quot;:{&quot;brightness&quot;:0.6000000238418579,&quot;colorType&quot;:1,&quot;foreColorIndex&quot;:5,&quot;transparency&quot;:0.800000011920929},&quot;type&quot;:1},&quot;glow&quot;:{&quot;colorType&quot;:0},&quot;line&quot;:{&quot;type&quot;:0},&quot;shadow&quot;:{&quot;colorType&quot;:0},&quot;threeD&quot;:{&quot;curvedSurface&quot;:{&quot;brightness&quot;:0,&quot;colorType&quot;:2,&quot;rgb&quot;:&quot;#000000&quot;},&quot;depth&quot;:{&quot;colorType&quot;:0}}},&quot;text&quot;:{&quot;fill&quot;:{&quot;solid&quot;:{&quot;brightness&quot;:0,&quot;colorType&quot;:1,&quot;foreColorIndex&quot;:2,&quot;transparency&quot;:0},&quot;type&quot;:1},&quot;glow&quot;:{&quot;colorType&quot;:0},&quot;line&quot;:{&quot;type&quot;:0},&quot;shadow&quot;:{&quot;colorType&quot;:0},&quot;threeD&quot;:{&quot;curvedSurface&quot;:{&quot;brightness&quot;:0,&quot;colorType&quot;:2,&quot;rgb&quot;:&quot;#000000&quot;},&quot;depth&quot;:{&quot;colorType&quot;:0}}}}"/>
+  <p:tag name="KSO_WM_DIAGRAM_VERSION" val="3"/>
+  <p:tag name="KSO_WM_DIAGRAM_COLOR_TRICK" val="1"/>
+  <p:tag name="KSO_WM_DIAGRAM_COLOR_TEXT_CAN_REMOVE" val="n"/>
+  <p:tag name="KSO_WM_UNIT_HIGHLIGHT" val="0"/>
+  <p:tag name="KSO_WM_UNIT_COMPATIBLE" val="0"/>
+  <p:tag name="KSO_WM_UNIT_DIAGRAM_ISNUMVISUAL" val="0"/>
+  <p:tag name="KSO_WM_UNIT_DIAGRAM_ISREFERUNIT" val="0"/>
+  <p:tag name="KSO_WM_DIAGRAM_GROUP_CODE" val="l1-1"/>
+  <p:tag name="KSO_WM_UNIT_TYPE" val="l_h_i"/>
+  <p:tag name="KSO_WM_UNIT_INDEX" val="1_1_1"/>
+  <p:tag name="KSO_WM_UNIT_ID" val="diagram20237921_2*l_h_i*1_1_1"/>
+  <p:tag name="KSO_WM_TEMPLATE_CATEGORY" val="diagram"/>
+  <p:tag name="KSO_WM_TEMPLATE_INDEX" val="20237921"/>
+  <p:tag name="KSO_WM_UNIT_LAYERLEVEL" val="1_1_1"/>
+  <p:tag name="KSO_WM_TAG_VERSION" val="3.0"/>
+  <p:tag name="KSO_WM_BEAUTIFY_FLAG" val="#wm#"/>
+  <p:tag name="KSO_WM_UNIT_FILL_TYPE" val="1"/>
+  <p:tag name="KSO_WM_UNIT_FILL_FORE_SCHEMECOLOR_INDEX" val="5"/>
+  <p:tag name="KSO_WM_UNIT_FILL_FORE_SCHEMECOLOR_INDEX_BRIGHTNESS" val="0.6"/>
+</p:tagLst>
+</file>
+
+<file path=ppt/tags/tag14.xml><?xml version="1.0" encoding="utf-8"?>
+<p:tagLst xmlns:p="http://schemas.openxmlformats.org/presentationml/2006/main">
+  <p:tag name="KSO_WM_UNIT_TEXT_FILL_FORE_SCHEMECOLOR_INDEX_BRIGHTNESS" val="0.15"/>
+  <p:tag name="KSO_WM_DIAGRAM_MAX_ITEMCNT" val="4"/>
+  <p:tag name="KSO_WM_DIAGRAM_MIN_ITEMCNT" val="2"/>
+  <p:tag name="KSO_WM_DIAGRAM_VIRTUALLY_FRAME" val="{&quot;height&quot;:351.67499847412114,&quot;left&quot;:54.80003326656315,&quot;top&quot;:179.30004089595764,&quot;width&quot;:850.4500122070312}"/>
+  <p:tag name="KSO_WM_DIAGRAM_COLOR_MATCH_VALUE" val="{&quot;shape&quot;:{&quot;fill&quot;:{&quot;type&quot;:0},&quot;glow&quot;:{&quot;colorType&quot;:0},&quot;line&quot;:{&quot;type&quot;:0},&quot;shadow&quot;:{&quot;colorType&quot;:0},&quot;threeD&quot;:{&quot;curvedSurface&quot;:{&quot;brightness&quot;:0,&quot;colorType&quot;:2,&quot;rgb&quot;:&quot;#000000&quot;},&quot;depth&quot;:{&quot;colorType&quot;:0}}},&quot;text&quot;:{&quot;fill&quot;:{&quot;solid&quot;:{&quot;brightness&quot;:0,&quot;colorType&quot;:1,&quot;foreColorIndex&quot;:5,&quot;transparency&quot;:0},&quot;type&quot;:1},&quot;glow&quot;:{&quot;colorType&quot;:0},&quot;line&quot;:{&quot;type&quot;:0},&quot;shadow&quot;:{&quot;colorType&quot;:0},&quot;threeD&quot;:{&quot;curvedSurface&quot;:{&quot;brightness&quot;:0,&quot;colorType&quot;:2,&quot;rgb&quot;:&quot;#000000&quot;},&quot;depth&quot;:{&quot;colorType&quot;:0}}}}"/>
+  <p:tag name="KSO_WM_DIAGRAM_VERSION" val="3"/>
+  <p:tag name="KSO_WM_DIAGRAM_COLOR_TRICK" val="1"/>
+  <p:tag name="KSO_WM_DIAGRAM_COLOR_TEXT_CAN_REMOVE" val="n"/>
+  <p:tag name="KSO_WM_UNIT_ISCONTENTSTITLE" val="0"/>
+  <p:tag name="KSO_WM_UNIT_ISNUMDGMTITLE" val="0"/>
+  <p:tag name="KSO_WM_UNIT_NOCLEAR" val="0"/>
+  <p:tag name="KSO_WM_UNIT_VALUE" val="10"/>
+  <p:tag name="KSO_WM_UNIT_HIGHLIGHT" val="0"/>
+  <p:tag name="KSO_WM_UNIT_COMPATIBLE" val="0"/>
+  <p:tag name="KSO_WM_UNIT_DIAGRAM_ISNUMVISUAL" val="0"/>
+  <p:tag name="KSO_WM_UNIT_DIAGRAM_ISREFERUNIT" val="0"/>
+  <p:tag name="KSO_WM_DIAGRAM_GROUP_CODE" val="l1-1"/>
+  <p:tag name="KSO_WM_UNIT_TYPE" val="l_h_a"/>
+  <p:tag name="KSO_WM_UNIT_INDEX" val="1_1_1"/>
+  <p:tag name="KSO_WM_UNIT_ID" val="diagram20237921_2*l_h_a*1_1_1"/>
+  <p:tag name="KSO_WM_TEMPLATE_CATEGORY" val="diagram"/>
+  <p:tag name="KSO_WM_TEMPLATE_INDEX" val="20237921"/>
+  <p:tag name="KSO_WM_UNIT_LAYERLEVEL" val="1_1_1"/>
+  <p:tag name="KSO_WM_TAG_VERSION" val="3.0"/>
+  <p:tag name="KSO_WM_BEAUTIFY_FLAG" val="#wm#"/>
+  <p:tag name="KSO_WM_UNIT_PRESET_TEXT" val="Your title here"/>
+  <p:tag name="KSO_WM_UNIT_TEXT_FILL_FORE_SCHEMECOLOR_INDEX" val="1"/>
+  <p:tag name="KSO_WM_UNIT_TEXT_FILL_TYPE" val="1"/>
+</p:tagLst>
+</file>
+
+<file path=ppt/tags/tag15.xml><?xml version="1.0" encoding="utf-8"?>
+<p:tagLst xmlns:p="http://schemas.openxmlformats.org/presentationml/2006/main">
+  <p:tag name="KSO_WM_UNIT_TEXT_FILL_FORE_SCHEMECOLOR_INDEX_BRIGHTNESS" val="0.15"/>
+  <p:tag name="KSO_WM_DIAGRAM_MAX_ITEMCNT" val="4"/>
+  <p:tag name="KSO_WM_DIAGRAM_MIN_ITEMCNT" val="2"/>
+  <p:tag name="KSO_WM_DIAGRAM_VIRTUALLY_FRAME" val="{&quot;height&quot;:351.67499847412114,&quot;left&quot;:54.80003326656315,&quot;top&quot;:179.30004089595764,&quot;width&quot;:850.4500122070312}"/>
+  <p:tag name="KSO_WM_DIAGRAM_COLOR_MATCH_VALUE" val="{&quot;shape&quot;:{&quot;fill&quot;:{&quot;type&quot;:0},&quot;glow&quot;:{&quot;colorType&quot;:0},&quot;line&quot;:{&quot;type&quot;:0},&quot;shadow&quot;:{&quot;colorType&quot;:0},&quot;threeD&quot;:{&quot;curvedSurface&quot;:{&quot;brightness&quot;:0,&quot;colorType&quot;:2,&quot;rgb&quot;:&quot;#000000&quot;},&quot;depth&quot;:{&quot;colorType&quot;:0}}},&quot;text&quot;:{&quot;fill&quot;:{&quot;solid&quot;:{&quot;brightness&quot;:0.15000000596046448,&quot;colorType&quot;:1,&quot;foreColorIndex&quot;:13,&quot;transparency&quot;:0},&quot;type&quot;:1},&quot;glow&quot;:{&quot;colorType&quot;:0},&quot;line&quot;:{&quot;type&quot;:0},&quot;shadow&quot;:{&quot;colorType&quot;:0},&quot;threeD&quot;:{&quot;curvedSurface&quot;:{&quot;brightness&quot;:0,&quot;colorType&quot;:2,&quot;rgb&quot;:&quot;#000000&quot;},&quot;depth&quot;:{&quot;colorType&quot;:0}}}}"/>
+  <p:tag name="KSO_WM_DIAGRAM_VERSION" val="3"/>
+  <p:tag name="KSO_WM_DIAGRAM_COLOR_TRICK" val="1"/>
+  <p:tag name="KSO_WM_DIAGRAM_COLOR_TEXT_CAN_REMOVE" val="n"/>
+  <p:tag name="KSO_WM_UNIT_SUBTYPE" val="a"/>
+  <p:tag name="KSO_WM_UNIT_NOCLEAR" val="0"/>
+  <p:tag name="KSO_WM_UNIT_VALUE" val="60"/>
+  <p:tag name="KSO_WM_UNIT_HIGHLIGHT" val="0"/>
+  <p:tag name="KSO_WM_UNIT_COMPATIBLE" val="0"/>
+  <p:tag name="KSO_WM_UNIT_DIAGRAM_ISNUMVISUAL" val="0"/>
+  <p:tag name="KSO_WM_UNIT_DIAGRAM_ISREFERUNIT" val="0"/>
+  <p:tag name="KSO_WM_DIAGRAM_GROUP_CODE" val="l1-1"/>
+  <p:tag name="KSO_WM_UNIT_TYPE" val="l_h_f"/>
+  <p:tag name="KSO_WM_UNIT_INDEX" val="1_1_1"/>
+  <p:tag name="KSO_WM_UNIT_ID" val="diagram20237921_2*l_h_f*1_1_1"/>
+  <p:tag name="KSO_WM_TEMPLATE_CATEGORY" val="diagram"/>
+  <p:tag name="KSO_WM_TEMPLATE_INDEX" val="20237921"/>
+  <p:tag name="KSO_WM_UNIT_LAYERLEVEL" val="1_1_1"/>
+  <p:tag name="KSO_WM_TAG_VERSION" val="3.0"/>
+  <p:tag name="KSO_WM_BEAUTIFY_FLAG" val="#wm#"/>
+  <p:tag name="KSO_WM_UNIT_PRESET_TEXT" val="Presentations are communication tools"/>
+  <p:tag name="KSO_WM_UNIT_TEXT_FILL_FORE_SCHEMECOLOR_INDEX" val="1"/>
+  <p:tag name="KSO_WM_UNIT_TEXT_FILL_TYPE" val="1"/>
+</p:tagLst>
+</file>
+
+<file path=ppt/tags/tag16.xml><?xml version="1.0" encoding="utf-8"?>
+<p:tagLst xmlns:p="http://schemas.openxmlformats.org/presentationml/2006/main">
+  <p:tag name="KSO_WM_DIAGRAM_VIRTUALLY_FRAME" val="{&quot;height&quot;:351.67499847412114,&quot;left&quot;:54.80003326656315,&quot;top&quot;:179.30004089595764,&quot;width&quot;:850.4500122070312}"/>
+</p:tagLst>
+</file>
+
+<file path=ppt/tags/tag17.xml><?xml version="1.0" encoding="utf-8"?>
+<p:tagLst xmlns:p="http://schemas.openxmlformats.org/presentationml/2006/main">
+  <p:tag name="KSO_WM_DIAGRAM_MAX_ITEMCNT" val="4"/>
+  <p:tag name="KSO_WM_DIAGRAM_MIN_ITEMCNT" val="2"/>
+  <p:tag name="KSO_WM_DIAGRAM_VIRTUALLY_FRAME" val="{&quot;height&quot;:351.67499847412114,&quot;left&quot;:54.80003326656315,&quot;top&quot;:179.30004089595764,&quot;width&quot;:850.4500122070312}"/>
+  <p:tag name="KSO_WM_DIAGRAM_COLOR_MATCH_VALUE" val="{&quot;shape&quot;:{&quot;fill&quot;:{&quot;solid&quot;:{&quot;brightness&quot;:0.6000000238418579,&quot;colorType&quot;:1,&quot;foreColorIndex&quot;:5,&quot;transparency&quot;:0.800000011920929},&quot;type&quot;:1},&quot;glow&quot;:{&quot;colorType&quot;:0},&quot;line&quot;:{&quot;type&quot;:0},&quot;shadow&quot;:{&quot;colorType&quot;:0},&quot;threeD&quot;:{&quot;curvedSurface&quot;:{&quot;brightness&quot;:0,&quot;colorType&quot;:2,&quot;rgb&quot;:&quot;#000000&quot;},&quot;depth&quot;:{&quot;colorType&quot;:0}}},&quot;text&quot;:{&quot;fill&quot;:{&quot;solid&quot;:{&quot;brightness&quot;:0,&quot;colorType&quot;:1,&quot;foreColorIndex&quot;:2,&quot;transparency&quot;:0},&quot;type&quot;:1},&quot;glow&quot;:{&quot;colorType&quot;:0},&quot;line&quot;:{&quot;type&quot;:0},&quot;shadow&quot;:{&quot;colorType&quot;:0},&quot;threeD&quot;:{&quot;curvedSurface&quot;:{&quot;brightness&quot;:0,&quot;colorType&quot;:2,&quot;rgb&quot;:&quot;#000000&quot;},&quot;depth&quot;:{&quot;colorType&quot;:0}}}}"/>
+  <p:tag name="KSO_WM_DIAGRAM_VERSION" val="3"/>
+  <p:tag name="KSO_WM_DIAGRAM_COLOR_TRICK" val="1"/>
+  <p:tag name="KSO_WM_DIAGRAM_COLOR_TEXT_CAN_REMOVE" val="n"/>
+  <p:tag name="KSO_WM_UNIT_HIGHLIGHT" val="0"/>
+  <p:tag name="KSO_WM_UNIT_COMPATIBLE" val="0"/>
+  <p:tag name="KSO_WM_UNIT_DIAGRAM_ISNUMVISUAL" val="0"/>
+  <p:tag name="KSO_WM_UNIT_DIAGRAM_ISREFERUNIT" val="0"/>
+  <p:tag name="KSO_WM_DIAGRAM_GROUP_CODE" val="l1-1"/>
+  <p:tag name="KSO_WM_UNIT_TYPE" val="l_h_i"/>
+  <p:tag name="KSO_WM_UNIT_INDEX" val="1_3_1"/>
+  <p:tag name="KSO_WM_UNIT_ID" val="diagram20237921_2*l_h_i*1_3_1"/>
+  <p:tag name="KSO_WM_TEMPLATE_CATEGORY" val="diagram"/>
+  <p:tag name="KSO_WM_TEMPLATE_INDEX" val="20237921"/>
+  <p:tag name="KSO_WM_UNIT_LAYERLEVEL" val="1_1_1"/>
+  <p:tag name="KSO_WM_TAG_VERSION" val="3.0"/>
+  <p:tag name="KSO_WM_BEAUTIFY_FLAG" val="#wm#"/>
+  <p:tag name="KSO_WM_UNIT_FILL_TYPE" val="1"/>
+  <p:tag name="KSO_WM_UNIT_FILL_FORE_SCHEMECOLOR_INDEX" val="5"/>
+  <p:tag name="KSO_WM_UNIT_FILL_FORE_SCHEMECOLOR_INDEX_BRIGHTNESS" val="0.6"/>
+</p:tagLst>
+</file>
+
+<file path=ppt/tags/tag18.xml><?xml version="1.0" encoding="utf-8"?>
+<p:tagLst xmlns:p="http://schemas.openxmlformats.org/presentationml/2006/main">
+  <p:tag name="KSO_WM_UNIT_TEXT_FILL_FORE_SCHEMECOLOR_INDEX_BRIGHTNESS" val="0.15"/>
+  <p:tag name="KSO_WM_DIAGRAM_MAX_ITEMCNT" val="4"/>
+  <p:tag name="KSO_WM_DIAGRAM_MIN_ITEMCNT" val="2"/>
+  <p:tag name="KSO_WM_DIAGRAM_VIRTUALLY_FRAME" val="{&quot;height&quot;:351.67499847412114,&quot;left&quot;:54.80003326656315,&quot;top&quot;:179.30004089595764,&quot;width&quot;:850.4500122070312}"/>
+  <p:tag name="KSO_WM_DIAGRAM_COLOR_MATCH_VALUE" val="{&quot;shape&quot;:{&quot;fill&quot;:{&quot;type&quot;:0},&quot;glow&quot;:{&quot;colorType&quot;:0},&quot;line&quot;:{&quot;type&quot;:0},&quot;shadow&quot;:{&quot;colorType&quot;:0},&quot;threeD&quot;:{&quot;curvedSurface&quot;:{&quot;brightness&quot;:0,&quot;colorType&quot;:2,&quot;rgb&quot;:&quot;#000000&quot;},&quot;depth&quot;:{&quot;colorType&quot;:0}}},&quot;text&quot;:{&quot;fill&quot;:{&quot;solid&quot;:{&quot;brightness&quot;:0,&quot;colorType&quot;:1,&quot;foreColorIndex&quot;:5,&quot;transparency&quot;:0},&quot;type&quot;:1},&quot;glow&quot;:{&quot;colorType&quot;:0},&quot;line&quot;:{&quot;type&quot;:0},&quot;shadow&quot;:{&quot;colorType&quot;:0},&quot;threeD&quot;:{&quot;curvedSurface&quot;:{&quot;brightness&quot;:0,&quot;colorType&quot;:2,&quot;rgb&quot;:&quot;#000000&quot;},&quot;depth&quot;:{&quot;colorType&quot;:0}}}}"/>
+  <p:tag name="KSO_WM_DIAGRAM_VERSION" val="3"/>
+  <p:tag name="KSO_WM_DIAGRAM_COLOR_TRICK" val="1"/>
+  <p:tag name="KSO_WM_DIAGRAM_COLOR_TEXT_CAN_REMOVE" val="n"/>
+  <p:tag name="KSO_WM_UNIT_ISCONTENTSTITLE" val="0"/>
+  <p:tag name="KSO_WM_UNIT_ISNUMDGMTITLE" val="0"/>
+  <p:tag name="KSO_WM_UNIT_NOCLEAR" val="0"/>
+  <p:tag name="KSO_WM_UNIT_VALUE" val="10"/>
+  <p:tag name="KSO_WM_UNIT_HIGHLIGHT" val="0"/>
+  <p:tag name="KSO_WM_UNIT_COMPATIBLE" val="0"/>
+  <p:tag name="KSO_WM_UNIT_DIAGRAM_ISNUMVISUAL" val="0"/>
+  <p:tag name="KSO_WM_UNIT_DIAGRAM_ISREFERUNIT" val="0"/>
+  <p:tag name="KSO_WM_DIAGRAM_GROUP_CODE" val="l1-1"/>
+  <p:tag name="KSO_WM_UNIT_TYPE" val="l_h_a"/>
+  <p:tag name="KSO_WM_UNIT_INDEX" val="1_3_1"/>
+  <p:tag name="KSO_WM_UNIT_ID" val="diagram20237921_2*l_h_a*1_3_1"/>
+  <p:tag name="KSO_WM_TEMPLATE_CATEGORY" val="diagram"/>
+  <p:tag name="KSO_WM_TEMPLATE_INDEX" val="20237921"/>
+  <p:tag name="KSO_WM_UNIT_LAYERLEVEL" val="1_1_1"/>
+  <p:tag name="KSO_WM_TAG_VERSION" val="3.0"/>
+  <p:tag name="KSO_WM_BEAUTIFY_FLAG" val="#wm#"/>
+  <p:tag name="KSO_WM_UNIT_PRESET_TEXT" val="Your title here"/>
+  <p:tag name="KSO_WM_UNIT_TEXT_FILL_FORE_SCHEMECOLOR_INDEX" val="1"/>
+  <p:tag name="KSO_WM_UNIT_TEXT_FILL_TYPE" val="1"/>
+</p:tagLst>
+</file>
+
+<file path=ppt/tags/tag19.xml><?xml version="1.0" encoding="utf-8"?>
+<p:tagLst xmlns:p="http://schemas.openxmlformats.org/presentationml/2006/main">
+  <p:tag name="KSO_WM_UNIT_TEXT_FILL_FORE_SCHEMECOLOR_INDEX_BRIGHTNESS" val="0.15"/>
+  <p:tag name="KSO_WM_DIAGRAM_MAX_ITEMCNT" val="4"/>
+  <p:tag name="KSO_WM_DIAGRAM_MIN_ITEMCNT" val="2"/>
+  <p:tag name="KSO_WM_DIAGRAM_VIRTUALLY_FRAME" val="{&quot;height&quot;:351.67499847412114,&quot;left&quot;:54.80003326656315,&quot;top&quot;:179.30004089595764,&quot;width&quot;:850.4500122070312}"/>
+  <p:tag name="KSO_WM_DIAGRAM_COLOR_MATCH_VALUE" val="{&quot;shape&quot;:{&quot;fill&quot;:{&quot;type&quot;:0},&quot;glow&quot;:{&quot;colorType&quot;:0},&quot;line&quot;:{&quot;type&quot;:0},&quot;shadow&quot;:{&quot;colorType&quot;:0},&quot;threeD&quot;:{&quot;curvedSurface&quot;:{&quot;brightness&quot;:0,&quot;colorType&quot;:2,&quot;rgb&quot;:&quot;#000000&quot;},&quot;depth&quot;:{&quot;colorType&quot;:0}}},&quot;text&quot;:{&quot;fill&quot;:{&quot;solid&quot;:{&quot;brightness&quot;:0.15000000596046448,&quot;colorType&quot;:1,&quot;foreColorIndex&quot;:13,&quot;transparency&quot;:0},&quot;type&quot;:1},&quot;glow&quot;:{&quot;colorType&quot;:0},&quot;line&quot;:{&quot;type&quot;:0},&quot;shadow&quot;:{&quot;colorType&quot;:0},&quot;threeD&quot;:{&quot;curvedSurface&quot;:{&quot;brightness&quot;:0,&quot;colorType&quot;:2,&quot;rgb&quot;:&quot;#000000&quot;},&quot;depth&quot;:{&quot;colorType&quot;:0}}}}"/>
+  <p:tag name="KSO_WM_DIAGRAM_VERSION" val="3"/>
+  <p:tag name="KSO_WM_DIAGRAM_COLOR_TRICK" val="1"/>
+  <p:tag name="KSO_WM_DIAGRAM_COLOR_TEXT_CAN_REMOVE" val="n"/>
+  <p:tag name="KSO_WM_UNIT_SUBTYPE" val="a"/>
+  <p:tag name="KSO_WM_UNIT_NOCLEAR" val="0"/>
+  <p:tag name="KSO_WM_UNIT_VALUE" val="60"/>
+  <p:tag name="KSO_WM_UNIT_HIGHLIGHT" val="0"/>
+  <p:tag name="KSO_WM_UNIT_COMPATIBLE" val="0"/>
+  <p:tag name="KSO_WM_UNIT_DIAGRAM_ISNUMVISUAL" val="0"/>
+  <p:tag name="KSO_WM_UNIT_DIAGRAM_ISREFERUNIT" val="0"/>
+  <p:tag name="KSO_WM_DIAGRAM_GROUP_CODE" val="l1-1"/>
+  <p:tag name="KSO_WM_UNIT_TYPE" val="l_h_f"/>
+  <p:tag name="KSO_WM_UNIT_INDEX" val="1_3_1"/>
+  <p:tag name="KSO_WM_UNIT_ID" val="diagram20237921_2*l_h_f*1_3_1"/>
+  <p:tag name="KSO_WM_TEMPLATE_CATEGORY" val="diagram"/>
+  <p:tag name="KSO_WM_TEMPLATE_INDEX" val="20237921"/>
+  <p:tag name="KSO_WM_UNIT_LAYERLEVEL" val="1_1_1"/>
+  <p:tag name="KSO_WM_TAG_VERSION" val="3.0"/>
+  <p:tag name="KSO_WM_BEAUTIFY_FLAG" val="#wm#"/>
+  <p:tag name="KSO_WM_UNIT_PRESET_TEXT" val="Presentations are communication tools"/>
+  <p:tag name="KSO_WM_UNIT_TEXT_FILL_FORE_SCHEMECOLOR_INDEX" val="1"/>
+  <p:tag name="KSO_WM_UNIT_TEXT_FILL_TYPE" val="1"/>
+</p:tagLst>
+</file>
+
+<file path=ppt/tags/tag2.xml><?xml version="1.0" encoding="utf-8"?>
+<p:tagLst xmlns:p="http://schemas.openxmlformats.org/presentationml/2006/main">
+  <p:tag name="KSO_WM_UNIT_HIGHLIGHT" val="0"/>
+  <p:tag name="KSO_WM_UNIT_COMPATIBLE" val="0"/>
+  <p:tag name="KSO_WM_UNIT_DIAGRAM_ISNUMVISUAL" val="0"/>
+  <p:tag name="KSO_WM_UNIT_DIAGRAM_ISREFERUNIT" val="0"/>
+  <p:tag name="KSO_WM_UNIT_ID" val="diagram20238176_2*n_h_h_i*1_2_2_2"/>
+  <p:tag name="KSO_WM_TEMPLATE_CATEGORY" val="diagram"/>
+  <p:tag name="KSO_WM_TEMPLATE_INDEX" val="20238176"/>
+  <p:tag name="KSO_WM_UNIT_LAYERLEVEL" val="1_1_1_1"/>
+  <p:tag name="KSO_WM_TAG_VERSION" val="3.0"/>
+  <p:tag name="KSO_WM_DIAGRAM_VERSION" val="3"/>
+  <p:tag name="KSO_WM_DIAGRAM_COLOR_TRICK" val="1"/>
+  <p:tag name="KSO_WM_DIAGRAM_COLOR_TEXT_CAN_REMOVE" val="n"/>
+  <p:tag name="KSO_WM_DIAGRAM_GROUP_CODE" val="n1-1"/>
+  <p:tag name="KSO_WM_UNIT_TYPE" val="n_h_h_i"/>
+  <p:tag name="KSO_WM_UNIT_INDEX" val="1_2_2_2"/>
+  <p:tag name="KSO_WM_DIAGRAM_MAX_ITEMCNT" val="6"/>
+  <p:tag name="KSO_WM_DIAGRAM_MIN_ITEMCNT" val="2"/>
+  <p:tag name="KSO_WM_DIAGRAM_VIRTUALLY_FRAME" val="{&quot;height&quot;:372.9,&quot;left&quot;:53.57498779296875,&quot;top&quot;:83.6,&quot;width&quot;:852.9000244140625}"/>
+  <p:tag name="KSO_WM_DIAGRAM_COLOR_MATCH_VALUE" val="{&quot;shape&quot;:{&quot;fill&quot;:{&quot;type&quot;:0},&quot;glow&quot;:{&quot;colorType&quot;:0},&quot;line&quot;:{&quot;gradient&quot;:[{&quot;brightness&quot;:0,&quot;colorType&quot;:1,&quot;foreColorIndex&quot;:5,&quot;pos&quot;:0,&quot;transparency&quot;:1},{&quot;brightness&quot;:0,&quot;colorType&quot;:1,&quot;foreColorIndex&quot;:5,&quot;pos&quot;:0.6000000238418579,&quot;transparency&quot;:0}],&quot;type&quot;:2},&quot;shadow&quot;:{&quot;brightness&quot;:-0.25,&quot;colorType&quot;:1,&quot;foreColorIndex&quot;:5,&quot;transparency&quot;:0.6000000238418579},&quot;threeD&quot;:{&quot;curvedSurface&quot;:{&quot;brightness&quot;:0,&quot;colorType&quot;:2,&quot;rgb&quot;:&quot;#000000&quot;},&quot;depth&quot;:{&quot;colorType&quot;:0}}},&quot;text&quot;:{&quot;fill&quot;:{&quot;solid&quot;:{&quot;brightness&quot;:0,&quot;colorType&quot;:1,&quot;foreColorIndex&quot;:13,&quot;transparency&quot;:0},&quot;type&quot;:1},&quot;glow&quot;:{&quot;colorType&quot;:0},&quot;line&quot;:{&quot;type&quot;:0},&quot;shadow&quot;:{&quot;colorType&quot;:0},&quot;threeD&quot;:{&quot;curvedSurface&quot;:{&quot;brightness&quot;:0,&quot;colorType&quot;:2,&quot;rgb&quot;:&quot;#000000&quot;},&quot;depth&quot;:{&quot;colorType&quot;:0}}}}"/>
+  <p:tag name="KSO_WM_DIAGRAM_USE_COLOR_VALUE" val="{&quot;color_scheme&quot;:1,&quot;color_type&quot;:1,&quot;theme_color_indexes&quot;:[]}"/>
+</p:tagLst>
+</file>
+
+<file path=ppt/tags/tag20.xml><?xml version="1.0" encoding="utf-8"?>
+<p:tagLst xmlns:p="http://schemas.openxmlformats.org/presentationml/2006/main">
+  <p:tag name="KSO_WM_DIAGRAM_MAX_ITEMCNT" val="6"/>
+  <p:tag name="KSO_WM_DIAGRAM_MIN_ITEMCNT" val="2"/>
+  <p:tag name="KSO_WM_DIAGRAM_VIRTUALLY_FRAME" val="{&quot;height&quot;:389.07496062992135,&quot;left&quot;:186.35003326656314,&quot;top&quot;:75.52503937007873,&quot;width&quot;:601.3500122070312}"/>
+  <p:tag name="KSO_WM_DIAGRAM_COLOR_MATCH_VALUE" val="{&quot;shape&quot;:{&quot;fill&quot;:{&quot;type&quot;:0},&quot;glow&quot;:{&quot;colorType&quot;:0},&quot;line&quot;:{&quot;solidLine&quot;:{&quot;brightness&quot;:0.4000000059604645,&quot;colorType&quot;:1,&quot;foreColorIndex&quot;:5,&quot;transparency&quot;:0},&quot;type&quot;:1},&quot;shadow&quot;:{&quot;colorType&quot;:0},&quot;threeD&quot;:{&quot;curvedSurface&quot;:{&quot;brightness&quot;:0,&quot;colorType&quot;:2,&quot;rgb&quot;:&quot;#000000&quot;},&quot;depth&quot;:{&quot;colorType&quot;:0}}},&quot;text&quot;:{&quot;fill&quot;:{&quot;solid&quot;:{&quot;brightness&quot;:0,&quot;colorType&quot;:1,&quot;foreColorIndex&quot;:13,&quot;transparency&quot;:0},&quot;type&quot;:1},&quot;glow&quot;:{&quot;colorType&quot;:0},&quot;line&quot;:{&quot;type&quot;:0},&quot;shadow&quot;:{&quot;colorType&quot;:0},&quot;threeD&quot;:{&quot;curvedSurface&quot;:{&quot;brightness&quot;:0,&quot;colorType&quot;:2,&quot;rgb&quot;:&quot;#000000&quot;},&quot;depth&quot;:{&quot;colorType&quot;:0}}}}"/>
+  <p:tag name="KSO_WM_UNIT_FILL_TYPE" val="1"/>
+  <p:tag name="KSO_WM_UNIT_FILL_FORE_SCHEMECOLOR_INDEX" val="6"/>
+  <p:tag name="KSO_WM_UNIT_FILL_FORE_SCHEMECOLOR_INDEX_BRIGHTNESS" val="0"/>
+  <p:tag name="KSO_WM_DIAGRAM_VERSION" val="3"/>
+  <p:tag name="KSO_WM_DIAGRAM_COLOR_TRICK" val="1"/>
+  <p:tag name="KSO_WM_DIAGRAM_COLOR_TEXT_CAN_REMOVE" val="n"/>
+  <p:tag name="KSO_WM_UNIT_HIGHLIGHT" val="0"/>
+  <p:tag name="KSO_WM_UNIT_COMPATIBLE" val="0"/>
+  <p:tag name="KSO_WM_UNIT_DIAGRAM_ISNUMVISUAL" val="0"/>
+  <p:tag name="KSO_WM_UNIT_DIAGRAM_ISREFERUNIT" val="0"/>
+  <p:tag name="KSO_WM_DIAGRAM_GROUP_CODE" val="n1-1"/>
+  <p:tag name="KSO_WM_UNIT_TYPE" val="n_h_i"/>
+  <p:tag name="KSO_WM_UNIT_INDEX" val="1_2_1"/>
+  <p:tag name="KSO_WM_UNIT_ID" val="diagram20238220_2*n_h_i*1_2_1"/>
+  <p:tag name="KSO_WM_TEMPLATE_CATEGORY" val="diagram"/>
+  <p:tag name="KSO_WM_TEMPLATE_INDEX" val="20238220"/>
+  <p:tag name="KSO_WM_UNIT_LAYERLEVEL" val="1_1_1"/>
+  <p:tag name="KSO_WM_TAG_VERSION" val="3.0"/>
+  <p:tag name="KSO_WM_UNIT_LINE_FORE_SCHEMECOLOR_INDEX" val="5"/>
+  <p:tag name="KSO_WM_DIAGRAM_USE_COLOR_VALUE" val="{&quot;color_scheme&quot;:1,&quot;color_type&quot;:1,&quot;theme_color_indexes&quot;:[]}"/>
+</p:tagLst>
+</file>
+
+<file path=ppt/tags/tag21.xml><?xml version="1.0" encoding="utf-8"?>
+<p:tagLst xmlns:p="http://schemas.openxmlformats.org/presentationml/2006/main">
+  <p:tag name="KSO_WM_DIAGRAM_MAX_ITEMCNT" val="6"/>
+  <p:tag name="KSO_WM_DIAGRAM_MIN_ITEMCNT" val="2"/>
+  <p:tag name="KSO_WM_DIAGRAM_VIRTUALLY_FRAME" val="{&quot;height&quot;:389.07496062992135,&quot;left&quot;:186.35003326656314,&quot;top&quot;:75.52503937007873,&quot;width&quot;:601.3500122070312}"/>
+  <p:tag name="KSO_WM_DIAGRAM_COLOR_MATCH_VALUE" val="{&quot;shape&quot;:{&quot;fill&quot;:{&quot;type&quot;:0},&quot;glow&quot;:{&quot;colorType&quot;:0},&quot;line&quot;:{&quot;solidLine&quot;:{&quot;brightness&quot;:0.4000000059604645,&quot;colorType&quot;:1,&quot;foreColorIndex&quot;:5,&quot;transparency&quot;:0},&quot;type&quot;:1},&quot;shadow&quot;:{&quot;colorType&quot;:0},&quot;threeD&quot;:{&quot;curvedSurface&quot;:{&quot;brightness&quot;:0,&quot;colorType&quot;:2,&quot;rgb&quot;:&quot;#000000&quot;},&quot;depth&quot;:{&quot;colorType&quot;:0}}},&quot;text&quot;:{&quot;fill&quot;:{&quot;solid&quot;:{&quot;brightness&quot;:0,&quot;colorType&quot;:1,&quot;foreColorIndex&quot;:13,&quot;transparency&quot;:0},&quot;type&quot;:1},&quot;glow&quot;:{&quot;colorType&quot;:0},&quot;line&quot;:{&quot;type&quot;:0},&quot;shadow&quot;:{&quot;colorType&quot;:0},&quot;threeD&quot;:{&quot;curvedSurface&quot;:{&quot;brightness&quot;:0,&quot;colorType&quot;:2,&quot;rgb&quot;:&quot;#000000&quot;},&quot;depth&quot;:{&quot;colorType&quot;:0}}}}"/>
+  <p:tag name="KSO_WM_UNIT_FILL_TYPE" val="1"/>
+  <p:tag name="KSO_WM_UNIT_FILL_FORE_SCHEMECOLOR_INDEX" val="6"/>
+  <p:tag name="KSO_WM_UNIT_FILL_FORE_SCHEMECOLOR_INDEX_BRIGHTNESS" val="0"/>
+  <p:tag name="KSO_WM_DIAGRAM_VERSION" val="3"/>
+  <p:tag name="KSO_WM_DIAGRAM_COLOR_TRICK" val="1"/>
+  <p:tag name="KSO_WM_DIAGRAM_COLOR_TEXT_CAN_REMOVE" val="n"/>
+  <p:tag name="KSO_WM_UNIT_HIGHLIGHT" val="0"/>
+  <p:tag name="KSO_WM_UNIT_COMPATIBLE" val="0"/>
+  <p:tag name="KSO_WM_UNIT_DIAGRAM_ISNUMVISUAL" val="0"/>
+  <p:tag name="KSO_WM_UNIT_DIAGRAM_ISREFERUNIT" val="0"/>
+  <p:tag name="KSO_WM_DIAGRAM_GROUP_CODE" val="n1-1"/>
+  <p:tag name="KSO_WM_UNIT_TYPE" val="n_h_i"/>
+  <p:tag name="KSO_WM_UNIT_INDEX" val="1_2_2"/>
+  <p:tag name="KSO_WM_UNIT_ID" val="diagram20238220_2*n_h_i*1_2_2"/>
+  <p:tag name="KSO_WM_TEMPLATE_CATEGORY" val="diagram"/>
+  <p:tag name="KSO_WM_TEMPLATE_INDEX" val="20238220"/>
+  <p:tag name="KSO_WM_UNIT_LAYERLEVEL" val="1_1_1"/>
+  <p:tag name="KSO_WM_TAG_VERSION" val="3.0"/>
+  <p:tag name="KSO_WM_UNIT_LINE_FORE_SCHEMECOLOR_INDEX" val="5"/>
+  <p:tag name="KSO_WM_DIAGRAM_USE_COLOR_VALUE" val="{&quot;color_scheme&quot;:1,&quot;color_type&quot;:1,&quot;theme_color_indexes&quot;:[]}"/>
+</p:tagLst>
+</file>
+
+<file path=ppt/tags/tag22.xml><?xml version="1.0" encoding="utf-8"?>
+<p:tagLst xmlns:p="http://schemas.openxmlformats.org/presentationml/2006/main">
+  <p:tag name="KSO_WM_DIAGRAM_MAX_ITEMCNT" val="6"/>
+  <p:tag name="KSO_WM_DIAGRAM_MIN_ITEMCNT" val="2"/>
+  <p:tag name="KSO_WM_DIAGRAM_VIRTUALLY_FRAME" val="{&quot;height&quot;:389.07496062992135,&quot;left&quot;:186.35003326656314,&quot;top&quot;:75.52503937007873,&quot;width&quot;:601.3500122070312}"/>
+  <p:tag name="KSO_WM_DIAGRAM_COLOR_MATCH_VALUE" val="{&quot;shape&quot;:{&quot;fill&quot;:{&quot;type&quot;:0},&quot;glow&quot;:{&quot;colorType&quot;:0},&quot;line&quot;:{&quot;solidLine&quot;:{&quot;brightness&quot;:0.4000000059604645,&quot;colorType&quot;:1,&quot;foreColorIndex&quot;:5,&quot;transparency&quot;:0},&quot;type&quot;:1},&quot;shadow&quot;:{&quot;colorType&quot;:0},&quot;threeD&quot;:{&quot;curvedSurface&quot;:{&quot;brightness&quot;:0,&quot;colorType&quot;:2,&quot;rgb&quot;:&quot;#000000&quot;},&quot;depth&quot;:{&quot;colorType&quot;:0}}},&quot;text&quot;:{&quot;fill&quot;:{&quot;solid&quot;:{&quot;brightness&quot;:0,&quot;colorType&quot;:1,&quot;foreColorIndex&quot;:13,&quot;transparency&quot;:0},&quot;type&quot;:1},&quot;glow&quot;:{&quot;colorType&quot;:0},&quot;line&quot;:{&quot;type&quot;:0},&quot;shadow&quot;:{&quot;colorType&quot;:0},&quot;threeD&quot;:{&quot;curvedSurface&quot;:{&quot;brightness&quot;:0,&quot;colorType&quot;:2,&quot;rgb&quot;:&quot;#000000&quot;},&quot;depth&quot;:{&quot;colorType&quot;:0}}}}"/>
+  <p:tag name="KSO_WM_UNIT_FILL_TYPE" val="1"/>
+  <p:tag name="KSO_WM_UNIT_FILL_FORE_SCHEMECOLOR_INDEX" val="6"/>
+  <p:tag name="KSO_WM_UNIT_FILL_FORE_SCHEMECOLOR_INDEX_BRIGHTNESS" val="0"/>
+  <p:tag name="KSO_WM_DIAGRAM_VERSION" val="3"/>
+  <p:tag name="KSO_WM_DIAGRAM_COLOR_TRICK" val="1"/>
+  <p:tag name="KSO_WM_DIAGRAM_COLOR_TEXT_CAN_REMOVE" val="n"/>
+  <p:tag name="KSO_WM_UNIT_HIGHLIGHT" val="0"/>
+  <p:tag name="KSO_WM_UNIT_COMPATIBLE" val="0"/>
+  <p:tag name="KSO_WM_UNIT_DIAGRAM_ISNUMVISUAL" val="0"/>
+  <p:tag name="KSO_WM_UNIT_DIAGRAM_ISREFERUNIT" val="0"/>
+  <p:tag name="KSO_WM_DIAGRAM_GROUP_CODE" val="n1-1"/>
+  <p:tag name="KSO_WM_UNIT_TYPE" val="n_h_i"/>
+  <p:tag name="KSO_WM_UNIT_INDEX" val="1_2_3"/>
+  <p:tag name="KSO_WM_UNIT_ID" val="diagram20238220_2*n_h_i*1_2_3"/>
+  <p:tag name="KSO_WM_TEMPLATE_CATEGORY" val="diagram"/>
+  <p:tag name="KSO_WM_TEMPLATE_INDEX" val="20238220"/>
+  <p:tag name="KSO_WM_UNIT_LAYERLEVEL" val="1_1_1"/>
+  <p:tag name="KSO_WM_TAG_VERSION" val="3.0"/>
+  <p:tag name="KSO_WM_UNIT_LINE_FORE_SCHEMECOLOR_INDEX" val="5"/>
+  <p:tag name="KSO_WM_DIAGRAM_USE_COLOR_VALUE" val="{&quot;color_scheme&quot;:1,&quot;color_type&quot;:1,&quot;theme_color_indexes&quot;:[]}"/>
+</p:tagLst>
+</file>
+
+<file path=ppt/tags/tag23.xml><?xml version="1.0" encoding="utf-8"?>
+<p:tagLst xmlns:p="http://schemas.openxmlformats.org/presentationml/2006/main">
   <p:tag name="KSO_WM_DIAGRAM_MAX_ITEMCNT" val="6"/>
   <p:tag name="KSO_WM_DIAGRAM_MIN_ITEMCNT" val="2"/>
   <p:tag name="KSO_WM_DIAGRAM_VIRTUALLY_FRAME" val="{&quot;height&quot;:389.07496062992135,&quot;left&quot;:186.35003326656314,&quot;top&quot;:75.52503937007873,&quot;width&quot;:601.3500122070312}"/>
@@ -6019,7 +7477,7 @@
 </p:tagLst>
 </file>
 
-<file path=ppt/tags/tag11.xml><?xml version="1.0" encoding="utf-8"?>
+<file path=ppt/tags/tag24.xml><?xml version="1.0" encoding="utf-8"?>
 <p:tagLst xmlns:p="http://schemas.openxmlformats.org/presentationml/2006/main">
   <p:tag name="KSO_WM_DIAGRAM_MAX_ITEMCNT" val="6"/>
   <p:tag name="KSO_WM_DIAGRAM_MIN_ITEMCNT" val="2"/>
@@ -6053,7 +7511,7 @@
 </p:tagLst>
 </file>
 
-<file path=ppt/tags/tag12.xml><?xml version="1.0" encoding="utf-8"?>
+<file path=ppt/tags/tag25.xml><?xml version="1.0" encoding="utf-8"?>
 <p:tagLst xmlns:p="http://schemas.openxmlformats.org/presentationml/2006/main">
   <p:tag name="KSO_WM_DIAGRAM_MAX_ITEMCNT" val="6"/>
   <p:tag name="KSO_WM_DIAGRAM_MIN_ITEMCNT" val="2"/>
@@ -6087,7 +7545,7 @@
 </p:tagLst>
 </file>
 
-<file path=ppt/tags/tag13.xml><?xml version="1.0" encoding="utf-8"?>
+<file path=ppt/tags/tag26.xml><?xml version="1.0" encoding="utf-8"?>
 <p:tagLst xmlns:p="http://schemas.openxmlformats.org/presentationml/2006/main">
   <p:tag name="KSO_WM_DIAGRAM_MAX_ITEMCNT" val="6"/>
   <p:tag name="KSO_WM_DIAGRAM_MIN_ITEMCNT" val="2"/>
@@ -6120,34 +7578,9 @@
 </p:tagLst>
 </file>
 
-<file path=ppt/tags/tag14.xml><?xml version="1.0" encoding="utf-8"?>
+<file path=ppt/tags/tag27.xml><?xml version="1.0" encoding="utf-8"?>
 <p:tagLst xmlns:p="http://schemas.openxmlformats.org/presentationml/2006/main">
-  <p:tag name="resource_record_key" val="{&quot;70&quot;:[3321980,3321390]}"/>
-</p:tagLst>
-</file>
-
-<file path=ppt/tags/tag2.xml><?xml version="1.0" encoding="utf-8"?>
-<p:tagLst xmlns:p="http://schemas.openxmlformats.org/presentationml/2006/main">
-  <p:tag name="KSO_WM_UNIT_HIGHLIGHT" val="0"/>
-  <p:tag name="KSO_WM_UNIT_COMPATIBLE" val="0"/>
-  <p:tag name="KSO_WM_UNIT_DIAGRAM_ISNUMVISUAL" val="0"/>
-  <p:tag name="KSO_WM_UNIT_DIAGRAM_ISREFERUNIT" val="0"/>
-  <p:tag name="KSO_WM_UNIT_ID" val="diagram20238176_2*n_h_h_i*1_2_2_2"/>
-  <p:tag name="KSO_WM_TEMPLATE_CATEGORY" val="diagram"/>
-  <p:tag name="KSO_WM_TEMPLATE_INDEX" val="20238176"/>
-  <p:tag name="KSO_WM_UNIT_LAYERLEVEL" val="1_1_1_1"/>
-  <p:tag name="KSO_WM_TAG_VERSION" val="3.0"/>
-  <p:tag name="KSO_WM_DIAGRAM_VERSION" val="3"/>
-  <p:tag name="KSO_WM_DIAGRAM_COLOR_TRICK" val="1"/>
-  <p:tag name="KSO_WM_DIAGRAM_COLOR_TEXT_CAN_REMOVE" val="n"/>
-  <p:tag name="KSO_WM_DIAGRAM_GROUP_CODE" val="n1-1"/>
-  <p:tag name="KSO_WM_UNIT_TYPE" val="n_h_h_i"/>
-  <p:tag name="KSO_WM_UNIT_INDEX" val="1_2_2_2"/>
-  <p:tag name="KSO_WM_DIAGRAM_MAX_ITEMCNT" val="6"/>
-  <p:tag name="KSO_WM_DIAGRAM_MIN_ITEMCNT" val="2"/>
-  <p:tag name="KSO_WM_DIAGRAM_VIRTUALLY_FRAME" val="{&quot;height&quot;:372.9,&quot;left&quot;:53.57498779296875,&quot;top&quot;:83.6,&quot;width&quot;:852.9000244140625}"/>
-  <p:tag name="KSO_WM_DIAGRAM_COLOR_MATCH_VALUE" val="{&quot;shape&quot;:{&quot;fill&quot;:{&quot;type&quot;:0},&quot;glow&quot;:{&quot;colorType&quot;:0},&quot;line&quot;:{&quot;gradient&quot;:[{&quot;brightness&quot;:0,&quot;colorType&quot;:1,&quot;foreColorIndex&quot;:5,&quot;pos&quot;:0,&quot;transparency&quot;:1},{&quot;brightness&quot;:0,&quot;colorType&quot;:1,&quot;foreColorIndex&quot;:5,&quot;pos&quot;:0.6000000238418579,&quot;transparency&quot;:0}],&quot;type&quot;:2},&quot;shadow&quot;:{&quot;brightness&quot;:-0.25,&quot;colorType&quot;:1,&quot;foreColorIndex&quot;:5,&quot;transparency&quot;:0.6000000238418579},&quot;threeD&quot;:{&quot;curvedSurface&quot;:{&quot;brightness&quot;:0,&quot;colorType&quot;:2,&quot;rgb&quot;:&quot;#000000&quot;},&quot;depth&quot;:{&quot;colorType&quot;:0}}},&quot;text&quot;:{&quot;fill&quot;:{&quot;solid&quot;:{&quot;brightness&quot;:0,&quot;colorType&quot;:1,&quot;foreColorIndex&quot;:13,&quot;transparency&quot;:0},&quot;type&quot;:1},&quot;glow&quot;:{&quot;colorType&quot;:0},&quot;line&quot;:{&quot;type&quot;:0},&quot;shadow&quot;:{&quot;colorType&quot;:0},&quot;threeD&quot;:{&quot;curvedSurface&quot;:{&quot;brightness&quot;:0,&quot;colorType&quot;:2,&quot;rgb&quot;:&quot;#000000&quot;},&quot;depth&quot;:{&quot;colorType&quot;:0}}}}"/>
-  <p:tag name="KSO_WM_DIAGRAM_USE_COLOR_VALUE" val="{&quot;color_scheme&quot;:1,&quot;color_type&quot;:1,&quot;theme_color_indexes&quot;:[]}"/>
+  <p:tag name="resource_record_key" val="{&quot;70&quot;:[3321980,3321390,3320305]}"/>
 </p:tagLst>
 </file>
 
@@ -6255,13 +7688,22 @@
 
 <file path=ppt/tags/tag7.xml><?xml version="1.0" encoding="utf-8"?>
 <p:tagLst xmlns:p="http://schemas.openxmlformats.org/presentationml/2006/main">
-  <p:tag name="KSO_WM_DIAGRAM_MAX_ITEMCNT" val="6"/>
+  <p:tag name="KSO_WM_DIAGRAM_VIRTUALLY_FRAME" val="{&quot;height&quot;:351.67499847412114,&quot;left&quot;:54.80003326656315,&quot;top&quot;:179.30004089595764,&quot;width&quot;:850.4500122070312}"/>
+</p:tagLst>
+</file>
+
+<file path=ppt/tags/tag8.xml><?xml version="1.0" encoding="utf-8"?>
+<p:tagLst xmlns:p="http://schemas.openxmlformats.org/presentationml/2006/main">
+  <p:tag name="KSO_WM_DIAGRAM_VIRTUALLY_FRAME" val="{&quot;height&quot;:351.67499847412114,&quot;left&quot;:54.80003326656315,&quot;top&quot;:179.30004089595764,&quot;width&quot;:850.4500122070312}"/>
+</p:tagLst>
+</file>
+
+<file path=ppt/tags/tag9.xml><?xml version="1.0" encoding="utf-8"?>
+<p:tagLst xmlns:p="http://schemas.openxmlformats.org/presentationml/2006/main">
+  <p:tag name="KSO_WM_DIAGRAM_MAX_ITEMCNT" val="4"/>
   <p:tag name="KSO_WM_DIAGRAM_MIN_ITEMCNT" val="2"/>
-  <p:tag name="KSO_WM_DIAGRAM_VIRTUALLY_FRAME" val="{&quot;height&quot;:389.07496062992135,&quot;left&quot;:186.35003326656314,&quot;top&quot;:75.52503937007873,&quot;width&quot;:601.3500122070312}"/>
-  <p:tag name="KSO_WM_DIAGRAM_COLOR_MATCH_VALUE" val="{&quot;shape&quot;:{&quot;fill&quot;:{&quot;type&quot;:0},&quot;glow&quot;:{&quot;colorType&quot;:0},&quot;line&quot;:{&quot;solidLine&quot;:{&quot;brightness&quot;:0.4000000059604645,&quot;colorType&quot;:1,&quot;foreColorIndex&quot;:5,&quot;transparency&quot;:0},&quot;type&quot;:1},&quot;shadow&quot;:{&quot;colorType&quot;:0},&quot;threeD&quot;:{&quot;curvedSurface&quot;:{&quot;brightness&quot;:0,&quot;colorType&quot;:2,&quot;rgb&quot;:&quot;#000000&quot;},&quot;depth&quot;:{&quot;colorType&quot;:0}}},&quot;text&quot;:{&quot;fill&quot;:{&quot;solid&quot;:{&quot;brightness&quot;:0,&quot;colorType&quot;:1,&quot;foreColorIndex&quot;:13,&quot;transparency&quot;:0},&quot;type&quot;:1},&quot;glow&quot;:{&quot;colorType&quot;:0},&quot;line&quot;:{&quot;type&quot;:0},&quot;shadow&quot;:{&quot;colorType&quot;:0},&quot;threeD&quot;:{&quot;curvedSurface&quot;:{&quot;brightness&quot;:0,&quot;colorType&quot;:2,&quot;rgb&quot;:&quot;#000000&quot;},&quot;depth&quot;:{&quot;colorType&quot;:0}}}}"/>
-  <p:tag name="KSO_WM_UNIT_FILL_TYPE" val="1"/>
-  <p:tag name="KSO_WM_UNIT_FILL_FORE_SCHEMECOLOR_INDEX" val="6"/>
-  <p:tag name="KSO_WM_UNIT_FILL_FORE_SCHEMECOLOR_INDEX_BRIGHTNESS" val="0"/>
+  <p:tag name="KSO_WM_DIAGRAM_VIRTUALLY_FRAME" val="{&quot;height&quot;:351.67499847412114,&quot;left&quot;:54.80003326656315,&quot;top&quot;:179.30004089595764,&quot;width&quot;:850.4500122070312}"/>
+  <p:tag name="KSO_WM_DIAGRAM_COLOR_MATCH_VALUE" val="{&quot;shape&quot;:{&quot;fill&quot;:{&quot;solid&quot;:{&quot;brightness&quot;:0.6000000238418579,&quot;colorType&quot;:1,&quot;foreColorIndex&quot;:5,&quot;transparency&quot;:0.800000011920929},&quot;type&quot;:1},&quot;glow&quot;:{&quot;colorType&quot;:0},&quot;line&quot;:{&quot;type&quot;:0},&quot;shadow&quot;:{&quot;colorType&quot;:0},&quot;threeD&quot;:{&quot;curvedSurface&quot;:{&quot;brightness&quot;:0,&quot;colorType&quot;:2,&quot;rgb&quot;:&quot;#000000&quot;},&quot;depth&quot;:{&quot;colorType&quot;:0}}},&quot;text&quot;:{&quot;fill&quot;:{&quot;solid&quot;:{&quot;brightness&quot;:0,&quot;colorType&quot;:1,&quot;foreColorIndex&quot;:2,&quot;transparency&quot;:0},&quot;type&quot;:1},&quot;glow&quot;:{&quot;colorType&quot;:0},&quot;line&quot;:{&quot;type&quot;:0},&quot;shadow&quot;:{&quot;colorType&quot;:0},&quot;threeD&quot;:{&quot;curvedSurface&quot;:{&quot;brightness&quot;:0,&quot;colorType&quot;:2,&quot;rgb&quot;:&quot;#000000&quot;},&quot;depth&quot;:{&quot;colorType&quot;:0}}}}"/>
   <p:tag name="KSO_WM_DIAGRAM_VERSION" val="3"/>
   <p:tag name="KSO_WM_DIAGRAM_COLOR_TRICK" val="1"/>
   <p:tag name="KSO_WM_DIAGRAM_COLOR_TEXT_CAN_REMOVE" val="n"/>
@@ -6269,74 +7711,18 @@
   <p:tag name="KSO_WM_UNIT_COMPATIBLE" val="0"/>
   <p:tag name="KSO_WM_UNIT_DIAGRAM_ISNUMVISUAL" val="0"/>
   <p:tag name="KSO_WM_UNIT_DIAGRAM_ISREFERUNIT" val="0"/>
-  <p:tag name="KSO_WM_DIAGRAM_GROUP_CODE" val="n1-1"/>
-  <p:tag name="KSO_WM_UNIT_TYPE" val="n_h_i"/>
+  <p:tag name="KSO_WM_DIAGRAM_GROUP_CODE" val="l1-1"/>
+  <p:tag name="KSO_WM_UNIT_TYPE" val="l_h_i"/>
   <p:tag name="KSO_WM_UNIT_INDEX" val="1_2_1"/>
-  <p:tag name="KSO_WM_UNIT_ID" val="diagram20238220_2*n_h_i*1_2_1"/>
+  <p:tag name="KSO_WM_UNIT_ID" val="diagram20237921_2*l_h_i*1_2_1"/>
   <p:tag name="KSO_WM_TEMPLATE_CATEGORY" val="diagram"/>
-  <p:tag name="KSO_WM_TEMPLATE_INDEX" val="20238220"/>
+  <p:tag name="KSO_WM_TEMPLATE_INDEX" val="20237921"/>
   <p:tag name="KSO_WM_UNIT_LAYERLEVEL" val="1_1_1"/>
   <p:tag name="KSO_WM_TAG_VERSION" val="3.0"/>
-  <p:tag name="KSO_WM_UNIT_LINE_FORE_SCHEMECOLOR_INDEX" val="5"/>
-  <p:tag name="KSO_WM_DIAGRAM_USE_COLOR_VALUE" val="{&quot;color_scheme&quot;:1,&quot;color_type&quot;:1,&quot;theme_color_indexes&quot;:[]}"/>
-</p:tagLst>
-</file>
-
-<file path=ppt/tags/tag8.xml><?xml version="1.0" encoding="utf-8"?>
-<p:tagLst xmlns:p="http://schemas.openxmlformats.org/presentationml/2006/main">
-  <p:tag name="KSO_WM_DIAGRAM_MAX_ITEMCNT" val="6"/>
-  <p:tag name="KSO_WM_DIAGRAM_MIN_ITEMCNT" val="2"/>
-  <p:tag name="KSO_WM_DIAGRAM_VIRTUALLY_FRAME" val="{&quot;height&quot;:389.07496062992135,&quot;left&quot;:186.35003326656314,&quot;top&quot;:75.52503937007873,&quot;width&quot;:601.3500122070312}"/>
-  <p:tag name="KSO_WM_DIAGRAM_COLOR_MATCH_VALUE" val="{&quot;shape&quot;:{&quot;fill&quot;:{&quot;type&quot;:0},&quot;glow&quot;:{&quot;colorType&quot;:0},&quot;line&quot;:{&quot;solidLine&quot;:{&quot;brightness&quot;:0.4000000059604645,&quot;colorType&quot;:1,&quot;foreColorIndex&quot;:5,&quot;transparency&quot;:0},&quot;type&quot;:1},&quot;shadow&quot;:{&quot;colorType&quot;:0},&quot;threeD&quot;:{&quot;curvedSurface&quot;:{&quot;brightness&quot;:0,&quot;colorType&quot;:2,&quot;rgb&quot;:&quot;#000000&quot;},&quot;depth&quot;:{&quot;colorType&quot;:0}}},&quot;text&quot;:{&quot;fill&quot;:{&quot;solid&quot;:{&quot;brightness&quot;:0,&quot;colorType&quot;:1,&quot;foreColorIndex&quot;:13,&quot;transparency&quot;:0},&quot;type&quot;:1},&quot;glow&quot;:{&quot;colorType&quot;:0},&quot;line&quot;:{&quot;type&quot;:0},&quot;shadow&quot;:{&quot;colorType&quot;:0},&quot;threeD&quot;:{&quot;curvedSurface&quot;:{&quot;brightness&quot;:0,&quot;colorType&quot;:2,&quot;rgb&quot;:&quot;#000000&quot;},&quot;depth&quot;:{&quot;colorType&quot;:0}}}}"/>
+  <p:tag name="KSO_WM_BEAUTIFY_FLAG" val="#wm#"/>
   <p:tag name="KSO_WM_UNIT_FILL_TYPE" val="1"/>
-  <p:tag name="KSO_WM_UNIT_FILL_FORE_SCHEMECOLOR_INDEX" val="6"/>
-  <p:tag name="KSO_WM_UNIT_FILL_FORE_SCHEMECOLOR_INDEX_BRIGHTNESS" val="0"/>
-  <p:tag name="KSO_WM_DIAGRAM_VERSION" val="3"/>
-  <p:tag name="KSO_WM_DIAGRAM_COLOR_TRICK" val="1"/>
-  <p:tag name="KSO_WM_DIAGRAM_COLOR_TEXT_CAN_REMOVE" val="n"/>
-  <p:tag name="KSO_WM_UNIT_HIGHLIGHT" val="0"/>
-  <p:tag name="KSO_WM_UNIT_COMPATIBLE" val="0"/>
-  <p:tag name="KSO_WM_UNIT_DIAGRAM_ISNUMVISUAL" val="0"/>
-  <p:tag name="KSO_WM_UNIT_DIAGRAM_ISREFERUNIT" val="0"/>
-  <p:tag name="KSO_WM_DIAGRAM_GROUP_CODE" val="n1-1"/>
-  <p:tag name="KSO_WM_UNIT_TYPE" val="n_h_i"/>
-  <p:tag name="KSO_WM_UNIT_INDEX" val="1_2_2"/>
-  <p:tag name="KSO_WM_UNIT_ID" val="diagram20238220_2*n_h_i*1_2_2"/>
-  <p:tag name="KSO_WM_TEMPLATE_CATEGORY" val="diagram"/>
-  <p:tag name="KSO_WM_TEMPLATE_INDEX" val="20238220"/>
-  <p:tag name="KSO_WM_UNIT_LAYERLEVEL" val="1_1_1"/>
-  <p:tag name="KSO_WM_TAG_VERSION" val="3.0"/>
-  <p:tag name="KSO_WM_UNIT_LINE_FORE_SCHEMECOLOR_INDEX" val="5"/>
-  <p:tag name="KSO_WM_DIAGRAM_USE_COLOR_VALUE" val="{&quot;color_scheme&quot;:1,&quot;color_type&quot;:1,&quot;theme_color_indexes&quot;:[]}"/>
-</p:tagLst>
-</file>
-
-<file path=ppt/tags/tag9.xml><?xml version="1.0" encoding="utf-8"?>
-<p:tagLst xmlns:p="http://schemas.openxmlformats.org/presentationml/2006/main">
-  <p:tag name="KSO_WM_DIAGRAM_MAX_ITEMCNT" val="6"/>
-  <p:tag name="KSO_WM_DIAGRAM_MIN_ITEMCNT" val="2"/>
-  <p:tag name="KSO_WM_DIAGRAM_VIRTUALLY_FRAME" val="{&quot;height&quot;:389.07496062992135,&quot;left&quot;:186.35003326656314,&quot;top&quot;:75.52503937007873,&quot;width&quot;:601.3500122070312}"/>
-  <p:tag name="KSO_WM_DIAGRAM_COLOR_MATCH_VALUE" val="{&quot;shape&quot;:{&quot;fill&quot;:{&quot;type&quot;:0},&quot;glow&quot;:{&quot;colorType&quot;:0},&quot;line&quot;:{&quot;solidLine&quot;:{&quot;brightness&quot;:0.4000000059604645,&quot;colorType&quot;:1,&quot;foreColorIndex&quot;:5,&quot;transparency&quot;:0},&quot;type&quot;:1},&quot;shadow&quot;:{&quot;colorType&quot;:0},&quot;threeD&quot;:{&quot;curvedSurface&quot;:{&quot;brightness&quot;:0,&quot;colorType&quot;:2,&quot;rgb&quot;:&quot;#000000&quot;},&quot;depth&quot;:{&quot;colorType&quot;:0}}},&quot;text&quot;:{&quot;fill&quot;:{&quot;solid&quot;:{&quot;brightness&quot;:0,&quot;colorType&quot;:1,&quot;foreColorIndex&quot;:13,&quot;transparency&quot;:0},&quot;type&quot;:1},&quot;glow&quot;:{&quot;colorType&quot;:0},&quot;line&quot;:{&quot;type&quot;:0},&quot;shadow&quot;:{&quot;colorType&quot;:0},&quot;threeD&quot;:{&quot;curvedSurface&quot;:{&quot;brightness&quot;:0,&quot;colorType&quot;:2,&quot;rgb&quot;:&quot;#000000&quot;},&quot;depth&quot;:{&quot;colorType&quot;:0}}}}"/>
-  <p:tag name="KSO_WM_UNIT_FILL_TYPE" val="1"/>
-  <p:tag name="KSO_WM_UNIT_FILL_FORE_SCHEMECOLOR_INDEX" val="6"/>
-  <p:tag name="KSO_WM_UNIT_FILL_FORE_SCHEMECOLOR_INDEX_BRIGHTNESS" val="0"/>
-  <p:tag name="KSO_WM_DIAGRAM_VERSION" val="3"/>
-  <p:tag name="KSO_WM_DIAGRAM_COLOR_TRICK" val="1"/>
-  <p:tag name="KSO_WM_DIAGRAM_COLOR_TEXT_CAN_REMOVE" val="n"/>
-  <p:tag name="KSO_WM_UNIT_HIGHLIGHT" val="0"/>
-  <p:tag name="KSO_WM_UNIT_COMPATIBLE" val="0"/>
-  <p:tag name="KSO_WM_UNIT_DIAGRAM_ISNUMVISUAL" val="0"/>
-  <p:tag name="KSO_WM_UNIT_DIAGRAM_ISREFERUNIT" val="0"/>
-  <p:tag name="KSO_WM_DIAGRAM_GROUP_CODE" val="n1-1"/>
-  <p:tag name="KSO_WM_UNIT_TYPE" val="n_h_i"/>
-  <p:tag name="KSO_WM_UNIT_INDEX" val="1_2_3"/>
-  <p:tag name="KSO_WM_UNIT_ID" val="diagram20238220_2*n_h_i*1_2_3"/>
-  <p:tag name="KSO_WM_TEMPLATE_CATEGORY" val="diagram"/>
-  <p:tag name="KSO_WM_TEMPLATE_INDEX" val="20238220"/>
-  <p:tag name="KSO_WM_UNIT_LAYERLEVEL" val="1_1_1"/>
-  <p:tag name="KSO_WM_TAG_VERSION" val="3.0"/>
-  <p:tag name="KSO_WM_UNIT_LINE_FORE_SCHEMECOLOR_INDEX" val="5"/>
-  <p:tag name="KSO_WM_DIAGRAM_USE_COLOR_VALUE" val="{&quot;color_scheme&quot;:1,&quot;color_type&quot;:1,&quot;theme_color_indexes&quot;:[]}"/>
+  <p:tag name="KSO_WM_UNIT_FILL_FORE_SCHEMECOLOR_INDEX" val="5"/>
+  <p:tag name="KSO_WM_UNIT_FILL_FORE_SCHEMECOLOR_INDEX_BRIGHTNESS" val="0.6"/>
 </p:tagLst>
 </file>
 

--- a/presentation/Presentation.pptx
+++ b/presentation/Presentation.pptx
@@ -5,18 +5,19 @@
     <p:sldMasterId id="2147483648" r:id="rId1"/>
   </p:sldMasterIdLst>
   <p:notesMasterIdLst>
-    <p:notesMasterId r:id="rId7"/>
+    <p:notesMasterId r:id="rId8"/>
   </p:notesMasterIdLst>
   <p:sldIdLst>
     <p:sldId id="256" r:id="rId3"/>
     <p:sldId id="260" r:id="rId4"/>
     <p:sldId id="261" r:id="rId5"/>
-    <p:sldId id="262" r:id="rId6"/>
+    <p:sldId id="264" r:id="rId6"/>
+    <p:sldId id="262" r:id="rId7"/>
   </p:sldIdLst>
   <p:sldSz cx="12192000" cy="6858000"/>
   <p:notesSz cx="6858000" cy="9144000"/>
   <p:custDataLst>
-    <p:tags r:id="rId11"/>
+    <p:tags r:id="rId12"/>
   </p:custDataLst>
   <p:defaultTextStyle>
     <a:defPPr>
@@ -3290,7 +3291,7 @@
       </p:grpSpPr>
       <p:sp>
         <p:nvSpPr>
-          <p:cNvPr id="4" name="Rectangles 3"/>
+          <p:cNvPr id="20" name="Rectangles 19"/>
           <p:cNvSpPr/>
           <p:nvPr/>
         </p:nvSpPr>
@@ -3335,7 +3336,9 @@
         <p:txBody>
           <a:bodyPr rtlCol="0" anchor="ctr"/>
           <a:p>
-            <a:pPr algn="ctr"/>
+            <a:pPr indent="0" algn="ctr">
+              <a:buNone/>
+            </a:pPr>
             <a:endParaRPr lang="en-GB" altLang="en-US"/>
           </a:p>
         </p:txBody>
@@ -3392,8 +3395,8 @@
         </p:nvSpPr>
         <p:spPr>
           <a:xfrm>
-            <a:off x="735965" y="5642610"/>
-            <a:ext cx="3103880" cy="306705"/>
+            <a:off x="804863" y="5642610"/>
+            <a:ext cx="2442210" cy="306705"/>
           </a:xfrm>
           <a:prstGeom prst="rect">
             <a:avLst/>
@@ -3413,925 +3416,1000 @@
           </a:p>
         </p:txBody>
       </p:sp>
-      <p:sp>
-        <p:nvSpPr>
-          <p:cNvPr id="68" name="椭圆 4"/>
-          <p:cNvSpPr/>
-          <p:nvPr>
-            <p:custDataLst>
-              <p:tags r:id="rId1"/>
-            </p:custDataLst>
-          </p:nvPr>
-        </p:nvSpPr>
-        <p:spPr>
-          <a:xfrm>
-            <a:off x="7362825" y="2661920"/>
-            <a:ext cx="2247900" cy="2247900"/>
-          </a:xfrm>
-          <a:prstGeom prst="ellipse">
-            <a:avLst/>
-          </a:prstGeom>
-          <a:solidFill>
-            <a:schemeClr val="accent1">
-              <a:lumMod val="20000"/>
-              <a:lumOff val="80000"/>
-              <a:alpha val="60000"/>
-            </a:schemeClr>
-          </a:solidFill>
-          <a:ln>
-            <a:noFill/>
-          </a:ln>
-          <a:effectLst/>
-        </p:spPr>
-        <p:style>
-          <a:lnRef idx="2">
-            <a:schemeClr val="accent1">
-              <a:shade val="50000"/>
-            </a:schemeClr>
-          </a:lnRef>
-          <a:fillRef idx="1">
-            <a:schemeClr val="accent1"/>
-          </a:fillRef>
-          <a:effectRef idx="0">
-            <a:schemeClr val="accent1"/>
-          </a:effectRef>
-          <a:fontRef idx="minor">
-            <a:schemeClr val="lt1"/>
-          </a:fontRef>
-        </p:style>
-        <p:txBody>
-          <a:bodyPr vertOverflow="overflow" horzOverflow="overflow" vert="horz" wrap="square" numCol="1" spcCol="0" rtlCol="0" fromWordArt="0" anchor="ctr" anchorCtr="0" forceAA="0" compatLnSpc="1">
-            <a:noAutofit/>
-          </a:bodyPr>
-          <a:lstStyle/>
-          <a:p>
-            <a:pPr lvl="0" algn="ctr">
-              <a:buClrTx/>
-              <a:buSzTx/>
-              <a:buFontTx/>
-            </a:pPr>
-            <a:endParaRPr lang="en-US">
-              <a:sym typeface="+mn-lt"/>
-            </a:endParaRPr>
-          </a:p>
-        </p:txBody>
-      </p:sp>
-      <p:sp>
-        <p:nvSpPr>
-          <p:cNvPr id="73" name="弧形 13"/>
-          <p:cNvSpPr/>
-          <p:nvPr>
-            <p:custDataLst>
-              <p:tags r:id="rId2"/>
-            </p:custDataLst>
-          </p:nvPr>
-        </p:nvSpPr>
-        <p:spPr>
-          <a:xfrm rot="7200000">
-            <a:off x="7102475" y="2401570"/>
-            <a:ext cx="2769235" cy="2769235"/>
-          </a:xfrm>
-          <a:prstGeom prst="arc">
-            <a:avLst>
-              <a:gd name="adj1" fmla="val 15835561"/>
-              <a:gd name="adj2" fmla="val 21121678"/>
-            </a:avLst>
-          </a:prstGeom>
-          <a:ln w="6350">
-            <a:gradFill>
-              <a:gsLst>
-                <a:gs pos="0">
-                  <a:schemeClr val="accent1">
-                    <a:alpha val="0"/>
-                  </a:schemeClr>
-                </a:gs>
-                <a:gs pos="60000">
-                  <a:schemeClr val="accent1"/>
-                </a:gs>
-              </a:gsLst>
-              <a:lin ang="5400000" scaled="1"/>
-            </a:gradFill>
-            <a:prstDash val="dash"/>
-            <a:tailEnd type="triangle"/>
-          </a:ln>
-          <a:effectLst>
-            <a:outerShdw blurRad="50800" dist="38100" dir="2700000" algn="tl" rotWithShape="0">
-              <a:schemeClr val="accent1">
-                <a:lumMod val="75000"/>
-                <a:alpha val="40000"/>
-              </a:schemeClr>
-            </a:outerShdw>
-          </a:effectLst>
-        </p:spPr>
-        <p:style>
-          <a:lnRef idx="1">
-            <a:schemeClr val="accent1"/>
-          </a:lnRef>
-          <a:fillRef idx="0">
-            <a:schemeClr val="accent1"/>
-          </a:fillRef>
-          <a:effectRef idx="0">
-            <a:schemeClr val="accent1"/>
-          </a:effectRef>
-          <a:fontRef idx="minor">
-            <a:schemeClr val="tx1"/>
-          </a:fontRef>
-        </p:style>
-        <p:txBody>
-          <a:bodyPr rtlCol="0" anchor="ctr"/>
-          <a:lstStyle>
-            <a:defPPr>
-              <a:defRPr lang="en-US"/>
-            </a:defPPr>
-            <a:lvl1pPr marL="0" algn="l" defTabSz="914400" rtl="0" eaLnBrk="1" latinLnBrk="0" hangingPunct="1">
-              <a:defRPr sz="1800" kern="1200">
-                <a:solidFill>
-                  <a:schemeClr val="tx1"/>
-                </a:solidFill>
-                <a:latin typeface="+mn-lt"/>
-              </a:defRPr>
-            </a:lvl1pPr>
-            <a:lvl2pPr marL="457200" algn="l" defTabSz="914400" rtl="0" eaLnBrk="1" latinLnBrk="0" hangingPunct="1">
-              <a:defRPr sz="1800" kern="1200">
-                <a:solidFill>
-                  <a:schemeClr val="tx1"/>
-                </a:solidFill>
-                <a:latin typeface="+mn-lt"/>
-              </a:defRPr>
-            </a:lvl2pPr>
-            <a:lvl3pPr marL="914400" algn="l" defTabSz="914400" rtl="0" eaLnBrk="1" latinLnBrk="0" hangingPunct="1">
-              <a:defRPr sz="1800" kern="1200">
-                <a:solidFill>
-                  <a:schemeClr val="tx1"/>
-                </a:solidFill>
-                <a:latin typeface="+mn-lt"/>
-              </a:defRPr>
-            </a:lvl3pPr>
-            <a:lvl4pPr marL="1371600" algn="l" defTabSz="914400" rtl="0" eaLnBrk="1" latinLnBrk="0" hangingPunct="1">
-              <a:defRPr sz="1800" kern="1200">
-                <a:solidFill>
-                  <a:schemeClr val="tx1"/>
-                </a:solidFill>
-                <a:latin typeface="+mn-lt"/>
-              </a:defRPr>
-            </a:lvl4pPr>
-            <a:lvl5pPr marL="1828800" algn="l" defTabSz="914400" rtl="0" eaLnBrk="1" latinLnBrk="0" hangingPunct="1">
-              <a:defRPr sz="1800" kern="1200">
-                <a:solidFill>
-                  <a:schemeClr val="tx1"/>
-                </a:solidFill>
-                <a:latin typeface="+mn-lt"/>
-              </a:defRPr>
-            </a:lvl5pPr>
-            <a:lvl6pPr marL="2286000" algn="l" defTabSz="914400" rtl="0" eaLnBrk="1" latinLnBrk="0" hangingPunct="1">
-              <a:defRPr sz="1800" kern="1200">
-                <a:solidFill>
-                  <a:schemeClr val="tx1"/>
-                </a:solidFill>
-                <a:latin typeface="+mn-lt"/>
-              </a:defRPr>
-            </a:lvl6pPr>
-            <a:lvl7pPr marL="2743200" algn="l" defTabSz="914400" rtl="0" eaLnBrk="1" latinLnBrk="0" hangingPunct="1">
-              <a:defRPr sz="1800" kern="1200">
-                <a:solidFill>
-                  <a:schemeClr val="tx1"/>
-                </a:solidFill>
-                <a:latin typeface="+mn-lt"/>
-              </a:defRPr>
-            </a:lvl7pPr>
-            <a:lvl8pPr marL="3200400" algn="l" defTabSz="914400" rtl="0" eaLnBrk="1" latinLnBrk="0" hangingPunct="1">
-              <a:defRPr sz="1800" kern="1200">
-                <a:solidFill>
-                  <a:schemeClr val="tx1"/>
-                </a:solidFill>
-                <a:latin typeface="+mn-lt"/>
-              </a:defRPr>
-            </a:lvl8pPr>
-            <a:lvl9pPr marL="3657600" algn="l" defTabSz="914400" rtl="0" eaLnBrk="1" latinLnBrk="0" hangingPunct="1">
-              <a:defRPr sz="1800" kern="1200">
-                <a:solidFill>
-                  <a:schemeClr val="tx1"/>
-                </a:solidFill>
-                <a:latin typeface="+mn-lt"/>
-              </a:defRPr>
-            </a:lvl9pPr>
-          </a:lstStyle>
-          <a:p>
-            <a:pPr algn="ctr"/>
-            <a:endParaRPr lang="en-US"/>
-          </a:p>
-        </p:txBody>
-      </p:sp>
-      <p:sp>
-        <p:nvSpPr>
-          <p:cNvPr id="74" name="弧形 14"/>
-          <p:cNvSpPr/>
-          <p:nvPr>
-            <p:custDataLst>
-              <p:tags r:id="rId3"/>
-            </p:custDataLst>
-          </p:nvPr>
-        </p:nvSpPr>
-        <p:spPr>
-          <a:xfrm rot="20880000">
-            <a:off x="7115810" y="2402205"/>
-            <a:ext cx="2769235" cy="2769235"/>
-          </a:xfrm>
-          <a:prstGeom prst="arc">
-            <a:avLst>
-              <a:gd name="adj1" fmla="val 15835561"/>
-              <a:gd name="adj2" fmla="val 21121678"/>
-            </a:avLst>
-          </a:prstGeom>
-          <a:ln w="6350">
-            <a:gradFill>
-              <a:gsLst>
-                <a:gs pos="0">
-                  <a:schemeClr val="accent1">
-                    <a:alpha val="0"/>
-                  </a:schemeClr>
-                </a:gs>
-                <a:gs pos="60000">
-                  <a:schemeClr val="accent1"/>
-                </a:gs>
-              </a:gsLst>
-              <a:lin ang="5400000" scaled="1"/>
-            </a:gradFill>
-            <a:prstDash val="dash"/>
-            <a:tailEnd type="triangle"/>
-          </a:ln>
-          <a:effectLst>
-            <a:outerShdw blurRad="50800" dist="38100" dir="2700000" algn="tl" rotWithShape="0">
-              <a:schemeClr val="accent1">
-                <a:lumMod val="75000"/>
-                <a:alpha val="40000"/>
-              </a:schemeClr>
-            </a:outerShdw>
-          </a:effectLst>
-        </p:spPr>
-        <p:style>
-          <a:lnRef idx="1">
-            <a:schemeClr val="accent1"/>
-          </a:lnRef>
-          <a:fillRef idx="0">
-            <a:schemeClr val="accent1"/>
-          </a:fillRef>
-          <a:effectRef idx="0">
-            <a:schemeClr val="accent1"/>
-          </a:effectRef>
-          <a:fontRef idx="minor">
-            <a:schemeClr val="tx1"/>
-          </a:fontRef>
-        </p:style>
-        <p:txBody>
-          <a:bodyPr rtlCol="0" anchor="ctr"/>
-          <a:lstStyle>
-            <a:defPPr>
-              <a:defRPr lang="en-US"/>
-            </a:defPPr>
-            <a:lvl1pPr marL="0" algn="l" defTabSz="914400" rtl="0" eaLnBrk="1" latinLnBrk="0" hangingPunct="1">
-              <a:defRPr sz="1800" kern="1200">
-                <a:solidFill>
-                  <a:schemeClr val="tx1"/>
-                </a:solidFill>
-                <a:latin typeface="+mn-lt"/>
-              </a:defRPr>
-            </a:lvl1pPr>
-            <a:lvl2pPr marL="457200" algn="l" defTabSz="914400" rtl="0" eaLnBrk="1" latinLnBrk="0" hangingPunct="1">
-              <a:defRPr sz="1800" kern="1200">
-                <a:solidFill>
-                  <a:schemeClr val="tx1"/>
-                </a:solidFill>
-                <a:latin typeface="+mn-lt"/>
-              </a:defRPr>
-            </a:lvl2pPr>
-            <a:lvl3pPr marL="914400" algn="l" defTabSz="914400" rtl="0" eaLnBrk="1" latinLnBrk="0" hangingPunct="1">
-              <a:defRPr sz="1800" kern="1200">
-                <a:solidFill>
-                  <a:schemeClr val="tx1"/>
-                </a:solidFill>
-                <a:latin typeface="+mn-lt"/>
-              </a:defRPr>
-            </a:lvl3pPr>
-            <a:lvl4pPr marL="1371600" algn="l" defTabSz="914400" rtl="0" eaLnBrk="1" latinLnBrk="0" hangingPunct="1">
-              <a:defRPr sz="1800" kern="1200">
-                <a:solidFill>
-                  <a:schemeClr val="tx1"/>
-                </a:solidFill>
-                <a:latin typeface="+mn-lt"/>
-              </a:defRPr>
-            </a:lvl4pPr>
-            <a:lvl5pPr marL="1828800" algn="l" defTabSz="914400" rtl="0" eaLnBrk="1" latinLnBrk="0" hangingPunct="1">
-              <a:defRPr sz="1800" kern="1200">
-                <a:solidFill>
-                  <a:schemeClr val="tx1"/>
-                </a:solidFill>
-                <a:latin typeface="+mn-lt"/>
-              </a:defRPr>
-            </a:lvl5pPr>
-            <a:lvl6pPr marL="2286000" algn="l" defTabSz="914400" rtl="0" eaLnBrk="1" latinLnBrk="0" hangingPunct="1">
-              <a:defRPr sz="1800" kern="1200">
-                <a:solidFill>
-                  <a:schemeClr val="tx1"/>
-                </a:solidFill>
-                <a:latin typeface="+mn-lt"/>
-              </a:defRPr>
-            </a:lvl6pPr>
-            <a:lvl7pPr marL="2743200" algn="l" defTabSz="914400" rtl="0" eaLnBrk="1" latinLnBrk="0" hangingPunct="1">
-              <a:defRPr sz="1800" kern="1200">
-                <a:solidFill>
-                  <a:schemeClr val="tx1"/>
-                </a:solidFill>
-                <a:latin typeface="+mn-lt"/>
-              </a:defRPr>
-            </a:lvl7pPr>
-            <a:lvl8pPr marL="3200400" algn="l" defTabSz="914400" rtl="0" eaLnBrk="1" latinLnBrk="0" hangingPunct="1">
-              <a:defRPr sz="1800" kern="1200">
-                <a:solidFill>
-                  <a:schemeClr val="tx1"/>
-                </a:solidFill>
-                <a:latin typeface="+mn-lt"/>
-              </a:defRPr>
-            </a:lvl8pPr>
-            <a:lvl9pPr marL="3657600" algn="l" defTabSz="914400" rtl="0" eaLnBrk="1" latinLnBrk="0" hangingPunct="1">
-              <a:defRPr sz="1800" kern="1200">
-                <a:solidFill>
-                  <a:schemeClr val="tx1"/>
-                </a:solidFill>
-                <a:latin typeface="+mn-lt"/>
-              </a:defRPr>
-            </a:lvl9pPr>
-          </a:lstStyle>
-          <a:p>
-            <a:pPr algn="ctr"/>
-            <a:endParaRPr lang="en-US"/>
-          </a:p>
-        </p:txBody>
-      </p:sp>
-      <p:sp>
-        <p:nvSpPr>
-          <p:cNvPr id="67" name="椭圆 2"/>
-          <p:cNvSpPr/>
-          <p:nvPr>
-            <p:custDataLst>
-              <p:tags r:id="rId4"/>
-            </p:custDataLst>
-          </p:nvPr>
-        </p:nvSpPr>
-        <p:spPr>
-          <a:xfrm>
-            <a:off x="6323330" y="1622425"/>
-            <a:ext cx="4326890" cy="4326890"/>
-          </a:xfrm>
-          <a:prstGeom prst="ellipse">
-            <a:avLst/>
-          </a:prstGeom>
-          <a:gradFill>
-            <a:gsLst>
-              <a:gs pos="0">
-                <a:schemeClr val="accent1">
-                  <a:lumMod val="20000"/>
-                  <a:lumOff val="80000"/>
-                  <a:alpha val="0"/>
-                </a:schemeClr>
-              </a:gs>
-              <a:gs pos="100000">
-                <a:schemeClr val="accent1">
-                  <a:lumMod val="20000"/>
-                  <a:lumOff val="80000"/>
-                  <a:alpha val="51000"/>
-                </a:schemeClr>
-              </a:gs>
-            </a:gsLst>
-            <a:lin ang="16200000" scaled="0"/>
-          </a:gradFill>
-          <a:ln>
-            <a:noFill/>
-          </a:ln>
-          <a:effectLst/>
-        </p:spPr>
-        <p:style>
-          <a:lnRef idx="2">
-            <a:schemeClr val="accent1">
-              <a:shade val="50000"/>
-            </a:schemeClr>
-          </a:lnRef>
-          <a:fillRef idx="1">
-            <a:schemeClr val="accent1"/>
-          </a:fillRef>
-          <a:effectRef idx="0">
-            <a:schemeClr val="accent1"/>
-          </a:effectRef>
-          <a:fontRef idx="minor">
-            <a:schemeClr val="lt1"/>
-          </a:fontRef>
-        </p:style>
-        <p:txBody>
-          <a:bodyPr vertOverflow="overflow" horzOverflow="overflow" vert="horz" wrap="square" numCol="1" spcCol="0" rtlCol="0" fromWordArt="0" anchor="ctr" anchorCtr="0" forceAA="0" compatLnSpc="1">
-            <a:noAutofit/>
-          </a:bodyPr>
-          <a:lstStyle/>
-          <a:p>
-            <a:pPr lvl="0" algn="ctr">
-              <a:buClrTx/>
-              <a:buSzTx/>
-              <a:buFontTx/>
-            </a:pPr>
-            <a:endParaRPr lang="en-US">
-              <a:sym typeface="+mn-lt"/>
-            </a:endParaRPr>
-          </a:p>
-        </p:txBody>
-      </p:sp>
-      <p:sp>
-        <p:nvSpPr>
-          <p:cNvPr id="75" name="弧形 15"/>
-          <p:cNvSpPr/>
-          <p:nvPr>
-            <p:custDataLst>
-              <p:tags r:id="rId5"/>
-            </p:custDataLst>
-          </p:nvPr>
-        </p:nvSpPr>
-        <p:spPr>
-          <a:xfrm rot="14100000">
-            <a:off x="7115810" y="2402205"/>
-            <a:ext cx="2769235" cy="2769235"/>
-          </a:xfrm>
-          <a:prstGeom prst="arc">
-            <a:avLst>
-              <a:gd name="adj1" fmla="val 15835561"/>
-              <a:gd name="adj2" fmla="val 21121678"/>
-            </a:avLst>
-          </a:prstGeom>
-          <a:ln w="6350">
-            <a:gradFill>
-              <a:gsLst>
-                <a:gs pos="0">
-                  <a:schemeClr val="accent1">
-                    <a:alpha val="0"/>
-                  </a:schemeClr>
-                </a:gs>
-                <a:gs pos="60000">
-                  <a:schemeClr val="accent1"/>
-                </a:gs>
-              </a:gsLst>
-              <a:lin ang="5400000" scaled="1"/>
-            </a:gradFill>
-            <a:prstDash val="dash"/>
-            <a:tailEnd type="triangle"/>
-          </a:ln>
-          <a:effectLst>
-            <a:outerShdw blurRad="50800" dist="38100" dir="2700000" algn="tl" rotWithShape="0">
-              <a:schemeClr val="accent1">
-                <a:lumMod val="75000"/>
-                <a:alpha val="40000"/>
-              </a:schemeClr>
-            </a:outerShdw>
-          </a:effectLst>
-        </p:spPr>
-        <p:style>
-          <a:lnRef idx="1">
-            <a:schemeClr val="accent1"/>
-          </a:lnRef>
-          <a:fillRef idx="0">
-            <a:schemeClr val="accent1"/>
-          </a:fillRef>
-          <a:effectRef idx="0">
-            <a:schemeClr val="accent1"/>
-          </a:effectRef>
-          <a:fontRef idx="minor">
-            <a:schemeClr val="tx1"/>
-          </a:fontRef>
-        </p:style>
-        <p:txBody>
-          <a:bodyPr rtlCol="0" anchor="ctr"/>
-          <a:lstStyle>
-            <a:defPPr>
-              <a:defRPr lang="en-US"/>
-            </a:defPPr>
-            <a:lvl1pPr marL="0" algn="l" defTabSz="914400" rtl="0" eaLnBrk="1" latinLnBrk="0" hangingPunct="1">
-              <a:defRPr sz="1800" kern="1200">
-                <a:solidFill>
-                  <a:schemeClr val="tx1"/>
-                </a:solidFill>
-                <a:latin typeface="+mn-lt"/>
-              </a:defRPr>
-            </a:lvl1pPr>
-            <a:lvl2pPr marL="457200" algn="l" defTabSz="914400" rtl="0" eaLnBrk="1" latinLnBrk="0" hangingPunct="1">
-              <a:defRPr sz="1800" kern="1200">
-                <a:solidFill>
-                  <a:schemeClr val="tx1"/>
-                </a:solidFill>
-                <a:latin typeface="+mn-lt"/>
-              </a:defRPr>
-            </a:lvl2pPr>
-            <a:lvl3pPr marL="914400" algn="l" defTabSz="914400" rtl="0" eaLnBrk="1" latinLnBrk="0" hangingPunct="1">
-              <a:defRPr sz="1800" kern="1200">
-                <a:solidFill>
-                  <a:schemeClr val="tx1"/>
-                </a:solidFill>
-                <a:latin typeface="+mn-lt"/>
-              </a:defRPr>
-            </a:lvl3pPr>
-            <a:lvl4pPr marL="1371600" algn="l" defTabSz="914400" rtl="0" eaLnBrk="1" latinLnBrk="0" hangingPunct="1">
-              <a:defRPr sz="1800" kern="1200">
-                <a:solidFill>
-                  <a:schemeClr val="tx1"/>
-                </a:solidFill>
-                <a:latin typeface="+mn-lt"/>
-              </a:defRPr>
-            </a:lvl4pPr>
-            <a:lvl5pPr marL="1828800" algn="l" defTabSz="914400" rtl="0" eaLnBrk="1" latinLnBrk="0" hangingPunct="1">
-              <a:defRPr sz="1800" kern="1200">
-                <a:solidFill>
-                  <a:schemeClr val="tx1"/>
-                </a:solidFill>
-                <a:latin typeface="+mn-lt"/>
-              </a:defRPr>
-            </a:lvl5pPr>
-            <a:lvl6pPr marL="2286000" algn="l" defTabSz="914400" rtl="0" eaLnBrk="1" latinLnBrk="0" hangingPunct="1">
-              <a:defRPr sz="1800" kern="1200">
-                <a:solidFill>
-                  <a:schemeClr val="tx1"/>
-                </a:solidFill>
-                <a:latin typeface="+mn-lt"/>
-              </a:defRPr>
-            </a:lvl6pPr>
-            <a:lvl7pPr marL="2743200" algn="l" defTabSz="914400" rtl="0" eaLnBrk="1" latinLnBrk="0" hangingPunct="1">
-              <a:defRPr sz="1800" kern="1200">
-                <a:solidFill>
-                  <a:schemeClr val="tx1"/>
-                </a:solidFill>
-                <a:latin typeface="+mn-lt"/>
-              </a:defRPr>
-            </a:lvl7pPr>
-            <a:lvl8pPr marL="3200400" algn="l" defTabSz="914400" rtl="0" eaLnBrk="1" latinLnBrk="0" hangingPunct="1">
-              <a:defRPr sz="1800" kern="1200">
-                <a:solidFill>
-                  <a:schemeClr val="tx1"/>
-                </a:solidFill>
-                <a:latin typeface="+mn-lt"/>
-              </a:defRPr>
-            </a:lvl8pPr>
-            <a:lvl9pPr marL="3657600" algn="l" defTabSz="914400" rtl="0" eaLnBrk="1" latinLnBrk="0" hangingPunct="1">
-              <a:defRPr sz="1800" kern="1200">
-                <a:solidFill>
-                  <a:schemeClr val="tx1"/>
-                </a:solidFill>
-                <a:latin typeface="+mn-lt"/>
-              </a:defRPr>
-            </a:lvl9pPr>
-          </a:lstStyle>
-          <a:p>
-            <a:pPr algn="ctr"/>
-            <a:endParaRPr lang="en-US"/>
-          </a:p>
-        </p:txBody>
-      </p:sp>
-      <p:sp>
-        <p:nvSpPr>
-          <p:cNvPr id="76" name="椭圆 6"/>
-          <p:cNvSpPr/>
-          <p:nvPr>
-            <p:custDataLst>
-              <p:tags r:id="rId6"/>
-            </p:custDataLst>
-          </p:nvPr>
-        </p:nvSpPr>
-        <p:spPr>
-          <a:xfrm>
-            <a:off x="6858000" y="2024380"/>
-            <a:ext cx="3436620" cy="3437255"/>
-          </a:xfrm>
-          <a:prstGeom prst="ellipse">
-            <a:avLst/>
-          </a:prstGeom>
-          <a:noFill/>
-          <a:ln>
-            <a:solidFill>
-              <a:schemeClr val="accent1"/>
-            </a:solidFill>
-          </a:ln>
-          <a:effectLst>
-            <a:outerShdw blurRad="50800" dist="38100" dir="2700000" algn="tl" rotWithShape="0">
-              <a:schemeClr val="accent1">
-                <a:alpha val="40000"/>
-              </a:schemeClr>
-            </a:outerShdw>
-          </a:effectLst>
-        </p:spPr>
-        <p:style>
-          <a:lnRef idx="2">
-            <a:schemeClr val="accent1">
-              <a:shade val="50000"/>
-            </a:schemeClr>
-          </a:lnRef>
-          <a:fillRef idx="1">
-            <a:schemeClr val="accent1"/>
-          </a:fillRef>
-          <a:effectRef idx="0">
-            <a:schemeClr val="accent1"/>
-          </a:effectRef>
-          <a:fontRef idx="minor">
-            <a:schemeClr val="lt1"/>
-          </a:fontRef>
-        </p:style>
-        <p:txBody>
-          <a:bodyPr rtlCol="0" anchor="ctr"/>
-          <a:p>
-            <a:pPr algn="ctr"/>
-            <a:endParaRPr lang="en-US"/>
-          </a:p>
-        </p:txBody>
-      </p:sp>
       <p:grpSp>
         <p:nvGrpSpPr>
-          <p:cNvPr id="16" name="Group 15"/>
+          <p:cNvPr id="19" name="Group 18"/>
           <p:cNvGrpSpPr/>
           <p:nvPr/>
         </p:nvGrpSpPr>
         <p:grpSpPr>
-          <a:xfrm rot="0">
-            <a:off x="7031355" y="4674870"/>
-            <a:ext cx="762000" cy="762000"/>
-            <a:chOff x="11379" y="3952"/>
-            <a:chExt cx="1200" cy="1200"/>
+          <a:xfrm>
+            <a:off x="7023100" y="1807210"/>
+            <a:ext cx="3693160" cy="3693160"/>
+            <a:chOff x="11286" y="2555"/>
+            <a:chExt cx="6814" cy="6814"/>
           </a:xfrm>
         </p:grpSpPr>
-        <p:sp>
-          <p:nvSpPr>
-            <p:cNvPr id="9" name="Oval 8"/>
-            <p:cNvSpPr/>
+        <p:grpSp>
+          <p:nvGrpSpPr>
+            <p:cNvPr id="11" name="Group 10"/>
+            <p:cNvGrpSpPr/>
             <p:nvPr/>
-          </p:nvSpPr>
-          <p:spPr>
+          </p:nvGrpSpPr>
+          <p:grpSpPr>
             <a:xfrm>
-              <a:off x="11379" y="3952"/>
-              <a:ext cx="1201" cy="1201"/>
+              <a:off x="11286" y="2555"/>
+              <a:ext cx="6814" cy="6814"/>
+              <a:chOff x="9958" y="2555"/>
+              <a:chExt cx="6814" cy="6814"/>
             </a:xfrm>
-            <a:prstGeom prst="ellipse">
-              <a:avLst/>
-            </a:prstGeom>
-            <a:solidFill>
-              <a:schemeClr val="bg1">
-                <a:lumMod val="95000"/>
-              </a:schemeClr>
-            </a:solidFill>
-            <a:ln>
+          </p:grpSpPr>
+          <p:grpSp>
+            <p:nvGrpSpPr>
+              <p:cNvPr id="3" name="Group 2"/>
+              <p:cNvGrpSpPr/>
+              <p:nvPr/>
+            </p:nvGrpSpPr>
+            <p:grpSpPr>
+              <a:xfrm>
+                <a:off x="9958" y="2555"/>
+                <a:ext cx="6814" cy="6814"/>
+                <a:chOff x="9958" y="2555"/>
+                <a:chExt cx="6814" cy="6814"/>
+              </a:xfrm>
+            </p:grpSpPr>
+            <p:sp>
+              <p:nvSpPr>
+                <p:cNvPr id="67" name="椭圆 2"/>
+                <p:cNvSpPr/>
+                <p:nvPr>
+                  <p:custDataLst>
+                    <p:tags r:id="rId1"/>
+                  </p:custDataLst>
+                </p:nvPr>
+              </p:nvSpPr>
+              <p:spPr>
+                <a:xfrm>
+                  <a:off x="9958" y="2555"/>
+                  <a:ext cx="6814" cy="6814"/>
+                </a:xfrm>
+                <a:prstGeom prst="ellipse">
+                  <a:avLst/>
+                </a:prstGeom>
+                <a:gradFill>
+                  <a:gsLst>
+                    <a:gs pos="0">
+                      <a:schemeClr val="accent1">
+                        <a:lumMod val="20000"/>
+                        <a:lumOff val="80000"/>
+                        <a:alpha val="0"/>
+                      </a:schemeClr>
+                    </a:gs>
+                    <a:gs pos="100000">
+                      <a:schemeClr val="accent1">
+                        <a:lumMod val="20000"/>
+                        <a:lumOff val="80000"/>
+                        <a:alpha val="51000"/>
+                      </a:schemeClr>
+                    </a:gs>
+                  </a:gsLst>
+                  <a:lin ang="16200000" scaled="0"/>
+                </a:gradFill>
+                <a:ln>
+                  <a:noFill/>
+                </a:ln>
+                <a:effectLst/>
+              </p:spPr>
+              <p:style>
+                <a:lnRef idx="2">
+                  <a:schemeClr val="accent1">
+                    <a:shade val="50000"/>
+                  </a:schemeClr>
+                </a:lnRef>
+                <a:fillRef idx="1">
+                  <a:schemeClr val="accent1"/>
+                </a:fillRef>
+                <a:effectRef idx="0">
+                  <a:schemeClr val="accent1"/>
+                </a:effectRef>
+                <a:fontRef idx="minor">
+                  <a:schemeClr val="lt1"/>
+                </a:fontRef>
+              </p:style>
+              <p:txBody>
+                <a:bodyPr vertOverflow="overflow" horzOverflow="overflow" vert="horz" wrap="square" numCol="1" spcCol="0" rtlCol="0" fromWordArt="0" anchor="ctr" anchorCtr="0" forceAA="0" compatLnSpc="1">
+                  <a:noAutofit/>
+                </a:bodyPr>
+                <a:lstStyle/>
+                <a:p>
+                  <a:pPr lvl="0" algn="ctr">
+                    <a:buClrTx/>
+                    <a:buSzTx/>
+                    <a:buFontTx/>
+                  </a:pPr>
+                  <a:endParaRPr lang="en-US">
+                    <a:sym typeface="+mn-lt"/>
+                  </a:endParaRPr>
+                </a:p>
+              </p:txBody>
+            </p:sp>
+            <p:sp>
+              <p:nvSpPr>
+                <p:cNvPr id="76" name="椭圆 6"/>
+                <p:cNvSpPr/>
+                <p:nvPr>
+                  <p:custDataLst>
+                    <p:tags r:id="rId2"/>
+                  </p:custDataLst>
+                </p:nvPr>
+              </p:nvSpPr>
+              <p:spPr>
+                <a:xfrm>
+                  <a:off x="10800" y="3188"/>
+                  <a:ext cx="5412" cy="5413"/>
+                </a:xfrm>
+                <a:prstGeom prst="ellipse">
+                  <a:avLst/>
+                </a:prstGeom>
+                <a:noFill/>
+                <a:ln>
+                  <a:solidFill>
+                    <a:schemeClr val="accent1"/>
+                  </a:solidFill>
+                </a:ln>
+                <a:effectLst>
+                  <a:outerShdw blurRad="50800" dist="38100" dir="2700000" algn="tl" rotWithShape="0">
+                    <a:schemeClr val="accent1">
+                      <a:alpha val="40000"/>
+                    </a:schemeClr>
+                  </a:outerShdw>
+                </a:effectLst>
+              </p:spPr>
+              <p:style>
+                <a:lnRef idx="2">
+                  <a:schemeClr val="accent1">
+                    <a:shade val="50000"/>
+                  </a:schemeClr>
+                </a:lnRef>
+                <a:fillRef idx="1">
+                  <a:schemeClr val="accent1"/>
+                </a:fillRef>
+                <a:effectRef idx="0">
+                  <a:schemeClr val="accent1"/>
+                </a:effectRef>
+                <a:fontRef idx="minor">
+                  <a:schemeClr val="lt1"/>
+                </a:fontRef>
+              </p:style>
+              <p:txBody>
+                <a:bodyPr rtlCol="0" anchor="ctr"/>
+                <a:p>
+                  <a:pPr algn="ctr"/>
+                  <a:endParaRPr lang="en-US"/>
+                </a:p>
+              </p:txBody>
+            </p:sp>
+          </p:grpSp>
+          <p:grpSp>
+            <p:nvGrpSpPr>
+              <p:cNvPr id="5" name="Group 4"/>
+              <p:cNvGrpSpPr/>
+              <p:nvPr/>
+            </p:nvGrpSpPr>
+            <p:grpSpPr>
+              <a:xfrm>
+                <a:off x="11073" y="2724"/>
+                <a:ext cx="5516" cy="5838"/>
+                <a:chOff x="11073" y="2724"/>
+                <a:chExt cx="5516" cy="5838"/>
+              </a:xfrm>
+            </p:grpSpPr>
+            <p:grpSp>
+              <p:nvGrpSpPr>
+                <p:cNvPr id="16" name="Group 15"/>
+                <p:cNvGrpSpPr/>
+                <p:nvPr/>
+              </p:nvGrpSpPr>
+              <p:grpSpPr>
+                <a:xfrm rot="0">
+                  <a:off x="11073" y="7362"/>
+                  <a:ext cx="1200" cy="1200"/>
+                  <a:chOff x="11379" y="3952"/>
+                  <a:chExt cx="1200" cy="1200"/>
+                </a:xfrm>
+              </p:grpSpPr>
+              <p:sp>
+                <p:nvSpPr>
+                  <p:cNvPr id="9" name="Oval 8"/>
+                  <p:cNvSpPr/>
+                  <p:nvPr/>
+                </p:nvSpPr>
+                <p:spPr>
+                  <a:xfrm>
+                    <a:off x="11379" y="3952"/>
+                    <a:ext cx="1201" cy="1201"/>
+                  </a:xfrm>
+                  <a:prstGeom prst="ellipse">
+                    <a:avLst/>
+                  </a:prstGeom>
+                  <a:solidFill>
+                    <a:schemeClr val="bg1">
+                      <a:lumMod val="95000"/>
+                    </a:schemeClr>
+                  </a:solidFill>
+                  <a:ln>
+                    <a:solidFill>
+                      <a:schemeClr val="bg1">
+                        <a:lumMod val="85000"/>
+                      </a:schemeClr>
+                    </a:solidFill>
+                  </a:ln>
+                </p:spPr>
+                <p:style>
+                  <a:lnRef idx="2">
+                    <a:schemeClr val="accent1">
+                      <a:lumMod val="75000"/>
+                    </a:schemeClr>
+                  </a:lnRef>
+                  <a:fillRef idx="1">
+                    <a:schemeClr val="accent1"/>
+                  </a:fillRef>
+                  <a:effectRef idx="0">
+                    <a:srgbClr val="FFFFFF"/>
+                  </a:effectRef>
+                  <a:fontRef idx="minor">
+                    <a:schemeClr val="lt1"/>
+                  </a:fontRef>
+                </p:style>
+                <p:txBody>
+                  <a:bodyPr rtlCol="0" anchor="ctr"/>
+                  <a:p>
+                    <a:pPr algn="ctr"/>
+                    <a:endParaRPr lang="en-GB" altLang="en-US"/>
+                  </a:p>
+                </p:txBody>
+              </p:sp>
+              <p:pic>
+                <p:nvPicPr>
+                  <p:cNvPr id="13" name="Picture 12" descr="speedometer-svgrepo-com"/>
+                  <p:cNvPicPr>
+                    <a:picLocks noChangeAspect="1"/>
+                  </p:cNvPicPr>
+                  <p:nvPr/>
+                </p:nvPicPr>
+                <p:blipFill>
+                  <a:blip r:embed="rId3">
+                    <a:extLst>
+                      <a:ext uri="{96DAC541-7B7A-43D3-8B79-37D633B846F1}">
+                        <asvg:svgBlip xmlns:asvg="http://schemas.microsoft.com/office/drawing/2016/SVG/main" r:embed="rId4"/>
+                      </a:ext>
+                    </a:extLst>
+                  </a:blip>
+                  <a:stretch>
+                    <a:fillRect/>
+                  </a:stretch>
+                </p:blipFill>
+                <p:spPr>
+                  <a:xfrm>
+                    <a:off x="11639" y="4212"/>
+                    <a:ext cx="680" cy="680"/>
+                  </a:xfrm>
+                  <a:prstGeom prst="rect">
+                    <a:avLst/>
+                  </a:prstGeom>
+                </p:spPr>
+              </p:pic>
+            </p:grpSp>
+            <p:grpSp>
+              <p:nvGrpSpPr>
+                <p:cNvPr id="15" name="Group 14"/>
+                <p:cNvGrpSpPr/>
+                <p:nvPr/>
+              </p:nvGrpSpPr>
+              <p:grpSpPr>
+                <a:xfrm rot="0">
+                  <a:off x="15389" y="6078"/>
+                  <a:ext cx="1200" cy="1200"/>
+                  <a:chOff x="9600" y="5153"/>
+                  <a:chExt cx="1200" cy="1200"/>
+                </a:xfrm>
+              </p:grpSpPr>
+              <p:sp>
+                <p:nvSpPr>
+                  <p:cNvPr id="8" name="Oval 7"/>
+                  <p:cNvSpPr/>
+                  <p:nvPr/>
+                </p:nvSpPr>
+                <p:spPr>
+                  <a:xfrm>
+                    <a:off x="9600" y="5153"/>
+                    <a:ext cx="1201" cy="1201"/>
+                  </a:xfrm>
+                  <a:prstGeom prst="ellipse">
+                    <a:avLst/>
+                  </a:prstGeom>
+                  <a:solidFill>
+                    <a:schemeClr val="bg1">
+                      <a:lumMod val="95000"/>
+                    </a:schemeClr>
+                  </a:solidFill>
+                  <a:ln>
+                    <a:solidFill>
+                      <a:schemeClr val="bg1">
+                        <a:lumMod val="85000"/>
+                      </a:schemeClr>
+                    </a:solidFill>
+                  </a:ln>
+                </p:spPr>
+                <p:style>
+                  <a:lnRef idx="2">
+                    <a:schemeClr val="accent1">
+                      <a:lumMod val="75000"/>
+                    </a:schemeClr>
+                  </a:lnRef>
+                  <a:fillRef idx="1">
+                    <a:schemeClr val="accent1"/>
+                  </a:fillRef>
+                  <a:effectRef idx="0">
+                    <a:srgbClr val="FFFFFF"/>
+                  </a:effectRef>
+                  <a:fontRef idx="minor">
+                    <a:schemeClr val="lt1"/>
+                  </a:fontRef>
+                </p:style>
+                <p:txBody>
+                  <a:bodyPr rtlCol="0" anchor="ctr"/>
+                  <a:p>
+                    <a:pPr algn="ctr"/>
+                    <a:endParaRPr lang="en-GB" altLang="en-US"/>
+                  </a:p>
+                </p:txBody>
+              </p:sp>
+              <p:pic>
+                <p:nvPicPr>
+                  <p:cNvPr id="12" name="Picture 11" descr="lock-alt-svgrepo-com"/>
+                  <p:cNvPicPr>
+                    <a:picLocks noChangeAspect="1"/>
+                  </p:cNvPicPr>
+                  <p:nvPr/>
+                </p:nvPicPr>
+                <p:blipFill>
+                  <a:blip r:embed="rId5">
+                    <a:extLst>
+                      <a:ext uri="{96DAC541-7B7A-43D3-8B79-37D633B846F1}">
+                        <asvg:svgBlip xmlns:asvg="http://schemas.microsoft.com/office/drawing/2016/SVG/main" r:embed="rId6"/>
+                      </a:ext>
+                    </a:extLst>
+                  </a:blip>
+                  <a:stretch>
+                    <a:fillRect/>
+                  </a:stretch>
+                </p:blipFill>
+                <p:spPr>
+                  <a:xfrm>
+                    <a:off x="9875" y="5413"/>
+                    <a:ext cx="680" cy="680"/>
+                  </a:xfrm>
+                  <a:prstGeom prst="rect">
+                    <a:avLst/>
+                  </a:prstGeom>
+                </p:spPr>
+              </p:pic>
+            </p:grpSp>
+            <p:grpSp>
+              <p:nvGrpSpPr>
+                <p:cNvPr id="17" name="Group 16"/>
+                <p:cNvGrpSpPr/>
+                <p:nvPr/>
+              </p:nvGrpSpPr>
+              <p:grpSpPr>
+                <a:xfrm rot="0">
+                  <a:off x="12210" y="2724"/>
+                  <a:ext cx="1200" cy="1200"/>
+                  <a:chOff x="11379" y="6354"/>
+                  <a:chExt cx="1200" cy="1200"/>
+                </a:xfrm>
+              </p:grpSpPr>
+              <p:sp>
+                <p:nvSpPr>
+                  <p:cNvPr id="10" name="Oval 9"/>
+                  <p:cNvSpPr/>
+                  <p:nvPr/>
+                </p:nvSpPr>
+                <p:spPr>
+                  <a:xfrm>
+                    <a:off x="11379" y="6354"/>
+                    <a:ext cx="1201" cy="1201"/>
+                  </a:xfrm>
+                  <a:prstGeom prst="ellipse">
+                    <a:avLst/>
+                  </a:prstGeom>
+                  <a:solidFill>
+                    <a:schemeClr val="bg1">
+                      <a:lumMod val="95000"/>
+                    </a:schemeClr>
+                  </a:solidFill>
+                  <a:ln>
+                    <a:solidFill>
+                      <a:schemeClr val="bg1">
+                        <a:lumMod val="85000"/>
+                      </a:schemeClr>
+                    </a:solidFill>
+                  </a:ln>
+                </p:spPr>
+                <p:style>
+                  <a:lnRef idx="2">
+                    <a:schemeClr val="accent1">
+                      <a:lumMod val="75000"/>
+                    </a:schemeClr>
+                  </a:lnRef>
+                  <a:fillRef idx="1">
+                    <a:schemeClr val="accent1"/>
+                  </a:fillRef>
+                  <a:effectRef idx="0">
+                    <a:srgbClr val="FFFFFF"/>
+                  </a:effectRef>
+                  <a:fontRef idx="minor">
+                    <a:schemeClr val="lt1"/>
+                  </a:fontRef>
+                </p:style>
+                <p:txBody>
+                  <a:bodyPr rtlCol="0" anchor="ctr"/>
+                  <a:p>
+                    <a:pPr algn="ctr"/>
+                    <a:endParaRPr lang="en-GB" altLang="en-US"/>
+                  </a:p>
+                </p:txBody>
+              </p:sp>
+              <p:pic>
+                <p:nvPicPr>
+                  <p:cNvPr id="14" name="Picture 13" descr="cloud-download-svgrepo-com"/>
+                  <p:cNvPicPr>
+                    <a:picLocks noChangeAspect="1"/>
+                  </p:cNvPicPr>
+                  <p:nvPr/>
+                </p:nvPicPr>
+                <p:blipFill>
+                  <a:blip r:embed="rId7">
+                    <a:extLst>
+                      <a:ext uri="{96DAC541-7B7A-43D3-8B79-37D633B846F1}">
+                        <asvg:svgBlip xmlns:asvg="http://schemas.microsoft.com/office/drawing/2016/SVG/main" r:embed="rId8"/>
+                      </a:ext>
+                    </a:extLst>
+                  </a:blip>
+                  <a:stretch>
+                    <a:fillRect/>
+                  </a:stretch>
+                </p:blipFill>
+                <p:spPr>
+                  <a:xfrm>
+                    <a:off x="11639" y="6614"/>
+                    <a:ext cx="680" cy="680"/>
+                  </a:xfrm>
+                  <a:prstGeom prst="rect">
+                    <a:avLst/>
+                  </a:prstGeom>
+                </p:spPr>
+              </p:pic>
+            </p:grpSp>
+          </p:grpSp>
+        </p:grpSp>
+        <p:grpSp>
+          <p:nvGrpSpPr>
+            <p:cNvPr id="18" name="Group 17"/>
+            <p:cNvGrpSpPr/>
+            <p:nvPr/>
+          </p:nvGrpSpPr>
+          <p:grpSpPr>
+            <a:xfrm>
+              <a:off x="12503" y="3782"/>
+              <a:ext cx="4381" cy="4361"/>
+              <a:chOff x="11185" y="3782"/>
+              <a:chExt cx="4381" cy="4361"/>
+            </a:xfrm>
+          </p:grpSpPr>
+          <p:sp>
+            <p:nvSpPr>
+              <p:cNvPr id="68" name="椭圆 4"/>
+              <p:cNvSpPr/>
+              <p:nvPr>
+                <p:custDataLst>
+                  <p:tags r:id="rId9"/>
+                </p:custDataLst>
+              </p:nvPr>
+            </p:nvSpPr>
+            <p:spPr>
+              <a:xfrm>
+                <a:off x="11595" y="4192"/>
+                <a:ext cx="3540" cy="3540"/>
+              </a:xfrm>
+              <a:prstGeom prst="ellipse">
+                <a:avLst/>
+              </a:prstGeom>
               <a:solidFill>
-                <a:schemeClr val="bg1">
-                  <a:lumMod val="85000"/>
+                <a:schemeClr val="accent1">
+                  <a:lumMod val="20000"/>
+                  <a:lumOff val="80000"/>
+                  <a:alpha val="60000"/>
                 </a:schemeClr>
               </a:solidFill>
-            </a:ln>
-          </p:spPr>
-          <p:style>
-            <a:lnRef idx="2">
-              <a:schemeClr val="accent1">
-                <a:lumMod val="75000"/>
-              </a:schemeClr>
-            </a:lnRef>
-            <a:fillRef idx="1">
-              <a:schemeClr val="accent1"/>
-            </a:fillRef>
-            <a:effectRef idx="0">
-              <a:srgbClr val="FFFFFF"/>
-            </a:effectRef>
-            <a:fontRef idx="minor">
-              <a:schemeClr val="lt1"/>
-            </a:fontRef>
-          </p:style>
-          <p:txBody>
-            <a:bodyPr rtlCol="0" anchor="ctr"/>
-            <a:p>
-              <a:pPr algn="ctr"/>
-              <a:endParaRPr lang="en-GB" altLang="en-US"/>
-            </a:p>
-          </p:txBody>
-        </p:sp>
-        <p:pic>
-          <p:nvPicPr>
-            <p:cNvPr id="13" name="Picture 12" descr="speedometer-svgrepo-com"/>
-            <p:cNvPicPr>
-              <a:picLocks noChangeAspect="1"/>
-            </p:cNvPicPr>
-            <p:nvPr/>
-          </p:nvPicPr>
-          <p:blipFill>
-            <a:blip r:embed="rId7">
-              <a:extLst>
-                <a:ext uri="{96DAC541-7B7A-43D3-8B79-37D633B846F1}">
-                  <asvg:svgBlip xmlns:asvg="http://schemas.microsoft.com/office/drawing/2016/SVG/main" r:embed="rId8"/>
-                </a:ext>
-              </a:extLst>
-            </a:blip>
-            <a:stretch>
-              <a:fillRect/>
-            </a:stretch>
-          </p:blipFill>
-          <p:spPr>
-            <a:xfrm>
-              <a:off x="11639" y="4212"/>
-              <a:ext cx="680" cy="680"/>
-            </a:xfrm>
-            <a:prstGeom prst="rect">
-              <a:avLst/>
-            </a:prstGeom>
-          </p:spPr>
-        </p:pic>
-      </p:grpSp>
-      <p:grpSp>
-        <p:nvGrpSpPr>
-          <p:cNvPr id="15" name="Group 14"/>
-          <p:cNvGrpSpPr/>
-          <p:nvPr/>
-        </p:nvGrpSpPr>
-        <p:grpSpPr>
-          <a:xfrm rot="0">
-            <a:off x="9772015" y="3859530"/>
-            <a:ext cx="762000" cy="762000"/>
-            <a:chOff x="9600" y="5153"/>
-            <a:chExt cx="1200" cy="1200"/>
-          </a:xfrm>
-        </p:grpSpPr>
-        <p:sp>
-          <p:nvSpPr>
-            <p:cNvPr id="8" name="Oval 7"/>
-            <p:cNvSpPr/>
-            <p:nvPr/>
-          </p:nvSpPr>
-          <p:spPr>
-            <a:xfrm>
-              <a:off x="9600" y="5153"/>
-              <a:ext cx="1201" cy="1201"/>
-            </a:xfrm>
-            <a:prstGeom prst="ellipse">
-              <a:avLst/>
-            </a:prstGeom>
-            <a:solidFill>
-              <a:schemeClr val="bg1">
-                <a:lumMod val="95000"/>
-              </a:schemeClr>
-            </a:solidFill>
-            <a:ln>
-              <a:solidFill>
-                <a:schemeClr val="bg1">
-                  <a:lumMod val="85000"/>
+              <a:ln>
+                <a:noFill/>
+              </a:ln>
+              <a:effectLst/>
+            </p:spPr>
+            <p:style>
+              <a:lnRef idx="2">
+                <a:schemeClr val="accent1">
+                  <a:shade val="50000"/>
                 </a:schemeClr>
-              </a:solidFill>
-            </a:ln>
-          </p:spPr>
-          <p:style>
-            <a:lnRef idx="2">
-              <a:schemeClr val="accent1">
-                <a:lumMod val="75000"/>
-              </a:schemeClr>
-            </a:lnRef>
-            <a:fillRef idx="1">
-              <a:schemeClr val="accent1"/>
-            </a:fillRef>
-            <a:effectRef idx="0">
-              <a:srgbClr val="FFFFFF"/>
-            </a:effectRef>
-            <a:fontRef idx="minor">
-              <a:schemeClr val="lt1"/>
-            </a:fontRef>
-          </p:style>
-          <p:txBody>
-            <a:bodyPr rtlCol="0" anchor="ctr"/>
-            <a:p>
-              <a:pPr algn="ctr"/>
-              <a:endParaRPr lang="en-GB" altLang="en-US"/>
-            </a:p>
-          </p:txBody>
-        </p:sp>
-        <p:pic>
-          <p:nvPicPr>
-            <p:cNvPr id="12" name="Picture 11" descr="lock-alt-svgrepo-com"/>
-            <p:cNvPicPr>
-              <a:picLocks noChangeAspect="1"/>
-            </p:cNvPicPr>
-            <p:nvPr/>
-          </p:nvPicPr>
-          <p:blipFill>
-            <a:blip r:embed="rId9">
-              <a:extLst>
-                <a:ext uri="{96DAC541-7B7A-43D3-8B79-37D633B846F1}">
-                  <asvg:svgBlip xmlns:asvg="http://schemas.microsoft.com/office/drawing/2016/SVG/main" r:embed="rId10"/>
-                </a:ext>
-              </a:extLst>
-            </a:blip>
-            <a:stretch>
-              <a:fillRect/>
-            </a:stretch>
-          </p:blipFill>
-          <p:spPr>
-            <a:xfrm>
-              <a:off x="9875" y="5413"/>
-              <a:ext cx="680" cy="680"/>
-            </a:xfrm>
-            <a:prstGeom prst="rect">
-              <a:avLst/>
-            </a:prstGeom>
-          </p:spPr>
-        </p:pic>
-      </p:grpSp>
-      <p:grpSp>
-        <p:nvGrpSpPr>
-          <p:cNvPr id="17" name="Group 16"/>
-          <p:cNvGrpSpPr/>
-          <p:nvPr/>
-        </p:nvGrpSpPr>
-        <p:grpSpPr>
-          <a:xfrm rot="0">
-            <a:off x="7753350" y="1729740"/>
-            <a:ext cx="762000" cy="762000"/>
-            <a:chOff x="11379" y="6354"/>
-            <a:chExt cx="1200" cy="1200"/>
-          </a:xfrm>
-        </p:grpSpPr>
-        <p:sp>
-          <p:nvSpPr>
-            <p:cNvPr id="10" name="Oval 9"/>
-            <p:cNvSpPr/>
-            <p:nvPr/>
-          </p:nvSpPr>
-          <p:spPr>
-            <a:xfrm>
-              <a:off x="11379" y="6354"/>
-              <a:ext cx="1201" cy="1201"/>
-            </a:xfrm>
-            <a:prstGeom prst="ellipse">
-              <a:avLst/>
-            </a:prstGeom>
-            <a:solidFill>
-              <a:schemeClr val="bg1">
-                <a:lumMod val="95000"/>
-              </a:schemeClr>
-            </a:solidFill>
-            <a:ln>
-              <a:solidFill>
-                <a:schemeClr val="bg1">
-                  <a:lumMod val="85000"/>
-                </a:schemeClr>
-              </a:solidFill>
-            </a:ln>
-          </p:spPr>
-          <p:style>
-            <a:lnRef idx="2">
-              <a:schemeClr val="accent1">
-                <a:lumMod val="75000"/>
-              </a:schemeClr>
-            </a:lnRef>
-            <a:fillRef idx="1">
-              <a:schemeClr val="accent1"/>
-            </a:fillRef>
-            <a:effectRef idx="0">
-              <a:srgbClr val="FFFFFF"/>
-            </a:effectRef>
-            <a:fontRef idx="minor">
-              <a:schemeClr val="lt1"/>
-            </a:fontRef>
-          </p:style>
-          <p:txBody>
-            <a:bodyPr rtlCol="0" anchor="ctr"/>
-            <a:p>
-              <a:pPr algn="ctr"/>
-              <a:endParaRPr lang="en-GB" altLang="en-US"/>
-            </a:p>
-          </p:txBody>
-        </p:sp>
-        <p:pic>
-          <p:nvPicPr>
-            <p:cNvPr id="14" name="Picture 13" descr="cloud-download-svgrepo-com"/>
-            <p:cNvPicPr>
-              <a:picLocks noChangeAspect="1"/>
-            </p:cNvPicPr>
-            <p:nvPr/>
-          </p:nvPicPr>
-          <p:blipFill>
-            <a:blip r:embed="rId11">
-              <a:extLst>
-                <a:ext uri="{96DAC541-7B7A-43D3-8B79-37D633B846F1}">
-                  <asvg:svgBlip xmlns:asvg="http://schemas.microsoft.com/office/drawing/2016/SVG/main" r:embed="rId12"/>
-                </a:ext>
-              </a:extLst>
-            </a:blip>
-            <a:stretch>
-              <a:fillRect/>
-            </a:stretch>
-          </p:blipFill>
-          <p:spPr>
-            <a:xfrm>
-              <a:off x="11639" y="6614"/>
-              <a:ext cx="680" cy="680"/>
-            </a:xfrm>
-            <a:prstGeom prst="rect">
-              <a:avLst/>
-            </a:prstGeom>
-          </p:spPr>
-        </p:pic>
+              </a:lnRef>
+              <a:fillRef idx="1">
+                <a:schemeClr val="accent1"/>
+              </a:fillRef>
+              <a:effectRef idx="0">
+                <a:schemeClr val="accent1"/>
+              </a:effectRef>
+              <a:fontRef idx="minor">
+                <a:schemeClr val="lt1"/>
+              </a:fontRef>
+            </p:style>
+            <p:txBody>
+              <a:bodyPr vertOverflow="overflow" horzOverflow="overflow" vert="horz" wrap="square" numCol="1" spcCol="0" rtlCol="0" fromWordArt="0" anchor="ctr" anchorCtr="0" forceAA="0" compatLnSpc="1">
+                <a:noAutofit/>
+              </a:bodyPr>
+              <a:lstStyle/>
+              <a:p>
+                <a:pPr lvl="0" algn="ctr">
+                  <a:buClrTx/>
+                  <a:buSzTx/>
+                  <a:buFontTx/>
+                </a:pPr>
+                <a:endParaRPr lang="en-US">
+                  <a:sym typeface="+mn-lt"/>
+                </a:endParaRPr>
+              </a:p>
+            </p:txBody>
+          </p:sp>
+          <p:sp>
+            <p:nvSpPr>
+              <p:cNvPr id="73" name="弧形 13"/>
+              <p:cNvSpPr/>
+              <p:nvPr>
+                <p:custDataLst>
+                  <p:tags r:id="rId10"/>
+                </p:custDataLst>
+              </p:nvPr>
+            </p:nvSpPr>
+            <p:spPr>
+              <a:xfrm rot="7200000">
+                <a:off x="11185" y="3782"/>
+                <a:ext cx="4361" cy="4361"/>
+              </a:xfrm>
+              <a:prstGeom prst="arc">
+                <a:avLst>
+                  <a:gd name="adj1" fmla="val 15835561"/>
+                  <a:gd name="adj2" fmla="val 21121678"/>
+                </a:avLst>
+              </a:prstGeom>
+              <a:ln w="6350">
+                <a:gradFill>
+                  <a:gsLst>
+                    <a:gs pos="0">
+                      <a:schemeClr val="accent1">
+                        <a:alpha val="0"/>
+                      </a:schemeClr>
+                    </a:gs>
+                    <a:gs pos="60000">
+                      <a:schemeClr val="accent1"/>
+                    </a:gs>
+                  </a:gsLst>
+                  <a:lin ang="5400000" scaled="1"/>
+                </a:gradFill>
+                <a:prstDash val="dash"/>
+                <a:tailEnd type="triangle"/>
+              </a:ln>
+              <a:effectLst>
+                <a:outerShdw blurRad="50800" dist="38100" dir="2700000" algn="tl" rotWithShape="0">
+                  <a:schemeClr val="accent1">
+                    <a:lumMod val="75000"/>
+                    <a:alpha val="40000"/>
+                  </a:schemeClr>
+                </a:outerShdw>
+              </a:effectLst>
+            </p:spPr>
+            <p:style>
+              <a:lnRef idx="1">
+                <a:schemeClr val="accent1"/>
+              </a:lnRef>
+              <a:fillRef idx="0">
+                <a:schemeClr val="accent1"/>
+              </a:fillRef>
+              <a:effectRef idx="0">
+                <a:schemeClr val="accent1"/>
+              </a:effectRef>
+              <a:fontRef idx="minor">
+                <a:schemeClr val="tx1"/>
+              </a:fontRef>
+            </p:style>
+            <p:txBody>
+              <a:bodyPr rtlCol="0" anchor="ctr"/>
+              <a:lstStyle>
+                <a:defPPr>
+                  <a:defRPr lang="en-US"/>
+                </a:defPPr>
+                <a:lvl1pPr marL="0" algn="l" defTabSz="914400" rtl="0" eaLnBrk="1" latinLnBrk="0" hangingPunct="1">
+                  <a:defRPr sz="1800" kern="1200">
+                    <a:solidFill>
+                      <a:schemeClr val="tx1"/>
+                    </a:solidFill>
+                    <a:latin typeface="+mn-lt"/>
+                  </a:defRPr>
+                </a:lvl1pPr>
+                <a:lvl2pPr marL="457200" algn="l" defTabSz="914400" rtl="0" eaLnBrk="1" latinLnBrk="0" hangingPunct="1">
+                  <a:defRPr sz="1800" kern="1200">
+                    <a:solidFill>
+                      <a:schemeClr val="tx1"/>
+                    </a:solidFill>
+                    <a:latin typeface="+mn-lt"/>
+                  </a:defRPr>
+                </a:lvl2pPr>
+                <a:lvl3pPr marL="914400" algn="l" defTabSz="914400" rtl="0" eaLnBrk="1" latinLnBrk="0" hangingPunct="1">
+                  <a:defRPr sz="1800" kern="1200">
+                    <a:solidFill>
+                      <a:schemeClr val="tx1"/>
+                    </a:solidFill>
+                    <a:latin typeface="+mn-lt"/>
+                  </a:defRPr>
+                </a:lvl3pPr>
+                <a:lvl4pPr marL="1371600" algn="l" defTabSz="914400" rtl="0" eaLnBrk="1" latinLnBrk="0" hangingPunct="1">
+                  <a:defRPr sz="1800" kern="1200">
+                    <a:solidFill>
+                      <a:schemeClr val="tx1"/>
+                    </a:solidFill>
+                    <a:latin typeface="+mn-lt"/>
+                  </a:defRPr>
+                </a:lvl4pPr>
+                <a:lvl5pPr marL="1828800" algn="l" defTabSz="914400" rtl="0" eaLnBrk="1" latinLnBrk="0" hangingPunct="1">
+                  <a:defRPr sz="1800" kern="1200">
+                    <a:solidFill>
+                      <a:schemeClr val="tx1"/>
+                    </a:solidFill>
+                    <a:latin typeface="+mn-lt"/>
+                  </a:defRPr>
+                </a:lvl5pPr>
+                <a:lvl6pPr marL="2286000" algn="l" defTabSz="914400" rtl="0" eaLnBrk="1" latinLnBrk="0" hangingPunct="1">
+                  <a:defRPr sz="1800" kern="1200">
+                    <a:solidFill>
+                      <a:schemeClr val="tx1"/>
+                    </a:solidFill>
+                    <a:latin typeface="+mn-lt"/>
+                  </a:defRPr>
+                </a:lvl6pPr>
+                <a:lvl7pPr marL="2743200" algn="l" defTabSz="914400" rtl="0" eaLnBrk="1" latinLnBrk="0" hangingPunct="1">
+                  <a:defRPr sz="1800" kern="1200">
+                    <a:solidFill>
+                      <a:schemeClr val="tx1"/>
+                    </a:solidFill>
+                    <a:latin typeface="+mn-lt"/>
+                  </a:defRPr>
+                </a:lvl7pPr>
+                <a:lvl8pPr marL="3200400" algn="l" defTabSz="914400" rtl="0" eaLnBrk="1" latinLnBrk="0" hangingPunct="1">
+                  <a:defRPr sz="1800" kern="1200">
+                    <a:solidFill>
+                      <a:schemeClr val="tx1"/>
+                    </a:solidFill>
+                    <a:latin typeface="+mn-lt"/>
+                  </a:defRPr>
+                </a:lvl8pPr>
+                <a:lvl9pPr marL="3657600" algn="l" defTabSz="914400" rtl="0" eaLnBrk="1" latinLnBrk="0" hangingPunct="1">
+                  <a:defRPr sz="1800" kern="1200">
+                    <a:solidFill>
+                      <a:schemeClr val="tx1"/>
+                    </a:solidFill>
+                    <a:latin typeface="+mn-lt"/>
+                  </a:defRPr>
+                </a:lvl9pPr>
+              </a:lstStyle>
+              <a:p>
+                <a:pPr algn="ctr"/>
+                <a:endParaRPr lang="en-US"/>
+              </a:p>
+            </p:txBody>
+          </p:sp>
+          <p:sp>
+            <p:nvSpPr>
+              <p:cNvPr id="74" name="弧形 14"/>
+              <p:cNvSpPr/>
+              <p:nvPr>
+                <p:custDataLst>
+                  <p:tags r:id="rId11"/>
+                </p:custDataLst>
+              </p:nvPr>
+            </p:nvSpPr>
+            <p:spPr>
+              <a:xfrm rot="20880000">
+                <a:off x="11206" y="3783"/>
+                <a:ext cx="4361" cy="4361"/>
+              </a:xfrm>
+              <a:prstGeom prst="arc">
+                <a:avLst>
+                  <a:gd name="adj1" fmla="val 15835561"/>
+                  <a:gd name="adj2" fmla="val 21121678"/>
+                </a:avLst>
+              </a:prstGeom>
+              <a:ln w="6350">
+                <a:gradFill>
+                  <a:gsLst>
+                    <a:gs pos="0">
+                      <a:schemeClr val="accent1">
+                        <a:alpha val="0"/>
+                      </a:schemeClr>
+                    </a:gs>
+                    <a:gs pos="60000">
+                      <a:schemeClr val="accent1"/>
+                    </a:gs>
+                  </a:gsLst>
+                  <a:lin ang="5400000" scaled="1"/>
+                </a:gradFill>
+                <a:prstDash val="dash"/>
+                <a:tailEnd type="triangle"/>
+              </a:ln>
+              <a:effectLst>
+                <a:outerShdw blurRad="50800" dist="38100" dir="2700000" algn="tl" rotWithShape="0">
+                  <a:schemeClr val="accent1">
+                    <a:lumMod val="75000"/>
+                    <a:alpha val="40000"/>
+                  </a:schemeClr>
+                </a:outerShdw>
+              </a:effectLst>
+            </p:spPr>
+            <p:style>
+              <a:lnRef idx="1">
+                <a:schemeClr val="accent1"/>
+              </a:lnRef>
+              <a:fillRef idx="0">
+                <a:schemeClr val="accent1"/>
+              </a:fillRef>
+              <a:effectRef idx="0">
+                <a:schemeClr val="accent1"/>
+              </a:effectRef>
+              <a:fontRef idx="minor">
+                <a:schemeClr val="tx1"/>
+              </a:fontRef>
+            </p:style>
+            <p:txBody>
+              <a:bodyPr rtlCol="0" anchor="ctr"/>
+              <a:lstStyle>
+                <a:defPPr>
+                  <a:defRPr lang="en-US"/>
+                </a:defPPr>
+                <a:lvl1pPr marL="0" algn="l" defTabSz="914400" rtl="0" eaLnBrk="1" latinLnBrk="0" hangingPunct="1">
+                  <a:defRPr sz="1800" kern="1200">
+                    <a:solidFill>
+                      <a:schemeClr val="tx1"/>
+                    </a:solidFill>
+                    <a:latin typeface="+mn-lt"/>
+                  </a:defRPr>
+                </a:lvl1pPr>
+                <a:lvl2pPr marL="457200" algn="l" defTabSz="914400" rtl="0" eaLnBrk="1" latinLnBrk="0" hangingPunct="1">
+                  <a:defRPr sz="1800" kern="1200">
+                    <a:solidFill>
+                      <a:schemeClr val="tx1"/>
+                    </a:solidFill>
+                    <a:latin typeface="+mn-lt"/>
+                  </a:defRPr>
+                </a:lvl2pPr>
+                <a:lvl3pPr marL="914400" algn="l" defTabSz="914400" rtl="0" eaLnBrk="1" latinLnBrk="0" hangingPunct="1">
+                  <a:defRPr sz="1800" kern="1200">
+                    <a:solidFill>
+                      <a:schemeClr val="tx1"/>
+                    </a:solidFill>
+                    <a:latin typeface="+mn-lt"/>
+                  </a:defRPr>
+                </a:lvl3pPr>
+                <a:lvl4pPr marL="1371600" algn="l" defTabSz="914400" rtl="0" eaLnBrk="1" latinLnBrk="0" hangingPunct="1">
+                  <a:defRPr sz="1800" kern="1200">
+                    <a:solidFill>
+                      <a:schemeClr val="tx1"/>
+                    </a:solidFill>
+                    <a:latin typeface="+mn-lt"/>
+                  </a:defRPr>
+                </a:lvl4pPr>
+                <a:lvl5pPr marL="1828800" algn="l" defTabSz="914400" rtl="0" eaLnBrk="1" latinLnBrk="0" hangingPunct="1">
+                  <a:defRPr sz="1800" kern="1200">
+                    <a:solidFill>
+                      <a:schemeClr val="tx1"/>
+                    </a:solidFill>
+                    <a:latin typeface="+mn-lt"/>
+                  </a:defRPr>
+                </a:lvl5pPr>
+                <a:lvl6pPr marL="2286000" algn="l" defTabSz="914400" rtl="0" eaLnBrk="1" latinLnBrk="0" hangingPunct="1">
+                  <a:defRPr sz="1800" kern="1200">
+                    <a:solidFill>
+                      <a:schemeClr val="tx1"/>
+                    </a:solidFill>
+                    <a:latin typeface="+mn-lt"/>
+                  </a:defRPr>
+                </a:lvl6pPr>
+                <a:lvl7pPr marL="2743200" algn="l" defTabSz="914400" rtl="0" eaLnBrk="1" latinLnBrk="0" hangingPunct="1">
+                  <a:defRPr sz="1800" kern="1200">
+                    <a:solidFill>
+                      <a:schemeClr val="tx1"/>
+                    </a:solidFill>
+                    <a:latin typeface="+mn-lt"/>
+                  </a:defRPr>
+                </a:lvl7pPr>
+                <a:lvl8pPr marL="3200400" algn="l" defTabSz="914400" rtl="0" eaLnBrk="1" latinLnBrk="0" hangingPunct="1">
+                  <a:defRPr sz="1800" kern="1200">
+                    <a:solidFill>
+                      <a:schemeClr val="tx1"/>
+                    </a:solidFill>
+                    <a:latin typeface="+mn-lt"/>
+                  </a:defRPr>
+                </a:lvl8pPr>
+                <a:lvl9pPr marL="3657600" algn="l" defTabSz="914400" rtl="0" eaLnBrk="1" latinLnBrk="0" hangingPunct="1">
+                  <a:defRPr sz="1800" kern="1200">
+                    <a:solidFill>
+                      <a:schemeClr val="tx1"/>
+                    </a:solidFill>
+                    <a:latin typeface="+mn-lt"/>
+                  </a:defRPr>
+                </a:lvl9pPr>
+              </a:lstStyle>
+              <a:p>
+                <a:pPr algn="ctr"/>
+                <a:endParaRPr lang="en-US"/>
+              </a:p>
+            </p:txBody>
+          </p:sp>
+          <p:sp>
+            <p:nvSpPr>
+              <p:cNvPr id="75" name="弧形 15"/>
+              <p:cNvSpPr/>
+              <p:nvPr>
+                <p:custDataLst>
+                  <p:tags r:id="rId12"/>
+                </p:custDataLst>
+              </p:nvPr>
+            </p:nvSpPr>
+            <p:spPr>
+              <a:xfrm rot="14100000">
+                <a:off x="11206" y="3783"/>
+                <a:ext cx="4361" cy="4361"/>
+              </a:xfrm>
+              <a:prstGeom prst="arc">
+                <a:avLst>
+                  <a:gd name="adj1" fmla="val 15835561"/>
+                  <a:gd name="adj2" fmla="val 21121678"/>
+                </a:avLst>
+              </a:prstGeom>
+              <a:ln w="6350">
+                <a:gradFill>
+                  <a:gsLst>
+                    <a:gs pos="0">
+                      <a:schemeClr val="accent1">
+                        <a:alpha val="0"/>
+                      </a:schemeClr>
+                    </a:gs>
+                    <a:gs pos="60000">
+                      <a:schemeClr val="accent1"/>
+                    </a:gs>
+                  </a:gsLst>
+                  <a:lin ang="5400000" scaled="1"/>
+                </a:gradFill>
+                <a:prstDash val="dash"/>
+                <a:tailEnd type="triangle"/>
+              </a:ln>
+              <a:effectLst>
+                <a:outerShdw blurRad="50800" dist="38100" dir="2700000" algn="tl" rotWithShape="0">
+                  <a:schemeClr val="accent1">
+                    <a:lumMod val="75000"/>
+                    <a:alpha val="40000"/>
+                  </a:schemeClr>
+                </a:outerShdw>
+              </a:effectLst>
+            </p:spPr>
+            <p:style>
+              <a:lnRef idx="1">
+                <a:schemeClr val="accent1"/>
+              </a:lnRef>
+              <a:fillRef idx="0">
+                <a:schemeClr val="accent1"/>
+              </a:fillRef>
+              <a:effectRef idx="0">
+                <a:schemeClr val="accent1"/>
+              </a:effectRef>
+              <a:fontRef idx="minor">
+                <a:schemeClr val="tx1"/>
+              </a:fontRef>
+            </p:style>
+            <p:txBody>
+              <a:bodyPr rtlCol="0" anchor="ctr"/>
+              <a:lstStyle>
+                <a:defPPr>
+                  <a:defRPr lang="en-US"/>
+                </a:defPPr>
+                <a:lvl1pPr marL="0" algn="l" defTabSz="914400" rtl="0" eaLnBrk="1" latinLnBrk="0" hangingPunct="1">
+                  <a:defRPr sz="1800" kern="1200">
+                    <a:solidFill>
+                      <a:schemeClr val="tx1"/>
+                    </a:solidFill>
+                    <a:latin typeface="+mn-lt"/>
+                  </a:defRPr>
+                </a:lvl1pPr>
+                <a:lvl2pPr marL="457200" algn="l" defTabSz="914400" rtl="0" eaLnBrk="1" latinLnBrk="0" hangingPunct="1">
+                  <a:defRPr sz="1800" kern="1200">
+                    <a:solidFill>
+                      <a:schemeClr val="tx1"/>
+                    </a:solidFill>
+                    <a:latin typeface="+mn-lt"/>
+                  </a:defRPr>
+                </a:lvl2pPr>
+                <a:lvl3pPr marL="914400" algn="l" defTabSz="914400" rtl="0" eaLnBrk="1" latinLnBrk="0" hangingPunct="1">
+                  <a:defRPr sz="1800" kern="1200">
+                    <a:solidFill>
+                      <a:schemeClr val="tx1"/>
+                    </a:solidFill>
+                    <a:latin typeface="+mn-lt"/>
+                  </a:defRPr>
+                </a:lvl3pPr>
+                <a:lvl4pPr marL="1371600" algn="l" defTabSz="914400" rtl="0" eaLnBrk="1" latinLnBrk="0" hangingPunct="1">
+                  <a:defRPr sz="1800" kern="1200">
+                    <a:solidFill>
+                      <a:schemeClr val="tx1"/>
+                    </a:solidFill>
+                    <a:latin typeface="+mn-lt"/>
+                  </a:defRPr>
+                </a:lvl4pPr>
+                <a:lvl5pPr marL="1828800" algn="l" defTabSz="914400" rtl="0" eaLnBrk="1" latinLnBrk="0" hangingPunct="1">
+                  <a:defRPr sz="1800" kern="1200">
+                    <a:solidFill>
+                      <a:schemeClr val="tx1"/>
+                    </a:solidFill>
+                    <a:latin typeface="+mn-lt"/>
+                  </a:defRPr>
+                </a:lvl5pPr>
+                <a:lvl6pPr marL="2286000" algn="l" defTabSz="914400" rtl="0" eaLnBrk="1" latinLnBrk="0" hangingPunct="1">
+                  <a:defRPr sz="1800" kern="1200">
+                    <a:solidFill>
+                      <a:schemeClr val="tx1"/>
+                    </a:solidFill>
+                    <a:latin typeface="+mn-lt"/>
+                  </a:defRPr>
+                </a:lvl6pPr>
+                <a:lvl7pPr marL="2743200" algn="l" defTabSz="914400" rtl="0" eaLnBrk="1" latinLnBrk="0" hangingPunct="1">
+                  <a:defRPr sz="1800" kern="1200">
+                    <a:solidFill>
+                      <a:schemeClr val="tx1"/>
+                    </a:solidFill>
+                    <a:latin typeface="+mn-lt"/>
+                  </a:defRPr>
+                </a:lvl7pPr>
+                <a:lvl8pPr marL="3200400" algn="l" defTabSz="914400" rtl="0" eaLnBrk="1" latinLnBrk="0" hangingPunct="1">
+                  <a:defRPr sz="1800" kern="1200">
+                    <a:solidFill>
+                      <a:schemeClr val="tx1"/>
+                    </a:solidFill>
+                    <a:latin typeface="+mn-lt"/>
+                  </a:defRPr>
+                </a:lvl8pPr>
+                <a:lvl9pPr marL="3657600" algn="l" defTabSz="914400" rtl="0" eaLnBrk="1" latinLnBrk="0" hangingPunct="1">
+                  <a:defRPr sz="1800" kern="1200">
+                    <a:solidFill>
+                      <a:schemeClr val="tx1"/>
+                    </a:solidFill>
+                    <a:latin typeface="+mn-lt"/>
+                  </a:defRPr>
+                </a:lvl9pPr>
+              </a:lstStyle>
+              <a:p>
+                <a:pPr algn="ctr"/>
+                <a:endParaRPr lang="en-US"/>
+              </a:p>
+            </p:txBody>
+          </p:sp>
+        </p:grpSp>
       </p:grpSp>
       <p:sp>
         <p:nvSpPr>
@@ -4511,7 +4589,7 @@
         </p:nvSpPr>
         <p:spPr>
           <a:xfrm>
-            <a:off x="913130" y="5642610"/>
+            <a:off x="878625" y="5642610"/>
             <a:ext cx="311150" cy="306705"/>
           </a:xfrm>
           <a:prstGeom prst="rect">
@@ -5176,7 +5254,7 @@
                   </a:spcAft>
                 </a:pPr>
                 <a:r>
-                  <a:rPr lang="it-IT" altLang="en-US" sz="1300" dirty="0">
+                  <a:rPr lang="it-IT" altLang="en-US" sz="1400" dirty="0">
                     <a:solidFill>
                       <a:schemeClr val="tx1">
                         <a:lumMod val="85000"/>
@@ -5188,7 +5266,7 @@
                   </a:rPr>
                   <a:t>Critical for cloud storage, video streaming, and web apps.</a:t>
                 </a:r>
-                <a:endParaRPr lang="it-IT" altLang="en-US" sz="1300" dirty="0">
+                <a:endParaRPr lang="it-IT" altLang="en-US" sz="1400" dirty="0">
                   <a:solidFill>
                     <a:schemeClr val="tx1">
                       <a:lumMod val="85000"/>
@@ -5688,7 +5766,7 @@
               <a:rPr lang="it-IT" altLang="en-US" sz="2400" b="1">
                 <a:effectLst/>
               </a:rPr>
-              <a:t>State of the Art</a:t>
+              <a:t>Background</a:t>
             </a:r>
             <a:endParaRPr lang="it-IT" altLang="en-US" sz="2400" b="1">
               <a:effectLst/>
@@ -5704,7 +5782,7 @@
         </p:nvSpPr>
         <p:spPr>
           <a:xfrm>
-            <a:off x="913130" y="5642610"/>
+            <a:off x="878625" y="5642610"/>
             <a:ext cx="311150" cy="306705"/>
           </a:xfrm>
           <a:prstGeom prst="rect">
@@ -5772,28 +5850,741 @@
           </a:p>
         </p:txBody>
       </p:sp>
-      <p:pic>
-        <p:nvPicPr>
-          <p:cNvPr id="9" name="Picture 8"/>
-          <p:cNvPicPr/>
+      <p:sp>
+        <p:nvSpPr>
+          <p:cNvPr id="88" name="Rectangles 87"/>
+          <p:cNvSpPr/>
           <p:nvPr/>
-        </p:nvPicPr>
-        <p:blipFill>
-          <a:blip r:embed="rId1"/>
-          <a:stretch>
-            <a:fillRect/>
-          </a:stretch>
-        </p:blipFill>
+        </p:nvSpPr>
         <p:spPr>
           <a:xfrm>
-            <a:off x="6052820" y="2142490"/>
-            <a:ext cx="5313045" cy="2573655"/>
+            <a:off x="583565" y="1816735"/>
+            <a:ext cx="11129645" cy="3343275"/>
           </a:xfrm>
           <a:prstGeom prst="rect">
             <a:avLst/>
           </a:prstGeom>
+          <a:gradFill>
+            <a:gsLst>
+              <a:gs pos="0">
+                <a:schemeClr val="accent1">
+                  <a:lumMod val="5000"/>
+                  <a:lumOff val="95000"/>
+                </a:schemeClr>
+              </a:gs>
+              <a:gs pos="100000">
+                <a:schemeClr val="accent1">
+                  <a:lumMod val="60000"/>
+                  <a:lumOff val="40000"/>
+                </a:schemeClr>
+              </a:gs>
+            </a:gsLst>
+            <a:lin ang="10800000" scaled="0"/>
+          </a:gradFill>
+          <a:ln>
+            <a:noFill/>
+          </a:ln>
         </p:spPr>
-      </p:pic>
+        <p:style>
+          <a:lnRef idx="2">
+            <a:schemeClr val="accent1">
+              <a:lumMod val="75000"/>
+            </a:schemeClr>
+          </a:lnRef>
+          <a:fillRef idx="1">
+            <a:schemeClr val="accent1"/>
+          </a:fillRef>
+          <a:effectRef idx="0">
+            <a:srgbClr val="FFFFFF"/>
+          </a:effectRef>
+          <a:fontRef idx="minor">
+            <a:schemeClr val="lt1"/>
+          </a:fontRef>
+        </p:style>
+        <p:txBody>
+          <a:bodyPr rtlCol="0" anchor="ctr"/>
+          <a:p>
+            <a:pPr algn="ctr"/>
+            <a:endParaRPr lang="en-GB" altLang="en-US">
+              <a:noFill/>
+            </a:endParaRPr>
+          </a:p>
+        </p:txBody>
+      </p:sp>
+      <p:sp>
+        <p:nvSpPr>
+          <p:cNvPr id="89" name="Rectangles 88"/>
+          <p:cNvSpPr/>
+          <p:nvPr/>
+        </p:nvSpPr>
+        <p:spPr>
+          <a:xfrm rot="1380000">
+            <a:off x="8391525" y="1169035"/>
+            <a:ext cx="114300" cy="4519295"/>
+          </a:xfrm>
+          <a:prstGeom prst="rect">
+            <a:avLst/>
+          </a:prstGeom>
+          <a:solidFill>
+            <a:schemeClr val="bg1"/>
+          </a:solidFill>
+          <a:ln>
+            <a:noFill/>
+          </a:ln>
+        </p:spPr>
+        <p:style>
+          <a:lnRef idx="2">
+            <a:schemeClr val="accent1">
+              <a:lumMod val="75000"/>
+            </a:schemeClr>
+          </a:lnRef>
+          <a:fillRef idx="1">
+            <a:schemeClr val="accent1"/>
+          </a:fillRef>
+          <a:effectRef idx="0">
+            <a:srgbClr val="FFFFFF"/>
+          </a:effectRef>
+          <a:fontRef idx="minor">
+            <a:schemeClr val="lt1"/>
+          </a:fontRef>
+        </p:style>
+        <p:txBody>
+          <a:bodyPr rtlCol="0" anchor="ctr"/>
+          <a:p>
+            <a:pPr algn="ctr"/>
+            <a:endParaRPr lang="en-GB" altLang="en-US"/>
+          </a:p>
+        </p:txBody>
+      </p:sp>
+      <p:sp>
+        <p:nvSpPr>
+          <p:cNvPr id="91" name="Text Box 90"/>
+          <p:cNvSpPr txBox="1"/>
+          <p:nvPr/>
+        </p:nvSpPr>
+        <p:spPr>
+          <a:xfrm>
+            <a:off x="3315335" y="2051050"/>
+            <a:ext cx="2038350" cy="368300"/>
+          </a:xfrm>
+          <a:prstGeom prst="rect">
+            <a:avLst/>
+          </a:prstGeom>
+          <a:noFill/>
+        </p:spPr>
+        <p:txBody>
+          <a:bodyPr wrap="square" rtlCol="0">
+            <a:spAutoFit/>
+          </a:bodyPr>
+          <a:p>
+            <a:r>
+              <a:rPr lang="it-IT" altLang="en-GB" b="1"/>
+              <a:t>TCP-TLS Drawbacks</a:t>
+            </a:r>
+            <a:endParaRPr lang="it-IT" altLang="en-GB" b="1"/>
+          </a:p>
+        </p:txBody>
+      </p:sp>
+      <p:grpSp>
+        <p:nvGrpSpPr>
+          <p:cNvPr id="167" name="Group 166"/>
+          <p:cNvGrpSpPr/>
+          <p:nvPr/>
+        </p:nvGrpSpPr>
+        <p:grpSpPr>
+          <a:xfrm>
+            <a:off x="1483995" y="2795270"/>
+            <a:ext cx="5701030" cy="1709420"/>
+            <a:chOff x="2337" y="4402"/>
+            <a:chExt cx="8978" cy="2692"/>
+          </a:xfrm>
+        </p:grpSpPr>
+        <p:grpSp>
+          <p:nvGrpSpPr>
+            <p:cNvPr id="164" name="Group 163"/>
+            <p:cNvGrpSpPr/>
+            <p:nvPr/>
+          </p:nvGrpSpPr>
+          <p:grpSpPr>
+            <a:xfrm>
+              <a:off x="2337" y="4402"/>
+              <a:ext cx="2692" cy="2692"/>
+              <a:chOff x="2337" y="4478"/>
+              <a:chExt cx="2692" cy="2692"/>
+            </a:xfrm>
+          </p:grpSpPr>
+          <p:grpSp>
+            <p:nvGrpSpPr>
+              <p:cNvPr id="156" name="Group 155"/>
+              <p:cNvGrpSpPr/>
+              <p:nvPr/>
+            </p:nvGrpSpPr>
+            <p:grpSpPr>
+              <a:xfrm>
+                <a:off x="2337" y="4478"/>
+                <a:ext cx="2692" cy="2692"/>
+                <a:chOff x="2337" y="4478"/>
+                <a:chExt cx="2692" cy="2692"/>
+              </a:xfrm>
+            </p:grpSpPr>
+            <p:sp>
+              <p:nvSpPr>
+                <p:cNvPr id="145" name="Oval 144"/>
+                <p:cNvSpPr/>
+                <p:nvPr/>
+              </p:nvSpPr>
+              <p:spPr>
+                <a:xfrm>
+                  <a:off x="2337" y="4478"/>
+                  <a:ext cx="2692" cy="2692"/>
+                </a:xfrm>
+                <a:prstGeom prst="ellipse">
+                  <a:avLst/>
+                </a:prstGeom>
+                <a:solidFill>
+                  <a:schemeClr val="accent1">
+                    <a:lumMod val="60000"/>
+                    <a:lumOff val="40000"/>
+                  </a:schemeClr>
+                </a:solidFill>
+                <a:ln>
+                  <a:noFill/>
+                </a:ln>
+              </p:spPr>
+              <p:style>
+                <a:lnRef idx="2">
+                  <a:schemeClr val="accent1">
+                    <a:lumMod val="75000"/>
+                  </a:schemeClr>
+                </a:lnRef>
+                <a:fillRef idx="1">
+                  <a:schemeClr val="accent1"/>
+                </a:fillRef>
+                <a:effectRef idx="0">
+                  <a:srgbClr val="FFFFFF"/>
+                </a:effectRef>
+                <a:fontRef idx="minor">
+                  <a:schemeClr val="lt1"/>
+                </a:fontRef>
+              </p:style>
+              <p:txBody>
+                <a:bodyPr rtlCol="0" anchor="ctr"/>
+                <a:p>
+                  <a:pPr algn="ctr"/>
+                  <a:endParaRPr lang="en-GB" altLang="en-US"/>
+                </a:p>
+              </p:txBody>
+            </p:sp>
+            <p:grpSp>
+              <p:nvGrpSpPr>
+                <p:cNvPr id="148" name="Group 147"/>
+                <p:cNvGrpSpPr/>
+                <p:nvPr/>
+              </p:nvGrpSpPr>
+              <p:grpSpPr>
+                <a:xfrm>
+                  <a:off x="2489" y="4632"/>
+                  <a:ext cx="2384" cy="2384"/>
+                  <a:chOff x="2489" y="4478"/>
+                  <a:chExt cx="2384" cy="2384"/>
+                </a:xfrm>
+              </p:grpSpPr>
+              <p:sp>
+                <p:nvSpPr>
+                  <p:cNvPr id="139" name="Oval 138"/>
+                  <p:cNvSpPr/>
+                  <p:nvPr/>
+                </p:nvSpPr>
+                <p:spPr>
+                  <a:xfrm>
+                    <a:off x="2489" y="4478"/>
+                    <a:ext cx="2385" cy="2385"/>
+                  </a:xfrm>
+                  <a:prstGeom prst="ellipse">
+                    <a:avLst/>
+                  </a:prstGeom>
+                  <a:ln>
+                    <a:noFill/>
+                  </a:ln>
+                </p:spPr>
+                <p:style>
+                  <a:lnRef idx="2">
+                    <a:schemeClr val="accent1">
+                      <a:lumMod val="75000"/>
+                    </a:schemeClr>
+                  </a:lnRef>
+                  <a:fillRef idx="1">
+                    <a:schemeClr val="accent1"/>
+                  </a:fillRef>
+                  <a:effectRef idx="0">
+                    <a:srgbClr val="FFFFFF"/>
+                  </a:effectRef>
+                  <a:fontRef idx="minor">
+                    <a:schemeClr val="lt1"/>
+                  </a:fontRef>
+                </p:style>
+                <p:txBody>
+                  <a:bodyPr rtlCol="0" anchor="ctr"/>
+                  <a:p>
+                    <a:pPr algn="ctr"/>
+                    <a:endParaRPr lang="it-IT" altLang="en-GB"/>
+                  </a:p>
+                </p:txBody>
+              </p:sp>
+              <p:pic>
+                <p:nvPicPr>
+                  <p:cNvPr id="101" name="Picture 100" descr="server-svgrepo-com"/>
+                  <p:cNvPicPr>
+                    <a:picLocks noChangeAspect="1"/>
+                  </p:cNvPicPr>
+                  <p:nvPr/>
+                </p:nvPicPr>
+                <p:blipFill>
+                  <a:blip r:embed="rId1">
+                    <a:extLst>
+                      <a:ext uri="{96DAC541-7B7A-43D3-8B79-37D633B846F1}">
+                        <asvg:svgBlip xmlns:asvg="http://schemas.microsoft.com/office/drawing/2016/SVG/main" r:embed="rId2"/>
+                      </a:ext>
+                    </a:extLst>
+                  </a:blip>
+                  <a:stretch>
+                    <a:fillRect/>
+                  </a:stretch>
+                </p:blipFill>
+                <p:spPr>
+                  <a:xfrm>
+                    <a:off x="3459" y="4800"/>
+                    <a:ext cx="446" cy="446"/>
+                  </a:xfrm>
+                  <a:prstGeom prst="rect">
+                    <a:avLst/>
+                  </a:prstGeom>
+                </p:spPr>
+              </p:pic>
+            </p:grpSp>
+          </p:grpSp>
+          <p:sp>
+            <p:nvSpPr>
+              <p:cNvPr id="159" name="Text Box 158"/>
+              <p:cNvSpPr txBox="1"/>
+              <p:nvPr/>
+            </p:nvSpPr>
+            <p:spPr>
+              <a:xfrm>
+                <a:off x="2814" y="5580"/>
+                <a:ext cx="1739" cy="1016"/>
+              </a:xfrm>
+              <a:prstGeom prst="rect">
+                <a:avLst/>
+              </a:prstGeom>
+              <a:noFill/>
+            </p:spPr>
+            <p:txBody>
+              <a:bodyPr wrap="square" rtlCol="0">
+                <a:spAutoFit/>
+              </a:bodyPr>
+              <a:p>
+                <a:pPr algn="ctr"/>
+                <a:r>
+                  <a:rPr lang="it-IT" altLang="en-GB"/>
+                  <a:t>Separate Layers</a:t>
+                </a:r>
+                <a:endParaRPr lang="it-IT" altLang="en-GB"/>
+              </a:p>
+            </p:txBody>
+          </p:sp>
+        </p:grpSp>
+        <p:grpSp>
+          <p:nvGrpSpPr>
+            <p:cNvPr id="165" name="Group 164"/>
+            <p:cNvGrpSpPr/>
+            <p:nvPr/>
+          </p:nvGrpSpPr>
+          <p:grpSpPr>
+            <a:xfrm>
+              <a:off x="5529" y="4402"/>
+              <a:ext cx="2692" cy="2692"/>
+              <a:chOff x="5529" y="4325"/>
+              <a:chExt cx="2692" cy="2692"/>
+            </a:xfrm>
+          </p:grpSpPr>
+          <p:grpSp>
+            <p:nvGrpSpPr>
+              <p:cNvPr id="157" name="Group 156"/>
+              <p:cNvGrpSpPr/>
+              <p:nvPr/>
+            </p:nvGrpSpPr>
+            <p:grpSpPr>
+              <a:xfrm>
+                <a:off x="5529" y="4325"/>
+                <a:ext cx="2692" cy="2692"/>
+                <a:chOff x="5479" y="4325"/>
+                <a:chExt cx="2692" cy="2692"/>
+              </a:xfrm>
+            </p:grpSpPr>
+            <p:sp>
+              <p:nvSpPr>
+                <p:cNvPr id="154" name="Oval 153"/>
+                <p:cNvSpPr/>
+                <p:nvPr/>
+              </p:nvSpPr>
+              <p:spPr>
+                <a:xfrm>
+                  <a:off x="5479" y="4325"/>
+                  <a:ext cx="2692" cy="2692"/>
+                </a:xfrm>
+                <a:prstGeom prst="ellipse">
+                  <a:avLst/>
+                </a:prstGeom>
+                <a:solidFill>
+                  <a:schemeClr val="accent1">
+                    <a:lumMod val="60000"/>
+                    <a:lumOff val="40000"/>
+                  </a:schemeClr>
+                </a:solidFill>
+                <a:ln>
+                  <a:noFill/>
+                </a:ln>
+              </p:spPr>
+              <p:style>
+                <a:lnRef idx="2">
+                  <a:schemeClr val="accent1">
+                    <a:lumMod val="75000"/>
+                  </a:schemeClr>
+                </a:lnRef>
+                <a:fillRef idx="1">
+                  <a:schemeClr val="accent1"/>
+                </a:fillRef>
+                <a:effectRef idx="0">
+                  <a:srgbClr val="FFFFFF"/>
+                </a:effectRef>
+                <a:fontRef idx="minor">
+                  <a:schemeClr val="lt1"/>
+                </a:fontRef>
+              </p:style>
+              <p:txBody>
+                <a:bodyPr rtlCol="0" anchor="ctr"/>
+                <a:p>
+                  <a:pPr algn="ctr"/>
+                  <a:endParaRPr lang="en-GB" altLang="en-US"/>
+                </a:p>
+              </p:txBody>
+            </p:sp>
+            <p:grpSp>
+              <p:nvGrpSpPr>
+                <p:cNvPr id="149" name="Group 148"/>
+                <p:cNvGrpSpPr/>
+                <p:nvPr/>
+              </p:nvGrpSpPr>
+              <p:grpSpPr>
+                <a:xfrm>
+                  <a:off x="5633" y="4478"/>
+                  <a:ext cx="2384" cy="2384"/>
+                  <a:chOff x="5633" y="4478"/>
+                  <a:chExt cx="2384" cy="2384"/>
+                </a:xfrm>
+              </p:grpSpPr>
+              <p:sp>
+                <p:nvSpPr>
+                  <p:cNvPr id="142" name="Oval 141"/>
+                  <p:cNvSpPr/>
+                  <p:nvPr/>
+                </p:nvSpPr>
+                <p:spPr>
+                  <a:xfrm>
+                    <a:off x="5633" y="4478"/>
+                    <a:ext cx="2385" cy="2385"/>
+                  </a:xfrm>
+                  <a:prstGeom prst="ellipse">
+                    <a:avLst/>
+                  </a:prstGeom>
+                  <a:ln>
+                    <a:noFill/>
+                  </a:ln>
+                </p:spPr>
+                <p:style>
+                  <a:lnRef idx="2">
+                    <a:schemeClr val="accent1">
+                      <a:lumMod val="75000"/>
+                    </a:schemeClr>
+                  </a:lnRef>
+                  <a:fillRef idx="1">
+                    <a:schemeClr val="accent1"/>
+                  </a:fillRef>
+                  <a:effectRef idx="0">
+                    <a:srgbClr val="FFFFFF"/>
+                  </a:effectRef>
+                  <a:fontRef idx="minor">
+                    <a:schemeClr val="lt1"/>
+                  </a:fontRef>
+                </p:style>
+                <p:txBody>
+                  <a:bodyPr rtlCol="0" anchor="ctr"/>
+                  <a:p>
+                    <a:pPr algn="ctr"/>
+                    <a:endParaRPr lang="en-GB" altLang="en-US"/>
+                  </a:p>
+                </p:txBody>
+              </p:sp>
+              <p:pic>
+                <p:nvPicPr>
+                  <p:cNvPr id="95" name="Picture 94" descr="packet-svgrepo-com"/>
+                  <p:cNvPicPr>
+                    <a:picLocks noChangeAspect="1"/>
+                  </p:cNvPicPr>
+                  <p:nvPr/>
+                </p:nvPicPr>
+                <p:blipFill>
+                  <a:blip r:embed="rId3">
+                    <a:extLst>
+                      <a:ext uri="{96DAC541-7B7A-43D3-8B79-37D633B846F1}">
+                        <asvg:svgBlip xmlns:asvg="http://schemas.microsoft.com/office/drawing/2016/SVG/main" r:embed="rId4"/>
+                      </a:ext>
+                    </a:extLst>
+                  </a:blip>
+                  <a:stretch>
+                    <a:fillRect/>
+                  </a:stretch>
+                </p:blipFill>
+                <p:spPr>
+                  <a:xfrm>
+                    <a:off x="6603" y="4800"/>
+                    <a:ext cx="446" cy="446"/>
+                  </a:xfrm>
+                  <a:prstGeom prst="rect">
+                    <a:avLst/>
+                  </a:prstGeom>
+                </p:spPr>
+              </p:pic>
+            </p:grpSp>
+          </p:grpSp>
+          <p:sp>
+            <p:nvSpPr>
+              <p:cNvPr id="160" name="Text Box 159"/>
+              <p:cNvSpPr txBox="1"/>
+              <p:nvPr/>
+            </p:nvSpPr>
+            <p:spPr>
+              <a:xfrm>
+                <a:off x="5676" y="5580"/>
+                <a:ext cx="2397" cy="1016"/>
+              </a:xfrm>
+              <a:prstGeom prst="rect">
+                <a:avLst/>
+              </a:prstGeom>
+              <a:noFill/>
+            </p:spPr>
+            <p:txBody>
+              <a:bodyPr wrap="square" rtlCol="0">
+                <a:spAutoFit/>
+              </a:bodyPr>
+              <a:p>
+                <a:pPr algn="ctr"/>
+                <a:r>
+                  <a:rPr lang="it-IT" altLang="en-GB"/>
+                  <a:t>Head-of-Line Blocking</a:t>
+                </a:r>
+                <a:endParaRPr lang="it-IT" altLang="en-GB"/>
+              </a:p>
+            </p:txBody>
+          </p:sp>
+        </p:grpSp>
+        <p:grpSp>
+          <p:nvGrpSpPr>
+            <p:cNvPr id="166" name="Group 165"/>
+            <p:cNvGrpSpPr/>
+            <p:nvPr/>
+          </p:nvGrpSpPr>
+          <p:grpSpPr>
+            <a:xfrm>
+              <a:off x="8623" y="4402"/>
+              <a:ext cx="2692" cy="2692"/>
+              <a:chOff x="8623" y="4325"/>
+              <a:chExt cx="2692" cy="2692"/>
+            </a:xfrm>
+          </p:grpSpPr>
+          <p:grpSp>
+            <p:nvGrpSpPr>
+              <p:cNvPr id="158" name="Group 157"/>
+              <p:cNvGrpSpPr/>
+              <p:nvPr/>
+            </p:nvGrpSpPr>
+            <p:grpSpPr>
+              <a:xfrm>
+                <a:off x="8623" y="4325"/>
+                <a:ext cx="2692" cy="2692"/>
+                <a:chOff x="8623" y="4325"/>
+                <a:chExt cx="2692" cy="2692"/>
+              </a:xfrm>
+            </p:grpSpPr>
+            <p:sp>
+              <p:nvSpPr>
+                <p:cNvPr id="155" name="Oval 154"/>
+                <p:cNvSpPr/>
+                <p:nvPr/>
+              </p:nvSpPr>
+              <p:spPr>
+                <a:xfrm>
+                  <a:off x="8623" y="4325"/>
+                  <a:ext cx="2692" cy="2692"/>
+                </a:xfrm>
+                <a:prstGeom prst="ellipse">
+                  <a:avLst/>
+                </a:prstGeom>
+                <a:solidFill>
+                  <a:schemeClr val="accent1">
+                    <a:lumMod val="60000"/>
+                    <a:lumOff val="40000"/>
+                  </a:schemeClr>
+                </a:solidFill>
+                <a:ln>
+                  <a:noFill/>
+                </a:ln>
+              </p:spPr>
+              <p:style>
+                <a:lnRef idx="2">
+                  <a:schemeClr val="accent1">
+                    <a:lumMod val="75000"/>
+                  </a:schemeClr>
+                </a:lnRef>
+                <a:fillRef idx="1">
+                  <a:schemeClr val="accent1"/>
+                </a:fillRef>
+                <a:effectRef idx="0">
+                  <a:srgbClr val="FFFFFF"/>
+                </a:effectRef>
+                <a:fontRef idx="minor">
+                  <a:schemeClr val="lt1"/>
+                </a:fontRef>
+              </p:style>
+              <p:txBody>
+                <a:bodyPr rtlCol="0" anchor="ctr"/>
+                <a:p>
+                  <a:pPr algn="ctr"/>
+                  <a:endParaRPr lang="en-GB" altLang="en-US"/>
+                </a:p>
+              </p:txBody>
+            </p:sp>
+            <p:grpSp>
+              <p:nvGrpSpPr>
+                <p:cNvPr id="150" name="Group 149"/>
+                <p:cNvGrpSpPr/>
+                <p:nvPr/>
+              </p:nvGrpSpPr>
+              <p:grpSpPr>
+                <a:xfrm>
+                  <a:off x="8777" y="4478"/>
+                  <a:ext cx="2384" cy="2384"/>
+                  <a:chOff x="8777" y="4478"/>
+                  <a:chExt cx="2384" cy="2384"/>
+                </a:xfrm>
+              </p:grpSpPr>
+              <p:sp>
+                <p:nvSpPr>
+                  <p:cNvPr id="143" name="Oval 142"/>
+                  <p:cNvSpPr/>
+                  <p:nvPr/>
+                </p:nvSpPr>
+                <p:spPr>
+                  <a:xfrm>
+                    <a:off x="8777" y="4478"/>
+                    <a:ext cx="2385" cy="2385"/>
+                  </a:xfrm>
+                  <a:prstGeom prst="ellipse">
+                    <a:avLst/>
+                  </a:prstGeom>
+                  <a:ln>
+                    <a:noFill/>
+                  </a:ln>
+                </p:spPr>
+                <p:style>
+                  <a:lnRef idx="2">
+                    <a:schemeClr val="accent1">
+                      <a:lumMod val="75000"/>
+                    </a:schemeClr>
+                  </a:lnRef>
+                  <a:fillRef idx="1">
+                    <a:schemeClr val="accent1"/>
+                  </a:fillRef>
+                  <a:effectRef idx="0">
+                    <a:srgbClr val="FFFFFF"/>
+                  </a:effectRef>
+                  <a:fontRef idx="minor">
+                    <a:schemeClr val="lt1"/>
+                  </a:fontRef>
+                </p:style>
+                <p:txBody>
+                  <a:bodyPr rtlCol="0" anchor="ctr"/>
+                  <a:p>
+                    <a:pPr algn="ctr"/>
+                    <a:endParaRPr lang="en-GB" altLang="en-US"/>
+                  </a:p>
+                </p:txBody>
+              </p:sp>
+              <p:pic>
+                <p:nvPicPr>
+                  <p:cNvPr id="100" name="Picture 99" descr="hourglass-svgrepo-com"/>
+                  <p:cNvPicPr>
+                    <a:picLocks noChangeAspect="1"/>
+                  </p:cNvPicPr>
+                  <p:nvPr/>
+                </p:nvPicPr>
+                <p:blipFill>
+                  <a:blip r:embed="rId5">
+                    <a:extLst>
+                      <a:ext uri="{96DAC541-7B7A-43D3-8B79-37D633B846F1}">
+                        <asvg:svgBlip xmlns:asvg="http://schemas.microsoft.com/office/drawing/2016/SVG/main" r:embed="rId6"/>
+                      </a:ext>
+                    </a:extLst>
+                  </a:blip>
+                  <a:stretch>
+                    <a:fillRect/>
+                  </a:stretch>
+                </p:blipFill>
+                <p:spPr>
+                  <a:xfrm>
+                    <a:off x="9747" y="4800"/>
+                    <a:ext cx="446" cy="445"/>
+                  </a:xfrm>
+                  <a:prstGeom prst="rect">
+                    <a:avLst/>
+                  </a:prstGeom>
+                </p:spPr>
+              </p:pic>
+            </p:grpSp>
+          </p:grpSp>
+          <p:sp>
+            <p:nvSpPr>
+              <p:cNvPr id="163" name="Text Box 162"/>
+              <p:cNvSpPr txBox="1"/>
+              <p:nvPr/>
+            </p:nvSpPr>
+            <p:spPr>
+              <a:xfrm>
+                <a:off x="9032" y="5580"/>
+                <a:ext cx="1875" cy="1016"/>
+              </a:xfrm>
+              <a:prstGeom prst="rect">
+                <a:avLst/>
+              </a:prstGeom>
+              <a:noFill/>
+            </p:spPr>
+            <p:txBody>
+              <a:bodyPr wrap="square" rtlCol="0">
+                <a:spAutoFit/>
+              </a:bodyPr>
+              <a:p>
+                <a:pPr algn="ctr"/>
+                <a:r>
+                  <a:rPr lang="it-IT" altLang="en-GB"/>
+                  <a:t>Latency Issues</a:t>
+                </a:r>
+                <a:endParaRPr lang="it-IT" altLang="en-GB"/>
+              </a:p>
+            </p:txBody>
+          </p:sp>
+        </p:grpSp>
+      </p:grpSp>
     </p:spTree>
   </p:cSld>
   <p:clrMapOvr>
@@ -5903,6 +6694,989 @@
         <p:spPr>
           <a:xfrm>
             <a:off x="984250" y="1050290"/>
+            <a:ext cx="2228850" cy="460375"/>
+          </a:xfrm>
+          <a:prstGeom prst="rect">
+            <a:avLst/>
+          </a:prstGeom>
+          <a:noFill/>
+        </p:spPr>
+        <p:txBody>
+          <a:bodyPr wrap="square" rtlCol="0">
+            <a:spAutoFit/>
+          </a:bodyPr>
+          <a:p>
+            <a:r>
+              <a:rPr lang="it-IT" altLang="en-US" sz="2400" b="1">
+                <a:effectLst/>
+              </a:rPr>
+              <a:t>Background</a:t>
+            </a:r>
+            <a:endParaRPr lang="it-IT" altLang="en-US" sz="2400" b="1">
+              <a:effectLst/>
+            </a:endParaRPr>
+          </a:p>
+        </p:txBody>
+      </p:sp>
+      <p:sp>
+        <p:nvSpPr>
+          <p:cNvPr id="7" name="Text Box 6"/>
+          <p:cNvSpPr txBox="1"/>
+          <p:nvPr/>
+        </p:nvSpPr>
+        <p:spPr>
+          <a:xfrm>
+            <a:off x="878625" y="5642610"/>
+            <a:ext cx="311150" cy="306705"/>
+          </a:xfrm>
+          <a:prstGeom prst="rect">
+            <a:avLst/>
+          </a:prstGeom>
+          <a:noFill/>
+        </p:spPr>
+        <p:txBody>
+          <a:bodyPr wrap="square" rtlCol="0">
+            <a:spAutoFit/>
+          </a:bodyPr>
+          <a:p>
+            <a:r>
+              <a:rPr lang="it-IT" altLang="en-GB" sz="1400"/>
+              <a:t>4</a:t>
+            </a:r>
+            <a:endParaRPr lang="it-IT" altLang="en-GB" sz="1400"/>
+          </a:p>
+        </p:txBody>
+      </p:sp>
+      <p:sp>
+        <p:nvSpPr>
+          <p:cNvPr id="8" name="Rectangles 7"/>
+          <p:cNvSpPr/>
+          <p:nvPr/>
+        </p:nvSpPr>
+        <p:spPr>
+          <a:xfrm>
+            <a:off x="584200" y="5431790"/>
+            <a:ext cx="900000" cy="18000"/>
+          </a:xfrm>
+          <a:prstGeom prst="rect">
+            <a:avLst/>
+          </a:prstGeom>
+          <a:solidFill>
+            <a:schemeClr val="tx1"/>
+          </a:solidFill>
+          <a:ln>
+            <a:solidFill>
+              <a:schemeClr val="tx1"/>
+            </a:solidFill>
+          </a:ln>
+        </p:spPr>
+        <p:style>
+          <a:lnRef idx="2">
+            <a:schemeClr val="accent1">
+              <a:lumMod val="75000"/>
+            </a:schemeClr>
+          </a:lnRef>
+          <a:fillRef idx="1">
+            <a:schemeClr val="accent1"/>
+          </a:fillRef>
+          <a:effectRef idx="0">
+            <a:srgbClr val="FFFFFF"/>
+          </a:effectRef>
+          <a:fontRef idx="minor">
+            <a:schemeClr val="lt1"/>
+          </a:fontRef>
+        </p:style>
+        <p:txBody>
+          <a:bodyPr rtlCol="0" anchor="ctr"/>
+          <a:p>
+            <a:pPr algn="ctr"/>
+            <a:endParaRPr lang="en-GB" altLang="en-US"/>
+          </a:p>
+        </p:txBody>
+      </p:sp>
+      <p:sp>
+        <p:nvSpPr>
+          <p:cNvPr id="88" name="Rectangles 87"/>
+          <p:cNvSpPr/>
+          <p:nvPr/>
+        </p:nvSpPr>
+        <p:spPr>
+          <a:xfrm>
+            <a:off x="583565" y="1816735"/>
+            <a:ext cx="11129645" cy="3343275"/>
+          </a:xfrm>
+          <a:prstGeom prst="rect">
+            <a:avLst/>
+          </a:prstGeom>
+          <a:gradFill>
+            <a:gsLst>
+              <a:gs pos="0">
+                <a:schemeClr val="accent1">
+                  <a:lumMod val="5000"/>
+                  <a:lumOff val="95000"/>
+                </a:schemeClr>
+              </a:gs>
+              <a:gs pos="100000">
+                <a:schemeClr val="accent1">
+                  <a:lumMod val="60000"/>
+                  <a:lumOff val="40000"/>
+                </a:schemeClr>
+              </a:gs>
+            </a:gsLst>
+            <a:lin ang="10800000" scaled="0"/>
+          </a:gradFill>
+          <a:ln>
+            <a:noFill/>
+          </a:ln>
+        </p:spPr>
+        <p:style>
+          <a:lnRef idx="2">
+            <a:schemeClr val="accent1">
+              <a:lumMod val="75000"/>
+            </a:schemeClr>
+          </a:lnRef>
+          <a:fillRef idx="1">
+            <a:schemeClr val="accent1"/>
+          </a:fillRef>
+          <a:effectRef idx="0">
+            <a:srgbClr val="FFFFFF"/>
+          </a:effectRef>
+          <a:fontRef idx="minor">
+            <a:schemeClr val="lt1"/>
+          </a:fontRef>
+        </p:style>
+        <p:txBody>
+          <a:bodyPr rtlCol="0" anchor="ctr"/>
+          <a:p>
+            <a:pPr algn="ctr"/>
+            <a:endParaRPr lang="en-GB" altLang="en-US">
+              <a:noFill/>
+            </a:endParaRPr>
+          </a:p>
+        </p:txBody>
+      </p:sp>
+      <p:sp>
+        <p:nvSpPr>
+          <p:cNvPr id="89" name="Rectangles 88"/>
+          <p:cNvSpPr/>
+          <p:nvPr/>
+        </p:nvSpPr>
+        <p:spPr>
+          <a:xfrm rot="1380000">
+            <a:off x="2362200" y="1169353"/>
+            <a:ext cx="114300" cy="4519295"/>
+          </a:xfrm>
+          <a:prstGeom prst="rect">
+            <a:avLst/>
+          </a:prstGeom>
+          <a:solidFill>
+            <a:schemeClr val="bg1"/>
+          </a:solidFill>
+          <a:ln>
+            <a:noFill/>
+          </a:ln>
+        </p:spPr>
+        <p:style>
+          <a:lnRef idx="2">
+            <a:schemeClr val="accent1">
+              <a:lumMod val="75000"/>
+            </a:schemeClr>
+          </a:lnRef>
+          <a:fillRef idx="1">
+            <a:schemeClr val="accent1"/>
+          </a:fillRef>
+          <a:effectRef idx="0">
+            <a:srgbClr val="FFFFFF"/>
+          </a:effectRef>
+          <a:fontRef idx="minor">
+            <a:schemeClr val="lt1"/>
+          </a:fontRef>
+        </p:style>
+        <p:txBody>
+          <a:bodyPr rtlCol="0" anchor="ctr"/>
+          <a:p>
+            <a:pPr algn="ctr"/>
+            <a:endParaRPr lang="en-GB" altLang="en-US"/>
+          </a:p>
+        </p:txBody>
+      </p:sp>
+      <p:sp>
+        <p:nvSpPr>
+          <p:cNvPr id="2" name="Text Box 1"/>
+          <p:cNvSpPr txBox="1"/>
+          <p:nvPr/>
+        </p:nvSpPr>
+        <p:spPr>
+          <a:xfrm>
+            <a:off x="6192520" y="2052320"/>
+            <a:ext cx="2038350" cy="368300"/>
+          </a:xfrm>
+          <a:prstGeom prst="rect">
+            <a:avLst/>
+          </a:prstGeom>
+          <a:noFill/>
+        </p:spPr>
+        <p:txBody>
+          <a:bodyPr wrap="square" rtlCol="0">
+            <a:spAutoFit/>
+          </a:bodyPr>
+          <a:p>
+            <a:r>
+              <a:rPr lang="it-IT" altLang="en-GB" b="1"/>
+              <a:t>QUIC Advantages</a:t>
+            </a:r>
+            <a:endParaRPr lang="it-IT" altLang="en-GB" b="1"/>
+          </a:p>
+        </p:txBody>
+      </p:sp>
+      <p:grpSp>
+        <p:nvGrpSpPr>
+          <p:cNvPr id="16" name="Group 15"/>
+          <p:cNvGrpSpPr/>
+          <p:nvPr/>
+        </p:nvGrpSpPr>
+        <p:grpSpPr>
+          <a:xfrm>
+            <a:off x="4361180" y="2796540"/>
+            <a:ext cx="5701030" cy="1709420"/>
+            <a:chOff x="6868" y="4404"/>
+            <a:chExt cx="8978" cy="2692"/>
+          </a:xfrm>
+        </p:grpSpPr>
+        <p:grpSp>
+          <p:nvGrpSpPr>
+            <p:cNvPr id="14" name="Group 13"/>
+            <p:cNvGrpSpPr/>
+            <p:nvPr/>
+          </p:nvGrpSpPr>
+          <p:grpSpPr>
+            <a:xfrm>
+              <a:off x="10045" y="4404"/>
+              <a:ext cx="2692" cy="2692"/>
+              <a:chOff x="10045" y="4404"/>
+              <a:chExt cx="2692" cy="2692"/>
+            </a:xfrm>
+          </p:grpSpPr>
+          <p:grpSp>
+            <p:nvGrpSpPr>
+              <p:cNvPr id="5" name="Group 4"/>
+              <p:cNvGrpSpPr/>
+              <p:nvPr/>
+            </p:nvGrpSpPr>
+            <p:grpSpPr>
+              <a:xfrm>
+                <a:off x="10045" y="4404"/>
+                <a:ext cx="2692" cy="2692"/>
+                <a:chOff x="10045" y="4404"/>
+                <a:chExt cx="2692" cy="2692"/>
+              </a:xfrm>
+            </p:grpSpPr>
+            <p:grpSp>
+              <p:nvGrpSpPr>
+                <p:cNvPr id="157" name="Group 156"/>
+                <p:cNvGrpSpPr/>
+                <p:nvPr/>
+              </p:nvGrpSpPr>
+              <p:grpSpPr>
+                <a:xfrm rot="0">
+                  <a:off x="10045" y="4404"/>
+                  <a:ext cx="2692" cy="2692"/>
+                  <a:chOff x="5479" y="4325"/>
+                  <a:chExt cx="2692" cy="2692"/>
+                </a:xfrm>
+              </p:grpSpPr>
+              <p:sp>
+                <p:nvSpPr>
+                  <p:cNvPr id="154" name="Oval 153"/>
+                  <p:cNvSpPr/>
+                  <p:nvPr/>
+                </p:nvSpPr>
+                <p:spPr>
+                  <a:xfrm>
+                    <a:off x="5479" y="4325"/>
+                    <a:ext cx="2692" cy="2692"/>
+                  </a:xfrm>
+                  <a:prstGeom prst="ellipse">
+                    <a:avLst/>
+                  </a:prstGeom>
+                  <a:solidFill>
+                    <a:schemeClr val="accent1">
+                      <a:lumMod val="60000"/>
+                      <a:lumOff val="40000"/>
+                    </a:schemeClr>
+                  </a:solidFill>
+                  <a:ln>
+                    <a:noFill/>
+                  </a:ln>
+                </p:spPr>
+                <p:style>
+                  <a:lnRef idx="2">
+                    <a:schemeClr val="accent1">
+                      <a:lumMod val="75000"/>
+                    </a:schemeClr>
+                  </a:lnRef>
+                  <a:fillRef idx="1">
+                    <a:schemeClr val="accent1"/>
+                  </a:fillRef>
+                  <a:effectRef idx="0">
+                    <a:srgbClr val="FFFFFF"/>
+                  </a:effectRef>
+                  <a:fontRef idx="minor">
+                    <a:schemeClr val="lt1"/>
+                  </a:fontRef>
+                </p:style>
+                <p:txBody>
+                  <a:bodyPr rtlCol="0" anchor="ctr"/>
+                  <a:p>
+                    <a:pPr algn="ctr"/>
+                    <a:endParaRPr lang="en-GB" altLang="en-US"/>
+                  </a:p>
+                </p:txBody>
+              </p:sp>
+              <p:grpSp>
+                <p:nvGrpSpPr>
+                  <p:cNvPr id="149" name="Group 148"/>
+                  <p:cNvGrpSpPr/>
+                  <p:nvPr/>
+                </p:nvGrpSpPr>
+                <p:grpSpPr>
+                  <a:xfrm>
+                    <a:off x="5633" y="4478"/>
+                    <a:ext cx="2384" cy="2384"/>
+                    <a:chOff x="5633" y="4478"/>
+                    <a:chExt cx="2384" cy="2384"/>
+                  </a:xfrm>
+                </p:grpSpPr>
+                <p:sp>
+                  <p:nvSpPr>
+                    <p:cNvPr id="142" name="Oval 141"/>
+                    <p:cNvSpPr/>
+                    <p:nvPr/>
+                  </p:nvSpPr>
+                  <p:spPr>
+                    <a:xfrm>
+                      <a:off x="5633" y="4478"/>
+                      <a:ext cx="2385" cy="2385"/>
+                    </a:xfrm>
+                    <a:prstGeom prst="ellipse">
+                      <a:avLst/>
+                    </a:prstGeom>
+                    <a:ln>
+                      <a:noFill/>
+                    </a:ln>
+                  </p:spPr>
+                  <p:style>
+                    <a:lnRef idx="2">
+                      <a:schemeClr val="accent1">
+                        <a:lumMod val="75000"/>
+                      </a:schemeClr>
+                    </a:lnRef>
+                    <a:fillRef idx="1">
+                      <a:schemeClr val="accent1"/>
+                    </a:fillRef>
+                    <a:effectRef idx="0">
+                      <a:srgbClr val="FFFFFF"/>
+                    </a:effectRef>
+                    <a:fontRef idx="minor">
+                      <a:schemeClr val="lt1"/>
+                    </a:fontRef>
+                  </p:style>
+                  <p:txBody>
+                    <a:bodyPr rtlCol="0" anchor="ctr"/>
+                    <a:p>
+                      <a:pPr algn="ctr"/>
+                      <a:endParaRPr lang="en-GB" altLang="en-US"/>
+                    </a:p>
+                  </p:txBody>
+                </p:sp>
+                <p:pic>
+                  <p:nvPicPr>
+                    <p:cNvPr id="95" name="Picture 94" descr="packet-svgrepo-com"/>
+                    <p:cNvPicPr>
+                      <a:picLocks noChangeAspect="1"/>
+                    </p:cNvPicPr>
+                    <p:nvPr/>
+                  </p:nvPicPr>
+                  <p:blipFill>
+                    <a:blip/>
+                    <a:stretch>
+                      <a:fillRect/>
+                    </a:stretch>
+                  </p:blipFill>
+                  <p:spPr>
+                    <a:xfrm>
+                      <a:off x="6603" y="4800"/>
+                      <a:ext cx="446" cy="446"/>
+                    </a:xfrm>
+                    <a:prstGeom prst="rect">
+                      <a:avLst/>
+                    </a:prstGeom>
+                  </p:spPr>
+                </p:pic>
+              </p:grpSp>
+            </p:grpSp>
+            <p:sp>
+              <p:nvSpPr>
+                <p:cNvPr id="160" name="Text Box 159"/>
+                <p:cNvSpPr txBox="1"/>
+                <p:nvPr/>
+              </p:nvSpPr>
+              <p:spPr>
+                <a:xfrm>
+                  <a:off x="10193" y="5583"/>
+                  <a:ext cx="2397" cy="1016"/>
+                </a:xfrm>
+                <a:prstGeom prst="rect">
+                  <a:avLst/>
+                </a:prstGeom>
+                <a:noFill/>
+              </p:spPr>
+              <p:txBody>
+                <a:bodyPr wrap="square" rtlCol="0">
+                  <a:spAutoFit/>
+                </a:bodyPr>
+                <a:p>
+                  <a:pPr algn="ctr"/>
+                  <a:r>
+                    <a:rPr lang="it-IT" altLang="en-GB"/>
+                    <a:t>Works over UDP</a:t>
+                  </a:r>
+                  <a:endParaRPr lang="it-IT" altLang="en-GB"/>
+                </a:p>
+              </p:txBody>
+            </p:sp>
+          </p:grpSp>
+          <p:pic>
+            <p:nvPicPr>
+              <p:cNvPr id="168" name="Picture 167" descr="lightning-bolt-svgrepo-com"/>
+              <p:cNvPicPr>
+                <a:picLocks noChangeAspect="1"/>
+              </p:cNvPicPr>
+              <p:nvPr/>
+            </p:nvPicPr>
+            <p:blipFill>
+              <a:blip r:embed="rId1">
+                <a:extLst>
+                  <a:ext uri="{96DAC541-7B7A-43D3-8B79-37D633B846F1}">
+                    <asvg:svgBlip xmlns:asvg="http://schemas.microsoft.com/office/drawing/2016/SVG/main" r:embed="rId2"/>
+                  </a:ext>
+                </a:extLst>
+              </a:blip>
+              <a:stretch>
+                <a:fillRect/>
+              </a:stretch>
+            </p:blipFill>
+            <p:spPr>
+              <a:xfrm>
+                <a:off x="11168" y="4879"/>
+                <a:ext cx="446" cy="446"/>
+              </a:xfrm>
+              <a:prstGeom prst="rect">
+                <a:avLst/>
+              </a:prstGeom>
+            </p:spPr>
+          </p:pic>
+        </p:grpSp>
+        <p:grpSp>
+          <p:nvGrpSpPr>
+            <p:cNvPr id="13" name="Group 12"/>
+            <p:cNvGrpSpPr/>
+            <p:nvPr/>
+          </p:nvGrpSpPr>
+          <p:grpSpPr>
+            <a:xfrm>
+              <a:off x="6868" y="4404"/>
+              <a:ext cx="2692" cy="2692"/>
+              <a:chOff x="6868" y="4404"/>
+              <a:chExt cx="2692" cy="2692"/>
+            </a:xfrm>
+          </p:grpSpPr>
+          <p:grpSp>
+            <p:nvGrpSpPr>
+              <p:cNvPr id="3" name="Group 2"/>
+              <p:cNvGrpSpPr/>
+              <p:nvPr/>
+            </p:nvGrpSpPr>
+            <p:grpSpPr>
+              <a:xfrm>
+                <a:off x="6868" y="4404"/>
+                <a:ext cx="2692" cy="2692"/>
+                <a:chOff x="6868" y="4404"/>
+                <a:chExt cx="2692" cy="2692"/>
+              </a:xfrm>
+            </p:grpSpPr>
+            <p:grpSp>
+              <p:nvGrpSpPr>
+                <p:cNvPr id="156" name="Group 155"/>
+                <p:cNvGrpSpPr/>
+                <p:nvPr/>
+              </p:nvGrpSpPr>
+              <p:grpSpPr>
+                <a:xfrm rot="0">
+                  <a:off x="6868" y="4404"/>
+                  <a:ext cx="2692" cy="2692"/>
+                  <a:chOff x="2337" y="4478"/>
+                  <a:chExt cx="2692" cy="2692"/>
+                </a:xfrm>
+              </p:grpSpPr>
+              <p:sp>
+                <p:nvSpPr>
+                  <p:cNvPr id="145" name="Oval 144"/>
+                  <p:cNvSpPr/>
+                  <p:nvPr/>
+                </p:nvSpPr>
+                <p:spPr>
+                  <a:xfrm>
+                    <a:off x="2337" y="4478"/>
+                    <a:ext cx="2692" cy="2692"/>
+                  </a:xfrm>
+                  <a:prstGeom prst="ellipse">
+                    <a:avLst/>
+                  </a:prstGeom>
+                  <a:solidFill>
+                    <a:schemeClr val="accent1">
+                      <a:lumMod val="60000"/>
+                      <a:lumOff val="40000"/>
+                    </a:schemeClr>
+                  </a:solidFill>
+                  <a:ln>
+                    <a:noFill/>
+                  </a:ln>
+                </p:spPr>
+                <p:style>
+                  <a:lnRef idx="2">
+                    <a:schemeClr val="accent1">
+                      <a:lumMod val="75000"/>
+                    </a:schemeClr>
+                  </a:lnRef>
+                  <a:fillRef idx="1">
+                    <a:schemeClr val="accent1"/>
+                  </a:fillRef>
+                  <a:effectRef idx="0">
+                    <a:srgbClr val="FFFFFF"/>
+                  </a:effectRef>
+                  <a:fontRef idx="minor">
+                    <a:schemeClr val="lt1"/>
+                  </a:fontRef>
+                </p:style>
+                <p:txBody>
+                  <a:bodyPr rtlCol="0" anchor="ctr"/>
+                  <a:p>
+                    <a:pPr algn="ctr"/>
+                    <a:endParaRPr lang="en-GB" altLang="en-US"/>
+                  </a:p>
+                </p:txBody>
+              </p:sp>
+              <p:sp>
+                <p:nvSpPr>
+                  <p:cNvPr id="139" name="Oval 138"/>
+                  <p:cNvSpPr/>
+                  <p:nvPr/>
+                </p:nvSpPr>
+                <p:spPr>
+                  <a:xfrm>
+                    <a:off x="2489" y="4632"/>
+                    <a:ext cx="2385" cy="2385"/>
+                  </a:xfrm>
+                  <a:prstGeom prst="ellipse">
+                    <a:avLst/>
+                  </a:prstGeom>
+                  <a:ln>
+                    <a:noFill/>
+                  </a:ln>
+                </p:spPr>
+                <p:style>
+                  <a:lnRef idx="2">
+                    <a:schemeClr val="accent1">
+                      <a:lumMod val="75000"/>
+                    </a:schemeClr>
+                  </a:lnRef>
+                  <a:fillRef idx="1">
+                    <a:schemeClr val="accent1"/>
+                  </a:fillRef>
+                  <a:effectRef idx="0">
+                    <a:srgbClr val="FFFFFF"/>
+                  </a:effectRef>
+                  <a:fontRef idx="minor">
+                    <a:schemeClr val="lt1"/>
+                  </a:fontRef>
+                </p:style>
+                <p:txBody>
+                  <a:bodyPr rtlCol="0" anchor="ctr"/>
+                  <a:p>
+                    <a:pPr algn="ctr"/>
+                    <a:endParaRPr lang="it-IT" altLang="en-GB"/>
+                  </a:p>
+                </p:txBody>
+              </p:sp>
+            </p:grpSp>
+            <p:sp>
+              <p:nvSpPr>
+                <p:cNvPr id="159" name="Text Box 158"/>
+                <p:cNvSpPr txBox="1"/>
+                <p:nvPr/>
+              </p:nvSpPr>
+              <p:spPr>
+                <a:xfrm>
+                  <a:off x="7315" y="5583"/>
+                  <a:ext cx="1799" cy="1016"/>
+                </a:xfrm>
+                <a:prstGeom prst="rect">
+                  <a:avLst/>
+                </a:prstGeom>
+                <a:noFill/>
+              </p:spPr>
+              <p:txBody>
+                <a:bodyPr wrap="square" rtlCol="0">
+                  <a:spAutoFit/>
+                </a:bodyPr>
+                <a:p>
+                  <a:pPr algn="ctr"/>
+                  <a:r>
+                    <a:rPr lang="it-IT" altLang="en-GB"/>
+                    <a:t>CombinedLayers</a:t>
+                  </a:r>
+                  <a:endParaRPr lang="it-IT" altLang="en-GB"/>
+                </a:p>
+              </p:txBody>
+            </p:sp>
+          </p:grpSp>
+          <p:pic>
+            <p:nvPicPr>
+              <p:cNvPr id="11" name="Picture 10" descr="server-svgrepo-com (1)"/>
+              <p:cNvPicPr>
+                <a:picLocks noChangeAspect="1"/>
+              </p:cNvPicPr>
+              <p:nvPr/>
+            </p:nvPicPr>
+            <p:blipFill>
+              <a:blip r:embed="rId3">
+                <a:extLst>
+                  <a:ext uri="{96DAC541-7B7A-43D3-8B79-37D633B846F1}">
+                    <asvg:svgBlip xmlns:asvg="http://schemas.microsoft.com/office/drawing/2016/SVG/main" r:embed="rId4"/>
+                  </a:ext>
+                </a:extLst>
+              </a:blip>
+              <a:stretch>
+                <a:fillRect/>
+              </a:stretch>
+            </p:blipFill>
+            <p:spPr>
+              <a:xfrm>
+                <a:off x="7991" y="4879"/>
+                <a:ext cx="446" cy="446"/>
+              </a:xfrm>
+              <a:prstGeom prst="rect">
+                <a:avLst/>
+              </a:prstGeom>
+            </p:spPr>
+          </p:pic>
+        </p:grpSp>
+        <p:grpSp>
+          <p:nvGrpSpPr>
+            <p:cNvPr id="15" name="Group 14"/>
+            <p:cNvGrpSpPr/>
+            <p:nvPr/>
+          </p:nvGrpSpPr>
+          <p:grpSpPr>
+            <a:xfrm>
+              <a:off x="13154" y="4404"/>
+              <a:ext cx="2692" cy="2692"/>
+              <a:chOff x="13154" y="4404"/>
+              <a:chExt cx="2692" cy="2692"/>
+            </a:xfrm>
+          </p:grpSpPr>
+          <p:grpSp>
+            <p:nvGrpSpPr>
+              <p:cNvPr id="9" name="Group 8"/>
+              <p:cNvGrpSpPr/>
+              <p:nvPr/>
+            </p:nvGrpSpPr>
+            <p:grpSpPr>
+              <a:xfrm>
+                <a:off x="13154" y="4404"/>
+                <a:ext cx="2692" cy="2692"/>
+                <a:chOff x="13154" y="4404"/>
+                <a:chExt cx="2692" cy="2692"/>
+              </a:xfrm>
+            </p:grpSpPr>
+            <p:grpSp>
+              <p:nvGrpSpPr>
+                <p:cNvPr id="158" name="Group 157"/>
+                <p:cNvGrpSpPr/>
+                <p:nvPr/>
+              </p:nvGrpSpPr>
+              <p:grpSpPr>
+                <a:xfrm rot="0">
+                  <a:off x="13154" y="4404"/>
+                  <a:ext cx="2692" cy="2692"/>
+                  <a:chOff x="8623" y="4325"/>
+                  <a:chExt cx="2692" cy="2692"/>
+                </a:xfrm>
+              </p:grpSpPr>
+              <p:sp>
+                <p:nvSpPr>
+                  <p:cNvPr id="155" name="Oval 154"/>
+                  <p:cNvSpPr/>
+                  <p:nvPr/>
+                </p:nvSpPr>
+                <p:spPr>
+                  <a:xfrm>
+                    <a:off x="8623" y="4325"/>
+                    <a:ext cx="2692" cy="2692"/>
+                  </a:xfrm>
+                  <a:prstGeom prst="ellipse">
+                    <a:avLst/>
+                  </a:prstGeom>
+                  <a:solidFill>
+                    <a:schemeClr val="accent1">
+                      <a:lumMod val="60000"/>
+                      <a:lumOff val="40000"/>
+                    </a:schemeClr>
+                  </a:solidFill>
+                  <a:ln>
+                    <a:noFill/>
+                  </a:ln>
+                </p:spPr>
+                <p:style>
+                  <a:lnRef idx="2">
+                    <a:schemeClr val="accent1">
+                      <a:lumMod val="75000"/>
+                    </a:schemeClr>
+                  </a:lnRef>
+                  <a:fillRef idx="1">
+                    <a:schemeClr val="accent1"/>
+                  </a:fillRef>
+                  <a:effectRef idx="0">
+                    <a:srgbClr val="FFFFFF"/>
+                  </a:effectRef>
+                  <a:fontRef idx="minor">
+                    <a:schemeClr val="lt1"/>
+                  </a:fontRef>
+                </p:style>
+                <p:txBody>
+                  <a:bodyPr rtlCol="0" anchor="ctr"/>
+                  <a:p>
+                    <a:pPr algn="ctr"/>
+                    <a:endParaRPr lang="en-GB" altLang="en-US"/>
+                  </a:p>
+                </p:txBody>
+              </p:sp>
+              <p:sp>
+                <p:nvSpPr>
+                  <p:cNvPr id="143" name="Oval 142"/>
+                  <p:cNvSpPr/>
+                  <p:nvPr/>
+                </p:nvSpPr>
+                <p:spPr>
+                  <a:xfrm>
+                    <a:off x="8777" y="4478"/>
+                    <a:ext cx="2385" cy="2385"/>
+                  </a:xfrm>
+                  <a:prstGeom prst="ellipse">
+                    <a:avLst/>
+                  </a:prstGeom>
+                  <a:ln>
+                    <a:noFill/>
+                  </a:ln>
+                </p:spPr>
+                <p:style>
+                  <a:lnRef idx="2">
+                    <a:schemeClr val="accent1">
+                      <a:lumMod val="75000"/>
+                    </a:schemeClr>
+                  </a:lnRef>
+                  <a:fillRef idx="1">
+                    <a:schemeClr val="accent1"/>
+                  </a:fillRef>
+                  <a:effectRef idx="0">
+                    <a:srgbClr val="FFFFFF"/>
+                  </a:effectRef>
+                  <a:fontRef idx="minor">
+                    <a:schemeClr val="lt1"/>
+                  </a:fontRef>
+                </p:style>
+                <p:txBody>
+                  <a:bodyPr rtlCol="0" anchor="ctr"/>
+                  <a:p>
+                    <a:pPr algn="ctr"/>
+                    <a:endParaRPr lang="en-GB" altLang="en-US"/>
+                  </a:p>
+                </p:txBody>
+              </p:sp>
+            </p:grpSp>
+            <p:sp>
+              <p:nvSpPr>
+                <p:cNvPr id="163" name="Text Box 162"/>
+                <p:cNvSpPr txBox="1"/>
+                <p:nvPr/>
+              </p:nvSpPr>
+              <p:spPr>
+                <a:xfrm>
+                  <a:off x="13424" y="5801"/>
+                  <a:ext cx="2152" cy="580"/>
+                </a:xfrm>
+                <a:prstGeom prst="rect">
+                  <a:avLst/>
+                </a:prstGeom>
+                <a:noFill/>
+              </p:spPr>
+              <p:txBody>
+                <a:bodyPr wrap="square" rtlCol="0">
+                  <a:spAutoFit/>
+                </a:bodyPr>
+                <a:p>
+                  <a:pPr algn="ctr"/>
+                  <a:r>
+                    <a:rPr lang="it-IT" altLang="en-GB"/>
+                    <a:t>Multiplexing</a:t>
+                  </a:r>
+                  <a:endParaRPr lang="it-IT" altLang="en-GB"/>
+                </a:p>
+              </p:txBody>
+            </p:sp>
+          </p:grpSp>
+          <p:pic>
+            <p:nvPicPr>
+              <p:cNvPr id="12" name="Picture 11" descr="directions-arrows-cross-svgrepo-com"/>
+              <p:cNvPicPr>
+                <a:picLocks noChangeAspect="1"/>
+              </p:cNvPicPr>
+              <p:nvPr/>
+            </p:nvPicPr>
+            <p:blipFill>
+              <a:blip r:embed="rId5">
+                <a:extLst>
+                  <a:ext uri="{96DAC541-7B7A-43D3-8B79-37D633B846F1}">
+                    <asvg:svgBlip xmlns:asvg="http://schemas.microsoft.com/office/drawing/2016/SVG/main" r:embed="rId6"/>
+                  </a:ext>
+                </a:extLst>
+              </a:blip>
+              <a:stretch>
+                <a:fillRect/>
+              </a:stretch>
+            </p:blipFill>
+            <p:spPr>
+              <a:xfrm>
+                <a:off x="14277" y="4879"/>
+                <a:ext cx="446" cy="446"/>
+              </a:xfrm>
+              <a:prstGeom prst="rect">
+                <a:avLst/>
+              </a:prstGeom>
+            </p:spPr>
+          </p:pic>
+        </p:grpSp>
+      </p:grpSp>
+    </p:spTree>
+  </p:cSld>
+  <p:clrMapOvr>
+    <a:masterClrMapping/>
+  </p:clrMapOvr>
+  <mc:AlternateContent xmlns:mc="http://schemas.openxmlformats.org/markup-compatibility/2006" xmlns:p159="http://schemas.microsoft.com/office/powerpoint/2015/09/main">
+    <mc:Choice Requires="p159">
+      <p:transition xmlns:p14="http://schemas.microsoft.com/office/powerpoint/2010/main" spd="slow" p14:dur="2000">
+        <p159:morph option="byObject"/>
+      </p:transition>
+    </mc:Choice>
+    <mc:Fallback>
+      <p:transition spd="slow">
+        <p:fade/>
+      </p:transition>
+    </mc:Fallback>
+  </mc:AlternateContent>
+</p:sld>
+</file>
+
+<file path=ppt/slides/slide5.xml><?xml version="1.0" encoding="utf-8"?>
+<p:sld xmlns:a="http://schemas.openxmlformats.org/drawingml/2006/main" xmlns:r="http://schemas.openxmlformats.org/officeDocument/2006/relationships" xmlns:p="http://schemas.openxmlformats.org/presentationml/2006/main">
+  <p:cSld>
+    <p:bg>
+      <p:bgPr>
+        <a:solidFill>
+          <a:schemeClr val="bg1">
+            <a:lumMod val="85000"/>
+            <a:alpha val="40000"/>
+          </a:schemeClr>
+        </a:solidFill>
+        <a:effectLst/>
+      </p:bgPr>
+    </p:bg>
+    <p:spTree>
+      <p:nvGrpSpPr>
+        <p:cNvPr id="1" name=""/>
+        <p:cNvGrpSpPr/>
+        <p:nvPr/>
+      </p:nvGrpSpPr>
+      <p:grpSpPr>
+        <a:xfrm>
+          <a:off x="0" y="0"/>
+          <a:ext cx="0" cy="0"/>
+          <a:chOff x="0" y="0"/>
+          <a:chExt cx="0" cy="0"/>
+        </a:xfrm>
+      </p:grpSpPr>
+      <p:sp>
+        <p:nvSpPr>
+          <p:cNvPr id="4" name="Rectangles 3"/>
+          <p:cNvSpPr/>
+          <p:nvPr/>
+        </p:nvSpPr>
+        <p:spPr>
+          <a:xfrm>
+            <a:off x="584200" y="463550"/>
+            <a:ext cx="11132185" cy="5862320"/>
+          </a:xfrm>
+          <a:prstGeom prst="rect">
+            <a:avLst/>
+          </a:prstGeom>
+          <a:solidFill>
+            <a:schemeClr val="bg1"/>
+          </a:solidFill>
+          <a:ln>
+            <a:noFill/>
+          </a:ln>
+          <a:effectLst>
+            <a:outerShdw blurRad="50800" dist="38100" dir="8100000" algn="tr" rotWithShape="0">
+              <a:prstClr val="black">
+                <a:alpha val="25000"/>
+              </a:prstClr>
+            </a:outerShdw>
+          </a:effectLst>
+        </p:spPr>
+        <p:style>
+          <a:lnRef idx="2">
+            <a:schemeClr val="accent1">
+              <a:lumMod val="75000"/>
+            </a:schemeClr>
+          </a:lnRef>
+          <a:fillRef idx="1">
+            <a:schemeClr val="accent1"/>
+          </a:fillRef>
+          <a:effectRef idx="0">
+            <a:srgbClr val="FFFFFF"/>
+          </a:effectRef>
+          <a:fontRef idx="minor">
+            <a:schemeClr val="lt1"/>
+          </a:fontRef>
+        </p:style>
+        <p:txBody>
+          <a:bodyPr rtlCol="0" anchor="ctr"/>
+          <a:p>
+            <a:pPr algn="ctr"/>
+            <a:endParaRPr lang="en-GB" altLang="en-US"/>
+          </a:p>
+        </p:txBody>
+      </p:sp>
+      <p:sp>
+        <p:nvSpPr>
+          <p:cNvPr id="6" name="Text Box 5"/>
+          <p:cNvSpPr txBox="1"/>
+          <p:nvPr/>
+        </p:nvSpPr>
+        <p:spPr>
+          <a:xfrm>
+            <a:off x="984250" y="1050290"/>
             <a:ext cx="2240915" cy="829945"/>
           </a:xfrm>
           <a:prstGeom prst="rect">
@@ -5935,7 +7709,7 @@
         </p:nvSpPr>
         <p:spPr>
           <a:xfrm>
-            <a:off x="924560" y="5642610"/>
+            <a:off x="878625" y="5642610"/>
             <a:ext cx="311150" cy="306705"/>
           </a:xfrm>
           <a:prstGeom prst="rect">
@@ -5950,7 +7724,7 @@
           <a:p>
             <a:r>
               <a:rPr lang="it-IT" altLang="en-GB" sz="1400"/>
-              <a:t>4</a:t>
+              <a:t>5</a:t>
             </a:r>
             <a:endParaRPr lang="it-IT" altLang="en-GB" sz="1400"/>
           </a:p>
@@ -6893,7 +8667,10 @@
                   </a:schemeClr>
                 </a:gs>
                 <a:gs pos="100000">
-                  <a:srgbClr val="7030A0"/>
+                  <a:schemeClr val="accent1">
+                    <a:lumMod val="20000"/>
+                    <a:lumOff val="80000"/>
+                  </a:schemeClr>
                 </a:gs>
               </a:gsLst>
               <a:lin ang="0" scaled="0"/>
@@ -6951,9 +8728,7 @@
               <a:r>
                 <a:rPr lang="it-IT" altLang="en-US" b="1" dirty="0">
                   <a:solidFill>
-                    <a:schemeClr val="lt1">
-                      <a:lumMod val="100000"/>
-                    </a:schemeClr>
+                    <a:schemeClr val="tx1"/>
                   </a:solidFill>
                   <a:latin typeface="+mj-lt"/>
                   <a:sym typeface="+mn-ea"/>
@@ -6962,9 +8737,7 @@
               </a:r>
               <a:endParaRPr lang="it-IT" altLang="en-US" b="1" dirty="0">
                 <a:solidFill>
-                  <a:schemeClr val="lt1">
-                    <a:lumMod val="100000"/>
-                  </a:schemeClr>
+                  <a:schemeClr val="tx1"/>
                 </a:solidFill>
                 <a:latin typeface="+mj-lt"/>
                 <a:sym typeface="+mn-ea"/>
@@ -7046,7 +8819,7 @@
   <p:tag name="KSO_WM_UNIT_COMPATIBLE" val="0"/>
   <p:tag name="KSO_WM_UNIT_DIAGRAM_ISNUMVISUAL" val="0"/>
   <p:tag name="KSO_WM_UNIT_DIAGRAM_ISREFERUNIT" val="0"/>
-  <p:tag name="KSO_WM_UNIT_ID" val="diagram20238176_2*n_h_i*1_1_2"/>
+  <p:tag name="KSO_WM_UNIT_ID" val="diagram20238176_2*n_h_i*1_1_1"/>
   <p:tag name="KSO_WM_TEMPLATE_CATEGORY" val="diagram"/>
   <p:tag name="KSO_WM_TEMPLATE_INDEX" val="20238176"/>
   <p:tag name="KSO_WM_UNIT_LAYERLEVEL" val="1_1_1"/>
@@ -7056,14 +8829,12 @@
   <p:tag name="KSO_WM_DIAGRAM_COLOR_TEXT_CAN_REMOVE" val="n"/>
   <p:tag name="KSO_WM_DIAGRAM_GROUP_CODE" val="n1-1"/>
   <p:tag name="KSO_WM_UNIT_TYPE" val="n_h_i"/>
-  <p:tag name="KSO_WM_UNIT_INDEX" val="1_1_2"/>
+  <p:tag name="KSO_WM_UNIT_INDEX" val="1_1_1"/>
   <p:tag name="KSO_WM_DIAGRAM_MAX_ITEMCNT" val="6"/>
   <p:tag name="KSO_WM_DIAGRAM_MIN_ITEMCNT" val="2"/>
   <p:tag name="KSO_WM_DIAGRAM_VIRTUALLY_FRAME" val="{&quot;height&quot;:372.9,&quot;left&quot;:53.57498779296875,&quot;top&quot;:83.6,&quot;width&quot;:852.9000244140625}"/>
-  <p:tag name="KSO_WM_DIAGRAM_COLOR_MATCH_VALUE" val="{&quot;shape&quot;:{&quot;fill&quot;:{&quot;solid&quot;:{&quot;brightness&quot;:0.800000011920929,&quot;colorType&quot;:1,&quot;foreColorIndex&quot;:5,&quot;transparency&quot;:0.4000000059604645},&quot;type&quot;:1},&quot;glow&quot;:{&quot;colorType&quot;:0},&quot;line&quot;:{&quot;type&quot;:0},&quot;shadow&quot;:{&quot;colorType&quot;:0},&quot;threeD&quot;:{&quot;curvedSurface&quot;:{&quot;brightness&quot;:0,&quot;colorType&quot;:2,&quot;rgb&quot;:&quot;#000000&quot;},&quot;depth&quot;:{&quot;colorType&quot;:0}}},&quot;text&quot;:{&quot;fill&quot;:{&quot;solid&quot;:{&quot;brightness&quot;:0,&quot;colorType&quot;:1,&quot;foreColorIndex&quot;:2,&quot;transparency&quot;:0},&quot;type&quot;:1},&quot;glow&quot;:{&quot;colorType&quot;:0},&quot;line&quot;:{&quot;type&quot;:0},&quot;shadow&quot;:{&quot;colorType&quot;:0},&quot;threeD&quot;:{&quot;curvedSurface&quot;:{&quot;brightness&quot;:0,&quot;colorType&quot;:2,&quot;rgb&quot;:&quot;#000000&quot;},&quot;depth&quot;:{&quot;colorType&quot;:0}}}}"/>
-  <p:tag name="KSO_WM_UNIT_FILL_TYPE" val="1"/>
-  <p:tag name="KSO_WM_UNIT_FILL_FORE_SCHEMECOLOR_INDEX" val="5"/>
-  <p:tag name="KSO_WM_UNIT_FILL_FORE_SCHEMECOLOR_INDEX_BRIGHTNESS" val="0.8"/>
+  <p:tag name="KSO_WM_DIAGRAM_COLOR_MATCH_VALUE" val="{&quot;shape&quot;:{&quot;fill&quot;:{&quot;gradient&quot;:[{&quot;brightness&quot;:0.800000011920929,&quot;colorType&quot;:1,&quot;foreColorIndex&quot;:5,&quot;pos&quot;:0,&quot;transparency&quot;:1},{&quot;brightness&quot;:0.800000011920929,&quot;colorType&quot;:1,&quot;foreColorIndex&quot;:5,&quot;pos&quot;:1,&quot;transparency&quot;:0.49000000953674316}],&quot;type&quot;:3},&quot;glow&quot;:{&quot;colorType&quot;:0},&quot;line&quot;:{&quot;type&quot;:0},&quot;shadow&quot;:{&quot;colorType&quot;:0},&quot;threeD&quot;:{&quot;curvedSurface&quot;:{&quot;brightness&quot;:0,&quot;colorType&quot;:2,&quot;rgb&quot;:&quot;#000000&quot;},&quot;depth&quot;:{&quot;colorType&quot;:0}}},&quot;text&quot;:{&quot;fill&quot;:{&quot;solid&quot;:{&quot;brightness&quot;:0,&quot;colorType&quot;:1,&quot;foreColorIndex&quot;:2,&quot;transparency&quot;:0},&quot;type&quot;:1},&quot;glow&quot;:{&quot;colorType&quot;:0},&quot;line&quot;:{&quot;type&quot;:0},&quot;shadow&quot;:{&quot;colorType&quot;:0},&quot;threeD&quot;:{&quot;curvedSurface&quot;:{&quot;brightness&quot;:0,&quot;colorType&quot;:2,&quot;rgb&quot;:&quot;#000000&quot;},&quot;depth&quot;:{&quot;colorType&quot;:0}}}}"/>
+  <p:tag name="KSO_WM_UNIT_FILL_TYPE" val="3"/>
   <p:tag name="KSO_WM_DIAGRAM_USE_COLOR_VALUE" val="{&quot;color_scheme&quot;:1,&quot;color_type&quot;:1,&quot;theme_color_indexes&quot;:[]}"/>
 </p:tagLst>
 </file>
@@ -7073,7 +8844,7 @@
   <p:tag name="KSO_WM_UNIT_TEXT_FILL_FORE_SCHEMECOLOR_INDEX_BRIGHTNESS" val="0.15"/>
   <p:tag name="KSO_WM_DIAGRAM_MAX_ITEMCNT" val="4"/>
   <p:tag name="KSO_WM_DIAGRAM_MIN_ITEMCNT" val="2"/>
-  <p:tag name="KSO_WM_DIAGRAM_VIRTUALLY_FRAME" val="{&quot;height&quot;:351.67499847412114,&quot;left&quot;:54.80003326656315,&quot;top&quot;:179.30004089595764,&quot;width&quot;:850.4500122070312}"/>
+  <p:tag name="KSO_WM_DIAGRAM_VIRTUALLY_FRAME" val="{&quot;height&quot;:351.67499847412114,&quot;left&quot;:54.80003326656315,&quot;top&quot;:179.30004089595764,&quot;width&quot;:854.6750061035157}"/>
   <p:tag name="KSO_WM_DIAGRAM_COLOR_MATCH_VALUE" val="{&quot;shape&quot;:{&quot;fill&quot;:{&quot;type&quot;:0},&quot;glow&quot;:{&quot;colorType&quot;:0},&quot;line&quot;:{&quot;type&quot;:0},&quot;shadow&quot;:{&quot;colorType&quot;:0},&quot;threeD&quot;:{&quot;curvedSurface&quot;:{&quot;brightness&quot;:0,&quot;colorType&quot;:2,&quot;rgb&quot;:&quot;#000000&quot;},&quot;depth&quot;:{&quot;colorType&quot;:0}}},&quot;text&quot;:{&quot;fill&quot;:{&quot;solid&quot;:{&quot;brightness&quot;:0,&quot;colorType&quot;:1,&quot;foreColorIndex&quot;:5,&quot;transparency&quot;:0},&quot;type&quot;:1},&quot;glow&quot;:{&quot;colorType&quot;:0},&quot;line&quot;:{&quot;type&quot;:0},&quot;shadow&quot;:{&quot;colorType&quot;:0},&quot;threeD&quot;:{&quot;curvedSurface&quot;:{&quot;brightness&quot;:0,&quot;colorType&quot;:2,&quot;rgb&quot;:&quot;#000000&quot;},&quot;depth&quot;:{&quot;colorType&quot;:0}}}}"/>
   <p:tag name="KSO_WM_DIAGRAM_VERSION" val="3"/>
   <p:tag name="KSO_WM_DIAGRAM_COLOR_TRICK" val="1"/>
@@ -7106,7 +8877,7 @@
   <p:tag name="KSO_WM_UNIT_TEXT_FILL_FORE_SCHEMECOLOR_INDEX_BRIGHTNESS" val="0.15"/>
   <p:tag name="KSO_WM_DIAGRAM_MAX_ITEMCNT" val="4"/>
   <p:tag name="KSO_WM_DIAGRAM_MIN_ITEMCNT" val="2"/>
-  <p:tag name="KSO_WM_DIAGRAM_VIRTUALLY_FRAME" val="{&quot;height&quot;:351.67499847412114,&quot;left&quot;:54.80003326656315,&quot;top&quot;:179.30004089595764,&quot;width&quot;:850.4500122070312}"/>
+  <p:tag name="KSO_WM_DIAGRAM_VIRTUALLY_FRAME" val="{&quot;height&quot;:351.67499847412114,&quot;left&quot;:54.80003326656315,&quot;top&quot;:179.30004089595764,&quot;width&quot;:854.6750061035157}"/>
   <p:tag name="KSO_WM_DIAGRAM_COLOR_MATCH_VALUE" val="{&quot;shape&quot;:{&quot;fill&quot;:{&quot;type&quot;:0},&quot;glow&quot;:{&quot;colorType&quot;:0},&quot;line&quot;:{&quot;type&quot;:0},&quot;shadow&quot;:{&quot;colorType&quot;:0},&quot;threeD&quot;:{&quot;curvedSurface&quot;:{&quot;brightness&quot;:0,&quot;colorType&quot;:2,&quot;rgb&quot;:&quot;#000000&quot;},&quot;depth&quot;:{&quot;colorType&quot;:0}}},&quot;text&quot;:{&quot;fill&quot;:{&quot;solid&quot;:{&quot;brightness&quot;:0.15000000596046448,&quot;colorType&quot;:1,&quot;foreColorIndex&quot;:13,&quot;transparency&quot;:0},&quot;type&quot;:1},&quot;glow&quot;:{&quot;colorType&quot;:0},&quot;line&quot;:{&quot;type&quot;:0},&quot;shadow&quot;:{&quot;colorType&quot;:0},&quot;threeD&quot;:{&quot;curvedSurface&quot;:{&quot;brightness&quot;:0,&quot;colorType&quot;:2,&quot;rgb&quot;:&quot;#000000&quot;},&quot;depth&quot;:{&quot;colorType&quot;:0}}}}"/>
   <p:tag name="KSO_WM_DIAGRAM_VERSION" val="3"/>
   <p:tag name="KSO_WM_DIAGRAM_COLOR_TRICK" val="1"/>
@@ -7143,7 +8914,7 @@
 <p:tagLst xmlns:p="http://schemas.openxmlformats.org/presentationml/2006/main">
   <p:tag name="KSO_WM_DIAGRAM_MAX_ITEMCNT" val="4"/>
   <p:tag name="KSO_WM_DIAGRAM_MIN_ITEMCNT" val="2"/>
-  <p:tag name="KSO_WM_DIAGRAM_VIRTUALLY_FRAME" val="{&quot;height&quot;:351.67499847412114,&quot;left&quot;:54.80003326656315,&quot;top&quot;:179.30004089595764,&quot;width&quot;:850.4500122070312}"/>
+  <p:tag name="KSO_WM_DIAGRAM_VIRTUALLY_FRAME" val="{&quot;height&quot;:351.67499847412114,&quot;left&quot;:54.80003326656315,&quot;top&quot;:179.30004089595764,&quot;width&quot;:854.6750061035157}"/>
   <p:tag name="KSO_WM_DIAGRAM_COLOR_MATCH_VALUE" val="{&quot;shape&quot;:{&quot;fill&quot;:{&quot;solid&quot;:{&quot;brightness&quot;:0.6000000238418579,&quot;colorType&quot;:1,&quot;foreColorIndex&quot;:5,&quot;transparency&quot;:0.800000011920929},&quot;type&quot;:1},&quot;glow&quot;:{&quot;colorType&quot;:0},&quot;line&quot;:{&quot;type&quot;:0},&quot;shadow&quot;:{&quot;colorType&quot;:0},&quot;threeD&quot;:{&quot;curvedSurface&quot;:{&quot;brightness&quot;:0,&quot;colorType&quot;:2,&quot;rgb&quot;:&quot;#000000&quot;},&quot;depth&quot;:{&quot;colorType&quot;:0}}},&quot;text&quot;:{&quot;fill&quot;:{&quot;solid&quot;:{&quot;brightness&quot;:0,&quot;colorType&quot;:1,&quot;foreColorIndex&quot;:2,&quot;transparency&quot;:0},&quot;type&quot;:1},&quot;glow&quot;:{&quot;colorType&quot;:0},&quot;line&quot;:{&quot;type&quot;:0},&quot;shadow&quot;:{&quot;colorType&quot;:0},&quot;threeD&quot;:{&quot;curvedSurface&quot;:{&quot;brightness&quot;:0,&quot;colorType&quot;:2,&quot;rgb&quot;:&quot;#000000&quot;},&quot;depth&quot;:{&quot;colorType&quot;:0}}}}"/>
   <p:tag name="KSO_WM_DIAGRAM_VERSION" val="3"/>
   <p:tag name="KSO_WM_DIAGRAM_COLOR_TRICK" val="1"/>
@@ -7172,7 +8943,7 @@
   <p:tag name="KSO_WM_UNIT_TEXT_FILL_FORE_SCHEMECOLOR_INDEX_BRIGHTNESS" val="0.15"/>
   <p:tag name="KSO_WM_DIAGRAM_MAX_ITEMCNT" val="4"/>
   <p:tag name="KSO_WM_DIAGRAM_MIN_ITEMCNT" val="2"/>
-  <p:tag name="KSO_WM_DIAGRAM_VIRTUALLY_FRAME" val="{&quot;height&quot;:351.67499847412114,&quot;left&quot;:54.80003326656315,&quot;top&quot;:179.30004089595764,&quot;width&quot;:850.4500122070312}"/>
+  <p:tag name="KSO_WM_DIAGRAM_VIRTUALLY_FRAME" val="{&quot;height&quot;:351.67499847412114,&quot;left&quot;:54.80003326656315,&quot;top&quot;:179.30004089595764,&quot;width&quot;:854.6750061035157}"/>
   <p:tag name="KSO_WM_DIAGRAM_COLOR_MATCH_VALUE" val="{&quot;shape&quot;:{&quot;fill&quot;:{&quot;type&quot;:0},&quot;glow&quot;:{&quot;colorType&quot;:0},&quot;line&quot;:{&quot;type&quot;:0},&quot;shadow&quot;:{&quot;colorType&quot;:0},&quot;threeD&quot;:{&quot;curvedSurface&quot;:{&quot;brightness&quot;:0,&quot;colorType&quot;:2,&quot;rgb&quot;:&quot;#000000&quot;},&quot;depth&quot;:{&quot;colorType&quot;:0}}},&quot;text&quot;:{&quot;fill&quot;:{&quot;solid&quot;:{&quot;brightness&quot;:0,&quot;colorType&quot;:1,&quot;foreColorIndex&quot;:5,&quot;transparency&quot;:0},&quot;type&quot;:1},&quot;glow&quot;:{&quot;colorType&quot;:0},&quot;line&quot;:{&quot;type&quot;:0},&quot;shadow&quot;:{&quot;colorType&quot;:0},&quot;threeD&quot;:{&quot;curvedSurface&quot;:{&quot;brightness&quot;:0,&quot;colorType&quot;:2,&quot;rgb&quot;:&quot;#000000&quot;},&quot;depth&quot;:{&quot;colorType&quot;:0}}}}"/>
   <p:tag name="KSO_WM_DIAGRAM_VERSION" val="3"/>
   <p:tag name="KSO_WM_DIAGRAM_COLOR_TRICK" val="1"/>
@@ -7205,7 +8976,7 @@
   <p:tag name="KSO_WM_UNIT_TEXT_FILL_FORE_SCHEMECOLOR_INDEX_BRIGHTNESS" val="0.15"/>
   <p:tag name="KSO_WM_DIAGRAM_MAX_ITEMCNT" val="4"/>
   <p:tag name="KSO_WM_DIAGRAM_MIN_ITEMCNT" val="2"/>
-  <p:tag name="KSO_WM_DIAGRAM_VIRTUALLY_FRAME" val="{&quot;height&quot;:351.67499847412114,&quot;left&quot;:54.80003326656315,&quot;top&quot;:179.30004089595764,&quot;width&quot;:850.4500122070312}"/>
+  <p:tag name="KSO_WM_DIAGRAM_VIRTUALLY_FRAME" val="{&quot;height&quot;:351.67499847412114,&quot;left&quot;:54.80003326656315,&quot;top&quot;:179.30004089595764,&quot;width&quot;:854.6750061035157}"/>
   <p:tag name="KSO_WM_DIAGRAM_COLOR_MATCH_VALUE" val="{&quot;shape&quot;:{&quot;fill&quot;:{&quot;type&quot;:0},&quot;glow&quot;:{&quot;colorType&quot;:0},&quot;line&quot;:{&quot;type&quot;:0},&quot;shadow&quot;:{&quot;colorType&quot;:0},&quot;threeD&quot;:{&quot;curvedSurface&quot;:{&quot;brightness&quot;:0,&quot;colorType&quot;:2,&quot;rgb&quot;:&quot;#000000&quot;},&quot;depth&quot;:{&quot;colorType&quot;:0}}},&quot;text&quot;:{&quot;fill&quot;:{&quot;solid&quot;:{&quot;brightness&quot;:0.15000000596046448,&quot;colorType&quot;:1,&quot;foreColorIndex&quot;:13,&quot;transparency&quot;:0},&quot;type&quot;:1},&quot;glow&quot;:{&quot;colorType&quot;:0},&quot;line&quot;:{&quot;type&quot;:0},&quot;shadow&quot;:{&quot;colorType&quot;:0},&quot;threeD&quot;:{&quot;curvedSurface&quot;:{&quot;brightness&quot;:0,&quot;colorType&quot;:2,&quot;rgb&quot;:&quot;#000000&quot;},&quot;depth&quot;:{&quot;colorType&quot;:0}}}}"/>
   <p:tag name="KSO_WM_DIAGRAM_VERSION" val="3"/>
   <p:tag name="KSO_WM_DIAGRAM_COLOR_TRICK" val="1"/>
@@ -7242,7 +9013,7 @@
 <p:tagLst xmlns:p="http://schemas.openxmlformats.org/presentationml/2006/main">
   <p:tag name="KSO_WM_DIAGRAM_MAX_ITEMCNT" val="4"/>
   <p:tag name="KSO_WM_DIAGRAM_MIN_ITEMCNT" val="2"/>
-  <p:tag name="KSO_WM_DIAGRAM_VIRTUALLY_FRAME" val="{&quot;height&quot;:351.67499847412114,&quot;left&quot;:54.80003326656315,&quot;top&quot;:179.30004089595764,&quot;width&quot;:850.4500122070312}"/>
+  <p:tag name="KSO_WM_DIAGRAM_VIRTUALLY_FRAME" val="{&quot;height&quot;:351.67499847412114,&quot;left&quot;:54.80003326656315,&quot;top&quot;:179.30004089595764,&quot;width&quot;:854.6750061035157}"/>
   <p:tag name="KSO_WM_DIAGRAM_COLOR_MATCH_VALUE" val="{&quot;shape&quot;:{&quot;fill&quot;:{&quot;solid&quot;:{&quot;brightness&quot;:0.6000000238418579,&quot;colorType&quot;:1,&quot;foreColorIndex&quot;:5,&quot;transparency&quot;:0.800000011920929},&quot;type&quot;:1},&quot;glow&quot;:{&quot;colorType&quot;:0},&quot;line&quot;:{&quot;type&quot;:0},&quot;shadow&quot;:{&quot;colorType&quot;:0},&quot;threeD&quot;:{&quot;curvedSurface&quot;:{&quot;brightness&quot;:0,&quot;colorType&quot;:2,&quot;rgb&quot;:&quot;#000000&quot;},&quot;depth&quot;:{&quot;colorType&quot;:0}}},&quot;text&quot;:{&quot;fill&quot;:{&quot;solid&quot;:{&quot;brightness&quot;:0,&quot;colorType&quot;:1,&quot;foreColorIndex&quot;:2,&quot;transparency&quot;:0},&quot;type&quot;:1},&quot;glow&quot;:{&quot;colorType&quot;:0},&quot;line&quot;:{&quot;type&quot;:0},&quot;shadow&quot;:{&quot;colorType&quot;:0},&quot;threeD&quot;:{&quot;curvedSurface&quot;:{&quot;brightness&quot;:0,&quot;colorType&quot;:2,&quot;rgb&quot;:&quot;#000000&quot;},&quot;depth&quot;:{&quot;colorType&quot;:0}}}}"/>
   <p:tag name="KSO_WM_DIAGRAM_VERSION" val="3"/>
   <p:tag name="KSO_WM_DIAGRAM_COLOR_TRICK" val="1"/>
@@ -7271,7 +9042,7 @@
   <p:tag name="KSO_WM_UNIT_TEXT_FILL_FORE_SCHEMECOLOR_INDEX_BRIGHTNESS" val="0.15"/>
   <p:tag name="KSO_WM_DIAGRAM_MAX_ITEMCNT" val="4"/>
   <p:tag name="KSO_WM_DIAGRAM_MIN_ITEMCNT" val="2"/>
-  <p:tag name="KSO_WM_DIAGRAM_VIRTUALLY_FRAME" val="{&quot;height&quot;:351.67499847412114,&quot;left&quot;:54.80003326656315,&quot;top&quot;:179.30004089595764,&quot;width&quot;:850.4500122070312}"/>
+  <p:tag name="KSO_WM_DIAGRAM_VIRTUALLY_FRAME" val="{&quot;height&quot;:351.67499847412114,&quot;left&quot;:54.80003326656315,&quot;top&quot;:179.30004089595764,&quot;width&quot;:854.6750061035157}"/>
   <p:tag name="KSO_WM_DIAGRAM_COLOR_MATCH_VALUE" val="{&quot;shape&quot;:{&quot;fill&quot;:{&quot;type&quot;:0},&quot;glow&quot;:{&quot;colorType&quot;:0},&quot;line&quot;:{&quot;type&quot;:0},&quot;shadow&quot;:{&quot;colorType&quot;:0},&quot;threeD&quot;:{&quot;curvedSurface&quot;:{&quot;brightness&quot;:0,&quot;colorType&quot;:2,&quot;rgb&quot;:&quot;#000000&quot;},&quot;depth&quot;:{&quot;colorType&quot;:0}}},&quot;text&quot;:{&quot;fill&quot;:{&quot;solid&quot;:{&quot;brightness&quot;:0,&quot;colorType&quot;:1,&quot;foreColorIndex&quot;:5,&quot;transparency&quot;:0},&quot;type&quot;:1},&quot;glow&quot;:{&quot;colorType&quot;:0},&quot;line&quot;:{&quot;type&quot;:0},&quot;shadow&quot;:{&quot;colorType&quot;:0},&quot;threeD&quot;:{&quot;curvedSurface&quot;:{&quot;brightness&quot;:0,&quot;colorType&quot;:2,&quot;rgb&quot;:&quot;#000000&quot;},&quot;depth&quot;:{&quot;colorType&quot;:0}}}}"/>
   <p:tag name="KSO_WM_DIAGRAM_VERSION" val="3"/>
   <p:tag name="KSO_WM_DIAGRAM_COLOR_TRICK" val="1"/>
@@ -7304,7 +9075,7 @@
   <p:tag name="KSO_WM_UNIT_TEXT_FILL_FORE_SCHEMECOLOR_INDEX_BRIGHTNESS" val="0.15"/>
   <p:tag name="KSO_WM_DIAGRAM_MAX_ITEMCNT" val="4"/>
   <p:tag name="KSO_WM_DIAGRAM_MIN_ITEMCNT" val="2"/>
-  <p:tag name="KSO_WM_DIAGRAM_VIRTUALLY_FRAME" val="{&quot;height&quot;:351.67499847412114,&quot;left&quot;:54.80003326656315,&quot;top&quot;:179.30004089595764,&quot;width&quot;:850.4500122070312}"/>
+  <p:tag name="KSO_WM_DIAGRAM_VIRTUALLY_FRAME" val="{&quot;height&quot;:351.67499847412114,&quot;left&quot;:54.80003326656315,&quot;top&quot;:179.30004089595764,&quot;width&quot;:854.6750061035157}"/>
   <p:tag name="KSO_WM_DIAGRAM_COLOR_MATCH_VALUE" val="{&quot;shape&quot;:{&quot;fill&quot;:{&quot;type&quot;:0},&quot;glow&quot;:{&quot;colorType&quot;:0},&quot;line&quot;:{&quot;type&quot;:0},&quot;shadow&quot;:{&quot;colorType&quot;:0},&quot;threeD&quot;:{&quot;curvedSurface&quot;:{&quot;brightness&quot;:0,&quot;colorType&quot;:2,&quot;rgb&quot;:&quot;#000000&quot;},&quot;depth&quot;:{&quot;colorType&quot;:0}}},&quot;text&quot;:{&quot;fill&quot;:{&quot;solid&quot;:{&quot;brightness&quot;:0.15000000596046448,&quot;colorType&quot;:1,&quot;foreColorIndex&quot;:13,&quot;transparency&quot;:0},&quot;type&quot;:1},&quot;glow&quot;:{&quot;colorType&quot;:0},&quot;line&quot;:{&quot;type&quot;:0},&quot;shadow&quot;:{&quot;colorType&quot;:0},&quot;threeD&quot;:{&quot;curvedSurface&quot;:{&quot;brightness&quot;:0,&quot;colorType&quot;:2,&quot;rgb&quot;:&quot;#000000&quot;},&quot;depth&quot;:{&quot;colorType&quot;:0}}}}"/>
   <p:tag name="KSO_WM_DIAGRAM_VERSION" val="3"/>
   <p:tag name="KSO_WM_DIAGRAM_COLOR_TRICK" val="1"/>
@@ -7337,21 +9108,22 @@
   <p:tag name="KSO_WM_UNIT_COMPATIBLE" val="0"/>
   <p:tag name="KSO_WM_UNIT_DIAGRAM_ISNUMVISUAL" val="0"/>
   <p:tag name="KSO_WM_UNIT_DIAGRAM_ISREFERUNIT" val="0"/>
-  <p:tag name="KSO_WM_UNIT_ID" val="diagram20238176_2*n_h_h_i*1_2_2_2"/>
+  <p:tag name="KSO_WM_UNIT_ID" val="diagram20238176_2*n_h_i*1_1_3"/>
   <p:tag name="KSO_WM_TEMPLATE_CATEGORY" val="diagram"/>
   <p:tag name="KSO_WM_TEMPLATE_INDEX" val="20238176"/>
-  <p:tag name="KSO_WM_UNIT_LAYERLEVEL" val="1_1_1_1"/>
+  <p:tag name="KSO_WM_UNIT_LAYERLEVEL" val="1_1_1"/>
   <p:tag name="KSO_WM_TAG_VERSION" val="3.0"/>
   <p:tag name="KSO_WM_DIAGRAM_VERSION" val="3"/>
   <p:tag name="KSO_WM_DIAGRAM_COLOR_TRICK" val="1"/>
   <p:tag name="KSO_WM_DIAGRAM_COLOR_TEXT_CAN_REMOVE" val="n"/>
   <p:tag name="KSO_WM_DIAGRAM_GROUP_CODE" val="n1-1"/>
-  <p:tag name="KSO_WM_UNIT_TYPE" val="n_h_h_i"/>
-  <p:tag name="KSO_WM_UNIT_INDEX" val="1_2_2_2"/>
+  <p:tag name="KSO_WM_UNIT_TYPE" val="n_h_i"/>
+  <p:tag name="KSO_WM_UNIT_INDEX" val="1_1_3"/>
   <p:tag name="KSO_WM_DIAGRAM_MAX_ITEMCNT" val="6"/>
   <p:tag name="KSO_WM_DIAGRAM_MIN_ITEMCNT" val="2"/>
   <p:tag name="KSO_WM_DIAGRAM_VIRTUALLY_FRAME" val="{&quot;height&quot;:372.9,&quot;left&quot;:53.57498779296875,&quot;top&quot;:83.6,&quot;width&quot;:852.9000244140625}"/>
-  <p:tag name="KSO_WM_DIAGRAM_COLOR_MATCH_VALUE" val="{&quot;shape&quot;:{&quot;fill&quot;:{&quot;type&quot;:0},&quot;glow&quot;:{&quot;colorType&quot;:0},&quot;line&quot;:{&quot;gradient&quot;:[{&quot;brightness&quot;:0,&quot;colorType&quot;:1,&quot;foreColorIndex&quot;:5,&quot;pos&quot;:0,&quot;transparency&quot;:1},{&quot;brightness&quot;:0,&quot;colorType&quot;:1,&quot;foreColorIndex&quot;:5,&quot;pos&quot;:0.6000000238418579,&quot;transparency&quot;:0}],&quot;type&quot;:2},&quot;shadow&quot;:{&quot;brightness&quot;:-0.25,&quot;colorType&quot;:1,&quot;foreColorIndex&quot;:5,&quot;transparency&quot;:0.6000000238418579},&quot;threeD&quot;:{&quot;curvedSurface&quot;:{&quot;brightness&quot;:0,&quot;colorType&quot;:2,&quot;rgb&quot;:&quot;#000000&quot;},&quot;depth&quot;:{&quot;colorType&quot;:0}}},&quot;text&quot;:{&quot;fill&quot;:{&quot;solid&quot;:{&quot;brightness&quot;:0,&quot;colorType&quot;:1,&quot;foreColorIndex&quot;:13,&quot;transparency&quot;:0},&quot;type&quot;:1},&quot;glow&quot;:{&quot;colorType&quot;:0},&quot;line&quot;:{&quot;type&quot;:0},&quot;shadow&quot;:{&quot;colorType&quot;:0},&quot;threeD&quot;:{&quot;curvedSurface&quot;:{&quot;brightness&quot;:0,&quot;colorType&quot;:2,&quot;rgb&quot;:&quot;#000000&quot;},&quot;depth&quot;:{&quot;colorType&quot;:0}}}}"/>
+  <p:tag name="KSO_WM_DIAGRAM_COLOR_MATCH_VALUE" val="{&quot;shape&quot;:{&quot;fill&quot;:{&quot;type&quot;:0},&quot;glow&quot;:{&quot;colorType&quot;:0},&quot;line&quot;:{&quot;solidLine&quot;:{&quot;brightness&quot;:0,&quot;colorType&quot;:1,&quot;foreColorIndex&quot;:5,&quot;transparency&quot;:0},&quot;type&quot;:1},&quot;shadow&quot;:{&quot;brightness&quot;:0,&quot;colorType&quot;:1,&quot;foreColorIndex&quot;:5,&quot;transparency&quot;:0.6000000238418579},&quot;threeD&quot;:{&quot;curvedSurface&quot;:{&quot;brightness&quot;:0,&quot;colorType&quot;:2,&quot;rgb&quot;:&quot;#000000&quot;},&quot;depth&quot;:{&quot;colorType&quot;:0}}},&quot;text&quot;:{&quot;fill&quot;:{&quot;solid&quot;:{&quot;brightness&quot;:0,&quot;colorType&quot;:1,&quot;foreColorIndex&quot;:2,&quot;transparency&quot;:0},&quot;type&quot;:1},&quot;glow&quot;:{&quot;colorType&quot;:0},&quot;line&quot;:{&quot;type&quot;:0},&quot;shadow&quot;:{&quot;colorType&quot;:0},&quot;threeD&quot;:{&quot;curvedSurface&quot;:{&quot;brightness&quot;:0,&quot;colorType&quot;:2,&quot;rgb&quot;:&quot;#000000&quot;},&quot;depth&quot;:{&quot;colorType&quot;:0}}}}"/>
+  <p:tag name="KSO_WM_UNIT_LINE_FORE_SCHEMECOLOR_INDEX" val="5"/>
   <p:tag name="KSO_WM_DIAGRAM_USE_COLOR_VALUE" val="{&quot;color_scheme&quot;:1,&quot;color_type&quot;:1,&quot;theme_color_indexes&quot;:[]}"/>
 </p:tagLst>
 </file>
@@ -7580,11 +9352,64 @@
 
 <file path=ppt/tags/tag27.xml><?xml version="1.0" encoding="utf-8"?>
 <p:tagLst xmlns:p="http://schemas.openxmlformats.org/presentationml/2006/main">
-  <p:tag name="resource_record_key" val="{&quot;70&quot;:[3321980,3321390,3320305]}"/>
+  <p:tag name="resource_record_key" val="{&quot;70&quot;:[3321980,3321390,3320305,3321374]}"/>
 </p:tagLst>
 </file>
 
 <file path=ppt/tags/tag3.xml><?xml version="1.0" encoding="utf-8"?>
+<p:tagLst xmlns:p="http://schemas.openxmlformats.org/presentationml/2006/main">
+  <p:tag name="KSO_WM_UNIT_HIGHLIGHT" val="0"/>
+  <p:tag name="KSO_WM_UNIT_COMPATIBLE" val="0"/>
+  <p:tag name="KSO_WM_UNIT_DIAGRAM_ISNUMVISUAL" val="0"/>
+  <p:tag name="KSO_WM_UNIT_DIAGRAM_ISREFERUNIT" val="0"/>
+  <p:tag name="KSO_WM_UNIT_ID" val="diagram20238176_2*n_h_i*1_1_2"/>
+  <p:tag name="KSO_WM_TEMPLATE_CATEGORY" val="diagram"/>
+  <p:tag name="KSO_WM_TEMPLATE_INDEX" val="20238176"/>
+  <p:tag name="KSO_WM_UNIT_LAYERLEVEL" val="1_1_1"/>
+  <p:tag name="KSO_WM_TAG_VERSION" val="3.0"/>
+  <p:tag name="KSO_WM_DIAGRAM_VERSION" val="3"/>
+  <p:tag name="KSO_WM_DIAGRAM_COLOR_TRICK" val="1"/>
+  <p:tag name="KSO_WM_DIAGRAM_COLOR_TEXT_CAN_REMOVE" val="n"/>
+  <p:tag name="KSO_WM_DIAGRAM_GROUP_CODE" val="n1-1"/>
+  <p:tag name="KSO_WM_UNIT_TYPE" val="n_h_i"/>
+  <p:tag name="KSO_WM_UNIT_INDEX" val="1_1_2"/>
+  <p:tag name="KSO_WM_DIAGRAM_MAX_ITEMCNT" val="6"/>
+  <p:tag name="KSO_WM_DIAGRAM_MIN_ITEMCNT" val="2"/>
+  <p:tag name="KSO_WM_DIAGRAM_VIRTUALLY_FRAME" val="{&quot;height&quot;:372.9,&quot;left&quot;:53.57498779296875,&quot;top&quot;:83.6,&quot;width&quot;:852.9000244140625}"/>
+  <p:tag name="KSO_WM_DIAGRAM_COLOR_MATCH_VALUE" val="{&quot;shape&quot;:{&quot;fill&quot;:{&quot;solid&quot;:{&quot;brightness&quot;:0.800000011920929,&quot;colorType&quot;:1,&quot;foreColorIndex&quot;:5,&quot;transparency&quot;:0.4000000059604645},&quot;type&quot;:1},&quot;glow&quot;:{&quot;colorType&quot;:0},&quot;line&quot;:{&quot;type&quot;:0},&quot;shadow&quot;:{&quot;colorType&quot;:0},&quot;threeD&quot;:{&quot;curvedSurface&quot;:{&quot;brightness&quot;:0,&quot;colorType&quot;:2,&quot;rgb&quot;:&quot;#000000&quot;},&quot;depth&quot;:{&quot;colorType&quot;:0}}},&quot;text&quot;:{&quot;fill&quot;:{&quot;solid&quot;:{&quot;brightness&quot;:0,&quot;colorType&quot;:1,&quot;foreColorIndex&quot;:2,&quot;transparency&quot;:0},&quot;type&quot;:1},&quot;glow&quot;:{&quot;colorType&quot;:0},&quot;line&quot;:{&quot;type&quot;:0},&quot;shadow&quot;:{&quot;colorType&quot;:0},&quot;threeD&quot;:{&quot;curvedSurface&quot;:{&quot;brightness&quot;:0,&quot;colorType&quot;:2,&quot;rgb&quot;:&quot;#000000&quot;},&quot;depth&quot;:{&quot;colorType&quot;:0}}}}"/>
+  <p:tag name="KSO_WM_UNIT_FILL_TYPE" val="1"/>
+  <p:tag name="KSO_WM_UNIT_FILL_FORE_SCHEMECOLOR_INDEX" val="5"/>
+  <p:tag name="KSO_WM_UNIT_FILL_FORE_SCHEMECOLOR_INDEX_BRIGHTNESS" val="0.8"/>
+  <p:tag name="KSO_WM_DIAGRAM_USE_COLOR_VALUE" val="{&quot;color_scheme&quot;:1,&quot;color_type&quot;:1,&quot;theme_color_indexes&quot;:[]}"/>
+</p:tagLst>
+</file>
+
+<file path=ppt/tags/tag4.xml><?xml version="1.0" encoding="utf-8"?>
+<p:tagLst xmlns:p="http://schemas.openxmlformats.org/presentationml/2006/main">
+  <p:tag name="KSO_WM_UNIT_HIGHLIGHT" val="0"/>
+  <p:tag name="KSO_WM_UNIT_COMPATIBLE" val="0"/>
+  <p:tag name="KSO_WM_UNIT_DIAGRAM_ISNUMVISUAL" val="0"/>
+  <p:tag name="KSO_WM_UNIT_DIAGRAM_ISREFERUNIT" val="0"/>
+  <p:tag name="KSO_WM_UNIT_ID" val="diagram20238176_2*n_h_h_i*1_2_2_2"/>
+  <p:tag name="KSO_WM_TEMPLATE_CATEGORY" val="diagram"/>
+  <p:tag name="KSO_WM_TEMPLATE_INDEX" val="20238176"/>
+  <p:tag name="KSO_WM_UNIT_LAYERLEVEL" val="1_1_1_1"/>
+  <p:tag name="KSO_WM_TAG_VERSION" val="3.0"/>
+  <p:tag name="KSO_WM_DIAGRAM_VERSION" val="3"/>
+  <p:tag name="KSO_WM_DIAGRAM_COLOR_TRICK" val="1"/>
+  <p:tag name="KSO_WM_DIAGRAM_COLOR_TEXT_CAN_REMOVE" val="n"/>
+  <p:tag name="KSO_WM_DIAGRAM_GROUP_CODE" val="n1-1"/>
+  <p:tag name="KSO_WM_UNIT_TYPE" val="n_h_h_i"/>
+  <p:tag name="KSO_WM_UNIT_INDEX" val="1_2_2_2"/>
+  <p:tag name="KSO_WM_DIAGRAM_MAX_ITEMCNT" val="6"/>
+  <p:tag name="KSO_WM_DIAGRAM_MIN_ITEMCNT" val="2"/>
+  <p:tag name="KSO_WM_DIAGRAM_VIRTUALLY_FRAME" val="{&quot;height&quot;:372.9,&quot;left&quot;:53.57498779296875,&quot;top&quot;:83.6,&quot;width&quot;:852.9000244140625}"/>
+  <p:tag name="KSO_WM_DIAGRAM_COLOR_MATCH_VALUE" val="{&quot;shape&quot;:{&quot;fill&quot;:{&quot;type&quot;:0},&quot;glow&quot;:{&quot;colorType&quot;:0},&quot;line&quot;:{&quot;gradient&quot;:[{&quot;brightness&quot;:0,&quot;colorType&quot;:1,&quot;foreColorIndex&quot;:5,&quot;pos&quot;:0,&quot;transparency&quot;:1},{&quot;brightness&quot;:0,&quot;colorType&quot;:1,&quot;foreColorIndex&quot;:5,&quot;pos&quot;:0.6000000238418579,&quot;transparency&quot;:0}],&quot;type&quot;:2},&quot;shadow&quot;:{&quot;brightness&quot;:-0.25,&quot;colorType&quot;:1,&quot;foreColorIndex&quot;:5,&quot;transparency&quot;:0.6000000238418579},&quot;threeD&quot;:{&quot;curvedSurface&quot;:{&quot;brightness&quot;:0,&quot;colorType&quot;:2,&quot;rgb&quot;:&quot;#000000&quot;},&quot;depth&quot;:{&quot;colorType&quot;:0}}},&quot;text&quot;:{&quot;fill&quot;:{&quot;solid&quot;:{&quot;brightness&quot;:0,&quot;colorType&quot;:1,&quot;foreColorIndex&quot;:13,&quot;transparency&quot;:0},&quot;type&quot;:1},&quot;glow&quot;:{&quot;colorType&quot;:0},&quot;line&quot;:{&quot;type&quot;:0},&quot;shadow&quot;:{&quot;colorType&quot;:0},&quot;threeD&quot;:{&quot;curvedSurface&quot;:{&quot;brightness&quot;:0,&quot;colorType&quot;:2,&quot;rgb&quot;:&quot;#000000&quot;},&quot;depth&quot;:{&quot;colorType&quot;:0}}}}"/>
+  <p:tag name="KSO_WM_DIAGRAM_USE_COLOR_VALUE" val="{&quot;color_scheme&quot;:1,&quot;color_type&quot;:1,&quot;theme_color_indexes&quot;:[]}"/>
+</p:tagLst>
+</file>
+
+<file path=ppt/tags/tag5.xml><?xml version="1.0" encoding="utf-8"?>
 <p:tagLst xmlns:p="http://schemas.openxmlformats.org/presentationml/2006/main">
   <p:tag name="KSO_WM_UNIT_HIGHLIGHT" val="0"/>
   <p:tag name="KSO_WM_UNIT_COMPATIBLE" val="0"/>
@@ -7609,33 +9434,7 @@
 </p:tagLst>
 </file>
 
-<file path=ppt/tags/tag4.xml><?xml version="1.0" encoding="utf-8"?>
-<p:tagLst xmlns:p="http://schemas.openxmlformats.org/presentationml/2006/main">
-  <p:tag name="KSO_WM_UNIT_HIGHLIGHT" val="0"/>
-  <p:tag name="KSO_WM_UNIT_COMPATIBLE" val="0"/>
-  <p:tag name="KSO_WM_UNIT_DIAGRAM_ISNUMVISUAL" val="0"/>
-  <p:tag name="KSO_WM_UNIT_DIAGRAM_ISREFERUNIT" val="0"/>
-  <p:tag name="KSO_WM_UNIT_ID" val="diagram20238176_2*n_h_i*1_1_1"/>
-  <p:tag name="KSO_WM_TEMPLATE_CATEGORY" val="diagram"/>
-  <p:tag name="KSO_WM_TEMPLATE_INDEX" val="20238176"/>
-  <p:tag name="KSO_WM_UNIT_LAYERLEVEL" val="1_1_1"/>
-  <p:tag name="KSO_WM_TAG_VERSION" val="3.0"/>
-  <p:tag name="KSO_WM_DIAGRAM_VERSION" val="3"/>
-  <p:tag name="KSO_WM_DIAGRAM_COLOR_TRICK" val="1"/>
-  <p:tag name="KSO_WM_DIAGRAM_COLOR_TEXT_CAN_REMOVE" val="n"/>
-  <p:tag name="KSO_WM_DIAGRAM_GROUP_CODE" val="n1-1"/>
-  <p:tag name="KSO_WM_UNIT_TYPE" val="n_h_i"/>
-  <p:tag name="KSO_WM_UNIT_INDEX" val="1_1_1"/>
-  <p:tag name="KSO_WM_DIAGRAM_MAX_ITEMCNT" val="6"/>
-  <p:tag name="KSO_WM_DIAGRAM_MIN_ITEMCNT" val="2"/>
-  <p:tag name="KSO_WM_DIAGRAM_VIRTUALLY_FRAME" val="{&quot;height&quot;:372.9,&quot;left&quot;:53.57498779296875,&quot;top&quot;:83.6,&quot;width&quot;:852.9000244140625}"/>
-  <p:tag name="KSO_WM_DIAGRAM_COLOR_MATCH_VALUE" val="{&quot;shape&quot;:{&quot;fill&quot;:{&quot;gradient&quot;:[{&quot;brightness&quot;:0.800000011920929,&quot;colorType&quot;:1,&quot;foreColorIndex&quot;:5,&quot;pos&quot;:0,&quot;transparency&quot;:1},{&quot;brightness&quot;:0.800000011920929,&quot;colorType&quot;:1,&quot;foreColorIndex&quot;:5,&quot;pos&quot;:1,&quot;transparency&quot;:0.49000000953674316}],&quot;type&quot;:3},&quot;glow&quot;:{&quot;colorType&quot;:0},&quot;line&quot;:{&quot;type&quot;:0},&quot;shadow&quot;:{&quot;colorType&quot;:0},&quot;threeD&quot;:{&quot;curvedSurface&quot;:{&quot;brightness&quot;:0,&quot;colorType&quot;:2,&quot;rgb&quot;:&quot;#000000&quot;},&quot;depth&quot;:{&quot;colorType&quot;:0}}},&quot;text&quot;:{&quot;fill&quot;:{&quot;solid&quot;:{&quot;brightness&quot;:0,&quot;colorType&quot;:1,&quot;foreColorIndex&quot;:2,&quot;transparency&quot;:0},&quot;type&quot;:1},&quot;glow&quot;:{&quot;colorType&quot;:0},&quot;line&quot;:{&quot;type&quot;:0},&quot;shadow&quot;:{&quot;colorType&quot;:0},&quot;threeD&quot;:{&quot;curvedSurface&quot;:{&quot;brightness&quot;:0,&quot;colorType&quot;:2,&quot;rgb&quot;:&quot;#000000&quot;},&quot;depth&quot;:{&quot;colorType&quot;:0}}}}"/>
-  <p:tag name="KSO_WM_UNIT_FILL_TYPE" val="3"/>
-  <p:tag name="KSO_WM_DIAGRAM_USE_COLOR_VALUE" val="{&quot;color_scheme&quot;:1,&quot;color_type&quot;:1,&quot;theme_color_indexes&quot;:[]}"/>
-</p:tagLst>
-</file>
-
-<file path=ppt/tags/tag5.xml><?xml version="1.0" encoding="utf-8"?>
+<file path=ppt/tags/tag6.xml><?xml version="1.0" encoding="utf-8"?>
 <p:tagLst xmlns:p="http://schemas.openxmlformats.org/presentationml/2006/main">
   <p:tag name="KSO_WM_UNIT_HIGHLIGHT" val="0"/>
   <p:tag name="KSO_WM_UNIT_COMPATIBLE" val="0"/>
@@ -7660,35 +9459,9 @@
 </p:tagLst>
 </file>
 
-<file path=ppt/tags/tag6.xml><?xml version="1.0" encoding="utf-8"?>
-<p:tagLst xmlns:p="http://schemas.openxmlformats.org/presentationml/2006/main">
-  <p:tag name="KSO_WM_UNIT_HIGHLIGHT" val="0"/>
-  <p:tag name="KSO_WM_UNIT_COMPATIBLE" val="0"/>
-  <p:tag name="KSO_WM_UNIT_DIAGRAM_ISNUMVISUAL" val="0"/>
-  <p:tag name="KSO_WM_UNIT_DIAGRAM_ISREFERUNIT" val="0"/>
-  <p:tag name="KSO_WM_UNIT_ID" val="diagram20238176_2*n_h_i*1_1_3"/>
-  <p:tag name="KSO_WM_TEMPLATE_CATEGORY" val="diagram"/>
-  <p:tag name="KSO_WM_TEMPLATE_INDEX" val="20238176"/>
-  <p:tag name="KSO_WM_UNIT_LAYERLEVEL" val="1_1_1"/>
-  <p:tag name="KSO_WM_TAG_VERSION" val="3.0"/>
-  <p:tag name="KSO_WM_DIAGRAM_VERSION" val="3"/>
-  <p:tag name="KSO_WM_DIAGRAM_COLOR_TRICK" val="1"/>
-  <p:tag name="KSO_WM_DIAGRAM_COLOR_TEXT_CAN_REMOVE" val="n"/>
-  <p:tag name="KSO_WM_DIAGRAM_GROUP_CODE" val="n1-1"/>
-  <p:tag name="KSO_WM_UNIT_TYPE" val="n_h_i"/>
-  <p:tag name="KSO_WM_UNIT_INDEX" val="1_1_3"/>
-  <p:tag name="KSO_WM_DIAGRAM_MAX_ITEMCNT" val="6"/>
-  <p:tag name="KSO_WM_DIAGRAM_MIN_ITEMCNT" val="2"/>
-  <p:tag name="KSO_WM_DIAGRAM_VIRTUALLY_FRAME" val="{&quot;height&quot;:372.9,&quot;left&quot;:53.57498779296875,&quot;top&quot;:83.6,&quot;width&quot;:852.9000244140625}"/>
-  <p:tag name="KSO_WM_DIAGRAM_COLOR_MATCH_VALUE" val="{&quot;shape&quot;:{&quot;fill&quot;:{&quot;type&quot;:0},&quot;glow&quot;:{&quot;colorType&quot;:0},&quot;line&quot;:{&quot;solidLine&quot;:{&quot;brightness&quot;:0,&quot;colorType&quot;:1,&quot;foreColorIndex&quot;:5,&quot;transparency&quot;:0},&quot;type&quot;:1},&quot;shadow&quot;:{&quot;brightness&quot;:0,&quot;colorType&quot;:1,&quot;foreColorIndex&quot;:5,&quot;transparency&quot;:0.6000000238418579},&quot;threeD&quot;:{&quot;curvedSurface&quot;:{&quot;brightness&quot;:0,&quot;colorType&quot;:2,&quot;rgb&quot;:&quot;#000000&quot;},&quot;depth&quot;:{&quot;colorType&quot;:0}}},&quot;text&quot;:{&quot;fill&quot;:{&quot;solid&quot;:{&quot;brightness&quot;:0,&quot;colorType&quot;:1,&quot;foreColorIndex&quot;:2,&quot;transparency&quot;:0},&quot;type&quot;:1},&quot;glow&quot;:{&quot;colorType&quot;:0},&quot;line&quot;:{&quot;type&quot;:0},&quot;shadow&quot;:{&quot;colorType&quot;:0},&quot;threeD&quot;:{&quot;curvedSurface&quot;:{&quot;brightness&quot;:0,&quot;colorType&quot;:2,&quot;rgb&quot;:&quot;#000000&quot;},&quot;depth&quot;:{&quot;colorType&quot;:0}}}}"/>
-  <p:tag name="KSO_WM_UNIT_LINE_FORE_SCHEMECOLOR_INDEX" val="5"/>
-  <p:tag name="KSO_WM_DIAGRAM_USE_COLOR_VALUE" val="{&quot;color_scheme&quot;:1,&quot;color_type&quot;:1,&quot;theme_color_indexes&quot;:[]}"/>
-</p:tagLst>
-</file>
-
 <file path=ppt/tags/tag7.xml><?xml version="1.0" encoding="utf-8"?>
 <p:tagLst xmlns:p="http://schemas.openxmlformats.org/presentationml/2006/main">
-  <p:tag name="KSO_WM_DIAGRAM_VIRTUALLY_FRAME" val="{&quot;height&quot;:351.67499847412114,&quot;left&quot;:54.80003326656315,&quot;top&quot;:179.30004089595764,&quot;width&quot;:850.4500122070312}"/>
+  <p:tag name="KSO_WM_DIAGRAM_VIRTUALLY_FRAME" val="{&quot;height&quot;:351.67499847412114,&quot;left&quot;:54.80003326656315,&quot;top&quot;:179.30004089595764,&quot;width&quot;:854.6750061035157}"/>
 </p:tagLst>
 </file>
 
@@ -7702,7 +9475,7 @@
 <p:tagLst xmlns:p="http://schemas.openxmlformats.org/presentationml/2006/main">
   <p:tag name="KSO_WM_DIAGRAM_MAX_ITEMCNT" val="4"/>
   <p:tag name="KSO_WM_DIAGRAM_MIN_ITEMCNT" val="2"/>
-  <p:tag name="KSO_WM_DIAGRAM_VIRTUALLY_FRAME" val="{&quot;height&quot;:351.67499847412114,&quot;left&quot;:54.80003326656315,&quot;top&quot;:179.30004089595764,&quot;width&quot;:850.4500122070312}"/>
+  <p:tag name="KSO_WM_DIAGRAM_VIRTUALLY_FRAME" val="{&quot;height&quot;:351.67499847412114,&quot;left&quot;:54.80003326656315,&quot;top&quot;:179.30004089595764,&quot;width&quot;:854.6750061035157}"/>
   <p:tag name="KSO_WM_DIAGRAM_COLOR_MATCH_VALUE" val="{&quot;shape&quot;:{&quot;fill&quot;:{&quot;solid&quot;:{&quot;brightness&quot;:0.6000000238418579,&quot;colorType&quot;:1,&quot;foreColorIndex&quot;:5,&quot;transparency&quot;:0.800000011920929},&quot;type&quot;:1},&quot;glow&quot;:{&quot;colorType&quot;:0},&quot;line&quot;:{&quot;type&quot;:0},&quot;shadow&quot;:{&quot;colorType&quot;:0},&quot;threeD&quot;:{&quot;curvedSurface&quot;:{&quot;brightness&quot;:0,&quot;colorType&quot;:2,&quot;rgb&quot;:&quot;#000000&quot;},&quot;depth&quot;:{&quot;colorType&quot;:0}}},&quot;text&quot;:{&quot;fill&quot;:{&quot;solid&quot;:{&quot;brightness&quot;:0,&quot;colorType&quot;:1,&quot;foreColorIndex&quot;:2,&quot;transparency&quot;:0},&quot;type&quot;:1},&quot;glow&quot;:{&quot;colorType&quot;:0},&quot;line&quot;:{&quot;type&quot;:0},&quot;shadow&quot;:{&quot;colorType&quot;:0},&quot;threeD&quot;:{&quot;curvedSurface&quot;:{&quot;brightness&quot;:0,&quot;colorType&quot;:2,&quot;rgb&quot;:&quot;#000000&quot;},&quot;depth&quot;:{&quot;colorType&quot;:0}}}}"/>
   <p:tag name="KSO_WM_DIAGRAM_VERSION" val="3"/>
   <p:tag name="KSO_WM_DIAGRAM_COLOR_TRICK" val="1"/>

--- a/presentation/Presentation.pptx
+++ b/presentation/Presentation.pptx
@@ -5,19 +5,22 @@
     <p:sldMasterId id="2147483648" r:id="rId1"/>
   </p:sldMasterIdLst>
   <p:notesMasterIdLst>
-    <p:notesMasterId r:id="rId8"/>
+    <p:notesMasterId r:id="rId10"/>
   </p:notesMasterIdLst>
   <p:sldIdLst>
-    <p:sldId id="256" r:id="rId3"/>
-    <p:sldId id="260" r:id="rId4"/>
-    <p:sldId id="261" r:id="rId5"/>
-    <p:sldId id="264" r:id="rId6"/>
-    <p:sldId id="262" r:id="rId7"/>
+    <p:sldId id="256" r:id="rId2"/>
+    <p:sldId id="260" r:id="rId3"/>
+    <p:sldId id="261" r:id="rId4"/>
+    <p:sldId id="264" r:id="rId5"/>
+    <p:sldId id="262" r:id="rId6"/>
+    <p:sldId id="265" r:id="rId7"/>
+    <p:sldId id="266" r:id="rId8"/>
+    <p:sldId id="267" r:id="rId9"/>
   </p:sldIdLst>
   <p:sldSz cx="12192000" cy="6858000"/>
   <p:notesSz cx="6858000" cy="9144000"/>
   <p:custDataLst>
-    <p:tags r:id="rId12"/>
+    <p:tags r:id="rId11"/>
   </p:custDataLst>
   <p:defaultTextStyle>
     <a:defPPr>
@@ -114,6 +117,11 @@
       </a:defRPr>
     </a:lvl9pPr>
   </p:defaultTextStyle>
+  <p:extLst>
+    <p:ext uri="{EFAFB233-063F-42B5-8137-9DF3F51BA10A}">
+      <p15:sldGuideLst xmlns:p15="http://schemas.microsoft.com/office/powerpoint/2012/main"/>
+    </p:ext>
+  </p:extLst>
 </p:presentation>
 </file>
 
@@ -199,6 +207,7 @@
           <a:p>
             <a:fld id="{3EFD42F7-718C-4B98-AAEC-167E6DDD60A7}" type="datetimeFigureOut">
               <a:rPr lang="en-US" smtClean="0"/>
+              <a:t>2/15/2025</a:t>
             </a:fld>
             <a:endParaRPr lang="en-US"/>
           </a:p>
@@ -262,42 +271,37 @@
           <a:p>
             <a:pPr lvl="0"/>
             <a:r>
-              <a:rPr lang="en-US" smtClean="0"/>
+              <a:rPr lang="en-US"/>
               <a:t>Click to edit Master text styles</a:t>
             </a:r>
-            <a:endParaRPr lang="en-US" smtClean="0"/>
           </a:p>
           <a:p>
             <a:pPr lvl="1"/>
             <a:r>
-              <a:rPr lang="en-US" smtClean="0"/>
+              <a:rPr lang="en-US"/>
               <a:t>Second level</a:t>
             </a:r>
-            <a:endParaRPr lang="en-US" smtClean="0"/>
           </a:p>
           <a:p>
             <a:pPr lvl="2"/>
             <a:r>
-              <a:rPr lang="en-US" smtClean="0"/>
+              <a:rPr lang="en-US"/>
               <a:t>Third level</a:t>
             </a:r>
-            <a:endParaRPr lang="en-US" smtClean="0"/>
           </a:p>
           <a:p>
             <a:pPr lvl="3"/>
             <a:r>
-              <a:rPr lang="en-US" smtClean="0"/>
+              <a:rPr lang="en-US"/>
               <a:t>Fourth level</a:t>
             </a:r>
-            <a:endParaRPr lang="en-US" smtClean="0"/>
           </a:p>
           <a:p>
             <a:pPr lvl="4"/>
             <a:r>
-              <a:rPr lang="en-US" smtClean="0"/>
+              <a:rPr lang="en-US"/>
               <a:t>Fifth level</a:t>
             </a:r>
-            <a:endParaRPr lang="en-US"/>
           </a:p>
         </p:txBody>
       </p:sp>
@@ -361,6 +365,7 @@
           <a:p>
             <a:fld id="{21B2AA4F-B828-4D7C-AFD3-893933DAFCB4}" type="slidenum">
               <a:rPr lang="en-US" smtClean="0"/>
+              <a:t>‹N›</a:t>
             </a:fld>
             <a:endParaRPr lang="en-US"/>
           </a:p>
@@ -506,10 +511,9 @@
           </a:lstStyle>
           <a:p>
             <a:r>
-              <a:rPr lang="en-US" smtClean="0"/>
+              <a:rPr lang="en-US"/>
               <a:t>Click to edit Master title style</a:t>
             </a:r>
-            <a:endParaRPr lang="en-US"/>
           </a:p>
         </p:txBody>
       </p:sp>
@@ -571,10 +575,9 @@
           </a:lstStyle>
           <a:p>
             <a:r>
-              <a:rPr lang="en-US" smtClean="0"/>
+              <a:rPr lang="en-US"/>
               <a:t>Click to edit Master subtitle style</a:t>
             </a:r>
-            <a:endParaRPr lang="en-US"/>
           </a:p>
         </p:txBody>
       </p:sp>
@@ -595,6 +598,7 @@
           <a:p>
             <a:fld id="{63A1C593-65D0-4073-BCC9-577B9352EA97}" type="datetimeFigureOut">
               <a:rPr lang="en-US" smtClean="0"/>
+              <a:t>2/15/2025</a:t>
             </a:fld>
             <a:endParaRPr lang="en-US"/>
           </a:p>
@@ -636,6 +640,7 @@
           <a:p>
             <a:fld id="{9B618960-8005-486C-9A75-10CB2AAC16F9}" type="slidenum">
               <a:rPr lang="en-US" smtClean="0"/>
+              <a:t>‹N›</a:t>
             </a:fld>
             <a:endParaRPr lang="en-US"/>
           </a:p>
@@ -682,10 +687,9 @@
           <a:lstStyle/>
           <a:p>
             <a:r>
-              <a:rPr lang="en-US" smtClean="0"/>
+              <a:rPr lang="en-US"/>
               <a:t>Click to edit Master title style</a:t>
             </a:r>
-            <a:endParaRPr lang="en-US"/>
           </a:p>
         </p:txBody>
       </p:sp>
@@ -706,42 +710,37 @@
           <a:p>
             <a:pPr lvl="0"/>
             <a:r>
-              <a:rPr lang="en-US" smtClean="0"/>
+              <a:rPr lang="en-US"/>
               <a:t>Click to edit Master text styles</a:t>
             </a:r>
-            <a:endParaRPr lang="en-US" smtClean="0"/>
           </a:p>
           <a:p>
             <a:pPr lvl="1"/>
             <a:r>
-              <a:rPr lang="en-US" smtClean="0"/>
+              <a:rPr lang="en-US"/>
               <a:t>Second level</a:t>
             </a:r>
-            <a:endParaRPr lang="en-US" smtClean="0"/>
           </a:p>
           <a:p>
             <a:pPr lvl="2"/>
             <a:r>
-              <a:rPr lang="en-US" smtClean="0"/>
+              <a:rPr lang="en-US"/>
               <a:t>Third level</a:t>
             </a:r>
-            <a:endParaRPr lang="en-US" smtClean="0"/>
           </a:p>
           <a:p>
             <a:pPr lvl="3"/>
             <a:r>
-              <a:rPr lang="en-US" smtClean="0"/>
+              <a:rPr lang="en-US"/>
               <a:t>Fourth level</a:t>
             </a:r>
-            <a:endParaRPr lang="en-US" smtClean="0"/>
           </a:p>
           <a:p>
             <a:pPr lvl="4"/>
             <a:r>
-              <a:rPr lang="en-US" smtClean="0"/>
+              <a:rPr lang="en-US"/>
               <a:t>Fifth level</a:t>
             </a:r>
-            <a:endParaRPr lang="en-US"/>
           </a:p>
         </p:txBody>
       </p:sp>
@@ -762,6 +761,7 @@
           <a:p>
             <a:fld id="{63A1C593-65D0-4073-BCC9-577B9352EA97}" type="datetimeFigureOut">
               <a:rPr lang="en-US" smtClean="0"/>
+              <a:t>2/15/2025</a:t>
             </a:fld>
             <a:endParaRPr lang="en-US"/>
           </a:p>
@@ -803,6 +803,7 @@
           <a:p>
             <a:fld id="{9B618960-8005-486C-9A75-10CB2AAC16F9}" type="slidenum">
               <a:rPr lang="en-US" smtClean="0"/>
+              <a:t>‹N›</a:t>
             </a:fld>
             <a:endParaRPr lang="en-US"/>
           </a:p>
@@ -854,10 +855,9 @@
           <a:lstStyle/>
           <a:p>
             <a:r>
-              <a:rPr lang="en-US" smtClean="0"/>
+              <a:rPr lang="en-US"/>
               <a:t>Click to edit Master title style</a:t>
             </a:r>
-            <a:endParaRPr lang="en-US"/>
           </a:p>
         </p:txBody>
       </p:sp>
@@ -883,42 +883,37 @@
           <a:p>
             <a:pPr lvl="0"/>
             <a:r>
-              <a:rPr lang="en-US" smtClean="0"/>
+              <a:rPr lang="en-US"/>
               <a:t>Click to edit Master text styles</a:t>
             </a:r>
-            <a:endParaRPr lang="en-US" smtClean="0"/>
           </a:p>
           <a:p>
             <a:pPr lvl="1"/>
             <a:r>
-              <a:rPr lang="en-US" smtClean="0"/>
+              <a:rPr lang="en-US"/>
               <a:t>Second level</a:t>
             </a:r>
-            <a:endParaRPr lang="en-US" smtClean="0"/>
           </a:p>
           <a:p>
             <a:pPr lvl="2"/>
             <a:r>
-              <a:rPr lang="en-US" smtClean="0"/>
+              <a:rPr lang="en-US"/>
               <a:t>Third level</a:t>
             </a:r>
-            <a:endParaRPr lang="en-US" smtClean="0"/>
           </a:p>
           <a:p>
             <a:pPr lvl="3"/>
             <a:r>
-              <a:rPr lang="en-US" smtClean="0"/>
+              <a:rPr lang="en-US"/>
               <a:t>Fourth level</a:t>
             </a:r>
-            <a:endParaRPr lang="en-US" smtClean="0"/>
           </a:p>
           <a:p>
             <a:pPr lvl="4"/>
             <a:r>
-              <a:rPr lang="en-US" smtClean="0"/>
+              <a:rPr lang="en-US"/>
               <a:t>Fifth level</a:t>
             </a:r>
-            <a:endParaRPr lang="en-US"/>
           </a:p>
         </p:txBody>
       </p:sp>
@@ -939,6 +934,7 @@
           <a:p>
             <a:fld id="{63A1C593-65D0-4073-BCC9-577B9352EA97}" type="datetimeFigureOut">
               <a:rPr lang="en-US" smtClean="0"/>
+              <a:t>2/15/2025</a:t>
             </a:fld>
             <a:endParaRPr lang="en-US"/>
           </a:p>
@@ -980,6 +976,7 @@
           <a:p>
             <a:fld id="{9B618960-8005-486C-9A75-10CB2AAC16F9}" type="slidenum">
               <a:rPr lang="en-US" smtClean="0"/>
+              <a:t>‹N›</a:t>
             </a:fld>
             <a:endParaRPr lang="en-US"/>
           </a:p>
@@ -1026,10 +1023,9 @@
           <a:lstStyle/>
           <a:p>
             <a:r>
-              <a:rPr lang="en-US" smtClean="0"/>
+              <a:rPr lang="en-US"/>
               <a:t>Click to edit Master title style</a:t>
             </a:r>
-            <a:endParaRPr lang="en-US"/>
           </a:p>
         </p:txBody>
       </p:sp>
@@ -1050,42 +1046,37 @@
           <a:p>
             <a:pPr lvl="0"/>
             <a:r>
-              <a:rPr lang="en-US" smtClean="0"/>
+              <a:rPr lang="en-US"/>
               <a:t>Click to edit Master text styles</a:t>
             </a:r>
-            <a:endParaRPr lang="en-US" smtClean="0"/>
           </a:p>
           <a:p>
             <a:pPr lvl="1"/>
             <a:r>
-              <a:rPr lang="en-US" smtClean="0"/>
+              <a:rPr lang="en-US"/>
               <a:t>Second level</a:t>
             </a:r>
-            <a:endParaRPr lang="en-US" smtClean="0"/>
           </a:p>
           <a:p>
             <a:pPr lvl="2"/>
             <a:r>
-              <a:rPr lang="en-US" smtClean="0"/>
+              <a:rPr lang="en-US"/>
               <a:t>Third level</a:t>
             </a:r>
-            <a:endParaRPr lang="en-US" smtClean="0"/>
           </a:p>
           <a:p>
             <a:pPr lvl="3"/>
             <a:r>
-              <a:rPr lang="en-US" smtClean="0"/>
+              <a:rPr lang="en-US"/>
               <a:t>Fourth level</a:t>
             </a:r>
-            <a:endParaRPr lang="en-US" smtClean="0"/>
           </a:p>
           <a:p>
             <a:pPr lvl="4"/>
             <a:r>
-              <a:rPr lang="en-US" smtClean="0"/>
+              <a:rPr lang="en-US"/>
               <a:t>Fifth level</a:t>
             </a:r>
-            <a:endParaRPr lang="en-US"/>
           </a:p>
         </p:txBody>
       </p:sp>
@@ -1106,6 +1097,7 @@
           <a:p>
             <a:fld id="{63A1C593-65D0-4073-BCC9-577B9352EA97}" type="datetimeFigureOut">
               <a:rPr lang="en-US" smtClean="0"/>
+              <a:t>2/15/2025</a:t>
             </a:fld>
             <a:endParaRPr lang="en-US"/>
           </a:p>
@@ -1147,6 +1139,7 @@
           <a:p>
             <a:fld id="{9B618960-8005-486C-9A75-10CB2AAC16F9}" type="slidenum">
               <a:rPr lang="en-US" smtClean="0"/>
+              <a:t>‹N›</a:t>
             </a:fld>
             <a:endParaRPr lang="en-US"/>
           </a:p>
@@ -1202,10 +1195,9 @@
           </a:lstStyle>
           <a:p>
             <a:r>
-              <a:rPr lang="en-US" smtClean="0"/>
+              <a:rPr lang="en-US"/>
               <a:t>Click to edit Master title style</a:t>
             </a:r>
-            <a:endParaRPr lang="en-US"/>
           </a:p>
         </p:txBody>
       </p:sp>
@@ -1322,10 +1314,9 @@
           <a:p>
             <a:pPr lvl="0"/>
             <a:r>
-              <a:rPr lang="en-US" smtClean="0"/>
+              <a:rPr lang="en-US"/>
               <a:t>Click to edit Master text styles</a:t>
             </a:r>
-            <a:endParaRPr lang="en-US" smtClean="0"/>
           </a:p>
         </p:txBody>
       </p:sp>
@@ -1346,6 +1337,7 @@
           <a:p>
             <a:fld id="{63A1C593-65D0-4073-BCC9-577B9352EA97}" type="datetimeFigureOut">
               <a:rPr lang="en-US" smtClean="0"/>
+              <a:t>2/15/2025</a:t>
             </a:fld>
             <a:endParaRPr lang="en-US"/>
           </a:p>
@@ -1387,6 +1379,7 @@
           <a:p>
             <a:fld id="{9B618960-8005-486C-9A75-10CB2AAC16F9}" type="slidenum">
               <a:rPr lang="en-US" smtClean="0"/>
+              <a:t>‹N›</a:t>
             </a:fld>
             <a:endParaRPr lang="en-US"/>
           </a:p>
@@ -1433,10 +1426,9 @@
           <a:lstStyle/>
           <a:p>
             <a:r>
-              <a:rPr lang="en-US" smtClean="0"/>
+              <a:rPr lang="en-US"/>
               <a:t>Click to edit Master title style</a:t>
             </a:r>
-            <a:endParaRPr lang="en-US"/>
           </a:p>
         </p:txBody>
       </p:sp>
@@ -1462,42 +1454,37 @@
           <a:p>
             <a:pPr lvl="0"/>
             <a:r>
-              <a:rPr lang="en-US" smtClean="0"/>
+              <a:rPr lang="en-US"/>
               <a:t>Click to edit Master text styles</a:t>
             </a:r>
-            <a:endParaRPr lang="en-US" smtClean="0"/>
           </a:p>
           <a:p>
             <a:pPr lvl="1"/>
             <a:r>
-              <a:rPr lang="en-US" smtClean="0"/>
+              <a:rPr lang="en-US"/>
               <a:t>Second level</a:t>
             </a:r>
-            <a:endParaRPr lang="en-US" smtClean="0"/>
           </a:p>
           <a:p>
             <a:pPr lvl="2"/>
             <a:r>
-              <a:rPr lang="en-US" smtClean="0"/>
+              <a:rPr lang="en-US"/>
               <a:t>Third level</a:t>
             </a:r>
-            <a:endParaRPr lang="en-US" smtClean="0"/>
           </a:p>
           <a:p>
             <a:pPr lvl="3"/>
             <a:r>
-              <a:rPr lang="en-US" smtClean="0"/>
+              <a:rPr lang="en-US"/>
               <a:t>Fourth level</a:t>
             </a:r>
-            <a:endParaRPr lang="en-US" smtClean="0"/>
           </a:p>
           <a:p>
             <a:pPr lvl="4"/>
             <a:r>
-              <a:rPr lang="en-US" smtClean="0"/>
+              <a:rPr lang="en-US"/>
               <a:t>Fifth level</a:t>
             </a:r>
-            <a:endParaRPr lang="en-US"/>
           </a:p>
         </p:txBody>
       </p:sp>
@@ -1523,42 +1510,37 @@
           <a:p>
             <a:pPr lvl="0"/>
             <a:r>
-              <a:rPr lang="en-US" smtClean="0"/>
+              <a:rPr lang="en-US"/>
               <a:t>Click to edit Master text styles</a:t>
             </a:r>
-            <a:endParaRPr lang="en-US" smtClean="0"/>
           </a:p>
           <a:p>
             <a:pPr lvl="1"/>
             <a:r>
-              <a:rPr lang="en-US" smtClean="0"/>
+              <a:rPr lang="en-US"/>
               <a:t>Second level</a:t>
             </a:r>
-            <a:endParaRPr lang="en-US" smtClean="0"/>
           </a:p>
           <a:p>
             <a:pPr lvl="2"/>
             <a:r>
-              <a:rPr lang="en-US" smtClean="0"/>
+              <a:rPr lang="en-US"/>
               <a:t>Third level</a:t>
             </a:r>
-            <a:endParaRPr lang="en-US" smtClean="0"/>
           </a:p>
           <a:p>
             <a:pPr lvl="3"/>
             <a:r>
-              <a:rPr lang="en-US" smtClean="0"/>
+              <a:rPr lang="en-US"/>
               <a:t>Fourth level</a:t>
             </a:r>
-            <a:endParaRPr lang="en-US" smtClean="0"/>
           </a:p>
           <a:p>
             <a:pPr lvl="4"/>
             <a:r>
-              <a:rPr lang="en-US" smtClean="0"/>
+              <a:rPr lang="en-US"/>
               <a:t>Fifth level</a:t>
             </a:r>
-            <a:endParaRPr lang="en-US"/>
           </a:p>
         </p:txBody>
       </p:sp>
@@ -1579,6 +1561,7 @@
           <a:p>
             <a:fld id="{63A1C593-65D0-4073-BCC9-577B9352EA97}" type="datetimeFigureOut">
               <a:rPr lang="en-US" smtClean="0"/>
+              <a:t>2/15/2025</a:t>
             </a:fld>
             <a:endParaRPr lang="en-US"/>
           </a:p>
@@ -1620,6 +1603,7 @@
           <a:p>
             <a:fld id="{9B618960-8005-486C-9A75-10CB2AAC16F9}" type="slidenum">
               <a:rPr lang="en-US" smtClean="0"/>
+              <a:t>‹N›</a:t>
             </a:fld>
             <a:endParaRPr lang="en-US"/>
           </a:p>
@@ -1671,10 +1655,9 @@
           <a:lstStyle/>
           <a:p>
             <a:r>
-              <a:rPr lang="en-US" smtClean="0"/>
+              <a:rPr lang="en-US"/>
               <a:t>Click to edit Master title style</a:t>
             </a:r>
-            <a:endParaRPr lang="en-US"/>
           </a:p>
         </p:txBody>
       </p:sp>
@@ -1737,10 +1720,9 @@
           <a:p>
             <a:pPr lvl="0"/>
             <a:r>
-              <a:rPr lang="en-US" smtClean="0"/>
+              <a:rPr lang="en-US"/>
               <a:t>Click to edit Master text styles</a:t>
             </a:r>
-            <a:endParaRPr lang="en-US" smtClean="0"/>
           </a:p>
         </p:txBody>
       </p:sp>
@@ -1766,42 +1748,37 @@
           <a:p>
             <a:pPr lvl="0"/>
             <a:r>
-              <a:rPr lang="en-US" smtClean="0"/>
+              <a:rPr lang="en-US"/>
               <a:t>Click to edit Master text styles</a:t>
             </a:r>
-            <a:endParaRPr lang="en-US" smtClean="0"/>
           </a:p>
           <a:p>
             <a:pPr lvl="1"/>
             <a:r>
-              <a:rPr lang="en-US" smtClean="0"/>
+              <a:rPr lang="en-US"/>
               <a:t>Second level</a:t>
             </a:r>
-            <a:endParaRPr lang="en-US" smtClean="0"/>
           </a:p>
           <a:p>
             <a:pPr lvl="2"/>
             <a:r>
-              <a:rPr lang="en-US" smtClean="0"/>
+              <a:rPr lang="en-US"/>
               <a:t>Third level</a:t>
             </a:r>
-            <a:endParaRPr lang="en-US" smtClean="0"/>
           </a:p>
           <a:p>
             <a:pPr lvl="3"/>
             <a:r>
-              <a:rPr lang="en-US" smtClean="0"/>
+              <a:rPr lang="en-US"/>
               <a:t>Fourth level</a:t>
             </a:r>
-            <a:endParaRPr lang="en-US" smtClean="0"/>
           </a:p>
           <a:p>
             <a:pPr lvl="4"/>
             <a:r>
-              <a:rPr lang="en-US" smtClean="0"/>
+              <a:rPr lang="en-US"/>
               <a:t>Fifth level</a:t>
             </a:r>
-            <a:endParaRPr lang="en-US"/>
           </a:p>
         </p:txBody>
       </p:sp>
@@ -1864,10 +1841,9 @@
           <a:p>
             <a:pPr lvl="0"/>
             <a:r>
-              <a:rPr lang="en-US" smtClean="0"/>
+              <a:rPr lang="en-US"/>
               <a:t>Click to edit Master text styles</a:t>
             </a:r>
-            <a:endParaRPr lang="en-US" smtClean="0"/>
           </a:p>
         </p:txBody>
       </p:sp>
@@ -1893,42 +1869,37 @@
           <a:p>
             <a:pPr lvl="0"/>
             <a:r>
-              <a:rPr lang="en-US" smtClean="0"/>
+              <a:rPr lang="en-US"/>
               <a:t>Click to edit Master text styles</a:t>
             </a:r>
-            <a:endParaRPr lang="en-US" smtClean="0"/>
           </a:p>
           <a:p>
             <a:pPr lvl="1"/>
             <a:r>
-              <a:rPr lang="en-US" smtClean="0"/>
+              <a:rPr lang="en-US"/>
               <a:t>Second level</a:t>
             </a:r>
-            <a:endParaRPr lang="en-US" smtClean="0"/>
           </a:p>
           <a:p>
             <a:pPr lvl="2"/>
             <a:r>
-              <a:rPr lang="en-US" smtClean="0"/>
+              <a:rPr lang="en-US"/>
               <a:t>Third level</a:t>
             </a:r>
-            <a:endParaRPr lang="en-US" smtClean="0"/>
           </a:p>
           <a:p>
             <a:pPr lvl="3"/>
             <a:r>
-              <a:rPr lang="en-US" smtClean="0"/>
+              <a:rPr lang="en-US"/>
               <a:t>Fourth level</a:t>
             </a:r>
-            <a:endParaRPr lang="en-US" smtClean="0"/>
           </a:p>
           <a:p>
             <a:pPr lvl="4"/>
             <a:r>
-              <a:rPr lang="en-US" smtClean="0"/>
+              <a:rPr lang="en-US"/>
               <a:t>Fifth level</a:t>
             </a:r>
-            <a:endParaRPr lang="en-US"/>
           </a:p>
         </p:txBody>
       </p:sp>
@@ -1949,6 +1920,7 @@
           <a:p>
             <a:fld id="{63A1C593-65D0-4073-BCC9-577B9352EA97}" type="datetimeFigureOut">
               <a:rPr lang="en-US" smtClean="0"/>
+              <a:t>2/15/2025</a:t>
             </a:fld>
             <a:endParaRPr lang="en-US"/>
           </a:p>
@@ -1990,6 +1962,7 @@
           <a:p>
             <a:fld id="{9B618960-8005-486C-9A75-10CB2AAC16F9}" type="slidenum">
               <a:rPr lang="en-US" smtClean="0"/>
+              <a:t>‹N›</a:t>
             </a:fld>
             <a:endParaRPr lang="en-US"/>
           </a:p>
@@ -2036,10 +2009,9 @@
           <a:lstStyle/>
           <a:p>
             <a:r>
-              <a:rPr lang="en-US" smtClean="0"/>
+              <a:rPr lang="en-US"/>
               <a:t>Click to edit Master title style</a:t>
             </a:r>
-            <a:endParaRPr lang="en-US"/>
           </a:p>
         </p:txBody>
       </p:sp>
@@ -2060,6 +2032,7 @@
           <a:p>
             <a:fld id="{63A1C593-65D0-4073-BCC9-577B9352EA97}" type="datetimeFigureOut">
               <a:rPr lang="en-US" smtClean="0"/>
+              <a:t>2/15/2025</a:t>
             </a:fld>
             <a:endParaRPr lang="en-US"/>
           </a:p>
@@ -2101,6 +2074,7 @@
           <a:p>
             <a:fld id="{9B618960-8005-486C-9A75-10CB2AAC16F9}" type="slidenum">
               <a:rPr lang="en-US" smtClean="0"/>
+              <a:t>‹N›</a:t>
             </a:fld>
             <a:endParaRPr lang="en-US"/>
           </a:p>
@@ -2148,6 +2122,7 @@
           <a:p>
             <a:fld id="{63A1C593-65D0-4073-BCC9-577B9352EA97}" type="datetimeFigureOut">
               <a:rPr lang="en-US" smtClean="0"/>
+              <a:t>2/15/2025</a:t>
             </a:fld>
             <a:endParaRPr lang="en-US"/>
           </a:p>
@@ -2189,6 +2164,7 @@
           <a:p>
             <a:fld id="{9B618960-8005-486C-9A75-10CB2AAC16F9}" type="slidenum">
               <a:rPr lang="en-US" smtClean="0"/>
+              <a:t>‹N›</a:t>
             </a:fld>
             <a:endParaRPr lang="en-US"/>
           </a:p>
@@ -2244,10 +2220,9 @@
           </a:lstStyle>
           <a:p>
             <a:r>
-              <a:rPr lang="en-US" smtClean="0"/>
+              <a:rPr lang="en-US"/>
               <a:t>Click to edit Master title style</a:t>
             </a:r>
-            <a:endParaRPr lang="en-US"/>
           </a:p>
         </p:txBody>
       </p:sp>
@@ -2301,42 +2276,37 @@
           <a:p>
             <a:pPr lvl="0"/>
             <a:r>
-              <a:rPr lang="en-US" smtClean="0"/>
+              <a:rPr lang="en-US"/>
               <a:t>Click to edit Master text styles</a:t>
             </a:r>
-            <a:endParaRPr lang="en-US" smtClean="0"/>
           </a:p>
           <a:p>
             <a:pPr lvl="1"/>
             <a:r>
-              <a:rPr lang="en-US" smtClean="0"/>
+              <a:rPr lang="en-US"/>
               <a:t>Second level</a:t>
             </a:r>
-            <a:endParaRPr lang="en-US" smtClean="0"/>
           </a:p>
           <a:p>
             <a:pPr lvl="2"/>
             <a:r>
-              <a:rPr lang="en-US" smtClean="0"/>
+              <a:rPr lang="en-US"/>
               <a:t>Third level</a:t>
             </a:r>
-            <a:endParaRPr lang="en-US" smtClean="0"/>
           </a:p>
           <a:p>
             <a:pPr lvl="3"/>
             <a:r>
-              <a:rPr lang="en-US" smtClean="0"/>
+              <a:rPr lang="en-US"/>
               <a:t>Fourth level</a:t>
             </a:r>
-            <a:endParaRPr lang="en-US" smtClean="0"/>
           </a:p>
           <a:p>
             <a:pPr lvl="4"/>
             <a:r>
-              <a:rPr lang="en-US" smtClean="0"/>
+              <a:rPr lang="en-US"/>
               <a:t>Fifth level</a:t>
             </a:r>
-            <a:endParaRPr lang="en-US"/>
           </a:p>
         </p:txBody>
       </p:sp>
@@ -2399,10 +2369,9 @@
           <a:p>
             <a:pPr lvl="0"/>
             <a:r>
-              <a:rPr lang="en-US" smtClean="0"/>
+              <a:rPr lang="en-US"/>
               <a:t>Click to edit Master text styles</a:t>
             </a:r>
-            <a:endParaRPr lang="en-US" smtClean="0"/>
           </a:p>
         </p:txBody>
       </p:sp>
@@ -2423,6 +2392,7 @@
           <a:p>
             <a:fld id="{63A1C593-65D0-4073-BCC9-577B9352EA97}" type="datetimeFigureOut">
               <a:rPr lang="en-US" smtClean="0"/>
+              <a:t>2/15/2025</a:t>
             </a:fld>
             <a:endParaRPr lang="en-US"/>
           </a:p>
@@ -2464,6 +2434,7 @@
           <a:p>
             <a:fld id="{9B618960-8005-486C-9A75-10CB2AAC16F9}" type="slidenum">
               <a:rPr lang="en-US" smtClean="0"/>
+              <a:t>‹N›</a:t>
             </a:fld>
             <a:endParaRPr lang="en-US"/>
           </a:p>
@@ -2519,10 +2490,9 @@
           </a:lstStyle>
           <a:p>
             <a:r>
-              <a:rPr lang="en-US" smtClean="0"/>
+              <a:rPr lang="en-US"/>
               <a:t>Click to edit Master title style</a:t>
             </a:r>
-            <a:endParaRPr lang="en-US"/>
           </a:p>
         </p:txBody>
       </p:sp>
@@ -2646,10 +2616,9 @@
           <a:p>
             <a:pPr lvl="0"/>
             <a:r>
-              <a:rPr lang="en-US" smtClean="0"/>
+              <a:rPr lang="en-US"/>
               <a:t>Click to edit Master text styles</a:t>
             </a:r>
-            <a:endParaRPr lang="en-US" smtClean="0"/>
           </a:p>
         </p:txBody>
       </p:sp>
@@ -2670,6 +2639,7 @@
           <a:p>
             <a:fld id="{63A1C593-65D0-4073-BCC9-577B9352EA97}" type="datetimeFigureOut">
               <a:rPr lang="en-US" smtClean="0"/>
+              <a:t>2/15/2025</a:t>
             </a:fld>
             <a:endParaRPr lang="en-US"/>
           </a:p>
@@ -2711,6 +2681,7 @@
           <a:p>
             <a:fld id="{9B618960-8005-486C-9A75-10CB2AAC16F9}" type="slidenum">
               <a:rPr lang="en-US" smtClean="0"/>
+              <a:t>‹N›</a:t>
             </a:fld>
             <a:endParaRPr lang="en-US"/>
           </a:p>
@@ -2772,10 +2743,9 @@
           <a:lstStyle/>
           <a:p>
             <a:r>
-              <a:rPr lang="en-US" smtClean="0"/>
+              <a:rPr lang="en-US"/>
               <a:t>Click to edit Master title style</a:t>
             </a:r>
-            <a:endParaRPr lang="en-US"/>
           </a:p>
         </p:txBody>
       </p:sp>
@@ -2806,42 +2776,37 @@
           <a:p>
             <a:pPr lvl="0"/>
             <a:r>
-              <a:rPr lang="en-US" smtClean="0"/>
+              <a:rPr lang="en-US"/>
               <a:t>Click to edit Master text styles</a:t>
             </a:r>
-            <a:endParaRPr lang="en-US" smtClean="0"/>
           </a:p>
           <a:p>
             <a:pPr lvl="1"/>
             <a:r>
-              <a:rPr lang="en-US" smtClean="0"/>
+              <a:rPr lang="en-US"/>
               <a:t>Second level</a:t>
             </a:r>
-            <a:endParaRPr lang="en-US" smtClean="0"/>
           </a:p>
           <a:p>
             <a:pPr lvl="2"/>
             <a:r>
-              <a:rPr lang="en-US" smtClean="0"/>
+              <a:rPr lang="en-US"/>
               <a:t>Third level</a:t>
             </a:r>
-            <a:endParaRPr lang="en-US" smtClean="0"/>
           </a:p>
           <a:p>
             <a:pPr lvl="3"/>
             <a:r>
-              <a:rPr lang="en-US" smtClean="0"/>
+              <a:rPr lang="en-US"/>
               <a:t>Fourth level</a:t>
             </a:r>
-            <a:endParaRPr lang="en-US" smtClean="0"/>
           </a:p>
           <a:p>
             <a:pPr lvl="4"/>
             <a:r>
-              <a:rPr lang="en-US" smtClean="0"/>
+              <a:rPr lang="en-US"/>
               <a:t>Fifth level</a:t>
             </a:r>
-            <a:endParaRPr lang="en-US"/>
           </a:p>
         </p:txBody>
       </p:sp>
@@ -2880,6 +2845,7 @@
           <a:p>
             <a:fld id="{63A1C593-65D0-4073-BCC9-577B9352EA97}" type="datetimeFigureOut">
               <a:rPr lang="en-US" smtClean="0"/>
+              <a:t>2/15/2025</a:t>
             </a:fld>
             <a:endParaRPr lang="en-US"/>
           </a:p>
@@ -2957,6 +2923,7 @@
           <a:p>
             <a:fld id="{9B618960-8005-486C-9A75-10CB2AAC16F9}" type="slidenum">
               <a:rPr lang="en-US" smtClean="0"/>
+              <a:t>‹N›</a:t>
             </a:fld>
             <a:endParaRPr lang="en-US"/>
           </a:p>
@@ -3335,6 +3302,7 @@
         </p:style>
         <p:txBody>
           <a:bodyPr rtlCol="0" anchor="ctr"/>
+          <a:lstStyle/>
           <a:p>
             <a:pPr indent="0" algn="ctr">
               <a:buNone/>
@@ -3363,6 +3331,7 @@
           <a:bodyPr wrap="square" rtlCol="0">
             <a:spAutoFit/>
           </a:bodyPr>
+          <a:lstStyle/>
           <a:p>
             <a:r>
               <a:rPr lang="en-US" altLang="en-GB" sz="2400" b="1">
@@ -3370,9 +3339,6 @@
               </a:rPr>
               <a:t>Performance Comparison of QUIC and TCL+TLS Protocols</a:t>
             </a:r>
-            <a:endParaRPr lang="en-US" altLang="en-GB" sz="2400" b="1">
-              <a:effectLst/>
-            </a:endParaRPr>
           </a:p>
           <a:p>
             <a:r>
@@ -3381,9 +3347,6 @@
               </a:rPr>
               <a:t>in a File Transfer Application</a:t>
             </a:r>
-            <a:endParaRPr lang="en-US" altLang="en-GB" sz="2400" b="1">
-              <a:effectLst/>
-            </a:endParaRPr>
           </a:p>
         </p:txBody>
       </p:sp>
@@ -3407,12 +3370,12 @@
           <a:bodyPr wrap="square" rtlCol="0">
             <a:spAutoFit/>
           </a:bodyPr>
+          <a:lstStyle/>
           <a:p>
             <a:r>
               <a:rPr lang="it-IT" altLang="en-GB" sz="1400"/>
               <a:t>Riccardo Puddu, Simone Zedda</a:t>
             </a:r>
-            <a:endParaRPr lang="it-IT" altLang="en-GB" sz="1400"/>
           </a:p>
         </p:txBody>
       </p:sp>
@@ -3464,7 +3427,7 @@
                 <p:cNvSpPr/>
                 <p:nvPr>
                   <p:custDataLst>
-                    <p:tags r:id="rId1"/>
+                    <p:tags r:id="rId5"/>
                   </p:custDataLst>
                 </p:nvPr>
               </p:nvSpPr>
@@ -3539,7 +3502,7 @@
                 <p:cNvSpPr/>
                 <p:nvPr>
                   <p:custDataLst>
-                    <p:tags r:id="rId2"/>
+                    <p:tags r:id="rId6"/>
                   </p:custDataLst>
                 </p:nvPr>
               </p:nvSpPr>
@@ -3583,6 +3546,7 @@
               </p:style>
               <p:txBody>
                 <a:bodyPr rtlCol="0" anchor="ctr"/>
+                <a:lstStyle/>
                 <a:p>
                   <a:pPr algn="ctr"/>
                   <a:endParaRPr lang="en-US"/>
@@ -3611,7 +3575,7 @@
                 <p:nvPr/>
               </p:nvGrpSpPr>
               <p:grpSpPr>
-                <a:xfrm rot="0">
+                <a:xfrm>
                   <a:off x="11073" y="7362"/>
                   <a:ext cx="1200" cy="1200"/>
                   <a:chOff x="11379" y="3952"/>
@@ -3663,6 +3627,7 @@
                 </p:style>
                 <p:txBody>
                   <a:bodyPr rtlCol="0" anchor="ctr"/>
+                  <a:lstStyle/>
                   <a:p>
                     <a:pPr algn="ctr"/>
                     <a:endParaRPr lang="en-GB" altLang="en-US"/>
@@ -3678,10 +3643,10 @@
                   <p:nvPr/>
                 </p:nvPicPr>
                 <p:blipFill>
-                  <a:blip r:embed="rId3">
+                  <a:blip r:embed="rId8">
                     <a:extLst>
                       <a:ext uri="{96DAC541-7B7A-43D3-8B79-37D633B846F1}">
-                        <asvg:svgBlip xmlns:asvg="http://schemas.microsoft.com/office/drawing/2016/SVG/main" r:embed="rId4"/>
+                        <asvg:svgBlip xmlns:asvg="http://schemas.microsoft.com/office/drawing/2016/SVG/main" r:embed="rId9"/>
                       </a:ext>
                     </a:extLst>
                   </a:blip>
@@ -3707,7 +3672,7 @@
                 <p:nvPr/>
               </p:nvGrpSpPr>
               <p:grpSpPr>
-                <a:xfrm rot="0">
+                <a:xfrm>
                   <a:off x="15389" y="6078"/>
                   <a:ext cx="1200" cy="1200"/>
                   <a:chOff x="9600" y="5153"/>
@@ -3759,6 +3724,7 @@
                 </p:style>
                 <p:txBody>
                   <a:bodyPr rtlCol="0" anchor="ctr"/>
+                  <a:lstStyle/>
                   <a:p>
                     <a:pPr algn="ctr"/>
                     <a:endParaRPr lang="en-GB" altLang="en-US"/>
@@ -3774,10 +3740,10 @@
                   <p:nvPr/>
                 </p:nvPicPr>
                 <p:blipFill>
-                  <a:blip r:embed="rId5">
+                  <a:blip r:embed="rId10">
                     <a:extLst>
                       <a:ext uri="{96DAC541-7B7A-43D3-8B79-37D633B846F1}">
-                        <asvg:svgBlip xmlns:asvg="http://schemas.microsoft.com/office/drawing/2016/SVG/main" r:embed="rId6"/>
+                        <asvg:svgBlip xmlns:asvg="http://schemas.microsoft.com/office/drawing/2016/SVG/main" r:embed="rId11"/>
                       </a:ext>
                     </a:extLst>
                   </a:blip>
@@ -3803,7 +3769,7 @@
                 <p:nvPr/>
               </p:nvGrpSpPr>
               <p:grpSpPr>
-                <a:xfrm rot="0">
+                <a:xfrm>
                   <a:off x="12210" y="2724"/>
                   <a:ext cx="1200" cy="1200"/>
                   <a:chOff x="11379" y="6354"/>
@@ -3855,6 +3821,7 @@
                 </p:style>
                 <p:txBody>
                   <a:bodyPr rtlCol="0" anchor="ctr"/>
+                  <a:lstStyle/>
                   <a:p>
                     <a:pPr algn="ctr"/>
                     <a:endParaRPr lang="en-GB" altLang="en-US"/>
@@ -3870,10 +3837,10 @@
                   <p:nvPr/>
                 </p:nvPicPr>
                 <p:blipFill>
-                  <a:blip r:embed="rId7">
+                  <a:blip r:embed="rId12">
                     <a:extLst>
                       <a:ext uri="{96DAC541-7B7A-43D3-8B79-37D633B846F1}">
-                        <asvg:svgBlip xmlns:asvg="http://schemas.microsoft.com/office/drawing/2016/SVG/main" r:embed="rId8"/>
+                        <asvg:svgBlip xmlns:asvg="http://schemas.microsoft.com/office/drawing/2016/SVG/main" r:embed="rId13"/>
                       </a:ext>
                     </a:extLst>
                   </a:blip>
@@ -3914,7 +3881,7 @@
               <p:cNvSpPr/>
               <p:nvPr>
                 <p:custDataLst>
-                  <p:tags r:id="rId9"/>
+                  <p:tags r:id="rId1"/>
                 </p:custDataLst>
               </p:nvPr>
             </p:nvSpPr>
@@ -3977,7 +3944,7 @@
               <p:cNvSpPr/>
               <p:nvPr>
                 <p:custDataLst>
-                  <p:tags r:id="rId10"/>
+                  <p:tags r:id="rId2"/>
                 </p:custDataLst>
               </p:nvPr>
             </p:nvSpPr>
@@ -4123,7 +4090,7 @@
               <p:cNvSpPr/>
               <p:nvPr>
                 <p:custDataLst>
-                  <p:tags r:id="rId11"/>
+                  <p:tags r:id="rId3"/>
                 </p:custDataLst>
               </p:nvPr>
             </p:nvSpPr>
@@ -4269,7 +4236,7 @@
               <p:cNvSpPr/>
               <p:nvPr>
                 <p:custDataLst>
-                  <p:tags r:id="rId12"/>
+                  <p:tags r:id="rId4"/>
                 </p:custDataLst>
               </p:nvPr>
             </p:nvSpPr>
@@ -4452,6 +4419,7 @@
         </p:style>
         <p:txBody>
           <a:bodyPr rtlCol="0" anchor="ctr"/>
+          <a:lstStyle/>
           <a:p>
             <a:pPr algn="ctr"/>
             <a:endParaRPr lang="en-GB" altLang="en-US"/>
@@ -4540,6 +4508,7 @@
         </p:style>
         <p:txBody>
           <a:bodyPr rtlCol="0" anchor="ctr"/>
+          <a:lstStyle/>
           <a:p>
             <a:pPr indent="0" algn="ctr">
               <a:buNone/>
@@ -4568,6 +4537,7 @@
           <a:bodyPr wrap="square" rtlCol="0">
             <a:spAutoFit/>
           </a:bodyPr>
+          <a:lstStyle/>
           <a:p>
             <a:r>
               <a:rPr lang="it-IT" altLang="en-US" sz="2400" b="1">
@@ -4575,9 +4545,6 @@
               </a:rPr>
               <a:t>Motivation</a:t>
             </a:r>
-            <a:endParaRPr lang="it-IT" altLang="en-US" sz="2400" b="1">
-              <a:effectLst/>
-            </a:endParaRPr>
           </a:p>
         </p:txBody>
       </p:sp>
@@ -4601,12 +4568,12 @@
           <a:bodyPr wrap="square" rtlCol="0">
             <a:spAutoFit/>
           </a:bodyPr>
+          <a:lstStyle/>
           <a:p>
             <a:r>
               <a:rPr lang="it-IT" altLang="en-GB" sz="1400"/>
               <a:t>2</a:t>
             </a:r>
-            <a:endParaRPr lang="it-IT" altLang="en-GB" sz="1400"/>
           </a:p>
         </p:txBody>
       </p:sp>
@@ -4630,12 +4597,12 @@
           <a:bodyPr wrap="square" rtlCol="0">
             <a:spAutoFit/>
           </a:bodyPr>
+          <a:lstStyle/>
           <a:p>
             <a:r>
               <a:rPr lang="it-IT" altLang="en-GB"/>
               <a:t>Why does this matter?</a:t>
             </a:r>
-            <a:endParaRPr lang="it-IT" altLang="en-GB"/>
           </a:p>
         </p:txBody>
       </p:sp>
@@ -4680,6 +4647,7 @@
         </p:style>
         <p:txBody>
           <a:bodyPr rtlCol="0" anchor="ctr"/>
+          <a:lstStyle/>
           <a:p>
             <a:pPr algn="ctr"/>
             <a:endParaRPr lang="en-GB" altLang="en-US"/>
@@ -4728,7 +4696,7 @@
               <p:cNvSpPr/>
               <p:nvPr>
                 <p:custDataLst>
-                  <p:tags r:id="rId3"/>
+                  <p:tags r:id="rId11"/>
                 </p:custDataLst>
               </p:nvPr>
             </p:nvSpPr>
@@ -4865,7 +4833,7 @@
               <p:cNvSpPr/>
               <p:nvPr>
                 <p:custDataLst>
-                  <p:tags r:id="rId4"/>
+                  <p:tags r:id="rId12"/>
                 </p:custDataLst>
               </p:nvPr>
             </p:nvSpPr>
@@ -4903,13 +4871,6 @@
                   </a:rPr>
                   <a:t>TCP-TLS Drawbacks</a:t>
                 </a:r>
-                <a:endParaRPr lang="it-IT" altLang="en-US" sz="1700" b="1" dirty="0">
-                  <a:solidFill>
-                    <a:schemeClr val="accent1"/>
-                  </a:solidFill>
-                  <a:latin typeface="+mj-lt"/>
-                  <a:sym typeface="+mn-ea"/>
-                </a:endParaRPr>
               </a:p>
             </p:txBody>
           </p:sp>
@@ -4919,7 +4880,7 @@
               <p:cNvSpPr/>
               <p:nvPr>
                 <p:custDataLst>
-                  <p:tags r:id="rId5"/>
+                  <p:tags r:id="rId13"/>
                 </p:custDataLst>
               </p:nvPr>
             </p:nvSpPr>
@@ -4963,16 +4924,6 @@
                   </a:rPr>
                   <a:t>Extra handshakes, latency, packet loss issues.</a:t>
                 </a:r>
-                <a:endParaRPr lang="it-IT" altLang="en-US" sz="1400" dirty="0">
-                  <a:solidFill>
-                    <a:schemeClr val="tx1">
-                      <a:lumMod val="85000"/>
-                      <a:lumOff val="15000"/>
-                    </a:schemeClr>
-                  </a:solidFill>
-                  <a:latin typeface="+mn-lt"/>
-                  <a:sym typeface="+mn-ea"/>
-                </a:endParaRPr>
               </a:p>
             </p:txBody>
           </p:sp>
@@ -4985,10 +4936,10 @@
               <p:nvPr/>
             </p:nvPicPr>
             <p:blipFill>
-              <a:blip r:embed="rId6">
+              <a:blip r:embed="rId15">
                 <a:extLst>
                   <a:ext uri="{96DAC541-7B7A-43D3-8B79-37D633B846F1}">
-                    <asvg:svgBlip xmlns:asvg="http://schemas.microsoft.com/office/drawing/2016/SVG/main" r:embed="rId7"/>
+                    <asvg:svgBlip xmlns:asvg="http://schemas.microsoft.com/office/drawing/2016/SVG/main" r:embed="rId16"/>
                   </a:ext>
                 </a:extLst>
               </a:blip>
@@ -5013,7 +4964,7 @@
             <p:cNvGrpSpPr/>
             <p:nvPr>
               <p:custDataLst>
-                <p:tags r:id="rId8"/>
+                <p:tags r:id="rId3"/>
               </p:custDataLst>
             </p:nvPr>
           </p:nvGrpSpPr>
@@ -5031,7 +4982,7 @@
               <p:cNvSpPr/>
               <p:nvPr>
                 <p:custDataLst>
-                  <p:tags r:id="rId9"/>
+                  <p:tags r:id="rId8"/>
                 </p:custDataLst>
               </p:nvPr>
             </p:nvSpPr>
@@ -5168,7 +5119,7 @@
               <p:cNvSpPr/>
               <p:nvPr>
                 <p:custDataLst>
-                  <p:tags r:id="rId10"/>
+                  <p:tags r:id="rId9"/>
                 </p:custDataLst>
               </p:nvPr>
             </p:nvSpPr>
@@ -5206,13 +5157,6 @@
                   </a:rPr>
                   <a:t>Data Transfer efficiency</a:t>
                 </a:r>
-                <a:endParaRPr lang="it-IT" altLang="en-US" sz="1700" b="1" dirty="0">
-                  <a:solidFill>
-                    <a:schemeClr val="accent1"/>
-                  </a:solidFill>
-                  <a:latin typeface="+mj-lt"/>
-                  <a:sym typeface="+mn-ea"/>
-                </a:endParaRPr>
               </a:p>
             </p:txBody>
           </p:sp>
@@ -5222,7 +5166,7 @@
               <p:cNvSpPr/>
               <p:nvPr>
                 <p:custDataLst>
-                  <p:tags r:id="rId11"/>
+                  <p:tags r:id="rId10"/>
                 </p:custDataLst>
               </p:nvPr>
             </p:nvSpPr>
@@ -5266,16 +5210,6 @@
                   </a:rPr>
                   <a:t>Critical for cloud storage, video streaming, and web apps.</a:t>
                 </a:r>
-                <a:endParaRPr lang="it-IT" altLang="en-US" sz="1400" dirty="0">
-                  <a:solidFill>
-                    <a:schemeClr val="tx1">
-                      <a:lumMod val="85000"/>
-                      <a:lumOff val="15000"/>
-                    </a:schemeClr>
-                  </a:solidFill>
-                  <a:latin typeface="+mn-lt"/>
-                  <a:sym typeface="+mn-ea"/>
-                </a:endParaRPr>
               </a:p>
             </p:txBody>
           </p:sp>
@@ -5288,10 +5222,10 @@
               <p:nvPr/>
             </p:nvPicPr>
             <p:blipFill>
-              <a:blip r:embed="rId12">
+              <a:blip r:embed="rId17">
                 <a:extLst>
                   <a:ext uri="{96DAC541-7B7A-43D3-8B79-37D633B846F1}">
-                    <asvg:svgBlip xmlns:asvg="http://schemas.microsoft.com/office/drawing/2016/SVG/main" r:embed="rId13"/>
+                    <asvg:svgBlip xmlns:asvg="http://schemas.microsoft.com/office/drawing/2016/SVG/main" r:embed="rId18"/>
                   </a:ext>
                 </a:extLst>
               </a:blip>
@@ -5316,7 +5250,7 @@
             <p:cNvGrpSpPr/>
             <p:nvPr>
               <p:custDataLst>
-                <p:tags r:id="rId14"/>
+                <p:tags r:id="rId4"/>
               </p:custDataLst>
             </p:nvPr>
           </p:nvGrpSpPr>
@@ -5334,7 +5268,7 @@
               <p:cNvSpPr/>
               <p:nvPr>
                 <p:custDataLst>
-                  <p:tags r:id="rId15"/>
+                  <p:tags r:id="rId5"/>
                 </p:custDataLst>
               </p:nvPr>
             </p:nvSpPr>
@@ -5471,7 +5405,7 @@
               <p:cNvSpPr/>
               <p:nvPr>
                 <p:custDataLst>
-                  <p:tags r:id="rId16"/>
+                  <p:tags r:id="rId6"/>
                 </p:custDataLst>
               </p:nvPr>
             </p:nvSpPr>
@@ -5509,13 +5443,6 @@
                   </a:rPr>
                   <a:t>QUIC:</a:t>
                 </a:r>
-                <a:endParaRPr lang="it-IT" altLang="en-US" sz="1700" b="1" dirty="0">
-                  <a:solidFill>
-                    <a:schemeClr val="accent1"/>
-                  </a:solidFill>
-                  <a:latin typeface="+mj-lt"/>
-                  <a:sym typeface="+mn-ea"/>
-                </a:endParaRPr>
               </a:p>
               <a:p>
                 <a:pPr>
@@ -5536,13 +5463,6 @@
                   </a:rPr>
                   <a:t>Fast by design</a:t>
                 </a:r>
-                <a:endParaRPr lang="it-IT" altLang="en-US" sz="1700" b="1" dirty="0">
-                  <a:solidFill>
-                    <a:schemeClr val="accent1"/>
-                  </a:solidFill>
-                  <a:latin typeface="+mj-lt"/>
-                  <a:sym typeface="+mn-ea"/>
-                </a:endParaRPr>
               </a:p>
             </p:txBody>
           </p:sp>
@@ -5552,7 +5472,7 @@
               <p:cNvSpPr/>
               <p:nvPr>
                 <p:custDataLst>
-                  <p:tags r:id="rId17"/>
+                  <p:tags r:id="rId7"/>
                 </p:custDataLst>
               </p:nvPr>
             </p:nvSpPr>
@@ -5596,16 +5516,6 @@
                   </a:rPr>
                   <a:t>Real-world performance needs verification.</a:t>
                 </a:r>
-                <a:endParaRPr lang="it-IT" altLang="en-US" sz="1400" dirty="0">
-                  <a:solidFill>
-                    <a:schemeClr val="tx1">
-                      <a:lumMod val="85000"/>
-                      <a:lumOff val="15000"/>
-                    </a:schemeClr>
-                  </a:solidFill>
-                  <a:latin typeface="+mn-lt"/>
-                  <a:sym typeface="+mn-ea"/>
-                </a:endParaRPr>
               </a:p>
             </p:txBody>
           </p:sp>
@@ -5618,10 +5528,10 @@
               <p:nvPr/>
             </p:nvPicPr>
             <p:blipFill>
-              <a:blip r:embed="rId18">
+              <a:blip r:embed="rId19">
                 <a:extLst>
                   <a:ext uri="{96DAC541-7B7A-43D3-8B79-37D633B846F1}">
-                    <asvg:svgBlip xmlns:asvg="http://schemas.microsoft.com/office/drawing/2016/SVG/main" r:embed="rId19"/>
+                    <asvg:svgBlip xmlns:asvg="http://schemas.microsoft.com/office/drawing/2016/SVG/main" r:embed="rId20"/>
                   </a:ext>
                 </a:extLst>
               </a:blip>
@@ -5652,7 +5562,7 @@
         <p159:morph option="byObject"/>
       </p:transition>
     </mc:Choice>
-    <mc:Fallback>
+    <mc:Fallback xmlns="">
       <p:transition spd="slow">
         <p:fade/>
       </p:transition>
@@ -5735,6 +5645,7 @@
         </p:style>
         <p:txBody>
           <a:bodyPr rtlCol="0" anchor="ctr"/>
+          <a:lstStyle/>
           <a:p>
             <a:pPr algn="ctr"/>
             <a:endParaRPr lang="en-GB" altLang="en-US"/>
@@ -5761,6 +5672,7 @@
           <a:bodyPr wrap="square" rtlCol="0">
             <a:spAutoFit/>
           </a:bodyPr>
+          <a:lstStyle/>
           <a:p>
             <a:r>
               <a:rPr lang="it-IT" altLang="en-US" sz="2400" b="1">
@@ -5768,9 +5680,6 @@
               </a:rPr>
               <a:t>Background</a:t>
             </a:r>
-            <a:endParaRPr lang="it-IT" altLang="en-US" sz="2400" b="1">
-              <a:effectLst/>
-            </a:endParaRPr>
           </a:p>
         </p:txBody>
       </p:sp>
@@ -5794,12 +5703,12 @@
           <a:bodyPr wrap="square" rtlCol="0">
             <a:spAutoFit/>
           </a:bodyPr>
+          <a:lstStyle/>
           <a:p>
             <a:r>
               <a:rPr lang="it-IT" altLang="en-GB" sz="1400"/>
               <a:t>3</a:t>
             </a:r>
-            <a:endParaRPr lang="it-IT" altLang="en-GB" sz="1400"/>
           </a:p>
         </p:txBody>
       </p:sp>
@@ -5844,6 +5753,7 @@
         </p:style>
         <p:txBody>
           <a:bodyPr rtlCol="0" anchor="ctr"/>
+          <a:lstStyle/>
           <a:p>
             <a:pPr algn="ctr"/>
             <a:endParaRPr lang="en-GB" altLang="en-US"/>
@@ -5903,6 +5813,7 @@
         </p:style>
         <p:txBody>
           <a:bodyPr rtlCol="0" anchor="ctr"/>
+          <a:lstStyle/>
           <a:p>
             <a:pPr algn="ctr"/>
             <a:endParaRPr lang="en-GB" altLang="en-US">
@@ -5950,6 +5861,7 @@
         </p:style>
         <p:txBody>
           <a:bodyPr rtlCol="0" anchor="ctr"/>
+          <a:lstStyle/>
           <a:p>
             <a:pPr algn="ctr"/>
             <a:endParaRPr lang="en-GB" altLang="en-US"/>
@@ -5976,12 +5888,12 @@
           <a:bodyPr wrap="square" rtlCol="0">
             <a:spAutoFit/>
           </a:bodyPr>
+          <a:lstStyle/>
           <a:p>
             <a:r>
               <a:rPr lang="it-IT" altLang="en-GB" b="1"/>
               <a:t>TCP-TLS Drawbacks</a:t>
             </a:r>
-            <a:endParaRPr lang="it-IT" altLang="en-GB" b="1"/>
           </a:p>
         </p:txBody>
       </p:sp>
@@ -6069,6 +5981,7 @@
               </p:style>
               <p:txBody>
                 <a:bodyPr rtlCol="0" anchor="ctr"/>
+                <a:lstStyle/>
                 <a:p>
                   <a:pPr algn="ctr"/>
                   <a:endParaRPr lang="en-GB" altLang="en-US"/>
@@ -6125,6 +6038,7 @@
                 </p:style>
                 <p:txBody>
                   <a:bodyPr rtlCol="0" anchor="ctr"/>
+                  <a:lstStyle/>
                   <a:p>
                     <a:pPr algn="ctr"/>
                     <a:endParaRPr lang="it-IT" altLang="en-GB"/>
@@ -6140,10 +6054,10 @@
                   <p:nvPr/>
                 </p:nvPicPr>
                 <p:blipFill>
-                  <a:blip r:embed="rId1">
+                  <a:blip r:embed="rId2">
                     <a:extLst>
                       <a:ext uri="{96DAC541-7B7A-43D3-8B79-37D633B846F1}">
-                        <asvg:svgBlip xmlns:asvg="http://schemas.microsoft.com/office/drawing/2016/SVG/main" r:embed="rId2"/>
+                        <asvg:svgBlip xmlns:asvg="http://schemas.microsoft.com/office/drawing/2016/SVG/main" r:embed="rId3"/>
                       </a:ext>
                     </a:extLst>
                   </a:blip>
@@ -6183,13 +6097,13 @@
               <a:bodyPr wrap="square" rtlCol="0">
                 <a:spAutoFit/>
               </a:bodyPr>
+              <a:lstStyle/>
               <a:p>
                 <a:pPr algn="ctr"/>
                 <a:r>
                   <a:rPr lang="it-IT" altLang="en-GB"/>
                   <a:t>Separate Layers</a:t>
                 </a:r>
-                <a:endParaRPr lang="it-IT" altLang="en-GB"/>
               </a:p>
             </p:txBody>
           </p:sp>
@@ -6264,6 +6178,7 @@
               </p:style>
               <p:txBody>
                 <a:bodyPr rtlCol="0" anchor="ctr"/>
+                <a:lstStyle/>
                 <a:p>
                   <a:pPr algn="ctr"/>
                   <a:endParaRPr lang="en-GB" altLang="en-US"/>
@@ -6320,6 +6235,7 @@
                 </p:style>
                 <p:txBody>
                   <a:bodyPr rtlCol="0" anchor="ctr"/>
+                  <a:lstStyle/>
                   <a:p>
                     <a:pPr algn="ctr"/>
                     <a:endParaRPr lang="en-GB" altLang="en-US"/>
@@ -6335,10 +6251,10 @@
                   <p:nvPr/>
                 </p:nvPicPr>
                 <p:blipFill>
-                  <a:blip r:embed="rId3">
+                  <a:blip r:embed="rId4">
                     <a:extLst>
                       <a:ext uri="{96DAC541-7B7A-43D3-8B79-37D633B846F1}">
-                        <asvg:svgBlip xmlns:asvg="http://schemas.microsoft.com/office/drawing/2016/SVG/main" r:embed="rId4"/>
+                        <asvg:svgBlip xmlns:asvg="http://schemas.microsoft.com/office/drawing/2016/SVG/main" r:embed="rId5"/>
                       </a:ext>
                     </a:extLst>
                   </a:blip>
@@ -6378,13 +6294,13 @@
               <a:bodyPr wrap="square" rtlCol="0">
                 <a:spAutoFit/>
               </a:bodyPr>
+              <a:lstStyle/>
               <a:p>
                 <a:pPr algn="ctr"/>
                 <a:r>
                   <a:rPr lang="it-IT" altLang="en-GB"/>
                   <a:t>Head-of-Line Blocking</a:t>
                 </a:r>
-                <a:endParaRPr lang="it-IT" altLang="en-GB"/>
               </a:p>
             </p:txBody>
           </p:sp>
@@ -6459,6 +6375,7 @@
               </p:style>
               <p:txBody>
                 <a:bodyPr rtlCol="0" anchor="ctr"/>
+                <a:lstStyle/>
                 <a:p>
                   <a:pPr algn="ctr"/>
                   <a:endParaRPr lang="en-GB" altLang="en-US"/>
@@ -6515,6 +6432,7 @@
                 </p:style>
                 <p:txBody>
                   <a:bodyPr rtlCol="0" anchor="ctr"/>
+                  <a:lstStyle/>
                   <a:p>
                     <a:pPr algn="ctr"/>
                     <a:endParaRPr lang="en-GB" altLang="en-US"/>
@@ -6530,10 +6448,10 @@
                   <p:nvPr/>
                 </p:nvPicPr>
                 <p:blipFill>
-                  <a:blip r:embed="rId5">
+                  <a:blip r:embed="rId6">
                     <a:extLst>
                       <a:ext uri="{96DAC541-7B7A-43D3-8B79-37D633B846F1}">
-                        <asvg:svgBlip xmlns:asvg="http://schemas.microsoft.com/office/drawing/2016/SVG/main" r:embed="rId6"/>
+                        <asvg:svgBlip xmlns:asvg="http://schemas.microsoft.com/office/drawing/2016/SVG/main" r:embed="rId7"/>
                       </a:ext>
                     </a:extLst>
                   </a:blip>
@@ -6573,13 +6491,13 @@
               <a:bodyPr wrap="square" rtlCol="0">
                 <a:spAutoFit/>
               </a:bodyPr>
+              <a:lstStyle/>
               <a:p>
                 <a:pPr algn="ctr"/>
                 <a:r>
                   <a:rPr lang="it-IT" altLang="en-GB"/>
                   <a:t>Latency Issues</a:t>
                 </a:r>
-                <a:endParaRPr lang="it-IT" altLang="en-GB"/>
               </a:p>
             </p:txBody>
           </p:sp>
@@ -6596,7 +6514,7 @@
         <p159:morph option="byObject"/>
       </p:transition>
     </mc:Choice>
-    <mc:Fallback>
+    <mc:Fallback xmlns="">
       <p:transition spd="slow">
         <p:fade/>
       </p:transition>
@@ -6679,6 +6597,7 @@
         </p:style>
         <p:txBody>
           <a:bodyPr rtlCol="0" anchor="ctr"/>
+          <a:lstStyle/>
           <a:p>
             <a:pPr algn="ctr"/>
             <a:endParaRPr lang="en-GB" altLang="en-US"/>
@@ -6705,6 +6624,7 @@
           <a:bodyPr wrap="square" rtlCol="0">
             <a:spAutoFit/>
           </a:bodyPr>
+          <a:lstStyle/>
           <a:p>
             <a:r>
               <a:rPr lang="it-IT" altLang="en-US" sz="2400" b="1">
@@ -6712,9 +6632,6 @@
               </a:rPr>
               <a:t>Background</a:t>
             </a:r>
-            <a:endParaRPr lang="it-IT" altLang="en-US" sz="2400" b="1">
-              <a:effectLst/>
-            </a:endParaRPr>
           </a:p>
         </p:txBody>
       </p:sp>
@@ -6738,12 +6655,12 @@
           <a:bodyPr wrap="square" rtlCol="0">
             <a:spAutoFit/>
           </a:bodyPr>
+          <a:lstStyle/>
           <a:p>
             <a:r>
               <a:rPr lang="it-IT" altLang="en-GB" sz="1400"/>
               <a:t>4</a:t>
             </a:r>
-            <a:endParaRPr lang="it-IT" altLang="en-GB" sz="1400"/>
           </a:p>
         </p:txBody>
       </p:sp>
@@ -6788,6 +6705,7 @@
         </p:style>
         <p:txBody>
           <a:bodyPr rtlCol="0" anchor="ctr"/>
+          <a:lstStyle/>
           <a:p>
             <a:pPr algn="ctr"/>
             <a:endParaRPr lang="en-GB" altLang="en-US"/>
@@ -6847,6 +6765,7 @@
         </p:style>
         <p:txBody>
           <a:bodyPr rtlCol="0" anchor="ctr"/>
+          <a:lstStyle/>
           <a:p>
             <a:pPr algn="ctr"/>
             <a:endParaRPr lang="en-GB" altLang="en-US">
@@ -6894,6 +6813,7 @@
         </p:style>
         <p:txBody>
           <a:bodyPr rtlCol="0" anchor="ctr"/>
+          <a:lstStyle/>
           <a:p>
             <a:pPr algn="ctr"/>
             <a:endParaRPr lang="en-GB" altLang="en-US"/>
@@ -6920,12 +6840,12 @@
           <a:bodyPr wrap="square" rtlCol="0">
             <a:spAutoFit/>
           </a:bodyPr>
+          <a:lstStyle/>
           <a:p>
             <a:r>
               <a:rPr lang="it-IT" altLang="en-GB" b="1"/>
               <a:t>QUIC Advantages</a:t>
             </a:r>
-            <a:endParaRPr lang="it-IT" altLang="en-GB" b="1"/>
           </a:p>
         </p:txBody>
       </p:sp>
@@ -6978,7 +6898,7 @@
                 <p:nvPr/>
               </p:nvGrpSpPr>
               <p:grpSpPr>
-                <a:xfrm rot="0">
+                <a:xfrm>
                   <a:off x="10045" y="4404"/>
                   <a:ext cx="2692" cy="2692"/>
                   <a:chOff x="5479" y="4325"/>
@@ -7027,6 +6947,7 @@
                 </p:style>
                 <p:txBody>
                   <a:bodyPr rtlCol="0" anchor="ctr"/>
+                  <a:lstStyle/>
                   <a:p>
                     <a:pPr algn="ctr"/>
                     <a:endParaRPr lang="en-GB" altLang="en-US"/>
@@ -7083,6 +7004,7 @@
                   </p:style>
                   <p:txBody>
                     <a:bodyPr rtlCol="0" anchor="ctr"/>
+                    <a:lstStyle/>
                     <a:p>
                       <a:pPr algn="ctr"/>
                       <a:endParaRPr lang="en-GB" altLang="en-US"/>
@@ -7135,13 +7057,13 @@
                 <a:bodyPr wrap="square" rtlCol="0">
                   <a:spAutoFit/>
                 </a:bodyPr>
+                <a:lstStyle/>
                 <a:p>
                   <a:pPr algn="ctr"/>
                   <a:r>
                     <a:rPr lang="it-IT" altLang="en-GB"/>
                     <a:t>Works over UDP</a:t>
                   </a:r>
-                  <a:endParaRPr lang="it-IT" altLang="en-GB"/>
                 </a:p>
               </p:txBody>
             </p:sp>
@@ -7155,10 +7077,10 @@
               <p:nvPr/>
             </p:nvPicPr>
             <p:blipFill>
-              <a:blip r:embed="rId1">
+              <a:blip r:embed="rId2">
                 <a:extLst>
                   <a:ext uri="{96DAC541-7B7A-43D3-8B79-37D633B846F1}">
-                    <asvg:svgBlip xmlns:asvg="http://schemas.microsoft.com/office/drawing/2016/SVG/main" r:embed="rId2"/>
+                    <asvg:svgBlip xmlns:asvg="http://schemas.microsoft.com/office/drawing/2016/SVG/main" r:embed="rId3"/>
                   </a:ext>
                 </a:extLst>
               </a:blip>
@@ -7212,7 +7134,7 @@
                 <p:nvPr/>
               </p:nvGrpSpPr>
               <p:grpSpPr>
-                <a:xfrm rot="0">
+                <a:xfrm>
                   <a:off x="6868" y="4404"/>
                   <a:ext cx="2692" cy="2692"/>
                   <a:chOff x="2337" y="4478"/>
@@ -7261,6 +7183,7 @@
                 </p:style>
                 <p:txBody>
                   <a:bodyPr rtlCol="0" anchor="ctr"/>
+                  <a:lstStyle/>
                   <a:p>
                     <a:pPr algn="ctr"/>
                     <a:endParaRPr lang="en-GB" altLang="en-US"/>
@@ -7303,6 +7226,7 @@
                 </p:style>
                 <p:txBody>
                   <a:bodyPr rtlCol="0" anchor="ctr"/>
+                  <a:lstStyle/>
                   <a:p>
                     <a:pPr algn="ctr"/>
                     <a:endParaRPr lang="it-IT" altLang="en-GB"/>
@@ -7330,13 +7254,13 @@
                 <a:bodyPr wrap="square" rtlCol="0">
                   <a:spAutoFit/>
                 </a:bodyPr>
+                <a:lstStyle/>
                 <a:p>
                   <a:pPr algn="ctr"/>
                   <a:r>
                     <a:rPr lang="it-IT" altLang="en-GB"/>
                     <a:t>CombinedLayers</a:t>
                   </a:r>
-                  <a:endParaRPr lang="it-IT" altLang="en-GB"/>
                 </a:p>
               </p:txBody>
             </p:sp>
@@ -7350,10 +7274,10 @@
               <p:nvPr/>
             </p:nvPicPr>
             <p:blipFill>
-              <a:blip r:embed="rId3">
+              <a:blip r:embed="rId4">
                 <a:extLst>
                   <a:ext uri="{96DAC541-7B7A-43D3-8B79-37D633B846F1}">
-                    <asvg:svgBlip xmlns:asvg="http://schemas.microsoft.com/office/drawing/2016/SVG/main" r:embed="rId4"/>
+                    <asvg:svgBlip xmlns:asvg="http://schemas.microsoft.com/office/drawing/2016/SVG/main" r:embed="rId5"/>
                   </a:ext>
                 </a:extLst>
               </a:blip>
@@ -7407,7 +7331,7 @@
                 <p:nvPr/>
               </p:nvGrpSpPr>
               <p:grpSpPr>
-                <a:xfrm rot="0">
+                <a:xfrm>
                   <a:off x="13154" y="4404"/>
                   <a:ext cx="2692" cy="2692"/>
                   <a:chOff x="8623" y="4325"/>
@@ -7456,6 +7380,7 @@
                 </p:style>
                 <p:txBody>
                   <a:bodyPr rtlCol="0" anchor="ctr"/>
+                  <a:lstStyle/>
                   <a:p>
                     <a:pPr algn="ctr"/>
                     <a:endParaRPr lang="en-GB" altLang="en-US"/>
@@ -7498,6 +7423,7 @@
                 </p:style>
                 <p:txBody>
                   <a:bodyPr rtlCol="0" anchor="ctr"/>
+                  <a:lstStyle/>
                   <a:p>
                     <a:pPr algn="ctr"/>
                     <a:endParaRPr lang="en-GB" altLang="en-US"/>
@@ -7525,13 +7451,13 @@
                 <a:bodyPr wrap="square" rtlCol="0">
                   <a:spAutoFit/>
                 </a:bodyPr>
+                <a:lstStyle/>
                 <a:p>
                   <a:pPr algn="ctr"/>
                   <a:r>
                     <a:rPr lang="it-IT" altLang="en-GB"/>
                     <a:t>Multiplexing</a:t>
                   </a:r>
-                  <a:endParaRPr lang="it-IT" altLang="en-GB"/>
                 </a:p>
               </p:txBody>
             </p:sp>
@@ -7545,10 +7471,10 @@
               <p:nvPr/>
             </p:nvPicPr>
             <p:blipFill>
-              <a:blip r:embed="rId5">
+              <a:blip r:embed="rId6">
                 <a:extLst>
                   <a:ext uri="{96DAC541-7B7A-43D3-8B79-37D633B846F1}">
-                    <asvg:svgBlip xmlns:asvg="http://schemas.microsoft.com/office/drawing/2016/SVG/main" r:embed="rId6"/>
+                    <asvg:svgBlip xmlns:asvg="http://schemas.microsoft.com/office/drawing/2016/SVG/main" r:embed="rId7"/>
                   </a:ext>
                 </a:extLst>
               </a:blip>
@@ -7579,7 +7505,7 @@
         <p159:morph option="byObject"/>
       </p:transition>
     </mc:Choice>
-    <mc:Fallback>
+    <mc:Fallback xmlns="">
       <p:transition spd="slow">
         <p:fade/>
       </p:transition>
@@ -7662,6 +7588,7 @@
         </p:style>
         <p:txBody>
           <a:bodyPr rtlCol="0" anchor="ctr"/>
+          <a:lstStyle/>
           <a:p>
             <a:pPr algn="ctr"/>
             <a:endParaRPr lang="en-GB" altLang="en-US"/>
@@ -7688,6 +7615,7 @@
           <a:bodyPr wrap="square" rtlCol="0">
             <a:spAutoFit/>
           </a:bodyPr>
+          <a:lstStyle/>
           <a:p>
             <a:r>
               <a:rPr lang="it-IT" altLang="en-US" sz="2400" b="1">
@@ -7695,9 +7623,6 @@
               </a:rPr>
               <a:t>Implementation Overview</a:t>
             </a:r>
-            <a:endParaRPr lang="it-IT" altLang="en-US" sz="2400" b="1">
-              <a:effectLst/>
-            </a:endParaRPr>
           </a:p>
         </p:txBody>
       </p:sp>
@@ -7721,12 +7646,12 @@
           <a:bodyPr wrap="square" rtlCol="0">
             <a:spAutoFit/>
           </a:bodyPr>
+          <a:lstStyle/>
           <a:p>
             <a:r>
               <a:rPr lang="it-IT" altLang="en-GB" sz="1400"/>
               <a:t>5</a:t>
             </a:r>
-            <a:endParaRPr lang="it-IT" altLang="en-GB" sz="1400"/>
           </a:p>
         </p:txBody>
       </p:sp>
@@ -7812,6 +7737,7 @@
           </p:style>
           <p:txBody>
             <a:bodyPr rtlCol="0" anchor="ctr"/>
+            <a:lstStyle/>
             <a:p>
               <a:pPr algn="ctr"/>
               <a:endParaRPr lang="en-GB" altLang="en-US"/>
@@ -7827,10 +7753,10 @@
             <p:nvPr/>
           </p:nvPicPr>
           <p:blipFill>
-            <a:blip r:embed="rId1">
+            <a:blip r:embed="rId9">
               <a:extLst>
                 <a:ext uri="{96DAC541-7B7A-43D3-8B79-37D633B846F1}">
-                  <asvg:svgBlip xmlns:asvg="http://schemas.microsoft.com/office/drawing/2016/SVG/main" r:embed="rId2"/>
+                  <asvg:svgBlip xmlns:asvg="http://schemas.microsoft.com/office/drawing/2016/SVG/main" r:embed="rId10"/>
                 </a:ext>
               </a:extLst>
             </a:blip>
@@ -7868,12 +7794,12 @@
             <a:bodyPr wrap="square" rtlCol="0">
               <a:spAutoFit/>
             </a:bodyPr>
+            <a:lstStyle/>
             <a:p>
               <a:r>
                 <a:rPr lang="it-IT" altLang="en-GB"/>
                 <a:t>File Download Request</a:t>
               </a:r>
-              <a:endParaRPr lang="it-IT" altLang="en-GB"/>
             </a:p>
           </p:txBody>
         </p:sp>
@@ -7960,6 +7886,7 @@
           </p:style>
           <p:txBody>
             <a:bodyPr rtlCol="0" anchor="ctr"/>
+            <a:lstStyle/>
             <a:p>
               <a:pPr algn="ctr"/>
               <a:endParaRPr lang="en-GB" altLang="en-US"/>
@@ -7975,10 +7902,10 @@
             <p:nvPr/>
           </p:nvPicPr>
           <p:blipFill>
-            <a:blip r:embed="rId3">
+            <a:blip r:embed="rId11">
               <a:extLst>
                 <a:ext uri="{96DAC541-7B7A-43D3-8B79-37D633B846F1}">
-                  <asvg:svgBlip xmlns:asvg="http://schemas.microsoft.com/office/drawing/2016/SVG/main" r:embed="rId4"/>
+                  <asvg:svgBlip xmlns:asvg="http://schemas.microsoft.com/office/drawing/2016/SVG/main" r:embed="rId12"/>
                 </a:ext>
               </a:extLst>
             </a:blip>
@@ -8016,12 +7943,12 @@
             <a:bodyPr wrap="square" rtlCol="0">
               <a:spAutoFit/>
             </a:bodyPr>
+            <a:lstStyle/>
             <a:p>
               <a:r>
                 <a:rPr lang="it-IT" altLang="en-GB"/>
                 <a:t>File Upload Request</a:t>
               </a:r>
-              <a:endParaRPr lang="it-IT" altLang="en-GB"/>
             </a:p>
           </p:txBody>
         </p:sp>
@@ -8108,6 +8035,7 @@
           </p:style>
           <p:txBody>
             <a:bodyPr rtlCol="0" anchor="ctr"/>
+            <a:lstStyle/>
             <a:p>
               <a:pPr algn="ctr"/>
               <a:endParaRPr lang="en-GB" altLang="en-US"/>
@@ -8123,10 +8051,10 @@
             <p:nvPr/>
           </p:nvPicPr>
           <p:blipFill>
-            <a:blip r:embed="rId5">
+            <a:blip r:embed="rId13">
               <a:extLst>
                 <a:ext uri="{96DAC541-7B7A-43D3-8B79-37D633B846F1}">
-                  <asvg:svgBlip xmlns:asvg="http://schemas.microsoft.com/office/drawing/2016/SVG/main" r:embed="rId6"/>
+                  <asvg:svgBlip xmlns:asvg="http://schemas.microsoft.com/office/drawing/2016/SVG/main" r:embed="rId14"/>
                 </a:ext>
               </a:extLst>
             </a:blip>
@@ -8165,12 +8093,12 @@
             <a:bodyPr wrap="square" rtlCol="0">
               <a:spAutoFit/>
             </a:bodyPr>
+            <a:lstStyle/>
             <a:p>
               <a:r>
                 <a:rPr lang="it-IT" altLang="en-GB"/>
                 <a:t>Ping Request</a:t>
               </a:r>
-              <a:endParaRPr lang="it-IT" altLang="en-GB"/>
             </a:p>
           </p:txBody>
         </p:sp>
@@ -8195,7 +8123,7 @@
             <p:cNvSpPr/>
             <p:nvPr>
               <p:custDataLst>
-                <p:tags r:id="rId7"/>
+                <p:tags r:id="rId1"/>
               </p:custDataLst>
             </p:nvPr>
           </p:nvSpPr>
@@ -8222,6 +8150,7 @@
           </p:spPr>
           <p:txBody>
             <a:bodyPr wrap="square"/>
+            <a:lstStyle/>
             <a:p>
               <a:pPr algn="just"/>
               <a:endParaRPr lang="en-US">
@@ -8237,7 +8166,7 @@
             <p:cNvSpPr/>
             <p:nvPr>
               <p:custDataLst>
-                <p:tags r:id="rId8"/>
+                <p:tags r:id="rId2"/>
               </p:custDataLst>
             </p:nvPr>
           </p:nvSpPr>
@@ -8264,6 +8193,7 @@
           </p:spPr>
           <p:txBody>
             <a:bodyPr wrap="square"/>
+            <a:lstStyle/>
             <a:p>
               <a:pPr algn="just"/>
               <a:endParaRPr lang="en-US">
@@ -8279,7 +8209,7 @@
             <p:cNvSpPr/>
             <p:nvPr>
               <p:custDataLst>
-                <p:tags r:id="rId9"/>
+                <p:tags r:id="rId3"/>
               </p:custDataLst>
             </p:nvPr>
           </p:nvSpPr>
@@ -8306,6 +8236,7 @@
           </p:spPr>
           <p:txBody>
             <a:bodyPr wrap="square"/>
+            <a:lstStyle/>
             <a:p>
               <a:pPr algn="just"/>
               <a:endParaRPr lang="en-US">
@@ -8321,7 +8252,7 @@
             <p:cNvSpPr/>
             <p:nvPr>
               <p:custDataLst>
-                <p:tags r:id="rId10"/>
+                <p:tags r:id="rId4"/>
               </p:custDataLst>
             </p:nvPr>
           </p:nvSpPr>
@@ -8364,6 +8295,7 @@
             <a:bodyPr vertOverflow="overflow" horzOverflow="overflow" vert="horz" wrap="square" lIns="972185" numCol="1" spcCol="0" rtlCol="0" fromWordArt="0" anchor="ctr" anchorCtr="0" forceAA="0" compatLnSpc="1">
               <a:normAutofit/>
             </a:bodyPr>
+            <a:lstStyle/>
             <a:p>
               <a:pPr lvl="0" algn="l">
                 <a:spcBef>
@@ -8389,16 +8321,6 @@
                 </a:rPr>
                 <a:t>Library Used: </a:t>
               </a:r>
-              <a:endParaRPr lang="it-IT" altLang="en-US" dirty="0">
-                <a:solidFill>
-                  <a:schemeClr val="dk1">
-                    <a:lumMod val="80000"/>
-                    <a:lumOff val="20000"/>
-                  </a:schemeClr>
-                </a:solidFill>
-                <a:latin typeface="+mn-lt"/>
-                <a:sym typeface="+mn-ea"/>
-              </a:endParaRPr>
             </a:p>
             <a:p>
               <a:pPr lvl="0" algn="l">
@@ -8435,7 +8357,7 @@
                   </a:solidFill>
                   <a:latin typeface="+mn-lt"/>
                   <a:sym typeface="+mn-ea"/>
-                  <a:hlinkClick r:id="rId11" action="ppaction://hlinkfile"/>
+                  <a:hlinkClick r:id="rId15" action="ppaction://hlinkfile"/>
                 </a:rPr>
                 <a:t>Link</a:t>
               </a:r>
@@ -8452,16 +8374,6 @@
                 </a:rPr>
                 <a:t>]</a:t>
               </a:r>
-              <a:endParaRPr lang="it-IT" altLang="en-US" dirty="0">
-                <a:solidFill>
-                  <a:schemeClr val="dk1">
-                    <a:lumMod val="80000"/>
-                    <a:lumOff val="20000"/>
-                  </a:schemeClr>
-                </a:solidFill>
-                <a:latin typeface="+mn-lt"/>
-                <a:sym typeface="+mn-ea"/>
-              </a:endParaRPr>
             </a:p>
           </p:txBody>
         </p:sp>
@@ -8471,7 +8383,7 @@
             <p:cNvSpPr/>
             <p:nvPr>
               <p:custDataLst>
-                <p:tags r:id="rId12"/>
+                <p:tags r:id="rId5"/>
               </p:custDataLst>
             </p:nvPr>
           </p:nvSpPr>
@@ -8514,6 +8426,7 @@
             <a:bodyPr vertOverflow="overflow" horzOverflow="overflow" vert="horz" wrap="square" lIns="972185" numCol="1" spcCol="0" rtlCol="0" fromWordArt="0" anchor="ctr" anchorCtr="0" forceAA="0" compatLnSpc="1">
               <a:normAutofit/>
             </a:bodyPr>
+            <a:lstStyle/>
             <a:p>
               <a:pPr lvl="0" algn="l">
                 <a:spcBef>
@@ -8539,16 +8452,6 @@
                 </a:rPr>
                 <a:t>Built on asyncio</a:t>
               </a:r>
-              <a:endParaRPr lang="it-IT" altLang="en-US" dirty="0">
-                <a:solidFill>
-                  <a:schemeClr val="dk1">
-                    <a:lumMod val="80000"/>
-                    <a:lumOff val="20000"/>
-                  </a:schemeClr>
-                </a:solidFill>
-                <a:latin typeface="+mn-lt"/>
-                <a:sym typeface="+mn-ea"/>
-              </a:endParaRPr>
             </a:p>
           </p:txBody>
         </p:sp>
@@ -8558,7 +8461,7 @@
             <p:cNvSpPr/>
             <p:nvPr>
               <p:custDataLst>
-                <p:tags r:id="rId13"/>
+                <p:tags r:id="rId6"/>
               </p:custDataLst>
             </p:nvPr>
           </p:nvSpPr>
@@ -8603,6 +8506,7 @@
             <a:bodyPr vertOverflow="overflow" horzOverflow="overflow" vert="horz" wrap="square" lIns="972185" numCol="1" spcCol="0" rtlCol="0" fromWordArt="0" anchor="ctr" anchorCtr="0" forceAA="0" compatLnSpc="1">
               <a:normAutofit/>
             </a:bodyPr>
+            <a:lstStyle/>
             <a:p>
               <a:pPr lvl="0" algn="l">
                 <a:spcBef>
@@ -8628,16 +8532,6 @@
                 </a:rPr>
                 <a:t>TLS 1.3 built-in</a:t>
               </a:r>
-              <a:endParaRPr lang="it-IT" altLang="en-US" dirty="0">
-                <a:solidFill>
-                  <a:schemeClr val="dk1">
-                    <a:lumMod val="80000"/>
-                    <a:lumOff val="20000"/>
-                  </a:schemeClr>
-                </a:solidFill>
-                <a:latin typeface="+mn-lt"/>
-                <a:sym typeface="+mn-ea"/>
-              </a:endParaRPr>
             </a:p>
           </p:txBody>
         </p:sp>
@@ -8647,7 +8541,7 @@
             <p:cNvSpPr/>
             <p:nvPr>
               <p:custDataLst>
-                <p:tags r:id="rId14"/>
+                <p:tags r:id="rId7"/>
               </p:custDataLst>
             </p:nvPr>
           </p:nvSpPr>
@@ -8713,6 +8607,7 @@
             <a:bodyPr vertOverflow="overflow" horzOverflow="overflow" vert="horz" wrap="square" numCol="1" spcCol="0" rtlCol="0" fromWordArt="0" anchor="ctr" anchorCtr="1" forceAA="0" compatLnSpc="1">
               <a:normAutofit/>
             </a:bodyPr>
+            <a:lstStyle/>
             <a:p>
               <a:pPr lvl="0" algn="l">
                 <a:spcBef>
@@ -8735,13 +8630,6 @@
                 </a:rPr>
                 <a:t>QUIC </a:t>
               </a:r>
-              <a:endParaRPr lang="it-IT" altLang="en-US" b="1" dirty="0">
-                <a:solidFill>
-                  <a:schemeClr val="tx1"/>
-                </a:solidFill>
-                <a:latin typeface="+mj-lt"/>
-                <a:sym typeface="+mn-ea"/>
-              </a:endParaRPr>
             </a:p>
           </p:txBody>
         </p:sp>
@@ -8787,6 +8675,7 @@
         </p:style>
         <p:txBody>
           <a:bodyPr rtlCol="0" anchor="ctr"/>
+          <a:lstStyle/>
           <a:p>
             <a:pPr algn="ctr"/>
             <a:endParaRPr lang="en-GB" altLang="en-US"/>
@@ -8804,7 +8693,3745 @@
         <p159:morph option="byObject"/>
       </p:transition>
     </mc:Choice>
-    <mc:Fallback>
+    <mc:Fallback xmlns="">
+      <p:transition spd="slow">
+        <p:fade/>
+      </p:transition>
+    </mc:Fallback>
+  </mc:AlternateContent>
+</p:sld>
+</file>
+
+<file path=ppt/slides/slide6.xml><?xml version="1.0" encoding="utf-8"?>
+<p:sld xmlns:a="http://schemas.openxmlformats.org/drawingml/2006/main" xmlns:r="http://schemas.openxmlformats.org/officeDocument/2006/relationships" xmlns:p="http://schemas.openxmlformats.org/presentationml/2006/main">
+  <p:cSld>
+    <p:bg>
+      <p:bgPr>
+        <a:solidFill>
+          <a:schemeClr val="bg1">
+            <a:lumMod val="85000"/>
+            <a:alpha val="40000"/>
+          </a:schemeClr>
+        </a:solidFill>
+        <a:effectLst/>
+      </p:bgPr>
+    </p:bg>
+    <p:spTree>
+      <p:nvGrpSpPr>
+        <p:cNvPr id="1" name="">
+          <a:extLst>
+            <a:ext uri="{FF2B5EF4-FFF2-40B4-BE49-F238E27FC236}">
+              <a16:creationId xmlns:a16="http://schemas.microsoft.com/office/drawing/2014/main" id="{9020BF2C-42FF-0D01-C08B-2513F01B1C6A}"/>
+            </a:ext>
+          </a:extLst>
+        </p:cNvPr>
+        <p:cNvGrpSpPr/>
+        <p:nvPr/>
+      </p:nvGrpSpPr>
+      <p:grpSpPr>
+        <a:xfrm>
+          <a:off x="0" y="0"/>
+          <a:ext cx="0" cy="0"/>
+          <a:chOff x="0" y="0"/>
+          <a:chExt cx="0" cy="0"/>
+        </a:xfrm>
+      </p:grpSpPr>
+      <p:sp>
+        <p:nvSpPr>
+          <p:cNvPr id="4" name="Rectangles 3">
+            <a:extLst>
+              <a:ext uri="{FF2B5EF4-FFF2-40B4-BE49-F238E27FC236}">
+                <a16:creationId xmlns:a16="http://schemas.microsoft.com/office/drawing/2014/main" id="{DD63669A-BE6C-440A-1452-7CA9C5CEAB64}"/>
+              </a:ext>
+            </a:extLst>
+          </p:cNvPr>
+          <p:cNvSpPr/>
+          <p:nvPr/>
+        </p:nvSpPr>
+        <p:spPr>
+          <a:xfrm>
+            <a:off x="584200" y="463550"/>
+            <a:ext cx="11132185" cy="5862320"/>
+          </a:xfrm>
+          <a:prstGeom prst="rect">
+            <a:avLst/>
+          </a:prstGeom>
+          <a:solidFill>
+            <a:schemeClr val="bg1"/>
+          </a:solidFill>
+          <a:ln>
+            <a:noFill/>
+          </a:ln>
+          <a:effectLst>
+            <a:outerShdw blurRad="50800" dist="38100" dir="8100000" algn="tr" rotWithShape="0">
+              <a:prstClr val="black">
+                <a:alpha val="25000"/>
+              </a:prstClr>
+            </a:outerShdw>
+          </a:effectLst>
+        </p:spPr>
+        <p:style>
+          <a:lnRef idx="2">
+            <a:schemeClr val="accent1">
+              <a:lumMod val="75000"/>
+            </a:schemeClr>
+          </a:lnRef>
+          <a:fillRef idx="1">
+            <a:schemeClr val="accent1"/>
+          </a:fillRef>
+          <a:effectRef idx="0">
+            <a:srgbClr val="FFFFFF"/>
+          </a:effectRef>
+          <a:fontRef idx="minor">
+            <a:schemeClr val="lt1"/>
+          </a:fontRef>
+        </p:style>
+        <p:txBody>
+          <a:bodyPr rtlCol="0" anchor="ctr"/>
+          <a:lstStyle/>
+          <a:p>
+            <a:pPr marL="0" marR="0" lvl="0" indent="0" algn="ctr" defTabSz="914400" rtl="0" eaLnBrk="1" fontAlgn="auto" latinLnBrk="0" hangingPunct="1">
+              <a:lnSpc>
+                <a:spcPct val="100000"/>
+              </a:lnSpc>
+              <a:spcBef>
+                <a:spcPts val="0"/>
+              </a:spcBef>
+              <a:spcAft>
+                <a:spcPts val="0"/>
+              </a:spcAft>
+              <a:buClrTx/>
+              <a:buSzTx/>
+              <a:buFontTx/>
+              <a:buNone/>
+              <a:tabLst/>
+              <a:defRPr/>
+            </a:pPr>
+            <a:endParaRPr kumimoji="0" lang="en-GB" altLang="en-US" sz="1800" b="0" i="0" u="none" strike="noStrike" kern="1200" cap="none" spc="0" normalizeH="0" baseline="0" noProof="0">
+              <a:ln>
+                <a:noFill/>
+              </a:ln>
+              <a:solidFill>
+                <a:prstClr val="white"/>
+              </a:solidFill>
+              <a:effectLst/>
+              <a:uLnTx/>
+              <a:uFillTx/>
+              <a:latin typeface="Calibri"/>
+              <a:ea typeface="+mn-ea"/>
+              <a:cs typeface="+mn-cs"/>
+            </a:endParaRPr>
+          </a:p>
+        </p:txBody>
+      </p:sp>
+      <p:sp>
+        <p:nvSpPr>
+          <p:cNvPr id="6" name="Text Box 5">
+            <a:extLst>
+              <a:ext uri="{FF2B5EF4-FFF2-40B4-BE49-F238E27FC236}">
+                <a16:creationId xmlns:a16="http://schemas.microsoft.com/office/drawing/2014/main" id="{2E68BC6D-0076-1CC2-7DC0-D913617ADC98}"/>
+              </a:ext>
+            </a:extLst>
+          </p:cNvPr>
+          <p:cNvSpPr txBox="1"/>
+          <p:nvPr/>
+        </p:nvSpPr>
+        <p:spPr>
+          <a:xfrm>
+            <a:off x="984250" y="1050290"/>
+            <a:ext cx="3007458" cy="830997"/>
+          </a:xfrm>
+          <a:prstGeom prst="rect">
+            <a:avLst/>
+          </a:prstGeom>
+          <a:noFill/>
+        </p:spPr>
+        <p:txBody>
+          <a:bodyPr wrap="square" rtlCol="0">
+            <a:spAutoFit/>
+          </a:bodyPr>
+          <a:lstStyle/>
+          <a:p>
+            <a:pPr marL="0" marR="0" lvl="0" indent="0" algn="l" defTabSz="914400" rtl="0" eaLnBrk="1" fontAlgn="auto" latinLnBrk="0" hangingPunct="1">
+              <a:lnSpc>
+                <a:spcPct val="100000"/>
+              </a:lnSpc>
+              <a:spcBef>
+                <a:spcPts val="0"/>
+              </a:spcBef>
+              <a:spcAft>
+                <a:spcPts val="0"/>
+              </a:spcAft>
+              <a:buClrTx/>
+              <a:buSzTx/>
+              <a:buFontTx/>
+              <a:buNone/>
+              <a:tabLst/>
+              <a:defRPr/>
+            </a:pPr>
+            <a:r>
+              <a:rPr kumimoji="0" lang="it-IT" altLang="en-US" sz="2400" b="1" i="0" u="none" strike="noStrike" kern="1200" cap="none" spc="0" normalizeH="0" baseline="0" noProof="0" dirty="0">
+                <a:ln>
+                  <a:noFill/>
+                </a:ln>
+                <a:solidFill>
+                  <a:prstClr val="black"/>
+                </a:solidFill>
+                <a:effectLst/>
+                <a:uLnTx/>
+                <a:uFillTx/>
+                <a:latin typeface="Calibri"/>
+                <a:ea typeface="+mn-ea"/>
+                <a:cs typeface="+mn-cs"/>
+              </a:rPr>
+              <a:t>Performances </a:t>
+            </a:r>
+            <a:r>
+              <a:rPr lang="it-IT" altLang="en-US" sz="2400" b="1" dirty="0">
+                <a:solidFill>
+                  <a:prstClr val="black"/>
+                </a:solidFill>
+                <a:latin typeface="Calibri"/>
+              </a:rPr>
+              <a:t>E</a:t>
+            </a:r>
+            <a:r>
+              <a:rPr kumimoji="0" lang="it-IT" altLang="en-US" sz="2400" b="1" i="0" u="none" strike="noStrike" kern="1200" cap="none" spc="0" normalizeH="0" baseline="0" noProof="0" dirty="0" err="1">
+                <a:ln>
+                  <a:noFill/>
+                </a:ln>
+                <a:solidFill>
+                  <a:prstClr val="black"/>
+                </a:solidFill>
+                <a:effectLst/>
+                <a:uLnTx/>
+                <a:uFillTx/>
+                <a:latin typeface="Calibri"/>
+                <a:ea typeface="+mn-ea"/>
+                <a:cs typeface="+mn-cs"/>
+              </a:rPr>
+              <a:t>valuation</a:t>
+            </a:r>
+            <a:endParaRPr kumimoji="0" lang="it-IT" altLang="en-US" sz="2400" b="1" i="0" u="none" strike="noStrike" kern="1200" cap="none" spc="0" normalizeH="0" baseline="0" noProof="0" dirty="0">
+              <a:ln>
+                <a:noFill/>
+              </a:ln>
+              <a:solidFill>
+                <a:prstClr val="black"/>
+              </a:solidFill>
+              <a:effectLst/>
+              <a:uLnTx/>
+              <a:uFillTx/>
+              <a:latin typeface="Calibri"/>
+              <a:ea typeface="+mn-ea"/>
+              <a:cs typeface="+mn-cs"/>
+            </a:endParaRPr>
+          </a:p>
+        </p:txBody>
+      </p:sp>
+      <p:sp>
+        <p:nvSpPr>
+          <p:cNvPr id="7" name="Text Box 6">
+            <a:extLst>
+              <a:ext uri="{FF2B5EF4-FFF2-40B4-BE49-F238E27FC236}">
+                <a16:creationId xmlns:a16="http://schemas.microsoft.com/office/drawing/2014/main" id="{946E7321-FBB7-3D16-06B7-FC7236695663}"/>
+              </a:ext>
+            </a:extLst>
+          </p:cNvPr>
+          <p:cNvSpPr txBox="1"/>
+          <p:nvPr/>
+        </p:nvSpPr>
+        <p:spPr>
+          <a:xfrm>
+            <a:off x="878625" y="5642610"/>
+            <a:ext cx="311150" cy="306705"/>
+          </a:xfrm>
+          <a:prstGeom prst="rect">
+            <a:avLst/>
+          </a:prstGeom>
+          <a:noFill/>
+        </p:spPr>
+        <p:txBody>
+          <a:bodyPr wrap="square" rtlCol="0">
+            <a:spAutoFit/>
+          </a:bodyPr>
+          <a:lstStyle/>
+          <a:p>
+            <a:pPr marL="0" marR="0" lvl="0" indent="0" algn="l" defTabSz="914400" rtl="0" eaLnBrk="1" fontAlgn="auto" latinLnBrk="0" hangingPunct="1">
+              <a:lnSpc>
+                <a:spcPct val="100000"/>
+              </a:lnSpc>
+              <a:spcBef>
+                <a:spcPts val="0"/>
+              </a:spcBef>
+              <a:spcAft>
+                <a:spcPts val="0"/>
+              </a:spcAft>
+              <a:buClrTx/>
+              <a:buSzTx/>
+              <a:buFontTx/>
+              <a:buNone/>
+              <a:tabLst/>
+              <a:defRPr/>
+            </a:pPr>
+            <a:r>
+              <a:rPr lang="it-IT" altLang="en-GB" sz="1400" dirty="0">
+                <a:solidFill>
+                  <a:prstClr val="black"/>
+                </a:solidFill>
+                <a:latin typeface="Calibri"/>
+              </a:rPr>
+              <a:t>6</a:t>
+            </a:r>
+            <a:endParaRPr kumimoji="0" lang="it-IT" altLang="en-GB" sz="1400" b="0" i="0" u="none" strike="noStrike" kern="1200" cap="none" spc="0" normalizeH="0" baseline="0" noProof="0" dirty="0">
+              <a:ln>
+                <a:noFill/>
+              </a:ln>
+              <a:solidFill>
+                <a:prstClr val="black"/>
+              </a:solidFill>
+              <a:effectLst/>
+              <a:uLnTx/>
+              <a:uFillTx/>
+              <a:latin typeface="Calibri"/>
+              <a:ea typeface="+mn-ea"/>
+              <a:cs typeface="+mn-cs"/>
+            </a:endParaRPr>
+          </a:p>
+        </p:txBody>
+      </p:sp>
+      <p:sp>
+        <p:nvSpPr>
+          <p:cNvPr id="8" name="Rectangles 7">
+            <a:extLst>
+              <a:ext uri="{FF2B5EF4-FFF2-40B4-BE49-F238E27FC236}">
+                <a16:creationId xmlns:a16="http://schemas.microsoft.com/office/drawing/2014/main" id="{E47E4F62-6C54-505B-443A-D4A0E6CF6D4B}"/>
+              </a:ext>
+            </a:extLst>
+          </p:cNvPr>
+          <p:cNvSpPr/>
+          <p:nvPr/>
+        </p:nvSpPr>
+        <p:spPr>
+          <a:xfrm>
+            <a:off x="584200" y="5431790"/>
+            <a:ext cx="900000" cy="18000"/>
+          </a:xfrm>
+          <a:prstGeom prst="rect">
+            <a:avLst/>
+          </a:prstGeom>
+          <a:solidFill>
+            <a:schemeClr val="tx1"/>
+          </a:solidFill>
+          <a:ln>
+            <a:solidFill>
+              <a:schemeClr val="tx1"/>
+            </a:solidFill>
+          </a:ln>
+        </p:spPr>
+        <p:style>
+          <a:lnRef idx="2">
+            <a:schemeClr val="accent1">
+              <a:lumMod val="75000"/>
+            </a:schemeClr>
+          </a:lnRef>
+          <a:fillRef idx="1">
+            <a:schemeClr val="accent1"/>
+          </a:fillRef>
+          <a:effectRef idx="0">
+            <a:srgbClr val="FFFFFF"/>
+          </a:effectRef>
+          <a:fontRef idx="minor">
+            <a:schemeClr val="lt1"/>
+          </a:fontRef>
+        </p:style>
+        <p:txBody>
+          <a:bodyPr rtlCol="0" anchor="ctr"/>
+          <a:lstStyle/>
+          <a:p>
+            <a:pPr marL="0" marR="0" lvl="0" indent="0" algn="ctr" defTabSz="914400" rtl="0" eaLnBrk="1" fontAlgn="auto" latinLnBrk="0" hangingPunct="1">
+              <a:lnSpc>
+                <a:spcPct val="100000"/>
+              </a:lnSpc>
+              <a:spcBef>
+                <a:spcPts val="0"/>
+              </a:spcBef>
+              <a:spcAft>
+                <a:spcPts val="0"/>
+              </a:spcAft>
+              <a:buClrTx/>
+              <a:buSzTx/>
+              <a:buFontTx/>
+              <a:buNone/>
+              <a:tabLst/>
+              <a:defRPr/>
+            </a:pPr>
+            <a:endParaRPr kumimoji="0" lang="en-GB" altLang="en-US" sz="1800" b="0" i="0" u="none" strike="noStrike" kern="1200" cap="none" spc="0" normalizeH="0" baseline="0" noProof="0">
+              <a:ln>
+                <a:noFill/>
+              </a:ln>
+              <a:solidFill>
+                <a:prstClr val="white"/>
+              </a:solidFill>
+              <a:effectLst/>
+              <a:uLnTx/>
+              <a:uFillTx/>
+              <a:latin typeface="Calibri"/>
+              <a:ea typeface="+mn-ea"/>
+              <a:cs typeface="+mn-cs"/>
+            </a:endParaRPr>
+          </a:p>
+        </p:txBody>
+      </p:sp>
+      <p:grpSp>
+        <p:nvGrpSpPr>
+          <p:cNvPr id="3" name="Group 34">
+            <a:extLst>
+              <a:ext uri="{FF2B5EF4-FFF2-40B4-BE49-F238E27FC236}">
+                <a16:creationId xmlns:a16="http://schemas.microsoft.com/office/drawing/2014/main" id="{D29DF4FD-F6DC-3E14-DB8C-2A1F64CBC8CF}"/>
+              </a:ext>
+            </a:extLst>
+          </p:cNvPr>
+          <p:cNvGrpSpPr/>
+          <p:nvPr/>
+        </p:nvGrpSpPr>
+        <p:grpSpPr>
+          <a:xfrm>
+            <a:off x="584835" y="2200910"/>
+            <a:ext cx="4431030" cy="736600"/>
+            <a:chOff x="921" y="3466"/>
+            <a:chExt cx="6978" cy="1160"/>
+          </a:xfrm>
+        </p:grpSpPr>
+        <p:sp>
+          <p:nvSpPr>
+            <p:cNvPr id="5" name="Round Same Side Corner Rectangle 20">
+              <a:extLst>
+                <a:ext uri="{FF2B5EF4-FFF2-40B4-BE49-F238E27FC236}">
+                  <a16:creationId xmlns:a16="http://schemas.microsoft.com/office/drawing/2014/main" id="{F8AF4CB9-0826-CBA8-EB41-4B213C2B6D7C}"/>
+                </a:ext>
+              </a:extLst>
+            </p:cNvPr>
+            <p:cNvSpPr/>
+            <p:nvPr/>
+          </p:nvSpPr>
+          <p:spPr>
+            <a:xfrm rot="5400000">
+              <a:off x="3830" y="557"/>
+              <a:ext cx="1160" cy="6978"/>
+            </a:xfrm>
+            <a:prstGeom prst="round2SameRect">
+              <a:avLst/>
+            </a:prstGeom>
+            <a:gradFill>
+              <a:gsLst>
+                <a:gs pos="0">
+                  <a:schemeClr val="accent1">
+                    <a:lumMod val="60000"/>
+                    <a:lumOff val="40000"/>
+                  </a:schemeClr>
+                </a:gs>
+                <a:gs pos="100000">
+                  <a:schemeClr val="accent1">
+                    <a:lumMod val="20000"/>
+                    <a:lumOff val="80000"/>
+                  </a:schemeClr>
+                </a:gs>
+              </a:gsLst>
+              <a:lin ang="5400000" scaled="0"/>
+            </a:gradFill>
+            <a:ln>
+              <a:gradFill>
+                <a:gsLst>
+                  <a:gs pos="100000">
+                    <a:schemeClr val="accent1">
+                      <a:lumMod val="5000"/>
+                      <a:lumOff val="95000"/>
+                    </a:schemeClr>
+                  </a:gs>
+                  <a:gs pos="0">
+                    <a:schemeClr val="accent1">
+                      <a:lumMod val="50000"/>
+                    </a:schemeClr>
+                  </a:gs>
+                </a:gsLst>
+                <a:lin ang="5400000" scaled="1"/>
+              </a:gradFill>
+            </a:ln>
+          </p:spPr>
+          <p:style>
+            <a:lnRef idx="2">
+              <a:schemeClr val="accent1">
+                <a:lumMod val="75000"/>
+              </a:schemeClr>
+            </a:lnRef>
+            <a:fillRef idx="1">
+              <a:schemeClr val="accent1"/>
+            </a:fillRef>
+            <a:effectRef idx="0">
+              <a:srgbClr val="FFFFFF"/>
+            </a:effectRef>
+            <a:fontRef idx="minor">
+              <a:schemeClr val="lt1"/>
+            </a:fontRef>
+          </p:style>
+          <p:txBody>
+            <a:bodyPr rtlCol="0" anchor="ctr"/>
+            <a:lstStyle/>
+            <a:p>
+              <a:pPr algn="ctr"/>
+              <a:endParaRPr lang="en-GB" altLang="en-US"/>
+            </a:p>
+          </p:txBody>
+        </p:sp>
+        <p:sp>
+          <p:nvSpPr>
+            <p:cNvPr id="10" name="Text Box 15">
+              <a:extLst>
+                <a:ext uri="{FF2B5EF4-FFF2-40B4-BE49-F238E27FC236}">
+                  <a16:creationId xmlns:a16="http://schemas.microsoft.com/office/drawing/2014/main" id="{F3946952-13BB-60BC-790C-9F17B697105F}"/>
+                </a:ext>
+              </a:extLst>
+            </p:cNvPr>
+            <p:cNvSpPr txBox="1"/>
+            <p:nvPr/>
+          </p:nvSpPr>
+          <p:spPr>
+            <a:xfrm>
+              <a:off x="3940" y="3756"/>
+              <a:ext cx="3959" cy="580"/>
+            </a:xfrm>
+            <a:prstGeom prst="rect">
+              <a:avLst/>
+            </a:prstGeom>
+            <a:noFill/>
+          </p:spPr>
+          <p:txBody>
+            <a:bodyPr wrap="square" rtlCol="0">
+              <a:spAutoFit/>
+            </a:bodyPr>
+            <a:lstStyle/>
+            <a:p>
+              <a:r>
+                <a:rPr lang="it-IT" altLang="en-GB" dirty="0" err="1"/>
+                <a:t>Latency</a:t>
+              </a:r>
+              <a:r>
+                <a:rPr lang="it-IT" altLang="en-GB" dirty="0"/>
+                <a:t> </a:t>
+              </a:r>
+              <a:r>
+                <a:rPr lang="it-IT" altLang="en-GB" dirty="0" err="1"/>
+                <a:t>Metrics</a:t>
+              </a:r>
+              <a:endParaRPr lang="it-IT" altLang="en-GB" dirty="0"/>
+            </a:p>
+          </p:txBody>
+        </p:sp>
+      </p:grpSp>
+      <p:grpSp>
+        <p:nvGrpSpPr>
+          <p:cNvPr id="11" name="Group 32">
+            <a:extLst>
+              <a:ext uri="{FF2B5EF4-FFF2-40B4-BE49-F238E27FC236}">
+                <a16:creationId xmlns:a16="http://schemas.microsoft.com/office/drawing/2014/main" id="{FDD6D956-0599-CE07-010F-FA7941976EFA}"/>
+              </a:ext>
+            </a:extLst>
+          </p:cNvPr>
+          <p:cNvGrpSpPr/>
+          <p:nvPr/>
+        </p:nvGrpSpPr>
+        <p:grpSpPr>
+          <a:xfrm>
+            <a:off x="584200" y="3185795"/>
+            <a:ext cx="4431030" cy="736600"/>
+            <a:chOff x="920" y="5116"/>
+            <a:chExt cx="6978" cy="1160"/>
+          </a:xfrm>
+        </p:grpSpPr>
+        <p:sp>
+          <p:nvSpPr>
+            <p:cNvPr id="15" name="Round Same Side Corner Rectangle 29">
+              <a:extLst>
+                <a:ext uri="{FF2B5EF4-FFF2-40B4-BE49-F238E27FC236}">
+                  <a16:creationId xmlns:a16="http://schemas.microsoft.com/office/drawing/2014/main" id="{83B75812-28F7-1540-885C-E10178F35660}"/>
+                </a:ext>
+              </a:extLst>
+            </p:cNvPr>
+            <p:cNvSpPr/>
+            <p:nvPr/>
+          </p:nvSpPr>
+          <p:spPr>
+            <a:xfrm rot="5400000">
+              <a:off x="3829" y="2207"/>
+              <a:ext cx="1160" cy="6978"/>
+            </a:xfrm>
+            <a:prstGeom prst="round2SameRect">
+              <a:avLst/>
+            </a:prstGeom>
+            <a:gradFill>
+              <a:gsLst>
+                <a:gs pos="0">
+                  <a:schemeClr val="accent1">
+                    <a:lumMod val="60000"/>
+                    <a:lumOff val="40000"/>
+                  </a:schemeClr>
+                </a:gs>
+                <a:gs pos="100000">
+                  <a:schemeClr val="accent1">
+                    <a:lumMod val="20000"/>
+                    <a:lumOff val="80000"/>
+                  </a:schemeClr>
+                </a:gs>
+              </a:gsLst>
+              <a:lin ang="5400000" scaled="0"/>
+            </a:gradFill>
+            <a:ln>
+              <a:gradFill>
+                <a:gsLst>
+                  <a:gs pos="100000">
+                    <a:schemeClr val="accent1">
+                      <a:lumMod val="5000"/>
+                      <a:lumOff val="95000"/>
+                    </a:schemeClr>
+                  </a:gs>
+                  <a:gs pos="0">
+                    <a:schemeClr val="accent1">
+                      <a:lumMod val="50000"/>
+                    </a:schemeClr>
+                  </a:gs>
+                </a:gsLst>
+                <a:lin ang="5400000" scaled="1"/>
+              </a:gradFill>
+            </a:ln>
+          </p:spPr>
+          <p:style>
+            <a:lnRef idx="2">
+              <a:schemeClr val="accent1">
+                <a:lumMod val="75000"/>
+              </a:schemeClr>
+            </a:lnRef>
+            <a:fillRef idx="1">
+              <a:schemeClr val="accent1"/>
+            </a:fillRef>
+            <a:effectRef idx="0">
+              <a:srgbClr val="FFFFFF"/>
+            </a:effectRef>
+            <a:fontRef idx="minor">
+              <a:schemeClr val="lt1"/>
+            </a:fontRef>
+          </p:style>
+          <p:txBody>
+            <a:bodyPr rtlCol="0" anchor="ctr"/>
+            <a:lstStyle/>
+            <a:p>
+              <a:pPr algn="ctr"/>
+              <a:endParaRPr lang="en-GB" altLang="en-US"/>
+            </a:p>
+          </p:txBody>
+        </p:sp>
+        <p:sp>
+          <p:nvSpPr>
+            <p:cNvPr id="30" name="Text Box 16">
+              <a:extLst>
+                <a:ext uri="{FF2B5EF4-FFF2-40B4-BE49-F238E27FC236}">
+                  <a16:creationId xmlns:a16="http://schemas.microsoft.com/office/drawing/2014/main" id="{B441B173-7E2B-0831-A200-6653428ADDA5}"/>
+                </a:ext>
+              </a:extLst>
+            </p:cNvPr>
+            <p:cNvSpPr txBox="1"/>
+            <p:nvPr/>
+          </p:nvSpPr>
+          <p:spPr>
+            <a:xfrm>
+              <a:off x="3940" y="5406"/>
+              <a:ext cx="3320" cy="580"/>
+            </a:xfrm>
+            <a:prstGeom prst="rect">
+              <a:avLst/>
+            </a:prstGeom>
+            <a:noFill/>
+          </p:spPr>
+          <p:txBody>
+            <a:bodyPr wrap="square" rtlCol="0">
+              <a:spAutoFit/>
+            </a:bodyPr>
+            <a:lstStyle/>
+            <a:p>
+              <a:r>
+                <a:rPr lang="it-IT" altLang="en-GB" dirty="0"/>
+                <a:t>Transfer </a:t>
+              </a:r>
+              <a:r>
+                <a:rPr lang="it-IT" altLang="en-GB" dirty="0" err="1"/>
+                <a:t>Metrics</a:t>
+              </a:r>
+              <a:endParaRPr lang="it-IT" altLang="en-GB" dirty="0"/>
+            </a:p>
+          </p:txBody>
+        </p:sp>
+      </p:grpSp>
+      <p:grpSp>
+        <p:nvGrpSpPr>
+          <p:cNvPr id="31" name="Group 31">
+            <a:extLst>
+              <a:ext uri="{FF2B5EF4-FFF2-40B4-BE49-F238E27FC236}">
+                <a16:creationId xmlns:a16="http://schemas.microsoft.com/office/drawing/2014/main" id="{CD8E8F07-D31C-5507-D705-051FE5C0901E}"/>
+              </a:ext>
+            </a:extLst>
+          </p:cNvPr>
+          <p:cNvGrpSpPr/>
+          <p:nvPr/>
+        </p:nvGrpSpPr>
+        <p:grpSpPr>
+          <a:xfrm>
+            <a:off x="584200" y="4170680"/>
+            <a:ext cx="4431030" cy="736600"/>
+            <a:chOff x="920" y="6567"/>
+            <a:chExt cx="6978" cy="1160"/>
+          </a:xfrm>
+        </p:grpSpPr>
+        <p:sp>
+          <p:nvSpPr>
+            <p:cNvPr id="32" name="Round Same Side Corner Rectangle 30">
+              <a:extLst>
+                <a:ext uri="{FF2B5EF4-FFF2-40B4-BE49-F238E27FC236}">
+                  <a16:creationId xmlns:a16="http://schemas.microsoft.com/office/drawing/2014/main" id="{3AFB1D58-2D9D-BAEB-DB16-F185530FBBA2}"/>
+                </a:ext>
+              </a:extLst>
+            </p:cNvPr>
+            <p:cNvSpPr/>
+            <p:nvPr/>
+          </p:nvSpPr>
+          <p:spPr>
+            <a:xfrm rot="5400000">
+              <a:off x="3829" y="3658"/>
+              <a:ext cx="1160" cy="6978"/>
+            </a:xfrm>
+            <a:prstGeom prst="round2SameRect">
+              <a:avLst/>
+            </a:prstGeom>
+            <a:gradFill>
+              <a:gsLst>
+                <a:gs pos="0">
+                  <a:schemeClr val="accent1">
+                    <a:lumMod val="60000"/>
+                    <a:lumOff val="40000"/>
+                  </a:schemeClr>
+                </a:gs>
+                <a:gs pos="100000">
+                  <a:schemeClr val="accent1">
+                    <a:lumMod val="20000"/>
+                    <a:lumOff val="80000"/>
+                  </a:schemeClr>
+                </a:gs>
+              </a:gsLst>
+              <a:lin ang="5400000" scaled="0"/>
+            </a:gradFill>
+            <a:ln>
+              <a:gradFill>
+                <a:gsLst>
+                  <a:gs pos="100000">
+                    <a:schemeClr val="accent1">
+                      <a:lumMod val="5000"/>
+                      <a:lumOff val="95000"/>
+                    </a:schemeClr>
+                  </a:gs>
+                  <a:gs pos="0">
+                    <a:schemeClr val="accent1">
+                      <a:lumMod val="50000"/>
+                    </a:schemeClr>
+                  </a:gs>
+                </a:gsLst>
+                <a:lin ang="5400000" scaled="1"/>
+              </a:gradFill>
+            </a:ln>
+          </p:spPr>
+          <p:style>
+            <a:lnRef idx="2">
+              <a:schemeClr val="accent1">
+                <a:lumMod val="75000"/>
+              </a:schemeClr>
+            </a:lnRef>
+            <a:fillRef idx="1">
+              <a:schemeClr val="accent1"/>
+            </a:fillRef>
+            <a:effectRef idx="0">
+              <a:srgbClr val="FFFFFF"/>
+            </a:effectRef>
+            <a:fontRef idx="minor">
+              <a:schemeClr val="lt1"/>
+            </a:fontRef>
+          </p:style>
+          <p:txBody>
+            <a:bodyPr rtlCol="0" anchor="ctr"/>
+            <a:lstStyle/>
+            <a:p>
+              <a:pPr algn="ctr"/>
+              <a:endParaRPr lang="en-GB" altLang="en-US"/>
+            </a:p>
+          </p:txBody>
+        </p:sp>
+        <p:sp>
+          <p:nvSpPr>
+            <p:cNvPr id="34" name="Text Box 17">
+              <a:extLst>
+                <a:ext uri="{FF2B5EF4-FFF2-40B4-BE49-F238E27FC236}">
+                  <a16:creationId xmlns:a16="http://schemas.microsoft.com/office/drawing/2014/main" id="{552C0E14-C2A5-F78A-3C20-D2C180C2A1CF}"/>
+                </a:ext>
+              </a:extLst>
+            </p:cNvPr>
+            <p:cNvSpPr txBox="1"/>
+            <p:nvPr/>
+          </p:nvSpPr>
+          <p:spPr>
+            <a:xfrm>
+              <a:off x="3940" y="6857"/>
+              <a:ext cx="3320" cy="580"/>
+            </a:xfrm>
+            <a:prstGeom prst="rect">
+              <a:avLst/>
+            </a:prstGeom>
+            <a:noFill/>
+          </p:spPr>
+          <p:txBody>
+            <a:bodyPr wrap="square" rtlCol="0">
+              <a:spAutoFit/>
+            </a:bodyPr>
+            <a:lstStyle/>
+            <a:p>
+              <a:r>
+                <a:rPr lang="it-IT" altLang="en-GB" dirty="0" err="1"/>
+                <a:t>Pyshark</a:t>
+              </a:r>
+              <a:r>
+                <a:rPr lang="it-IT" altLang="en-GB" dirty="0"/>
+                <a:t> Analysis</a:t>
+              </a:r>
+            </a:p>
+          </p:txBody>
+        </p:sp>
+      </p:grpSp>
+      <p:sp>
+        <p:nvSpPr>
+          <p:cNvPr id="45" name="Rettangolo con angoli arrotondati 44">
+            <a:extLst>
+              <a:ext uri="{FF2B5EF4-FFF2-40B4-BE49-F238E27FC236}">
+                <a16:creationId xmlns:a16="http://schemas.microsoft.com/office/drawing/2014/main" id="{EBC9BBFF-F251-B544-AC0B-27BE5A899057}"/>
+              </a:ext>
+            </a:extLst>
+          </p:cNvPr>
+          <p:cNvSpPr/>
+          <p:nvPr/>
+        </p:nvSpPr>
+        <p:spPr>
+          <a:xfrm>
+            <a:off x="6785341" y="2200910"/>
+            <a:ext cx="3422406" cy="731520"/>
+          </a:xfrm>
+          <a:prstGeom prst="roundRect">
+            <a:avLst>
+              <a:gd name="adj" fmla="val 13462"/>
+            </a:avLst>
+          </a:prstGeom>
+          <a:solidFill>
+            <a:srgbClr val="EFF5FB"/>
+          </a:solidFill>
+          <a:ln>
+            <a:noFill/>
+          </a:ln>
+        </p:spPr>
+        <p:style>
+          <a:lnRef idx="0">
+            <a:scrgbClr r="0" g="0" b="0"/>
+          </a:lnRef>
+          <a:fillRef idx="0">
+            <a:scrgbClr r="0" g="0" b="0"/>
+          </a:fillRef>
+          <a:effectRef idx="0">
+            <a:scrgbClr r="0" g="0" b="0"/>
+          </a:effectRef>
+          <a:fontRef idx="minor">
+            <a:schemeClr val="lt1"/>
+          </a:fontRef>
+        </p:style>
+        <p:txBody>
+          <a:bodyPr rtlCol="0" anchor="t"/>
+          <a:lstStyle/>
+          <a:p>
+            <a:pPr algn="ctr">
+              <a:spcBef>
+                <a:spcPct val="0"/>
+              </a:spcBef>
+              <a:spcAft>
+                <a:spcPct val="0"/>
+              </a:spcAft>
+            </a:pPr>
+            <a:r>
+              <a:rPr lang="it-IT" altLang="en-US" dirty="0">
+                <a:solidFill>
+                  <a:schemeClr val="dk1">
+                    <a:lumMod val="80000"/>
+                    <a:lumOff val="20000"/>
+                  </a:schemeClr>
+                </a:solidFill>
+                <a:latin typeface="+mn-lt"/>
+                <a:sym typeface="+mn-ea"/>
+              </a:rPr>
+              <a:t>Handshake time</a:t>
+            </a:r>
+          </a:p>
+          <a:p>
+            <a:pPr algn="ctr">
+              <a:spcBef>
+                <a:spcPct val="0"/>
+              </a:spcBef>
+              <a:spcAft>
+                <a:spcPct val="0"/>
+              </a:spcAft>
+            </a:pPr>
+            <a:r>
+              <a:rPr lang="it-IT" altLang="en-US" dirty="0">
+                <a:solidFill>
+                  <a:schemeClr val="dk1">
+                    <a:lumMod val="80000"/>
+                    <a:lumOff val="20000"/>
+                  </a:schemeClr>
+                </a:solidFill>
+                <a:sym typeface="+mn-ea"/>
+              </a:rPr>
+              <a:t>RTT and </a:t>
+            </a:r>
+            <a:r>
+              <a:rPr lang="it-IT" altLang="en-US" dirty="0" err="1">
+                <a:solidFill>
+                  <a:schemeClr val="dk1">
+                    <a:lumMod val="80000"/>
+                    <a:lumOff val="20000"/>
+                  </a:schemeClr>
+                </a:solidFill>
+                <a:sym typeface="+mn-ea"/>
+              </a:rPr>
+              <a:t>Std.Dev</a:t>
+            </a:r>
+            <a:r>
+              <a:rPr lang="it-IT" altLang="en-US" dirty="0">
+                <a:solidFill>
+                  <a:schemeClr val="dk1">
+                    <a:lumMod val="80000"/>
+                    <a:lumOff val="20000"/>
+                  </a:schemeClr>
+                </a:solidFill>
+                <a:sym typeface="+mn-ea"/>
+              </a:rPr>
+              <a:t>.</a:t>
+            </a:r>
+            <a:endParaRPr lang="it-IT" altLang="en-US" dirty="0">
+              <a:solidFill>
+                <a:schemeClr val="dk1">
+                  <a:lumMod val="80000"/>
+                  <a:lumOff val="20000"/>
+                </a:schemeClr>
+              </a:solidFill>
+              <a:latin typeface="+mn-lt"/>
+              <a:sym typeface="+mn-ea"/>
+            </a:endParaRPr>
+          </a:p>
+          <a:p>
+            <a:pPr algn="ctr"/>
+            <a:endParaRPr lang="it-IT" dirty="0"/>
+          </a:p>
+        </p:txBody>
+      </p:sp>
+      <p:sp>
+        <p:nvSpPr>
+          <p:cNvPr id="46" name="Rettangolo con angoli arrotondati 45">
+            <a:extLst>
+              <a:ext uri="{FF2B5EF4-FFF2-40B4-BE49-F238E27FC236}">
+                <a16:creationId xmlns:a16="http://schemas.microsoft.com/office/drawing/2014/main" id="{946C6283-8FBD-72FA-2288-2EA4DD9DBDE2}"/>
+              </a:ext>
+            </a:extLst>
+          </p:cNvPr>
+          <p:cNvSpPr/>
+          <p:nvPr/>
+        </p:nvSpPr>
+        <p:spPr>
+          <a:xfrm>
+            <a:off x="6785341" y="3185795"/>
+            <a:ext cx="3422406" cy="731520"/>
+          </a:xfrm>
+          <a:prstGeom prst="roundRect">
+            <a:avLst>
+              <a:gd name="adj" fmla="val 13462"/>
+            </a:avLst>
+          </a:prstGeom>
+          <a:solidFill>
+            <a:srgbClr val="EFF5FB"/>
+          </a:solidFill>
+          <a:ln>
+            <a:noFill/>
+          </a:ln>
+        </p:spPr>
+        <p:style>
+          <a:lnRef idx="0">
+            <a:scrgbClr r="0" g="0" b="0"/>
+          </a:lnRef>
+          <a:fillRef idx="0">
+            <a:scrgbClr r="0" g="0" b="0"/>
+          </a:fillRef>
+          <a:effectRef idx="0">
+            <a:scrgbClr r="0" g="0" b="0"/>
+          </a:effectRef>
+          <a:fontRef idx="minor">
+            <a:schemeClr val="lt1"/>
+          </a:fontRef>
+        </p:style>
+        <p:txBody>
+          <a:bodyPr rtlCol="0" anchor="t"/>
+          <a:lstStyle/>
+          <a:p>
+            <a:pPr lvl="0" algn="ctr">
+              <a:spcBef>
+                <a:spcPct val="0"/>
+              </a:spcBef>
+              <a:spcAft>
+                <a:spcPct val="0"/>
+              </a:spcAft>
+              <a:buClrTx/>
+              <a:buSzTx/>
+              <a:buFontTx/>
+            </a:pPr>
+            <a:r>
+              <a:rPr lang="it-IT" altLang="en-US" dirty="0">
+                <a:solidFill>
+                  <a:schemeClr val="dk1">
+                    <a:lumMod val="80000"/>
+                    <a:lumOff val="20000"/>
+                  </a:schemeClr>
+                </a:solidFill>
+                <a:latin typeface="+mn-lt"/>
+                <a:sym typeface="+mn-ea"/>
+              </a:rPr>
+              <a:t>Upload/Download times</a:t>
+            </a:r>
+          </a:p>
+          <a:p>
+            <a:pPr lvl="0" algn="ctr">
+              <a:spcBef>
+                <a:spcPct val="0"/>
+              </a:spcBef>
+              <a:spcAft>
+                <a:spcPct val="0"/>
+              </a:spcAft>
+              <a:buClrTx/>
+              <a:buSzTx/>
+              <a:buFontTx/>
+            </a:pPr>
+            <a:r>
+              <a:rPr lang="it-IT" altLang="en-US" dirty="0">
+                <a:solidFill>
+                  <a:schemeClr val="dk1">
+                    <a:lumMod val="80000"/>
+                    <a:lumOff val="20000"/>
+                  </a:schemeClr>
+                </a:solidFill>
+                <a:sym typeface="+mn-ea"/>
+              </a:rPr>
+              <a:t>Throughput</a:t>
+            </a:r>
+            <a:endParaRPr lang="it-IT" altLang="en-US" dirty="0">
+              <a:solidFill>
+                <a:schemeClr val="dk1">
+                  <a:lumMod val="80000"/>
+                  <a:lumOff val="20000"/>
+                </a:schemeClr>
+              </a:solidFill>
+              <a:latin typeface="+mn-lt"/>
+              <a:sym typeface="+mn-ea"/>
+            </a:endParaRPr>
+          </a:p>
+          <a:p>
+            <a:pPr algn="ctr"/>
+            <a:endParaRPr lang="it-IT" dirty="0"/>
+          </a:p>
+        </p:txBody>
+      </p:sp>
+      <p:cxnSp>
+        <p:nvCxnSpPr>
+          <p:cNvPr id="49" name="Connettore 2 48">
+            <a:extLst>
+              <a:ext uri="{FF2B5EF4-FFF2-40B4-BE49-F238E27FC236}">
+                <a16:creationId xmlns:a16="http://schemas.microsoft.com/office/drawing/2014/main" id="{AC9C5465-8E37-30BB-1982-EE8C3DFE792D}"/>
+              </a:ext>
+            </a:extLst>
+          </p:cNvPr>
+          <p:cNvCxnSpPr>
+            <a:stCxn id="10" idx="3"/>
+          </p:cNvCxnSpPr>
+          <p:nvPr/>
+        </p:nvCxnSpPr>
+        <p:spPr>
+          <a:xfrm flipV="1">
+            <a:off x="5015865" y="2566670"/>
+            <a:ext cx="1769476" cy="2540"/>
+          </a:xfrm>
+          <a:prstGeom prst="straightConnector1">
+            <a:avLst/>
+          </a:prstGeom>
+          <a:ln>
+            <a:tailEnd type="triangle"/>
+          </a:ln>
+        </p:spPr>
+        <p:style>
+          <a:lnRef idx="1">
+            <a:schemeClr val="accent1"/>
+          </a:lnRef>
+          <a:fillRef idx="0">
+            <a:schemeClr val="accent1"/>
+          </a:fillRef>
+          <a:effectRef idx="0">
+            <a:schemeClr val="accent1"/>
+          </a:effectRef>
+          <a:fontRef idx="minor">
+            <a:schemeClr val="tx1"/>
+          </a:fontRef>
+        </p:style>
+      </p:cxnSp>
+      <p:cxnSp>
+        <p:nvCxnSpPr>
+          <p:cNvPr id="50" name="Connettore 2 49">
+            <a:extLst>
+              <a:ext uri="{FF2B5EF4-FFF2-40B4-BE49-F238E27FC236}">
+                <a16:creationId xmlns:a16="http://schemas.microsoft.com/office/drawing/2014/main" id="{C6345711-921D-00FB-11A5-5AC096737307}"/>
+              </a:ext>
+            </a:extLst>
+          </p:cNvPr>
+          <p:cNvCxnSpPr/>
+          <p:nvPr/>
+        </p:nvCxnSpPr>
+        <p:spPr>
+          <a:xfrm flipV="1">
+            <a:off x="5021971" y="3551555"/>
+            <a:ext cx="1769476" cy="2540"/>
+          </a:xfrm>
+          <a:prstGeom prst="straightConnector1">
+            <a:avLst/>
+          </a:prstGeom>
+          <a:ln>
+            <a:tailEnd type="triangle"/>
+          </a:ln>
+        </p:spPr>
+        <p:style>
+          <a:lnRef idx="1">
+            <a:schemeClr val="accent1"/>
+          </a:lnRef>
+          <a:fillRef idx="0">
+            <a:schemeClr val="accent1"/>
+          </a:fillRef>
+          <a:effectRef idx="0">
+            <a:schemeClr val="accent1"/>
+          </a:effectRef>
+          <a:fontRef idx="minor">
+            <a:schemeClr val="tx1"/>
+          </a:fontRef>
+        </p:style>
+      </p:cxnSp>
+      <p:pic>
+        <p:nvPicPr>
+          <p:cNvPr id="14" name="Elemento grafico 13">
+            <a:extLst>
+              <a:ext uri="{FF2B5EF4-FFF2-40B4-BE49-F238E27FC236}">
+                <a16:creationId xmlns:a16="http://schemas.microsoft.com/office/drawing/2014/main" id="{05455A3C-F722-1C31-4571-9A74B73F9195}"/>
+              </a:ext>
+            </a:extLst>
+          </p:cNvPr>
+          <p:cNvPicPr>
+            <a:picLocks noChangeAspect="1"/>
+          </p:cNvPicPr>
+          <p:nvPr/>
+        </p:nvPicPr>
+        <p:blipFill>
+          <a:blip r:embed="rId2">
+            <a:extLst>
+              <a:ext uri="{96DAC541-7B7A-43D3-8B79-37D633B846F1}">
+                <asvg:svgBlip xmlns:asvg="http://schemas.microsoft.com/office/drawing/2016/SVG/main" r:embed="rId3"/>
+              </a:ext>
+            </a:extLst>
+          </a:blip>
+          <a:stretch>
+            <a:fillRect/>
+          </a:stretch>
+        </p:blipFill>
+        <p:spPr>
+          <a:xfrm>
+            <a:off x="1538885" y="2307162"/>
+            <a:ext cx="509344" cy="509344"/>
+          </a:xfrm>
+          <a:prstGeom prst="rect">
+            <a:avLst/>
+          </a:prstGeom>
+        </p:spPr>
+      </p:pic>
+      <p:pic>
+        <p:nvPicPr>
+          <p:cNvPr id="17" name="Elemento grafico 16">
+            <a:extLst>
+              <a:ext uri="{FF2B5EF4-FFF2-40B4-BE49-F238E27FC236}">
+                <a16:creationId xmlns:a16="http://schemas.microsoft.com/office/drawing/2014/main" id="{37756E9C-8F09-0811-3A07-0BBB434064FF}"/>
+              </a:ext>
+            </a:extLst>
+          </p:cNvPr>
+          <p:cNvPicPr>
+            <a:picLocks noChangeAspect="1"/>
+          </p:cNvPicPr>
+          <p:nvPr/>
+        </p:nvPicPr>
+        <p:blipFill>
+          <a:blip r:embed="rId4">
+            <a:extLst>
+              <a:ext uri="{96DAC541-7B7A-43D3-8B79-37D633B846F1}">
+                <asvg:svgBlip xmlns:asvg="http://schemas.microsoft.com/office/drawing/2016/SVG/main" r:embed="rId5"/>
+              </a:ext>
+            </a:extLst>
+          </a:blip>
+          <a:stretch>
+            <a:fillRect/>
+          </a:stretch>
+        </p:blipFill>
+        <p:spPr>
+          <a:xfrm>
+            <a:off x="1568816" y="3323492"/>
+            <a:ext cx="449481" cy="449481"/>
+          </a:xfrm>
+          <a:prstGeom prst="rect">
+            <a:avLst/>
+          </a:prstGeom>
+        </p:spPr>
+      </p:pic>
+      <p:pic>
+        <p:nvPicPr>
+          <p:cNvPr id="20" name="Immagine 19" descr="Immagine che contiene schermata, Elementi grafici, simbolo, design&#10;&#10;Il contenuto generato dall'IA potrebbe non essere corretto.">
+            <a:extLst>
+              <a:ext uri="{FF2B5EF4-FFF2-40B4-BE49-F238E27FC236}">
+                <a16:creationId xmlns:a16="http://schemas.microsoft.com/office/drawing/2014/main" id="{D2D5D399-CD78-FE70-8BF8-C0E75BE21824}"/>
+              </a:ext>
+            </a:extLst>
+          </p:cNvPr>
+          <p:cNvPicPr>
+            <a:picLocks noChangeAspect="1"/>
+          </p:cNvPicPr>
+          <p:nvPr/>
+        </p:nvPicPr>
+        <p:blipFill>
+          <a:blip r:embed="rId6" cstate="print">
+            <a:extLst>
+              <a:ext uri="{28A0092B-C50C-407E-A947-70E740481C1C}">
+                <a14:useLocalDpi xmlns:a14="http://schemas.microsoft.com/office/drawing/2010/main" val="0"/>
+              </a:ext>
+            </a:extLst>
+          </a:blip>
+          <a:stretch>
+            <a:fillRect/>
+          </a:stretch>
+        </p:blipFill>
+        <p:spPr>
+          <a:xfrm>
+            <a:off x="1411383" y="4281243"/>
+            <a:ext cx="764345" cy="441887"/>
+          </a:xfrm>
+          <a:prstGeom prst="rect">
+            <a:avLst/>
+          </a:prstGeom>
+        </p:spPr>
+      </p:pic>
+    </p:spTree>
+    <p:extLst>
+      <p:ext uri="{BB962C8B-B14F-4D97-AF65-F5344CB8AC3E}">
+        <p14:creationId xmlns:p14="http://schemas.microsoft.com/office/powerpoint/2010/main" val="1001608424"/>
+      </p:ext>
+    </p:extLst>
+  </p:cSld>
+  <p:clrMapOvr>
+    <a:masterClrMapping/>
+  </p:clrMapOvr>
+  <mc:AlternateContent xmlns:mc="http://schemas.openxmlformats.org/markup-compatibility/2006" xmlns:p159="http://schemas.microsoft.com/office/powerpoint/2015/09/main">
+    <mc:Choice Requires="p159">
+      <p:transition xmlns:p14="http://schemas.microsoft.com/office/powerpoint/2010/main" spd="slow" p14:dur="2000">
+        <p159:morph option="byObject"/>
+      </p:transition>
+    </mc:Choice>
+    <mc:Fallback xmlns="">
+      <p:transition spd="slow">
+        <p:fade/>
+      </p:transition>
+    </mc:Fallback>
+  </mc:AlternateContent>
+</p:sld>
+</file>
+
+<file path=ppt/slides/slide7.xml><?xml version="1.0" encoding="utf-8"?>
+<p:sld xmlns:a="http://schemas.openxmlformats.org/drawingml/2006/main" xmlns:r="http://schemas.openxmlformats.org/officeDocument/2006/relationships" xmlns:p="http://schemas.openxmlformats.org/presentationml/2006/main">
+  <p:cSld>
+    <p:spTree>
+      <p:nvGrpSpPr>
+        <p:cNvPr id="1" name="">
+          <a:extLst>
+            <a:ext uri="{FF2B5EF4-FFF2-40B4-BE49-F238E27FC236}">
+              <a16:creationId xmlns:a16="http://schemas.microsoft.com/office/drawing/2014/main" id="{C3B40432-B9BD-6400-DEA4-2098026C2145}"/>
+            </a:ext>
+          </a:extLst>
+        </p:cNvPr>
+        <p:cNvGrpSpPr/>
+        <p:nvPr/>
+      </p:nvGrpSpPr>
+      <p:grpSpPr>
+        <a:xfrm>
+          <a:off x="0" y="0"/>
+          <a:ext cx="0" cy="0"/>
+          <a:chOff x="0" y="0"/>
+          <a:chExt cx="0" cy="0"/>
+        </a:xfrm>
+      </p:grpSpPr>
+      <p:sp>
+        <p:nvSpPr>
+          <p:cNvPr id="4" name="Rectangles 3">
+            <a:extLst>
+              <a:ext uri="{FF2B5EF4-FFF2-40B4-BE49-F238E27FC236}">
+                <a16:creationId xmlns:a16="http://schemas.microsoft.com/office/drawing/2014/main" id="{80CE90F8-45F7-84A5-609B-A395A4BC497F}"/>
+              </a:ext>
+            </a:extLst>
+          </p:cNvPr>
+          <p:cNvSpPr/>
+          <p:nvPr/>
+        </p:nvSpPr>
+        <p:spPr>
+          <a:xfrm>
+            <a:off x="584200" y="463550"/>
+            <a:ext cx="11132185" cy="5862320"/>
+          </a:xfrm>
+          <a:prstGeom prst="rect">
+            <a:avLst/>
+          </a:prstGeom>
+          <a:solidFill>
+            <a:schemeClr val="bg1"/>
+          </a:solidFill>
+          <a:ln>
+            <a:noFill/>
+          </a:ln>
+          <a:effectLst>
+            <a:outerShdw blurRad="50800" dist="38100" dir="8100000" algn="tr" rotWithShape="0">
+              <a:prstClr val="black">
+                <a:alpha val="25000"/>
+              </a:prstClr>
+            </a:outerShdw>
+          </a:effectLst>
+        </p:spPr>
+        <p:style>
+          <a:lnRef idx="2">
+            <a:schemeClr val="accent1">
+              <a:lumMod val="75000"/>
+            </a:schemeClr>
+          </a:lnRef>
+          <a:fillRef idx="1">
+            <a:schemeClr val="accent1"/>
+          </a:fillRef>
+          <a:effectRef idx="0">
+            <a:srgbClr val="FFFFFF"/>
+          </a:effectRef>
+          <a:fontRef idx="minor">
+            <a:schemeClr val="lt1"/>
+          </a:fontRef>
+        </p:style>
+        <p:txBody>
+          <a:bodyPr rtlCol="0" anchor="ctr"/>
+          <a:lstStyle/>
+          <a:p>
+            <a:pPr marL="0" marR="0" lvl="0" indent="0" algn="ctr" defTabSz="914400" rtl="0" eaLnBrk="1" fontAlgn="auto" latinLnBrk="0" hangingPunct="1">
+              <a:lnSpc>
+                <a:spcPct val="100000"/>
+              </a:lnSpc>
+              <a:spcBef>
+                <a:spcPts val="0"/>
+              </a:spcBef>
+              <a:spcAft>
+                <a:spcPts val="0"/>
+              </a:spcAft>
+              <a:buClrTx/>
+              <a:buSzTx/>
+              <a:buFontTx/>
+              <a:buNone/>
+              <a:tabLst/>
+              <a:defRPr/>
+            </a:pPr>
+            <a:endParaRPr kumimoji="0" lang="en-GB" altLang="en-US" sz="1800" b="0" i="0" u="none" strike="noStrike" kern="1200" cap="none" spc="0" normalizeH="0" baseline="0" noProof="0">
+              <a:ln>
+                <a:noFill/>
+              </a:ln>
+              <a:solidFill>
+                <a:prstClr val="white"/>
+              </a:solidFill>
+              <a:effectLst/>
+              <a:uLnTx/>
+              <a:uFillTx/>
+              <a:latin typeface="Calibri"/>
+              <a:ea typeface="+mn-ea"/>
+              <a:cs typeface="+mn-cs"/>
+            </a:endParaRPr>
+          </a:p>
+        </p:txBody>
+      </p:sp>
+      <p:sp>
+        <p:nvSpPr>
+          <p:cNvPr id="6" name="Text Box 5">
+            <a:extLst>
+              <a:ext uri="{FF2B5EF4-FFF2-40B4-BE49-F238E27FC236}">
+                <a16:creationId xmlns:a16="http://schemas.microsoft.com/office/drawing/2014/main" id="{C98476FC-E773-5002-CA4F-E3DD163C1E07}"/>
+              </a:ext>
+            </a:extLst>
+          </p:cNvPr>
+          <p:cNvSpPr txBox="1"/>
+          <p:nvPr/>
+        </p:nvSpPr>
+        <p:spPr>
+          <a:xfrm>
+            <a:off x="984250" y="1050290"/>
+            <a:ext cx="3816350" cy="461665"/>
+          </a:xfrm>
+          <a:prstGeom prst="rect">
+            <a:avLst/>
+          </a:prstGeom>
+          <a:noFill/>
+        </p:spPr>
+        <p:txBody>
+          <a:bodyPr wrap="square" rtlCol="0">
+            <a:spAutoFit/>
+          </a:bodyPr>
+          <a:lstStyle/>
+          <a:p>
+            <a:pPr marL="0" marR="0" lvl="0" indent="0" algn="l" defTabSz="914400" rtl="0" eaLnBrk="1" fontAlgn="auto" latinLnBrk="0" hangingPunct="1">
+              <a:lnSpc>
+                <a:spcPct val="100000"/>
+              </a:lnSpc>
+              <a:spcBef>
+                <a:spcPts val="0"/>
+              </a:spcBef>
+              <a:spcAft>
+                <a:spcPts val="0"/>
+              </a:spcAft>
+              <a:buClrTx/>
+              <a:buSzTx/>
+              <a:buFontTx/>
+              <a:buNone/>
+              <a:tabLst/>
+              <a:defRPr/>
+            </a:pPr>
+            <a:r>
+              <a:rPr kumimoji="0" lang="it-IT" altLang="en-US" sz="2400" b="1" i="0" u="none" strike="noStrike" kern="1200" cap="none" spc="0" normalizeH="0" baseline="0" noProof="0" dirty="0" err="1">
+                <a:ln>
+                  <a:noFill/>
+                </a:ln>
+                <a:solidFill>
+                  <a:prstClr val="black"/>
+                </a:solidFill>
+                <a:effectLst/>
+                <a:uLnTx/>
+                <a:uFillTx/>
+                <a:latin typeface="Calibri"/>
+                <a:ea typeface="+mn-ea"/>
+                <a:cs typeface="+mn-cs"/>
+              </a:rPr>
+              <a:t>Pyshark</a:t>
+            </a:r>
+            <a:r>
+              <a:rPr kumimoji="0" lang="it-IT" altLang="en-US" sz="2400" b="1" i="0" u="none" strike="noStrike" kern="1200" cap="none" spc="0" normalizeH="0" baseline="0" noProof="0" dirty="0">
+                <a:ln>
+                  <a:noFill/>
+                </a:ln>
+                <a:solidFill>
+                  <a:prstClr val="black"/>
+                </a:solidFill>
+                <a:effectLst/>
+                <a:uLnTx/>
+                <a:uFillTx/>
+                <a:latin typeface="Calibri"/>
+                <a:ea typeface="+mn-ea"/>
+                <a:cs typeface="+mn-cs"/>
+              </a:rPr>
+              <a:t> </a:t>
+            </a:r>
+            <a:r>
+              <a:rPr lang="it-IT" altLang="en-US" sz="2400" b="1" dirty="0">
+                <a:solidFill>
+                  <a:prstClr val="black"/>
+                </a:solidFill>
+                <a:latin typeface="Calibri"/>
+              </a:rPr>
+              <a:t>A</a:t>
+            </a:r>
+            <a:r>
+              <a:rPr kumimoji="0" lang="it-IT" altLang="en-US" sz="2400" b="1" i="0" u="none" strike="noStrike" kern="1200" cap="none" spc="0" normalizeH="0" baseline="0" noProof="0" dirty="0" err="1">
+                <a:ln>
+                  <a:noFill/>
+                </a:ln>
+                <a:solidFill>
+                  <a:prstClr val="black"/>
+                </a:solidFill>
+                <a:effectLst/>
+                <a:uLnTx/>
+                <a:uFillTx/>
+                <a:latin typeface="Calibri"/>
+                <a:ea typeface="+mn-ea"/>
+                <a:cs typeface="+mn-cs"/>
+              </a:rPr>
+              <a:t>nalysis</a:t>
+            </a:r>
+            <a:endParaRPr kumimoji="0" lang="it-IT" altLang="en-US" sz="2400" b="1" i="0" u="none" strike="noStrike" kern="1200" cap="none" spc="0" normalizeH="0" baseline="0" noProof="0" dirty="0">
+              <a:ln>
+                <a:noFill/>
+              </a:ln>
+              <a:solidFill>
+                <a:prstClr val="black"/>
+              </a:solidFill>
+              <a:effectLst/>
+              <a:uLnTx/>
+              <a:uFillTx/>
+              <a:latin typeface="Calibri"/>
+              <a:ea typeface="+mn-ea"/>
+              <a:cs typeface="+mn-cs"/>
+            </a:endParaRPr>
+          </a:p>
+        </p:txBody>
+      </p:sp>
+      <p:sp>
+        <p:nvSpPr>
+          <p:cNvPr id="7" name="Text Box 6">
+            <a:extLst>
+              <a:ext uri="{FF2B5EF4-FFF2-40B4-BE49-F238E27FC236}">
+                <a16:creationId xmlns:a16="http://schemas.microsoft.com/office/drawing/2014/main" id="{698ECAA7-7B2B-9A9A-7F10-3704C007137A}"/>
+              </a:ext>
+            </a:extLst>
+          </p:cNvPr>
+          <p:cNvSpPr txBox="1"/>
+          <p:nvPr/>
+        </p:nvSpPr>
+        <p:spPr>
+          <a:xfrm>
+            <a:off x="878625" y="5642610"/>
+            <a:ext cx="311150" cy="306705"/>
+          </a:xfrm>
+          <a:prstGeom prst="rect">
+            <a:avLst/>
+          </a:prstGeom>
+          <a:noFill/>
+        </p:spPr>
+        <p:txBody>
+          <a:bodyPr wrap="square" rtlCol="0">
+            <a:spAutoFit/>
+          </a:bodyPr>
+          <a:lstStyle/>
+          <a:p>
+            <a:pPr marL="0" marR="0" lvl="0" indent="0" algn="l" defTabSz="914400" rtl="0" eaLnBrk="1" fontAlgn="auto" latinLnBrk="0" hangingPunct="1">
+              <a:lnSpc>
+                <a:spcPct val="100000"/>
+              </a:lnSpc>
+              <a:spcBef>
+                <a:spcPts val="0"/>
+              </a:spcBef>
+              <a:spcAft>
+                <a:spcPts val="0"/>
+              </a:spcAft>
+              <a:buClrTx/>
+              <a:buSzTx/>
+              <a:buFontTx/>
+              <a:buNone/>
+              <a:tabLst/>
+              <a:defRPr/>
+            </a:pPr>
+            <a:r>
+              <a:rPr kumimoji="0" lang="it-IT" altLang="en-GB" sz="1400" b="0" i="0" u="none" strike="noStrike" kern="1200" cap="none" spc="0" normalizeH="0" baseline="0" noProof="0" dirty="0">
+                <a:ln>
+                  <a:noFill/>
+                </a:ln>
+                <a:solidFill>
+                  <a:prstClr val="black"/>
+                </a:solidFill>
+                <a:effectLst/>
+                <a:uLnTx/>
+                <a:uFillTx/>
+                <a:latin typeface="Calibri"/>
+                <a:ea typeface="+mn-ea"/>
+                <a:cs typeface="+mn-cs"/>
+              </a:rPr>
+              <a:t>7</a:t>
+            </a:r>
+          </a:p>
+        </p:txBody>
+      </p:sp>
+      <p:sp>
+        <p:nvSpPr>
+          <p:cNvPr id="2" name="Text Box 1">
+            <a:extLst>
+              <a:ext uri="{FF2B5EF4-FFF2-40B4-BE49-F238E27FC236}">
+                <a16:creationId xmlns:a16="http://schemas.microsoft.com/office/drawing/2014/main" id="{E7B68BBA-03BC-DC66-3B86-156D8C69D610}"/>
+              </a:ext>
+            </a:extLst>
+          </p:cNvPr>
+          <p:cNvSpPr txBox="1"/>
+          <p:nvPr/>
+        </p:nvSpPr>
+        <p:spPr>
+          <a:xfrm>
+            <a:off x="1034200" y="2367239"/>
+            <a:ext cx="1969965" cy="369332"/>
+          </a:xfrm>
+          <a:prstGeom prst="rect">
+            <a:avLst/>
+          </a:prstGeom>
+          <a:noFill/>
+        </p:spPr>
+        <p:txBody>
+          <a:bodyPr wrap="square" rtlCol="0">
+            <a:spAutoFit/>
+          </a:bodyPr>
+          <a:lstStyle/>
+          <a:p>
+            <a:pPr marL="0" marR="0" lvl="0" indent="0" algn="l" defTabSz="914400" rtl="0" eaLnBrk="1" fontAlgn="auto" latinLnBrk="0" hangingPunct="1">
+              <a:lnSpc>
+                <a:spcPct val="100000"/>
+              </a:lnSpc>
+              <a:spcBef>
+                <a:spcPts val="0"/>
+              </a:spcBef>
+              <a:spcAft>
+                <a:spcPts val="0"/>
+              </a:spcAft>
+              <a:buClrTx/>
+              <a:buSzTx/>
+              <a:buFontTx/>
+              <a:buNone/>
+              <a:tabLst/>
+              <a:defRPr/>
+            </a:pPr>
+            <a:r>
+              <a:rPr kumimoji="0" lang="it-IT" altLang="en-GB" sz="1800" b="0" i="0" u="none" strike="noStrike" kern="1200" cap="none" spc="0" normalizeH="0" baseline="0" noProof="0" dirty="0" err="1">
+                <a:ln>
+                  <a:noFill/>
+                </a:ln>
+                <a:solidFill>
+                  <a:prstClr val="black"/>
+                </a:solidFill>
+                <a:effectLst/>
+                <a:uLnTx/>
+                <a:uFillTx/>
+                <a:latin typeface="Calibri"/>
+                <a:ea typeface="+mn-ea"/>
+                <a:cs typeface="+mn-cs"/>
+              </a:rPr>
+              <a:t>What</a:t>
+            </a:r>
+            <a:r>
+              <a:rPr kumimoji="0" lang="it-IT" altLang="en-GB" sz="1800" b="0" i="0" u="none" strike="noStrike" kern="1200" cap="none" spc="0" normalizeH="0" baseline="0" noProof="0" dirty="0">
+                <a:ln>
+                  <a:noFill/>
+                </a:ln>
+                <a:solidFill>
+                  <a:prstClr val="black"/>
+                </a:solidFill>
+                <a:effectLst/>
+                <a:uLnTx/>
+                <a:uFillTx/>
+                <a:latin typeface="Calibri"/>
+                <a:ea typeface="+mn-ea"/>
+                <a:cs typeface="+mn-cs"/>
+              </a:rPr>
+              <a:t> </a:t>
+            </a:r>
+            <a:r>
+              <a:rPr kumimoji="0" lang="it-IT" altLang="en-GB" sz="1800" b="0" i="0" u="none" strike="noStrike" kern="1200" cap="none" spc="0" normalizeH="0" baseline="0" noProof="0" dirty="0" err="1">
+                <a:ln>
+                  <a:noFill/>
+                </a:ln>
+                <a:solidFill>
+                  <a:prstClr val="black"/>
+                </a:solidFill>
+                <a:effectLst/>
+                <a:uLnTx/>
+                <a:uFillTx/>
+                <a:latin typeface="Calibri"/>
+                <a:ea typeface="+mn-ea"/>
+                <a:cs typeface="+mn-cs"/>
+              </a:rPr>
+              <a:t>does</a:t>
+            </a:r>
+            <a:r>
+              <a:rPr kumimoji="0" lang="it-IT" altLang="en-GB" sz="1800" b="0" i="0" u="none" strike="noStrike" kern="1200" cap="none" spc="0" normalizeH="0" baseline="0" noProof="0" dirty="0">
+                <a:ln>
+                  <a:noFill/>
+                </a:ln>
+                <a:solidFill>
+                  <a:prstClr val="black"/>
+                </a:solidFill>
+                <a:effectLst/>
+                <a:uLnTx/>
+                <a:uFillTx/>
+                <a:latin typeface="Calibri"/>
+                <a:ea typeface="+mn-ea"/>
+                <a:cs typeface="+mn-cs"/>
+              </a:rPr>
+              <a:t> </a:t>
+            </a:r>
+            <a:r>
+              <a:rPr lang="it-IT" altLang="en-GB" dirty="0" err="1">
+                <a:solidFill>
+                  <a:prstClr val="black"/>
+                </a:solidFill>
+                <a:latin typeface="Calibri"/>
+              </a:rPr>
+              <a:t>it</a:t>
+            </a:r>
+            <a:r>
+              <a:rPr lang="it-IT" altLang="en-GB" dirty="0">
+                <a:solidFill>
+                  <a:prstClr val="black"/>
+                </a:solidFill>
+                <a:latin typeface="Calibri"/>
+              </a:rPr>
+              <a:t> do?</a:t>
+            </a:r>
+            <a:endParaRPr kumimoji="0" lang="it-IT" altLang="en-GB" sz="1800" b="0" i="0" u="none" strike="noStrike" kern="1200" cap="none" spc="0" normalizeH="0" baseline="0" noProof="0" dirty="0">
+              <a:ln>
+                <a:noFill/>
+              </a:ln>
+              <a:solidFill>
+                <a:prstClr val="black"/>
+              </a:solidFill>
+              <a:effectLst/>
+              <a:uLnTx/>
+              <a:uFillTx/>
+              <a:latin typeface="Calibri"/>
+              <a:ea typeface="+mn-ea"/>
+              <a:cs typeface="+mn-cs"/>
+            </a:endParaRPr>
+          </a:p>
+        </p:txBody>
+      </p:sp>
+      <p:sp>
+        <p:nvSpPr>
+          <p:cNvPr id="8" name="Rectangles 7">
+            <a:extLst>
+              <a:ext uri="{FF2B5EF4-FFF2-40B4-BE49-F238E27FC236}">
+                <a16:creationId xmlns:a16="http://schemas.microsoft.com/office/drawing/2014/main" id="{1DD67649-A1FE-7577-AD39-C5C4D67E8C7B}"/>
+              </a:ext>
+            </a:extLst>
+          </p:cNvPr>
+          <p:cNvSpPr/>
+          <p:nvPr/>
+        </p:nvSpPr>
+        <p:spPr>
+          <a:xfrm>
+            <a:off x="584200" y="5431790"/>
+            <a:ext cx="900000" cy="18000"/>
+          </a:xfrm>
+          <a:prstGeom prst="rect">
+            <a:avLst/>
+          </a:prstGeom>
+          <a:solidFill>
+            <a:schemeClr val="tx1"/>
+          </a:solidFill>
+          <a:ln>
+            <a:solidFill>
+              <a:schemeClr val="tx1"/>
+            </a:solidFill>
+          </a:ln>
+        </p:spPr>
+        <p:style>
+          <a:lnRef idx="2">
+            <a:schemeClr val="accent1">
+              <a:lumMod val="75000"/>
+            </a:schemeClr>
+          </a:lnRef>
+          <a:fillRef idx="1">
+            <a:schemeClr val="accent1"/>
+          </a:fillRef>
+          <a:effectRef idx="0">
+            <a:srgbClr val="FFFFFF"/>
+          </a:effectRef>
+          <a:fontRef idx="minor">
+            <a:schemeClr val="lt1"/>
+          </a:fontRef>
+        </p:style>
+        <p:txBody>
+          <a:bodyPr rtlCol="0" anchor="ctr"/>
+          <a:lstStyle/>
+          <a:p>
+            <a:pPr marL="0" marR="0" lvl="0" indent="0" algn="ctr" defTabSz="914400" rtl="0" eaLnBrk="1" fontAlgn="auto" latinLnBrk="0" hangingPunct="1">
+              <a:lnSpc>
+                <a:spcPct val="100000"/>
+              </a:lnSpc>
+              <a:spcBef>
+                <a:spcPts val="0"/>
+              </a:spcBef>
+              <a:spcAft>
+                <a:spcPts val="0"/>
+              </a:spcAft>
+              <a:buClrTx/>
+              <a:buSzTx/>
+              <a:buFontTx/>
+              <a:buNone/>
+              <a:tabLst/>
+              <a:defRPr/>
+            </a:pPr>
+            <a:endParaRPr kumimoji="0" lang="en-GB" altLang="en-US" sz="1800" b="0" i="0" u="none" strike="noStrike" kern="1200" cap="none" spc="0" normalizeH="0" baseline="0" noProof="0">
+              <a:ln>
+                <a:noFill/>
+              </a:ln>
+              <a:solidFill>
+                <a:prstClr val="white"/>
+              </a:solidFill>
+              <a:effectLst/>
+              <a:uLnTx/>
+              <a:uFillTx/>
+              <a:latin typeface="Calibri"/>
+              <a:ea typeface="+mn-ea"/>
+              <a:cs typeface="+mn-cs"/>
+            </a:endParaRPr>
+          </a:p>
+        </p:txBody>
+      </p:sp>
+      <p:pic>
+        <p:nvPicPr>
+          <p:cNvPr id="5" name="Immagine 4">
+            <a:extLst>
+              <a:ext uri="{FF2B5EF4-FFF2-40B4-BE49-F238E27FC236}">
+                <a16:creationId xmlns:a16="http://schemas.microsoft.com/office/drawing/2014/main" id="{71CBCCEE-F836-207B-AD1A-EFFF2CE7DF7C}"/>
+              </a:ext>
+            </a:extLst>
+          </p:cNvPr>
+          <p:cNvPicPr>
+            <a:picLocks noChangeAspect="1"/>
+          </p:cNvPicPr>
+          <p:nvPr/>
+        </p:nvPicPr>
+        <p:blipFill>
+          <a:blip r:embed="rId2"/>
+          <a:srcRect t="9755" r="24168"/>
+          <a:stretch/>
+        </p:blipFill>
+        <p:spPr>
+          <a:xfrm>
+            <a:off x="4856613" y="810442"/>
+            <a:ext cx="3168071" cy="1775986"/>
+          </a:xfrm>
+          <a:prstGeom prst="rect">
+            <a:avLst/>
+          </a:prstGeom>
+        </p:spPr>
+      </p:pic>
+      <p:pic>
+        <p:nvPicPr>
+          <p:cNvPr id="10" name="Immagine 9">
+            <a:extLst>
+              <a:ext uri="{FF2B5EF4-FFF2-40B4-BE49-F238E27FC236}">
+                <a16:creationId xmlns:a16="http://schemas.microsoft.com/office/drawing/2014/main" id="{6CF70487-9F5C-D26A-5F43-35190AB8A992}"/>
+              </a:ext>
+            </a:extLst>
+          </p:cNvPr>
+          <p:cNvPicPr>
+            <a:picLocks noChangeAspect="1"/>
+          </p:cNvPicPr>
+          <p:nvPr/>
+        </p:nvPicPr>
+        <p:blipFill>
+          <a:blip r:embed="rId3"/>
+          <a:stretch>
+            <a:fillRect/>
+          </a:stretch>
+        </p:blipFill>
+        <p:spPr>
+          <a:xfrm>
+            <a:off x="8259449" y="804153"/>
+            <a:ext cx="3053926" cy="1782275"/>
+          </a:xfrm>
+          <a:prstGeom prst="rect">
+            <a:avLst/>
+          </a:prstGeom>
+        </p:spPr>
+      </p:pic>
+      <p:sp>
+        <p:nvSpPr>
+          <p:cNvPr id="11" name="Text Box 1">
+            <a:extLst>
+              <a:ext uri="{FF2B5EF4-FFF2-40B4-BE49-F238E27FC236}">
+                <a16:creationId xmlns:a16="http://schemas.microsoft.com/office/drawing/2014/main" id="{21B3C17D-7EFE-F337-43C2-3E04C886000B}"/>
+              </a:ext>
+            </a:extLst>
+          </p:cNvPr>
+          <p:cNvSpPr txBox="1"/>
+          <p:nvPr/>
+        </p:nvSpPr>
+        <p:spPr>
+          <a:xfrm>
+            <a:off x="4912298" y="2606761"/>
+            <a:ext cx="3056702" cy="369332"/>
+          </a:xfrm>
+          <a:prstGeom prst="rect">
+            <a:avLst/>
+          </a:prstGeom>
+          <a:noFill/>
+        </p:spPr>
+        <p:txBody>
+          <a:bodyPr wrap="square" rtlCol="0">
+            <a:spAutoFit/>
+          </a:bodyPr>
+          <a:lstStyle/>
+          <a:p>
+            <a:pPr marL="0" marR="0" lvl="0" indent="0" algn="ctr" defTabSz="914400" rtl="0" eaLnBrk="1" fontAlgn="auto" latinLnBrk="0" hangingPunct="1">
+              <a:lnSpc>
+                <a:spcPct val="100000"/>
+              </a:lnSpc>
+              <a:spcBef>
+                <a:spcPts val="0"/>
+              </a:spcBef>
+              <a:spcAft>
+                <a:spcPts val="0"/>
+              </a:spcAft>
+              <a:buClrTx/>
+              <a:buSzTx/>
+              <a:buFontTx/>
+              <a:buNone/>
+              <a:tabLst/>
+              <a:defRPr/>
+            </a:pPr>
+            <a:r>
+              <a:rPr kumimoji="0" lang="it-IT" altLang="en-GB" sz="1800" b="0" i="0" u="none" strike="noStrike" kern="1200" cap="none" spc="0" normalizeH="0" baseline="0" noProof="0" dirty="0">
+                <a:ln>
+                  <a:noFill/>
+                </a:ln>
+                <a:solidFill>
+                  <a:prstClr val="black"/>
+                </a:solidFill>
+                <a:effectLst/>
+                <a:uLnTx/>
+                <a:uFillTx/>
+                <a:latin typeface="Calibri"/>
+                <a:ea typeface="+mn-ea"/>
+                <a:cs typeface="+mn-cs"/>
+              </a:rPr>
+              <a:t>Filtering on TCP port 8443</a:t>
+            </a:r>
+          </a:p>
+        </p:txBody>
+      </p:sp>
+      <p:sp>
+        <p:nvSpPr>
+          <p:cNvPr id="19" name="Text Box 1">
+            <a:extLst>
+              <a:ext uri="{FF2B5EF4-FFF2-40B4-BE49-F238E27FC236}">
+                <a16:creationId xmlns:a16="http://schemas.microsoft.com/office/drawing/2014/main" id="{214985FA-E3AA-2FB0-B49F-63F49FB95887}"/>
+              </a:ext>
+            </a:extLst>
+          </p:cNvPr>
+          <p:cNvSpPr txBox="1"/>
+          <p:nvPr/>
+        </p:nvSpPr>
+        <p:spPr>
+          <a:xfrm>
+            <a:off x="8336748" y="2606761"/>
+            <a:ext cx="2899328" cy="369332"/>
+          </a:xfrm>
+          <a:prstGeom prst="rect">
+            <a:avLst/>
+          </a:prstGeom>
+          <a:noFill/>
+        </p:spPr>
+        <p:txBody>
+          <a:bodyPr wrap="square" rtlCol="0">
+            <a:spAutoFit/>
+          </a:bodyPr>
+          <a:lstStyle/>
+          <a:p>
+            <a:pPr marL="0" marR="0" lvl="0" indent="0" algn="ctr" defTabSz="914400" rtl="0" eaLnBrk="1" fontAlgn="auto" latinLnBrk="0" hangingPunct="1">
+              <a:lnSpc>
+                <a:spcPct val="100000"/>
+              </a:lnSpc>
+              <a:spcBef>
+                <a:spcPts val="0"/>
+              </a:spcBef>
+              <a:spcAft>
+                <a:spcPts val="0"/>
+              </a:spcAft>
+              <a:buClrTx/>
+              <a:buSzTx/>
+              <a:buFontTx/>
+              <a:buNone/>
+              <a:tabLst/>
+              <a:defRPr/>
+            </a:pPr>
+            <a:r>
+              <a:rPr kumimoji="0" lang="it-IT" altLang="en-GB" sz="1800" b="0" i="0" u="none" strike="noStrike" kern="1200" cap="none" spc="0" normalizeH="0" baseline="0" noProof="0" dirty="0">
+                <a:ln>
+                  <a:noFill/>
+                </a:ln>
+                <a:solidFill>
+                  <a:prstClr val="black"/>
+                </a:solidFill>
+                <a:effectLst/>
+                <a:uLnTx/>
+                <a:uFillTx/>
+                <a:latin typeface="Calibri"/>
+                <a:ea typeface="+mn-ea"/>
+                <a:cs typeface="+mn-cs"/>
+              </a:rPr>
+              <a:t>Filtering on UDP port 4433</a:t>
+            </a:r>
+          </a:p>
+        </p:txBody>
+      </p:sp>
+      <p:pic>
+        <p:nvPicPr>
+          <p:cNvPr id="9" name="Immagine 8">
+            <a:extLst>
+              <a:ext uri="{FF2B5EF4-FFF2-40B4-BE49-F238E27FC236}">
+                <a16:creationId xmlns:a16="http://schemas.microsoft.com/office/drawing/2014/main" id="{69A4275B-B6C5-7440-79A3-7CBF256390C3}"/>
+              </a:ext>
+            </a:extLst>
+          </p:cNvPr>
+          <p:cNvPicPr>
+            <a:picLocks noChangeAspect="1"/>
+          </p:cNvPicPr>
+          <p:nvPr/>
+        </p:nvPicPr>
+        <p:blipFill>
+          <a:blip r:embed="rId4"/>
+          <a:stretch>
+            <a:fillRect/>
+          </a:stretch>
+        </p:blipFill>
+        <p:spPr>
+          <a:xfrm>
+            <a:off x="8206640" y="3045601"/>
+            <a:ext cx="3106735" cy="2423067"/>
+          </a:xfrm>
+          <a:prstGeom prst="rect">
+            <a:avLst/>
+          </a:prstGeom>
+        </p:spPr>
+      </p:pic>
+      <p:pic>
+        <p:nvPicPr>
+          <p:cNvPr id="13" name="Immagine 12">
+            <a:extLst>
+              <a:ext uri="{FF2B5EF4-FFF2-40B4-BE49-F238E27FC236}">
+                <a16:creationId xmlns:a16="http://schemas.microsoft.com/office/drawing/2014/main" id="{98D506A6-6509-CDCB-E762-3B979BA2094F}"/>
+              </a:ext>
+            </a:extLst>
+          </p:cNvPr>
+          <p:cNvPicPr>
+            <a:picLocks noChangeAspect="1"/>
+          </p:cNvPicPr>
+          <p:nvPr/>
+        </p:nvPicPr>
+        <p:blipFill>
+          <a:blip r:embed="rId5"/>
+          <a:stretch>
+            <a:fillRect/>
+          </a:stretch>
+        </p:blipFill>
+        <p:spPr>
+          <a:xfrm>
+            <a:off x="4856614" y="3045601"/>
+            <a:ext cx="3168071" cy="2423067"/>
+          </a:xfrm>
+          <a:prstGeom prst="rect">
+            <a:avLst/>
+          </a:prstGeom>
+        </p:spPr>
+      </p:pic>
+      <p:sp>
+        <p:nvSpPr>
+          <p:cNvPr id="14" name="Text Box 1">
+            <a:extLst>
+              <a:ext uri="{FF2B5EF4-FFF2-40B4-BE49-F238E27FC236}">
+                <a16:creationId xmlns:a16="http://schemas.microsoft.com/office/drawing/2014/main" id="{4925ACF3-A24D-1C3A-1B1A-D9A27C1FC850}"/>
+              </a:ext>
+            </a:extLst>
+          </p:cNvPr>
+          <p:cNvSpPr txBox="1"/>
+          <p:nvPr/>
+        </p:nvSpPr>
+        <p:spPr>
+          <a:xfrm>
+            <a:off x="4868239" y="5538176"/>
+            <a:ext cx="3056702" cy="369332"/>
+          </a:xfrm>
+          <a:prstGeom prst="rect">
+            <a:avLst/>
+          </a:prstGeom>
+          <a:noFill/>
+        </p:spPr>
+        <p:txBody>
+          <a:bodyPr wrap="square" rtlCol="0">
+            <a:spAutoFit/>
+          </a:bodyPr>
+          <a:lstStyle/>
+          <a:p>
+            <a:pPr marL="0" marR="0" lvl="0" indent="0" algn="ctr" defTabSz="914400" rtl="0" eaLnBrk="1" fontAlgn="auto" latinLnBrk="0" hangingPunct="1">
+              <a:lnSpc>
+                <a:spcPct val="100000"/>
+              </a:lnSpc>
+              <a:spcBef>
+                <a:spcPts val="0"/>
+              </a:spcBef>
+              <a:spcAft>
+                <a:spcPts val="0"/>
+              </a:spcAft>
+              <a:buClrTx/>
+              <a:buSzTx/>
+              <a:buFontTx/>
+              <a:buNone/>
+              <a:tabLst/>
+              <a:defRPr/>
+            </a:pPr>
+            <a:r>
+              <a:rPr kumimoji="0" lang="it-IT" altLang="en-GB" sz="1800" b="0" i="0" u="none" strike="noStrike" kern="1200" cap="none" spc="0" normalizeH="0" baseline="0" noProof="0" dirty="0">
+                <a:ln>
+                  <a:noFill/>
+                </a:ln>
+                <a:solidFill>
+                  <a:prstClr val="black"/>
+                </a:solidFill>
+                <a:effectLst/>
+                <a:uLnTx/>
+                <a:uFillTx/>
+                <a:latin typeface="Calibri"/>
+                <a:ea typeface="+mn-ea"/>
+                <a:cs typeface="+mn-cs"/>
+              </a:rPr>
+              <a:t>48755 </a:t>
+            </a:r>
+            <a:r>
+              <a:rPr kumimoji="0" lang="it-IT" altLang="en-GB" sz="1800" b="0" i="0" u="none" strike="noStrike" kern="1200" cap="none" spc="0" normalizeH="0" baseline="0" noProof="0" dirty="0" err="1">
+                <a:ln>
+                  <a:noFill/>
+                </a:ln>
+                <a:solidFill>
+                  <a:prstClr val="black"/>
+                </a:solidFill>
+                <a:effectLst/>
+                <a:uLnTx/>
+                <a:uFillTx/>
+                <a:latin typeface="Calibri"/>
+                <a:ea typeface="+mn-ea"/>
+                <a:cs typeface="+mn-cs"/>
+              </a:rPr>
+              <a:t>packets</a:t>
+            </a:r>
+            <a:endParaRPr kumimoji="0" lang="it-IT" altLang="en-GB" sz="1800" b="0" i="0" u="none" strike="noStrike" kern="1200" cap="none" spc="0" normalizeH="0" baseline="0" noProof="0" dirty="0">
+              <a:ln>
+                <a:noFill/>
+              </a:ln>
+              <a:solidFill>
+                <a:prstClr val="black"/>
+              </a:solidFill>
+              <a:effectLst/>
+              <a:uLnTx/>
+              <a:uFillTx/>
+              <a:latin typeface="Calibri"/>
+              <a:ea typeface="+mn-ea"/>
+              <a:cs typeface="+mn-cs"/>
+            </a:endParaRPr>
+          </a:p>
+        </p:txBody>
+      </p:sp>
+      <p:sp>
+        <p:nvSpPr>
+          <p:cNvPr id="15" name="Text Box 1">
+            <a:extLst>
+              <a:ext uri="{FF2B5EF4-FFF2-40B4-BE49-F238E27FC236}">
+                <a16:creationId xmlns:a16="http://schemas.microsoft.com/office/drawing/2014/main" id="{6FB6C501-E754-0DB4-467D-6F58EE2D5794}"/>
+              </a:ext>
+            </a:extLst>
+          </p:cNvPr>
+          <p:cNvSpPr txBox="1"/>
+          <p:nvPr/>
+        </p:nvSpPr>
+        <p:spPr>
+          <a:xfrm>
+            <a:off x="8292689" y="5538176"/>
+            <a:ext cx="2899328" cy="369332"/>
+          </a:xfrm>
+          <a:prstGeom prst="rect">
+            <a:avLst/>
+          </a:prstGeom>
+          <a:noFill/>
+        </p:spPr>
+        <p:txBody>
+          <a:bodyPr wrap="square" rtlCol="0">
+            <a:spAutoFit/>
+          </a:bodyPr>
+          <a:lstStyle/>
+          <a:p>
+            <a:pPr marL="0" marR="0" lvl="0" indent="0" algn="ctr" defTabSz="914400" rtl="0" eaLnBrk="1" fontAlgn="auto" latinLnBrk="0" hangingPunct="1">
+              <a:lnSpc>
+                <a:spcPct val="100000"/>
+              </a:lnSpc>
+              <a:spcBef>
+                <a:spcPts val="0"/>
+              </a:spcBef>
+              <a:spcAft>
+                <a:spcPts val="0"/>
+              </a:spcAft>
+              <a:buClrTx/>
+              <a:buSzTx/>
+              <a:buFontTx/>
+              <a:buNone/>
+              <a:tabLst/>
+              <a:defRPr/>
+            </a:pPr>
+            <a:r>
+              <a:rPr kumimoji="0" lang="it-IT" altLang="en-GB" sz="1800" b="0" i="0" u="none" strike="noStrike" kern="1200" cap="none" spc="0" normalizeH="0" baseline="0" noProof="0" dirty="0">
+                <a:ln>
+                  <a:noFill/>
+                </a:ln>
+                <a:solidFill>
+                  <a:prstClr val="black"/>
+                </a:solidFill>
+                <a:effectLst/>
+                <a:uLnTx/>
+                <a:uFillTx/>
+                <a:latin typeface="Calibri"/>
+                <a:ea typeface="+mn-ea"/>
+                <a:cs typeface="+mn-cs"/>
+              </a:rPr>
+              <a:t>98565 </a:t>
+            </a:r>
+            <a:r>
+              <a:rPr kumimoji="0" lang="it-IT" altLang="en-GB" sz="1800" b="0" i="0" u="none" strike="noStrike" kern="1200" cap="none" spc="0" normalizeH="0" baseline="0" noProof="0" dirty="0" err="1">
+                <a:ln>
+                  <a:noFill/>
+                </a:ln>
+                <a:solidFill>
+                  <a:prstClr val="black"/>
+                </a:solidFill>
+                <a:effectLst/>
+                <a:uLnTx/>
+                <a:uFillTx/>
+                <a:latin typeface="Calibri"/>
+                <a:ea typeface="+mn-ea"/>
+                <a:cs typeface="+mn-cs"/>
+              </a:rPr>
+              <a:t>packets</a:t>
+            </a:r>
+            <a:endParaRPr kumimoji="0" lang="it-IT" altLang="en-GB" sz="1800" b="0" i="0" u="none" strike="noStrike" kern="1200" cap="none" spc="0" normalizeH="0" baseline="0" noProof="0" dirty="0">
+              <a:ln>
+                <a:noFill/>
+              </a:ln>
+              <a:solidFill>
+                <a:prstClr val="black"/>
+              </a:solidFill>
+              <a:effectLst/>
+              <a:uLnTx/>
+              <a:uFillTx/>
+              <a:latin typeface="Calibri"/>
+              <a:ea typeface="+mn-ea"/>
+              <a:cs typeface="+mn-cs"/>
+            </a:endParaRPr>
+          </a:p>
+        </p:txBody>
+      </p:sp>
+      <p:sp>
+        <p:nvSpPr>
+          <p:cNvPr id="16" name="Text Box 1">
+            <a:extLst>
+              <a:ext uri="{FF2B5EF4-FFF2-40B4-BE49-F238E27FC236}">
+                <a16:creationId xmlns:a16="http://schemas.microsoft.com/office/drawing/2014/main" id="{C5FAE4C3-7472-F9A3-154A-731C45E779C2}"/>
+              </a:ext>
+            </a:extLst>
+          </p:cNvPr>
+          <p:cNvSpPr txBox="1"/>
+          <p:nvPr/>
+        </p:nvSpPr>
+        <p:spPr>
+          <a:xfrm>
+            <a:off x="984250" y="3210044"/>
+            <a:ext cx="3095381" cy="369332"/>
+          </a:xfrm>
+          <a:prstGeom prst="rect">
+            <a:avLst/>
+          </a:prstGeom>
+          <a:noFill/>
+        </p:spPr>
+        <p:txBody>
+          <a:bodyPr wrap="square" rtlCol="0">
+            <a:spAutoFit/>
+          </a:bodyPr>
+          <a:lstStyle/>
+          <a:p>
+            <a:pPr marL="0" marR="0" lvl="0" indent="0" algn="l" defTabSz="914400" rtl="0" eaLnBrk="1" fontAlgn="auto" latinLnBrk="0" hangingPunct="1">
+              <a:lnSpc>
+                <a:spcPct val="100000"/>
+              </a:lnSpc>
+              <a:spcBef>
+                <a:spcPts val="0"/>
+              </a:spcBef>
+              <a:spcAft>
+                <a:spcPts val="0"/>
+              </a:spcAft>
+              <a:buClrTx/>
+              <a:buSzTx/>
+              <a:buFontTx/>
+              <a:buNone/>
+              <a:tabLst/>
+              <a:defRPr/>
+            </a:pPr>
+            <a:r>
+              <a:rPr kumimoji="0" lang="it-IT" altLang="en-GB" sz="1800" b="0" i="0" u="none" strike="noStrike" kern="1200" cap="none" spc="0" normalizeH="0" baseline="0" noProof="0" dirty="0">
+                <a:ln>
+                  <a:noFill/>
+                </a:ln>
+                <a:solidFill>
+                  <a:prstClr val="black"/>
+                </a:solidFill>
+                <a:effectLst/>
+                <a:uLnTx/>
+                <a:uFillTx/>
+                <a:latin typeface="Calibri"/>
+                <a:ea typeface="+mn-ea"/>
+                <a:cs typeface="+mn-cs"/>
+              </a:rPr>
+              <a:t>DATA / </a:t>
+            </a:r>
+            <a:r>
+              <a:rPr kumimoji="0" lang="it-IT" altLang="en-GB" sz="1800" b="0" i="0" u="none" strike="noStrike" kern="1200" cap="none" spc="0" normalizeH="0" baseline="0" noProof="0" dirty="0" err="1">
+                <a:ln>
+                  <a:noFill/>
+                </a:ln>
+                <a:solidFill>
+                  <a:prstClr val="black"/>
+                </a:solidFill>
+                <a:effectLst/>
+                <a:uLnTx/>
+                <a:uFillTx/>
+                <a:latin typeface="Calibri"/>
+                <a:ea typeface="+mn-ea"/>
+                <a:cs typeface="+mn-cs"/>
+              </a:rPr>
+              <a:t>Protected</a:t>
+            </a:r>
+            <a:r>
+              <a:rPr kumimoji="0" lang="it-IT" altLang="en-GB" sz="1800" b="0" i="0" u="none" strike="noStrike" kern="1200" cap="none" spc="0" normalizeH="0" baseline="0" noProof="0" dirty="0">
+                <a:ln>
+                  <a:noFill/>
+                </a:ln>
+                <a:solidFill>
+                  <a:prstClr val="black"/>
+                </a:solidFill>
+                <a:effectLst/>
+                <a:uLnTx/>
+                <a:uFillTx/>
+                <a:latin typeface="Calibri"/>
+                <a:ea typeface="+mn-ea"/>
+                <a:cs typeface="+mn-cs"/>
+              </a:rPr>
+              <a:t> Payload?</a:t>
+            </a:r>
+          </a:p>
+        </p:txBody>
+      </p:sp>
+    </p:spTree>
+    <p:extLst>
+      <p:ext uri="{BB962C8B-B14F-4D97-AF65-F5344CB8AC3E}">
+        <p14:creationId xmlns:p14="http://schemas.microsoft.com/office/powerpoint/2010/main" val="3540057518"/>
+      </p:ext>
+    </p:extLst>
+  </p:cSld>
+  <p:clrMapOvr>
+    <a:masterClrMapping/>
+  </p:clrMapOvr>
+  <mc:AlternateContent xmlns:mc="http://schemas.openxmlformats.org/markup-compatibility/2006" xmlns:p159="http://schemas.microsoft.com/office/powerpoint/2015/09/main">
+    <mc:Choice Requires="p159">
+      <p:transition xmlns:p14="http://schemas.microsoft.com/office/powerpoint/2010/main" spd="slow" p14:dur="2000">
+        <p159:morph option="byObject"/>
+      </p:transition>
+    </mc:Choice>
+    <mc:Fallback xmlns="">
+      <p:transition spd="slow">
+        <p:fade/>
+      </p:transition>
+    </mc:Fallback>
+  </mc:AlternateContent>
+</p:sld>
+</file>
+
+<file path=ppt/slides/slide8.xml><?xml version="1.0" encoding="utf-8"?>
+<p:sld xmlns:a="http://schemas.openxmlformats.org/drawingml/2006/main" xmlns:r="http://schemas.openxmlformats.org/officeDocument/2006/relationships" xmlns:p="http://schemas.openxmlformats.org/presentationml/2006/main">
+  <p:cSld>
+    <p:spTree>
+      <p:nvGrpSpPr>
+        <p:cNvPr id="1" name="">
+          <a:extLst>
+            <a:ext uri="{FF2B5EF4-FFF2-40B4-BE49-F238E27FC236}">
+              <a16:creationId xmlns:a16="http://schemas.microsoft.com/office/drawing/2014/main" id="{B62A8C05-E6F1-0C51-EE11-1CD4EDD8492B}"/>
+            </a:ext>
+          </a:extLst>
+        </p:cNvPr>
+        <p:cNvGrpSpPr/>
+        <p:nvPr/>
+      </p:nvGrpSpPr>
+      <p:grpSpPr>
+        <a:xfrm>
+          <a:off x="0" y="0"/>
+          <a:ext cx="0" cy="0"/>
+          <a:chOff x="0" y="0"/>
+          <a:chExt cx="0" cy="0"/>
+        </a:xfrm>
+      </p:grpSpPr>
+      <p:sp>
+        <p:nvSpPr>
+          <p:cNvPr id="4" name="Rectangles 3">
+            <a:extLst>
+              <a:ext uri="{FF2B5EF4-FFF2-40B4-BE49-F238E27FC236}">
+                <a16:creationId xmlns:a16="http://schemas.microsoft.com/office/drawing/2014/main" id="{1DCF47D7-1798-5181-C1A3-B3F0B0E2567E}"/>
+              </a:ext>
+            </a:extLst>
+          </p:cNvPr>
+          <p:cNvSpPr/>
+          <p:nvPr/>
+        </p:nvSpPr>
+        <p:spPr>
+          <a:xfrm>
+            <a:off x="584200" y="463550"/>
+            <a:ext cx="11132185" cy="5862320"/>
+          </a:xfrm>
+          <a:prstGeom prst="rect">
+            <a:avLst/>
+          </a:prstGeom>
+          <a:solidFill>
+            <a:schemeClr val="bg1"/>
+          </a:solidFill>
+          <a:ln>
+            <a:noFill/>
+          </a:ln>
+          <a:effectLst>
+            <a:outerShdw blurRad="50800" dist="38100" dir="8100000" algn="tr" rotWithShape="0">
+              <a:prstClr val="black">
+                <a:alpha val="25000"/>
+              </a:prstClr>
+            </a:outerShdw>
+          </a:effectLst>
+        </p:spPr>
+        <p:style>
+          <a:lnRef idx="2">
+            <a:schemeClr val="accent1">
+              <a:lumMod val="75000"/>
+            </a:schemeClr>
+          </a:lnRef>
+          <a:fillRef idx="1">
+            <a:schemeClr val="accent1"/>
+          </a:fillRef>
+          <a:effectRef idx="0">
+            <a:srgbClr val="FFFFFF"/>
+          </a:effectRef>
+          <a:fontRef idx="minor">
+            <a:schemeClr val="lt1"/>
+          </a:fontRef>
+        </p:style>
+        <p:txBody>
+          <a:bodyPr rtlCol="0" anchor="ctr"/>
+          <a:lstStyle/>
+          <a:p>
+            <a:pPr marL="0" marR="0" lvl="0" indent="0" algn="ctr" defTabSz="914400" rtl="0" eaLnBrk="1" fontAlgn="auto" latinLnBrk="0" hangingPunct="1">
+              <a:lnSpc>
+                <a:spcPct val="100000"/>
+              </a:lnSpc>
+              <a:spcBef>
+                <a:spcPts val="0"/>
+              </a:spcBef>
+              <a:spcAft>
+                <a:spcPts val="0"/>
+              </a:spcAft>
+              <a:buClrTx/>
+              <a:buSzTx/>
+              <a:buFontTx/>
+              <a:buNone/>
+              <a:tabLst/>
+              <a:defRPr/>
+            </a:pPr>
+            <a:r>
+              <a:rPr kumimoji="0" lang="en-GB" altLang="en-US" sz="1800" b="0" i="0" u="none" strike="noStrike" kern="1200" cap="none" spc="0" normalizeH="0" baseline="0" noProof="0">
+                <a:ln>
+                  <a:noFill/>
+                </a:ln>
+                <a:solidFill>
+                  <a:prstClr val="white"/>
+                </a:solidFill>
+                <a:effectLst/>
+                <a:uLnTx/>
+                <a:uFillTx/>
+                <a:latin typeface="Calibri"/>
+                <a:ea typeface="+mn-ea"/>
+                <a:cs typeface="+mn-cs"/>
+              </a:rPr>
+              <a:t>quic &amp;&amp; frame.len &lt; 100</a:t>
+            </a:r>
+          </a:p>
+        </p:txBody>
+      </p:sp>
+      <p:sp>
+        <p:nvSpPr>
+          <p:cNvPr id="6" name="Text Box 5">
+            <a:extLst>
+              <a:ext uri="{FF2B5EF4-FFF2-40B4-BE49-F238E27FC236}">
+                <a16:creationId xmlns:a16="http://schemas.microsoft.com/office/drawing/2014/main" id="{1502B4DE-9A38-F669-34F5-CC684B7583A7}"/>
+              </a:ext>
+            </a:extLst>
+          </p:cNvPr>
+          <p:cNvSpPr txBox="1"/>
+          <p:nvPr/>
+        </p:nvSpPr>
+        <p:spPr>
+          <a:xfrm>
+            <a:off x="984250" y="1050290"/>
+            <a:ext cx="3816350" cy="461665"/>
+          </a:xfrm>
+          <a:prstGeom prst="rect">
+            <a:avLst/>
+          </a:prstGeom>
+          <a:noFill/>
+        </p:spPr>
+        <p:txBody>
+          <a:bodyPr wrap="square" rtlCol="0">
+            <a:spAutoFit/>
+          </a:bodyPr>
+          <a:lstStyle/>
+          <a:p>
+            <a:pPr marL="0" marR="0" lvl="0" indent="0" algn="l" defTabSz="914400" rtl="0" eaLnBrk="1" fontAlgn="auto" latinLnBrk="0" hangingPunct="1">
+              <a:lnSpc>
+                <a:spcPct val="100000"/>
+              </a:lnSpc>
+              <a:spcBef>
+                <a:spcPts val="0"/>
+              </a:spcBef>
+              <a:spcAft>
+                <a:spcPts val="0"/>
+              </a:spcAft>
+              <a:buClrTx/>
+              <a:buSzTx/>
+              <a:buFontTx/>
+              <a:buNone/>
+              <a:tabLst/>
+              <a:defRPr/>
+            </a:pPr>
+            <a:r>
+              <a:rPr kumimoji="0" lang="it-IT" altLang="en-US" sz="2400" b="1" i="0" u="none" strike="noStrike" kern="1200" cap="none" spc="0" normalizeH="0" baseline="0" noProof="0" dirty="0" err="1">
+                <a:ln>
+                  <a:noFill/>
+                </a:ln>
+                <a:solidFill>
+                  <a:prstClr val="black"/>
+                </a:solidFill>
+                <a:effectLst/>
+                <a:uLnTx/>
+                <a:uFillTx/>
+                <a:latin typeface="Calibri"/>
+                <a:ea typeface="+mn-ea"/>
+                <a:cs typeface="+mn-cs"/>
+              </a:rPr>
+              <a:t>Results</a:t>
+            </a:r>
+            <a:r>
+              <a:rPr kumimoji="0" lang="it-IT" altLang="en-US" sz="2400" b="1" i="0" u="none" strike="noStrike" kern="1200" cap="none" spc="0" normalizeH="0" baseline="0" noProof="0" dirty="0">
+                <a:ln>
+                  <a:noFill/>
+                </a:ln>
+                <a:solidFill>
+                  <a:prstClr val="black"/>
+                </a:solidFill>
+                <a:effectLst/>
+                <a:uLnTx/>
+                <a:uFillTx/>
+                <a:latin typeface="Calibri"/>
+                <a:ea typeface="+mn-ea"/>
+                <a:cs typeface="+mn-cs"/>
+              </a:rPr>
+              <a:t> </a:t>
+            </a:r>
+            <a:r>
+              <a:rPr kumimoji="0" lang="it-IT" altLang="en-US" sz="2400" b="1" i="0" u="none" strike="noStrike" kern="1200" cap="none" spc="0" normalizeH="0" baseline="0" noProof="0" dirty="0" err="1">
+                <a:ln>
+                  <a:noFill/>
+                </a:ln>
+                <a:solidFill>
+                  <a:prstClr val="black"/>
+                </a:solidFill>
+                <a:effectLst/>
+                <a:uLnTx/>
+                <a:uFillTx/>
+                <a:latin typeface="Calibri"/>
+                <a:ea typeface="+mn-ea"/>
+                <a:cs typeface="+mn-cs"/>
+              </a:rPr>
+              <a:t>Overview</a:t>
+            </a:r>
+            <a:endParaRPr kumimoji="0" lang="it-IT" altLang="en-US" sz="2400" b="1" i="0" u="none" strike="noStrike" kern="1200" cap="none" spc="0" normalizeH="0" baseline="0" noProof="0" dirty="0">
+              <a:ln>
+                <a:noFill/>
+              </a:ln>
+              <a:solidFill>
+                <a:prstClr val="black"/>
+              </a:solidFill>
+              <a:effectLst/>
+              <a:uLnTx/>
+              <a:uFillTx/>
+              <a:latin typeface="Calibri"/>
+              <a:ea typeface="+mn-ea"/>
+              <a:cs typeface="+mn-cs"/>
+            </a:endParaRPr>
+          </a:p>
+        </p:txBody>
+      </p:sp>
+      <p:sp>
+        <p:nvSpPr>
+          <p:cNvPr id="7" name="Text Box 6">
+            <a:extLst>
+              <a:ext uri="{FF2B5EF4-FFF2-40B4-BE49-F238E27FC236}">
+                <a16:creationId xmlns:a16="http://schemas.microsoft.com/office/drawing/2014/main" id="{99FCF647-8769-1A0F-9242-330DED882BFC}"/>
+              </a:ext>
+            </a:extLst>
+          </p:cNvPr>
+          <p:cNvSpPr txBox="1"/>
+          <p:nvPr/>
+        </p:nvSpPr>
+        <p:spPr>
+          <a:xfrm>
+            <a:off x="878625" y="5642610"/>
+            <a:ext cx="311150" cy="306705"/>
+          </a:xfrm>
+          <a:prstGeom prst="rect">
+            <a:avLst/>
+          </a:prstGeom>
+          <a:noFill/>
+        </p:spPr>
+        <p:txBody>
+          <a:bodyPr wrap="square" rtlCol="0">
+            <a:spAutoFit/>
+          </a:bodyPr>
+          <a:lstStyle/>
+          <a:p>
+            <a:pPr marL="0" marR="0" lvl="0" indent="0" algn="l" defTabSz="914400" rtl="0" eaLnBrk="1" fontAlgn="auto" latinLnBrk="0" hangingPunct="1">
+              <a:lnSpc>
+                <a:spcPct val="100000"/>
+              </a:lnSpc>
+              <a:spcBef>
+                <a:spcPts val="0"/>
+              </a:spcBef>
+              <a:spcAft>
+                <a:spcPts val="0"/>
+              </a:spcAft>
+              <a:buClrTx/>
+              <a:buSzTx/>
+              <a:buFontTx/>
+              <a:buNone/>
+              <a:tabLst/>
+              <a:defRPr/>
+            </a:pPr>
+            <a:r>
+              <a:rPr kumimoji="0" lang="it-IT" altLang="en-GB" sz="1400" b="0" i="0" u="none" strike="noStrike" kern="1200" cap="none" spc="0" normalizeH="0" baseline="0" noProof="0" dirty="0">
+                <a:ln>
+                  <a:noFill/>
+                </a:ln>
+                <a:solidFill>
+                  <a:prstClr val="black"/>
+                </a:solidFill>
+                <a:effectLst/>
+                <a:uLnTx/>
+                <a:uFillTx/>
+                <a:latin typeface="Calibri"/>
+                <a:ea typeface="+mn-ea"/>
+                <a:cs typeface="+mn-cs"/>
+              </a:rPr>
+              <a:t>8</a:t>
+            </a:r>
+          </a:p>
+        </p:txBody>
+      </p:sp>
+      <p:sp>
+        <p:nvSpPr>
+          <p:cNvPr id="8" name="Rectangles 7">
+            <a:extLst>
+              <a:ext uri="{FF2B5EF4-FFF2-40B4-BE49-F238E27FC236}">
+                <a16:creationId xmlns:a16="http://schemas.microsoft.com/office/drawing/2014/main" id="{DC532E9C-97F3-A2F5-8482-776AFAF145BF}"/>
+              </a:ext>
+            </a:extLst>
+          </p:cNvPr>
+          <p:cNvSpPr/>
+          <p:nvPr/>
+        </p:nvSpPr>
+        <p:spPr>
+          <a:xfrm>
+            <a:off x="584200" y="5431790"/>
+            <a:ext cx="900000" cy="18000"/>
+          </a:xfrm>
+          <a:prstGeom prst="rect">
+            <a:avLst/>
+          </a:prstGeom>
+          <a:solidFill>
+            <a:schemeClr val="tx1"/>
+          </a:solidFill>
+          <a:ln>
+            <a:solidFill>
+              <a:schemeClr val="tx1"/>
+            </a:solidFill>
+          </a:ln>
+        </p:spPr>
+        <p:style>
+          <a:lnRef idx="2">
+            <a:schemeClr val="accent1">
+              <a:lumMod val="75000"/>
+            </a:schemeClr>
+          </a:lnRef>
+          <a:fillRef idx="1">
+            <a:schemeClr val="accent1"/>
+          </a:fillRef>
+          <a:effectRef idx="0">
+            <a:srgbClr val="FFFFFF"/>
+          </a:effectRef>
+          <a:fontRef idx="minor">
+            <a:schemeClr val="lt1"/>
+          </a:fontRef>
+        </p:style>
+        <p:txBody>
+          <a:bodyPr rtlCol="0" anchor="ctr"/>
+          <a:lstStyle/>
+          <a:p>
+            <a:pPr marL="0" marR="0" lvl="0" indent="0" algn="ctr" defTabSz="914400" rtl="0" eaLnBrk="1" fontAlgn="auto" latinLnBrk="0" hangingPunct="1">
+              <a:lnSpc>
+                <a:spcPct val="100000"/>
+              </a:lnSpc>
+              <a:spcBef>
+                <a:spcPts val="0"/>
+              </a:spcBef>
+              <a:spcAft>
+                <a:spcPts val="0"/>
+              </a:spcAft>
+              <a:buClrTx/>
+              <a:buSzTx/>
+              <a:buFontTx/>
+              <a:buNone/>
+              <a:tabLst/>
+              <a:defRPr/>
+            </a:pPr>
+            <a:endParaRPr kumimoji="0" lang="en-GB" altLang="en-US" sz="1800" b="0" i="0" u="none" strike="noStrike" kern="1200" cap="none" spc="0" normalizeH="0" baseline="0" noProof="0">
+              <a:ln>
+                <a:noFill/>
+              </a:ln>
+              <a:solidFill>
+                <a:prstClr val="white"/>
+              </a:solidFill>
+              <a:effectLst/>
+              <a:uLnTx/>
+              <a:uFillTx/>
+              <a:latin typeface="Calibri"/>
+              <a:ea typeface="+mn-ea"/>
+              <a:cs typeface="+mn-cs"/>
+            </a:endParaRPr>
+          </a:p>
+        </p:txBody>
+      </p:sp>
+      <p:sp>
+        <p:nvSpPr>
+          <p:cNvPr id="2" name="Text Box 1">
+            <a:extLst>
+              <a:ext uri="{FF2B5EF4-FFF2-40B4-BE49-F238E27FC236}">
+                <a16:creationId xmlns:a16="http://schemas.microsoft.com/office/drawing/2014/main" id="{EB7F4B0B-BEAF-C0B3-C3FE-846874A70451}"/>
+              </a:ext>
+            </a:extLst>
+          </p:cNvPr>
+          <p:cNvSpPr txBox="1"/>
+          <p:nvPr/>
+        </p:nvSpPr>
+        <p:spPr>
+          <a:xfrm>
+            <a:off x="984250" y="1809750"/>
+            <a:ext cx="3751873" cy="369332"/>
+          </a:xfrm>
+          <a:prstGeom prst="rect">
+            <a:avLst/>
+          </a:prstGeom>
+          <a:noFill/>
+        </p:spPr>
+        <p:txBody>
+          <a:bodyPr wrap="square" rtlCol="0">
+            <a:spAutoFit/>
+          </a:bodyPr>
+          <a:lstStyle/>
+          <a:p>
+            <a:pPr marL="0" marR="0" lvl="0" indent="0" algn="l" defTabSz="914400" rtl="0" eaLnBrk="1" fontAlgn="auto" latinLnBrk="0" hangingPunct="1">
+              <a:lnSpc>
+                <a:spcPct val="100000"/>
+              </a:lnSpc>
+              <a:spcBef>
+                <a:spcPts val="0"/>
+              </a:spcBef>
+              <a:spcAft>
+                <a:spcPts val="0"/>
+              </a:spcAft>
+              <a:buClrTx/>
+              <a:buSzTx/>
+              <a:buFontTx/>
+              <a:buNone/>
+              <a:tabLst/>
+              <a:defRPr/>
+            </a:pPr>
+            <a:r>
+              <a:rPr kumimoji="0" lang="it-IT" altLang="en-GB" sz="1800" b="0" i="0" u="none" strike="noStrike" kern="1200" cap="none" spc="0" normalizeH="0" baseline="0" noProof="0" dirty="0" err="1">
+                <a:ln>
+                  <a:noFill/>
+                </a:ln>
+                <a:solidFill>
+                  <a:prstClr val="black"/>
+                </a:solidFill>
+                <a:effectLst/>
+                <a:uLnTx/>
+                <a:uFillTx/>
+                <a:latin typeface="Calibri"/>
+                <a:ea typeface="+mn-ea"/>
+                <a:cs typeface="+mn-cs"/>
+              </a:rPr>
+              <a:t>Why</a:t>
+            </a:r>
+            <a:r>
+              <a:rPr kumimoji="0" lang="it-IT" altLang="en-GB" sz="1800" b="0" i="0" u="none" strike="noStrike" kern="1200" cap="none" spc="0" normalizeH="0" baseline="0" noProof="0" dirty="0">
+                <a:ln>
+                  <a:noFill/>
+                </a:ln>
+                <a:solidFill>
+                  <a:prstClr val="black"/>
+                </a:solidFill>
+                <a:effectLst/>
+                <a:uLnTx/>
+                <a:uFillTx/>
+                <a:latin typeface="Calibri"/>
+                <a:ea typeface="+mn-ea"/>
+                <a:cs typeface="+mn-cs"/>
+              </a:rPr>
+              <a:t> do the </a:t>
+            </a:r>
+            <a:r>
+              <a:rPr kumimoji="0" lang="it-IT" altLang="en-GB" sz="1800" b="0" i="0" u="none" strike="noStrike" kern="1200" cap="none" spc="0" normalizeH="0" baseline="0" noProof="0" dirty="0" err="1">
+                <a:ln>
+                  <a:noFill/>
+                </a:ln>
+                <a:solidFill>
+                  <a:prstClr val="black"/>
+                </a:solidFill>
+                <a:effectLst/>
+                <a:uLnTx/>
+                <a:uFillTx/>
+                <a:latin typeface="Calibri"/>
+                <a:ea typeface="+mn-ea"/>
+                <a:cs typeface="+mn-cs"/>
+              </a:rPr>
+              <a:t>results</a:t>
+            </a:r>
+            <a:r>
+              <a:rPr kumimoji="0" lang="it-IT" altLang="en-GB" sz="1800" b="0" i="0" u="none" strike="noStrike" kern="1200" cap="none" spc="0" normalizeH="0" baseline="0" noProof="0" dirty="0">
+                <a:ln>
+                  <a:noFill/>
+                </a:ln>
+                <a:solidFill>
+                  <a:prstClr val="black"/>
+                </a:solidFill>
+                <a:effectLst/>
+                <a:uLnTx/>
+                <a:uFillTx/>
+                <a:latin typeface="Calibri"/>
+                <a:ea typeface="+mn-ea"/>
+                <a:cs typeface="+mn-cs"/>
+              </a:rPr>
+              <a:t> </a:t>
+            </a:r>
+            <a:r>
+              <a:rPr kumimoji="0" lang="it-IT" altLang="en-GB" sz="1800" b="0" i="0" u="none" strike="noStrike" kern="1200" cap="none" spc="0" normalizeH="0" baseline="0" noProof="0" dirty="0" err="1">
+                <a:ln>
+                  <a:noFill/>
+                </a:ln>
+                <a:solidFill>
+                  <a:prstClr val="black"/>
+                </a:solidFill>
+                <a:effectLst/>
+                <a:uLnTx/>
+                <a:uFillTx/>
+                <a:latin typeface="Calibri"/>
+                <a:ea typeface="+mn-ea"/>
+                <a:cs typeface="+mn-cs"/>
+              </a:rPr>
+              <a:t>differ</a:t>
+            </a:r>
+            <a:r>
+              <a:rPr kumimoji="0" lang="it-IT" altLang="en-GB" sz="1800" b="0" i="0" u="none" strike="noStrike" kern="1200" cap="none" spc="0" normalizeH="0" baseline="0" noProof="0" dirty="0">
+                <a:ln>
+                  <a:noFill/>
+                </a:ln>
+                <a:solidFill>
+                  <a:prstClr val="black"/>
+                </a:solidFill>
+                <a:effectLst/>
+                <a:uLnTx/>
+                <a:uFillTx/>
+                <a:latin typeface="Calibri"/>
+                <a:ea typeface="+mn-ea"/>
+                <a:cs typeface="+mn-cs"/>
+              </a:rPr>
+              <a:t> </a:t>
+            </a:r>
+            <a:r>
+              <a:rPr kumimoji="0" lang="it-IT" altLang="en-GB" sz="1800" b="0" i="0" u="none" strike="noStrike" kern="1200" cap="none" spc="0" normalizeH="0" baseline="0" noProof="0" dirty="0" err="1">
+                <a:ln>
+                  <a:noFill/>
+                </a:ln>
+                <a:solidFill>
+                  <a:prstClr val="black"/>
+                </a:solidFill>
+                <a:effectLst/>
+                <a:uLnTx/>
+                <a:uFillTx/>
+                <a:latin typeface="Calibri"/>
+                <a:ea typeface="+mn-ea"/>
+                <a:cs typeface="+mn-cs"/>
+              </a:rPr>
+              <a:t>this</a:t>
+            </a:r>
+            <a:r>
+              <a:rPr kumimoji="0" lang="it-IT" altLang="en-GB" sz="1800" b="0" i="0" u="none" strike="noStrike" kern="1200" cap="none" spc="0" normalizeH="0" baseline="0" noProof="0" dirty="0">
+                <a:ln>
+                  <a:noFill/>
+                </a:ln>
+                <a:solidFill>
+                  <a:prstClr val="black"/>
+                </a:solidFill>
+                <a:effectLst/>
+                <a:uLnTx/>
+                <a:uFillTx/>
+                <a:latin typeface="Calibri"/>
+                <a:ea typeface="+mn-ea"/>
+                <a:cs typeface="+mn-cs"/>
+              </a:rPr>
+              <a:t> </a:t>
+            </a:r>
+            <a:r>
+              <a:rPr kumimoji="0" lang="it-IT" altLang="en-GB" sz="1800" b="0" i="0" u="none" strike="noStrike" kern="1200" cap="none" spc="0" normalizeH="0" baseline="0" noProof="0" dirty="0" err="1">
+                <a:ln>
+                  <a:noFill/>
+                </a:ln>
+                <a:solidFill>
+                  <a:prstClr val="black"/>
+                </a:solidFill>
+                <a:effectLst/>
+                <a:uLnTx/>
+                <a:uFillTx/>
+                <a:latin typeface="Calibri"/>
+                <a:ea typeface="+mn-ea"/>
+                <a:cs typeface="+mn-cs"/>
+              </a:rPr>
+              <a:t>much</a:t>
+            </a:r>
+            <a:r>
+              <a:rPr kumimoji="0" lang="it-IT" altLang="en-GB" sz="1800" b="0" i="0" u="none" strike="noStrike" kern="1200" cap="none" spc="0" normalizeH="0" baseline="0" noProof="0" dirty="0">
+                <a:ln>
+                  <a:noFill/>
+                </a:ln>
+                <a:solidFill>
+                  <a:prstClr val="black"/>
+                </a:solidFill>
+                <a:effectLst/>
+                <a:uLnTx/>
+                <a:uFillTx/>
+                <a:latin typeface="Calibri"/>
+                <a:ea typeface="+mn-ea"/>
+                <a:cs typeface="+mn-cs"/>
+              </a:rPr>
+              <a:t>?</a:t>
+            </a:r>
+          </a:p>
+        </p:txBody>
+      </p:sp>
+      <p:graphicFrame>
+        <p:nvGraphicFramePr>
+          <p:cNvPr id="3" name="Table 2">
+            <a:extLst>
+              <a:ext uri="{FF2B5EF4-FFF2-40B4-BE49-F238E27FC236}">
+                <a16:creationId xmlns:a16="http://schemas.microsoft.com/office/drawing/2014/main" id="{DCC57535-0BA9-6456-376E-BD906337DFCF}"/>
+              </a:ext>
+            </a:extLst>
+          </p:cNvPr>
+          <p:cNvGraphicFramePr>
+            <a:graphicFrameLocks noGrp="1"/>
+          </p:cNvGraphicFramePr>
+          <p:nvPr>
+            <p:extLst>
+              <p:ext uri="{D42A27DB-BD31-4B8C-83A1-F6EECF244321}">
+                <p14:modId xmlns:p14="http://schemas.microsoft.com/office/powerpoint/2010/main" val="3100442825"/>
+              </p:ext>
+            </p:extLst>
+          </p:nvPr>
+        </p:nvGraphicFramePr>
+        <p:xfrm>
+          <a:off x="1034200" y="1657350"/>
+          <a:ext cx="7772400" cy="2926080"/>
+        </p:xfrm>
+        <a:graphic>
+          <a:graphicData uri="http://schemas.openxmlformats.org/drawingml/2006/table">
+            <a:tbl>
+              <a:tblPr firstRow="1" bandRow="1">
+                <a:tableStyleId>{5C22544A-7EE6-4342-B048-85BDC9FD1C3A}</a:tableStyleId>
+              </a:tblPr>
+              <a:tblGrid>
+                <a:gridCol w="2590800">
+                  <a:extLst>
+                    <a:ext uri="{9D8B030D-6E8A-4147-A177-3AD203B41FA5}">
+                      <a16:colId xmlns:a16="http://schemas.microsoft.com/office/drawing/2014/main" val="20000"/>
+                    </a:ext>
+                  </a:extLst>
+                </a:gridCol>
+                <a:gridCol w="2590800">
+                  <a:extLst>
+                    <a:ext uri="{9D8B030D-6E8A-4147-A177-3AD203B41FA5}">
+                      <a16:colId xmlns:a16="http://schemas.microsoft.com/office/drawing/2014/main" val="20001"/>
+                    </a:ext>
+                  </a:extLst>
+                </a:gridCol>
+                <a:gridCol w="2590800">
+                  <a:extLst>
+                    <a:ext uri="{9D8B030D-6E8A-4147-A177-3AD203B41FA5}">
+                      <a16:colId xmlns:a16="http://schemas.microsoft.com/office/drawing/2014/main" val="20002"/>
+                    </a:ext>
+                  </a:extLst>
+                </a:gridCol>
+              </a:tblGrid>
+              <a:tr h="342900">
+                <a:tc>
+                  <a:txBody>
+                    <a:bodyPr/>
+                    <a:lstStyle/>
+                    <a:p>
+                      <a:r>
+                        <a:rPr dirty="0"/>
+                        <a:t>Metric</a:t>
+                      </a:r>
+                    </a:p>
+                  </a:txBody>
+                  <a:tcPr/>
+                </a:tc>
+                <a:tc>
+                  <a:txBody>
+                    <a:bodyPr/>
+                    <a:lstStyle/>
+                    <a:p>
+                      <a:r>
+                        <a:rPr dirty="0"/>
+                        <a:t>TCP+TLS</a:t>
+                      </a:r>
+                    </a:p>
+                  </a:txBody>
+                  <a:tcPr/>
+                </a:tc>
+                <a:tc>
+                  <a:txBody>
+                    <a:bodyPr/>
+                    <a:lstStyle/>
+                    <a:p>
+                      <a:r>
+                        <a:t>QUIC</a:t>
+                      </a:r>
+                    </a:p>
+                  </a:txBody>
+                  <a:tcPr/>
+                </a:tc>
+                <a:extLst>
+                  <a:ext uri="{0D108BD9-81ED-4DB2-BD59-A6C34878D82A}">
+                    <a16:rowId xmlns:a16="http://schemas.microsoft.com/office/drawing/2014/main" val="10000"/>
+                  </a:ext>
+                </a:extLst>
+              </a:tr>
+              <a:tr h="342900">
+                <a:tc>
+                  <a:txBody>
+                    <a:bodyPr/>
+                    <a:lstStyle/>
+                    <a:p>
+                      <a:r>
+                        <a:rPr dirty="0"/>
+                        <a:t>Handshake Time</a:t>
+                      </a:r>
+                    </a:p>
+                  </a:txBody>
+                  <a:tcPr/>
+                </a:tc>
+                <a:tc>
+                  <a:txBody>
+                    <a:bodyPr/>
+                    <a:lstStyle/>
+                    <a:p>
+                      <a:r>
+                        <a:rPr dirty="0"/>
+                        <a:t>0.006</a:t>
+                      </a:r>
+                      <a:r>
+                        <a:rPr lang="it-IT" dirty="0"/>
+                        <a:t>s</a:t>
+                      </a:r>
+                      <a:endParaRPr dirty="0"/>
+                    </a:p>
+                  </a:txBody>
+                  <a:tcPr/>
+                </a:tc>
+                <a:tc>
+                  <a:txBody>
+                    <a:bodyPr/>
+                    <a:lstStyle/>
+                    <a:p>
+                      <a:r>
+                        <a:rPr dirty="0"/>
+                        <a:t>0.019</a:t>
+                      </a:r>
+                      <a:r>
+                        <a:rPr lang="it-IT" dirty="0"/>
+                        <a:t>s</a:t>
+                      </a:r>
+                      <a:endParaRPr dirty="0"/>
+                    </a:p>
+                  </a:txBody>
+                  <a:tcPr/>
+                </a:tc>
+                <a:extLst>
+                  <a:ext uri="{0D108BD9-81ED-4DB2-BD59-A6C34878D82A}">
+                    <a16:rowId xmlns:a16="http://schemas.microsoft.com/office/drawing/2014/main" val="10001"/>
+                  </a:ext>
+                </a:extLst>
+              </a:tr>
+              <a:tr h="342900">
+                <a:tc>
+                  <a:txBody>
+                    <a:bodyPr/>
+                    <a:lstStyle/>
+                    <a:p>
+                      <a:r>
+                        <a:rPr lang="it-IT" dirty="0" err="1"/>
+                        <a:t>Average</a:t>
+                      </a:r>
+                      <a:r>
+                        <a:rPr lang="it-IT" dirty="0"/>
+                        <a:t> </a:t>
+                      </a:r>
+                      <a:r>
+                        <a:rPr dirty="0"/>
+                        <a:t>RTT</a:t>
+                      </a:r>
+                    </a:p>
+                  </a:txBody>
+                  <a:tcPr/>
+                </a:tc>
+                <a:tc>
+                  <a:txBody>
+                    <a:bodyPr/>
+                    <a:lstStyle/>
+                    <a:p>
+                      <a:r>
+                        <a:rPr dirty="0"/>
+                        <a:t>0.00095</a:t>
+                      </a:r>
+                      <a:r>
+                        <a:rPr lang="it-IT" dirty="0"/>
+                        <a:t>s</a:t>
+                      </a:r>
+                      <a:endParaRPr dirty="0"/>
+                    </a:p>
+                  </a:txBody>
+                  <a:tcPr/>
+                </a:tc>
+                <a:tc>
+                  <a:txBody>
+                    <a:bodyPr/>
+                    <a:lstStyle/>
+                    <a:p>
+                      <a:r>
+                        <a:rPr dirty="0"/>
+                        <a:t>0.0056</a:t>
+                      </a:r>
+                      <a:r>
+                        <a:rPr lang="it-IT" dirty="0"/>
+                        <a:t>s</a:t>
+                      </a:r>
+                      <a:endParaRPr dirty="0"/>
+                    </a:p>
+                  </a:txBody>
+                  <a:tcPr/>
+                </a:tc>
+                <a:extLst>
+                  <a:ext uri="{0D108BD9-81ED-4DB2-BD59-A6C34878D82A}">
+                    <a16:rowId xmlns:a16="http://schemas.microsoft.com/office/drawing/2014/main" val="10002"/>
+                  </a:ext>
+                </a:extLst>
+              </a:tr>
+              <a:tr h="342900">
+                <a:tc>
+                  <a:txBody>
+                    <a:bodyPr/>
+                    <a:lstStyle/>
+                    <a:p>
+                      <a:r>
+                        <a:t>RTT Std. Dev.</a:t>
+                      </a:r>
+                    </a:p>
+                  </a:txBody>
+                  <a:tcPr/>
+                </a:tc>
+                <a:tc>
+                  <a:txBody>
+                    <a:bodyPr/>
+                    <a:lstStyle/>
+                    <a:p>
+                      <a:r>
+                        <a:t>0.00049</a:t>
+                      </a:r>
+                    </a:p>
+                  </a:txBody>
+                  <a:tcPr/>
+                </a:tc>
+                <a:tc>
+                  <a:txBody>
+                    <a:bodyPr/>
+                    <a:lstStyle/>
+                    <a:p>
+                      <a:r>
+                        <a:t>0.0037</a:t>
+                      </a:r>
+                    </a:p>
+                  </a:txBody>
+                  <a:tcPr/>
+                </a:tc>
+                <a:extLst>
+                  <a:ext uri="{0D108BD9-81ED-4DB2-BD59-A6C34878D82A}">
+                    <a16:rowId xmlns:a16="http://schemas.microsoft.com/office/drawing/2014/main" val="10003"/>
+                  </a:ext>
+                </a:extLst>
+              </a:tr>
+              <a:tr h="342900">
+                <a:tc>
+                  <a:txBody>
+                    <a:bodyPr/>
+                    <a:lstStyle/>
+                    <a:p>
+                      <a:r>
+                        <a:rPr dirty="0"/>
+                        <a:t>Upload Time (1GB)</a:t>
+                      </a:r>
+                    </a:p>
+                  </a:txBody>
+                  <a:tcPr/>
+                </a:tc>
+                <a:tc>
+                  <a:txBody>
+                    <a:bodyPr/>
+                    <a:lstStyle/>
+                    <a:p>
+                      <a:r>
+                        <a:t>4.42s</a:t>
+                      </a:r>
+                    </a:p>
+                  </a:txBody>
+                  <a:tcPr/>
+                </a:tc>
+                <a:tc>
+                  <a:txBody>
+                    <a:bodyPr/>
+                    <a:lstStyle/>
+                    <a:p>
+                      <a:r>
+                        <a:t>890.67s</a:t>
+                      </a:r>
+                    </a:p>
+                  </a:txBody>
+                  <a:tcPr/>
+                </a:tc>
+                <a:extLst>
+                  <a:ext uri="{0D108BD9-81ED-4DB2-BD59-A6C34878D82A}">
+                    <a16:rowId xmlns:a16="http://schemas.microsoft.com/office/drawing/2014/main" val="10004"/>
+                  </a:ext>
+                </a:extLst>
+              </a:tr>
+              <a:tr h="342900">
+                <a:tc>
+                  <a:txBody>
+                    <a:bodyPr/>
+                    <a:lstStyle/>
+                    <a:p>
+                      <a:r>
+                        <a:rPr dirty="0"/>
+                        <a:t>Upload Throughput</a:t>
+                      </a:r>
+                    </a:p>
+                  </a:txBody>
+                  <a:tcPr/>
+                </a:tc>
+                <a:tc>
+                  <a:txBody>
+                    <a:bodyPr/>
+                    <a:lstStyle/>
+                    <a:p>
+                      <a:r>
+                        <a:rPr dirty="0"/>
+                        <a:t>246.68</a:t>
+                      </a:r>
+                      <a:r>
+                        <a:rPr lang="it-IT" dirty="0"/>
+                        <a:t> MB/s</a:t>
+                      </a:r>
+                      <a:endParaRPr dirty="0"/>
+                    </a:p>
+                  </a:txBody>
+                  <a:tcPr/>
+                </a:tc>
+                <a:tc>
+                  <a:txBody>
+                    <a:bodyPr/>
+                    <a:lstStyle/>
+                    <a:p>
+                      <a:r>
+                        <a:rPr dirty="0"/>
+                        <a:t>1.15</a:t>
+                      </a:r>
+                      <a:r>
+                        <a:rPr lang="it-IT" dirty="0"/>
+                        <a:t> MB/s</a:t>
+                      </a:r>
+                      <a:endParaRPr dirty="0"/>
+                    </a:p>
+                  </a:txBody>
+                  <a:tcPr/>
+                </a:tc>
+                <a:extLst>
+                  <a:ext uri="{0D108BD9-81ED-4DB2-BD59-A6C34878D82A}">
+                    <a16:rowId xmlns:a16="http://schemas.microsoft.com/office/drawing/2014/main" val="10005"/>
+                  </a:ext>
+                </a:extLst>
+              </a:tr>
+              <a:tr h="342900">
+                <a:tc>
+                  <a:txBody>
+                    <a:bodyPr/>
+                    <a:lstStyle/>
+                    <a:p>
+                      <a:r>
+                        <a:t>Download Time (1GB)</a:t>
+                      </a:r>
+                    </a:p>
+                  </a:txBody>
+                  <a:tcPr/>
+                </a:tc>
+                <a:tc>
+                  <a:txBody>
+                    <a:bodyPr/>
+                    <a:lstStyle/>
+                    <a:p>
+                      <a:r>
+                        <a:t>4.28s</a:t>
+                      </a:r>
+                    </a:p>
+                  </a:txBody>
+                  <a:tcPr/>
+                </a:tc>
+                <a:tc>
+                  <a:txBody>
+                    <a:bodyPr/>
+                    <a:lstStyle/>
+                    <a:p>
+                      <a:r>
+                        <a:t>885.31s</a:t>
+                      </a:r>
+                    </a:p>
+                  </a:txBody>
+                  <a:tcPr/>
+                </a:tc>
+                <a:extLst>
+                  <a:ext uri="{0D108BD9-81ED-4DB2-BD59-A6C34878D82A}">
+                    <a16:rowId xmlns:a16="http://schemas.microsoft.com/office/drawing/2014/main" val="10006"/>
+                  </a:ext>
+                </a:extLst>
+              </a:tr>
+              <a:tr h="342900">
+                <a:tc>
+                  <a:txBody>
+                    <a:bodyPr/>
+                    <a:lstStyle/>
+                    <a:p>
+                      <a:r>
+                        <a:rPr dirty="0"/>
+                        <a:t>Download Throughput</a:t>
+                      </a:r>
+                    </a:p>
+                  </a:txBody>
+                  <a:tcPr/>
+                </a:tc>
+                <a:tc>
+                  <a:txBody>
+                    <a:bodyPr/>
+                    <a:lstStyle/>
+                    <a:p>
+                      <a:r>
+                        <a:rPr dirty="0"/>
+                        <a:t>254.56</a:t>
+                      </a:r>
+                      <a:r>
+                        <a:rPr lang="it-IT" dirty="0"/>
+                        <a:t> MB/s</a:t>
+                      </a:r>
+                      <a:endParaRPr dirty="0"/>
+                    </a:p>
+                  </a:txBody>
+                  <a:tcPr/>
+                </a:tc>
+                <a:tc>
+                  <a:txBody>
+                    <a:bodyPr/>
+                    <a:lstStyle/>
+                    <a:p>
+                      <a:r>
+                        <a:rPr dirty="0"/>
+                        <a:t>1.16</a:t>
+                      </a:r>
+                      <a:r>
+                        <a:rPr lang="it-IT" dirty="0"/>
+                        <a:t> MB/s</a:t>
+                      </a:r>
+                      <a:endParaRPr dirty="0"/>
+                    </a:p>
+                  </a:txBody>
+                  <a:tcPr/>
+                </a:tc>
+                <a:extLst>
+                  <a:ext uri="{0D108BD9-81ED-4DB2-BD59-A6C34878D82A}">
+                    <a16:rowId xmlns:a16="http://schemas.microsoft.com/office/drawing/2014/main" val="10007"/>
+                  </a:ext>
+                </a:extLst>
+              </a:tr>
+            </a:tbl>
+          </a:graphicData>
+        </a:graphic>
+      </p:graphicFrame>
+      <p:sp>
+        <p:nvSpPr>
+          <p:cNvPr id="5" name="Content Placeholder 2">
+            <a:extLst>
+              <a:ext uri="{FF2B5EF4-FFF2-40B4-BE49-F238E27FC236}">
+                <a16:creationId xmlns:a16="http://schemas.microsoft.com/office/drawing/2014/main" id="{A3E3D14D-C63C-A3CB-A742-9DD2670F4413}"/>
+              </a:ext>
+            </a:extLst>
+          </p:cNvPr>
+          <p:cNvSpPr txBox="1">
+            <a:spLocks/>
+          </p:cNvSpPr>
+          <p:nvPr/>
+        </p:nvSpPr>
+        <p:spPr>
+          <a:xfrm>
+            <a:off x="8932750" y="1679331"/>
+            <a:ext cx="2783636" cy="3014296"/>
+          </a:xfrm>
+          <a:prstGeom prst="rect">
+            <a:avLst/>
+          </a:prstGeom>
+        </p:spPr>
+        <p:txBody>
+          <a:bodyPr vert="horz" lIns="91440" tIns="45720" rIns="91440" bIns="45720" rtlCol="0">
+            <a:normAutofit/>
+          </a:bodyPr>
+          <a:lstStyle>
+            <a:lvl1pPr marL="0" indent="0" algn="ctr" defTabSz="914400" rtl="0" eaLnBrk="1" latinLnBrk="0" hangingPunct="1">
+              <a:lnSpc>
+                <a:spcPct val="90000"/>
+              </a:lnSpc>
+              <a:spcBef>
+                <a:spcPts val="1000"/>
+              </a:spcBef>
+              <a:buFont typeface="Arial" panose="020B0604020202020204" pitchFamily="34" charset="0"/>
+              <a:buNone/>
+              <a:defRPr sz="2400" kern="1200">
+                <a:solidFill>
+                  <a:schemeClr val="tx1"/>
+                </a:solidFill>
+                <a:latin typeface="+mn-lt"/>
+                <a:ea typeface="+mn-ea"/>
+                <a:cs typeface="+mn-cs"/>
+              </a:defRPr>
+            </a:lvl1pPr>
+            <a:lvl2pPr marL="457200" indent="0" algn="ctr" defTabSz="914400" rtl="0" eaLnBrk="1" latinLnBrk="0" hangingPunct="1">
+              <a:lnSpc>
+                <a:spcPct val="90000"/>
+              </a:lnSpc>
+              <a:spcBef>
+                <a:spcPts val="500"/>
+              </a:spcBef>
+              <a:buFont typeface="Arial" panose="020B0604020202020204" pitchFamily="34" charset="0"/>
+              <a:buNone/>
+              <a:defRPr sz="2000" kern="1200">
+                <a:solidFill>
+                  <a:schemeClr val="tx1"/>
+                </a:solidFill>
+                <a:latin typeface="+mn-lt"/>
+                <a:ea typeface="+mn-ea"/>
+                <a:cs typeface="+mn-cs"/>
+              </a:defRPr>
+            </a:lvl2pPr>
+            <a:lvl3pPr marL="914400" indent="0" algn="ctr" defTabSz="914400" rtl="0" eaLnBrk="1" latinLnBrk="0" hangingPunct="1">
+              <a:lnSpc>
+                <a:spcPct val="90000"/>
+              </a:lnSpc>
+              <a:spcBef>
+                <a:spcPts val="500"/>
+              </a:spcBef>
+              <a:buFont typeface="Arial" panose="020B0604020202020204" pitchFamily="34" charset="0"/>
+              <a:buNone/>
+              <a:defRPr sz="1800" kern="1200">
+                <a:solidFill>
+                  <a:schemeClr val="tx1"/>
+                </a:solidFill>
+                <a:latin typeface="+mn-lt"/>
+                <a:ea typeface="+mn-ea"/>
+                <a:cs typeface="+mn-cs"/>
+              </a:defRPr>
+            </a:lvl3pPr>
+            <a:lvl4pPr marL="1371600" indent="0" algn="ctr" defTabSz="914400" rtl="0" eaLnBrk="1" latinLnBrk="0" hangingPunct="1">
+              <a:lnSpc>
+                <a:spcPct val="90000"/>
+              </a:lnSpc>
+              <a:spcBef>
+                <a:spcPts val="500"/>
+              </a:spcBef>
+              <a:buFont typeface="Arial" panose="020B0604020202020204" pitchFamily="34" charset="0"/>
+              <a:buNone/>
+              <a:defRPr sz="1600" kern="1200">
+                <a:solidFill>
+                  <a:schemeClr val="tx1"/>
+                </a:solidFill>
+                <a:latin typeface="+mn-lt"/>
+                <a:ea typeface="+mn-ea"/>
+                <a:cs typeface="+mn-cs"/>
+              </a:defRPr>
+            </a:lvl4pPr>
+            <a:lvl5pPr marL="1828800" indent="0" algn="ctr" defTabSz="914400" rtl="0" eaLnBrk="1" latinLnBrk="0" hangingPunct="1">
+              <a:lnSpc>
+                <a:spcPct val="90000"/>
+              </a:lnSpc>
+              <a:spcBef>
+                <a:spcPts val="500"/>
+              </a:spcBef>
+              <a:buFont typeface="Arial" panose="020B0604020202020204" pitchFamily="34" charset="0"/>
+              <a:buNone/>
+              <a:defRPr sz="1600" kern="1200">
+                <a:solidFill>
+                  <a:schemeClr val="tx1"/>
+                </a:solidFill>
+                <a:latin typeface="+mn-lt"/>
+                <a:ea typeface="+mn-ea"/>
+                <a:cs typeface="+mn-cs"/>
+              </a:defRPr>
+            </a:lvl5pPr>
+            <a:lvl6pPr marL="2286000" indent="0" algn="ctr" defTabSz="914400" rtl="0" eaLnBrk="1" latinLnBrk="0" hangingPunct="1">
+              <a:lnSpc>
+                <a:spcPct val="90000"/>
+              </a:lnSpc>
+              <a:spcBef>
+                <a:spcPts val="500"/>
+              </a:spcBef>
+              <a:buFont typeface="Arial" panose="020B0604020202020204" pitchFamily="34" charset="0"/>
+              <a:buNone/>
+              <a:defRPr sz="1600" kern="1200">
+                <a:solidFill>
+                  <a:schemeClr val="tx1"/>
+                </a:solidFill>
+                <a:latin typeface="+mn-lt"/>
+                <a:ea typeface="+mn-ea"/>
+                <a:cs typeface="+mn-cs"/>
+              </a:defRPr>
+            </a:lvl6pPr>
+            <a:lvl7pPr marL="2743200" indent="0" algn="ctr" defTabSz="914400" rtl="0" eaLnBrk="1" latinLnBrk="0" hangingPunct="1">
+              <a:lnSpc>
+                <a:spcPct val="90000"/>
+              </a:lnSpc>
+              <a:spcBef>
+                <a:spcPts val="500"/>
+              </a:spcBef>
+              <a:buFont typeface="Arial" panose="020B0604020202020204" pitchFamily="34" charset="0"/>
+              <a:buNone/>
+              <a:defRPr sz="1600" kern="1200">
+                <a:solidFill>
+                  <a:schemeClr val="tx1"/>
+                </a:solidFill>
+                <a:latin typeface="+mn-lt"/>
+                <a:ea typeface="+mn-ea"/>
+                <a:cs typeface="+mn-cs"/>
+              </a:defRPr>
+            </a:lvl7pPr>
+            <a:lvl8pPr marL="3200400" indent="0" algn="ctr" defTabSz="914400" rtl="0" eaLnBrk="1" latinLnBrk="0" hangingPunct="1">
+              <a:lnSpc>
+                <a:spcPct val="90000"/>
+              </a:lnSpc>
+              <a:spcBef>
+                <a:spcPts val="500"/>
+              </a:spcBef>
+              <a:buFont typeface="Arial" panose="020B0604020202020204" pitchFamily="34" charset="0"/>
+              <a:buNone/>
+              <a:defRPr sz="1600" kern="1200">
+                <a:solidFill>
+                  <a:schemeClr val="tx1"/>
+                </a:solidFill>
+                <a:latin typeface="+mn-lt"/>
+                <a:ea typeface="+mn-ea"/>
+                <a:cs typeface="+mn-cs"/>
+              </a:defRPr>
+            </a:lvl8pPr>
+            <a:lvl9pPr marL="3657600" indent="0" algn="ctr" defTabSz="914400" rtl="0" eaLnBrk="1" latinLnBrk="0" hangingPunct="1">
+              <a:lnSpc>
+                <a:spcPct val="90000"/>
+              </a:lnSpc>
+              <a:spcBef>
+                <a:spcPts val="500"/>
+              </a:spcBef>
+              <a:buFont typeface="Arial" panose="020B0604020202020204" pitchFamily="34" charset="0"/>
+              <a:buNone/>
+              <a:defRPr sz="1600" kern="1200">
+                <a:solidFill>
+                  <a:schemeClr val="tx1"/>
+                </a:solidFill>
+                <a:latin typeface="+mn-lt"/>
+                <a:ea typeface="+mn-ea"/>
+                <a:cs typeface="+mn-cs"/>
+              </a:defRPr>
+            </a:lvl9pPr>
+          </a:lstStyle>
+          <a:p>
+            <a:pPr marL="342900" indent="-342900" algn="l">
+              <a:buFont typeface="Arial" panose="020B0604020202020204" pitchFamily="34" charset="0"/>
+              <a:buChar char="•"/>
+            </a:pPr>
+            <a:r>
+              <a:rPr lang="it-IT" dirty="0"/>
+              <a:t>TCP+TLS </a:t>
+            </a:r>
+            <a:r>
+              <a:rPr lang="it-IT" dirty="0" err="1"/>
+              <a:t>is</a:t>
+            </a:r>
+            <a:r>
+              <a:rPr lang="it-IT" dirty="0"/>
+              <a:t> </a:t>
+            </a:r>
+            <a:r>
+              <a:rPr lang="it-IT" dirty="0" err="1"/>
+              <a:t>faster</a:t>
+            </a:r>
+            <a:r>
+              <a:rPr lang="it-IT" dirty="0"/>
+              <a:t> in </a:t>
+            </a:r>
+            <a:r>
+              <a:rPr lang="it-IT" dirty="0" err="1"/>
+              <a:t>any</a:t>
+            </a:r>
+            <a:r>
+              <a:rPr lang="it-IT" dirty="0"/>
+              <a:t> condition.</a:t>
+            </a:r>
+          </a:p>
+          <a:p>
+            <a:pPr marL="342900" indent="-342900" algn="l">
+              <a:buFont typeface="Arial" panose="020B0604020202020204" pitchFamily="34" charset="0"/>
+              <a:buChar char="•"/>
+            </a:pPr>
+            <a:r>
+              <a:rPr lang="it-IT" dirty="0" err="1"/>
+              <a:t>Even</a:t>
+            </a:r>
+            <a:r>
+              <a:rPr lang="it-IT" dirty="0"/>
+              <a:t> </a:t>
+            </a:r>
+            <a:r>
+              <a:rPr lang="it-IT" dirty="0" err="1"/>
+              <a:t>latency</a:t>
+            </a:r>
+            <a:r>
+              <a:rPr lang="it-IT" dirty="0"/>
+              <a:t> </a:t>
+            </a:r>
+            <a:r>
+              <a:rPr lang="it-IT" dirty="0" err="1"/>
+              <a:t>is</a:t>
+            </a:r>
+            <a:r>
+              <a:rPr lang="it-IT" dirty="0"/>
+              <a:t> </a:t>
+            </a:r>
+            <a:r>
+              <a:rPr lang="it-IT" dirty="0" err="1"/>
+              <a:t>higher</a:t>
+            </a:r>
+            <a:r>
+              <a:rPr lang="it-IT" dirty="0"/>
+              <a:t> in QUIC.</a:t>
+            </a:r>
+          </a:p>
+          <a:p>
+            <a:pPr marL="342900" indent="-342900" algn="l">
+              <a:buFont typeface="Arial" panose="020B0604020202020204" pitchFamily="34" charset="0"/>
+              <a:buChar char="•"/>
+            </a:pPr>
+            <a:r>
+              <a:rPr lang="it-IT" dirty="0" err="1"/>
+              <a:t>Possible</a:t>
+            </a:r>
+            <a:r>
+              <a:rPr lang="it-IT" dirty="0"/>
+              <a:t> </a:t>
+            </a:r>
+            <a:r>
+              <a:rPr lang="it-IT" dirty="0" err="1"/>
+              <a:t>bottlenecks</a:t>
+            </a:r>
+            <a:r>
+              <a:rPr lang="it-IT" dirty="0"/>
+              <a:t> in QUIC due to </a:t>
+            </a:r>
+            <a:r>
+              <a:rPr lang="it-IT" dirty="0" err="1"/>
+              <a:t>implementation</a:t>
+            </a:r>
+            <a:r>
+              <a:rPr lang="it-IT" dirty="0"/>
+              <a:t>.</a:t>
+            </a:r>
+          </a:p>
+        </p:txBody>
+      </p:sp>
+    </p:spTree>
+    <p:extLst>
+      <p:ext uri="{BB962C8B-B14F-4D97-AF65-F5344CB8AC3E}">
+        <p14:creationId xmlns:p14="http://schemas.microsoft.com/office/powerpoint/2010/main" val="353289257"/>
+      </p:ext>
+    </p:extLst>
+  </p:cSld>
+  <p:clrMapOvr>
+    <a:masterClrMapping/>
+  </p:clrMapOvr>
+  <mc:AlternateContent xmlns:mc="http://schemas.openxmlformats.org/markup-compatibility/2006" xmlns:p159="http://schemas.microsoft.com/office/powerpoint/2015/09/main">
+    <mc:Choice Requires="p159">
+      <p:transition xmlns:p14="http://schemas.microsoft.com/office/powerpoint/2010/main" spd="slow" p14:dur="2000">
+        <p159:morph option="byObject"/>
+      </p:transition>
+    </mc:Choice>
+    <mc:Fallback xmlns="">
       <p:transition spd="slow">
         <p:fade/>
       </p:transition>
@@ -8814,33 +12441,239 @@
 </file>
 
 <file path=ppt/tags/tag1.xml><?xml version="1.0" encoding="utf-8"?>
-<p:tagLst xmlns:p="http://schemas.openxmlformats.org/presentationml/2006/main">
+<p:tagLst xmlns:a="http://schemas.openxmlformats.org/drawingml/2006/main" xmlns:r="http://schemas.openxmlformats.org/officeDocument/2006/relationships" xmlns:p="http://schemas.openxmlformats.org/presentationml/2006/main">
+  <p:tag name="RESOURCE_RECORD_KEY" val="{&quot;70&quot;:[3321980,3321390,3320305,3321374]}"/>
+</p:tagLst>
+</file>
+
+<file path=ppt/tags/tag10.xml><?xml version="1.0" encoding="utf-8"?>
+<p:tagLst xmlns:a="http://schemas.openxmlformats.org/drawingml/2006/main" xmlns:r="http://schemas.openxmlformats.org/officeDocument/2006/relationships" xmlns:p="http://schemas.openxmlformats.org/presentationml/2006/main">
+  <p:tag name="KSO_WM_DIAGRAM_VIRTUALLY_FRAME" val="{&quot;height&quot;:351.67499847412114,&quot;left&quot;:54.80003326656315,&quot;top&quot;:179.30004089595764,&quot;width&quot;:850.4500122070312}"/>
+</p:tagLst>
+</file>
+
+<file path=ppt/tags/tag11.xml><?xml version="1.0" encoding="utf-8"?>
+<p:tagLst xmlns:a="http://schemas.openxmlformats.org/drawingml/2006/main" xmlns:r="http://schemas.openxmlformats.org/officeDocument/2006/relationships" xmlns:p="http://schemas.openxmlformats.org/presentationml/2006/main">
+  <p:tag name="KSO_WM_DIAGRAM_VIRTUALLY_FRAME" val="{&quot;height&quot;:351.67499847412114,&quot;left&quot;:54.80003326656315,&quot;top&quot;:179.30004089595764,&quot;width&quot;:850.4500122070312}"/>
+</p:tagLst>
+</file>
+
+<file path=ppt/tags/tag12.xml><?xml version="1.0" encoding="utf-8"?>
+<p:tagLst xmlns:a="http://schemas.openxmlformats.org/drawingml/2006/main" xmlns:r="http://schemas.openxmlformats.org/officeDocument/2006/relationships" xmlns:p="http://schemas.openxmlformats.org/presentationml/2006/main">
+  <p:tag name="KSO_WM_DIAGRAM_MAX_ITEMCNT" val="4"/>
+  <p:tag name="KSO_WM_DIAGRAM_MIN_ITEMCNT" val="2"/>
+  <p:tag name="KSO_WM_DIAGRAM_VIRTUALLY_FRAME" val="{&quot;height&quot;:351.67499847412114,&quot;left&quot;:54.80003326656315,&quot;top&quot;:179.30004089595764,&quot;width&quot;:854.6750061035157}"/>
+  <p:tag name="KSO_WM_DIAGRAM_COLOR_MATCH_VALUE" val="{&quot;shape&quot;:{&quot;fill&quot;:{&quot;solid&quot;:{&quot;brightness&quot;:0.6000000238418579,&quot;colorType&quot;:1,&quot;foreColorIndex&quot;:5,&quot;transparency&quot;:0.800000011920929},&quot;type&quot;:1},&quot;glow&quot;:{&quot;colorType&quot;:0},&quot;line&quot;:{&quot;type&quot;:0},&quot;shadow&quot;:{&quot;colorType&quot;:0},&quot;threeD&quot;:{&quot;curvedSurface&quot;:{&quot;brightness&quot;:0,&quot;colorType&quot;:2,&quot;rgb&quot;:&quot;#000000&quot;},&quot;depth&quot;:{&quot;colorType&quot;:0}}},&quot;text&quot;:{&quot;fill&quot;:{&quot;solid&quot;:{&quot;brightness&quot;:0,&quot;colorType&quot;:1,&quot;foreColorIndex&quot;:2,&quot;transparency&quot;:0},&quot;type&quot;:1},&quot;glow&quot;:{&quot;colorType&quot;:0},&quot;line&quot;:{&quot;type&quot;:0},&quot;shadow&quot;:{&quot;colorType&quot;:0},&quot;threeD&quot;:{&quot;curvedSurface&quot;:{&quot;brightness&quot;:0,&quot;colorType&quot;:2,&quot;rgb&quot;:&quot;#000000&quot;},&quot;depth&quot;:{&quot;colorType&quot;:0}}}}"/>
+  <p:tag name="KSO_WM_DIAGRAM_VERSION" val="3"/>
+  <p:tag name="KSO_WM_DIAGRAM_COLOR_TRICK" val="1"/>
+  <p:tag name="KSO_WM_DIAGRAM_COLOR_TEXT_CAN_REMOVE" val="n"/>
   <p:tag name="KSO_WM_UNIT_HIGHLIGHT" val="0"/>
   <p:tag name="KSO_WM_UNIT_COMPATIBLE" val="0"/>
   <p:tag name="KSO_WM_UNIT_DIAGRAM_ISNUMVISUAL" val="0"/>
   <p:tag name="KSO_WM_UNIT_DIAGRAM_ISREFERUNIT" val="0"/>
-  <p:tag name="KSO_WM_UNIT_ID" val="diagram20238176_2*n_h_i*1_1_1"/>
+  <p:tag name="KSO_WM_DIAGRAM_GROUP_CODE" val="l1-1"/>
+  <p:tag name="KSO_WM_UNIT_TYPE" val="l_h_i"/>
+  <p:tag name="KSO_WM_UNIT_INDEX" val="1_3_1"/>
+  <p:tag name="KSO_WM_UNIT_ID" val="diagram20237921_2*l_h_i*1_3_1"/>
   <p:tag name="KSO_WM_TEMPLATE_CATEGORY" val="diagram"/>
-  <p:tag name="KSO_WM_TEMPLATE_INDEX" val="20238176"/>
+  <p:tag name="KSO_WM_TEMPLATE_INDEX" val="20237921"/>
   <p:tag name="KSO_WM_UNIT_LAYERLEVEL" val="1_1_1"/>
   <p:tag name="KSO_WM_TAG_VERSION" val="3.0"/>
+  <p:tag name="KSO_WM_BEAUTIFY_FLAG" val="#wm#"/>
+  <p:tag name="KSO_WM_UNIT_FILL_TYPE" val="1"/>
+  <p:tag name="KSO_WM_UNIT_FILL_FORE_SCHEMECOLOR_INDEX" val="5"/>
+  <p:tag name="KSO_WM_UNIT_FILL_FORE_SCHEMECOLOR_INDEX_BRIGHTNESS" val="0.6"/>
+</p:tagLst>
+</file>
+
+<file path=ppt/tags/tag13.xml><?xml version="1.0" encoding="utf-8"?>
+<p:tagLst xmlns:a="http://schemas.openxmlformats.org/drawingml/2006/main" xmlns:r="http://schemas.openxmlformats.org/officeDocument/2006/relationships" xmlns:p="http://schemas.openxmlformats.org/presentationml/2006/main">
+  <p:tag name="KSO_WM_UNIT_TEXT_FILL_FORE_SCHEMECOLOR_INDEX_BRIGHTNESS" val="0.15"/>
+  <p:tag name="KSO_WM_DIAGRAM_MAX_ITEMCNT" val="4"/>
+  <p:tag name="KSO_WM_DIAGRAM_MIN_ITEMCNT" val="2"/>
+  <p:tag name="KSO_WM_DIAGRAM_VIRTUALLY_FRAME" val="{&quot;height&quot;:351.67499847412114,&quot;left&quot;:54.80003326656315,&quot;top&quot;:179.30004089595764,&quot;width&quot;:854.6750061035157}"/>
+  <p:tag name="KSO_WM_DIAGRAM_COLOR_MATCH_VALUE" val="{&quot;shape&quot;:{&quot;fill&quot;:{&quot;type&quot;:0},&quot;glow&quot;:{&quot;colorType&quot;:0},&quot;line&quot;:{&quot;type&quot;:0},&quot;shadow&quot;:{&quot;colorType&quot;:0},&quot;threeD&quot;:{&quot;curvedSurface&quot;:{&quot;brightness&quot;:0,&quot;colorType&quot;:2,&quot;rgb&quot;:&quot;#000000&quot;},&quot;depth&quot;:{&quot;colorType&quot;:0}}},&quot;text&quot;:{&quot;fill&quot;:{&quot;solid&quot;:{&quot;brightness&quot;:0,&quot;colorType&quot;:1,&quot;foreColorIndex&quot;:5,&quot;transparency&quot;:0},&quot;type&quot;:1},&quot;glow&quot;:{&quot;colorType&quot;:0},&quot;line&quot;:{&quot;type&quot;:0},&quot;shadow&quot;:{&quot;colorType&quot;:0},&quot;threeD&quot;:{&quot;curvedSurface&quot;:{&quot;brightness&quot;:0,&quot;colorType&quot;:2,&quot;rgb&quot;:&quot;#000000&quot;},&quot;depth&quot;:{&quot;colorType&quot;:0}}}}"/>
   <p:tag name="KSO_WM_DIAGRAM_VERSION" val="3"/>
   <p:tag name="KSO_WM_DIAGRAM_COLOR_TRICK" val="1"/>
   <p:tag name="KSO_WM_DIAGRAM_COLOR_TEXT_CAN_REMOVE" val="n"/>
-  <p:tag name="KSO_WM_DIAGRAM_GROUP_CODE" val="n1-1"/>
-  <p:tag name="KSO_WM_UNIT_TYPE" val="n_h_i"/>
-  <p:tag name="KSO_WM_UNIT_INDEX" val="1_1_1"/>
-  <p:tag name="KSO_WM_DIAGRAM_MAX_ITEMCNT" val="6"/>
-  <p:tag name="KSO_WM_DIAGRAM_MIN_ITEMCNT" val="2"/>
-  <p:tag name="KSO_WM_DIAGRAM_VIRTUALLY_FRAME" val="{&quot;height&quot;:372.9,&quot;left&quot;:53.57498779296875,&quot;top&quot;:83.6,&quot;width&quot;:852.9000244140625}"/>
-  <p:tag name="KSO_WM_DIAGRAM_COLOR_MATCH_VALUE" val="{&quot;shape&quot;:{&quot;fill&quot;:{&quot;gradient&quot;:[{&quot;brightness&quot;:0.800000011920929,&quot;colorType&quot;:1,&quot;foreColorIndex&quot;:5,&quot;pos&quot;:0,&quot;transparency&quot;:1},{&quot;brightness&quot;:0.800000011920929,&quot;colorType&quot;:1,&quot;foreColorIndex&quot;:5,&quot;pos&quot;:1,&quot;transparency&quot;:0.49000000953674316}],&quot;type&quot;:3},&quot;glow&quot;:{&quot;colorType&quot;:0},&quot;line&quot;:{&quot;type&quot;:0},&quot;shadow&quot;:{&quot;colorType&quot;:0},&quot;threeD&quot;:{&quot;curvedSurface&quot;:{&quot;brightness&quot;:0,&quot;colorType&quot;:2,&quot;rgb&quot;:&quot;#000000&quot;},&quot;depth&quot;:{&quot;colorType&quot;:0}}},&quot;text&quot;:{&quot;fill&quot;:{&quot;solid&quot;:{&quot;brightness&quot;:0,&quot;colorType&quot;:1,&quot;foreColorIndex&quot;:2,&quot;transparency&quot;:0},&quot;type&quot;:1},&quot;glow&quot;:{&quot;colorType&quot;:0},&quot;line&quot;:{&quot;type&quot;:0},&quot;shadow&quot;:{&quot;colorType&quot;:0},&quot;threeD&quot;:{&quot;curvedSurface&quot;:{&quot;brightness&quot;:0,&quot;colorType&quot;:2,&quot;rgb&quot;:&quot;#000000&quot;},&quot;depth&quot;:{&quot;colorType&quot;:0}}}}"/>
-  <p:tag name="KSO_WM_UNIT_FILL_TYPE" val="3"/>
-  <p:tag name="KSO_WM_DIAGRAM_USE_COLOR_VALUE" val="{&quot;color_scheme&quot;:1,&quot;color_type&quot;:1,&quot;theme_color_indexes&quot;:[]}"/>
+  <p:tag name="KSO_WM_UNIT_ISCONTENTSTITLE" val="0"/>
+  <p:tag name="KSO_WM_UNIT_ISNUMDGMTITLE" val="0"/>
+  <p:tag name="KSO_WM_UNIT_NOCLEAR" val="0"/>
+  <p:tag name="KSO_WM_UNIT_VALUE" val="10"/>
+  <p:tag name="KSO_WM_UNIT_HIGHLIGHT" val="0"/>
+  <p:tag name="KSO_WM_UNIT_COMPATIBLE" val="0"/>
+  <p:tag name="KSO_WM_UNIT_DIAGRAM_ISNUMVISUAL" val="0"/>
+  <p:tag name="KSO_WM_UNIT_DIAGRAM_ISREFERUNIT" val="0"/>
+  <p:tag name="KSO_WM_DIAGRAM_GROUP_CODE" val="l1-1"/>
+  <p:tag name="KSO_WM_UNIT_TYPE" val="l_h_a"/>
+  <p:tag name="KSO_WM_UNIT_INDEX" val="1_3_1"/>
+  <p:tag name="KSO_WM_UNIT_ID" val="diagram20237921_2*l_h_a*1_3_1"/>
+  <p:tag name="KSO_WM_TEMPLATE_CATEGORY" val="diagram"/>
+  <p:tag name="KSO_WM_TEMPLATE_INDEX" val="20237921"/>
+  <p:tag name="KSO_WM_UNIT_LAYERLEVEL" val="1_1_1"/>
+  <p:tag name="KSO_WM_TAG_VERSION" val="3.0"/>
+  <p:tag name="KSO_WM_BEAUTIFY_FLAG" val="#wm#"/>
+  <p:tag name="KSO_WM_UNIT_PRESET_TEXT" val="Your title here"/>
+  <p:tag name="KSO_WM_UNIT_TEXT_FILL_FORE_SCHEMECOLOR_INDEX" val="1"/>
+  <p:tag name="KSO_WM_UNIT_TEXT_FILL_TYPE" val="1"/>
 </p:tagLst>
 </file>
 
-<file path=ppt/tags/tag10.xml><?xml version="1.0" encoding="utf-8"?>
-<p:tagLst xmlns:p="http://schemas.openxmlformats.org/presentationml/2006/main">
+<file path=ppt/tags/tag14.xml><?xml version="1.0" encoding="utf-8"?>
+<p:tagLst xmlns:a="http://schemas.openxmlformats.org/drawingml/2006/main" xmlns:r="http://schemas.openxmlformats.org/officeDocument/2006/relationships" xmlns:p="http://schemas.openxmlformats.org/presentationml/2006/main">
+  <p:tag name="KSO_WM_UNIT_TEXT_FILL_FORE_SCHEMECOLOR_INDEX_BRIGHTNESS" val="0.15"/>
+  <p:tag name="KSO_WM_DIAGRAM_MAX_ITEMCNT" val="4"/>
+  <p:tag name="KSO_WM_DIAGRAM_MIN_ITEMCNT" val="2"/>
+  <p:tag name="KSO_WM_DIAGRAM_VIRTUALLY_FRAME" val="{&quot;height&quot;:351.67499847412114,&quot;left&quot;:54.80003326656315,&quot;top&quot;:179.30004089595764,&quot;width&quot;:854.6750061035157}"/>
+  <p:tag name="KSO_WM_DIAGRAM_COLOR_MATCH_VALUE" val="{&quot;shape&quot;:{&quot;fill&quot;:{&quot;type&quot;:0},&quot;glow&quot;:{&quot;colorType&quot;:0},&quot;line&quot;:{&quot;type&quot;:0},&quot;shadow&quot;:{&quot;colorType&quot;:0},&quot;threeD&quot;:{&quot;curvedSurface&quot;:{&quot;brightness&quot;:0,&quot;colorType&quot;:2,&quot;rgb&quot;:&quot;#000000&quot;},&quot;depth&quot;:{&quot;colorType&quot;:0}}},&quot;text&quot;:{&quot;fill&quot;:{&quot;solid&quot;:{&quot;brightness&quot;:0.15000000596046448,&quot;colorType&quot;:1,&quot;foreColorIndex&quot;:13,&quot;transparency&quot;:0},&quot;type&quot;:1},&quot;glow&quot;:{&quot;colorType&quot;:0},&quot;line&quot;:{&quot;type&quot;:0},&quot;shadow&quot;:{&quot;colorType&quot;:0},&quot;threeD&quot;:{&quot;curvedSurface&quot;:{&quot;brightness&quot;:0,&quot;colorType&quot;:2,&quot;rgb&quot;:&quot;#000000&quot;},&quot;depth&quot;:{&quot;colorType&quot;:0}}}}"/>
+  <p:tag name="KSO_WM_DIAGRAM_VERSION" val="3"/>
+  <p:tag name="KSO_WM_DIAGRAM_COLOR_TRICK" val="1"/>
+  <p:tag name="KSO_WM_DIAGRAM_COLOR_TEXT_CAN_REMOVE" val="n"/>
+  <p:tag name="KSO_WM_UNIT_SUBTYPE" val="a"/>
+  <p:tag name="KSO_WM_UNIT_NOCLEAR" val="0"/>
+  <p:tag name="KSO_WM_UNIT_VALUE" val="60"/>
+  <p:tag name="KSO_WM_UNIT_HIGHLIGHT" val="0"/>
+  <p:tag name="KSO_WM_UNIT_COMPATIBLE" val="0"/>
+  <p:tag name="KSO_WM_UNIT_DIAGRAM_ISNUMVISUAL" val="0"/>
+  <p:tag name="KSO_WM_UNIT_DIAGRAM_ISREFERUNIT" val="0"/>
+  <p:tag name="KSO_WM_DIAGRAM_GROUP_CODE" val="l1-1"/>
+  <p:tag name="KSO_WM_UNIT_TYPE" val="l_h_f"/>
+  <p:tag name="KSO_WM_UNIT_INDEX" val="1_3_1"/>
+  <p:tag name="KSO_WM_UNIT_ID" val="diagram20237921_2*l_h_f*1_3_1"/>
+  <p:tag name="KSO_WM_TEMPLATE_CATEGORY" val="diagram"/>
+  <p:tag name="KSO_WM_TEMPLATE_INDEX" val="20237921"/>
+  <p:tag name="KSO_WM_UNIT_LAYERLEVEL" val="1_1_1"/>
+  <p:tag name="KSO_WM_TAG_VERSION" val="3.0"/>
+  <p:tag name="KSO_WM_BEAUTIFY_FLAG" val="#wm#"/>
+  <p:tag name="KSO_WM_UNIT_PRESET_TEXT" val="Presentations are communication tools"/>
+  <p:tag name="KSO_WM_UNIT_TEXT_FILL_FORE_SCHEMECOLOR_INDEX" val="1"/>
+  <p:tag name="KSO_WM_UNIT_TEXT_FILL_TYPE" val="1"/>
+</p:tagLst>
+</file>
+
+<file path=ppt/tags/tag15.xml><?xml version="1.0" encoding="utf-8"?>
+<p:tagLst xmlns:a="http://schemas.openxmlformats.org/drawingml/2006/main" xmlns:r="http://schemas.openxmlformats.org/officeDocument/2006/relationships" xmlns:p="http://schemas.openxmlformats.org/presentationml/2006/main">
+  <p:tag name="KSO_WM_DIAGRAM_MAX_ITEMCNT" val="4"/>
+  <p:tag name="KSO_WM_DIAGRAM_MIN_ITEMCNT" val="2"/>
+  <p:tag name="KSO_WM_DIAGRAM_VIRTUALLY_FRAME" val="{&quot;height&quot;:351.67499847412114,&quot;left&quot;:54.80003326656315,&quot;top&quot;:179.30004089595764,&quot;width&quot;:854.6750061035157}"/>
+  <p:tag name="KSO_WM_DIAGRAM_COLOR_MATCH_VALUE" val="{&quot;shape&quot;:{&quot;fill&quot;:{&quot;solid&quot;:{&quot;brightness&quot;:0.6000000238418579,&quot;colorType&quot;:1,&quot;foreColorIndex&quot;:5,&quot;transparency&quot;:0.800000011920929},&quot;type&quot;:1},&quot;glow&quot;:{&quot;colorType&quot;:0},&quot;line&quot;:{&quot;type&quot;:0},&quot;shadow&quot;:{&quot;colorType&quot;:0},&quot;threeD&quot;:{&quot;curvedSurface&quot;:{&quot;brightness&quot;:0,&quot;colorType&quot;:2,&quot;rgb&quot;:&quot;#000000&quot;},&quot;depth&quot;:{&quot;colorType&quot;:0}}},&quot;text&quot;:{&quot;fill&quot;:{&quot;solid&quot;:{&quot;brightness&quot;:0,&quot;colorType&quot;:1,&quot;foreColorIndex&quot;:2,&quot;transparency&quot;:0},&quot;type&quot;:1},&quot;glow&quot;:{&quot;colorType&quot;:0},&quot;line&quot;:{&quot;type&quot;:0},&quot;shadow&quot;:{&quot;colorType&quot;:0},&quot;threeD&quot;:{&quot;curvedSurface&quot;:{&quot;brightness&quot;:0,&quot;colorType&quot;:2,&quot;rgb&quot;:&quot;#000000&quot;},&quot;depth&quot;:{&quot;colorType&quot;:0}}}}"/>
+  <p:tag name="KSO_WM_DIAGRAM_VERSION" val="3"/>
+  <p:tag name="KSO_WM_DIAGRAM_COLOR_TRICK" val="1"/>
+  <p:tag name="KSO_WM_DIAGRAM_COLOR_TEXT_CAN_REMOVE" val="n"/>
+  <p:tag name="KSO_WM_UNIT_HIGHLIGHT" val="0"/>
+  <p:tag name="KSO_WM_UNIT_COMPATIBLE" val="0"/>
+  <p:tag name="KSO_WM_UNIT_DIAGRAM_ISNUMVISUAL" val="0"/>
+  <p:tag name="KSO_WM_UNIT_DIAGRAM_ISREFERUNIT" val="0"/>
+  <p:tag name="KSO_WM_DIAGRAM_GROUP_CODE" val="l1-1"/>
+  <p:tag name="KSO_WM_UNIT_TYPE" val="l_h_i"/>
+  <p:tag name="KSO_WM_UNIT_INDEX" val="1_1_1"/>
+  <p:tag name="KSO_WM_UNIT_ID" val="diagram20237921_2*l_h_i*1_1_1"/>
+  <p:tag name="KSO_WM_TEMPLATE_CATEGORY" val="diagram"/>
+  <p:tag name="KSO_WM_TEMPLATE_INDEX" val="20237921"/>
+  <p:tag name="KSO_WM_UNIT_LAYERLEVEL" val="1_1_1"/>
+  <p:tag name="KSO_WM_TAG_VERSION" val="3.0"/>
+  <p:tag name="KSO_WM_BEAUTIFY_FLAG" val="#wm#"/>
+  <p:tag name="KSO_WM_UNIT_FILL_TYPE" val="1"/>
+  <p:tag name="KSO_WM_UNIT_FILL_FORE_SCHEMECOLOR_INDEX" val="5"/>
+  <p:tag name="KSO_WM_UNIT_FILL_FORE_SCHEMECOLOR_INDEX_BRIGHTNESS" val="0.6"/>
+</p:tagLst>
+</file>
+
+<file path=ppt/tags/tag16.xml><?xml version="1.0" encoding="utf-8"?>
+<p:tagLst xmlns:a="http://schemas.openxmlformats.org/drawingml/2006/main" xmlns:r="http://schemas.openxmlformats.org/officeDocument/2006/relationships" xmlns:p="http://schemas.openxmlformats.org/presentationml/2006/main">
+  <p:tag name="KSO_WM_UNIT_TEXT_FILL_FORE_SCHEMECOLOR_INDEX_BRIGHTNESS" val="0.15"/>
+  <p:tag name="KSO_WM_DIAGRAM_MAX_ITEMCNT" val="4"/>
+  <p:tag name="KSO_WM_DIAGRAM_MIN_ITEMCNT" val="2"/>
+  <p:tag name="KSO_WM_DIAGRAM_VIRTUALLY_FRAME" val="{&quot;height&quot;:351.67499847412114,&quot;left&quot;:54.80003326656315,&quot;top&quot;:179.30004089595764,&quot;width&quot;:854.6750061035157}"/>
+  <p:tag name="KSO_WM_DIAGRAM_COLOR_MATCH_VALUE" val="{&quot;shape&quot;:{&quot;fill&quot;:{&quot;type&quot;:0},&quot;glow&quot;:{&quot;colorType&quot;:0},&quot;line&quot;:{&quot;type&quot;:0},&quot;shadow&quot;:{&quot;colorType&quot;:0},&quot;threeD&quot;:{&quot;curvedSurface&quot;:{&quot;brightness&quot;:0,&quot;colorType&quot;:2,&quot;rgb&quot;:&quot;#000000&quot;},&quot;depth&quot;:{&quot;colorType&quot;:0}}},&quot;text&quot;:{&quot;fill&quot;:{&quot;solid&quot;:{&quot;brightness&quot;:0,&quot;colorType&quot;:1,&quot;foreColorIndex&quot;:5,&quot;transparency&quot;:0},&quot;type&quot;:1},&quot;glow&quot;:{&quot;colorType&quot;:0},&quot;line&quot;:{&quot;type&quot;:0},&quot;shadow&quot;:{&quot;colorType&quot;:0},&quot;threeD&quot;:{&quot;curvedSurface&quot;:{&quot;brightness&quot;:0,&quot;colorType&quot;:2,&quot;rgb&quot;:&quot;#000000&quot;},&quot;depth&quot;:{&quot;colorType&quot;:0}}}}"/>
+  <p:tag name="KSO_WM_DIAGRAM_VERSION" val="3"/>
+  <p:tag name="KSO_WM_DIAGRAM_COLOR_TRICK" val="1"/>
+  <p:tag name="KSO_WM_DIAGRAM_COLOR_TEXT_CAN_REMOVE" val="n"/>
+  <p:tag name="KSO_WM_UNIT_ISCONTENTSTITLE" val="0"/>
+  <p:tag name="KSO_WM_UNIT_ISNUMDGMTITLE" val="0"/>
+  <p:tag name="KSO_WM_UNIT_NOCLEAR" val="0"/>
+  <p:tag name="KSO_WM_UNIT_VALUE" val="10"/>
+  <p:tag name="KSO_WM_UNIT_HIGHLIGHT" val="0"/>
+  <p:tag name="KSO_WM_UNIT_COMPATIBLE" val="0"/>
+  <p:tag name="KSO_WM_UNIT_DIAGRAM_ISNUMVISUAL" val="0"/>
+  <p:tag name="KSO_WM_UNIT_DIAGRAM_ISREFERUNIT" val="0"/>
+  <p:tag name="KSO_WM_DIAGRAM_GROUP_CODE" val="l1-1"/>
+  <p:tag name="KSO_WM_UNIT_TYPE" val="l_h_a"/>
+  <p:tag name="KSO_WM_UNIT_INDEX" val="1_1_1"/>
+  <p:tag name="KSO_WM_UNIT_ID" val="diagram20237921_2*l_h_a*1_1_1"/>
+  <p:tag name="KSO_WM_TEMPLATE_CATEGORY" val="diagram"/>
+  <p:tag name="KSO_WM_TEMPLATE_INDEX" val="20237921"/>
+  <p:tag name="KSO_WM_UNIT_LAYERLEVEL" val="1_1_1"/>
+  <p:tag name="KSO_WM_TAG_VERSION" val="3.0"/>
+  <p:tag name="KSO_WM_BEAUTIFY_FLAG" val="#wm#"/>
+  <p:tag name="KSO_WM_UNIT_PRESET_TEXT" val="Your title here"/>
+  <p:tag name="KSO_WM_UNIT_TEXT_FILL_FORE_SCHEMECOLOR_INDEX" val="1"/>
+  <p:tag name="KSO_WM_UNIT_TEXT_FILL_TYPE" val="1"/>
+</p:tagLst>
+</file>
+
+<file path=ppt/tags/tag17.xml><?xml version="1.0" encoding="utf-8"?>
+<p:tagLst xmlns:a="http://schemas.openxmlformats.org/drawingml/2006/main" xmlns:r="http://schemas.openxmlformats.org/officeDocument/2006/relationships" xmlns:p="http://schemas.openxmlformats.org/presentationml/2006/main">
+  <p:tag name="KSO_WM_UNIT_TEXT_FILL_FORE_SCHEMECOLOR_INDEX_BRIGHTNESS" val="0.15"/>
+  <p:tag name="KSO_WM_DIAGRAM_MAX_ITEMCNT" val="4"/>
+  <p:tag name="KSO_WM_DIAGRAM_MIN_ITEMCNT" val="2"/>
+  <p:tag name="KSO_WM_DIAGRAM_VIRTUALLY_FRAME" val="{&quot;height&quot;:351.67499847412114,&quot;left&quot;:54.80003326656315,&quot;top&quot;:179.30004089595764,&quot;width&quot;:854.6750061035157}"/>
+  <p:tag name="KSO_WM_DIAGRAM_COLOR_MATCH_VALUE" val="{&quot;shape&quot;:{&quot;fill&quot;:{&quot;type&quot;:0},&quot;glow&quot;:{&quot;colorType&quot;:0},&quot;line&quot;:{&quot;type&quot;:0},&quot;shadow&quot;:{&quot;colorType&quot;:0},&quot;threeD&quot;:{&quot;curvedSurface&quot;:{&quot;brightness&quot;:0,&quot;colorType&quot;:2,&quot;rgb&quot;:&quot;#000000&quot;},&quot;depth&quot;:{&quot;colorType&quot;:0}}},&quot;text&quot;:{&quot;fill&quot;:{&quot;solid&quot;:{&quot;brightness&quot;:0.15000000596046448,&quot;colorType&quot;:1,&quot;foreColorIndex&quot;:13,&quot;transparency&quot;:0},&quot;type&quot;:1},&quot;glow&quot;:{&quot;colorType&quot;:0},&quot;line&quot;:{&quot;type&quot;:0},&quot;shadow&quot;:{&quot;colorType&quot;:0},&quot;threeD&quot;:{&quot;curvedSurface&quot;:{&quot;brightness&quot;:0,&quot;colorType&quot;:2,&quot;rgb&quot;:&quot;#000000&quot;},&quot;depth&quot;:{&quot;colorType&quot;:0}}}}"/>
+  <p:tag name="KSO_WM_DIAGRAM_VERSION" val="3"/>
+  <p:tag name="KSO_WM_DIAGRAM_COLOR_TRICK" val="1"/>
+  <p:tag name="KSO_WM_DIAGRAM_COLOR_TEXT_CAN_REMOVE" val="n"/>
+  <p:tag name="KSO_WM_UNIT_SUBTYPE" val="a"/>
+  <p:tag name="KSO_WM_UNIT_NOCLEAR" val="0"/>
+  <p:tag name="KSO_WM_UNIT_VALUE" val="60"/>
+  <p:tag name="KSO_WM_UNIT_HIGHLIGHT" val="0"/>
+  <p:tag name="KSO_WM_UNIT_COMPATIBLE" val="0"/>
+  <p:tag name="KSO_WM_UNIT_DIAGRAM_ISNUMVISUAL" val="0"/>
+  <p:tag name="KSO_WM_UNIT_DIAGRAM_ISREFERUNIT" val="0"/>
+  <p:tag name="KSO_WM_DIAGRAM_GROUP_CODE" val="l1-1"/>
+  <p:tag name="KSO_WM_UNIT_TYPE" val="l_h_f"/>
+  <p:tag name="KSO_WM_UNIT_INDEX" val="1_1_1"/>
+  <p:tag name="KSO_WM_UNIT_ID" val="diagram20237921_2*l_h_f*1_1_1"/>
+  <p:tag name="KSO_WM_TEMPLATE_CATEGORY" val="diagram"/>
+  <p:tag name="KSO_WM_TEMPLATE_INDEX" val="20237921"/>
+  <p:tag name="KSO_WM_UNIT_LAYERLEVEL" val="1_1_1"/>
+  <p:tag name="KSO_WM_TAG_VERSION" val="3.0"/>
+  <p:tag name="KSO_WM_BEAUTIFY_FLAG" val="#wm#"/>
+  <p:tag name="KSO_WM_UNIT_PRESET_TEXT" val="Presentations are communication tools"/>
+  <p:tag name="KSO_WM_UNIT_TEXT_FILL_FORE_SCHEMECOLOR_INDEX" val="1"/>
+  <p:tag name="KSO_WM_UNIT_TEXT_FILL_TYPE" val="1"/>
+</p:tagLst>
+</file>
+
+<file path=ppt/tags/tag18.xml><?xml version="1.0" encoding="utf-8"?>
+<p:tagLst xmlns:a="http://schemas.openxmlformats.org/drawingml/2006/main" xmlns:r="http://schemas.openxmlformats.org/officeDocument/2006/relationships" xmlns:p="http://schemas.openxmlformats.org/presentationml/2006/main">
+  <p:tag name="KSO_WM_DIAGRAM_MAX_ITEMCNT" val="4"/>
+  <p:tag name="KSO_WM_DIAGRAM_MIN_ITEMCNT" val="2"/>
+  <p:tag name="KSO_WM_DIAGRAM_VIRTUALLY_FRAME" val="{&quot;height&quot;:351.67499847412114,&quot;left&quot;:54.80003326656315,&quot;top&quot;:179.30004089595764,&quot;width&quot;:854.6750061035157}"/>
+  <p:tag name="KSO_WM_DIAGRAM_COLOR_MATCH_VALUE" val="{&quot;shape&quot;:{&quot;fill&quot;:{&quot;solid&quot;:{&quot;brightness&quot;:0.6000000238418579,&quot;colorType&quot;:1,&quot;foreColorIndex&quot;:5,&quot;transparency&quot;:0.800000011920929},&quot;type&quot;:1},&quot;glow&quot;:{&quot;colorType&quot;:0},&quot;line&quot;:{&quot;type&quot;:0},&quot;shadow&quot;:{&quot;colorType&quot;:0},&quot;threeD&quot;:{&quot;curvedSurface&quot;:{&quot;brightness&quot;:0,&quot;colorType&quot;:2,&quot;rgb&quot;:&quot;#000000&quot;},&quot;depth&quot;:{&quot;colorType&quot;:0}}},&quot;text&quot;:{&quot;fill&quot;:{&quot;solid&quot;:{&quot;brightness&quot;:0,&quot;colorType&quot;:1,&quot;foreColorIndex&quot;:2,&quot;transparency&quot;:0},&quot;type&quot;:1},&quot;glow&quot;:{&quot;colorType&quot;:0},&quot;line&quot;:{&quot;type&quot;:0},&quot;shadow&quot;:{&quot;colorType&quot;:0},&quot;threeD&quot;:{&quot;curvedSurface&quot;:{&quot;brightness&quot;:0,&quot;colorType&quot;:2,&quot;rgb&quot;:&quot;#000000&quot;},&quot;depth&quot;:{&quot;colorType&quot;:0}}}}"/>
+  <p:tag name="KSO_WM_DIAGRAM_VERSION" val="3"/>
+  <p:tag name="KSO_WM_DIAGRAM_COLOR_TRICK" val="1"/>
+  <p:tag name="KSO_WM_DIAGRAM_COLOR_TEXT_CAN_REMOVE" val="n"/>
+  <p:tag name="KSO_WM_UNIT_HIGHLIGHT" val="0"/>
+  <p:tag name="KSO_WM_UNIT_COMPATIBLE" val="0"/>
+  <p:tag name="KSO_WM_UNIT_DIAGRAM_ISNUMVISUAL" val="0"/>
+  <p:tag name="KSO_WM_UNIT_DIAGRAM_ISREFERUNIT" val="0"/>
+  <p:tag name="KSO_WM_DIAGRAM_GROUP_CODE" val="l1-1"/>
+  <p:tag name="KSO_WM_UNIT_TYPE" val="l_h_i"/>
+  <p:tag name="KSO_WM_UNIT_INDEX" val="1_2_1"/>
+  <p:tag name="KSO_WM_UNIT_ID" val="diagram20237921_2*l_h_i*1_2_1"/>
+  <p:tag name="KSO_WM_TEMPLATE_CATEGORY" val="diagram"/>
+  <p:tag name="KSO_WM_TEMPLATE_INDEX" val="20237921"/>
+  <p:tag name="KSO_WM_UNIT_LAYERLEVEL" val="1_1_1"/>
+  <p:tag name="KSO_WM_TAG_VERSION" val="3.0"/>
+  <p:tag name="KSO_WM_BEAUTIFY_FLAG" val="#wm#"/>
+  <p:tag name="KSO_WM_UNIT_FILL_TYPE" val="1"/>
+  <p:tag name="KSO_WM_UNIT_FILL_FORE_SCHEMECOLOR_INDEX" val="5"/>
+  <p:tag name="KSO_WM_UNIT_FILL_FORE_SCHEMECOLOR_INDEX_BRIGHTNESS" val="0.6"/>
+</p:tagLst>
+</file>
+
+<file path=ppt/tags/tag19.xml><?xml version="1.0" encoding="utf-8"?>
+<p:tagLst xmlns:a="http://schemas.openxmlformats.org/drawingml/2006/main" xmlns:r="http://schemas.openxmlformats.org/officeDocument/2006/relationships" xmlns:p="http://schemas.openxmlformats.org/presentationml/2006/main">
   <p:tag name="KSO_WM_UNIT_TEXT_FILL_FORE_SCHEMECOLOR_INDEX_BRIGHTNESS" val="0.15"/>
   <p:tag name="KSO_WM_DIAGRAM_MAX_ITEMCNT" val="4"/>
   <p:tag name="KSO_WM_DIAGRAM_MIN_ITEMCNT" val="2"/>
@@ -8872,8 +12705,36 @@
 </p:tagLst>
 </file>
 
-<file path=ppt/tags/tag11.xml><?xml version="1.0" encoding="utf-8"?>
-<p:tagLst xmlns:p="http://schemas.openxmlformats.org/presentationml/2006/main">
+<file path=ppt/tags/tag2.xml><?xml version="1.0" encoding="utf-8"?>
+<p:tagLst xmlns:a="http://schemas.openxmlformats.org/drawingml/2006/main" xmlns:r="http://schemas.openxmlformats.org/officeDocument/2006/relationships" xmlns:p="http://schemas.openxmlformats.org/presentationml/2006/main">
+  <p:tag name="KSO_WM_UNIT_HIGHLIGHT" val="0"/>
+  <p:tag name="KSO_WM_UNIT_COMPATIBLE" val="0"/>
+  <p:tag name="KSO_WM_UNIT_DIAGRAM_ISNUMVISUAL" val="0"/>
+  <p:tag name="KSO_WM_UNIT_DIAGRAM_ISREFERUNIT" val="0"/>
+  <p:tag name="KSO_WM_UNIT_ID" val="diagram20238176_2*n_h_i*1_1_2"/>
+  <p:tag name="KSO_WM_TEMPLATE_CATEGORY" val="diagram"/>
+  <p:tag name="KSO_WM_TEMPLATE_INDEX" val="20238176"/>
+  <p:tag name="KSO_WM_UNIT_LAYERLEVEL" val="1_1_1"/>
+  <p:tag name="KSO_WM_TAG_VERSION" val="3.0"/>
+  <p:tag name="KSO_WM_DIAGRAM_VERSION" val="3"/>
+  <p:tag name="KSO_WM_DIAGRAM_COLOR_TRICK" val="1"/>
+  <p:tag name="KSO_WM_DIAGRAM_COLOR_TEXT_CAN_REMOVE" val="n"/>
+  <p:tag name="KSO_WM_DIAGRAM_GROUP_CODE" val="n1-1"/>
+  <p:tag name="KSO_WM_UNIT_TYPE" val="n_h_i"/>
+  <p:tag name="KSO_WM_UNIT_INDEX" val="1_1_2"/>
+  <p:tag name="KSO_WM_DIAGRAM_MAX_ITEMCNT" val="6"/>
+  <p:tag name="KSO_WM_DIAGRAM_MIN_ITEMCNT" val="2"/>
+  <p:tag name="KSO_WM_DIAGRAM_VIRTUALLY_FRAME" val="{&quot;height&quot;:372.9,&quot;left&quot;:53.57498779296875,&quot;top&quot;:83.6,&quot;width&quot;:852.9000244140625}"/>
+  <p:tag name="KSO_WM_DIAGRAM_COLOR_MATCH_VALUE" val="{&quot;shape&quot;:{&quot;fill&quot;:{&quot;solid&quot;:{&quot;brightness&quot;:0.800000011920929,&quot;colorType&quot;:1,&quot;foreColorIndex&quot;:5,&quot;transparency&quot;:0.4000000059604645},&quot;type&quot;:1},&quot;glow&quot;:{&quot;colorType&quot;:0},&quot;line&quot;:{&quot;type&quot;:0},&quot;shadow&quot;:{&quot;colorType&quot;:0},&quot;threeD&quot;:{&quot;curvedSurface&quot;:{&quot;brightness&quot;:0,&quot;colorType&quot;:2,&quot;rgb&quot;:&quot;#000000&quot;},&quot;depth&quot;:{&quot;colorType&quot;:0}}},&quot;text&quot;:{&quot;fill&quot;:{&quot;solid&quot;:{&quot;brightness&quot;:0,&quot;colorType&quot;:1,&quot;foreColorIndex&quot;:2,&quot;transparency&quot;:0},&quot;type&quot;:1},&quot;glow&quot;:{&quot;colorType&quot;:0},&quot;line&quot;:{&quot;type&quot;:0},&quot;shadow&quot;:{&quot;colorType&quot;:0},&quot;threeD&quot;:{&quot;curvedSurface&quot;:{&quot;brightness&quot;:0,&quot;colorType&quot;:2,&quot;rgb&quot;:&quot;#000000&quot;},&quot;depth&quot;:{&quot;colorType&quot;:0}}}}"/>
+  <p:tag name="KSO_WM_UNIT_FILL_TYPE" val="1"/>
+  <p:tag name="KSO_WM_UNIT_FILL_FORE_SCHEMECOLOR_INDEX" val="5"/>
+  <p:tag name="KSO_WM_UNIT_FILL_FORE_SCHEMECOLOR_INDEX_BRIGHTNESS" val="0.8"/>
+  <p:tag name="KSO_WM_DIAGRAM_USE_COLOR_VALUE" val="{&quot;color_scheme&quot;:1,&quot;color_type&quot;:1,&quot;theme_color_indexes&quot;:[]}"/>
+</p:tagLst>
+</file>
+
+<file path=ppt/tags/tag20.xml><?xml version="1.0" encoding="utf-8"?>
+<p:tagLst xmlns:a="http://schemas.openxmlformats.org/drawingml/2006/main" xmlns:r="http://schemas.openxmlformats.org/officeDocument/2006/relationships" xmlns:p="http://schemas.openxmlformats.org/presentationml/2006/main">
   <p:tag name="KSO_WM_UNIT_TEXT_FILL_FORE_SCHEMECOLOR_INDEX_BRIGHTNESS" val="0.15"/>
   <p:tag name="KSO_WM_DIAGRAM_MAX_ITEMCNT" val="4"/>
   <p:tag name="KSO_WM_DIAGRAM_MIN_ITEMCNT" val="2"/>
@@ -8904,232 +12765,8 @@
 </p:tagLst>
 </file>
 
-<file path=ppt/tags/tag12.xml><?xml version="1.0" encoding="utf-8"?>
-<p:tagLst xmlns:p="http://schemas.openxmlformats.org/presentationml/2006/main">
-  <p:tag name="KSO_WM_DIAGRAM_VIRTUALLY_FRAME" val="{&quot;height&quot;:351.67499847412114,&quot;left&quot;:54.80003326656315,&quot;top&quot;:179.30004089595764,&quot;width&quot;:850.4500122070312}"/>
-</p:tagLst>
-</file>
-
-<file path=ppt/tags/tag13.xml><?xml version="1.0" encoding="utf-8"?>
-<p:tagLst xmlns:p="http://schemas.openxmlformats.org/presentationml/2006/main">
-  <p:tag name="KSO_WM_DIAGRAM_MAX_ITEMCNT" val="4"/>
-  <p:tag name="KSO_WM_DIAGRAM_MIN_ITEMCNT" val="2"/>
-  <p:tag name="KSO_WM_DIAGRAM_VIRTUALLY_FRAME" val="{&quot;height&quot;:351.67499847412114,&quot;left&quot;:54.80003326656315,&quot;top&quot;:179.30004089595764,&quot;width&quot;:854.6750061035157}"/>
-  <p:tag name="KSO_WM_DIAGRAM_COLOR_MATCH_VALUE" val="{&quot;shape&quot;:{&quot;fill&quot;:{&quot;solid&quot;:{&quot;brightness&quot;:0.6000000238418579,&quot;colorType&quot;:1,&quot;foreColorIndex&quot;:5,&quot;transparency&quot;:0.800000011920929},&quot;type&quot;:1},&quot;glow&quot;:{&quot;colorType&quot;:0},&quot;line&quot;:{&quot;type&quot;:0},&quot;shadow&quot;:{&quot;colorType&quot;:0},&quot;threeD&quot;:{&quot;curvedSurface&quot;:{&quot;brightness&quot;:0,&quot;colorType&quot;:2,&quot;rgb&quot;:&quot;#000000&quot;},&quot;depth&quot;:{&quot;colorType&quot;:0}}},&quot;text&quot;:{&quot;fill&quot;:{&quot;solid&quot;:{&quot;brightness&quot;:0,&quot;colorType&quot;:1,&quot;foreColorIndex&quot;:2,&quot;transparency&quot;:0},&quot;type&quot;:1},&quot;glow&quot;:{&quot;colorType&quot;:0},&quot;line&quot;:{&quot;type&quot;:0},&quot;shadow&quot;:{&quot;colorType&quot;:0},&quot;threeD&quot;:{&quot;curvedSurface&quot;:{&quot;brightness&quot;:0,&quot;colorType&quot;:2,&quot;rgb&quot;:&quot;#000000&quot;},&quot;depth&quot;:{&quot;colorType&quot;:0}}}}"/>
-  <p:tag name="KSO_WM_DIAGRAM_VERSION" val="3"/>
-  <p:tag name="KSO_WM_DIAGRAM_COLOR_TRICK" val="1"/>
-  <p:tag name="KSO_WM_DIAGRAM_COLOR_TEXT_CAN_REMOVE" val="n"/>
-  <p:tag name="KSO_WM_UNIT_HIGHLIGHT" val="0"/>
-  <p:tag name="KSO_WM_UNIT_COMPATIBLE" val="0"/>
-  <p:tag name="KSO_WM_UNIT_DIAGRAM_ISNUMVISUAL" val="0"/>
-  <p:tag name="KSO_WM_UNIT_DIAGRAM_ISREFERUNIT" val="0"/>
-  <p:tag name="KSO_WM_DIAGRAM_GROUP_CODE" val="l1-1"/>
-  <p:tag name="KSO_WM_UNIT_TYPE" val="l_h_i"/>
-  <p:tag name="KSO_WM_UNIT_INDEX" val="1_1_1"/>
-  <p:tag name="KSO_WM_UNIT_ID" val="diagram20237921_2*l_h_i*1_1_1"/>
-  <p:tag name="KSO_WM_TEMPLATE_CATEGORY" val="diagram"/>
-  <p:tag name="KSO_WM_TEMPLATE_INDEX" val="20237921"/>
-  <p:tag name="KSO_WM_UNIT_LAYERLEVEL" val="1_1_1"/>
-  <p:tag name="KSO_WM_TAG_VERSION" val="3.0"/>
-  <p:tag name="KSO_WM_BEAUTIFY_FLAG" val="#wm#"/>
-  <p:tag name="KSO_WM_UNIT_FILL_TYPE" val="1"/>
-  <p:tag name="KSO_WM_UNIT_FILL_FORE_SCHEMECOLOR_INDEX" val="5"/>
-  <p:tag name="KSO_WM_UNIT_FILL_FORE_SCHEMECOLOR_INDEX_BRIGHTNESS" val="0.6"/>
-</p:tagLst>
-</file>
-
-<file path=ppt/tags/tag14.xml><?xml version="1.0" encoding="utf-8"?>
-<p:tagLst xmlns:p="http://schemas.openxmlformats.org/presentationml/2006/main">
-  <p:tag name="KSO_WM_UNIT_TEXT_FILL_FORE_SCHEMECOLOR_INDEX_BRIGHTNESS" val="0.15"/>
-  <p:tag name="KSO_WM_DIAGRAM_MAX_ITEMCNT" val="4"/>
-  <p:tag name="KSO_WM_DIAGRAM_MIN_ITEMCNT" val="2"/>
-  <p:tag name="KSO_WM_DIAGRAM_VIRTUALLY_FRAME" val="{&quot;height&quot;:351.67499847412114,&quot;left&quot;:54.80003326656315,&quot;top&quot;:179.30004089595764,&quot;width&quot;:854.6750061035157}"/>
-  <p:tag name="KSO_WM_DIAGRAM_COLOR_MATCH_VALUE" val="{&quot;shape&quot;:{&quot;fill&quot;:{&quot;type&quot;:0},&quot;glow&quot;:{&quot;colorType&quot;:0},&quot;line&quot;:{&quot;type&quot;:0},&quot;shadow&quot;:{&quot;colorType&quot;:0},&quot;threeD&quot;:{&quot;curvedSurface&quot;:{&quot;brightness&quot;:0,&quot;colorType&quot;:2,&quot;rgb&quot;:&quot;#000000&quot;},&quot;depth&quot;:{&quot;colorType&quot;:0}}},&quot;text&quot;:{&quot;fill&quot;:{&quot;solid&quot;:{&quot;brightness&quot;:0,&quot;colorType&quot;:1,&quot;foreColorIndex&quot;:5,&quot;transparency&quot;:0},&quot;type&quot;:1},&quot;glow&quot;:{&quot;colorType&quot;:0},&quot;line&quot;:{&quot;type&quot;:0},&quot;shadow&quot;:{&quot;colorType&quot;:0},&quot;threeD&quot;:{&quot;curvedSurface&quot;:{&quot;brightness&quot;:0,&quot;colorType&quot;:2,&quot;rgb&quot;:&quot;#000000&quot;},&quot;depth&quot;:{&quot;colorType&quot;:0}}}}"/>
-  <p:tag name="KSO_WM_DIAGRAM_VERSION" val="3"/>
-  <p:tag name="KSO_WM_DIAGRAM_COLOR_TRICK" val="1"/>
-  <p:tag name="KSO_WM_DIAGRAM_COLOR_TEXT_CAN_REMOVE" val="n"/>
-  <p:tag name="KSO_WM_UNIT_ISCONTENTSTITLE" val="0"/>
-  <p:tag name="KSO_WM_UNIT_ISNUMDGMTITLE" val="0"/>
-  <p:tag name="KSO_WM_UNIT_NOCLEAR" val="0"/>
-  <p:tag name="KSO_WM_UNIT_VALUE" val="10"/>
-  <p:tag name="KSO_WM_UNIT_HIGHLIGHT" val="0"/>
-  <p:tag name="KSO_WM_UNIT_COMPATIBLE" val="0"/>
-  <p:tag name="KSO_WM_UNIT_DIAGRAM_ISNUMVISUAL" val="0"/>
-  <p:tag name="KSO_WM_UNIT_DIAGRAM_ISREFERUNIT" val="0"/>
-  <p:tag name="KSO_WM_DIAGRAM_GROUP_CODE" val="l1-1"/>
-  <p:tag name="KSO_WM_UNIT_TYPE" val="l_h_a"/>
-  <p:tag name="KSO_WM_UNIT_INDEX" val="1_1_1"/>
-  <p:tag name="KSO_WM_UNIT_ID" val="diagram20237921_2*l_h_a*1_1_1"/>
-  <p:tag name="KSO_WM_TEMPLATE_CATEGORY" val="diagram"/>
-  <p:tag name="KSO_WM_TEMPLATE_INDEX" val="20237921"/>
-  <p:tag name="KSO_WM_UNIT_LAYERLEVEL" val="1_1_1"/>
-  <p:tag name="KSO_WM_TAG_VERSION" val="3.0"/>
-  <p:tag name="KSO_WM_BEAUTIFY_FLAG" val="#wm#"/>
-  <p:tag name="KSO_WM_UNIT_PRESET_TEXT" val="Your title here"/>
-  <p:tag name="KSO_WM_UNIT_TEXT_FILL_FORE_SCHEMECOLOR_INDEX" val="1"/>
-  <p:tag name="KSO_WM_UNIT_TEXT_FILL_TYPE" val="1"/>
-</p:tagLst>
-</file>
-
-<file path=ppt/tags/tag15.xml><?xml version="1.0" encoding="utf-8"?>
-<p:tagLst xmlns:p="http://schemas.openxmlformats.org/presentationml/2006/main">
-  <p:tag name="KSO_WM_UNIT_TEXT_FILL_FORE_SCHEMECOLOR_INDEX_BRIGHTNESS" val="0.15"/>
-  <p:tag name="KSO_WM_DIAGRAM_MAX_ITEMCNT" val="4"/>
-  <p:tag name="KSO_WM_DIAGRAM_MIN_ITEMCNT" val="2"/>
-  <p:tag name="KSO_WM_DIAGRAM_VIRTUALLY_FRAME" val="{&quot;height&quot;:351.67499847412114,&quot;left&quot;:54.80003326656315,&quot;top&quot;:179.30004089595764,&quot;width&quot;:854.6750061035157}"/>
-  <p:tag name="KSO_WM_DIAGRAM_COLOR_MATCH_VALUE" val="{&quot;shape&quot;:{&quot;fill&quot;:{&quot;type&quot;:0},&quot;glow&quot;:{&quot;colorType&quot;:0},&quot;line&quot;:{&quot;type&quot;:0},&quot;shadow&quot;:{&quot;colorType&quot;:0},&quot;threeD&quot;:{&quot;curvedSurface&quot;:{&quot;brightness&quot;:0,&quot;colorType&quot;:2,&quot;rgb&quot;:&quot;#000000&quot;},&quot;depth&quot;:{&quot;colorType&quot;:0}}},&quot;text&quot;:{&quot;fill&quot;:{&quot;solid&quot;:{&quot;brightness&quot;:0.15000000596046448,&quot;colorType&quot;:1,&quot;foreColorIndex&quot;:13,&quot;transparency&quot;:0},&quot;type&quot;:1},&quot;glow&quot;:{&quot;colorType&quot;:0},&quot;line&quot;:{&quot;type&quot;:0},&quot;shadow&quot;:{&quot;colorType&quot;:0},&quot;threeD&quot;:{&quot;curvedSurface&quot;:{&quot;brightness&quot;:0,&quot;colorType&quot;:2,&quot;rgb&quot;:&quot;#000000&quot;},&quot;depth&quot;:{&quot;colorType&quot;:0}}}}"/>
-  <p:tag name="KSO_WM_DIAGRAM_VERSION" val="3"/>
-  <p:tag name="KSO_WM_DIAGRAM_COLOR_TRICK" val="1"/>
-  <p:tag name="KSO_WM_DIAGRAM_COLOR_TEXT_CAN_REMOVE" val="n"/>
-  <p:tag name="KSO_WM_UNIT_SUBTYPE" val="a"/>
-  <p:tag name="KSO_WM_UNIT_NOCLEAR" val="0"/>
-  <p:tag name="KSO_WM_UNIT_VALUE" val="60"/>
-  <p:tag name="KSO_WM_UNIT_HIGHLIGHT" val="0"/>
-  <p:tag name="KSO_WM_UNIT_COMPATIBLE" val="0"/>
-  <p:tag name="KSO_WM_UNIT_DIAGRAM_ISNUMVISUAL" val="0"/>
-  <p:tag name="KSO_WM_UNIT_DIAGRAM_ISREFERUNIT" val="0"/>
-  <p:tag name="KSO_WM_DIAGRAM_GROUP_CODE" val="l1-1"/>
-  <p:tag name="KSO_WM_UNIT_TYPE" val="l_h_f"/>
-  <p:tag name="KSO_WM_UNIT_INDEX" val="1_1_1"/>
-  <p:tag name="KSO_WM_UNIT_ID" val="diagram20237921_2*l_h_f*1_1_1"/>
-  <p:tag name="KSO_WM_TEMPLATE_CATEGORY" val="diagram"/>
-  <p:tag name="KSO_WM_TEMPLATE_INDEX" val="20237921"/>
-  <p:tag name="KSO_WM_UNIT_LAYERLEVEL" val="1_1_1"/>
-  <p:tag name="KSO_WM_TAG_VERSION" val="3.0"/>
-  <p:tag name="KSO_WM_BEAUTIFY_FLAG" val="#wm#"/>
-  <p:tag name="KSO_WM_UNIT_PRESET_TEXT" val="Presentations are communication tools"/>
-  <p:tag name="KSO_WM_UNIT_TEXT_FILL_FORE_SCHEMECOLOR_INDEX" val="1"/>
-  <p:tag name="KSO_WM_UNIT_TEXT_FILL_TYPE" val="1"/>
-</p:tagLst>
-</file>
-
-<file path=ppt/tags/tag16.xml><?xml version="1.0" encoding="utf-8"?>
-<p:tagLst xmlns:p="http://schemas.openxmlformats.org/presentationml/2006/main">
-  <p:tag name="KSO_WM_DIAGRAM_VIRTUALLY_FRAME" val="{&quot;height&quot;:351.67499847412114,&quot;left&quot;:54.80003326656315,&quot;top&quot;:179.30004089595764,&quot;width&quot;:850.4500122070312}"/>
-</p:tagLst>
-</file>
-
-<file path=ppt/tags/tag17.xml><?xml version="1.0" encoding="utf-8"?>
-<p:tagLst xmlns:p="http://schemas.openxmlformats.org/presentationml/2006/main">
-  <p:tag name="KSO_WM_DIAGRAM_MAX_ITEMCNT" val="4"/>
-  <p:tag name="KSO_WM_DIAGRAM_MIN_ITEMCNT" val="2"/>
-  <p:tag name="KSO_WM_DIAGRAM_VIRTUALLY_FRAME" val="{&quot;height&quot;:351.67499847412114,&quot;left&quot;:54.80003326656315,&quot;top&quot;:179.30004089595764,&quot;width&quot;:854.6750061035157}"/>
-  <p:tag name="KSO_WM_DIAGRAM_COLOR_MATCH_VALUE" val="{&quot;shape&quot;:{&quot;fill&quot;:{&quot;solid&quot;:{&quot;brightness&quot;:0.6000000238418579,&quot;colorType&quot;:1,&quot;foreColorIndex&quot;:5,&quot;transparency&quot;:0.800000011920929},&quot;type&quot;:1},&quot;glow&quot;:{&quot;colorType&quot;:0},&quot;line&quot;:{&quot;type&quot;:0},&quot;shadow&quot;:{&quot;colorType&quot;:0},&quot;threeD&quot;:{&quot;curvedSurface&quot;:{&quot;brightness&quot;:0,&quot;colorType&quot;:2,&quot;rgb&quot;:&quot;#000000&quot;},&quot;depth&quot;:{&quot;colorType&quot;:0}}},&quot;text&quot;:{&quot;fill&quot;:{&quot;solid&quot;:{&quot;brightness&quot;:0,&quot;colorType&quot;:1,&quot;foreColorIndex&quot;:2,&quot;transparency&quot;:0},&quot;type&quot;:1},&quot;glow&quot;:{&quot;colorType&quot;:0},&quot;line&quot;:{&quot;type&quot;:0},&quot;shadow&quot;:{&quot;colorType&quot;:0},&quot;threeD&quot;:{&quot;curvedSurface&quot;:{&quot;brightness&quot;:0,&quot;colorType&quot;:2,&quot;rgb&quot;:&quot;#000000&quot;},&quot;depth&quot;:{&quot;colorType&quot;:0}}}}"/>
-  <p:tag name="KSO_WM_DIAGRAM_VERSION" val="3"/>
-  <p:tag name="KSO_WM_DIAGRAM_COLOR_TRICK" val="1"/>
-  <p:tag name="KSO_WM_DIAGRAM_COLOR_TEXT_CAN_REMOVE" val="n"/>
-  <p:tag name="KSO_WM_UNIT_HIGHLIGHT" val="0"/>
-  <p:tag name="KSO_WM_UNIT_COMPATIBLE" val="0"/>
-  <p:tag name="KSO_WM_UNIT_DIAGRAM_ISNUMVISUAL" val="0"/>
-  <p:tag name="KSO_WM_UNIT_DIAGRAM_ISREFERUNIT" val="0"/>
-  <p:tag name="KSO_WM_DIAGRAM_GROUP_CODE" val="l1-1"/>
-  <p:tag name="KSO_WM_UNIT_TYPE" val="l_h_i"/>
-  <p:tag name="KSO_WM_UNIT_INDEX" val="1_3_1"/>
-  <p:tag name="KSO_WM_UNIT_ID" val="diagram20237921_2*l_h_i*1_3_1"/>
-  <p:tag name="KSO_WM_TEMPLATE_CATEGORY" val="diagram"/>
-  <p:tag name="KSO_WM_TEMPLATE_INDEX" val="20237921"/>
-  <p:tag name="KSO_WM_UNIT_LAYERLEVEL" val="1_1_1"/>
-  <p:tag name="KSO_WM_TAG_VERSION" val="3.0"/>
-  <p:tag name="KSO_WM_BEAUTIFY_FLAG" val="#wm#"/>
-  <p:tag name="KSO_WM_UNIT_FILL_TYPE" val="1"/>
-  <p:tag name="KSO_WM_UNIT_FILL_FORE_SCHEMECOLOR_INDEX" val="5"/>
-  <p:tag name="KSO_WM_UNIT_FILL_FORE_SCHEMECOLOR_INDEX_BRIGHTNESS" val="0.6"/>
-</p:tagLst>
-</file>
-
-<file path=ppt/tags/tag18.xml><?xml version="1.0" encoding="utf-8"?>
-<p:tagLst xmlns:p="http://schemas.openxmlformats.org/presentationml/2006/main">
-  <p:tag name="KSO_WM_UNIT_TEXT_FILL_FORE_SCHEMECOLOR_INDEX_BRIGHTNESS" val="0.15"/>
-  <p:tag name="KSO_WM_DIAGRAM_MAX_ITEMCNT" val="4"/>
-  <p:tag name="KSO_WM_DIAGRAM_MIN_ITEMCNT" val="2"/>
-  <p:tag name="KSO_WM_DIAGRAM_VIRTUALLY_FRAME" val="{&quot;height&quot;:351.67499847412114,&quot;left&quot;:54.80003326656315,&quot;top&quot;:179.30004089595764,&quot;width&quot;:854.6750061035157}"/>
-  <p:tag name="KSO_WM_DIAGRAM_COLOR_MATCH_VALUE" val="{&quot;shape&quot;:{&quot;fill&quot;:{&quot;type&quot;:0},&quot;glow&quot;:{&quot;colorType&quot;:0},&quot;line&quot;:{&quot;type&quot;:0},&quot;shadow&quot;:{&quot;colorType&quot;:0},&quot;threeD&quot;:{&quot;curvedSurface&quot;:{&quot;brightness&quot;:0,&quot;colorType&quot;:2,&quot;rgb&quot;:&quot;#000000&quot;},&quot;depth&quot;:{&quot;colorType&quot;:0}}},&quot;text&quot;:{&quot;fill&quot;:{&quot;solid&quot;:{&quot;brightness&quot;:0,&quot;colorType&quot;:1,&quot;foreColorIndex&quot;:5,&quot;transparency&quot;:0},&quot;type&quot;:1},&quot;glow&quot;:{&quot;colorType&quot;:0},&quot;line&quot;:{&quot;type&quot;:0},&quot;shadow&quot;:{&quot;colorType&quot;:0},&quot;threeD&quot;:{&quot;curvedSurface&quot;:{&quot;brightness&quot;:0,&quot;colorType&quot;:2,&quot;rgb&quot;:&quot;#000000&quot;},&quot;depth&quot;:{&quot;colorType&quot;:0}}}}"/>
-  <p:tag name="KSO_WM_DIAGRAM_VERSION" val="3"/>
-  <p:tag name="KSO_WM_DIAGRAM_COLOR_TRICK" val="1"/>
-  <p:tag name="KSO_WM_DIAGRAM_COLOR_TEXT_CAN_REMOVE" val="n"/>
-  <p:tag name="KSO_WM_UNIT_ISCONTENTSTITLE" val="0"/>
-  <p:tag name="KSO_WM_UNIT_ISNUMDGMTITLE" val="0"/>
-  <p:tag name="KSO_WM_UNIT_NOCLEAR" val="0"/>
-  <p:tag name="KSO_WM_UNIT_VALUE" val="10"/>
-  <p:tag name="KSO_WM_UNIT_HIGHLIGHT" val="0"/>
-  <p:tag name="KSO_WM_UNIT_COMPATIBLE" val="0"/>
-  <p:tag name="KSO_WM_UNIT_DIAGRAM_ISNUMVISUAL" val="0"/>
-  <p:tag name="KSO_WM_UNIT_DIAGRAM_ISREFERUNIT" val="0"/>
-  <p:tag name="KSO_WM_DIAGRAM_GROUP_CODE" val="l1-1"/>
-  <p:tag name="KSO_WM_UNIT_TYPE" val="l_h_a"/>
-  <p:tag name="KSO_WM_UNIT_INDEX" val="1_3_1"/>
-  <p:tag name="KSO_WM_UNIT_ID" val="diagram20237921_2*l_h_a*1_3_1"/>
-  <p:tag name="KSO_WM_TEMPLATE_CATEGORY" val="diagram"/>
-  <p:tag name="KSO_WM_TEMPLATE_INDEX" val="20237921"/>
-  <p:tag name="KSO_WM_UNIT_LAYERLEVEL" val="1_1_1"/>
-  <p:tag name="KSO_WM_TAG_VERSION" val="3.0"/>
-  <p:tag name="KSO_WM_BEAUTIFY_FLAG" val="#wm#"/>
-  <p:tag name="KSO_WM_UNIT_PRESET_TEXT" val="Your title here"/>
-  <p:tag name="KSO_WM_UNIT_TEXT_FILL_FORE_SCHEMECOLOR_INDEX" val="1"/>
-  <p:tag name="KSO_WM_UNIT_TEXT_FILL_TYPE" val="1"/>
-</p:tagLst>
-</file>
-
-<file path=ppt/tags/tag19.xml><?xml version="1.0" encoding="utf-8"?>
-<p:tagLst xmlns:p="http://schemas.openxmlformats.org/presentationml/2006/main">
-  <p:tag name="KSO_WM_UNIT_TEXT_FILL_FORE_SCHEMECOLOR_INDEX_BRIGHTNESS" val="0.15"/>
-  <p:tag name="KSO_WM_DIAGRAM_MAX_ITEMCNT" val="4"/>
-  <p:tag name="KSO_WM_DIAGRAM_MIN_ITEMCNT" val="2"/>
-  <p:tag name="KSO_WM_DIAGRAM_VIRTUALLY_FRAME" val="{&quot;height&quot;:351.67499847412114,&quot;left&quot;:54.80003326656315,&quot;top&quot;:179.30004089595764,&quot;width&quot;:854.6750061035157}"/>
-  <p:tag name="KSO_WM_DIAGRAM_COLOR_MATCH_VALUE" val="{&quot;shape&quot;:{&quot;fill&quot;:{&quot;type&quot;:0},&quot;glow&quot;:{&quot;colorType&quot;:0},&quot;line&quot;:{&quot;type&quot;:0},&quot;shadow&quot;:{&quot;colorType&quot;:0},&quot;threeD&quot;:{&quot;curvedSurface&quot;:{&quot;brightness&quot;:0,&quot;colorType&quot;:2,&quot;rgb&quot;:&quot;#000000&quot;},&quot;depth&quot;:{&quot;colorType&quot;:0}}},&quot;text&quot;:{&quot;fill&quot;:{&quot;solid&quot;:{&quot;brightness&quot;:0.15000000596046448,&quot;colorType&quot;:1,&quot;foreColorIndex&quot;:13,&quot;transparency&quot;:0},&quot;type&quot;:1},&quot;glow&quot;:{&quot;colorType&quot;:0},&quot;line&quot;:{&quot;type&quot;:0},&quot;shadow&quot;:{&quot;colorType&quot;:0},&quot;threeD&quot;:{&quot;curvedSurface&quot;:{&quot;brightness&quot;:0,&quot;colorType&quot;:2,&quot;rgb&quot;:&quot;#000000&quot;},&quot;depth&quot;:{&quot;colorType&quot;:0}}}}"/>
-  <p:tag name="KSO_WM_DIAGRAM_VERSION" val="3"/>
-  <p:tag name="KSO_WM_DIAGRAM_COLOR_TRICK" val="1"/>
-  <p:tag name="KSO_WM_DIAGRAM_COLOR_TEXT_CAN_REMOVE" val="n"/>
-  <p:tag name="KSO_WM_UNIT_SUBTYPE" val="a"/>
-  <p:tag name="KSO_WM_UNIT_NOCLEAR" val="0"/>
-  <p:tag name="KSO_WM_UNIT_VALUE" val="60"/>
-  <p:tag name="KSO_WM_UNIT_HIGHLIGHT" val="0"/>
-  <p:tag name="KSO_WM_UNIT_COMPATIBLE" val="0"/>
-  <p:tag name="KSO_WM_UNIT_DIAGRAM_ISNUMVISUAL" val="0"/>
-  <p:tag name="KSO_WM_UNIT_DIAGRAM_ISREFERUNIT" val="0"/>
-  <p:tag name="KSO_WM_DIAGRAM_GROUP_CODE" val="l1-1"/>
-  <p:tag name="KSO_WM_UNIT_TYPE" val="l_h_f"/>
-  <p:tag name="KSO_WM_UNIT_INDEX" val="1_3_1"/>
-  <p:tag name="KSO_WM_UNIT_ID" val="diagram20237921_2*l_h_f*1_3_1"/>
-  <p:tag name="KSO_WM_TEMPLATE_CATEGORY" val="diagram"/>
-  <p:tag name="KSO_WM_TEMPLATE_INDEX" val="20237921"/>
-  <p:tag name="KSO_WM_UNIT_LAYERLEVEL" val="1_1_1"/>
-  <p:tag name="KSO_WM_TAG_VERSION" val="3.0"/>
-  <p:tag name="KSO_WM_BEAUTIFY_FLAG" val="#wm#"/>
-  <p:tag name="KSO_WM_UNIT_PRESET_TEXT" val="Presentations are communication tools"/>
-  <p:tag name="KSO_WM_UNIT_TEXT_FILL_FORE_SCHEMECOLOR_INDEX" val="1"/>
-  <p:tag name="KSO_WM_UNIT_TEXT_FILL_TYPE" val="1"/>
-</p:tagLst>
-</file>
-
-<file path=ppt/tags/tag2.xml><?xml version="1.0" encoding="utf-8"?>
-<p:tagLst xmlns:p="http://schemas.openxmlformats.org/presentationml/2006/main">
-  <p:tag name="KSO_WM_UNIT_HIGHLIGHT" val="0"/>
-  <p:tag name="KSO_WM_UNIT_COMPATIBLE" val="0"/>
-  <p:tag name="KSO_WM_UNIT_DIAGRAM_ISNUMVISUAL" val="0"/>
-  <p:tag name="KSO_WM_UNIT_DIAGRAM_ISREFERUNIT" val="0"/>
-  <p:tag name="KSO_WM_UNIT_ID" val="diagram20238176_2*n_h_i*1_1_3"/>
-  <p:tag name="KSO_WM_TEMPLATE_CATEGORY" val="diagram"/>
-  <p:tag name="KSO_WM_TEMPLATE_INDEX" val="20238176"/>
-  <p:tag name="KSO_WM_UNIT_LAYERLEVEL" val="1_1_1"/>
-  <p:tag name="KSO_WM_TAG_VERSION" val="3.0"/>
-  <p:tag name="KSO_WM_DIAGRAM_VERSION" val="3"/>
-  <p:tag name="KSO_WM_DIAGRAM_COLOR_TRICK" val="1"/>
-  <p:tag name="KSO_WM_DIAGRAM_COLOR_TEXT_CAN_REMOVE" val="n"/>
-  <p:tag name="KSO_WM_DIAGRAM_GROUP_CODE" val="n1-1"/>
-  <p:tag name="KSO_WM_UNIT_TYPE" val="n_h_i"/>
-  <p:tag name="KSO_WM_UNIT_INDEX" val="1_1_3"/>
-  <p:tag name="KSO_WM_DIAGRAM_MAX_ITEMCNT" val="6"/>
-  <p:tag name="KSO_WM_DIAGRAM_MIN_ITEMCNT" val="2"/>
-  <p:tag name="KSO_WM_DIAGRAM_VIRTUALLY_FRAME" val="{&quot;height&quot;:372.9,&quot;left&quot;:53.57498779296875,&quot;top&quot;:83.6,&quot;width&quot;:852.9000244140625}"/>
-  <p:tag name="KSO_WM_DIAGRAM_COLOR_MATCH_VALUE" val="{&quot;shape&quot;:{&quot;fill&quot;:{&quot;type&quot;:0},&quot;glow&quot;:{&quot;colorType&quot;:0},&quot;line&quot;:{&quot;solidLine&quot;:{&quot;brightness&quot;:0,&quot;colorType&quot;:1,&quot;foreColorIndex&quot;:5,&quot;transparency&quot;:0},&quot;type&quot;:1},&quot;shadow&quot;:{&quot;brightness&quot;:0,&quot;colorType&quot;:1,&quot;foreColorIndex&quot;:5,&quot;transparency&quot;:0.6000000238418579},&quot;threeD&quot;:{&quot;curvedSurface&quot;:{&quot;brightness&quot;:0,&quot;colorType&quot;:2,&quot;rgb&quot;:&quot;#000000&quot;},&quot;depth&quot;:{&quot;colorType&quot;:0}}},&quot;text&quot;:{&quot;fill&quot;:{&quot;solid&quot;:{&quot;brightness&quot;:0,&quot;colorType&quot;:1,&quot;foreColorIndex&quot;:2,&quot;transparency&quot;:0},&quot;type&quot;:1},&quot;glow&quot;:{&quot;colorType&quot;:0},&quot;line&quot;:{&quot;type&quot;:0},&quot;shadow&quot;:{&quot;colorType&quot;:0},&quot;threeD&quot;:{&quot;curvedSurface&quot;:{&quot;brightness&quot;:0,&quot;colorType&quot;:2,&quot;rgb&quot;:&quot;#000000&quot;},&quot;depth&quot;:{&quot;colorType&quot;:0}}}}"/>
-  <p:tag name="KSO_WM_UNIT_LINE_FORE_SCHEMECOLOR_INDEX" val="5"/>
-  <p:tag name="KSO_WM_DIAGRAM_USE_COLOR_VALUE" val="{&quot;color_scheme&quot;:1,&quot;color_type&quot;:1,&quot;theme_color_indexes&quot;:[]}"/>
-</p:tagLst>
-</file>
-
-<file path=ppt/tags/tag20.xml><?xml version="1.0" encoding="utf-8"?>
-<p:tagLst xmlns:p="http://schemas.openxmlformats.org/presentationml/2006/main">
+<file path=ppt/tags/tag21.xml><?xml version="1.0" encoding="utf-8"?>
+<p:tagLst xmlns:a="http://schemas.openxmlformats.org/drawingml/2006/main" xmlns:r="http://schemas.openxmlformats.org/officeDocument/2006/relationships" xmlns:p="http://schemas.openxmlformats.org/presentationml/2006/main">
   <p:tag name="KSO_WM_DIAGRAM_MAX_ITEMCNT" val="6"/>
   <p:tag name="KSO_WM_DIAGRAM_MIN_ITEMCNT" val="2"/>
   <p:tag name="KSO_WM_DIAGRAM_VIRTUALLY_FRAME" val="{&quot;height&quot;:389.07496062992135,&quot;left&quot;:186.35003326656314,&quot;top&quot;:75.52503937007873,&quot;width&quot;:601.3500122070312}"/>
@@ -9157,8 +12794,8 @@
 </p:tagLst>
 </file>
 
-<file path=ppt/tags/tag21.xml><?xml version="1.0" encoding="utf-8"?>
-<p:tagLst xmlns:p="http://schemas.openxmlformats.org/presentationml/2006/main">
+<file path=ppt/tags/tag22.xml><?xml version="1.0" encoding="utf-8"?>
+<p:tagLst xmlns:a="http://schemas.openxmlformats.org/drawingml/2006/main" xmlns:r="http://schemas.openxmlformats.org/officeDocument/2006/relationships" xmlns:p="http://schemas.openxmlformats.org/presentationml/2006/main">
   <p:tag name="KSO_WM_DIAGRAM_MAX_ITEMCNT" val="6"/>
   <p:tag name="KSO_WM_DIAGRAM_MIN_ITEMCNT" val="2"/>
   <p:tag name="KSO_WM_DIAGRAM_VIRTUALLY_FRAME" val="{&quot;height&quot;:389.07496062992135,&quot;left&quot;:186.35003326656314,&quot;top&quot;:75.52503937007873,&quot;width&quot;:601.3500122070312}"/>
@@ -9186,8 +12823,8 @@
 </p:tagLst>
 </file>
 
-<file path=ppt/tags/tag22.xml><?xml version="1.0" encoding="utf-8"?>
-<p:tagLst xmlns:p="http://schemas.openxmlformats.org/presentationml/2006/main">
+<file path=ppt/tags/tag23.xml><?xml version="1.0" encoding="utf-8"?>
+<p:tagLst xmlns:a="http://schemas.openxmlformats.org/drawingml/2006/main" xmlns:r="http://schemas.openxmlformats.org/officeDocument/2006/relationships" xmlns:p="http://schemas.openxmlformats.org/presentationml/2006/main">
   <p:tag name="KSO_WM_DIAGRAM_MAX_ITEMCNT" val="6"/>
   <p:tag name="KSO_WM_DIAGRAM_MIN_ITEMCNT" val="2"/>
   <p:tag name="KSO_WM_DIAGRAM_VIRTUALLY_FRAME" val="{&quot;height&quot;:389.07496062992135,&quot;left&quot;:186.35003326656314,&quot;top&quot;:75.52503937007873,&quot;width&quot;:601.3500122070312}"/>
@@ -9215,8 +12852,8 @@
 </p:tagLst>
 </file>
 
-<file path=ppt/tags/tag23.xml><?xml version="1.0" encoding="utf-8"?>
-<p:tagLst xmlns:p="http://schemas.openxmlformats.org/presentationml/2006/main">
+<file path=ppt/tags/tag24.xml><?xml version="1.0" encoding="utf-8"?>
+<p:tagLst xmlns:a="http://schemas.openxmlformats.org/drawingml/2006/main" xmlns:r="http://schemas.openxmlformats.org/officeDocument/2006/relationships" xmlns:p="http://schemas.openxmlformats.org/presentationml/2006/main">
   <p:tag name="KSO_WM_DIAGRAM_MAX_ITEMCNT" val="6"/>
   <p:tag name="KSO_WM_DIAGRAM_MIN_ITEMCNT" val="2"/>
   <p:tag name="KSO_WM_DIAGRAM_VIRTUALLY_FRAME" val="{&quot;height&quot;:389.07496062992135,&quot;left&quot;:186.35003326656314,&quot;top&quot;:75.52503937007873,&quot;width&quot;:601.3500122070312}"/>
@@ -9249,8 +12886,8 @@
 </p:tagLst>
 </file>
 
-<file path=ppt/tags/tag24.xml><?xml version="1.0" encoding="utf-8"?>
-<p:tagLst xmlns:p="http://schemas.openxmlformats.org/presentationml/2006/main">
+<file path=ppt/tags/tag25.xml><?xml version="1.0" encoding="utf-8"?>
+<p:tagLst xmlns:a="http://schemas.openxmlformats.org/drawingml/2006/main" xmlns:r="http://schemas.openxmlformats.org/officeDocument/2006/relationships" xmlns:p="http://schemas.openxmlformats.org/presentationml/2006/main">
   <p:tag name="KSO_WM_DIAGRAM_MAX_ITEMCNT" val="6"/>
   <p:tag name="KSO_WM_DIAGRAM_MIN_ITEMCNT" val="2"/>
   <p:tag name="KSO_WM_DIAGRAM_VIRTUALLY_FRAME" val="{&quot;height&quot;:389.07496062992135,&quot;left&quot;:186.35003326656314,&quot;top&quot;:75.52503937007873,&quot;width&quot;:601.3500122070312}"/>
@@ -9283,8 +12920,8 @@
 </p:tagLst>
 </file>
 
-<file path=ppt/tags/tag25.xml><?xml version="1.0" encoding="utf-8"?>
-<p:tagLst xmlns:p="http://schemas.openxmlformats.org/presentationml/2006/main">
+<file path=ppt/tags/tag26.xml><?xml version="1.0" encoding="utf-8"?>
+<p:tagLst xmlns:a="http://schemas.openxmlformats.org/drawingml/2006/main" xmlns:r="http://schemas.openxmlformats.org/officeDocument/2006/relationships" xmlns:p="http://schemas.openxmlformats.org/presentationml/2006/main">
   <p:tag name="KSO_WM_DIAGRAM_MAX_ITEMCNT" val="6"/>
   <p:tag name="KSO_WM_DIAGRAM_MIN_ITEMCNT" val="2"/>
   <p:tag name="KSO_WM_DIAGRAM_VIRTUALLY_FRAME" val="{&quot;height&quot;:389.07496062992135,&quot;left&quot;:186.35003326656314,&quot;top&quot;:75.52503937007873,&quot;width&quot;:601.3500122070312}"/>
@@ -9317,8 +12954,8 @@
 </p:tagLst>
 </file>
 
-<file path=ppt/tags/tag26.xml><?xml version="1.0" encoding="utf-8"?>
-<p:tagLst xmlns:p="http://schemas.openxmlformats.org/presentationml/2006/main">
+<file path=ppt/tags/tag27.xml><?xml version="1.0" encoding="utf-8"?>
+<p:tagLst xmlns:a="http://schemas.openxmlformats.org/drawingml/2006/main" xmlns:r="http://schemas.openxmlformats.org/officeDocument/2006/relationships" xmlns:p="http://schemas.openxmlformats.org/presentationml/2006/main">
   <p:tag name="KSO_WM_DIAGRAM_MAX_ITEMCNT" val="6"/>
   <p:tag name="KSO_WM_DIAGRAM_MIN_ITEMCNT" val="2"/>
   <p:tag name="KSO_WM_DIAGRAM_VIRTUALLY_FRAME" val="{&quot;height&quot;:389.07496062992135,&quot;left&quot;:186.35003326656314,&quot;top&quot;:75.52503937007873,&quot;width&quot;:601.3500122070312}"/>
@@ -9350,42 +12987,8 @@
 </p:tagLst>
 </file>
 
-<file path=ppt/tags/tag27.xml><?xml version="1.0" encoding="utf-8"?>
-<p:tagLst xmlns:p="http://schemas.openxmlformats.org/presentationml/2006/main">
-  <p:tag name="resource_record_key" val="{&quot;70&quot;:[3321980,3321390,3320305,3321374]}"/>
-</p:tagLst>
-</file>
-
 <file path=ppt/tags/tag3.xml><?xml version="1.0" encoding="utf-8"?>
-<p:tagLst xmlns:p="http://schemas.openxmlformats.org/presentationml/2006/main">
-  <p:tag name="KSO_WM_UNIT_HIGHLIGHT" val="0"/>
-  <p:tag name="KSO_WM_UNIT_COMPATIBLE" val="0"/>
-  <p:tag name="KSO_WM_UNIT_DIAGRAM_ISNUMVISUAL" val="0"/>
-  <p:tag name="KSO_WM_UNIT_DIAGRAM_ISREFERUNIT" val="0"/>
-  <p:tag name="KSO_WM_UNIT_ID" val="diagram20238176_2*n_h_i*1_1_2"/>
-  <p:tag name="KSO_WM_TEMPLATE_CATEGORY" val="diagram"/>
-  <p:tag name="KSO_WM_TEMPLATE_INDEX" val="20238176"/>
-  <p:tag name="KSO_WM_UNIT_LAYERLEVEL" val="1_1_1"/>
-  <p:tag name="KSO_WM_TAG_VERSION" val="3.0"/>
-  <p:tag name="KSO_WM_DIAGRAM_VERSION" val="3"/>
-  <p:tag name="KSO_WM_DIAGRAM_COLOR_TRICK" val="1"/>
-  <p:tag name="KSO_WM_DIAGRAM_COLOR_TEXT_CAN_REMOVE" val="n"/>
-  <p:tag name="KSO_WM_DIAGRAM_GROUP_CODE" val="n1-1"/>
-  <p:tag name="KSO_WM_UNIT_TYPE" val="n_h_i"/>
-  <p:tag name="KSO_WM_UNIT_INDEX" val="1_1_2"/>
-  <p:tag name="KSO_WM_DIAGRAM_MAX_ITEMCNT" val="6"/>
-  <p:tag name="KSO_WM_DIAGRAM_MIN_ITEMCNT" val="2"/>
-  <p:tag name="KSO_WM_DIAGRAM_VIRTUALLY_FRAME" val="{&quot;height&quot;:372.9,&quot;left&quot;:53.57498779296875,&quot;top&quot;:83.6,&quot;width&quot;:852.9000244140625}"/>
-  <p:tag name="KSO_WM_DIAGRAM_COLOR_MATCH_VALUE" val="{&quot;shape&quot;:{&quot;fill&quot;:{&quot;solid&quot;:{&quot;brightness&quot;:0.800000011920929,&quot;colorType&quot;:1,&quot;foreColorIndex&quot;:5,&quot;transparency&quot;:0.4000000059604645},&quot;type&quot;:1},&quot;glow&quot;:{&quot;colorType&quot;:0},&quot;line&quot;:{&quot;type&quot;:0},&quot;shadow&quot;:{&quot;colorType&quot;:0},&quot;threeD&quot;:{&quot;curvedSurface&quot;:{&quot;brightness&quot;:0,&quot;colorType&quot;:2,&quot;rgb&quot;:&quot;#000000&quot;},&quot;depth&quot;:{&quot;colorType&quot;:0}}},&quot;text&quot;:{&quot;fill&quot;:{&quot;solid&quot;:{&quot;brightness&quot;:0,&quot;colorType&quot;:1,&quot;foreColorIndex&quot;:2,&quot;transparency&quot;:0},&quot;type&quot;:1},&quot;glow&quot;:{&quot;colorType&quot;:0},&quot;line&quot;:{&quot;type&quot;:0},&quot;shadow&quot;:{&quot;colorType&quot;:0},&quot;threeD&quot;:{&quot;curvedSurface&quot;:{&quot;brightness&quot;:0,&quot;colorType&quot;:2,&quot;rgb&quot;:&quot;#000000&quot;},&quot;depth&quot;:{&quot;colorType&quot;:0}}}}"/>
-  <p:tag name="KSO_WM_UNIT_FILL_TYPE" val="1"/>
-  <p:tag name="KSO_WM_UNIT_FILL_FORE_SCHEMECOLOR_INDEX" val="5"/>
-  <p:tag name="KSO_WM_UNIT_FILL_FORE_SCHEMECOLOR_INDEX_BRIGHTNESS" val="0.8"/>
-  <p:tag name="KSO_WM_DIAGRAM_USE_COLOR_VALUE" val="{&quot;color_scheme&quot;:1,&quot;color_type&quot;:1,&quot;theme_color_indexes&quot;:[]}"/>
-</p:tagLst>
-</file>
-
-<file path=ppt/tags/tag4.xml><?xml version="1.0" encoding="utf-8"?>
-<p:tagLst xmlns:p="http://schemas.openxmlformats.org/presentationml/2006/main">
+<p:tagLst xmlns:a="http://schemas.openxmlformats.org/drawingml/2006/main" xmlns:r="http://schemas.openxmlformats.org/officeDocument/2006/relationships" xmlns:p="http://schemas.openxmlformats.org/presentationml/2006/main">
   <p:tag name="KSO_WM_UNIT_HIGHLIGHT" val="0"/>
   <p:tag name="KSO_WM_UNIT_COMPATIBLE" val="0"/>
   <p:tag name="KSO_WM_UNIT_DIAGRAM_ISNUMVISUAL" val="0"/>
@@ -9409,8 +13012,8 @@
 </p:tagLst>
 </file>
 
-<file path=ppt/tags/tag5.xml><?xml version="1.0" encoding="utf-8"?>
-<p:tagLst xmlns:p="http://schemas.openxmlformats.org/presentationml/2006/main">
+<file path=ppt/tags/tag4.xml><?xml version="1.0" encoding="utf-8"?>
+<p:tagLst xmlns:a="http://schemas.openxmlformats.org/drawingml/2006/main" xmlns:r="http://schemas.openxmlformats.org/officeDocument/2006/relationships" xmlns:p="http://schemas.openxmlformats.org/presentationml/2006/main">
   <p:tag name="KSO_WM_UNIT_HIGHLIGHT" val="0"/>
   <p:tag name="KSO_WM_UNIT_COMPATIBLE" val="0"/>
   <p:tag name="KSO_WM_UNIT_DIAGRAM_ISNUMVISUAL" val="0"/>
@@ -9434,8 +13037,8 @@
 </p:tagLst>
 </file>
 
-<file path=ppt/tags/tag6.xml><?xml version="1.0" encoding="utf-8"?>
-<p:tagLst xmlns:p="http://schemas.openxmlformats.org/presentationml/2006/main">
+<file path=ppt/tags/tag5.xml><?xml version="1.0" encoding="utf-8"?>
+<p:tagLst xmlns:a="http://schemas.openxmlformats.org/drawingml/2006/main" xmlns:r="http://schemas.openxmlformats.org/officeDocument/2006/relationships" xmlns:p="http://schemas.openxmlformats.org/presentationml/2006/main">
   <p:tag name="KSO_WM_UNIT_HIGHLIGHT" val="0"/>
   <p:tag name="KSO_WM_UNIT_COMPATIBLE" val="0"/>
   <p:tag name="KSO_WM_UNIT_DIAGRAM_ISNUMVISUAL" val="0"/>
@@ -9459,43 +13062,67 @@
 </p:tagLst>
 </file>
 
+<file path=ppt/tags/tag6.xml><?xml version="1.0" encoding="utf-8"?>
+<p:tagLst xmlns:a="http://schemas.openxmlformats.org/drawingml/2006/main" xmlns:r="http://schemas.openxmlformats.org/officeDocument/2006/relationships" xmlns:p="http://schemas.openxmlformats.org/presentationml/2006/main">
+  <p:tag name="KSO_WM_UNIT_HIGHLIGHT" val="0"/>
+  <p:tag name="KSO_WM_UNIT_COMPATIBLE" val="0"/>
+  <p:tag name="KSO_WM_UNIT_DIAGRAM_ISNUMVISUAL" val="0"/>
+  <p:tag name="KSO_WM_UNIT_DIAGRAM_ISREFERUNIT" val="0"/>
+  <p:tag name="KSO_WM_UNIT_ID" val="diagram20238176_2*n_h_i*1_1_1"/>
+  <p:tag name="KSO_WM_TEMPLATE_CATEGORY" val="diagram"/>
+  <p:tag name="KSO_WM_TEMPLATE_INDEX" val="20238176"/>
+  <p:tag name="KSO_WM_UNIT_LAYERLEVEL" val="1_1_1"/>
+  <p:tag name="KSO_WM_TAG_VERSION" val="3.0"/>
+  <p:tag name="KSO_WM_DIAGRAM_VERSION" val="3"/>
+  <p:tag name="KSO_WM_DIAGRAM_COLOR_TRICK" val="1"/>
+  <p:tag name="KSO_WM_DIAGRAM_COLOR_TEXT_CAN_REMOVE" val="n"/>
+  <p:tag name="KSO_WM_DIAGRAM_GROUP_CODE" val="n1-1"/>
+  <p:tag name="KSO_WM_UNIT_TYPE" val="n_h_i"/>
+  <p:tag name="KSO_WM_UNIT_INDEX" val="1_1_1"/>
+  <p:tag name="KSO_WM_DIAGRAM_MAX_ITEMCNT" val="6"/>
+  <p:tag name="KSO_WM_DIAGRAM_MIN_ITEMCNT" val="2"/>
+  <p:tag name="KSO_WM_DIAGRAM_VIRTUALLY_FRAME" val="{&quot;height&quot;:372.9,&quot;left&quot;:53.57498779296875,&quot;top&quot;:83.6,&quot;width&quot;:852.9000244140625}"/>
+  <p:tag name="KSO_WM_DIAGRAM_COLOR_MATCH_VALUE" val="{&quot;shape&quot;:{&quot;fill&quot;:{&quot;gradient&quot;:[{&quot;brightness&quot;:0.800000011920929,&quot;colorType&quot;:1,&quot;foreColorIndex&quot;:5,&quot;pos&quot;:0,&quot;transparency&quot;:1},{&quot;brightness&quot;:0.800000011920929,&quot;colorType&quot;:1,&quot;foreColorIndex&quot;:5,&quot;pos&quot;:1,&quot;transparency&quot;:0.49000000953674316}],&quot;type&quot;:3},&quot;glow&quot;:{&quot;colorType&quot;:0},&quot;line&quot;:{&quot;type&quot;:0},&quot;shadow&quot;:{&quot;colorType&quot;:0},&quot;threeD&quot;:{&quot;curvedSurface&quot;:{&quot;brightness&quot;:0,&quot;colorType&quot;:2,&quot;rgb&quot;:&quot;#000000&quot;},&quot;depth&quot;:{&quot;colorType&quot;:0}}},&quot;text&quot;:{&quot;fill&quot;:{&quot;solid&quot;:{&quot;brightness&quot;:0,&quot;colorType&quot;:1,&quot;foreColorIndex&quot;:2,&quot;transparency&quot;:0},&quot;type&quot;:1},&quot;glow&quot;:{&quot;colorType&quot;:0},&quot;line&quot;:{&quot;type&quot;:0},&quot;shadow&quot;:{&quot;colorType&quot;:0},&quot;threeD&quot;:{&quot;curvedSurface&quot;:{&quot;brightness&quot;:0,&quot;colorType&quot;:2,&quot;rgb&quot;:&quot;#000000&quot;},&quot;depth&quot;:{&quot;colorType&quot;:0}}}}"/>
+  <p:tag name="KSO_WM_UNIT_FILL_TYPE" val="3"/>
+  <p:tag name="KSO_WM_DIAGRAM_USE_COLOR_VALUE" val="{&quot;color_scheme&quot;:1,&quot;color_type&quot;:1,&quot;theme_color_indexes&quot;:[]}"/>
+</p:tagLst>
+</file>
+
 <file path=ppt/tags/tag7.xml><?xml version="1.0" encoding="utf-8"?>
-<p:tagLst xmlns:p="http://schemas.openxmlformats.org/presentationml/2006/main">
+<p:tagLst xmlns:a="http://schemas.openxmlformats.org/drawingml/2006/main" xmlns:r="http://schemas.openxmlformats.org/officeDocument/2006/relationships" xmlns:p="http://schemas.openxmlformats.org/presentationml/2006/main">
+  <p:tag name="KSO_WM_UNIT_HIGHLIGHT" val="0"/>
+  <p:tag name="KSO_WM_UNIT_COMPATIBLE" val="0"/>
+  <p:tag name="KSO_WM_UNIT_DIAGRAM_ISNUMVISUAL" val="0"/>
+  <p:tag name="KSO_WM_UNIT_DIAGRAM_ISREFERUNIT" val="0"/>
+  <p:tag name="KSO_WM_UNIT_ID" val="diagram20238176_2*n_h_i*1_1_3"/>
+  <p:tag name="KSO_WM_TEMPLATE_CATEGORY" val="diagram"/>
+  <p:tag name="KSO_WM_TEMPLATE_INDEX" val="20238176"/>
+  <p:tag name="KSO_WM_UNIT_LAYERLEVEL" val="1_1_1"/>
+  <p:tag name="KSO_WM_TAG_VERSION" val="3.0"/>
+  <p:tag name="KSO_WM_DIAGRAM_VERSION" val="3"/>
+  <p:tag name="KSO_WM_DIAGRAM_COLOR_TRICK" val="1"/>
+  <p:tag name="KSO_WM_DIAGRAM_COLOR_TEXT_CAN_REMOVE" val="n"/>
+  <p:tag name="KSO_WM_DIAGRAM_GROUP_CODE" val="n1-1"/>
+  <p:tag name="KSO_WM_UNIT_TYPE" val="n_h_i"/>
+  <p:tag name="KSO_WM_UNIT_INDEX" val="1_1_3"/>
+  <p:tag name="KSO_WM_DIAGRAM_MAX_ITEMCNT" val="6"/>
+  <p:tag name="KSO_WM_DIAGRAM_MIN_ITEMCNT" val="2"/>
+  <p:tag name="KSO_WM_DIAGRAM_VIRTUALLY_FRAME" val="{&quot;height&quot;:372.9,&quot;left&quot;:53.57498779296875,&quot;top&quot;:83.6,&quot;width&quot;:852.9000244140625}"/>
+  <p:tag name="KSO_WM_DIAGRAM_COLOR_MATCH_VALUE" val="{&quot;shape&quot;:{&quot;fill&quot;:{&quot;type&quot;:0},&quot;glow&quot;:{&quot;colorType&quot;:0},&quot;line&quot;:{&quot;solidLine&quot;:{&quot;brightness&quot;:0,&quot;colorType&quot;:1,&quot;foreColorIndex&quot;:5,&quot;transparency&quot;:0},&quot;type&quot;:1},&quot;shadow&quot;:{&quot;brightness&quot;:0,&quot;colorType&quot;:1,&quot;foreColorIndex&quot;:5,&quot;transparency&quot;:0.6000000238418579},&quot;threeD&quot;:{&quot;curvedSurface&quot;:{&quot;brightness&quot;:0,&quot;colorType&quot;:2,&quot;rgb&quot;:&quot;#000000&quot;},&quot;depth&quot;:{&quot;colorType&quot;:0}}},&quot;text&quot;:{&quot;fill&quot;:{&quot;solid&quot;:{&quot;brightness&quot;:0,&quot;colorType&quot;:1,&quot;foreColorIndex&quot;:2,&quot;transparency&quot;:0},&quot;type&quot;:1},&quot;glow&quot;:{&quot;colorType&quot;:0},&quot;line&quot;:{&quot;type&quot;:0},&quot;shadow&quot;:{&quot;colorType&quot;:0},&quot;threeD&quot;:{&quot;curvedSurface&quot;:{&quot;brightness&quot;:0,&quot;colorType&quot;:2,&quot;rgb&quot;:&quot;#000000&quot;},&quot;depth&quot;:{&quot;colorType&quot;:0}}}}"/>
+  <p:tag name="KSO_WM_UNIT_LINE_FORE_SCHEMECOLOR_INDEX" val="5"/>
+  <p:tag name="KSO_WM_DIAGRAM_USE_COLOR_VALUE" val="{&quot;color_scheme&quot;:1,&quot;color_type&quot;:1,&quot;theme_color_indexes&quot;:[]}"/>
+</p:tagLst>
+</file>
+
+<file path=ppt/tags/tag8.xml><?xml version="1.0" encoding="utf-8"?>
+<p:tagLst xmlns:a="http://schemas.openxmlformats.org/drawingml/2006/main" xmlns:r="http://schemas.openxmlformats.org/officeDocument/2006/relationships" xmlns:p="http://schemas.openxmlformats.org/presentationml/2006/main">
   <p:tag name="KSO_WM_DIAGRAM_VIRTUALLY_FRAME" val="{&quot;height&quot;:351.67499847412114,&quot;left&quot;:54.80003326656315,&quot;top&quot;:179.30004089595764,&quot;width&quot;:854.6750061035157}"/>
 </p:tagLst>
 </file>
 
-<file path=ppt/tags/tag8.xml><?xml version="1.0" encoding="utf-8"?>
-<p:tagLst xmlns:p="http://schemas.openxmlformats.org/presentationml/2006/main">
+<file path=ppt/tags/tag9.xml><?xml version="1.0" encoding="utf-8"?>
+<p:tagLst xmlns:a="http://schemas.openxmlformats.org/drawingml/2006/main" xmlns:r="http://schemas.openxmlformats.org/officeDocument/2006/relationships" xmlns:p="http://schemas.openxmlformats.org/presentationml/2006/main">
   <p:tag name="KSO_WM_DIAGRAM_VIRTUALLY_FRAME" val="{&quot;height&quot;:351.67499847412114,&quot;left&quot;:54.80003326656315,&quot;top&quot;:179.30004089595764,&quot;width&quot;:850.4500122070312}"/>
-</p:tagLst>
-</file>
-
-<file path=ppt/tags/tag9.xml><?xml version="1.0" encoding="utf-8"?>
-<p:tagLst xmlns:p="http://schemas.openxmlformats.org/presentationml/2006/main">
-  <p:tag name="KSO_WM_DIAGRAM_MAX_ITEMCNT" val="4"/>
-  <p:tag name="KSO_WM_DIAGRAM_MIN_ITEMCNT" val="2"/>
-  <p:tag name="KSO_WM_DIAGRAM_VIRTUALLY_FRAME" val="{&quot;height&quot;:351.67499847412114,&quot;left&quot;:54.80003326656315,&quot;top&quot;:179.30004089595764,&quot;width&quot;:854.6750061035157}"/>
-  <p:tag name="KSO_WM_DIAGRAM_COLOR_MATCH_VALUE" val="{&quot;shape&quot;:{&quot;fill&quot;:{&quot;solid&quot;:{&quot;brightness&quot;:0.6000000238418579,&quot;colorType&quot;:1,&quot;foreColorIndex&quot;:5,&quot;transparency&quot;:0.800000011920929},&quot;type&quot;:1},&quot;glow&quot;:{&quot;colorType&quot;:0},&quot;line&quot;:{&quot;type&quot;:0},&quot;shadow&quot;:{&quot;colorType&quot;:0},&quot;threeD&quot;:{&quot;curvedSurface&quot;:{&quot;brightness&quot;:0,&quot;colorType&quot;:2,&quot;rgb&quot;:&quot;#000000&quot;},&quot;depth&quot;:{&quot;colorType&quot;:0}}},&quot;text&quot;:{&quot;fill&quot;:{&quot;solid&quot;:{&quot;brightness&quot;:0,&quot;colorType&quot;:1,&quot;foreColorIndex&quot;:2,&quot;transparency&quot;:0},&quot;type&quot;:1},&quot;glow&quot;:{&quot;colorType&quot;:0},&quot;line&quot;:{&quot;type&quot;:0},&quot;shadow&quot;:{&quot;colorType&quot;:0},&quot;threeD&quot;:{&quot;curvedSurface&quot;:{&quot;brightness&quot;:0,&quot;colorType&quot;:2,&quot;rgb&quot;:&quot;#000000&quot;},&quot;depth&quot;:{&quot;colorType&quot;:0}}}}"/>
-  <p:tag name="KSO_WM_DIAGRAM_VERSION" val="3"/>
-  <p:tag name="KSO_WM_DIAGRAM_COLOR_TRICK" val="1"/>
-  <p:tag name="KSO_WM_DIAGRAM_COLOR_TEXT_CAN_REMOVE" val="n"/>
-  <p:tag name="KSO_WM_UNIT_HIGHLIGHT" val="0"/>
-  <p:tag name="KSO_WM_UNIT_COMPATIBLE" val="0"/>
-  <p:tag name="KSO_WM_UNIT_DIAGRAM_ISNUMVISUAL" val="0"/>
-  <p:tag name="KSO_WM_UNIT_DIAGRAM_ISREFERUNIT" val="0"/>
-  <p:tag name="KSO_WM_DIAGRAM_GROUP_CODE" val="l1-1"/>
-  <p:tag name="KSO_WM_UNIT_TYPE" val="l_h_i"/>
-  <p:tag name="KSO_WM_UNIT_INDEX" val="1_2_1"/>
-  <p:tag name="KSO_WM_UNIT_ID" val="diagram20237921_2*l_h_i*1_2_1"/>
-  <p:tag name="KSO_WM_TEMPLATE_CATEGORY" val="diagram"/>
-  <p:tag name="KSO_WM_TEMPLATE_INDEX" val="20237921"/>
-  <p:tag name="KSO_WM_UNIT_LAYERLEVEL" val="1_1_1"/>
-  <p:tag name="KSO_WM_TAG_VERSION" val="3.0"/>
-  <p:tag name="KSO_WM_BEAUTIFY_FLAG" val="#wm#"/>
-  <p:tag name="KSO_WM_UNIT_FILL_TYPE" val="1"/>
-  <p:tag name="KSO_WM_UNIT_FILL_FORE_SCHEMECOLOR_INDEX" val="5"/>
-  <p:tag name="KSO_WM_UNIT_FILL_FORE_SCHEMECOLOR_INDEX_BRIGHTNESS" val="0.6"/>
 </p:tagLst>
 </file>
 
@@ -9750,6 +13377,8 @@
       </a:bgFillStyleLst>
     </a:fmtScheme>
   </a:themeElements>
+  <a:objectDefaults/>
+  <a:extraClrSchemeLst/>
   <a:extLst>
     <a:ext uri="{05A4C25C-085E-4340-85A3-A5531E510DB2}">
       <thm15:themeFamily xmlns:thm15="http://schemas.microsoft.com/office/thememl/2012/main" name="Office Theme" id="{62F939B6-93AF-4DB8-9C6B-D6C7DFDC589F}" vid="{4A3C46E8-61CC-4603-A589-7422A47A8E4A}"/>
@@ -10009,6 +13638,8 @@
       </a:bgFillStyleLst>
     </a:fmtScheme>
   </a:themeElements>
+  <a:objectDefaults/>
+  <a:extraClrSchemeLst/>
   <a:extLst>
     <a:ext uri="{05A4C25C-085E-4340-85A3-A5531E510DB2}">
       <thm15:themeFamily xmlns:thm15="http://schemas.microsoft.com/office/thememl/2012/main" name="Office Theme" id="{62F939B6-93AF-4DB8-9C6B-D6C7DFDC589F}" vid="{4A3C46E8-61CC-4603-A589-7422A47A8E4A}"/>

--- a/presentation/Presentation.pptx
+++ b/presentation/Presentation.pptx
@@ -5,22 +5,22 @@
     <p:sldMasterId id="2147483648" r:id="rId1"/>
   </p:sldMasterIdLst>
   <p:notesMasterIdLst>
-    <p:notesMasterId r:id="rId10"/>
+    <p:notesMasterId r:id="rId11"/>
   </p:notesMasterIdLst>
   <p:sldIdLst>
-    <p:sldId id="256" r:id="rId2"/>
-    <p:sldId id="260" r:id="rId3"/>
-    <p:sldId id="261" r:id="rId4"/>
-    <p:sldId id="264" r:id="rId5"/>
-    <p:sldId id="262" r:id="rId6"/>
-    <p:sldId id="265" r:id="rId7"/>
-    <p:sldId id="266" r:id="rId8"/>
-    <p:sldId id="267" r:id="rId9"/>
+    <p:sldId id="256" r:id="rId3"/>
+    <p:sldId id="260" r:id="rId4"/>
+    <p:sldId id="261" r:id="rId5"/>
+    <p:sldId id="264" r:id="rId6"/>
+    <p:sldId id="262" r:id="rId7"/>
+    <p:sldId id="265" r:id="rId8"/>
+    <p:sldId id="266" r:id="rId9"/>
+    <p:sldId id="267" r:id="rId10"/>
   </p:sldIdLst>
   <p:sldSz cx="12192000" cy="6858000"/>
   <p:notesSz cx="6858000" cy="9144000"/>
   <p:custDataLst>
-    <p:tags r:id="rId11"/>
+    <p:tags r:id="rId15"/>
   </p:custDataLst>
   <p:defaultTextStyle>
     <a:defPPr>
@@ -117,11 +117,6 @@
       </a:defRPr>
     </a:lvl9pPr>
   </p:defaultTextStyle>
-  <p:extLst>
-    <p:ext uri="{EFAFB233-063F-42B5-8137-9DF3F51BA10A}">
-      <p15:sldGuideLst xmlns:p15="http://schemas.microsoft.com/office/powerpoint/2012/main"/>
-    </p:ext>
-  </p:extLst>
 </p:presentation>
 </file>
 
@@ -207,7 +202,6 @@
           <a:p>
             <a:fld id="{3EFD42F7-718C-4B98-AAEC-167E6DDD60A7}" type="datetimeFigureOut">
               <a:rPr lang="en-US" smtClean="0"/>
-              <a:t>2/15/2025</a:t>
             </a:fld>
             <a:endParaRPr lang="en-US"/>
           </a:p>
@@ -274,6 +268,7 @@
               <a:rPr lang="en-US"/>
               <a:t>Click to edit Master text styles</a:t>
             </a:r>
+            <a:endParaRPr lang="en-US"/>
           </a:p>
           <a:p>
             <a:pPr lvl="1"/>
@@ -281,6 +276,7 @@
               <a:rPr lang="en-US"/>
               <a:t>Second level</a:t>
             </a:r>
+            <a:endParaRPr lang="en-US"/>
           </a:p>
           <a:p>
             <a:pPr lvl="2"/>
@@ -288,6 +284,7 @@
               <a:rPr lang="en-US"/>
               <a:t>Third level</a:t>
             </a:r>
+            <a:endParaRPr lang="en-US"/>
           </a:p>
           <a:p>
             <a:pPr lvl="3"/>
@@ -295,6 +292,7 @@
               <a:rPr lang="en-US"/>
               <a:t>Fourth level</a:t>
             </a:r>
+            <a:endParaRPr lang="en-US"/>
           </a:p>
           <a:p>
             <a:pPr lvl="4"/>
@@ -302,6 +300,7 @@
               <a:rPr lang="en-US"/>
               <a:t>Fifth level</a:t>
             </a:r>
+            <a:endParaRPr lang="en-US"/>
           </a:p>
         </p:txBody>
       </p:sp>
@@ -365,7 +364,6 @@
           <a:p>
             <a:fld id="{21B2AA4F-B828-4D7C-AFD3-893933DAFCB4}" type="slidenum">
               <a:rPr lang="en-US" smtClean="0"/>
-              <a:t>‹N›</a:t>
             </a:fld>
             <a:endParaRPr lang="en-US"/>
           </a:p>
@@ -514,6 +512,7 @@
               <a:rPr lang="en-US"/>
               <a:t>Click to edit Master title style</a:t>
             </a:r>
+            <a:endParaRPr lang="en-US"/>
           </a:p>
         </p:txBody>
       </p:sp>
@@ -578,6 +577,7 @@
               <a:rPr lang="en-US"/>
               <a:t>Click to edit Master subtitle style</a:t>
             </a:r>
+            <a:endParaRPr lang="en-US"/>
           </a:p>
         </p:txBody>
       </p:sp>
@@ -598,7 +598,6 @@
           <a:p>
             <a:fld id="{63A1C593-65D0-4073-BCC9-577B9352EA97}" type="datetimeFigureOut">
               <a:rPr lang="en-US" smtClean="0"/>
-              <a:t>2/15/2025</a:t>
             </a:fld>
             <a:endParaRPr lang="en-US"/>
           </a:p>
@@ -640,7 +639,6 @@
           <a:p>
             <a:fld id="{9B618960-8005-486C-9A75-10CB2AAC16F9}" type="slidenum">
               <a:rPr lang="en-US" smtClean="0"/>
-              <a:t>‹N›</a:t>
             </a:fld>
             <a:endParaRPr lang="en-US"/>
           </a:p>
@@ -690,6 +688,7 @@
               <a:rPr lang="en-US"/>
               <a:t>Click to edit Master title style</a:t>
             </a:r>
+            <a:endParaRPr lang="en-US"/>
           </a:p>
         </p:txBody>
       </p:sp>
@@ -713,6 +712,7 @@
               <a:rPr lang="en-US"/>
               <a:t>Click to edit Master text styles</a:t>
             </a:r>
+            <a:endParaRPr lang="en-US"/>
           </a:p>
           <a:p>
             <a:pPr lvl="1"/>
@@ -720,6 +720,7 @@
               <a:rPr lang="en-US"/>
               <a:t>Second level</a:t>
             </a:r>
+            <a:endParaRPr lang="en-US"/>
           </a:p>
           <a:p>
             <a:pPr lvl="2"/>
@@ -727,6 +728,7 @@
               <a:rPr lang="en-US"/>
               <a:t>Third level</a:t>
             </a:r>
+            <a:endParaRPr lang="en-US"/>
           </a:p>
           <a:p>
             <a:pPr lvl="3"/>
@@ -734,6 +736,7 @@
               <a:rPr lang="en-US"/>
               <a:t>Fourth level</a:t>
             </a:r>
+            <a:endParaRPr lang="en-US"/>
           </a:p>
           <a:p>
             <a:pPr lvl="4"/>
@@ -741,6 +744,7 @@
               <a:rPr lang="en-US"/>
               <a:t>Fifth level</a:t>
             </a:r>
+            <a:endParaRPr lang="en-US"/>
           </a:p>
         </p:txBody>
       </p:sp>
@@ -761,7 +765,6 @@
           <a:p>
             <a:fld id="{63A1C593-65D0-4073-BCC9-577B9352EA97}" type="datetimeFigureOut">
               <a:rPr lang="en-US" smtClean="0"/>
-              <a:t>2/15/2025</a:t>
             </a:fld>
             <a:endParaRPr lang="en-US"/>
           </a:p>
@@ -803,7 +806,6 @@
           <a:p>
             <a:fld id="{9B618960-8005-486C-9A75-10CB2AAC16F9}" type="slidenum">
               <a:rPr lang="en-US" smtClean="0"/>
-              <a:t>‹N›</a:t>
             </a:fld>
             <a:endParaRPr lang="en-US"/>
           </a:p>
@@ -858,6 +860,7 @@
               <a:rPr lang="en-US"/>
               <a:t>Click to edit Master title style</a:t>
             </a:r>
+            <a:endParaRPr lang="en-US"/>
           </a:p>
         </p:txBody>
       </p:sp>
@@ -886,6 +889,7 @@
               <a:rPr lang="en-US"/>
               <a:t>Click to edit Master text styles</a:t>
             </a:r>
+            <a:endParaRPr lang="en-US"/>
           </a:p>
           <a:p>
             <a:pPr lvl="1"/>
@@ -893,6 +897,7 @@
               <a:rPr lang="en-US"/>
               <a:t>Second level</a:t>
             </a:r>
+            <a:endParaRPr lang="en-US"/>
           </a:p>
           <a:p>
             <a:pPr lvl="2"/>
@@ -900,6 +905,7 @@
               <a:rPr lang="en-US"/>
               <a:t>Third level</a:t>
             </a:r>
+            <a:endParaRPr lang="en-US"/>
           </a:p>
           <a:p>
             <a:pPr lvl="3"/>
@@ -907,6 +913,7 @@
               <a:rPr lang="en-US"/>
               <a:t>Fourth level</a:t>
             </a:r>
+            <a:endParaRPr lang="en-US"/>
           </a:p>
           <a:p>
             <a:pPr lvl="4"/>
@@ -914,6 +921,7 @@
               <a:rPr lang="en-US"/>
               <a:t>Fifth level</a:t>
             </a:r>
+            <a:endParaRPr lang="en-US"/>
           </a:p>
         </p:txBody>
       </p:sp>
@@ -934,7 +942,6 @@
           <a:p>
             <a:fld id="{63A1C593-65D0-4073-BCC9-577B9352EA97}" type="datetimeFigureOut">
               <a:rPr lang="en-US" smtClean="0"/>
-              <a:t>2/15/2025</a:t>
             </a:fld>
             <a:endParaRPr lang="en-US"/>
           </a:p>
@@ -976,7 +983,6 @@
           <a:p>
             <a:fld id="{9B618960-8005-486C-9A75-10CB2AAC16F9}" type="slidenum">
               <a:rPr lang="en-US" smtClean="0"/>
-              <a:t>‹N›</a:t>
             </a:fld>
             <a:endParaRPr lang="en-US"/>
           </a:p>
@@ -1026,6 +1032,7 @@
               <a:rPr lang="en-US"/>
               <a:t>Click to edit Master title style</a:t>
             </a:r>
+            <a:endParaRPr lang="en-US"/>
           </a:p>
         </p:txBody>
       </p:sp>
@@ -1049,6 +1056,7 @@
               <a:rPr lang="en-US"/>
               <a:t>Click to edit Master text styles</a:t>
             </a:r>
+            <a:endParaRPr lang="en-US"/>
           </a:p>
           <a:p>
             <a:pPr lvl="1"/>
@@ -1056,6 +1064,7 @@
               <a:rPr lang="en-US"/>
               <a:t>Second level</a:t>
             </a:r>
+            <a:endParaRPr lang="en-US"/>
           </a:p>
           <a:p>
             <a:pPr lvl="2"/>
@@ -1063,6 +1072,7 @@
               <a:rPr lang="en-US"/>
               <a:t>Third level</a:t>
             </a:r>
+            <a:endParaRPr lang="en-US"/>
           </a:p>
           <a:p>
             <a:pPr lvl="3"/>
@@ -1070,6 +1080,7 @@
               <a:rPr lang="en-US"/>
               <a:t>Fourth level</a:t>
             </a:r>
+            <a:endParaRPr lang="en-US"/>
           </a:p>
           <a:p>
             <a:pPr lvl="4"/>
@@ -1077,6 +1088,7 @@
               <a:rPr lang="en-US"/>
               <a:t>Fifth level</a:t>
             </a:r>
+            <a:endParaRPr lang="en-US"/>
           </a:p>
         </p:txBody>
       </p:sp>
@@ -1097,7 +1109,6 @@
           <a:p>
             <a:fld id="{63A1C593-65D0-4073-BCC9-577B9352EA97}" type="datetimeFigureOut">
               <a:rPr lang="en-US" smtClean="0"/>
-              <a:t>2/15/2025</a:t>
             </a:fld>
             <a:endParaRPr lang="en-US"/>
           </a:p>
@@ -1139,7 +1150,6 @@
           <a:p>
             <a:fld id="{9B618960-8005-486C-9A75-10CB2AAC16F9}" type="slidenum">
               <a:rPr lang="en-US" smtClean="0"/>
-              <a:t>‹N›</a:t>
             </a:fld>
             <a:endParaRPr lang="en-US"/>
           </a:p>
@@ -1198,6 +1208,7 @@
               <a:rPr lang="en-US"/>
               <a:t>Click to edit Master title style</a:t>
             </a:r>
+            <a:endParaRPr lang="en-US"/>
           </a:p>
         </p:txBody>
       </p:sp>
@@ -1317,6 +1328,7 @@
               <a:rPr lang="en-US"/>
               <a:t>Click to edit Master text styles</a:t>
             </a:r>
+            <a:endParaRPr lang="en-US"/>
           </a:p>
         </p:txBody>
       </p:sp>
@@ -1337,7 +1349,6 @@
           <a:p>
             <a:fld id="{63A1C593-65D0-4073-BCC9-577B9352EA97}" type="datetimeFigureOut">
               <a:rPr lang="en-US" smtClean="0"/>
-              <a:t>2/15/2025</a:t>
             </a:fld>
             <a:endParaRPr lang="en-US"/>
           </a:p>
@@ -1379,7 +1390,6 @@
           <a:p>
             <a:fld id="{9B618960-8005-486C-9A75-10CB2AAC16F9}" type="slidenum">
               <a:rPr lang="en-US" smtClean="0"/>
-              <a:t>‹N›</a:t>
             </a:fld>
             <a:endParaRPr lang="en-US"/>
           </a:p>
@@ -1429,6 +1439,7 @@
               <a:rPr lang="en-US"/>
               <a:t>Click to edit Master title style</a:t>
             </a:r>
+            <a:endParaRPr lang="en-US"/>
           </a:p>
         </p:txBody>
       </p:sp>
@@ -1457,6 +1468,7 @@
               <a:rPr lang="en-US"/>
               <a:t>Click to edit Master text styles</a:t>
             </a:r>
+            <a:endParaRPr lang="en-US"/>
           </a:p>
           <a:p>
             <a:pPr lvl="1"/>
@@ -1464,6 +1476,7 @@
               <a:rPr lang="en-US"/>
               <a:t>Second level</a:t>
             </a:r>
+            <a:endParaRPr lang="en-US"/>
           </a:p>
           <a:p>
             <a:pPr lvl="2"/>
@@ -1471,6 +1484,7 @@
               <a:rPr lang="en-US"/>
               <a:t>Third level</a:t>
             </a:r>
+            <a:endParaRPr lang="en-US"/>
           </a:p>
           <a:p>
             <a:pPr lvl="3"/>
@@ -1478,6 +1492,7 @@
               <a:rPr lang="en-US"/>
               <a:t>Fourth level</a:t>
             </a:r>
+            <a:endParaRPr lang="en-US"/>
           </a:p>
           <a:p>
             <a:pPr lvl="4"/>
@@ -1485,6 +1500,7 @@
               <a:rPr lang="en-US"/>
               <a:t>Fifth level</a:t>
             </a:r>
+            <a:endParaRPr lang="en-US"/>
           </a:p>
         </p:txBody>
       </p:sp>
@@ -1513,6 +1529,7 @@
               <a:rPr lang="en-US"/>
               <a:t>Click to edit Master text styles</a:t>
             </a:r>
+            <a:endParaRPr lang="en-US"/>
           </a:p>
           <a:p>
             <a:pPr lvl="1"/>
@@ -1520,6 +1537,7 @@
               <a:rPr lang="en-US"/>
               <a:t>Second level</a:t>
             </a:r>
+            <a:endParaRPr lang="en-US"/>
           </a:p>
           <a:p>
             <a:pPr lvl="2"/>
@@ -1527,6 +1545,7 @@
               <a:rPr lang="en-US"/>
               <a:t>Third level</a:t>
             </a:r>
+            <a:endParaRPr lang="en-US"/>
           </a:p>
           <a:p>
             <a:pPr lvl="3"/>
@@ -1534,6 +1553,7 @@
               <a:rPr lang="en-US"/>
               <a:t>Fourth level</a:t>
             </a:r>
+            <a:endParaRPr lang="en-US"/>
           </a:p>
           <a:p>
             <a:pPr lvl="4"/>
@@ -1541,6 +1561,7 @@
               <a:rPr lang="en-US"/>
               <a:t>Fifth level</a:t>
             </a:r>
+            <a:endParaRPr lang="en-US"/>
           </a:p>
         </p:txBody>
       </p:sp>
@@ -1561,7 +1582,6 @@
           <a:p>
             <a:fld id="{63A1C593-65D0-4073-BCC9-577B9352EA97}" type="datetimeFigureOut">
               <a:rPr lang="en-US" smtClean="0"/>
-              <a:t>2/15/2025</a:t>
             </a:fld>
             <a:endParaRPr lang="en-US"/>
           </a:p>
@@ -1603,7 +1623,6 @@
           <a:p>
             <a:fld id="{9B618960-8005-486C-9A75-10CB2AAC16F9}" type="slidenum">
               <a:rPr lang="en-US" smtClean="0"/>
-              <a:t>‹N›</a:t>
             </a:fld>
             <a:endParaRPr lang="en-US"/>
           </a:p>
@@ -1658,6 +1677,7 @@
               <a:rPr lang="en-US"/>
               <a:t>Click to edit Master title style</a:t>
             </a:r>
+            <a:endParaRPr lang="en-US"/>
           </a:p>
         </p:txBody>
       </p:sp>
@@ -1723,6 +1743,7 @@
               <a:rPr lang="en-US"/>
               <a:t>Click to edit Master text styles</a:t>
             </a:r>
+            <a:endParaRPr lang="en-US"/>
           </a:p>
         </p:txBody>
       </p:sp>
@@ -1751,6 +1772,7 @@
               <a:rPr lang="en-US"/>
               <a:t>Click to edit Master text styles</a:t>
             </a:r>
+            <a:endParaRPr lang="en-US"/>
           </a:p>
           <a:p>
             <a:pPr lvl="1"/>
@@ -1758,6 +1780,7 @@
               <a:rPr lang="en-US"/>
               <a:t>Second level</a:t>
             </a:r>
+            <a:endParaRPr lang="en-US"/>
           </a:p>
           <a:p>
             <a:pPr lvl="2"/>
@@ -1765,6 +1788,7 @@
               <a:rPr lang="en-US"/>
               <a:t>Third level</a:t>
             </a:r>
+            <a:endParaRPr lang="en-US"/>
           </a:p>
           <a:p>
             <a:pPr lvl="3"/>
@@ -1772,6 +1796,7 @@
               <a:rPr lang="en-US"/>
               <a:t>Fourth level</a:t>
             </a:r>
+            <a:endParaRPr lang="en-US"/>
           </a:p>
           <a:p>
             <a:pPr lvl="4"/>
@@ -1779,6 +1804,7 @@
               <a:rPr lang="en-US"/>
               <a:t>Fifth level</a:t>
             </a:r>
+            <a:endParaRPr lang="en-US"/>
           </a:p>
         </p:txBody>
       </p:sp>
@@ -1844,6 +1870,7 @@
               <a:rPr lang="en-US"/>
               <a:t>Click to edit Master text styles</a:t>
             </a:r>
+            <a:endParaRPr lang="en-US"/>
           </a:p>
         </p:txBody>
       </p:sp>
@@ -1872,6 +1899,7 @@
               <a:rPr lang="en-US"/>
               <a:t>Click to edit Master text styles</a:t>
             </a:r>
+            <a:endParaRPr lang="en-US"/>
           </a:p>
           <a:p>
             <a:pPr lvl="1"/>
@@ -1879,6 +1907,7 @@
               <a:rPr lang="en-US"/>
               <a:t>Second level</a:t>
             </a:r>
+            <a:endParaRPr lang="en-US"/>
           </a:p>
           <a:p>
             <a:pPr lvl="2"/>
@@ -1886,6 +1915,7 @@
               <a:rPr lang="en-US"/>
               <a:t>Third level</a:t>
             </a:r>
+            <a:endParaRPr lang="en-US"/>
           </a:p>
           <a:p>
             <a:pPr lvl="3"/>
@@ -1893,6 +1923,7 @@
               <a:rPr lang="en-US"/>
               <a:t>Fourth level</a:t>
             </a:r>
+            <a:endParaRPr lang="en-US"/>
           </a:p>
           <a:p>
             <a:pPr lvl="4"/>
@@ -1900,6 +1931,7 @@
               <a:rPr lang="en-US"/>
               <a:t>Fifth level</a:t>
             </a:r>
+            <a:endParaRPr lang="en-US"/>
           </a:p>
         </p:txBody>
       </p:sp>
@@ -1920,7 +1952,6 @@
           <a:p>
             <a:fld id="{63A1C593-65D0-4073-BCC9-577B9352EA97}" type="datetimeFigureOut">
               <a:rPr lang="en-US" smtClean="0"/>
-              <a:t>2/15/2025</a:t>
             </a:fld>
             <a:endParaRPr lang="en-US"/>
           </a:p>
@@ -1962,7 +1993,6 @@
           <a:p>
             <a:fld id="{9B618960-8005-486C-9A75-10CB2AAC16F9}" type="slidenum">
               <a:rPr lang="en-US" smtClean="0"/>
-              <a:t>‹N›</a:t>
             </a:fld>
             <a:endParaRPr lang="en-US"/>
           </a:p>
@@ -2012,6 +2042,7 @@
               <a:rPr lang="en-US"/>
               <a:t>Click to edit Master title style</a:t>
             </a:r>
+            <a:endParaRPr lang="en-US"/>
           </a:p>
         </p:txBody>
       </p:sp>
@@ -2032,7 +2063,6 @@
           <a:p>
             <a:fld id="{63A1C593-65D0-4073-BCC9-577B9352EA97}" type="datetimeFigureOut">
               <a:rPr lang="en-US" smtClean="0"/>
-              <a:t>2/15/2025</a:t>
             </a:fld>
             <a:endParaRPr lang="en-US"/>
           </a:p>
@@ -2074,7 +2104,6 @@
           <a:p>
             <a:fld id="{9B618960-8005-486C-9A75-10CB2AAC16F9}" type="slidenum">
               <a:rPr lang="en-US" smtClean="0"/>
-              <a:t>‹N›</a:t>
             </a:fld>
             <a:endParaRPr lang="en-US"/>
           </a:p>
@@ -2122,7 +2151,6 @@
           <a:p>
             <a:fld id="{63A1C593-65D0-4073-BCC9-577B9352EA97}" type="datetimeFigureOut">
               <a:rPr lang="en-US" smtClean="0"/>
-              <a:t>2/15/2025</a:t>
             </a:fld>
             <a:endParaRPr lang="en-US"/>
           </a:p>
@@ -2164,7 +2192,6 @@
           <a:p>
             <a:fld id="{9B618960-8005-486C-9A75-10CB2AAC16F9}" type="slidenum">
               <a:rPr lang="en-US" smtClean="0"/>
-              <a:t>‹N›</a:t>
             </a:fld>
             <a:endParaRPr lang="en-US"/>
           </a:p>
@@ -2223,6 +2250,7 @@
               <a:rPr lang="en-US"/>
               <a:t>Click to edit Master title style</a:t>
             </a:r>
+            <a:endParaRPr lang="en-US"/>
           </a:p>
         </p:txBody>
       </p:sp>
@@ -2279,6 +2307,7 @@
               <a:rPr lang="en-US"/>
               <a:t>Click to edit Master text styles</a:t>
             </a:r>
+            <a:endParaRPr lang="en-US"/>
           </a:p>
           <a:p>
             <a:pPr lvl="1"/>
@@ -2286,6 +2315,7 @@
               <a:rPr lang="en-US"/>
               <a:t>Second level</a:t>
             </a:r>
+            <a:endParaRPr lang="en-US"/>
           </a:p>
           <a:p>
             <a:pPr lvl="2"/>
@@ -2293,6 +2323,7 @@
               <a:rPr lang="en-US"/>
               <a:t>Third level</a:t>
             </a:r>
+            <a:endParaRPr lang="en-US"/>
           </a:p>
           <a:p>
             <a:pPr lvl="3"/>
@@ -2300,6 +2331,7 @@
               <a:rPr lang="en-US"/>
               <a:t>Fourth level</a:t>
             </a:r>
+            <a:endParaRPr lang="en-US"/>
           </a:p>
           <a:p>
             <a:pPr lvl="4"/>
@@ -2307,6 +2339,7 @@
               <a:rPr lang="en-US"/>
               <a:t>Fifth level</a:t>
             </a:r>
+            <a:endParaRPr lang="en-US"/>
           </a:p>
         </p:txBody>
       </p:sp>
@@ -2372,6 +2405,7 @@
               <a:rPr lang="en-US"/>
               <a:t>Click to edit Master text styles</a:t>
             </a:r>
+            <a:endParaRPr lang="en-US"/>
           </a:p>
         </p:txBody>
       </p:sp>
@@ -2392,7 +2426,6 @@
           <a:p>
             <a:fld id="{63A1C593-65D0-4073-BCC9-577B9352EA97}" type="datetimeFigureOut">
               <a:rPr lang="en-US" smtClean="0"/>
-              <a:t>2/15/2025</a:t>
             </a:fld>
             <a:endParaRPr lang="en-US"/>
           </a:p>
@@ -2434,7 +2467,6 @@
           <a:p>
             <a:fld id="{9B618960-8005-486C-9A75-10CB2AAC16F9}" type="slidenum">
               <a:rPr lang="en-US" smtClean="0"/>
-              <a:t>‹N›</a:t>
             </a:fld>
             <a:endParaRPr lang="en-US"/>
           </a:p>
@@ -2493,6 +2525,7 @@
               <a:rPr lang="en-US"/>
               <a:t>Click to edit Master title style</a:t>
             </a:r>
+            <a:endParaRPr lang="en-US"/>
           </a:p>
         </p:txBody>
       </p:sp>
@@ -2619,6 +2652,7 @@
               <a:rPr lang="en-US"/>
               <a:t>Click to edit Master text styles</a:t>
             </a:r>
+            <a:endParaRPr lang="en-US"/>
           </a:p>
         </p:txBody>
       </p:sp>
@@ -2639,7 +2673,6 @@
           <a:p>
             <a:fld id="{63A1C593-65D0-4073-BCC9-577B9352EA97}" type="datetimeFigureOut">
               <a:rPr lang="en-US" smtClean="0"/>
-              <a:t>2/15/2025</a:t>
             </a:fld>
             <a:endParaRPr lang="en-US"/>
           </a:p>
@@ -2681,7 +2714,6 @@
           <a:p>
             <a:fld id="{9B618960-8005-486C-9A75-10CB2AAC16F9}" type="slidenum">
               <a:rPr lang="en-US" smtClean="0"/>
-              <a:t>‹N›</a:t>
             </a:fld>
             <a:endParaRPr lang="en-US"/>
           </a:p>
@@ -2746,6 +2778,7 @@
               <a:rPr lang="en-US"/>
               <a:t>Click to edit Master title style</a:t>
             </a:r>
+            <a:endParaRPr lang="en-US"/>
           </a:p>
         </p:txBody>
       </p:sp>
@@ -2779,6 +2812,7 @@
               <a:rPr lang="en-US"/>
               <a:t>Click to edit Master text styles</a:t>
             </a:r>
+            <a:endParaRPr lang="en-US"/>
           </a:p>
           <a:p>
             <a:pPr lvl="1"/>
@@ -2786,6 +2820,7 @@
               <a:rPr lang="en-US"/>
               <a:t>Second level</a:t>
             </a:r>
+            <a:endParaRPr lang="en-US"/>
           </a:p>
           <a:p>
             <a:pPr lvl="2"/>
@@ -2793,6 +2828,7 @@
               <a:rPr lang="en-US"/>
               <a:t>Third level</a:t>
             </a:r>
+            <a:endParaRPr lang="en-US"/>
           </a:p>
           <a:p>
             <a:pPr lvl="3"/>
@@ -2800,6 +2836,7 @@
               <a:rPr lang="en-US"/>
               <a:t>Fourth level</a:t>
             </a:r>
+            <a:endParaRPr lang="en-US"/>
           </a:p>
           <a:p>
             <a:pPr lvl="4"/>
@@ -2807,6 +2844,7 @@
               <a:rPr lang="en-US"/>
               <a:t>Fifth level</a:t>
             </a:r>
+            <a:endParaRPr lang="en-US"/>
           </a:p>
         </p:txBody>
       </p:sp>
@@ -2845,7 +2883,6 @@
           <a:p>
             <a:fld id="{63A1C593-65D0-4073-BCC9-577B9352EA97}" type="datetimeFigureOut">
               <a:rPr lang="en-US" smtClean="0"/>
-              <a:t>2/15/2025</a:t>
             </a:fld>
             <a:endParaRPr lang="en-US"/>
           </a:p>
@@ -2923,7 +2960,6 @@
           <a:p>
             <a:fld id="{9B618960-8005-486C-9A75-10CB2AAC16F9}" type="slidenum">
               <a:rPr lang="en-US" smtClean="0"/>
-              <a:t>‹N›</a:t>
             </a:fld>
             <a:endParaRPr lang="en-US"/>
           </a:p>
@@ -3339,6 +3375,9 @@
               </a:rPr>
               <a:t>Performance Comparison of QUIC and TCL+TLS Protocols</a:t>
             </a:r>
+            <a:endParaRPr lang="en-US" altLang="en-GB" sz="2400" b="1">
+              <a:effectLst/>
+            </a:endParaRPr>
           </a:p>
           <a:p>
             <a:r>
@@ -3347,6 +3386,9 @@
               </a:rPr>
               <a:t>in a File Transfer Application</a:t>
             </a:r>
+            <a:endParaRPr lang="en-US" altLang="en-GB" sz="2400" b="1">
+              <a:effectLst/>
+            </a:endParaRPr>
           </a:p>
         </p:txBody>
       </p:sp>
@@ -3376,6 +3418,7 @@
               <a:rPr lang="it-IT" altLang="en-GB" sz="1400"/>
               <a:t>Riccardo Puddu, Simone Zedda</a:t>
             </a:r>
+            <a:endParaRPr lang="it-IT" altLang="en-GB" sz="1400"/>
           </a:p>
         </p:txBody>
       </p:sp>
@@ -3427,7 +3470,7 @@
                 <p:cNvSpPr/>
                 <p:nvPr>
                   <p:custDataLst>
-                    <p:tags r:id="rId5"/>
+                    <p:tags r:id="rId1"/>
                   </p:custDataLst>
                 </p:nvPr>
               </p:nvSpPr>
@@ -3502,7 +3545,7 @@
                 <p:cNvSpPr/>
                 <p:nvPr>
                   <p:custDataLst>
-                    <p:tags r:id="rId6"/>
+                    <p:tags r:id="rId2"/>
                   </p:custDataLst>
                 </p:nvPr>
               </p:nvSpPr>
@@ -3643,10 +3686,10 @@
                   <p:nvPr/>
                 </p:nvPicPr>
                 <p:blipFill>
-                  <a:blip r:embed="rId8">
+                  <a:blip r:embed="rId3">
                     <a:extLst>
                       <a:ext uri="{96DAC541-7B7A-43D3-8B79-37D633B846F1}">
-                        <asvg:svgBlip xmlns:asvg="http://schemas.microsoft.com/office/drawing/2016/SVG/main" r:embed="rId9"/>
+                        <asvg:svgBlip xmlns:asvg="http://schemas.microsoft.com/office/drawing/2016/SVG/main" r:embed="rId4"/>
                       </a:ext>
                     </a:extLst>
                   </a:blip>
@@ -3740,10 +3783,10 @@
                   <p:nvPr/>
                 </p:nvPicPr>
                 <p:blipFill>
-                  <a:blip r:embed="rId10">
+                  <a:blip r:embed="rId5">
                     <a:extLst>
                       <a:ext uri="{96DAC541-7B7A-43D3-8B79-37D633B846F1}">
-                        <asvg:svgBlip xmlns:asvg="http://schemas.microsoft.com/office/drawing/2016/SVG/main" r:embed="rId11"/>
+                        <asvg:svgBlip xmlns:asvg="http://schemas.microsoft.com/office/drawing/2016/SVG/main" r:embed="rId6"/>
                       </a:ext>
                     </a:extLst>
                   </a:blip>
@@ -3837,10 +3880,10 @@
                   <p:nvPr/>
                 </p:nvPicPr>
                 <p:blipFill>
-                  <a:blip r:embed="rId12">
+                  <a:blip r:embed="rId7">
                     <a:extLst>
                       <a:ext uri="{96DAC541-7B7A-43D3-8B79-37D633B846F1}">
-                        <asvg:svgBlip xmlns:asvg="http://schemas.microsoft.com/office/drawing/2016/SVG/main" r:embed="rId13"/>
+                        <asvg:svgBlip xmlns:asvg="http://schemas.microsoft.com/office/drawing/2016/SVG/main" r:embed="rId8"/>
                       </a:ext>
                     </a:extLst>
                   </a:blip>
@@ -3881,7 +3924,7 @@
               <p:cNvSpPr/>
               <p:nvPr>
                 <p:custDataLst>
-                  <p:tags r:id="rId1"/>
+                  <p:tags r:id="rId9"/>
                 </p:custDataLst>
               </p:nvPr>
             </p:nvSpPr>
@@ -3944,7 +3987,7 @@
               <p:cNvSpPr/>
               <p:nvPr>
                 <p:custDataLst>
-                  <p:tags r:id="rId2"/>
+                  <p:tags r:id="rId10"/>
                 </p:custDataLst>
               </p:nvPr>
             </p:nvSpPr>
@@ -4090,7 +4133,7 @@
               <p:cNvSpPr/>
               <p:nvPr>
                 <p:custDataLst>
-                  <p:tags r:id="rId3"/>
+                  <p:tags r:id="rId11"/>
                 </p:custDataLst>
               </p:nvPr>
             </p:nvSpPr>
@@ -4236,7 +4279,7 @@
               <p:cNvSpPr/>
               <p:nvPr>
                 <p:custDataLst>
-                  <p:tags r:id="rId4"/>
+                  <p:tags r:id="rId12"/>
                 </p:custDataLst>
               </p:nvPr>
             </p:nvSpPr>
@@ -4545,6 +4588,9 @@
               </a:rPr>
               <a:t>Motivation</a:t>
             </a:r>
+            <a:endParaRPr lang="it-IT" altLang="en-US" sz="2400" b="1">
+              <a:effectLst/>
+            </a:endParaRPr>
           </a:p>
         </p:txBody>
       </p:sp>
@@ -4574,6 +4620,7 @@
               <a:rPr lang="it-IT" altLang="en-GB" sz="1400"/>
               <a:t>2</a:t>
             </a:r>
+            <a:endParaRPr lang="it-IT" altLang="en-GB" sz="1400"/>
           </a:p>
         </p:txBody>
       </p:sp>
@@ -4603,6 +4650,7 @@
               <a:rPr lang="it-IT" altLang="en-GB"/>
               <a:t>Why does this matter?</a:t>
             </a:r>
+            <a:endParaRPr lang="it-IT" altLang="en-GB"/>
           </a:p>
         </p:txBody>
       </p:sp>
@@ -4696,7 +4744,7 @@
               <p:cNvSpPr/>
               <p:nvPr>
                 <p:custDataLst>
-                  <p:tags r:id="rId11"/>
+                  <p:tags r:id="rId3"/>
                 </p:custDataLst>
               </p:nvPr>
             </p:nvSpPr>
@@ -4833,7 +4881,7 @@
               <p:cNvSpPr/>
               <p:nvPr>
                 <p:custDataLst>
-                  <p:tags r:id="rId12"/>
+                  <p:tags r:id="rId4"/>
                 </p:custDataLst>
               </p:nvPr>
             </p:nvSpPr>
@@ -4871,6 +4919,13 @@
                   </a:rPr>
                   <a:t>TCP-TLS Drawbacks</a:t>
                 </a:r>
+                <a:endParaRPr lang="it-IT" altLang="en-US" sz="1700" b="1" dirty="0">
+                  <a:solidFill>
+                    <a:schemeClr val="accent1"/>
+                  </a:solidFill>
+                  <a:latin typeface="+mj-lt"/>
+                  <a:sym typeface="+mn-ea"/>
+                </a:endParaRPr>
               </a:p>
             </p:txBody>
           </p:sp>
@@ -4880,7 +4935,7 @@
               <p:cNvSpPr/>
               <p:nvPr>
                 <p:custDataLst>
-                  <p:tags r:id="rId13"/>
+                  <p:tags r:id="rId5"/>
                 </p:custDataLst>
               </p:nvPr>
             </p:nvSpPr>
@@ -4924,6 +4979,16 @@
                   </a:rPr>
                   <a:t>Extra handshakes, latency, packet loss issues.</a:t>
                 </a:r>
+                <a:endParaRPr lang="it-IT" altLang="en-US" sz="1400" dirty="0">
+                  <a:solidFill>
+                    <a:schemeClr val="tx1">
+                      <a:lumMod val="85000"/>
+                      <a:lumOff val="15000"/>
+                    </a:schemeClr>
+                  </a:solidFill>
+                  <a:latin typeface="+mn-lt"/>
+                  <a:sym typeface="+mn-ea"/>
+                </a:endParaRPr>
               </a:p>
             </p:txBody>
           </p:sp>
@@ -4936,10 +5001,10 @@
               <p:nvPr/>
             </p:nvPicPr>
             <p:blipFill>
-              <a:blip r:embed="rId15">
+              <a:blip r:embed="rId6">
                 <a:extLst>
                   <a:ext uri="{96DAC541-7B7A-43D3-8B79-37D633B846F1}">
-                    <asvg:svgBlip xmlns:asvg="http://schemas.microsoft.com/office/drawing/2016/SVG/main" r:embed="rId16"/>
+                    <asvg:svgBlip xmlns:asvg="http://schemas.microsoft.com/office/drawing/2016/SVG/main" r:embed="rId7"/>
                   </a:ext>
                 </a:extLst>
               </a:blip>
@@ -4964,7 +5029,7 @@
             <p:cNvGrpSpPr/>
             <p:nvPr>
               <p:custDataLst>
-                <p:tags r:id="rId3"/>
+                <p:tags r:id="rId8"/>
               </p:custDataLst>
             </p:nvPr>
           </p:nvGrpSpPr>
@@ -4982,7 +5047,7 @@
               <p:cNvSpPr/>
               <p:nvPr>
                 <p:custDataLst>
-                  <p:tags r:id="rId8"/>
+                  <p:tags r:id="rId9"/>
                 </p:custDataLst>
               </p:nvPr>
             </p:nvSpPr>
@@ -5119,7 +5184,7 @@
               <p:cNvSpPr/>
               <p:nvPr>
                 <p:custDataLst>
-                  <p:tags r:id="rId9"/>
+                  <p:tags r:id="rId10"/>
                 </p:custDataLst>
               </p:nvPr>
             </p:nvSpPr>
@@ -5157,6 +5222,13 @@
                   </a:rPr>
                   <a:t>Data Transfer efficiency</a:t>
                 </a:r>
+                <a:endParaRPr lang="it-IT" altLang="en-US" sz="1700" b="1" dirty="0">
+                  <a:solidFill>
+                    <a:schemeClr val="accent1"/>
+                  </a:solidFill>
+                  <a:latin typeface="+mj-lt"/>
+                  <a:sym typeface="+mn-ea"/>
+                </a:endParaRPr>
               </a:p>
             </p:txBody>
           </p:sp>
@@ -5166,7 +5238,7 @@
               <p:cNvSpPr/>
               <p:nvPr>
                 <p:custDataLst>
-                  <p:tags r:id="rId10"/>
+                  <p:tags r:id="rId11"/>
                 </p:custDataLst>
               </p:nvPr>
             </p:nvSpPr>
@@ -5210,6 +5282,16 @@
                   </a:rPr>
                   <a:t>Critical for cloud storage, video streaming, and web apps.</a:t>
                 </a:r>
+                <a:endParaRPr lang="it-IT" altLang="en-US" sz="1400" dirty="0">
+                  <a:solidFill>
+                    <a:schemeClr val="tx1">
+                      <a:lumMod val="85000"/>
+                      <a:lumOff val="15000"/>
+                    </a:schemeClr>
+                  </a:solidFill>
+                  <a:latin typeface="+mn-lt"/>
+                  <a:sym typeface="+mn-ea"/>
+                </a:endParaRPr>
               </a:p>
             </p:txBody>
           </p:sp>
@@ -5222,10 +5304,10 @@
               <p:nvPr/>
             </p:nvPicPr>
             <p:blipFill>
-              <a:blip r:embed="rId17">
+              <a:blip r:embed="rId12">
                 <a:extLst>
                   <a:ext uri="{96DAC541-7B7A-43D3-8B79-37D633B846F1}">
-                    <asvg:svgBlip xmlns:asvg="http://schemas.microsoft.com/office/drawing/2016/SVG/main" r:embed="rId18"/>
+                    <asvg:svgBlip xmlns:asvg="http://schemas.microsoft.com/office/drawing/2016/SVG/main" r:embed="rId13"/>
                   </a:ext>
                 </a:extLst>
               </a:blip>
@@ -5250,7 +5332,7 @@
             <p:cNvGrpSpPr/>
             <p:nvPr>
               <p:custDataLst>
-                <p:tags r:id="rId4"/>
+                <p:tags r:id="rId14"/>
               </p:custDataLst>
             </p:nvPr>
           </p:nvGrpSpPr>
@@ -5268,7 +5350,7 @@
               <p:cNvSpPr/>
               <p:nvPr>
                 <p:custDataLst>
-                  <p:tags r:id="rId5"/>
+                  <p:tags r:id="rId15"/>
                 </p:custDataLst>
               </p:nvPr>
             </p:nvSpPr>
@@ -5405,7 +5487,7 @@
               <p:cNvSpPr/>
               <p:nvPr>
                 <p:custDataLst>
-                  <p:tags r:id="rId6"/>
+                  <p:tags r:id="rId16"/>
                 </p:custDataLst>
               </p:nvPr>
             </p:nvSpPr>
@@ -5443,6 +5525,13 @@
                   </a:rPr>
                   <a:t>QUIC:</a:t>
                 </a:r>
+                <a:endParaRPr lang="it-IT" altLang="en-US" sz="1700" b="1" dirty="0">
+                  <a:solidFill>
+                    <a:schemeClr val="accent1"/>
+                  </a:solidFill>
+                  <a:latin typeface="+mj-lt"/>
+                  <a:sym typeface="+mn-ea"/>
+                </a:endParaRPr>
               </a:p>
               <a:p>
                 <a:pPr>
@@ -5463,6 +5552,13 @@
                   </a:rPr>
                   <a:t>Fast by design</a:t>
                 </a:r>
+                <a:endParaRPr lang="it-IT" altLang="en-US" sz="1700" b="1" dirty="0">
+                  <a:solidFill>
+                    <a:schemeClr val="accent1"/>
+                  </a:solidFill>
+                  <a:latin typeface="+mj-lt"/>
+                  <a:sym typeface="+mn-ea"/>
+                </a:endParaRPr>
               </a:p>
             </p:txBody>
           </p:sp>
@@ -5472,7 +5568,7 @@
               <p:cNvSpPr/>
               <p:nvPr>
                 <p:custDataLst>
-                  <p:tags r:id="rId7"/>
+                  <p:tags r:id="rId17"/>
                 </p:custDataLst>
               </p:nvPr>
             </p:nvSpPr>
@@ -5516,6 +5612,16 @@
                   </a:rPr>
                   <a:t>Real-world performance needs verification.</a:t>
                 </a:r>
+                <a:endParaRPr lang="it-IT" altLang="en-US" sz="1400" dirty="0">
+                  <a:solidFill>
+                    <a:schemeClr val="tx1">
+                      <a:lumMod val="85000"/>
+                      <a:lumOff val="15000"/>
+                    </a:schemeClr>
+                  </a:solidFill>
+                  <a:latin typeface="+mn-lt"/>
+                  <a:sym typeface="+mn-ea"/>
+                </a:endParaRPr>
               </a:p>
             </p:txBody>
           </p:sp>
@@ -5528,10 +5634,10 @@
               <p:nvPr/>
             </p:nvPicPr>
             <p:blipFill>
-              <a:blip r:embed="rId19">
+              <a:blip r:embed="rId18">
                 <a:extLst>
                   <a:ext uri="{96DAC541-7B7A-43D3-8B79-37D633B846F1}">
-                    <asvg:svgBlip xmlns:asvg="http://schemas.microsoft.com/office/drawing/2016/SVG/main" r:embed="rId20"/>
+                    <asvg:svgBlip xmlns:asvg="http://schemas.microsoft.com/office/drawing/2016/SVG/main" r:embed="rId19"/>
                   </a:ext>
                 </a:extLst>
               </a:blip>
@@ -5562,7 +5668,7 @@
         <p159:morph option="byObject"/>
       </p:transition>
     </mc:Choice>
-    <mc:Fallback xmlns="">
+    <mc:Fallback>
       <p:transition spd="slow">
         <p:fade/>
       </p:transition>
@@ -5680,6 +5786,9 @@
               </a:rPr>
               <a:t>Background</a:t>
             </a:r>
+            <a:endParaRPr lang="it-IT" altLang="en-US" sz="2400" b="1">
+              <a:effectLst/>
+            </a:endParaRPr>
           </a:p>
         </p:txBody>
       </p:sp>
@@ -5709,6 +5818,7 @@
               <a:rPr lang="it-IT" altLang="en-GB" sz="1400"/>
               <a:t>3</a:t>
             </a:r>
+            <a:endParaRPr lang="it-IT" altLang="en-GB" sz="1400"/>
           </a:p>
         </p:txBody>
       </p:sp>
@@ -5894,6 +6004,7 @@
               <a:rPr lang="it-IT" altLang="en-GB" b="1"/>
               <a:t>TCP-TLS Drawbacks</a:t>
             </a:r>
+            <a:endParaRPr lang="it-IT" altLang="en-GB" b="1"/>
           </a:p>
         </p:txBody>
       </p:sp>
@@ -6054,10 +6165,10 @@
                   <p:nvPr/>
                 </p:nvPicPr>
                 <p:blipFill>
-                  <a:blip r:embed="rId2">
+                  <a:blip r:embed="rId1">
                     <a:extLst>
                       <a:ext uri="{96DAC541-7B7A-43D3-8B79-37D633B846F1}">
-                        <asvg:svgBlip xmlns:asvg="http://schemas.microsoft.com/office/drawing/2016/SVG/main" r:embed="rId3"/>
+                        <asvg:svgBlip xmlns:asvg="http://schemas.microsoft.com/office/drawing/2016/SVG/main" r:embed="rId2"/>
                       </a:ext>
                     </a:extLst>
                   </a:blip>
@@ -6104,6 +6215,7 @@
                   <a:rPr lang="it-IT" altLang="en-GB"/>
                   <a:t>Separate Layers</a:t>
                 </a:r>
+                <a:endParaRPr lang="it-IT" altLang="en-GB"/>
               </a:p>
             </p:txBody>
           </p:sp>
@@ -6251,10 +6363,10 @@
                   <p:nvPr/>
                 </p:nvPicPr>
                 <p:blipFill>
-                  <a:blip r:embed="rId4">
+                  <a:blip r:embed="rId3">
                     <a:extLst>
                       <a:ext uri="{96DAC541-7B7A-43D3-8B79-37D633B846F1}">
-                        <asvg:svgBlip xmlns:asvg="http://schemas.microsoft.com/office/drawing/2016/SVG/main" r:embed="rId5"/>
+                        <asvg:svgBlip xmlns:asvg="http://schemas.microsoft.com/office/drawing/2016/SVG/main" r:embed="rId4"/>
                       </a:ext>
                     </a:extLst>
                   </a:blip>
@@ -6301,6 +6413,7 @@
                   <a:rPr lang="it-IT" altLang="en-GB"/>
                   <a:t>Head-of-Line Blocking</a:t>
                 </a:r>
+                <a:endParaRPr lang="it-IT" altLang="en-GB"/>
               </a:p>
             </p:txBody>
           </p:sp>
@@ -6448,10 +6561,10 @@
                   <p:nvPr/>
                 </p:nvPicPr>
                 <p:blipFill>
-                  <a:blip r:embed="rId6">
+                  <a:blip r:embed="rId5">
                     <a:extLst>
                       <a:ext uri="{96DAC541-7B7A-43D3-8B79-37D633B846F1}">
-                        <asvg:svgBlip xmlns:asvg="http://schemas.microsoft.com/office/drawing/2016/SVG/main" r:embed="rId7"/>
+                        <asvg:svgBlip xmlns:asvg="http://schemas.microsoft.com/office/drawing/2016/SVG/main" r:embed="rId6"/>
                       </a:ext>
                     </a:extLst>
                   </a:blip>
@@ -6498,6 +6611,7 @@
                   <a:rPr lang="it-IT" altLang="en-GB"/>
                   <a:t>Latency Issues</a:t>
                 </a:r>
+                <a:endParaRPr lang="it-IT" altLang="en-GB"/>
               </a:p>
             </p:txBody>
           </p:sp>
@@ -6514,7 +6628,7 @@
         <p159:morph option="byObject"/>
       </p:transition>
     </mc:Choice>
-    <mc:Fallback xmlns="">
+    <mc:Fallback>
       <p:transition spd="slow">
         <p:fade/>
       </p:transition>
@@ -6632,6 +6746,9 @@
               </a:rPr>
               <a:t>Background</a:t>
             </a:r>
+            <a:endParaRPr lang="it-IT" altLang="en-US" sz="2400" b="1">
+              <a:effectLst/>
+            </a:endParaRPr>
           </a:p>
         </p:txBody>
       </p:sp>
@@ -6661,6 +6778,7 @@
               <a:rPr lang="it-IT" altLang="en-GB" sz="1400"/>
               <a:t>4</a:t>
             </a:r>
+            <a:endParaRPr lang="it-IT" altLang="en-GB" sz="1400"/>
           </a:p>
         </p:txBody>
       </p:sp>
@@ -6846,6 +6964,7 @@
               <a:rPr lang="it-IT" altLang="en-GB" b="1"/>
               <a:t>QUIC Advantages</a:t>
             </a:r>
+            <a:endParaRPr lang="it-IT" altLang="en-GB" b="1"/>
           </a:p>
         </p:txBody>
       </p:sp>
@@ -7064,6 +7183,7 @@
                     <a:rPr lang="it-IT" altLang="en-GB"/>
                     <a:t>Works over UDP</a:t>
                   </a:r>
+                  <a:endParaRPr lang="it-IT" altLang="en-GB"/>
                 </a:p>
               </p:txBody>
             </p:sp>
@@ -7077,10 +7197,10 @@
               <p:nvPr/>
             </p:nvPicPr>
             <p:blipFill>
-              <a:blip r:embed="rId2">
+              <a:blip r:embed="rId1">
                 <a:extLst>
                   <a:ext uri="{96DAC541-7B7A-43D3-8B79-37D633B846F1}">
-                    <asvg:svgBlip xmlns:asvg="http://schemas.microsoft.com/office/drawing/2016/SVG/main" r:embed="rId3"/>
+                    <asvg:svgBlip xmlns:asvg="http://schemas.microsoft.com/office/drawing/2016/SVG/main" r:embed="rId2"/>
                   </a:ext>
                 </a:extLst>
               </a:blip>
@@ -7261,6 +7381,7 @@
                     <a:rPr lang="it-IT" altLang="en-GB"/>
                     <a:t>CombinedLayers</a:t>
                   </a:r>
+                  <a:endParaRPr lang="it-IT" altLang="en-GB"/>
                 </a:p>
               </p:txBody>
             </p:sp>
@@ -7274,10 +7395,10 @@
               <p:nvPr/>
             </p:nvPicPr>
             <p:blipFill>
-              <a:blip r:embed="rId4">
+              <a:blip r:embed="rId3">
                 <a:extLst>
                   <a:ext uri="{96DAC541-7B7A-43D3-8B79-37D633B846F1}">
-                    <asvg:svgBlip xmlns:asvg="http://schemas.microsoft.com/office/drawing/2016/SVG/main" r:embed="rId5"/>
+                    <asvg:svgBlip xmlns:asvg="http://schemas.microsoft.com/office/drawing/2016/SVG/main" r:embed="rId4"/>
                   </a:ext>
                 </a:extLst>
               </a:blip>
@@ -7458,6 +7579,7 @@
                     <a:rPr lang="it-IT" altLang="en-GB"/>
                     <a:t>Multiplexing</a:t>
                   </a:r>
+                  <a:endParaRPr lang="it-IT" altLang="en-GB"/>
                 </a:p>
               </p:txBody>
             </p:sp>
@@ -7471,10 +7593,10 @@
               <p:nvPr/>
             </p:nvPicPr>
             <p:blipFill>
-              <a:blip r:embed="rId6">
+              <a:blip r:embed="rId5">
                 <a:extLst>
                   <a:ext uri="{96DAC541-7B7A-43D3-8B79-37D633B846F1}">
-                    <asvg:svgBlip xmlns:asvg="http://schemas.microsoft.com/office/drawing/2016/SVG/main" r:embed="rId7"/>
+                    <asvg:svgBlip xmlns:asvg="http://schemas.microsoft.com/office/drawing/2016/SVG/main" r:embed="rId6"/>
                   </a:ext>
                 </a:extLst>
               </a:blip>
@@ -7505,7 +7627,7 @@
         <p159:morph option="byObject"/>
       </p:transition>
     </mc:Choice>
-    <mc:Fallback xmlns="">
+    <mc:Fallback>
       <p:transition spd="slow">
         <p:fade/>
       </p:transition>
@@ -7623,6 +7745,9 @@
               </a:rPr>
               <a:t>Implementation Overview</a:t>
             </a:r>
+            <a:endParaRPr lang="it-IT" altLang="en-US" sz="2400" b="1">
+              <a:effectLst/>
+            </a:endParaRPr>
           </a:p>
         </p:txBody>
       </p:sp>
@@ -7652,6 +7777,7 @@
               <a:rPr lang="it-IT" altLang="en-GB" sz="1400"/>
               <a:t>5</a:t>
             </a:r>
+            <a:endParaRPr lang="it-IT" altLang="en-GB" sz="1400"/>
           </a:p>
         </p:txBody>
       </p:sp>
@@ -7753,10 +7879,10 @@
             <p:nvPr/>
           </p:nvPicPr>
           <p:blipFill>
-            <a:blip r:embed="rId9">
+            <a:blip r:embed="rId1">
               <a:extLst>
                 <a:ext uri="{96DAC541-7B7A-43D3-8B79-37D633B846F1}">
-                  <asvg:svgBlip xmlns:asvg="http://schemas.microsoft.com/office/drawing/2016/SVG/main" r:embed="rId10"/>
+                  <asvg:svgBlip xmlns:asvg="http://schemas.microsoft.com/office/drawing/2016/SVG/main" r:embed="rId2"/>
                 </a:ext>
               </a:extLst>
             </a:blip>
@@ -7800,6 +7926,7 @@
                 <a:rPr lang="it-IT" altLang="en-GB"/>
                 <a:t>File Download Request</a:t>
               </a:r>
+              <a:endParaRPr lang="it-IT" altLang="en-GB"/>
             </a:p>
           </p:txBody>
         </p:sp>
@@ -7902,10 +8029,10 @@
             <p:nvPr/>
           </p:nvPicPr>
           <p:blipFill>
-            <a:blip r:embed="rId11">
+            <a:blip r:embed="rId3">
               <a:extLst>
                 <a:ext uri="{96DAC541-7B7A-43D3-8B79-37D633B846F1}">
-                  <asvg:svgBlip xmlns:asvg="http://schemas.microsoft.com/office/drawing/2016/SVG/main" r:embed="rId12"/>
+                  <asvg:svgBlip xmlns:asvg="http://schemas.microsoft.com/office/drawing/2016/SVG/main" r:embed="rId4"/>
                 </a:ext>
               </a:extLst>
             </a:blip>
@@ -7949,6 +8076,7 @@
                 <a:rPr lang="it-IT" altLang="en-GB"/>
                 <a:t>File Upload Request</a:t>
               </a:r>
+              <a:endParaRPr lang="it-IT" altLang="en-GB"/>
             </a:p>
           </p:txBody>
         </p:sp>
@@ -8051,10 +8179,10 @@
             <p:nvPr/>
           </p:nvPicPr>
           <p:blipFill>
-            <a:blip r:embed="rId13">
+            <a:blip r:embed="rId5">
               <a:extLst>
                 <a:ext uri="{96DAC541-7B7A-43D3-8B79-37D633B846F1}">
-                  <asvg:svgBlip xmlns:asvg="http://schemas.microsoft.com/office/drawing/2016/SVG/main" r:embed="rId14"/>
+                  <asvg:svgBlip xmlns:asvg="http://schemas.microsoft.com/office/drawing/2016/SVG/main" r:embed="rId6"/>
                 </a:ext>
               </a:extLst>
             </a:blip>
@@ -8099,6 +8227,7 @@
                 <a:rPr lang="it-IT" altLang="en-GB"/>
                 <a:t>Ping Request</a:t>
               </a:r>
+              <a:endParaRPr lang="it-IT" altLang="en-GB"/>
             </a:p>
           </p:txBody>
         </p:sp>
@@ -8123,7 +8252,7 @@
             <p:cNvSpPr/>
             <p:nvPr>
               <p:custDataLst>
-                <p:tags r:id="rId1"/>
+                <p:tags r:id="rId7"/>
               </p:custDataLst>
             </p:nvPr>
           </p:nvSpPr>
@@ -8166,7 +8295,7 @@
             <p:cNvSpPr/>
             <p:nvPr>
               <p:custDataLst>
-                <p:tags r:id="rId2"/>
+                <p:tags r:id="rId8"/>
               </p:custDataLst>
             </p:nvPr>
           </p:nvSpPr>
@@ -8209,7 +8338,7 @@
             <p:cNvSpPr/>
             <p:nvPr>
               <p:custDataLst>
-                <p:tags r:id="rId3"/>
+                <p:tags r:id="rId9"/>
               </p:custDataLst>
             </p:nvPr>
           </p:nvSpPr>
@@ -8252,7 +8381,7 @@
             <p:cNvSpPr/>
             <p:nvPr>
               <p:custDataLst>
-                <p:tags r:id="rId4"/>
+                <p:tags r:id="rId10"/>
               </p:custDataLst>
             </p:nvPr>
           </p:nvSpPr>
@@ -8321,6 +8450,16 @@
                 </a:rPr>
                 <a:t>Library Used: </a:t>
               </a:r>
+              <a:endParaRPr lang="it-IT" altLang="en-US" dirty="0">
+                <a:solidFill>
+                  <a:schemeClr val="dk1">
+                    <a:lumMod val="80000"/>
+                    <a:lumOff val="20000"/>
+                  </a:schemeClr>
+                </a:solidFill>
+                <a:latin typeface="+mn-lt"/>
+                <a:sym typeface="+mn-ea"/>
+              </a:endParaRPr>
             </a:p>
             <a:p>
               <a:pPr lvl="0" algn="l">
@@ -8357,7 +8496,7 @@
                   </a:solidFill>
                   <a:latin typeface="+mn-lt"/>
                   <a:sym typeface="+mn-ea"/>
-                  <a:hlinkClick r:id="rId15" action="ppaction://hlinkfile"/>
+                  <a:hlinkClick r:id="rId11" action="ppaction://hlinkfile"/>
                 </a:rPr>
                 <a:t>Link</a:t>
               </a:r>
@@ -8374,6 +8513,16 @@
                 </a:rPr>
                 <a:t>]</a:t>
               </a:r>
+              <a:endParaRPr lang="it-IT" altLang="en-US" dirty="0">
+                <a:solidFill>
+                  <a:schemeClr val="dk1">
+                    <a:lumMod val="80000"/>
+                    <a:lumOff val="20000"/>
+                  </a:schemeClr>
+                </a:solidFill>
+                <a:latin typeface="+mn-lt"/>
+                <a:sym typeface="+mn-ea"/>
+              </a:endParaRPr>
             </a:p>
           </p:txBody>
         </p:sp>
@@ -8383,7 +8532,7 @@
             <p:cNvSpPr/>
             <p:nvPr>
               <p:custDataLst>
-                <p:tags r:id="rId5"/>
+                <p:tags r:id="rId12"/>
               </p:custDataLst>
             </p:nvPr>
           </p:nvSpPr>
@@ -8452,6 +8601,16 @@
                 </a:rPr>
                 <a:t>Built on asyncio</a:t>
               </a:r>
+              <a:endParaRPr lang="it-IT" altLang="en-US" dirty="0">
+                <a:solidFill>
+                  <a:schemeClr val="dk1">
+                    <a:lumMod val="80000"/>
+                    <a:lumOff val="20000"/>
+                  </a:schemeClr>
+                </a:solidFill>
+                <a:latin typeface="+mn-lt"/>
+                <a:sym typeface="+mn-ea"/>
+              </a:endParaRPr>
             </a:p>
           </p:txBody>
         </p:sp>
@@ -8461,7 +8620,7 @@
             <p:cNvSpPr/>
             <p:nvPr>
               <p:custDataLst>
-                <p:tags r:id="rId6"/>
+                <p:tags r:id="rId13"/>
               </p:custDataLst>
             </p:nvPr>
           </p:nvSpPr>
@@ -8532,6 +8691,16 @@
                 </a:rPr>
                 <a:t>TLS 1.3 built-in</a:t>
               </a:r>
+              <a:endParaRPr lang="it-IT" altLang="en-US" dirty="0">
+                <a:solidFill>
+                  <a:schemeClr val="dk1">
+                    <a:lumMod val="80000"/>
+                    <a:lumOff val="20000"/>
+                  </a:schemeClr>
+                </a:solidFill>
+                <a:latin typeface="+mn-lt"/>
+                <a:sym typeface="+mn-ea"/>
+              </a:endParaRPr>
             </a:p>
           </p:txBody>
         </p:sp>
@@ -8541,7 +8710,7 @@
             <p:cNvSpPr/>
             <p:nvPr>
               <p:custDataLst>
-                <p:tags r:id="rId7"/>
+                <p:tags r:id="rId14"/>
               </p:custDataLst>
             </p:nvPr>
           </p:nvSpPr>
@@ -8630,6 +8799,13 @@
                 </a:rPr>
                 <a:t>QUIC </a:t>
               </a:r>
+              <a:endParaRPr lang="it-IT" altLang="en-US" b="1" dirty="0">
+                <a:solidFill>
+                  <a:schemeClr val="tx1"/>
+                </a:solidFill>
+                <a:latin typeface="+mj-lt"/>
+                <a:sym typeface="+mn-ea"/>
+              </a:endParaRPr>
             </a:p>
           </p:txBody>
         </p:sp>
@@ -8693,7 +8869,7 @@
         <p159:morph option="byObject"/>
       </p:transition>
     </mc:Choice>
-    <mc:Fallback xmlns="">
+    <mc:Fallback>
       <p:transition spd="slow">
         <p:fade/>
       </p:transition>
@@ -8718,13 +8894,7 @@
     </p:bg>
     <p:spTree>
       <p:nvGrpSpPr>
-        <p:cNvPr id="1" name="">
-          <a:extLst>
-            <a:ext uri="{FF2B5EF4-FFF2-40B4-BE49-F238E27FC236}">
-              <a16:creationId xmlns:a16="http://schemas.microsoft.com/office/drawing/2014/main" id="{9020BF2C-42FF-0D01-C08B-2513F01B1C6A}"/>
-            </a:ext>
-          </a:extLst>
-        </p:cNvPr>
+        <p:cNvPr id="1" name=""/>
         <p:cNvGrpSpPr/>
         <p:nvPr/>
       </p:nvGrpSpPr>
@@ -8738,13 +8908,7 @@
       </p:grpSpPr>
       <p:sp>
         <p:nvSpPr>
-          <p:cNvPr id="4" name="Rectangles 3">
-            <a:extLst>
-              <a:ext uri="{FF2B5EF4-FFF2-40B4-BE49-F238E27FC236}">
-                <a16:creationId xmlns:a16="http://schemas.microsoft.com/office/drawing/2014/main" id="{DD63669A-BE6C-440A-1452-7CA9C5CEAB64}"/>
-              </a:ext>
-            </a:extLst>
-          </p:cNvPr>
+          <p:cNvPr id="4" name="Rectangles 3"/>
           <p:cNvSpPr/>
           <p:nvPr/>
         </p:nvSpPr>
@@ -8804,7 +8968,6 @@
               <a:buSzTx/>
               <a:buFontTx/>
               <a:buNone/>
-              <a:tabLst/>
               <a:defRPr/>
             </a:pPr>
             <a:endParaRPr kumimoji="0" lang="en-GB" altLang="en-US" sz="1800" b="0" i="0" u="none" strike="noStrike" kern="1200" cap="none" spc="0" normalizeH="0" baseline="0" noProof="0">
@@ -8817,7 +8980,7 @@
               <a:effectLst/>
               <a:uLnTx/>
               <a:uFillTx/>
-              <a:latin typeface="Calibri"/>
+              <a:latin typeface="Calibri" panose="020F0502020204030204"/>
               <a:ea typeface="+mn-ea"/>
               <a:cs typeface="+mn-cs"/>
             </a:endParaRPr>
@@ -8826,13 +8989,7 @@
       </p:sp>
       <p:sp>
         <p:nvSpPr>
-          <p:cNvPr id="6" name="Text Box 5">
-            <a:extLst>
-              <a:ext uri="{FF2B5EF4-FFF2-40B4-BE49-F238E27FC236}">
-                <a16:creationId xmlns:a16="http://schemas.microsoft.com/office/drawing/2014/main" id="{2E68BC6D-0076-1CC2-7DC0-D913617ADC98}"/>
-              </a:ext>
-            </a:extLst>
-          </p:cNvPr>
+          <p:cNvPr id="6" name="Text Box 5"/>
           <p:cNvSpPr txBox="1"/>
           <p:nvPr/>
         </p:nvSpPr>
@@ -8866,7 +9023,6 @@
               <a:buSzTx/>
               <a:buFontTx/>
               <a:buNone/>
-              <a:tabLst/>
               <a:defRPr/>
             </a:pPr>
             <a:r>
@@ -8880,7 +9036,7 @@
                 <a:effectLst/>
                 <a:uLnTx/>
                 <a:uFillTx/>
-                <a:latin typeface="Calibri"/>
+                <a:latin typeface="Calibri" panose="020F0502020204030204"/>
                 <a:ea typeface="+mn-ea"/>
                 <a:cs typeface="+mn-cs"/>
               </a:rPr>
@@ -8891,7 +9047,7 @@
                 <a:solidFill>
                   <a:prstClr val="black"/>
                 </a:solidFill>
-                <a:latin typeface="Calibri"/>
+                <a:latin typeface="Calibri" panose="020F0502020204030204"/>
               </a:rPr>
               <a:t>E</a:t>
             </a:r>
@@ -8906,7 +9062,7 @@
                 <a:effectLst/>
                 <a:uLnTx/>
                 <a:uFillTx/>
-                <a:latin typeface="Calibri"/>
+                <a:latin typeface="Calibri" panose="020F0502020204030204"/>
                 <a:ea typeface="+mn-ea"/>
                 <a:cs typeface="+mn-cs"/>
               </a:rPr>
@@ -8922,7 +9078,7 @@
               <a:effectLst/>
               <a:uLnTx/>
               <a:uFillTx/>
-              <a:latin typeface="Calibri"/>
+              <a:latin typeface="Calibri" panose="020F0502020204030204"/>
               <a:ea typeface="+mn-ea"/>
               <a:cs typeface="+mn-cs"/>
             </a:endParaRPr>
@@ -8931,13 +9087,7 @@
       </p:sp>
       <p:sp>
         <p:nvSpPr>
-          <p:cNvPr id="7" name="Text Box 6">
-            <a:extLst>
-              <a:ext uri="{FF2B5EF4-FFF2-40B4-BE49-F238E27FC236}">
-                <a16:creationId xmlns:a16="http://schemas.microsoft.com/office/drawing/2014/main" id="{946E7321-FBB7-3D16-06B7-FC7236695663}"/>
-              </a:ext>
-            </a:extLst>
-          </p:cNvPr>
+          <p:cNvPr id="7" name="Text Box 6"/>
           <p:cNvSpPr txBox="1"/>
           <p:nvPr/>
         </p:nvSpPr>
@@ -8971,7 +9121,6 @@
               <a:buSzTx/>
               <a:buFontTx/>
               <a:buNone/>
-              <a:tabLst/>
               <a:defRPr/>
             </a:pPr>
             <a:r>
@@ -8979,7 +9128,7 @@
                 <a:solidFill>
                   <a:prstClr val="black"/>
                 </a:solidFill>
-                <a:latin typeface="Calibri"/>
+                <a:latin typeface="Calibri" panose="020F0502020204030204"/>
               </a:rPr>
               <a:t>6</a:t>
             </a:r>
@@ -8993,7 +9142,7 @@
               <a:effectLst/>
               <a:uLnTx/>
               <a:uFillTx/>
-              <a:latin typeface="Calibri"/>
+              <a:latin typeface="Calibri" panose="020F0502020204030204"/>
               <a:ea typeface="+mn-ea"/>
               <a:cs typeface="+mn-cs"/>
             </a:endParaRPr>
@@ -9002,13 +9151,7 @@
       </p:sp>
       <p:sp>
         <p:nvSpPr>
-          <p:cNvPr id="8" name="Rectangles 7">
-            <a:extLst>
-              <a:ext uri="{FF2B5EF4-FFF2-40B4-BE49-F238E27FC236}">
-                <a16:creationId xmlns:a16="http://schemas.microsoft.com/office/drawing/2014/main" id="{E47E4F62-6C54-505B-443A-D4A0E6CF6D4B}"/>
-              </a:ext>
-            </a:extLst>
-          </p:cNvPr>
+          <p:cNvPr id="8" name="Rectangles 7"/>
           <p:cNvSpPr/>
           <p:nvPr/>
         </p:nvSpPr>
@@ -9063,7 +9206,6 @@
               <a:buSzTx/>
               <a:buFontTx/>
               <a:buNone/>
-              <a:tabLst/>
               <a:defRPr/>
             </a:pPr>
             <a:endParaRPr kumimoji="0" lang="en-GB" altLang="en-US" sz="1800" b="0" i="0" u="none" strike="noStrike" kern="1200" cap="none" spc="0" normalizeH="0" baseline="0" noProof="0">
@@ -9076,7 +9218,7 @@
               <a:effectLst/>
               <a:uLnTx/>
               <a:uFillTx/>
-              <a:latin typeface="Calibri"/>
+              <a:latin typeface="Calibri" panose="020F0502020204030204"/>
               <a:ea typeface="+mn-ea"/>
               <a:cs typeface="+mn-cs"/>
             </a:endParaRPr>
@@ -9085,13 +9227,7 @@
       </p:sp>
       <p:grpSp>
         <p:nvGrpSpPr>
-          <p:cNvPr id="3" name="Group 34">
-            <a:extLst>
-              <a:ext uri="{FF2B5EF4-FFF2-40B4-BE49-F238E27FC236}">
-                <a16:creationId xmlns:a16="http://schemas.microsoft.com/office/drawing/2014/main" id="{D29DF4FD-F6DC-3E14-DB8C-2A1F64CBC8CF}"/>
-              </a:ext>
-            </a:extLst>
-          </p:cNvPr>
+          <p:cNvPr id="3" name="Group 34"/>
           <p:cNvGrpSpPr/>
           <p:nvPr/>
         </p:nvGrpSpPr>
@@ -9105,13 +9241,7 @@
         </p:grpSpPr>
         <p:sp>
           <p:nvSpPr>
-            <p:cNvPr id="5" name="Round Same Side Corner Rectangle 20">
-              <a:extLst>
-                <a:ext uri="{FF2B5EF4-FFF2-40B4-BE49-F238E27FC236}">
-                  <a16:creationId xmlns:a16="http://schemas.microsoft.com/office/drawing/2014/main" id="{F8AF4CB9-0826-CBA8-EB41-4B213C2B6D7C}"/>
-                </a:ext>
-              </a:extLst>
-            </p:cNvPr>
+            <p:cNvPr id="5" name="Round Same Side Corner Rectangle 20"/>
             <p:cNvSpPr/>
             <p:nvPr/>
           </p:nvSpPr>
@@ -9186,13 +9316,7 @@
         </p:sp>
         <p:sp>
           <p:nvSpPr>
-            <p:cNvPr id="10" name="Text Box 15">
-              <a:extLst>
-                <a:ext uri="{FF2B5EF4-FFF2-40B4-BE49-F238E27FC236}">
-                  <a16:creationId xmlns:a16="http://schemas.microsoft.com/office/drawing/2014/main" id="{F3946952-13BB-60BC-790C-9F17B697105F}"/>
-                </a:ext>
-              </a:extLst>
-            </p:cNvPr>
+            <p:cNvPr id="10" name="Text Box 15"/>
             <p:cNvSpPr txBox="1"/>
             <p:nvPr/>
           </p:nvSpPr>
@@ -9231,13 +9355,7 @@
       </p:grpSp>
       <p:grpSp>
         <p:nvGrpSpPr>
-          <p:cNvPr id="11" name="Group 32">
-            <a:extLst>
-              <a:ext uri="{FF2B5EF4-FFF2-40B4-BE49-F238E27FC236}">
-                <a16:creationId xmlns:a16="http://schemas.microsoft.com/office/drawing/2014/main" id="{FDD6D956-0599-CE07-010F-FA7941976EFA}"/>
-              </a:ext>
-            </a:extLst>
-          </p:cNvPr>
+          <p:cNvPr id="11" name="Group 32"/>
           <p:cNvGrpSpPr/>
           <p:nvPr/>
         </p:nvGrpSpPr>
@@ -9251,13 +9369,7 @@
         </p:grpSpPr>
         <p:sp>
           <p:nvSpPr>
-            <p:cNvPr id="15" name="Round Same Side Corner Rectangle 29">
-              <a:extLst>
-                <a:ext uri="{FF2B5EF4-FFF2-40B4-BE49-F238E27FC236}">
-                  <a16:creationId xmlns:a16="http://schemas.microsoft.com/office/drawing/2014/main" id="{83B75812-28F7-1540-885C-E10178F35660}"/>
-                </a:ext>
-              </a:extLst>
-            </p:cNvPr>
+            <p:cNvPr id="15" name="Round Same Side Corner Rectangle 29"/>
             <p:cNvSpPr/>
             <p:nvPr/>
           </p:nvSpPr>
@@ -9332,13 +9444,7 @@
         </p:sp>
         <p:sp>
           <p:nvSpPr>
-            <p:cNvPr id="30" name="Text Box 16">
-              <a:extLst>
-                <a:ext uri="{FF2B5EF4-FFF2-40B4-BE49-F238E27FC236}">
-                  <a16:creationId xmlns:a16="http://schemas.microsoft.com/office/drawing/2014/main" id="{B441B173-7E2B-0831-A200-6653428ADDA5}"/>
-                </a:ext>
-              </a:extLst>
-            </p:cNvPr>
+            <p:cNvPr id="30" name="Text Box 16"/>
             <p:cNvSpPr txBox="1"/>
             <p:nvPr/>
           </p:nvSpPr>
@@ -9373,13 +9479,7 @@
       </p:grpSp>
       <p:grpSp>
         <p:nvGrpSpPr>
-          <p:cNvPr id="31" name="Group 31">
-            <a:extLst>
-              <a:ext uri="{FF2B5EF4-FFF2-40B4-BE49-F238E27FC236}">
-                <a16:creationId xmlns:a16="http://schemas.microsoft.com/office/drawing/2014/main" id="{CD8E8F07-D31C-5507-D705-051FE5C0901E}"/>
-              </a:ext>
-            </a:extLst>
-          </p:cNvPr>
+          <p:cNvPr id="31" name="Group 31"/>
           <p:cNvGrpSpPr/>
           <p:nvPr/>
         </p:nvGrpSpPr>
@@ -9393,13 +9493,7 @@
         </p:grpSpPr>
         <p:sp>
           <p:nvSpPr>
-            <p:cNvPr id="32" name="Round Same Side Corner Rectangle 30">
-              <a:extLst>
-                <a:ext uri="{FF2B5EF4-FFF2-40B4-BE49-F238E27FC236}">
-                  <a16:creationId xmlns:a16="http://schemas.microsoft.com/office/drawing/2014/main" id="{3AFB1D58-2D9D-BAEB-DB16-F185530FBBA2}"/>
-                </a:ext>
-              </a:extLst>
-            </p:cNvPr>
+            <p:cNvPr id="32" name="Round Same Side Corner Rectangle 30"/>
             <p:cNvSpPr/>
             <p:nvPr/>
           </p:nvSpPr>
@@ -9474,13 +9568,7 @@
         </p:sp>
         <p:sp>
           <p:nvSpPr>
-            <p:cNvPr id="34" name="Text Box 17">
-              <a:extLst>
-                <a:ext uri="{FF2B5EF4-FFF2-40B4-BE49-F238E27FC236}">
-                  <a16:creationId xmlns:a16="http://schemas.microsoft.com/office/drawing/2014/main" id="{552C0E14-C2A5-F78A-3C20-D2C180C2A1CF}"/>
-                </a:ext>
-              </a:extLst>
-            </p:cNvPr>
+            <p:cNvPr id="34" name="Text Box 17"/>
             <p:cNvSpPr txBox="1"/>
             <p:nvPr/>
           </p:nvSpPr>
@@ -9508,19 +9596,14 @@
                 <a:rPr lang="it-IT" altLang="en-GB" dirty="0"/>
                 <a:t> Analysis</a:t>
               </a:r>
+              <a:endParaRPr lang="it-IT" altLang="en-GB" dirty="0"/>
             </a:p>
           </p:txBody>
         </p:sp>
       </p:grpSp>
       <p:sp>
         <p:nvSpPr>
-          <p:cNvPr id="45" name="Rettangolo con angoli arrotondati 44">
-            <a:extLst>
-              <a:ext uri="{FF2B5EF4-FFF2-40B4-BE49-F238E27FC236}">
-                <a16:creationId xmlns:a16="http://schemas.microsoft.com/office/drawing/2014/main" id="{EBC9BBFF-F251-B544-AC0B-27BE5A899057}"/>
-              </a:ext>
-            </a:extLst>
-          </p:cNvPr>
+          <p:cNvPr id="45" name="Rettangolo con angoli arrotondati 44"/>
           <p:cNvSpPr/>
           <p:nvPr/>
         </p:nvSpPr>
@@ -9580,6 +9663,16 @@
               </a:rPr>
               <a:t>Handshake time</a:t>
             </a:r>
+            <a:endParaRPr lang="it-IT" altLang="en-US" dirty="0">
+              <a:solidFill>
+                <a:schemeClr val="dk1">
+                  <a:lumMod val="80000"/>
+                  <a:lumOff val="20000"/>
+                </a:schemeClr>
+              </a:solidFill>
+              <a:latin typeface="+mn-lt"/>
+              <a:sym typeface="+mn-ea"/>
+            </a:endParaRPr>
           </a:p>
           <a:p>
             <a:pPr algn="ctr">
@@ -9645,13 +9738,7 @@
       </p:sp>
       <p:sp>
         <p:nvSpPr>
-          <p:cNvPr id="46" name="Rettangolo con angoli arrotondati 45">
-            <a:extLst>
-              <a:ext uri="{FF2B5EF4-FFF2-40B4-BE49-F238E27FC236}">
-                <a16:creationId xmlns:a16="http://schemas.microsoft.com/office/drawing/2014/main" id="{946C6283-8FBD-72FA-2288-2EA4DD9DBDE2}"/>
-              </a:ext>
-            </a:extLst>
-          </p:cNvPr>
+          <p:cNvPr id="46" name="Rettangolo con angoli arrotondati 45"/>
           <p:cNvSpPr/>
           <p:nvPr/>
         </p:nvSpPr>
@@ -9714,6 +9801,16 @@
               </a:rPr>
               <a:t>Upload/Download times</a:t>
             </a:r>
+            <a:endParaRPr lang="it-IT" altLang="en-US" dirty="0">
+              <a:solidFill>
+                <a:schemeClr val="dk1">
+                  <a:lumMod val="80000"/>
+                  <a:lumOff val="20000"/>
+                </a:schemeClr>
+              </a:solidFill>
+              <a:latin typeface="+mn-lt"/>
+              <a:sym typeface="+mn-ea"/>
+            </a:endParaRPr>
           </a:p>
           <a:p>
             <a:pPr lvl="0" algn="ctr">
@@ -9758,13 +9855,7 @@
       </p:sp>
       <p:cxnSp>
         <p:nvCxnSpPr>
-          <p:cNvPr id="49" name="Connettore 2 48">
-            <a:extLst>
-              <a:ext uri="{FF2B5EF4-FFF2-40B4-BE49-F238E27FC236}">
-                <a16:creationId xmlns:a16="http://schemas.microsoft.com/office/drawing/2014/main" id="{AC9C5465-8E37-30BB-1982-EE8C3DFE792D}"/>
-              </a:ext>
-            </a:extLst>
-          </p:cNvPr>
+          <p:cNvPr id="49" name="Connettore 2 48"/>
           <p:cNvCxnSpPr>
             <a:stCxn id="10" idx="3"/>
           </p:cNvCxnSpPr>
@@ -9799,13 +9890,7 @@
       </p:cxnSp>
       <p:cxnSp>
         <p:nvCxnSpPr>
-          <p:cNvPr id="50" name="Connettore 2 49">
-            <a:extLst>
-              <a:ext uri="{FF2B5EF4-FFF2-40B4-BE49-F238E27FC236}">
-                <a16:creationId xmlns:a16="http://schemas.microsoft.com/office/drawing/2014/main" id="{C6345711-921D-00FB-11A5-5AC096737307}"/>
-              </a:ext>
-            </a:extLst>
-          </p:cNvPr>
+          <p:cNvPr id="50" name="Connettore 2 49"/>
           <p:cNvCxnSpPr/>
           <p:nvPr/>
         </p:nvCxnSpPr>
@@ -9838,23 +9923,17 @@
       </p:cxnSp>
       <p:pic>
         <p:nvPicPr>
-          <p:cNvPr id="14" name="Elemento grafico 13">
-            <a:extLst>
-              <a:ext uri="{FF2B5EF4-FFF2-40B4-BE49-F238E27FC236}">
-                <a16:creationId xmlns:a16="http://schemas.microsoft.com/office/drawing/2014/main" id="{05455A3C-F722-1C31-4571-9A74B73F9195}"/>
-              </a:ext>
-            </a:extLst>
-          </p:cNvPr>
+          <p:cNvPr id="14" name="Elemento grafico 13"/>
           <p:cNvPicPr>
             <a:picLocks noChangeAspect="1"/>
           </p:cNvPicPr>
           <p:nvPr/>
         </p:nvPicPr>
         <p:blipFill>
-          <a:blip r:embed="rId2">
+          <a:blip r:embed="rId1">
             <a:extLst>
               <a:ext uri="{96DAC541-7B7A-43D3-8B79-37D633B846F1}">
-                <asvg:svgBlip xmlns:asvg="http://schemas.microsoft.com/office/drawing/2016/SVG/main" r:embed="rId3"/>
+                <asvg:svgBlip xmlns:asvg="http://schemas.microsoft.com/office/drawing/2016/SVG/main" r:embed="rId2"/>
               </a:ext>
             </a:extLst>
           </a:blip>
@@ -9874,23 +9953,17 @@
       </p:pic>
       <p:pic>
         <p:nvPicPr>
-          <p:cNvPr id="17" name="Elemento grafico 16">
-            <a:extLst>
-              <a:ext uri="{FF2B5EF4-FFF2-40B4-BE49-F238E27FC236}">
-                <a16:creationId xmlns:a16="http://schemas.microsoft.com/office/drawing/2014/main" id="{37756E9C-8F09-0811-3A07-0BBB434064FF}"/>
-              </a:ext>
-            </a:extLst>
-          </p:cNvPr>
+          <p:cNvPr id="17" name="Elemento grafico 16"/>
           <p:cNvPicPr>
             <a:picLocks noChangeAspect="1"/>
           </p:cNvPicPr>
           <p:nvPr/>
         </p:nvPicPr>
         <p:blipFill>
-          <a:blip r:embed="rId4">
+          <a:blip r:embed="rId3">
             <a:extLst>
               <a:ext uri="{96DAC541-7B7A-43D3-8B79-37D633B846F1}">
-                <asvg:svgBlip xmlns:asvg="http://schemas.microsoft.com/office/drawing/2016/SVG/main" r:embed="rId5"/>
+                <asvg:svgBlip xmlns:asvg="http://schemas.microsoft.com/office/drawing/2016/SVG/main" r:embed="rId4"/>
               </a:ext>
             </a:extLst>
           </a:blip>
@@ -9910,20 +9983,14 @@
       </p:pic>
       <p:pic>
         <p:nvPicPr>
-          <p:cNvPr id="20" name="Immagine 19" descr="Immagine che contiene schermata, Elementi grafici, simbolo, design&#10;&#10;Il contenuto generato dall'IA potrebbe non essere corretto.">
-            <a:extLst>
-              <a:ext uri="{FF2B5EF4-FFF2-40B4-BE49-F238E27FC236}">
-                <a16:creationId xmlns:a16="http://schemas.microsoft.com/office/drawing/2014/main" id="{D2D5D399-CD78-FE70-8BF8-C0E75BE21824}"/>
-              </a:ext>
-            </a:extLst>
-          </p:cNvPr>
+          <p:cNvPr id="20" name="Immagine 19" descr="Immagine che contiene schermata, Elementi grafici, simbolo, design&#10;&#10;Il contenuto generato dall'IA potrebbe non essere corretto."/>
           <p:cNvPicPr>
             <a:picLocks noChangeAspect="1"/>
           </p:cNvPicPr>
           <p:nvPr/>
         </p:nvPicPr>
         <p:blipFill>
-          <a:blip r:embed="rId6" cstate="print">
+          <a:blip r:embed="rId5" cstate="print">
             <a:extLst>
               <a:ext uri="{28A0092B-C50C-407E-A947-70E740481C1C}">
                 <a14:useLocalDpi xmlns:a14="http://schemas.microsoft.com/office/drawing/2010/main" val="0"/>
@@ -9945,11 +10012,6 @@
         </p:spPr>
       </p:pic>
     </p:spTree>
-    <p:extLst>
-      <p:ext uri="{BB962C8B-B14F-4D97-AF65-F5344CB8AC3E}">
-        <p14:creationId xmlns:p14="http://schemas.microsoft.com/office/powerpoint/2010/main" val="1001608424"/>
-      </p:ext>
-    </p:extLst>
   </p:cSld>
   <p:clrMapOvr>
     <a:masterClrMapping/>
@@ -9960,7 +10022,7 @@
         <p159:morph option="byObject"/>
       </p:transition>
     </mc:Choice>
-    <mc:Fallback xmlns="">
+    <mc:Fallback>
       <p:transition spd="slow">
         <p:fade/>
       </p:transition>
@@ -9972,15 +10034,20 @@
 <file path=ppt/slides/slide7.xml><?xml version="1.0" encoding="utf-8"?>
 <p:sld xmlns:a="http://schemas.openxmlformats.org/drawingml/2006/main" xmlns:r="http://schemas.openxmlformats.org/officeDocument/2006/relationships" xmlns:p="http://schemas.openxmlformats.org/presentationml/2006/main">
   <p:cSld>
+    <p:bg>
+      <p:bgPr>
+        <a:solidFill>
+          <a:schemeClr val="bg1">
+            <a:lumMod val="85000"/>
+            <a:alpha val="40000"/>
+          </a:schemeClr>
+        </a:solidFill>
+        <a:effectLst/>
+      </p:bgPr>
+    </p:bg>
     <p:spTree>
       <p:nvGrpSpPr>
-        <p:cNvPr id="1" name="">
-          <a:extLst>
-            <a:ext uri="{FF2B5EF4-FFF2-40B4-BE49-F238E27FC236}">
-              <a16:creationId xmlns:a16="http://schemas.microsoft.com/office/drawing/2014/main" id="{C3B40432-B9BD-6400-DEA4-2098026C2145}"/>
-            </a:ext>
-          </a:extLst>
-        </p:cNvPr>
+        <p:cNvPr id="1" name=""/>
         <p:cNvGrpSpPr/>
         <p:nvPr/>
       </p:nvGrpSpPr>
@@ -9994,13 +10061,7 @@
       </p:grpSpPr>
       <p:sp>
         <p:nvSpPr>
-          <p:cNvPr id="4" name="Rectangles 3">
-            <a:extLst>
-              <a:ext uri="{FF2B5EF4-FFF2-40B4-BE49-F238E27FC236}">
-                <a16:creationId xmlns:a16="http://schemas.microsoft.com/office/drawing/2014/main" id="{80CE90F8-45F7-84A5-609B-A395A4BC497F}"/>
-              </a:ext>
-            </a:extLst>
-          </p:cNvPr>
+          <p:cNvPr id="4" name="Rectangles 3"/>
           <p:cNvSpPr/>
           <p:nvPr/>
         </p:nvSpPr>
@@ -10060,7 +10121,6 @@
               <a:buSzTx/>
               <a:buFontTx/>
               <a:buNone/>
-              <a:tabLst/>
               <a:defRPr/>
             </a:pPr>
             <a:endParaRPr kumimoji="0" lang="en-GB" altLang="en-US" sz="1800" b="0" i="0" u="none" strike="noStrike" kern="1200" cap="none" spc="0" normalizeH="0" baseline="0" noProof="0">
@@ -10073,7 +10133,7 @@
               <a:effectLst/>
               <a:uLnTx/>
               <a:uFillTx/>
-              <a:latin typeface="Calibri"/>
+              <a:latin typeface="Calibri" panose="020F0502020204030204"/>
               <a:ea typeface="+mn-ea"/>
               <a:cs typeface="+mn-cs"/>
             </a:endParaRPr>
@@ -10082,13 +10142,7 @@
       </p:sp>
       <p:sp>
         <p:nvSpPr>
-          <p:cNvPr id="6" name="Text Box 5">
-            <a:extLst>
-              <a:ext uri="{FF2B5EF4-FFF2-40B4-BE49-F238E27FC236}">
-                <a16:creationId xmlns:a16="http://schemas.microsoft.com/office/drawing/2014/main" id="{C98476FC-E773-5002-CA4F-E3DD163C1E07}"/>
-              </a:ext>
-            </a:extLst>
-          </p:cNvPr>
+          <p:cNvPr id="6" name="Text Box 5"/>
           <p:cNvSpPr txBox="1"/>
           <p:nvPr/>
         </p:nvSpPr>
@@ -10122,7 +10176,6 @@
               <a:buSzTx/>
               <a:buFontTx/>
               <a:buNone/>
-              <a:tabLst/>
               <a:defRPr/>
             </a:pPr>
             <a:r>
@@ -10136,7 +10189,7 @@
                 <a:effectLst/>
                 <a:uLnTx/>
                 <a:uFillTx/>
-                <a:latin typeface="Calibri"/>
+                <a:latin typeface="Calibri" panose="020F0502020204030204"/>
                 <a:ea typeface="+mn-ea"/>
                 <a:cs typeface="+mn-cs"/>
               </a:rPr>
@@ -10153,7 +10206,7 @@
                 <a:effectLst/>
                 <a:uLnTx/>
                 <a:uFillTx/>
-                <a:latin typeface="Calibri"/>
+                <a:latin typeface="Calibri" panose="020F0502020204030204"/>
                 <a:ea typeface="+mn-ea"/>
                 <a:cs typeface="+mn-cs"/>
               </a:rPr>
@@ -10164,7 +10217,7 @@
                 <a:solidFill>
                   <a:prstClr val="black"/>
                 </a:solidFill>
-                <a:latin typeface="Calibri"/>
+                <a:latin typeface="Calibri" panose="020F0502020204030204"/>
               </a:rPr>
               <a:t>A</a:t>
             </a:r>
@@ -10179,7 +10232,7 @@
                 <a:effectLst/>
                 <a:uLnTx/>
                 <a:uFillTx/>
-                <a:latin typeface="Calibri"/>
+                <a:latin typeface="Calibri" panose="020F0502020204030204"/>
                 <a:ea typeface="+mn-ea"/>
                 <a:cs typeface="+mn-cs"/>
               </a:rPr>
@@ -10195,7 +10248,7 @@
               <a:effectLst/>
               <a:uLnTx/>
               <a:uFillTx/>
-              <a:latin typeface="Calibri"/>
+              <a:latin typeface="Calibri" panose="020F0502020204030204"/>
               <a:ea typeface="+mn-ea"/>
               <a:cs typeface="+mn-cs"/>
             </a:endParaRPr>
@@ -10204,13 +10257,7 @@
       </p:sp>
       <p:sp>
         <p:nvSpPr>
-          <p:cNvPr id="7" name="Text Box 6">
-            <a:extLst>
-              <a:ext uri="{FF2B5EF4-FFF2-40B4-BE49-F238E27FC236}">
-                <a16:creationId xmlns:a16="http://schemas.microsoft.com/office/drawing/2014/main" id="{698ECAA7-7B2B-9A9A-7F10-3704C007137A}"/>
-              </a:ext>
-            </a:extLst>
-          </p:cNvPr>
+          <p:cNvPr id="7" name="Text Box 6"/>
           <p:cNvSpPr txBox="1"/>
           <p:nvPr/>
         </p:nvSpPr>
@@ -10244,7 +10291,6 @@
               <a:buSzTx/>
               <a:buFontTx/>
               <a:buNone/>
-              <a:tabLst/>
               <a:defRPr/>
             </a:pPr>
             <a:r>
@@ -10258,24 +10304,32 @@
                 <a:effectLst/>
                 <a:uLnTx/>
                 <a:uFillTx/>
-                <a:latin typeface="Calibri"/>
+                <a:latin typeface="Calibri" panose="020F0502020204030204"/>
                 <a:ea typeface="+mn-ea"/>
                 <a:cs typeface="+mn-cs"/>
               </a:rPr>
               <a:t>7</a:t>
             </a:r>
+            <a:endParaRPr kumimoji="0" lang="it-IT" altLang="en-GB" sz="1400" b="0" i="0" u="none" strike="noStrike" kern="1200" cap="none" spc="0" normalizeH="0" baseline="0" noProof="0" dirty="0">
+              <a:ln>
+                <a:noFill/>
+              </a:ln>
+              <a:solidFill>
+                <a:prstClr val="black"/>
+              </a:solidFill>
+              <a:effectLst/>
+              <a:uLnTx/>
+              <a:uFillTx/>
+              <a:latin typeface="Calibri" panose="020F0502020204030204"/>
+              <a:ea typeface="+mn-ea"/>
+              <a:cs typeface="+mn-cs"/>
+            </a:endParaRPr>
           </a:p>
         </p:txBody>
       </p:sp>
       <p:sp>
         <p:nvSpPr>
-          <p:cNvPr id="2" name="Text Box 1">
-            <a:extLst>
-              <a:ext uri="{FF2B5EF4-FFF2-40B4-BE49-F238E27FC236}">
-                <a16:creationId xmlns:a16="http://schemas.microsoft.com/office/drawing/2014/main" id="{E7B68BBA-03BC-DC66-3B86-156D8C69D610}"/>
-              </a:ext>
-            </a:extLst>
-          </p:cNvPr>
+          <p:cNvPr id="2" name="Text Box 1"/>
           <p:cNvSpPr txBox="1"/>
           <p:nvPr/>
         </p:nvSpPr>
@@ -10309,7 +10363,6 @@
               <a:buSzTx/>
               <a:buFontTx/>
               <a:buNone/>
-              <a:tabLst/>
               <a:defRPr/>
             </a:pPr>
             <a:r>
@@ -10323,7 +10376,7 @@
                 <a:effectLst/>
                 <a:uLnTx/>
                 <a:uFillTx/>
-                <a:latin typeface="Calibri"/>
+                <a:latin typeface="Calibri" panose="020F0502020204030204"/>
                 <a:ea typeface="+mn-ea"/>
                 <a:cs typeface="+mn-cs"/>
               </a:rPr>
@@ -10340,7 +10393,7 @@
                 <a:effectLst/>
                 <a:uLnTx/>
                 <a:uFillTx/>
-                <a:latin typeface="Calibri"/>
+                <a:latin typeface="Calibri" panose="020F0502020204030204"/>
                 <a:ea typeface="+mn-ea"/>
                 <a:cs typeface="+mn-cs"/>
               </a:rPr>
@@ -10357,7 +10410,7 @@
                 <a:effectLst/>
                 <a:uLnTx/>
                 <a:uFillTx/>
-                <a:latin typeface="Calibri"/>
+                <a:latin typeface="Calibri" panose="020F0502020204030204"/>
                 <a:ea typeface="+mn-ea"/>
                 <a:cs typeface="+mn-cs"/>
               </a:rPr>
@@ -10374,7 +10427,7 @@
                 <a:effectLst/>
                 <a:uLnTx/>
                 <a:uFillTx/>
-                <a:latin typeface="Calibri"/>
+                <a:latin typeface="Calibri" panose="020F0502020204030204"/>
                 <a:ea typeface="+mn-ea"/>
                 <a:cs typeface="+mn-cs"/>
               </a:rPr>
@@ -10385,7 +10438,7 @@
                 <a:solidFill>
                   <a:prstClr val="black"/>
                 </a:solidFill>
-                <a:latin typeface="Calibri"/>
+                <a:latin typeface="Calibri" panose="020F0502020204030204"/>
               </a:rPr>
               <a:t>it</a:t>
             </a:r>
@@ -10394,7 +10447,7 @@
                 <a:solidFill>
                   <a:prstClr val="black"/>
                 </a:solidFill>
-                <a:latin typeface="Calibri"/>
+                <a:latin typeface="Calibri" panose="020F0502020204030204"/>
               </a:rPr>
               <a:t> do?</a:t>
             </a:r>
@@ -10408,7 +10461,7 @@
               <a:effectLst/>
               <a:uLnTx/>
               <a:uFillTx/>
-              <a:latin typeface="Calibri"/>
+              <a:latin typeface="Calibri" panose="020F0502020204030204"/>
               <a:ea typeface="+mn-ea"/>
               <a:cs typeface="+mn-cs"/>
             </a:endParaRPr>
@@ -10417,13 +10470,7 @@
       </p:sp>
       <p:sp>
         <p:nvSpPr>
-          <p:cNvPr id="8" name="Rectangles 7">
-            <a:extLst>
-              <a:ext uri="{FF2B5EF4-FFF2-40B4-BE49-F238E27FC236}">
-                <a16:creationId xmlns:a16="http://schemas.microsoft.com/office/drawing/2014/main" id="{1DD67649-A1FE-7577-AD39-C5C4D67E8C7B}"/>
-              </a:ext>
-            </a:extLst>
-          </p:cNvPr>
+          <p:cNvPr id="8" name="Rectangles 7"/>
           <p:cNvSpPr/>
           <p:nvPr/>
         </p:nvSpPr>
@@ -10478,7 +10525,6 @@
               <a:buSzTx/>
               <a:buFontTx/>
               <a:buNone/>
-              <a:tabLst/>
               <a:defRPr/>
             </a:pPr>
             <a:endParaRPr kumimoji="0" lang="en-GB" altLang="en-US" sz="1800" b="0" i="0" u="none" strike="noStrike" kern="1200" cap="none" spc="0" normalizeH="0" baseline="0" noProof="0">
@@ -10491,7 +10537,7 @@
               <a:effectLst/>
               <a:uLnTx/>
               <a:uFillTx/>
-              <a:latin typeface="Calibri"/>
+              <a:latin typeface="Calibri" panose="020F0502020204030204"/>
               <a:ea typeface="+mn-ea"/>
               <a:cs typeface="+mn-cs"/>
             </a:endParaRPr>
@@ -10500,22 +10546,18 @@
       </p:sp>
       <p:pic>
         <p:nvPicPr>
-          <p:cNvPr id="5" name="Immagine 4">
-            <a:extLst>
-              <a:ext uri="{FF2B5EF4-FFF2-40B4-BE49-F238E27FC236}">
-                <a16:creationId xmlns:a16="http://schemas.microsoft.com/office/drawing/2014/main" id="{71CBCCEE-F836-207B-AD1A-EFFF2CE7DF7C}"/>
-              </a:ext>
-            </a:extLst>
-          </p:cNvPr>
+          <p:cNvPr id="5" name="Immagine 4"/>
           <p:cNvPicPr>
             <a:picLocks noChangeAspect="1"/>
           </p:cNvPicPr>
           <p:nvPr/>
         </p:nvPicPr>
         <p:blipFill>
-          <a:blip r:embed="rId2"/>
+          <a:blip r:embed="rId1"/>
           <a:srcRect t="9755" r="24168"/>
-          <a:stretch/>
+          <a:stretch>
+            <a:fillRect/>
+          </a:stretch>
         </p:blipFill>
         <p:spPr>
           <a:xfrm>
@@ -10529,20 +10571,14 @@
       </p:pic>
       <p:pic>
         <p:nvPicPr>
-          <p:cNvPr id="10" name="Immagine 9">
-            <a:extLst>
-              <a:ext uri="{FF2B5EF4-FFF2-40B4-BE49-F238E27FC236}">
-                <a16:creationId xmlns:a16="http://schemas.microsoft.com/office/drawing/2014/main" id="{6CF70487-9F5C-D26A-5F43-35190AB8A992}"/>
-              </a:ext>
-            </a:extLst>
-          </p:cNvPr>
+          <p:cNvPr id="10" name="Immagine 9"/>
           <p:cNvPicPr>
             <a:picLocks noChangeAspect="1"/>
           </p:cNvPicPr>
           <p:nvPr/>
         </p:nvPicPr>
         <p:blipFill>
-          <a:blip r:embed="rId3"/>
+          <a:blip r:embed="rId2"/>
           <a:stretch>
             <a:fillRect/>
           </a:stretch>
@@ -10559,13 +10595,7 @@
       </p:pic>
       <p:sp>
         <p:nvSpPr>
-          <p:cNvPr id="11" name="Text Box 1">
-            <a:extLst>
-              <a:ext uri="{FF2B5EF4-FFF2-40B4-BE49-F238E27FC236}">
-                <a16:creationId xmlns:a16="http://schemas.microsoft.com/office/drawing/2014/main" id="{21B3C17D-7EFE-F337-43C2-3E04C886000B}"/>
-              </a:ext>
-            </a:extLst>
-          </p:cNvPr>
+          <p:cNvPr id="11" name="Text Box 1"/>
           <p:cNvSpPr txBox="1"/>
           <p:nvPr/>
         </p:nvSpPr>
@@ -10599,7 +10629,6 @@
               <a:buSzTx/>
               <a:buFontTx/>
               <a:buNone/>
-              <a:tabLst/>
               <a:defRPr/>
             </a:pPr>
             <a:r>
@@ -10613,24 +10642,32 @@
                 <a:effectLst/>
                 <a:uLnTx/>
                 <a:uFillTx/>
-                <a:latin typeface="Calibri"/>
+                <a:latin typeface="Calibri" panose="020F0502020204030204"/>
                 <a:ea typeface="+mn-ea"/>
                 <a:cs typeface="+mn-cs"/>
               </a:rPr>
               <a:t>Filtering on TCP port 8443</a:t>
             </a:r>
+            <a:endParaRPr kumimoji="0" lang="it-IT" altLang="en-GB" sz="1800" b="0" i="0" u="none" strike="noStrike" kern="1200" cap="none" spc="0" normalizeH="0" baseline="0" noProof="0" dirty="0">
+              <a:ln>
+                <a:noFill/>
+              </a:ln>
+              <a:solidFill>
+                <a:prstClr val="black"/>
+              </a:solidFill>
+              <a:effectLst/>
+              <a:uLnTx/>
+              <a:uFillTx/>
+              <a:latin typeface="Calibri" panose="020F0502020204030204"/>
+              <a:ea typeface="+mn-ea"/>
+              <a:cs typeface="+mn-cs"/>
+            </a:endParaRPr>
           </a:p>
         </p:txBody>
       </p:sp>
       <p:sp>
         <p:nvSpPr>
-          <p:cNvPr id="19" name="Text Box 1">
-            <a:extLst>
-              <a:ext uri="{FF2B5EF4-FFF2-40B4-BE49-F238E27FC236}">
-                <a16:creationId xmlns:a16="http://schemas.microsoft.com/office/drawing/2014/main" id="{214985FA-E3AA-2FB0-B49F-63F49FB95887}"/>
-              </a:ext>
-            </a:extLst>
-          </p:cNvPr>
+          <p:cNvPr id="19" name="Text Box 1"/>
           <p:cNvSpPr txBox="1"/>
           <p:nvPr/>
         </p:nvSpPr>
@@ -10664,7 +10701,6 @@
               <a:buSzTx/>
               <a:buFontTx/>
               <a:buNone/>
-              <a:tabLst/>
               <a:defRPr/>
             </a:pPr>
             <a:r>
@@ -10678,31 +10714,39 @@
                 <a:effectLst/>
                 <a:uLnTx/>
                 <a:uFillTx/>
-                <a:latin typeface="Calibri"/>
+                <a:latin typeface="Calibri" panose="020F0502020204030204"/>
                 <a:ea typeface="+mn-ea"/>
                 <a:cs typeface="+mn-cs"/>
               </a:rPr>
               <a:t>Filtering on UDP port 4433</a:t>
             </a:r>
+            <a:endParaRPr kumimoji="0" lang="it-IT" altLang="en-GB" sz="1800" b="0" i="0" u="none" strike="noStrike" kern="1200" cap="none" spc="0" normalizeH="0" baseline="0" noProof="0" dirty="0">
+              <a:ln>
+                <a:noFill/>
+              </a:ln>
+              <a:solidFill>
+                <a:prstClr val="black"/>
+              </a:solidFill>
+              <a:effectLst/>
+              <a:uLnTx/>
+              <a:uFillTx/>
+              <a:latin typeface="Calibri" panose="020F0502020204030204"/>
+              <a:ea typeface="+mn-ea"/>
+              <a:cs typeface="+mn-cs"/>
+            </a:endParaRPr>
           </a:p>
         </p:txBody>
       </p:sp>
       <p:pic>
         <p:nvPicPr>
-          <p:cNvPr id="9" name="Immagine 8">
-            <a:extLst>
-              <a:ext uri="{FF2B5EF4-FFF2-40B4-BE49-F238E27FC236}">
-                <a16:creationId xmlns:a16="http://schemas.microsoft.com/office/drawing/2014/main" id="{69A4275B-B6C5-7440-79A3-7CBF256390C3}"/>
-              </a:ext>
-            </a:extLst>
-          </p:cNvPr>
+          <p:cNvPr id="9" name="Immagine 8"/>
           <p:cNvPicPr>
             <a:picLocks noChangeAspect="1"/>
           </p:cNvPicPr>
           <p:nvPr/>
         </p:nvPicPr>
         <p:blipFill>
-          <a:blip r:embed="rId4"/>
+          <a:blip r:embed="rId3"/>
           <a:stretch>
             <a:fillRect/>
           </a:stretch>
@@ -10719,20 +10763,14 @@
       </p:pic>
       <p:pic>
         <p:nvPicPr>
-          <p:cNvPr id="13" name="Immagine 12">
-            <a:extLst>
-              <a:ext uri="{FF2B5EF4-FFF2-40B4-BE49-F238E27FC236}">
-                <a16:creationId xmlns:a16="http://schemas.microsoft.com/office/drawing/2014/main" id="{98D506A6-6509-CDCB-E762-3B979BA2094F}"/>
-              </a:ext>
-            </a:extLst>
-          </p:cNvPr>
+          <p:cNvPr id="13" name="Immagine 12"/>
           <p:cNvPicPr>
             <a:picLocks noChangeAspect="1"/>
           </p:cNvPicPr>
           <p:nvPr/>
         </p:nvPicPr>
         <p:blipFill>
-          <a:blip r:embed="rId5"/>
+          <a:blip r:embed="rId4"/>
           <a:stretch>
             <a:fillRect/>
           </a:stretch>
@@ -10749,13 +10787,7 @@
       </p:pic>
       <p:sp>
         <p:nvSpPr>
-          <p:cNvPr id="14" name="Text Box 1">
-            <a:extLst>
-              <a:ext uri="{FF2B5EF4-FFF2-40B4-BE49-F238E27FC236}">
-                <a16:creationId xmlns:a16="http://schemas.microsoft.com/office/drawing/2014/main" id="{4925ACF3-A24D-1C3A-1B1A-D9A27C1FC850}"/>
-              </a:ext>
-            </a:extLst>
-          </p:cNvPr>
+          <p:cNvPr id="14" name="Text Box 1"/>
           <p:cNvSpPr txBox="1"/>
           <p:nvPr/>
         </p:nvSpPr>
@@ -10789,7 +10821,6 @@
               <a:buSzTx/>
               <a:buFontTx/>
               <a:buNone/>
-              <a:tabLst/>
               <a:defRPr/>
             </a:pPr>
             <a:r>
@@ -10803,7 +10834,7 @@
                 <a:effectLst/>
                 <a:uLnTx/>
                 <a:uFillTx/>
-                <a:latin typeface="Calibri"/>
+                <a:latin typeface="Calibri" panose="020F0502020204030204"/>
                 <a:ea typeface="+mn-ea"/>
                 <a:cs typeface="+mn-cs"/>
               </a:rPr>
@@ -10820,7 +10851,7 @@
                 <a:effectLst/>
                 <a:uLnTx/>
                 <a:uFillTx/>
-                <a:latin typeface="Calibri"/>
+                <a:latin typeface="Calibri" panose="020F0502020204030204"/>
                 <a:ea typeface="+mn-ea"/>
                 <a:cs typeface="+mn-cs"/>
               </a:rPr>
@@ -10836,7 +10867,7 @@
               <a:effectLst/>
               <a:uLnTx/>
               <a:uFillTx/>
-              <a:latin typeface="Calibri"/>
+              <a:latin typeface="Calibri" panose="020F0502020204030204"/>
               <a:ea typeface="+mn-ea"/>
               <a:cs typeface="+mn-cs"/>
             </a:endParaRPr>
@@ -10845,13 +10876,7 @@
       </p:sp>
       <p:sp>
         <p:nvSpPr>
-          <p:cNvPr id="15" name="Text Box 1">
-            <a:extLst>
-              <a:ext uri="{FF2B5EF4-FFF2-40B4-BE49-F238E27FC236}">
-                <a16:creationId xmlns:a16="http://schemas.microsoft.com/office/drawing/2014/main" id="{6FB6C501-E754-0DB4-467D-6F58EE2D5794}"/>
-              </a:ext>
-            </a:extLst>
-          </p:cNvPr>
+          <p:cNvPr id="15" name="Text Box 1"/>
           <p:cNvSpPr txBox="1"/>
           <p:nvPr/>
         </p:nvSpPr>
@@ -10885,7 +10910,6 @@
               <a:buSzTx/>
               <a:buFontTx/>
               <a:buNone/>
-              <a:tabLst/>
               <a:defRPr/>
             </a:pPr>
             <a:r>
@@ -10899,7 +10923,7 @@
                 <a:effectLst/>
                 <a:uLnTx/>
                 <a:uFillTx/>
-                <a:latin typeface="Calibri"/>
+                <a:latin typeface="Calibri" panose="020F0502020204030204"/>
                 <a:ea typeface="+mn-ea"/>
                 <a:cs typeface="+mn-cs"/>
               </a:rPr>
@@ -10916,7 +10940,7 @@
                 <a:effectLst/>
                 <a:uLnTx/>
                 <a:uFillTx/>
-                <a:latin typeface="Calibri"/>
+                <a:latin typeface="Calibri" panose="020F0502020204030204"/>
                 <a:ea typeface="+mn-ea"/>
                 <a:cs typeface="+mn-cs"/>
               </a:rPr>
@@ -10932,7 +10956,7 @@
               <a:effectLst/>
               <a:uLnTx/>
               <a:uFillTx/>
-              <a:latin typeface="Calibri"/>
+              <a:latin typeface="Calibri" panose="020F0502020204030204"/>
               <a:ea typeface="+mn-ea"/>
               <a:cs typeface="+mn-cs"/>
             </a:endParaRPr>
@@ -10941,13 +10965,7 @@
       </p:sp>
       <p:sp>
         <p:nvSpPr>
-          <p:cNvPr id="16" name="Text Box 1">
-            <a:extLst>
-              <a:ext uri="{FF2B5EF4-FFF2-40B4-BE49-F238E27FC236}">
-                <a16:creationId xmlns:a16="http://schemas.microsoft.com/office/drawing/2014/main" id="{C5FAE4C3-7472-F9A3-154A-731C45E779C2}"/>
-              </a:ext>
-            </a:extLst>
-          </p:cNvPr>
+          <p:cNvPr id="16" name="Text Box 1"/>
           <p:cNvSpPr txBox="1"/>
           <p:nvPr/>
         </p:nvSpPr>
@@ -10981,7 +10999,6 @@
               <a:buSzTx/>
               <a:buFontTx/>
               <a:buNone/>
-              <a:tabLst/>
               <a:defRPr/>
             </a:pPr>
             <a:r>
@@ -10995,7 +11012,7 @@
                 <a:effectLst/>
                 <a:uLnTx/>
                 <a:uFillTx/>
-                <a:latin typeface="Calibri"/>
+                <a:latin typeface="Calibri" panose="020F0502020204030204"/>
                 <a:ea typeface="+mn-ea"/>
                 <a:cs typeface="+mn-cs"/>
               </a:rPr>
@@ -11012,7 +11029,7 @@
                 <a:effectLst/>
                 <a:uLnTx/>
                 <a:uFillTx/>
-                <a:latin typeface="Calibri"/>
+                <a:latin typeface="Calibri" panose="020F0502020204030204"/>
                 <a:ea typeface="+mn-ea"/>
                 <a:cs typeface="+mn-cs"/>
               </a:rPr>
@@ -11029,21 +11046,30 @@
                 <a:effectLst/>
                 <a:uLnTx/>
                 <a:uFillTx/>
-                <a:latin typeface="Calibri"/>
+                <a:latin typeface="Calibri" panose="020F0502020204030204"/>
                 <a:ea typeface="+mn-ea"/>
                 <a:cs typeface="+mn-cs"/>
               </a:rPr>
               <a:t> Payload?</a:t>
             </a:r>
+            <a:endParaRPr kumimoji="0" lang="it-IT" altLang="en-GB" sz="1800" b="0" i="0" u="none" strike="noStrike" kern="1200" cap="none" spc="0" normalizeH="0" baseline="0" noProof="0" dirty="0">
+              <a:ln>
+                <a:noFill/>
+              </a:ln>
+              <a:solidFill>
+                <a:prstClr val="black"/>
+              </a:solidFill>
+              <a:effectLst/>
+              <a:uLnTx/>
+              <a:uFillTx/>
+              <a:latin typeface="Calibri" panose="020F0502020204030204"/>
+              <a:ea typeface="+mn-ea"/>
+              <a:cs typeface="+mn-cs"/>
+            </a:endParaRPr>
           </a:p>
         </p:txBody>
       </p:sp>
     </p:spTree>
-    <p:extLst>
-      <p:ext uri="{BB962C8B-B14F-4D97-AF65-F5344CB8AC3E}">
-        <p14:creationId xmlns:p14="http://schemas.microsoft.com/office/powerpoint/2010/main" val="3540057518"/>
-      </p:ext>
-    </p:extLst>
   </p:cSld>
   <p:clrMapOvr>
     <a:masterClrMapping/>
@@ -11054,7 +11080,7 @@
         <p159:morph option="byObject"/>
       </p:transition>
     </mc:Choice>
-    <mc:Fallback xmlns="">
+    <mc:Fallback>
       <p:transition spd="slow">
         <p:fade/>
       </p:transition>
@@ -11066,15 +11092,20 @@
 <file path=ppt/slides/slide8.xml><?xml version="1.0" encoding="utf-8"?>
 <p:sld xmlns:a="http://schemas.openxmlformats.org/drawingml/2006/main" xmlns:r="http://schemas.openxmlformats.org/officeDocument/2006/relationships" xmlns:p="http://schemas.openxmlformats.org/presentationml/2006/main">
   <p:cSld>
+    <p:bg>
+      <p:bgPr>
+        <a:solidFill>
+          <a:schemeClr val="bg1">
+            <a:lumMod val="85000"/>
+            <a:alpha val="40000"/>
+          </a:schemeClr>
+        </a:solidFill>
+        <a:effectLst/>
+      </p:bgPr>
+    </p:bg>
     <p:spTree>
       <p:nvGrpSpPr>
-        <p:cNvPr id="1" name="">
-          <a:extLst>
-            <a:ext uri="{FF2B5EF4-FFF2-40B4-BE49-F238E27FC236}">
-              <a16:creationId xmlns:a16="http://schemas.microsoft.com/office/drawing/2014/main" id="{B62A8C05-E6F1-0C51-EE11-1CD4EDD8492B}"/>
-            </a:ext>
-          </a:extLst>
-        </p:cNvPr>
+        <p:cNvPr id="1" name=""/>
         <p:cNvGrpSpPr/>
         <p:nvPr/>
       </p:nvGrpSpPr>
@@ -11088,13 +11119,7 @@
       </p:grpSpPr>
       <p:sp>
         <p:nvSpPr>
-          <p:cNvPr id="4" name="Rectangles 3">
-            <a:extLst>
-              <a:ext uri="{FF2B5EF4-FFF2-40B4-BE49-F238E27FC236}">
-                <a16:creationId xmlns:a16="http://schemas.microsoft.com/office/drawing/2014/main" id="{1DCF47D7-1798-5181-C1A3-B3F0B0E2567E}"/>
-              </a:ext>
-            </a:extLst>
-          </p:cNvPr>
+          <p:cNvPr id="4" name="Rectangles 3"/>
           <p:cNvSpPr/>
           <p:nvPr/>
         </p:nvSpPr>
@@ -11154,7 +11179,6 @@
               <a:buSzTx/>
               <a:buFontTx/>
               <a:buNone/>
-              <a:tabLst/>
               <a:defRPr/>
             </a:pPr>
             <a:r>
@@ -11168,24 +11192,32 @@
                 <a:effectLst/>
                 <a:uLnTx/>
                 <a:uFillTx/>
-                <a:latin typeface="Calibri"/>
+                <a:latin typeface="Calibri" panose="020F0502020204030204"/>
                 <a:ea typeface="+mn-ea"/>
                 <a:cs typeface="+mn-cs"/>
               </a:rPr>
               <a:t>quic &amp;&amp; frame.len &lt; 100</a:t>
             </a:r>
+            <a:endParaRPr kumimoji="0" lang="en-GB" altLang="en-US" sz="1800" b="0" i="0" u="none" strike="noStrike" kern="1200" cap="none" spc="0" normalizeH="0" baseline="0" noProof="0">
+              <a:ln>
+                <a:noFill/>
+              </a:ln>
+              <a:solidFill>
+                <a:prstClr val="white"/>
+              </a:solidFill>
+              <a:effectLst/>
+              <a:uLnTx/>
+              <a:uFillTx/>
+              <a:latin typeface="Calibri" panose="020F0502020204030204"/>
+              <a:ea typeface="+mn-ea"/>
+              <a:cs typeface="+mn-cs"/>
+            </a:endParaRPr>
           </a:p>
         </p:txBody>
       </p:sp>
       <p:sp>
         <p:nvSpPr>
-          <p:cNvPr id="6" name="Text Box 5">
-            <a:extLst>
-              <a:ext uri="{FF2B5EF4-FFF2-40B4-BE49-F238E27FC236}">
-                <a16:creationId xmlns:a16="http://schemas.microsoft.com/office/drawing/2014/main" id="{1502B4DE-9A38-F669-34F5-CC684B7583A7}"/>
-              </a:ext>
-            </a:extLst>
-          </p:cNvPr>
+          <p:cNvPr id="6" name="Text Box 5"/>
           <p:cNvSpPr txBox="1"/>
           <p:nvPr/>
         </p:nvSpPr>
@@ -11219,7 +11251,6 @@
               <a:buSzTx/>
               <a:buFontTx/>
               <a:buNone/>
-              <a:tabLst/>
               <a:defRPr/>
             </a:pPr>
             <a:r>
@@ -11233,7 +11264,7 @@
                 <a:effectLst/>
                 <a:uLnTx/>
                 <a:uFillTx/>
-                <a:latin typeface="Calibri"/>
+                <a:latin typeface="Calibri" panose="020F0502020204030204"/>
                 <a:ea typeface="+mn-ea"/>
                 <a:cs typeface="+mn-cs"/>
               </a:rPr>
@@ -11250,7 +11281,7 @@
                 <a:effectLst/>
                 <a:uLnTx/>
                 <a:uFillTx/>
-                <a:latin typeface="Calibri"/>
+                <a:latin typeface="Calibri" panose="020F0502020204030204"/>
                 <a:ea typeface="+mn-ea"/>
                 <a:cs typeface="+mn-cs"/>
               </a:rPr>
@@ -11267,7 +11298,7 @@
                 <a:effectLst/>
                 <a:uLnTx/>
                 <a:uFillTx/>
-                <a:latin typeface="Calibri"/>
+                <a:latin typeface="Calibri" panose="020F0502020204030204"/>
                 <a:ea typeface="+mn-ea"/>
                 <a:cs typeface="+mn-cs"/>
               </a:rPr>
@@ -11283,7 +11314,7 @@
               <a:effectLst/>
               <a:uLnTx/>
               <a:uFillTx/>
-              <a:latin typeface="Calibri"/>
+              <a:latin typeface="Calibri" panose="020F0502020204030204"/>
               <a:ea typeface="+mn-ea"/>
               <a:cs typeface="+mn-cs"/>
             </a:endParaRPr>
@@ -11292,13 +11323,7 @@
       </p:sp>
       <p:sp>
         <p:nvSpPr>
-          <p:cNvPr id="7" name="Text Box 6">
-            <a:extLst>
-              <a:ext uri="{FF2B5EF4-FFF2-40B4-BE49-F238E27FC236}">
-                <a16:creationId xmlns:a16="http://schemas.microsoft.com/office/drawing/2014/main" id="{99FCF647-8769-1A0F-9242-330DED882BFC}"/>
-              </a:ext>
-            </a:extLst>
-          </p:cNvPr>
+          <p:cNvPr id="7" name="Text Box 6"/>
           <p:cNvSpPr txBox="1"/>
           <p:nvPr/>
         </p:nvSpPr>
@@ -11332,7 +11357,6 @@
               <a:buSzTx/>
               <a:buFontTx/>
               <a:buNone/>
-              <a:tabLst/>
               <a:defRPr/>
             </a:pPr>
             <a:r>
@@ -11346,24 +11370,32 @@
                 <a:effectLst/>
                 <a:uLnTx/>
                 <a:uFillTx/>
-                <a:latin typeface="Calibri"/>
+                <a:latin typeface="Calibri" panose="020F0502020204030204"/>
                 <a:ea typeface="+mn-ea"/>
                 <a:cs typeface="+mn-cs"/>
               </a:rPr>
               <a:t>8</a:t>
             </a:r>
+            <a:endParaRPr kumimoji="0" lang="it-IT" altLang="en-GB" sz="1400" b="0" i="0" u="none" strike="noStrike" kern="1200" cap="none" spc="0" normalizeH="0" baseline="0" noProof="0" dirty="0">
+              <a:ln>
+                <a:noFill/>
+              </a:ln>
+              <a:solidFill>
+                <a:prstClr val="black"/>
+              </a:solidFill>
+              <a:effectLst/>
+              <a:uLnTx/>
+              <a:uFillTx/>
+              <a:latin typeface="Calibri" panose="020F0502020204030204"/>
+              <a:ea typeface="+mn-ea"/>
+              <a:cs typeface="+mn-cs"/>
+            </a:endParaRPr>
           </a:p>
         </p:txBody>
       </p:sp>
       <p:sp>
         <p:nvSpPr>
-          <p:cNvPr id="8" name="Rectangles 7">
-            <a:extLst>
-              <a:ext uri="{FF2B5EF4-FFF2-40B4-BE49-F238E27FC236}">
-                <a16:creationId xmlns:a16="http://schemas.microsoft.com/office/drawing/2014/main" id="{DC532E9C-97F3-A2F5-8482-776AFAF145BF}"/>
-              </a:ext>
-            </a:extLst>
-          </p:cNvPr>
+          <p:cNvPr id="8" name="Rectangles 7"/>
           <p:cNvSpPr/>
           <p:nvPr/>
         </p:nvSpPr>
@@ -11418,7 +11450,6 @@
               <a:buSzTx/>
               <a:buFontTx/>
               <a:buNone/>
-              <a:tabLst/>
               <a:defRPr/>
             </a:pPr>
             <a:endParaRPr kumimoji="0" lang="en-GB" altLang="en-US" sz="1800" b="0" i="0" u="none" strike="noStrike" kern="1200" cap="none" spc="0" normalizeH="0" baseline="0" noProof="0">
@@ -11431,7 +11462,7 @@
               <a:effectLst/>
               <a:uLnTx/>
               <a:uFillTx/>
-              <a:latin typeface="Calibri"/>
+              <a:latin typeface="Calibri" panose="020F0502020204030204"/>
               <a:ea typeface="+mn-ea"/>
               <a:cs typeface="+mn-cs"/>
             </a:endParaRPr>
@@ -11440,13 +11471,7 @@
       </p:sp>
       <p:sp>
         <p:nvSpPr>
-          <p:cNvPr id="2" name="Text Box 1">
-            <a:extLst>
-              <a:ext uri="{FF2B5EF4-FFF2-40B4-BE49-F238E27FC236}">
-                <a16:creationId xmlns:a16="http://schemas.microsoft.com/office/drawing/2014/main" id="{EB7F4B0B-BEAF-C0B3-C3FE-846874A70451}"/>
-              </a:ext>
-            </a:extLst>
-          </p:cNvPr>
+          <p:cNvPr id="2" name="Text Box 1"/>
           <p:cNvSpPr txBox="1"/>
           <p:nvPr/>
         </p:nvSpPr>
@@ -11480,7 +11505,6 @@
               <a:buSzTx/>
               <a:buFontTx/>
               <a:buNone/>
-              <a:tabLst/>
               <a:defRPr/>
             </a:pPr>
             <a:r>
@@ -11494,7 +11518,7 @@
                 <a:effectLst/>
                 <a:uLnTx/>
                 <a:uFillTx/>
-                <a:latin typeface="Calibri"/>
+                <a:latin typeface="Calibri" panose="020F0502020204030204"/>
                 <a:ea typeface="+mn-ea"/>
                 <a:cs typeface="+mn-cs"/>
               </a:rPr>
@@ -11511,7 +11535,7 @@
                 <a:effectLst/>
                 <a:uLnTx/>
                 <a:uFillTx/>
-                <a:latin typeface="Calibri"/>
+                <a:latin typeface="Calibri" panose="020F0502020204030204"/>
                 <a:ea typeface="+mn-ea"/>
                 <a:cs typeface="+mn-cs"/>
               </a:rPr>
@@ -11528,7 +11552,7 @@
                 <a:effectLst/>
                 <a:uLnTx/>
                 <a:uFillTx/>
-                <a:latin typeface="Calibri"/>
+                <a:latin typeface="Calibri" panose="020F0502020204030204"/>
                 <a:ea typeface="+mn-ea"/>
                 <a:cs typeface="+mn-cs"/>
               </a:rPr>
@@ -11545,7 +11569,7 @@
                 <a:effectLst/>
                 <a:uLnTx/>
                 <a:uFillTx/>
-                <a:latin typeface="Calibri"/>
+                <a:latin typeface="Calibri" panose="020F0502020204030204"/>
                 <a:ea typeface="+mn-ea"/>
                 <a:cs typeface="+mn-cs"/>
               </a:rPr>
@@ -11562,7 +11586,7 @@
                 <a:effectLst/>
                 <a:uLnTx/>
                 <a:uFillTx/>
-                <a:latin typeface="Calibri"/>
+                <a:latin typeface="Calibri" panose="020F0502020204030204"/>
                 <a:ea typeface="+mn-ea"/>
                 <a:cs typeface="+mn-cs"/>
               </a:rPr>
@@ -11579,7 +11603,7 @@
                 <a:effectLst/>
                 <a:uLnTx/>
                 <a:uFillTx/>
-                <a:latin typeface="Calibri"/>
+                <a:latin typeface="Calibri" panose="020F0502020204030204"/>
                 <a:ea typeface="+mn-ea"/>
                 <a:cs typeface="+mn-cs"/>
               </a:rPr>
@@ -11596,7 +11620,7 @@
                 <a:effectLst/>
                 <a:uLnTx/>
                 <a:uFillTx/>
-                <a:latin typeface="Calibri"/>
+                <a:latin typeface="Calibri" panose="020F0502020204030204"/>
                 <a:ea typeface="+mn-ea"/>
                 <a:cs typeface="+mn-cs"/>
               </a:rPr>
@@ -11613,7 +11637,7 @@
                 <a:effectLst/>
                 <a:uLnTx/>
                 <a:uFillTx/>
-                <a:latin typeface="Calibri"/>
+                <a:latin typeface="Calibri" panose="020F0502020204030204"/>
                 <a:ea typeface="+mn-ea"/>
                 <a:cs typeface="+mn-cs"/>
               </a:rPr>
@@ -11630,7 +11654,7 @@
                 <a:effectLst/>
                 <a:uLnTx/>
                 <a:uFillTx/>
-                <a:latin typeface="Calibri"/>
+                <a:latin typeface="Calibri" panose="020F0502020204030204"/>
                 <a:ea typeface="+mn-ea"/>
                 <a:cs typeface="+mn-cs"/>
               </a:rPr>
@@ -11647,34 +11671,36 @@
                 <a:effectLst/>
                 <a:uLnTx/>
                 <a:uFillTx/>
-                <a:latin typeface="Calibri"/>
+                <a:latin typeface="Calibri" panose="020F0502020204030204"/>
                 <a:ea typeface="+mn-ea"/>
                 <a:cs typeface="+mn-cs"/>
               </a:rPr>
               <a:t>?</a:t>
             </a:r>
+            <a:endParaRPr kumimoji="0" lang="it-IT" altLang="en-GB" sz="1800" b="0" i="0" u="none" strike="noStrike" kern="1200" cap="none" spc="0" normalizeH="0" baseline="0" noProof="0" dirty="0">
+              <a:ln>
+                <a:noFill/>
+              </a:ln>
+              <a:solidFill>
+                <a:prstClr val="black"/>
+              </a:solidFill>
+              <a:effectLst/>
+              <a:uLnTx/>
+              <a:uFillTx/>
+              <a:latin typeface="Calibri" panose="020F0502020204030204"/>
+              <a:ea typeface="+mn-ea"/>
+              <a:cs typeface="+mn-cs"/>
+            </a:endParaRPr>
           </a:p>
         </p:txBody>
       </p:sp>
       <p:graphicFrame>
         <p:nvGraphicFramePr>
-          <p:cNvPr id="3" name="Table 2">
-            <a:extLst>
-              <a:ext uri="{FF2B5EF4-FFF2-40B4-BE49-F238E27FC236}">
-                <a16:creationId xmlns:a16="http://schemas.microsoft.com/office/drawing/2014/main" id="{DCC57535-0BA9-6456-376E-BD906337DFCF}"/>
-              </a:ext>
-            </a:extLst>
-          </p:cNvPr>
+          <p:cNvPr id="3" name="Table 2"/>
           <p:cNvGraphicFramePr>
             <a:graphicFrameLocks noGrp="1"/>
           </p:cNvGraphicFramePr>
-          <p:nvPr>
-            <p:extLst>
-              <p:ext uri="{D42A27DB-BD31-4B8C-83A1-F6EECF244321}">
-                <p14:modId xmlns:p14="http://schemas.microsoft.com/office/powerpoint/2010/main" val="3100442825"/>
-              </p:ext>
-            </p:extLst>
-          </p:nvPr>
+          <p:nvPr/>
         </p:nvGraphicFramePr>
         <p:xfrm>
           <a:off x="1034200" y="1657350"/>
@@ -11687,27 +11713,9 @@
                 <a:tableStyleId>{5C22544A-7EE6-4342-B048-85BDC9FD1C3A}</a:tableStyleId>
               </a:tblPr>
               <a:tblGrid>
-                <a:gridCol w="2590800">
-                  <a:extLst>
-                    <a:ext uri="{9D8B030D-6E8A-4147-A177-3AD203B41FA5}">
-                      <a16:colId xmlns:a16="http://schemas.microsoft.com/office/drawing/2014/main" val="20000"/>
-                    </a:ext>
-                  </a:extLst>
-                </a:gridCol>
-                <a:gridCol w="2590800">
-                  <a:extLst>
-                    <a:ext uri="{9D8B030D-6E8A-4147-A177-3AD203B41FA5}">
-                      <a16:colId xmlns:a16="http://schemas.microsoft.com/office/drawing/2014/main" val="20001"/>
-                    </a:ext>
-                  </a:extLst>
-                </a:gridCol>
-                <a:gridCol w="2590800">
-                  <a:extLst>
-                    <a:ext uri="{9D8B030D-6E8A-4147-A177-3AD203B41FA5}">
-                      <a16:colId xmlns:a16="http://schemas.microsoft.com/office/drawing/2014/main" val="20002"/>
-                    </a:ext>
-                  </a:extLst>
-                </a:gridCol>
+                <a:gridCol w="2590800"/>
+                <a:gridCol w="2590800"/>
+                <a:gridCol w="2590800"/>
               </a:tblGrid>
               <a:tr h="342900">
                 <a:tc>
@@ -11719,6 +11727,7 @@
                         <a:rPr dirty="0"/>
                         <a:t>Metric</a:t>
                       </a:r>
+                      <a:endParaRPr dirty="0"/>
                     </a:p>
                   </a:txBody>
                   <a:tcPr/>
@@ -11732,6 +11741,7 @@
                         <a:rPr dirty="0"/>
                         <a:t>TCP+TLS</a:t>
                       </a:r>
+                      <a:endParaRPr dirty="0"/>
                     </a:p>
                   </a:txBody>
                   <a:tcPr/>
@@ -11748,11 +11758,6 @@
                   </a:txBody>
                   <a:tcPr/>
                 </a:tc>
-                <a:extLst>
-                  <a:ext uri="{0D108BD9-81ED-4DB2-BD59-A6C34878D82A}">
-                    <a16:rowId xmlns:a16="http://schemas.microsoft.com/office/drawing/2014/main" val="10000"/>
-                  </a:ext>
-                </a:extLst>
               </a:tr>
               <a:tr h="342900">
                 <a:tc>
@@ -11764,6 +11769,7 @@
                         <a:rPr dirty="0"/>
                         <a:t>Handshake Time</a:t>
                       </a:r>
+                      <a:endParaRPr dirty="0"/>
                     </a:p>
                   </a:txBody>
                   <a:tcPr/>
@@ -11804,11 +11810,6 @@
                   </a:txBody>
                   <a:tcPr/>
                 </a:tc>
-                <a:extLst>
-                  <a:ext uri="{0D108BD9-81ED-4DB2-BD59-A6C34878D82A}">
-                    <a16:rowId xmlns:a16="http://schemas.microsoft.com/office/drawing/2014/main" val="10001"/>
-                  </a:ext>
-                </a:extLst>
               </a:tr>
               <a:tr h="342900">
                 <a:tc>
@@ -11828,6 +11829,7 @@
                         <a:rPr dirty="0"/>
                         <a:t>RTT</a:t>
                       </a:r>
+                      <a:endParaRPr dirty="0"/>
                     </a:p>
                   </a:txBody>
                   <a:tcPr/>
@@ -11868,11 +11870,6 @@
                   </a:txBody>
                   <a:tcPr/>
                 </a:tc>
-                <a:extLst>
-                  <a:ext uri="{0D108BD9-81ED-4DB2-BD59-A6C34878D82A}">
-                    <a16:rowId xmlns:a16="http://schemas.microsoft.com/office/drawing/2014/main" val="10002"/>
-                  </a:ext>
-                </a:extLst>
               </a:tr>
               <a:tr h="342900">
                 <a:tc>
@@ -11911,11 +11908,6 @@
                   </a:txBody>
                   <a:tcPr/>
                 </a:tc>
-                <a:extLst>
-                  <a:ext uri="{0D108BD9-81ED-4DB2-BD59-A6C34878D82A}">
-                    <a16:rowId xmlns:a16="http://schemas.microsoft.com/office/drawing/2014/main" val="10003"/>
-                  </a:ext>
-                </a:extLst>
               </a:tr>
               <a:tr h="342900">
                 <a:tc>
@@ -11927,6 +11919,7 @@
                         <a:rPr dirty="0"/>
                         <a:t>Upload Time (1GB)</a:t>
                       </a:r>
+                      <a:endParaRPr dirty="0"/>
                     </a:p>
                   </a:txBody>
                   <a:tcPr/>
@@ -11955,11 +11948,6 @@
                   </a:txBody>
                   <a:tcPr/>
                 </a:tc>
-                <a:extLst>
-                  <a:ext uri="{0D108BD9-81ED-4DB2-BD59-A6C34878D82A}">
-                    <a16:rowId xmlns:a16="http://schemas.microsoft.com/office/drawing/2014/main" val="10004"/>
-                  </a:ext>
-                </a:extLst>
               </a:tr>
               <a:tr h="342900">
                 <a:tc>
@@ -11971,6 +11959,7 @@
                         <a:rPr dirty="0"/>
                         <a:t>Upload Throughput</a:t>
                       </a:r>
+                      <a:endParaRPr dirty="0"/>
                     </a:p>
                   </a:txBody>
                   <a:tcPr/>
@@ -12011,11 +12000,6 @@
                   </a:txBody>
                   <a:tcPr/>
                 </a:tc>
-                <a:extLst>
-                  <a:ext uri="{0D108BD9-81ED-4DB2-BD59-A6C34878D82A}">
-                    <a16:rowId xmlns:a16="http://schemas.microsoft.com/office/drawing/2014/main" val="10005"/>
-                  </a:ext>
-                </a:extLst>
               </a:tr>
               <a:tr h="342900">
                 <a:tc>
@@ -12054,11 +12038,6 @@
                   </a:txBody>
                   <a:tcPr/>
                 </a:tc>
-                <a:extLst>
-                  <a:ext uri="{0D108BD9-81ED-4DB2-BD59-A6C34878D82A}">
-                    <a16:rowId xmlns:a16="http://schemas.microsoft.com/office/drawing/2014/main" val="10006"/>
-                  </a:ext>
-                </a:extLst>
               </a:tr>
               <a:tr h="342900">
                 <a:tc>
@@ -12070,6 +12049,7 @@
                         <a:rPr dirty="0"/>
                         <a:t>Download Throughput</a:t>
                       </a:r>
+                      <a:endParaRPr dirty="0"/>
                     </a:p>
                   </a:txBody>
                   <a:tcPr/>
@@ -12110,11 +12090,6 @@
                   </a:txBody>
                   <a:tcPr/>
                 </a:tc>
-                <a:extLst>
-                  <a:ext uri="{0D108BD9-81ED-4DB2-BD59-A6C34878D82A}">
-                    <a16:rowId xmlns:a16="http://schemas.microsoft.com/office/drawing/2014/main" val="10007"/>
-                  </a:ext>
-                </a:extLst>
               </a:tr>
             </a:tbl>
           </a:graphicData>
@@ -12122,16 +12097,8 @@
       </p:graphicFrame>
       <p:sp>
         <p:nvSpPr>
-          <p:cNvPr id="5" name="Content Placeholder 2">
-            <a:extLst>
-              <a:ext uri="{FF2B5EF4-FFF2-40B4-BE49-F238E27FC236}">
-                <a16:creationId xmlns:a16="http://schemas.microsoft.com/office/drawing/2014/main" id="{A3E3D14D-C63C-A3CB-A742-9DD2670F4413}"/>
-              </a:ext>
-            </a:extLst>
-          </p:cNvPr>
-          <p:cNvSpPr txBox="1">
-            <a:spLocks/>
-          </p:cNvSpPr>
+          <p:cNvPr id="5" name="Content Placeholder 2"/>
+          <p:cNvSpPr txBox="1"/>
           <p:nvPr/>
         </p:nvSpPr>
         <p:spPr>
@@ -12344,6 +12311,7 @@
               <a:rPr lang="it-IT" dirty="0"/>
               <a:t> condition.</a:t>
             </a:r>
+            <a:endParaRPr lang="it-IT" dirty="0"/>
           </a:p>
           <a:p>
             <a:pPr marL="342900" indent="-342900" algn="l">
@@ -12382,6 +12350,7 @@
               <a:rPr lang="it-IT" dirty="0"/>
               <a:t> in QUIC.</a:t>
             </a:r>
+            <a:endParaRPr lang="it-IT" dirty="0"/>
           </a:p>
           <a:p>
             <a:pPr marL="342900" indent="-342900" algn="l">
@@ -12412,15 +12381,11 @@
               <a:rPr lang="it-IT" dirty="0"/>
               <a:t>.</a:t>
             </a:r>
+            <a:endParaRPr lang="it-IT" dirty="0"/>
           </a:p>
         </p:txBody>
       </p:sp>
     </p:spTree>
-    <p:extLst>
-      <p:ext uri="{BB962C8B-B14F-4D97-AF65-F5344CB8AC3E}">
-        <p14:creationId xmlns:p14="http://schemas.microsoft.com/office/powerpoint/2010/main" val="353289257"/>
-      </p:ext>
-    </p:extLst>
   </p:cSld>
   <p:clrMapOvr>
     <a:masterClrMapping/>
@@ -12431,7 +12396,7 @@
         <p159:morph option="byObject"/>
       </p:transition>
     </mc:Choice>
-    <mc:Fallback xmlns="">
+    <mc:Fallback>
       <p:transition spd="slow">
         <p:fade/>
       </p:transition>
@@ -12441,25 +12406,203 @@
 </file>
 
 <file path=ppt/tags/tag1.xml><?xml version="1.0" encoding="utf-8"?>
-<p:tagLst xmlns:a="http://schemas.openxmlformats.org/drawingml/2006/main" xmlns:r="http://schemas.openxmlformats.org/officeDocument/2006/relationships" xmlns:p="http://schemas.openxmlformats.org/presentationml/2006/main">
-  <p:tag name="RESOURCE_RECORD_KEY" val="{&quot;70&quot;:[3321980,3321390,3320305,3321374]}"/>
+<p:tagLst xmlns:p="http://schemas.openxmlformats.org/presentationml/2006/main">
+  <p:tag name="KSO_WM_UNIT_HIGHLIGHT" val="0"/>
+  <p:tag name="KSO_WM_UNIT_COMPATIBLE" val="0"/>
+  <p:tag name="KSO_WM_UNIT_DIAGRAM_ISNUMVISUAL" val="0"/>
+  <p:tag name="KSO_WM_UNIT_DIAGRAM_ISREFERUNIT" val="0"/>
+  <p:tag name="KSO_WM_UNIT_ID" val="diagram20238176_2*n_h_i*1_1_1"/>
+  <p:tag name="KSO_WM_TEMPLATE_CATEGORY" val="diagram"/>
+  <p:tag name="KSO_WM_TEMPLATE_INDEX" val="20238176"/>
+  <p:tag name="KSO_WM_UNIT_LAYERLEVEL" val="1_1_1"/>
+  <p:tag name="KSO_WM_TAG_VERSION" val="3.0"/>
+  <p:tag name="KSO_WM_DIAGRAM_VERSION" val="3"/>
+  <p:tag name="KSO_WM_DIAGRAM_COLOR_TRICK" val="1"/>
+  <p:tag name="KSO_WM_DIAGRAM_COLOR_TEXT_CAN_REMOVE" val="n"/>
+  <p:tag name="KSO_WM_DIAGRAM_GROUP_CODE" val="n1-1"/>
+  <p:tag name="KSO_WM_UNIT_TYPE" val="n_h_i"/>
+  <p:tag name="KSO_WM_UNIT_INDEX" val="1_1_1"/>
+  <p:tag name="KSO_WM_DIAGRAM_MAX_ITEMCNT" val="6"/>
+  <p:tag name="KSO_WM_DIAGRAM_MIN_ITEMCNT" val="2"/>
+  <p:tag name="KSO_WM_DIAGRAM_VIRTUALLY_FRAME" val="{&quot;height&quot;:372.9,&quot;left&quot;:53.57498779296875,&quot;top&quot;:83.6,&quot;width&quot;:852.9000244140625}"/>
+  <p:tag name="KSO_WM_DIAGRAM_COLOR_MATCH_VALUE" val="{&quot;shape&quot;:{&quot;fill&quot;:{&quot;gradient&quot;:[{&quot;brightness&quot;:0.800000011920929,&quot;colorType&quot;:1,&quot;foreColorIndex&quot;:5,&quot;pos&quot;:0,&quot;transparency&quot;:1},{&quot;brightness&quot;:0.800000011920929,&quot;colorType&quot;:1,&quot;foreColorIndex&quot;:5,&quot;pos&quot;:1,&quot;transparency&quot;:0.49000000953674316}],&quot;type&quot;:3},&quot;glow&quot;:{&quot;colorType&quot;:0},&quot;line&quot;:{&quot;type&quot;:0},&quot;shadow&quot;:{&quot;colorType&quot;:0},&quot;threeD&quot;:{&quot;curvedSurface&quot;:{&quot;brightness&quot;:0,&quot;colorType&quot;:2,&quot;rgb&quot;:&quot;#000000&quot;},&quot;depth&quot;:{&quot;colorType&quot;:0}}},&quot;text&quot;:{&quot;fill&quot;:{&quot;solid&quot;:{&quot;brightness&quot;:0,&quot;colorType&quot;:1,&quot;foreColorIndex&quot;:2,&quot;transparency&quot;:0},&quot;type&quot;:1},&quot;glow&quot;:{&quot;colorType&quot;:0},&quot;line&quot;:{&quot;type&quot;:0},&quot;shadow&quot;:{&quot;colorType&quot;:0},&quot;threeD&quot;:{&quot;curvedSurface&quot;:{&quot;brightness&quot;:0,&quot;colorType&quot;:2,&quot;rgb&quot;:&quot;#000000&quot;},&quot;depth&quot;:{&quot;colorType&quot;:0}}}}"/>
+  <p:tag name="KSO_WM_UNIT_FILL_TYPE" val="3"/>
+  <p:tag name="KSO_WM_DIAGRAM_USE_COLOR_VALUE" val="{&quot;color_scheme&quot;:1,&quot;color_type&quot;:1,&quot;theme_color_indexes&quot;:[]}"/>
 </p:tagLst>
 </file>
 
 <file path=ppt/tags/tag10.xml><?xml version="1.0" encoding="utf-8"?>
-<p:tagLst xmlns:a="http://schemas.openxmlformats.org/drawingml/2006/main" xmlns:r="http://schemas.openxmlformats.org/officeDocument/2006/relationships" xmlns:p="http://schemas.openxmlformats.org/presentationml/2006/main">
+<p:tagLst xmlns:p="http://schemas.openxmlformats.org/presentationml/2006/main">
+  <p:tag name="KSO_WM_UNIT_TEXT_FILL_FORE_SCHEMECOLOR_INDEX_BRIGHTNESS" val="0.15"/>
+  <p:tag name="KSO_WM_DIAGRAM_MAX_ITEMCNT" val="4"/>
+  <p:tag name="KSO_WM_DIAGRAM_MIN_ITEMCNT" val="2"/>
+  <p:tag name="KSO_WM_DIAGRAM_VIRTUALLY_FRAME" val="{&quot;height&quot;:351.67499847412114,&quot;left&quot;:54.80003326656315,&quot;top&quot;:179.30004089595764,&quot;width&quot;:854.6750061035157}"/>
+  <p:tag name="KSO_WM_DIAGRAM_COLOR_MATCH_VALUE" val="{&quot;shape&quot;:{&quot;fill&quot;:{&quot;type&quot;:0},&quot;glow&quot;:{&quot;colorType&quot;:0},&quot;line&quot;:{&quot;type&quot;:0},&quot;shadow&quot;:{&quot;colorType&quot;:0},&quot;threeD&quot;:{&quot;curvedSurface&quot;:{&quot;brightness&quot;:0,&quot;colorType&quot;:2,&quot;rgb&quot;:&quot;#000000&quot;},&quot;depth&quot;:{&quot;colorType&quot;:0}}},&quot;text&quot;:{&quot;fill&quot;:{&quot;solid&quot;:{&quot;brightness&quot;:0,&quot;colorType&quot;:1,&quot;foreColorIndex&quot;:5,&quot;transparency&quot;:0},&quot;type&quot;:1},&quot;glow&quot;:{&quot;colorType&quot;:0},&quot;line&quot;:{&quot;type&quot;:0},&quot;shadow&quot;:{&quot;colorType&quot;:0},&quot;threeD&quot;:{&quot;curvedSurface&quot;:{&quot;brightness&quot;:0,&quot;colorType&quot;:2,&quot;rgb&quot;:&quot;#000000&quot;},&quot;depth&quot;:{&quot;colorType&quot;:0}}}}"/>
+  <p:tag name="KSO_WM_DIAGRAM_VERSION" val="3"/>
+  <p:tag name="KSO_WM_DIAGRAM_COLOR_TRICK" val="1"/>
+  <p:tag name="KSO_WM_DIAGRAM_COLOR_TEXT_CAN_REMOVE" val="n"/>
+  <p:tag name="KSO_WM_UNIT_ISCONTENTSTITLE" val="0"/>
+  <p:tag name="KSO_WM_UNIT_ISNUMDGMTITLE" val="0"/>
+  <p:tag name="KSO_WM_UNIT_NOCLEAR" val="0"/>
+  <p:tag name="KSO_WM_UNIT_VALUE" val="10"/>
+  <p:tag name="KSO_WM_UNIT_HIGHLIGHT" val="0"/>
+  <p:tag name="KSO_WM_UNIT_COMPATIBLE" val="0"/>
+  <p:tag name="KSO_WM_UNIT_DIAGRAM_ISNUMVISUAL" val="0"/>
+  <p:tag name="KSO_WM_UNIT_DIAGRAM_ISREFERUNIT" val="0"/>
+  <p:tag name="KSO_WM_DIAGRAM_GROUP_CODE" val="l1-1"/>
+  <p:tag name="KSO_WM_UNIT_TYPE" val="l_h_a"/>
+  <p:tag name="KSO_WM_UNIT_INDEX" val="1_2_1"/>
+  <p:tag name="KSO_WM_UNIT_ID" val="diagram20237921_2*l_h_a*1_2_1"/>
+  <p:tag name="KSO_WM_TEMPLATE_CATEGORY" val="diagram"/>
+  <p:tag name="KSO_WM_TEMPLATE_INDEX" val="20237921"/>
+  <p:tag name="KSO_WM_UNIT_LAYERLEVEL" val="1_1_1"/>
+  <p:tag name="KSO_WM_TAG_VERSION" val="3.0"/>
+  <p:tag name="KSO_WM_BEAUTIFY_FLAG" val="#wm#"/>
+  <p:tag name="KSO_WM_UNIT_PRESET_TEXT" val="Your title here"/>
+  <p:tag name="KSO_WM_UNIT_TEXT_FILL_FORE_SCHEMECOLOR_INDEX" val="1"/>
+  <p:tag name="KSO_WM_UNIT_TEXT_FILL_TYPE" val="1"/>
+</p:tagLst>
+</file>
+
+<file path=ppt/tags/tag11.xml><?xml version="1.0" encoding="utf-8"?>
+<p:tagLst xmlns:p="http://schemas.openxmlformats.org/presentationml/2006/main">
+  <p:tag name="KSO_WM_UNIT_TEXT_FILL_FORE_SCHEMECOLOR_INDEX_BRIGHTNESS" val="0.15"/>
+  <p:tag name="KSO_WM_DIAGRAM_MAX_ITEMCNT" val="4"/>
+  <p:tag name="KSO_WM_DIAGRAM_MIN_ITEMCNT" val="2"/>
+  <p:tag name="KSO_WM_DIAGRAM_VIRTUALLY_FRAME" val="{&quot;height&quot;:351.67499847412114,&quot;left&quot;:54.80003326656315,&quot;top&quot;:179.30004089595764,&quot;width&quot;:854.6750061035157}"/>
+  <p:tag name="KSO_WM_DIAGRAM_COLOR_MATCH_VALUE" val="{&quot;shape&quot;:{&quot;fill&quot;:{&quot;type&quot;:0},&quot;glow&quot;:{&quot;colorType&quot;:0},&quot;line&quot;:{&quot;type&quot;:0},&quot;shadow&quot;:{&quot;colorType&quot;:0},&quot;threeD&quot;:{&quot;curvedSurface&quot;:{&quot;brightness&quot;:0,&quot;colorType&quot;:2,&quot;rgb&quot;:&quot;#000000&quot;},&quot;depth&quot;:{&quot;colorType&quot;:0}}},&quot;text&quot;:{&quot;fill&quot;:{&quot;solid&quot;:{&quot;brightness&quot;:0.15000000596046448,&quot;colorType&quot;:1,&quot;foreColorIndex&quot;:13,&quot;transparency&quot;:0},&quot;type&quot;:1},&quot;glow&quot;:{&quot;colorType&quot;:0},&quot;line&quot;:{&quot;type&quot;:0},&quot;shadow&quot;:{&quot;colorType&quot;:0},&quot;threeD&quot;:{&quot;curvedSurface&quot;:{&quot;brightness&quot;:0,&quot;colorType&quot;:2,&quot;rgb&quot;:&quot;#000000&quot;},&quot;depth&quot;:{&quot;colorType&quot;:0}}}}"/>
+  <p:tag name="KSO_WM_DIAGRAM_VERSION" val="3"/>
+  <p:tag name="KSO_WM_DIAGRAM_COLOR_TRICK" val="1"/>
+  <p:tag name="KSO_WM_DIAGRAM_COLOR_TEXT_CAN_REMOVE" val="n"/>
+  <p:tag name="KSO_WM_UNIT_SUBTYPE" val="a"/>
+  <p:tag name="KSO_WM_UNIT_NOCLEAR" val="0"/>
+  <p:tag name="KSO_WM_UNIT_VALUE" val="60"/>
+  <p:tag name="KSO_WM_UNIT_HIGHLIGHT" val="0"/>
+  <p:tag name="KSO_WM_UNIT_COMPATIBLE" val="0"/>
+  <p:tag name="KSO_WM_UNIT_DIAGRAM_ISNUMVISUAL" val="0"/>
+  <p:tag name="KSO_WM_UNIT_DIAGRAM_ISREFERUNIT" val="0"/>
+  <p:tag name="KSO_WM_DIAGRAM_GROUP_CODE" val="l1-1"/>
+  <p:tag name="KSO_WM_UNIT_TYPE" val="l_h_f"/>
+  <p:tag name="KSO_WM_UNIT_INDEX" val="1_2_1"/>
+  <p:tag name="KSO_WM_UNIT_ID" val="diagram20237921_2*l_h_f*1_2_1"/>
+  <p:tag name="KSO_WM_TEMPLATE_CATEGORY" val="diagram"/>
+  <p:tag name="KSO_WM_TEMPLATE_INDEX" val="20237921"/>
+  <p:tag name="KSO_WM_UNIT_LAYERLEVEL" val="1_1_1"/>
+  <p:tag name="KSO_WM_TAG_VERSION" val="3.0"/>
+  <p:tag name="KSO_WM_BEAUTIFY_FLAG" val="#wm#"/>
+  <p:tag name="KSO_WM_UNIT_PRESET_TEXT" val="Presentations are communication tools"/>
+  <p:tag name="KSO_WM_UNIT_TEXT_FILL_FORE_SCHEMECOLOR_INDEX" val="1"/>
+  <p:tag name="KSO_WM_UNIT_TEXT_FILL_TYPE" val="1"/>
+</p:tagLst>
+</file>
+
+<file path=ppt/tags/tag12.xml><?xml version="1.0" encoding="utf-8"?>
+<p:tagLst xmlns:p="http://schemas.openxmlformats.org/presentationml/2006/main">
   <p:tag name="KSO_WM_DIAGRAM_VIRTUALLY_FRAME" val="{&quot;height&quot;:351.67499847412114,&quot;left&quot;:54.80003326656315,&quot;top&quot;:179.30004089595764,&quot;width&quot;:850.4500122070312}"/>
 </p:tagLst>
 </file>
 
-<file path=ppt/tags/tag11.xml><?xml version="1.0" encoding="utf-8"?>
-<p:tagLst xmlns:a="http://schemas.openxmlformats.org/drawingml/2006/main" xmlns:r="http://schemas.openxmlformats.org/officeDocument/2006/relationships" xmlns:p="http://schemas.openxmlformats.org/presentationml/2006/main">
+<file path=ppt/tags/tag13.xml><?xml version="1.0" encoding="utf-8"?>
+<p:tagLst xmlns:p="http://schemas.openxmlformats.org/presentationml/2006/main">
+  <p:tag name="KSO_WM_DIAGRAM_MAX_ITEMCNT" val="4"/>
+  <p:tag name="KSO_WM_DIAGRAM_MIN_ITEMCNT" val="2"/>
+  <p:tag name="KSO_WM_DIAGRAM_VIRTUALLY_FRAME" val="{&quot;height&quot;:351.67499847412114,&quot;left&quot;:54.80003326656315,&quot;top&quot;:179.30004089595764,&quot;width&quot;:854.6750061035157}"/>
+  <p:tag name="KSO_WM_DIAGRAM_COLOR_MATCH_VALUE" val="{&quot;shape&quot;:{&quot;fill&quot;:{&quot;solid&quot;:{&quot;brightness&quot;:0.6000000238418579,&quot;colorType&quot;:1,&quot;foreColorIndex&quot;:5,&quot;transparency&quot;:0.800000011920929},&quot;type&quot;:1},&quot;glow&quot;:{&quot;colorType&quot;:0},&quot;line&quot;:{&quot;type&quot;:0},&quot;shadow&quot;:{&quot;colorType&quot;:0},&quot;threeD&quot;:{&quot;curvedSurface&quot;:{&quot;brightness&quot;:0,&quot;colorType&quot;:2,&quot;rgb&quot;:&quot;#000000&quot;},&quot;depth&quot;:{&quot;colorType&quot;:0}}},&quot;text&quot;:{&quot;fill&quot;:{&quot;solid&quot;:{&quot;brightness&quot;:0,&quot;colorType&quot;:1,&quot;foreColorIndex&quot;:2,&quot;transparency&quot;:0},&quot;type&quot;:1},&quot;glow&quot;:{&quot;colorType&quot;:0},&quot;line&quot;:{&quot;type&quot;:0},&quot;shadow&quot;:{&quot;colorType&quot;:0},&quot;threeD&quot;:{&quot;curvedSurface&quot;:{&quot;brightness&quot;:0,&quot;colorType&quot;:2,&quot;rgb&quot;:&quot;#000000&quot;},&quot;depth&quot;:{&quot;colorType&quot;:0}}}}"/>
+  <p:tag name="KSO_WM_DIAGRAM_VERSION" val="3"/>
+  <p:tag name="KSO_WM_DIAGRAM_COLOR_TRICK" val="1"/>
+  <p:tag name="KSO_WM_DIAGRAM_COLOR_TEXT_CAN_REMOVE" val="n"/>
+  <p:tag name="KSO_WM_UNIT_HIGHLIGHT" val="0"/>
+  <p:tag name="KSO_WM_UNIT_COMPATIBLE" val="0"/>
+  <p:tag name="KSO_WM_UNIT_DIAGRAM_ISNUMVISUAL" val="0"/>
+  <p:tag name="KSO_WM_UNIT_DIAGRAM_ISREFERUNIT" val="0"/>
+  <p:tag name="KSO_WM_DIAGRAM_GROUP_CODE" val="l1-1"/>
+  <p:tag name="KSO_WM_UNIT_TYPE" val="l_h_i"/>
+  <p:tag name="KSO_WM_UNIT_INDEX" val="1_1_1"/>
+  <p:tag name="KSO_WM_UNIT_ID" val="diagram20237921_2*l_h_i*1_1_1"/>
+  <p:tag name="KSO_WM_TEMPLATE_CATEGORY" val="diagram"/>
+  <p:tag name="KSO_WM_TEMPLATE_INDEX" val="20237921"/>
+  <p:tag name="KSO_WM_UNIT_LAYERLEVEL" val="1_1_1"/>
+  <p:tag name="KSO_WM_TAG_VERSION" val="3.0"/>
+  <p:tag name="KSO_WM_BEAUTIFY_FLAG" val="#wm#"/>
+  <p:tag name="KSO_WM_UNIT_FILL_TYPE" val="1"/>
+  <p:tag name="KSO_WM_UNIT_FILL_FORE_SCHEMECOLOR_INDEX" val="5"/>
+  <p:tag name="KSO_WM_UNIT_FILL_FORE_SCHEMECOLOR_INDEX_BRIGHTNESS" val="0.6"/>
+</p:tagLst>
+</file>
+
+<file path=ppt/tags/tag14.xml><?xml version="1.0" encoding="utf-8"?>
+<p:tagLst xmlns:p="http://schemas.openxmlformats.org/presentationml/2006/main">
+  <p:tag name="KSO_WM_UNIT_TEXT_FILL_FORE_SCHEMECOLOR_INDEX_BRIGHTNESS" val="0.15"/>
+  <p:tag name="KSO_WM_DIAGRAM_MAX_ITEMCNT" val="4"/>
+  <p:tag name="KSO_WM_DIAGRAM_MIN_ITEMCNT" val="2"/>
+  <p:tag name="KSO_WM_DIAGRAM_VIRTUALLY_FRAME" val="{&quot;height&quot;:351.67499847412114,&quot;left&quot;:54.80003326656315,&quot;top&quot;:179.30004089595764,&quot;width&quot;:854.6750061035157}"/>
+  <p:tag name="KSO_WM_DIAGRAM_COLOR_MATCH_VALUE" val="{&quot;shape&quot;:{&quot;fill&quot;:{&quot;type&quot;:0},&quot;glow&quot;:{&quot;colorType&quot;:0},&quot;line&quot;:{&quot;type&quot;:0},&quot;shadow&quot;:{&quot;colorType&quot;:0},&quot;threeD&quot;:{&quot;curvedSurface&quot;:{&quot;brightness&quot;:0,&quot;colorType&quot;:2,&quot;rgb&quot;:&quot;#000000&quot;},&quot;depth&quot;:{&quot;colorType&quot;:0}}},&quot;text&quot;:{&quot;fill&quot;:{&quot;solid&quot;:{&quot;brightness&quot;:0,&quot;colorType&quot;:1,&quot;foreColorIndex&quot;:5,&quot;transparency&quot;:0},&quot;type&quot;:1},&quot;glow&quot;:{&quot;colorType&quot;:0},&quot;line&quot;:{&quot;type&quot;:0},&quot;shadow&quot;:{&quot;colorType&quot;:0},&quot;threeD&quot;:{&quot;curvedSurface&quot;:{&quot;brightness&quot;:0,&quot;colorType&quot;:2,&quot;rgb&quot;:&quot;#000000&quot;},&quot;depth&quot;:{&quot;colorType&quot;:0}}}}"/>
+  <p:tag name="KSO_WM_DIAGRAM_VERSION" val="3"/>
+  <p:tag name="KSO_WM_DIAGRAM_COLOR_TRICK" val="1"/>
+  <p:tag name="KSO_WM_DIAGRAM_COLOR_TEXT_CAN_REMOVE" val="n"/>
+  <p:tag name="KSO_WM_UNIT_ISCONTENTSTITLE" val="0"/>
+  <p:tag name="KSO_WM_UNIT_ISNUMDGMTITLE" val="0"/>
+  <p:tag name="KSO_WM_UNIT_NOCLEAR" val="0"/>
+  <p:tag name="KSO_WM_UNIT_VALUE" val="10"/>
+  <p:tag name="KSO_WM_UNIT_HIGHLIGHT" val="0"/>
+  <p:tag name="KSO_WM_UNIT_COMPATIBLE" val="0"/>
+  <p:tag name="KSO_WM_UNIT_DIAGRAM_ISNUMVISUAL" val="0"/>
+  <p:tag name="KSO_WM_UNIT_DIAGRAM_ISREFERUNIT" val="0"/>
+  <p:tag name="KSO_WM_DIAGRAM_GROUP_CODE" val="l1-1"/>
+  <p:tag name="KSO_WM_UNIT_TYPE" val="l_h_a"/>
+  <p:tag name="KSO_WM_UNIT_INDEX" val="1_1_1"/>
+  <p:tag name="KSO_WM_UNIT_ID" val="diagram20237921_2*l_h_a*1_1_1"/>
+  <p:tag name="KSO_WM_TEMPLATE_CATEGORY" val="diagram"/>
+  <p:tag name="KSO_WM_TEMPLATE_INDEX" val="20237921"/>
+  <p:tag name="KSO_WM_UNIT_LAYERLEVEL" val="1_1_1"/>
+  <p:tag name="KSO_WM_TAG_VERSION" val="3.0"/>
+  <p:tag name="KSO_WM_BEAUTIFY_FLAG" val="#wm#"/>
+  <p:tag name="KSO_WM_UNIT_PRESET_TEXT" val="Your title here"/>
+  <p:tag name="KSO_WM_UNIT_TEXT_FILL_FORE_SCHEMECOLOR_INDEX" val="1"/>
+  <p:tag name="KSO_WM_UNIT_TEXT_FILL_TYPE" val="1"/>
+</p:tagLst>
+</file>
+
+<file path=ppt/tags/tag15.xml><?xml version="1.0" encoding="utf-8"?>
+<p:tagLst xmlns:p="http://schemas.openxmlformats.org/presentationml/2006/main">
+  <p:tag name="KSO_WM_UNIT_TEXT_FILL_FORE_SCHEMECOLOR_INDEX_BRIGHTNESS" val="0.15"/>
+  <p:tag name="KSO_WM_DIAGRAM_MAX_ITEMCNT" val="4"/>
+  <p:tag name="KSO_WM_DIAGRAM_MIN_ITEMCNT" val="2"/>
+  <p:tag name="KSO_WM_DIAGRAM_VIRTUALLY_FRAME" val="{&quot;height&quot;:351.67499847412114,&quot;left&quot;:54.80003326656315,&quot;top&quot;:179.30004089595764,&quot;width&quot;:854.6750061035157}"/>
+  <p:tag name="KSO_WM_DIAGRAM_COLOR_MATCH_VALUE" val="{&quot;shape&quot;:{&quot;fill&quot;:{&quot;type&quot;:0},&quot;glow&quot;:{&quot;colorType&quot;:0},&quot;line&quot;:{&quot;type&quot;:0},&quot;shadow&quot;:{&quot;colorType&quot;:0},&quot;threeD&quot;:{&quot;curvedSurface&quot;:{&quot;brightness&quot;:0,&quot;colorType&quot;:2,&quot;rgb&quot;:&quot;#000000&quot;},&quot;depth&quot;:{&quot;colorType&quot;:0}}},&quot;text&quot;:{&quot;fill&quot;:{&quot;solid&quot;:{&quot;brightness&quot;:0.15000000596046448,&quot;colorType&quot;:1,&quot;foreColorIndex&quot;:13,&quot;transparency&quot;:0},&quot;type&quot;:1},&quot;glow&quot;:{&quot;colorType&quot;:0},&quot;line&quot;:{&quot;type&quot;:0},&quot;shadow&quot;:{&quot;colorType&quot;:0},&quot;threeD&quot;:{&quot;curvedSurface&quot;:{&quot;brightness&quot;:0,&quot;colorType&quot;:2,&quot;rgb&quot;:&quot;#000000&quot;},&quot;depth&quot;:{&quot;colorType&quot;:0}}}}"/>
+  <p:tag name="KSO_WM_DIAGRAM_VERSION" val="3"/>
+  <p:tag name="KSO_WM_DIAGRAM_COLOR_TRICK" val="1"/>
+  <p:tag name="KSO_WM_DIAGRAM_COLOR_TEXT_CAN_REMOVE" val="n"/>
+  <p:tag name="KSO_WM_UNIT_SUBTYPE" val="a"/>
+  <p:tag name="KSO_WM_UNIT_NOCLEAR" val="0"/>
+  <p:tag name="KSO_WM_UNIT_VALUE" val="60"/>
+  <p:tag name="KSO_WM_UNIT_HIGHLIGHT" val="0"/>
+  <p:tag name="KSO_WM_UNIT_COMPATIBLE" val="0"/>
+  <p:tag name="KSO_WM_UNIT_DIAGRAM_ISNUMVISUAL" val="0"/>
+  <p:tag name="KSO_WM_UNIT_DIAGRAM_ISREFERUNIT" val="0"/>
+  <p:tag name="KSO_WM_DIAGRAM_GROUP_CODE" val="l1-1"/>
+  <p:tag name="KSO_WM_UNIT_TYPE" val="l_h_f"/>
+  <p:tag name="KSO_WM_UNIT_INDEX" val="1_1_1"/>
+  <p:tag name="KSO_WM_UNIT_ID" val="diagram20237921_2*l_h_f*1_1_1"/>
+  <p:tag name="KSO_WM_TEMPLATE_CATEGORY" val="diagram"/>
+  <p:tag name="KSO_WM_TEMPLATE_INDEX" val="20237921"/>
+  <p:tag name="KSO_WM_UNIT_LAYERLEVEL" val="1_1_1"/>
+  <p:tag name="KSO_WM_TAG_VERSION" val="3.0"/>
+  <p:tag name="KSO_WM_BEAUTIFY_FLAG" val="#wm#"/>
+  <p:tag name="KSO_WM_UNIT_PRESET_TEXT" val="Presentations are communication tools"/>
+  <p:tag name="KSO_WM_UNIT_TEXT_FILL_FORE_SCHEMECOLOR_INDEX" val="1"/>
+  <p:tag name="KSO_WM_UNIT_TEXT_FILL_TYPE" val="1"/>
+</p:tagLst>
+</file>
+
+<file path=ppt/tags/tag16.xml><?xml version="1.0" encoding="utf-8"?>
+<p:tagLst xmlns:p="http://schemas.openxmlformats.org/presentationml/2006/main">
   <p:tag name="KSO_WM_DIAGRAM_VIRTUALLY_FRAME" val="{&quot;height&quot;:351.67499847412114,&quot;left&quot;:54.80003326656315,&quot;top&quot;:179.30004089595764,&quot;width&quot;:850.4500122070312}"/>
 </p:tagLst>
 </file>
 
-<file path=ppt/tags/tag12.xml><?xml version="1.0" encoding="utf-8"?>
-<p:tagLst xmlns:a="http://schemas.openxmlformats.org/drawingml/2006/main" xmlns:r="http://schemas.openxmlformats.org/officeDocument/2006/relationships" xmlns:p="http://schemas.openxmlformats.org/presentationml/2006/main">
+<file path=ppt/tags/tag17.xml><?xml version="1.0" encoding="utf-8"?>
+<p:tagLst xmlns:p="http://schemas.openxmlformats.org/presentationml/2006/main">
   <p:tag name="KSO_WM_DIAGRAM_MAX_ITEMCNT" val="4"/>
   <p:tag name="KSO_WM_DIAGRAM_MIN_ITEMCNT" val="2"/>
   <p:tag name="KSO_WM_DIAGRAM_VIRTUALLY_FRAME" val="{&quot;height&quot;:351.67499847412114,&quot;left&quot;:54.80003326656315,&quot;top&quot;:179.30004089595764,&quot;width&quot;:854.6750061035157}"/>
@@ -12486,8 +12629,8 @@
 </p:tagLst>
 </file>
 
-<file path=ppt/tags/tag13.xml><?xml version="1.0" encoding="utf-8"?>
-<p:tagLst xmlns:a="http://schemas.openxmlformats.org/drawingml/2006/main" xmlns:r="http://schemas.openxmlformats.org/officeDocument/2006/relationships" xmlns:p="http://schemas.openxmlformats.org/presentationml/2006/main">
+<file path=ppt/tags/tag18.xml><?xml version="1.0" encoding="utf-8"?>
+<p:tagLst xmlns:p="http://schemas.openxmlformats.org/presentationml/2006/main">
   <p:tag name="KSO_WM_UNIT_TEXT_FILL_FORE_SCHEMECOLOR_INDEX_BRIGHTNESS" val="0.15"/>
   <p:tag name="KSO_WM_DIAGRAM_MAX_ITEMCNT" val="4"/>
   <p:tag name="KSO_WM_DIAGRAM_MIN_ITEMCNT" val="2"/>
@@ -12519,8 +12662,8 @@
 </p:tagLst>
 </file>
 
-<file path=ppt/tags/tag14.xml><?xml version="1.0" encoding="utf-8"?>
-<p:tagLst xmlns:a="http://schemas.openxmlformats.org/drawingml/2006/main" xmlns:r="http://schemas.openxmlformats.org/officeDocument/2006/relationships" xmlns:p="http://schemas.openxmlformats.org/presentationml/2006/main">
+<file path=ppt/tags/tag19.xml><?xml version="1.0" encoding="utf-8"?>
+<p:tagLst xmlns:p="http://schemas.openxmlformats.org/presentationml/2006/main">
   <p:tag name="KSO_WM_UNIT_TEXT_FILL_FORE_SCHEMECOLOR_INDEX_BRIGHTNESS" val="0.15"/>
   <p:tag name="KSO_WM_DIAGRAM_MAX_ITEMCNT" val="4"/>
   <p:tag name="KSO_WM_DIAGRAM_MIN_ITEMCNT" val="2"/>
@@ -12551,167 +12694,13 @@
 </p:tagLst>
 </file>
 
-<file path=ppt/tags/tag15.xml><?xml version="1.0" encoding="utf-8"?>
-<p:tagLst xmlns:a="http://schemas.openxmlformats.org/drawingml/2006/main" xmlns:r="http://schemas.openxmlformats.org/officeDocument/2006/relationships" xmlns:p="http://schemas.openxmlformats.org/presentationml/2006/main">
-  <p:tag name="KSO_WM_DIAGRAM_MAX_ITEMCNT" val="4"/>
-  <p:tag name="KSO_WM_DIAGRAM_MIN_ITEMCNT" val="2"/>
-  <p:tag name="KSO_WM_DIAGRAM_VIRTUALLY_FRAME" val="{&quot;height&quot;:351.67499847412114,&quot;left&quot;:54.80003326656315,&quot;top&quot;:179.30004089595764,&quot;width&quot;:854.6750061035157}"/>
-  <p:tag name="KSO_WM_DIAGRAM_COLOR_MATCH_VALUE" val="{&quot;shape&quot;:{&quot;fill&quot;:{&quot;solid&quot;:{&quot;brightness&quot;:0.6000000238418579,&quot;colorType&quot;:1,&quot;foreColorIndex&quot;:5,&quot;transparency&quot;:0.800000011920929},&quot;type&quot;:1},&quot;glow&quot;:{&quot;colorType&quot;:0},&quot;line&quot;:{&quot;type&quot;:0},&quot;shadow&quot;:{&quot;colorType&quot;:0},&quot;threeD&quot;:{&quot;curvedSurface&quot;:{&quot;brightness&quot;:0,&quot;colorType&quot;:2,&quot;rgb&quot;:&quot;#000000&quot;},&quot;depth&quot;:{&quot;colorType&quot;:0}}},&quot;text&quot;:{&quot;fill&quot;:{&quot;solid&quot;:{&quot;brightness&quot;:0,&quot;colorType&quot;:1,&quot;foreColorIndex&quot;:2,&quot;transparency&quot;:0},&quot;type&quot;:1},&quot;glow&quot;:{&quot;colorType&quot;:0},&quot;line&quot;:{&quot;type&quot;:0},&quot;shadow&quot;:{&quot;colorType&quot;:0},&quot;threeD&quot;:{&quot;curvedSurface&quot;:{&quot;brightness&quot;:0,&quot;colorType&quot;:2,&quot;rgb&quot;:&quot;#000000&quot;},&quot;depth&quot;:{&quot;colorType&quot;:0}}}}"/>
-  <p:tag name="KSO_WM_DIAGRAM_VERSION" val="3"/>
-  <p:tag name="KSO_WM_DIAGRAM_COLOR_TRICK" val="1"/>
-  <p:tag name="KSO_WM_DIAGRAM_COLOR_TEXT_CAN_REMOVE" val="n"/>
+<file path=ppt/tags/tag2.xml><?xml version="1.0" encoding="utf-8"?>
+<p:tagLst xmlns:p="http://schemas.openxmlformats.org/presentationml/2006/main">
   <p:tag name="KSO_WM_UNIT_HIGHLIGHT" val="0"/>
   <p:tag name="KSO_WM_UNIT_COMPATIBLE" val="0"/>
   <p:tag name="KSO_WM_UNIT_DIAGRAM_ISNUMVISUAL" val="0"/>
   <p:tag name="KSO_WM_UNIT_DIAGRAM_ISREFERUNIT" val="0"/>
-  <p:tag name="KSO_WM_DIAGRAM_GROUP_CODE" val="l1-1"/>
-  <p:tag name="KSO_WM_UNIT_TYPE" val="l_h_i"/>
-  <p:tag name="KSO_WM_UNIT_INDEX" val="1_1_1"/>
-  <p:tag name="KSO_WM_UNIT_ID" val="diagram20237921_2*l_h_i*1_1_1"/>
-  <p:tag name="KSO_WM_TEMPLATE_CATEGORY" val="diagram"/>
-  <p:tag name="KSO_WM_TEMPLATE_INDEX" val="20237921"/>
-  <p:tag name="KSO_WM_UNIT_LAYERLEVEL" val="1_1_1"/>
-  <p:tag name="KSO_WM_TAG_VERSION" val="3.0"/>
-  <p:tag name="KSO_WM_BEAUTIFY_FLAG" val="#wm#"/>
-  <p:tag name="KSO_WM_UNIT_FILL_TYPE" val="1"/>
-  <p:tag name="KSO_WM_UNIT_FILL_FORE_SCHEMECOLOR_INDEX" val="5"/>
-  <p:tag name="KSO_WM_UNIT_FILL_FORE_SCHEMECOLOR_INDEX_BRIGHTNESS" val="0.6"/>
-</p:tagLst>
-</file>
-
-<file path=ppt/tags/tag16.xml><?xml version="1.0" encoding="utf-8"?>
-<p:tagLst xmlns:a="http://schemas.openxmlformats.org/drawingml/2006/main" xmlns:r="http://schemas.openxmlformats.org/officeDocument/2006/relationships" xmlns:p="http://schemas.openxmlformats.org/presentationml/2006/main">
-  <p:tag name="KSO_WM_UNIT_TEXT_FILL_FORE_SCHEMECOLOR_INDEX_BRIGHTNESS" val="0.15"/>
-  <p:tag name="KSO_WM_DIAGRAM_MAX_ITEMCNT" val="4"/>
-  <p:tag name="KSO_WM_DIAGRAM_MIN_ITEMCNT" val="2"/>
-  <p:tag name="KSO_WM_DIAGRAM_VIRTUALLY_FRAME" val="{&quot;height&quot;:351.67499847412114,&quot;left&quot;:54.80003326656315,&quot;top&quot;:179.30004089595764,&quot;width&quot;:854.6750061035157}"/>
-  <p:tag name="KSO_WM_DIAGRAM_COLOR_MATCH_VALUE" val="{&quot;shape&quot;:{&quot;fill&quot;:{&quot;type&quot;:0},&quot;glow&quot;:{&quot;colorType&quot;:0},&quot;line&quot;:{&quot;type&quot;:0},&quot;shadow&quot;:{&quot;colorType&quot;:0},&quot;threeD&quot;:{&quot;curvedSurface&quot;:{&quot;brightness&quot;:0,&quot;colorType&quot;:2,&quot;rgb&quot;:&quot;#000000&quot;},&quot;depth&quot;:{&quot;colorType&quot;:0}}},&quot;text&quot;:{&quot;fill&quot;:{&quot;solid&quot;:{&quot;brightness&quot;:0,&quot;colorType&quot;:1,&quot;foreColorIndex&quot;:5,&quot;transparency&quot;:0},&quot;type&quot;:1},&quot;glow&quot;:{&quot;colorType&quot;:0},&quot;line&quot;:{&quot;type&quot;:0},&quot;shadow&quot;:{&quot;colorType&quot;:0},&quot;threeD&quot;:{&quot;curvedSurface&quot;:{&quot;brightness&quot;:0,&quot;colorType&quot;:2,&quot;rgb&quot;:&quot;#000000&quot;},&quot;depth&quot;:{&quot;colorType&quot;:0}}}}"/>
-  <p:tag name="KSO_WM_DIAGRAM_VERSION" val="3"/>
-  <p:tag name="KSO_WM_DIAGRAM_COLOR_TRICK" val="1"/>
-  <p:tag name="KSO_WM_DIAGRAM_COLOR_TEXT_CAN_REMOVE" val="n"/>
-  <p:tag name="KSO_WM_UNIT_ISCONTENTSTITLE" val="0"/>
-  <p:tag name="KSO_WM_UNIT_ISNUMDGMTITLE" val="0"/>
-  <p:tag name="KSO_WM_UNIT_NOCLEAR" val="0"/>
-  <p:tag name="KSO_WM_UNIT_VALUE" val="10"/>
-  <p:tag name="KSO_WM_UNIT_HIGHLIGHT" val="0"/>
-  <p:tag name="KSO_WM_UNIT_COMPATIBLE" val="0"/>
-  <p:tag name="KSO_WM_UNIT_DIAGRAM_ISNUMVISUAL" val="0"/>
-  <p:tag name="KSO_WM_UNIT_DIAGRAM_ISREFERUNIT" val="0"/>
-  <p:tag name="KSO_WM_DIAGRAM_GROUP_CODE" val="l1-1"/>
-  <p:tag name="KSO_WM_UNIT_TYPE" val="l_h_a"/>
-  <p:tag name="KSO_WM_UNIT_INDEX" val="1_1_1"/>
-  <p:tag name="KSO_WM_UNIT_ID" val="diagram20237921_2*l_h_a*1_1_1"/>
-  <p:tag name="KSO_WM_TEMPLATE_CATEGORY" val="diagram"/>
-  <p:tag name="KSO_WM_TEMPLATE_INDEX" val="20237921"/>
-  <p:tag name="KSO_WM_UNIT_LAYERLEVEL" val="1_1_1"/>
-  <p:tag name="KSO_WM_TAG_VERSION" val="3.0"/>
-  <p:tag name="KSO_WM_BEAUTIFY_FLAG" val="#wm#"/>
-  <p:tag name="KSO_WM_UNIT_PRESET_TEXT" val="Your title here"/>
-  <p:tag name="KSO_WM_UNIT_TEXT_FILL_FORE_SCHEMECOLOR_INDEX" val="1"/>
-  <p:tag name="KSO_WM_UNIT_TEXT_FILL_TYPE" val="1"/>
-</p:tagLst>
-</file>
-
-<file path=ppt/tags/tag17.xml><?xml version="1.0" encoding="utf-8"?>
-<p:tagLst xmlns:a="http://schemas.openxmlformats.org/drawingml/2006/main" xmlns:r="http://schemas.openxmlformats.org/officeDocument/2006/relationships" xmlns:p="http://schemas.openxmlformats.org/presentationml/2006/main">
-  <p:tag name="KSO_WM_UNIT_TEXT_FILL_FORE_SCHEMECOLOR_INDEX_BRIGHTNESS" val="0.15"/>
-  <p:tag name="KSO_WM_DIAGRAM_MAX_ITEMCNT" val="4"/>
-  <p:tag name="KSO_WM_DIAGRAM_MIN_ITEMCNT" val="2"/>
-  <p:tag name="KSO_WM_DIAGRAM_VIRTUALLY_FRAME" val="{&quot;height&quot;:351.67499847412114,&quot;left&quot;:54.80003326656315,&quot;top&quot;:179.30004089595764,&quot;width&quot;:854.6750061035157}"/>
-  <p:tag name="KSO_WM_DIAGRAM_COLOR_MATCH_VALUE" val="{&quot;shape&quot;:{&quot;fill&quot;:{&quot;type&quot;:0},&quot;glow&quot;:{&quot;colorType&quot;:0},&quot;line&quot;:{&quot;type&quot;:0},&quot;shadow&quot;:{&quot;colorType&quot;:0},&quot;threeD&quot;:{&quot;curvedSurface&quot;:{&quot;brightness&quot;:0,&quot;colorType&quot;:2,&quot;rgb&quot;:&quot;#000000&quot;},&quot;depth&quot;:{&quot;colorType&quot;:0}}},&quot;text&quot;:{&quot;fill&quot;:{&quot;solid&quot;:{&quot;brightness&quot;:0.15000000596046448,&quot;colorType&quot;:1,&quot;foreColorIndex&quot;:13,&quot;transparency&quot;:0},&quot;type&quot;:1},&quot;glow&quot;:{&quot;colorType&quot;:0},&quot;line&quot;:{&quot;type&quot;:0},&quot;shadow&quot;:{&quot;colorType&quot;:0},&quot;threeD&quot;:{&quot;curvedSurface&quot;:{&quot;brightness&quot;:0,&quot;colorType&quot;:2,&quot;rgb&quot;:&quot;#000000&quot;},&quot;depth&quot;:{&quot;colorType&quot;:0}}}}"/>
-  <p:tag name="KSO_WM_DIAGRAM_VERSION" val="3"/>
-  <p:tag name="KSO_WM_DIAGRAM_COLOR_TRICK" val="1"/>
-  <p:tag name="KSO_WM_DIAGRAM_COLOR_TEXT_CAN_REMOVE" val="n"/>
-  <p:tag name="KSO_WM_UNIT_SUBTYPE" val="a"/>
-  <p:tag name="KSO_WM_UNIT_NOCLEAR" val="0"/>
-  <p:tag name="KSO_WM_UNIT_VALUE" val="60"/>
-  <p:tag name="KSO_WM_UNIT_HIGHLIGHT" val="0"/>
-  <p:tag name="KSO_WM_UNIT_COMPATIBLE" val="0"/>
-  <p:tag name="KSO_WM_UNIT_DIAGRAM_ISNUMVISUAL" val="0"/>
-  <p:tag name="KSO_WM_UNIT_DIAGRAM_ISREFERUNIT" val="0"/>
-  <p:tag name="KSO_WM_DIAGRAM_GROUP_CODE" val="l1-1"/>
-  <p:tag name="KSO_WM_UNIT_TYPE" val="l_h_f"/>
-  <p:tag name="KSO_WM_UNIT_INDEX" val="1_1_1"/>
-  <p:tag name="KSO_WM_UNIT_ID" val="diagram20237921_2*l_h_f*1_1_1"/>
-  <p:tag name="KSO_WM_TEMPLATE_CATEGORY" val="diagram"/>
-  <p:tag name="KSO_WM_TEMPLATE_INDEX" val="20237921"/>
-  <p:tag name="KSO_WM_UNIT_LAYERLEVEL" val="1_1_1"/>
-  <p:tag name="KSO_WM_TAG_VERSION" val="3.0"/>
-  <p:tag name="KSO_WM_BEAUTIFY_FLAG" val="#wm#"/>
-  <p:tag name="KSO_WM_UNIT_PRESET_TEXT" val="Presentations are communication tools"/>
-  <p:tag name="KSO_WM_UNIT_TEXT_FILL_FORE_SCHEMECOLOR_INDEX" val="1"/>
-  <p:tag name="KSO_WM_UNIT_TEXT_FILL_TYPE" val="1"/>
-</p:tagLst>
-</file>
-
-<file path=ppt/tags/tag18.xml><?xml version="1.0" encoding="utf-8"?>
-<p:tagLst xmlns:a="http://schemas.openxmlformats.org/drawingml/2006/main" xmlns:r="http://schemas.openxmlformats.org/officeDocument/2006/relationships" xmlns:p="http://schemas.openxmlformats.org/presentationml/2006/main">
-  <p:tag name="KSO_WM_DIAGRAM_MAX_ITEMCNT" val="4"/>
-  <p:tag name="KSO_WM_DIAGRAM_MIN_ITEMCNT" val="2"/>
-  <p:tag name="KSO_WM_DIAGRAM_VIRTUALLY_FRAME" val="{&quot;height&quot;:351.67499847412114,&quot;left&quot;:54.80003326656315,&quot;top&quot;:179.30004089595764,&quot;width&quot;:854.6750061035157}"/>
-  <p:tag name="KSO_WM_DIAGRAM_COLOR_MATCH_VALUE" val="{&quot;shape&quot;:{&quot;fill&quot;:{&quot;solid&quot;:{&quot;brightness&quot;:0.6000000238418579,&quot;colorType&quot;:1,&quot;foreColorIndex&quot;:5,&quot;transparency&quot;:0.800000011920929},&quot;type&quot;:1},&quot;glow&quot;:{&quot;colorType&quot;:0},&quot;line&quot;:{&quot;type&quot;:0},&quot;shadow&quot;:{&quot;colorType&quot;:0},&quot;threeD&quot;:{&quot;curvedSurface&quot;:{&quot;brightness&quot;:0,&quot;colorType&quot;:2,&quot;rgb&quot;:&quot;#000000&quot;},&quot;depth&quot;:{&quot;colorType&quot;:0}}},&quot;text&quot;:{&quot;fill&quot;:{&quot;solid&quot;:{&quot;brightness&quot;:0,&quot;colorType&quot;:1,&quot;foreColorIndex&quot;:2,&quot;transparency&quot;:0},&quot;type&quot;:1},&quot;glow&quot;:{&quot;colorType&quot;:0},&quot;line&quot;:{&quot;type&quot;:0},&quot;shadow&quot;:{&quot;colorType&quot;:0},&quot;threeD&quot;:{&quot;curvedSurface&quot;:{&quot;brightness&quot;:0,&quot;colorType&quot;:2,&quot;rgb&quot;:&quot;#000000&quot;},&quot;depth&quot;:{&quot;colorType&quot;:0}}}}"/>
-  <p:tag name="KSO_WM_DIAGRAM_VERSION" val="3"/>
-  <p:tag name="KSO_WM_DIAGRAM_COLOR_TRICK" val="1"/>
-  <p:tag name="KSO_WM_DIAGRAM_COLOR_TEXT_CAN_REMOVE" val="n"/>
-  <p:tag name="KSO_WM_UNIT_HIGHLIGHT" val="0"/>
-  <p:tag name="KSO_WM_UNIT_COMPATIBLE" val="0"/>
-  <p:tag name="KSO_WM_UNIT_DIAGRAM_ISNUMVISUAL" val="0"/>
-  <p:tag name="KSO_WM_UNIT_DIAGRAM_ISREFERUNIT" val="0"/>
-  <p:tag name="KSO_WM_DIAGRAM_GROUP_CODE" val="l1-1"/>
-  <p:tag name="KSO_WM_UNIT_TYPE" val="l_h_i"/>
-  <p:tag name="KSO_WM_UNIT_INDEX" val="1_2_1"/>
-  <p:tag name="KSO_WM_UNIT_ID" val="diagram20237921_2*l_h_i*1_2_1"/>
-  <p:tag name="KSO_WM_TEMPLATE_CATEGORY" val="diagram"/>
-  <p:tag name="KSO_WM_TEMPLATE_INDEX" val="20237921"/>
-  <p:tag name="KSO_WM_UNIT_LAYERLEVEL" val="1_1_1"/>
-  <p:tag name="KSO_WM_TAG_VERSION" val="3.0"/>
-  <p:tag name="KSO_WM_BEAUTIFY_FLAG" val="#wm#"/>
-  <p:tag name="KSO_WM_UNIT_FILL_TYPE" val="1"/>
-  <p:tag name="KSO_WM_UNIT_FILL_FORE_SCHEMECOLOR_INDEX" val="5"/>
-  <p:tag name="KSO_WM_UNIT_FILL_FORE_SCHEMECOLOR_INDEX_BRIGHTNESS" val="0.6"/>
-</p:tagLst>
-</file>
-
-<file path=ppt/tags/tag19.xml><?xml version="1.0" encoding="utf-8"?>
-<p:tagLst xmlns:a="http://schemas.openxmlformats.org/drawingml/2006/main" xmlns:r="http://schemas.openxmlformats.org/officeDocument/2006/relationships" xmlns:p="http://schemas.openxmlformats.org/presentationml/2006/main">
-  <p:tag name="KSO_WM_UNIT_TEXT_FILL_FORE_SCHEMECOLOR_INDEX_BRIGHTNESS" val="0.15"/>
-  <p:tag name="KSO_WM_DIAGRAM_MAX_ITEMCNT" val="4"/>
-  <p:tag name="KSO_WM_DIAGRAM_MIN_ITEMCNT" val="2"/>
-  <p:tag name="KSO_WM_DIAGRAM_VIRTUALLY_FRAME" val="{&quot;height&quot;:351.67499847412114,&quot;left&quot;:54.80003326656315,&quot;top&quot;:179.30004089595764,&quot;width&quot;:854.6750061035157}"/>
-  <p:tag name="KSO_WM_DIAGRAM_COLOR_MATCH_VALUE" val="{&quot;shape&quot;:{&quot;fill&quot;:{&quot;type&quot;:0},&quot;glow&quot;:{&quot;colorType&quot;:0},&quot;line&quot;:{&quot;type&quot;:0},&quot;shadow&quot;:{&quot;colorType&quot;:0},&quot;threeD&quot;:{&quot;curvedSurface&quot;:{&quot;brightness&quot;:0,&quot;colorType&quot;:2,&quot;rgb&quot;:&quot;#000000&quot;},&quot;depth&quot;:{&quot;colorType&quot;:0}}},&quot;text&quot;:{&quot;fill&quot;:{&quot;solid&quot;:{&quot;brightness&quot;:0,&quot;colorType&quot;:1,&quot;foreColorIndex&quot;:5,&quot;transparency&quot;:0},&quot;type&quot;:1},&quot;glow&quot;:{&quot;colorType&quot;:0},&quot;line&quot;:{&quot;type&quot;:0},&quot;shadow&quot;:{&quot;colorType&quot;:0},&quot;threeD&quot;:{&quot;curvedSurface&quot;:{&quot;brightness&quot;:0,&quot;colorType&quot;:2,&quot;rgb&quot;:&quot;#000000&quot;},&quot;depth&quot;:{&quot;colorType&quot;:0}}}}"/>
-  <p:tag name="KSO_WM_DIAGRAM_VERSION" val="3"/>
-  <p:tag name="KSO_WM_DIAGRAM_COLOR_TRICK" val="1"/>
-  <p:tag name="KSO_WM_DIAGRAM_COLOR_TEXT_CAN_REMOVE" val="n"/>
-  <p:tag name="KSO_WM_UNIT_ISCONTENTSTITLE" val="0"/>
-  <p:tag name="KSO_WM_UNIT_ISNUMDGMTITLE" val="0"/>
-  <p:tag name="KSO_WM_UNIT_NOCLEAR" val="0"/>
-  <p:tag name="KSO_WM_UNIT_VALUE" val="10"/>
-  <p:tag name="KSO_WM_UNIT_HIGHLIGHT" val="0"/>
-  <p:tag name="KSO_WM_UNIT_COMPATIBLE" val="0"/>
-  <p:tag name="KSO_WM_UNIT_DIAGRAM_ISNUMVISUAL" val="0"/>
-  <p:tag name="KSO_WM_UNIT_DIAGRAM_ISREFERUNIT" val="0"/>
-  <p:tag name="KSO_WM_DIAGRAM_GROUP_CODE" val="l1-1"/>
-  <p:tag name="KSO_WM_UNIT_TYPE" val="l_h_a"/>
-  <p:tag name="KSO_WM_UNIT_INDEX" val="1_2_1"/>
-  <p:tag name="KSO_WM_UNIT_ID" val="diagram20237921_2*l_h_a*1_2_1"/>
-  <p:tag name="KSO_WM_TEMPLATE_CATEGORY" val="diagram"/>
-  <p:tag name="KSO_WM_TEMPLATE_INDEX" val="20237921"/>
-  <p:tag name="KSO_WM_UNIT_LAYERLEVEL" val="1_1_1"/>
-  <p:tag name="KSO_WM_TAG_VERSION" val="3.0"/>
-  <p:tag name="KSO_WM_BEAUTIFY_FLAG" val="#wm#"/>
-  <p:tag name="KSO_WM_UNIT_PRESET_TEXT" val="Your title here"/>
-  <p:tag name="KSO_WM_UNIT_TEXT_FILL_FORE_SCHEMECOLOR_INDEX" val="1"/>
-  <p:tag name="KSO_WM_UNIT_TEXT_FILL_TYPE" val="1"/>
-</p:tagLst>
-</file>
-
-<file path=ppt/tags/tag2.xml><?xml version="1.0" encoding="utf-8"?>
-<p:tagLst xmlns:a="http://schemas.openxmlformats.org/drawingml/2006/main" xmlns:r="http://schemas.openxmlformats.org/officeDocument/2006/relationships" xmlns:p="http://schemas.openxmlformats.org/presentationml/2006/main">
-  <p:tag name="KSO_WM_UNIT_HIGHLIGHT" val="0"/>
-  <p:tag name="KSO_WM_UNIT_COMPATIBLE" val="0"/>
-  <p:tag name="KSO_WM_UNIT_DIAGRAM_ISNUMVISUAL" val="0"/>
-  <p:tag name="KSO_WM_UNIT_DIAGRAM_ISREFERUNIT" val="0"/>
-  <p:tag name="KSO_WM_UNIT_ID" val="diagram20238176_2*n_h_i*1_1_2"/>
+  <p:tag name="KSO_WM_UNIT_ID" val="diagram20238176_2*n_h_i*1_1_3"/>
   <p:tag name="KSO_WM_TEMPLATE_CATEGORY" val="diagram"/>
   <p:tag name="KSO_WM_TEMPLATE_INDEX" val="20238176"/>
   <p:tag name="KSO_WM_UNIT_LAYERLEVEL" val="1_1_1"/>
@@ -12721,52 +12710,18 @@
   <p:tag name="KSO_WM_DIAGRAM_COLOR_TEXT_CAN_REMOVE" val="n"/>
   <p:tag name="KSO_WM_DIAGRAM_GROUP_CODE" val="n1-1"/>
   <p:tag name="KSO_WM_UNIT_TYPE" val="n_h_i"/>
-  <p:tag name="KSO_WM_UNIT_INDEX" val="1_1_2"/>
+  <p:tag name="KSO_WM_UNIT_INDEX" val="1_1_3"/>
   <p:tag name="KSO_WM_DIAGRAM_MAX_ITEMCNT" val="6"/>
   <p:tag name="KSO_WM_DIAGRAM_MIN_ITEMCNT" val="2"/>
   <p:tag name="KSO_WM_DIAGRAM_VIRTUALLY_FRAME" val="{&quot;height&quot;:372.9,&quot;left&quot;:53.57498779296875,&quot;top&quot;:83.6,&quot;width&quot;:852.9000244140625}"/>
-  <p:tag name="KSO_WM_DIAGRAM_COLOR_MATCH_VALUE" val="{&quot;shape&quot;:{&quot;fill&quot;:{&quot;solid&quot;:{&quot;brightness&quot;:0.800000011920929,&quot;colorType&quot;:1,&quot;foreColorIndex&quot;:5,&quot;transparency&quot;:0.4000000059604645},&quot;type&quot;:1},&quot;glow&quot;:{&quot;colorType&quot;:0},&quot;line&quot;:{&quot;type&quot;:0},&quot;shadow&quot;:{&quot;colorType&quot;:0},&quot;threeD&quot;:{&quot;curvedSurface&quot;:{&quot;brightness&quot;:0,&quot;colorType&quot;:2,&quot;rgb&quot;:&quot;#000000&quot;},&quot;depth&quot;:{&quot;colorType&quot;:0}}},&quot;text&quot;:{&quot;fill&quot;:{&quot;solid&quot;:{&quot;brightness&quot;:0,&quot;colorType&quot;:1,&quot;foreColorIndex&quot;:2,&quot;transparency&quot;:0},&quot;type&quot;:1},&quot;glow&quot;:{&quot;colorType&quot;:0},&quot;line&quot;:{&quot;type&quot;:0},&quot;shadow&quot;:{&quot;colorType&quot;:0},&quot;threeD&quot;:{&quot;curvedSurface&quot;:{&quot;brightness&quot;:0,&quot;colorType&quot;:2,&quot;rgb&quot;:&quot;#000000&quot;},&quot;depth&quot;:{&quot;colorType&quot;:0}}}}"/>
-  <p:tag name="KSO_WM_UNIT_FILL_TYPE" val="1"/>
-  <p:tag name="KSO_WM_UNIT_FILL_FORE_SCHEMECOLOR_INDEX" val="5"/>
-  <p:tag name="KSO_WM_UNIT_FILL_FORE_SCHEMECOLOR_INDEX_BRIGHTNESS" val="0.8"/>
+  <p:tag name="KSO_WM_DIAGRAM_COLOR_MATCH_VALUE" val="{&quot;shape&quot;:{&quot;fill&quot;:{&quot;type&quot;:0},&quot;glow&quot;:{&quot;colorType&quot;:0},&quot;line&quot;:{&quot;solidLine&quot;:{&quot;brightness&quot;:0,&quot;colorType&quot;:1,&quot;foreColorIndex&quot;:5,&quot;transparency&quot;:0},&quot;type&quot;:1},&quot;shadow&quot;:{&quot;brightness&quot;:0,&quot;colorType&quot;:1,&quot;foreColorIndex&quot;:5,&quot;transparency&quot;:0.6000000238418579},&quot;threeD&quot;:{&quot;curvedSurface&quot;:{&quot;brightness&quot;:0,&quot;colorType&quot;:2,&quot;rgb&quot;:&quot;#000000&quot;},&quot;depth&quot;:{&quot;colorType&quot;:0}}},&quot;text&quot;:{&quot;fill&quot;:{&quot;solid&quot;:{&quot;brightness&quot;:0,&quot;colorType&quot;:1,&quot;foreColorIndex&quot;:2,&quot;transparency&quot;:0},&quot;type&quot;:1},&quot;glow&quot;:{&quot;colorType&quot;:0},&quot;line&quot;:{&quot;type&quot;:0},&quot;shadow&quot;:{&quot;colorType&quot;:0},&quot;threeD&quot;:{&quot;curvedSurface&quot;:{&quot;brightness&quot;:0,&quot;colorType&quot;:2,&quot;rgb&quot;:&quot;#000000&quot;},&quot;depth&quot;:{&quot;colorType&quot;:0}}}}"/>
+  <p:tag name="KSO_WM_UNIT_LINE_FORE_SCHEMECOLOR_INDEX" val="5"/>
   <p:tag name="KSO_WM_DIAGRAM_USE_COLOR_VALUE" val="{&quot;color_scheme&quot;:1,&quot;color_type&quot;:1,&quot;theme_color_indexes&quot;:[]}"/>
 </p:tagLst>
 </file>
 
 <file path=ppt/tags/tag20.xml><?xml version="1.0" encoding="utf-8"?>
-<p:tagLst xmlns:a="http://schemas.openxmlformats.org/drawingml/2006/main" xmlns:r="http://schemas.openxmlformats.org/officeDocument/2006/relationships" xmlns:p="http://schemas.openxmlformats.org/presentationml/2006/main">
-  <p:tag name="KSO_WM_UNIT_TEXT_FILL_FORE_SCHEMECOLOR_INDEX_BRIGHTNESS" val="0.15"/>
-  <p:tag name="KSO_WM_DIAGRAM_MAX_ITEMCNT" val="4"/>
-  <p:tag name="KSO_WM_DIAGRAM_MIN_ITEMCNT" val="2"/>
-  <p:tag name="KSO_WM_DIAGRAM_VIRTUALLY_FRAME" val="{&quot;height&quot;:351.67499847412114,&quot;left&quot;:54.80003326656315,&quot;top&quot;:179.30004089595764,&quot;width&quot;:854.6750061035157}"/>
-  <p:tag name="KSO_WM_DIAGRAM_COLOR_MATCH_VALUE" val="{&quot;shape&quot;:{&quot;fill&quot;:{&quot;type&quot;:0},&quot;glow&quot;:{&quot;colorType&quot;:0},&quot;line&quot;:{&quot;type&quot;:0},&quot;shadow&quot;:{&quot;colorType&quot;:0},&quot;threeD&quot;:{&quot;curvedSurface&quot;:{&quot;brightness&quot;:0,&quot;colorType&quot;:2,&quot;rgb&quot;:&quot;#000000&quot;},&quot;depth&quot;:{&quot;colorType&quot;:0}}},&quot;text&quot;:{&quot;fill&quot;:{&quot;solid&quot;:{&quot;brightness&quot;:0.15000000596046448,&quot;colorType&quot;:1,&quot;foreColorIndex&quot;:13,&quot;transparency&quot;:0},&quot;type&quot;:1},&quot;glow&quot;:{&quot;colorType&quot;:0},&quot;line&quot;:{&quot;type&quot;:0},&quot;shadow&quot;:{&quot;colorType&quot;:0},&quot;threeD&quot;:{&quot;curvedSurface&quot;:{&quot;brightness&quot;:0,&quot;colorType&quot;:2,&quot;rgb&quot;:&quot;#000000&quot;},&quot;depth&quot;:{&quot;colorType&quot;:0}}}}"/>
-  <p:tag name="KSO_WM_DIAGRAM_VERSION" val="3"/>
-  <p:tag name="KSO_WM_DIAGRAM_COLOR_TRICK" val="1"/>
-  <p:tag name="KSO_WM_DIAGRAM_COLOR_TEXT_CAN_REMOVE" val="n"/>
-  <p:tag name="KSO_WM_UNIT_SUBTYPE" val="a"/>
-  <p:tag name="KSO_WM_UNIT_NOCLEAR" val="0"/>
-  <p:tag name="KSO_WM_UNIT_VALUE" val="60"/>
-  <p:tag name="KSO_WM_UNIT_HIGHLIGHT" val="0"/>
-  <p:tag name="KSO_WM_UNIT_COMPATIBLE" val="0"/>
-  <p:tag name="KSO_WM_UNIT_DIAGRAM_ISNUMVISUAL" val="0"/>
-  <p:tag name="KSO_WM_UNIT_DIAGRAM_ISREFERUNIT" val="0"/>
-  <p:tag name="KSO_WM_DIAGRAM_GROUP_CODE" val="l1-1"/>
-  <p:tag name="KSO_WM_UNIT_TYPE" val="l_h_f"/>
-  <p:tag name="KSO_WM_UNIT_INDEX" val="1_2_1"/>
-  <p:tag name="KSO_WM_UNIT_ID" val="diagram20237921_2*l_h_f*1_2_1"/>
-  <p:tag name="KSO_WM_TEMPLATE_CATEGORY" val="diagram"/>
-  <p:tag name="KSO_WM_TEMPLATE_INDEX" val="20237921"/>
-  <p:tag name="KSO_WM_UNIT_LAYERLEVEL" val="1_1_1"/>
-  <p:tag name="KSO_WM_TAG_VERSION" val="3.0"/>
-  <p:tag name="KSO_WM_BEAUTIFY_FLAG" val="#wm#"/>
-  <p:tag name="KSO_WM_UNIT_PRESET_TEXT" val="Presentations are communication tools"/>
-  <p:tag name="KSO_WM_UNIT_TEXT_FILL_FORE_SCHEMECOLOR_INDEX" val="1"/>
-  <p:tag name="KSO_WM_UNIT_TEXT_FILL_TYPE" val="1"/>
-</p:tagLst>
-</file>
-
-<file path=ppt/tags/tag21.xml><?xml version="1.0" encoding="utf-8"?>
-<p:tagLst xmlns:a="http://schemas.openxmlformats.org/drawingml/2006/main" xmlns:r="http://schemas.openxmlformats.org/officeDocument/2006/relationships" xmlns:p="http://schemas.openxmlformats.org/presentationml/2006/main">
+<p:tagLst xmlns:p="http://schemas.openxmlformats.org/presentationml/2006/main">
   <p:tag name="KSO_WM_DIAGRAM_MAX_ITEMCNT" val="6"/>
   <p:tag name="KSO_WM_DIAGRAM_MIN_ITEMCNT" val="2"/>
   <p:tag name="KSO_WM_DIAGRAM_VIRTUALLY_FRAME" val="{&quot;height&quot;:389.07496062992135,&quot;left&quot;:186.35003326656314,&quot;top&quot;:75.52503937007873,&quot;width&quot;:601.3500122070312}"/>
@@ -12794,8 +12749,8 @@
 </p:tagLst>
 </file>
 
-<file path=ppt/tags/tag22.xml><?xml version="1.0" encoding="utf-8"?>
-<p:tagLst xmlns:a="http://schemas.openxmlformats.org/drawingml/2006/main" xmlns:r="http://schemas.openxmlformats.org/officeDocument/2006/relationships" xmlns:p="http://schemas.openxmlformats.org/presentationml/2006/main">
+<file path=ppt/tags/tag21.xml><?xml version="1.0" encoding="utf-8"?>
+<p:tagLst xmlns:p="http://schemas.openxmlformats.org/presentationml/2006/main">
   <p:tag name="KSO_WM_DIAGRAM_MAX_ITEMCNT" val="6"/>
   <p:tag name="KSO_WM_DIAGRAM_MIN_ITEMCNT" val="2"/>
   <p:tag name="KSO_WM_DIAGRAM_VIRTUALLY_FRAME" val="{&quot;height&quot;:389.07496062992135,&quot;left&quot;:186.35003326656314,&quot;top&quot;:75.52503937007873,&quot;width&quot;:601.3500122070312}"/>
@@ -12823,8 +12778,8 @@
 </p:tagLst>
 </file>
 
-<file path=ppt/tags/tag23.xml><?xml version="1.0" encoding="utf-8"?>
-<p:tagLst xmlns:a="http://schemas.openxmlformats.org/drawingml/2006/main" xmlns:r="http://schemas.openxmlformats.org/officeDocument/2006/relationships" xmlns:p="http://schemas.openxmlformats.org/presentationml/2006/main">
+<file path=ppt/tags/tag22.xml><?xml version="1.0" encoding="utf-8"?>
+<p:tagLst xmlns:p="http://schemas.openxmlformats.org/presentationml/2006/main">
   <p:tag name="KSO_WM_DIAGRAM_MAX_ITEMCNT" val="6"/>
   <p:tag name="KSO_WM_DIAGRAM_MIN_ITEMCNT" val="2"/>
   <p:tag name="KSO_WM_DIAGRAM_VIRTUALLY_FRAME" val="{&quot;height&quot;:389.07496062992135,&quot;left&quot;:186.35003326656314,&quot;top&quot;:75.52503937007873,&quot;width&quot;:601.3500122070312}"/>
@@ -12852,8 +12807,8 @@
 </p:tagLst>
 </file>
 
-<file path=ppt/tags/tag24.xml><?xml version="1.0" encoding="utf-8"?>
-<p:tagLst xmlns:a="http://schemas.openxmlformats.org/drawingml/2006/main" xmlns:r="http://schemas.openxmlformats.org/officeDocument/2006/relationships" xmlns:p="http://schemas.openxmlformats.org/presentationml/2006/main">
+<file path=ppt/tags/tag23.xml><?xml version="1.0" encoding="utf-8"?>
+<p:tagLst xmlns:p="http://schemas.openxmlformats.org/presentationml/2006/main">
   <p:tag name="KSO_WM_DIAGRAM_MAX_ITEMCNT" val="6"/>
   <p:tag name="KSO_WM_DIAGRAM_MIN_ITEMCNT" val="2"/>
   <p:tag name="KSO_WM_DIAGRAM_VIRTUALLY_FRAME" val="{&quot;height&quot;:389.07496062992135,&quot;left&quot;:186.35003326656314,&quot;top&quot;:75.52503937007873,&quot;width&quot;:601.3500122070312}"/>
@@ -12886,8 +12841,8 @@
 </p:tagLst>
 </file>
 
-<file path=ppt/tags/tag25.xml><?xml version="1.0" encoding="utf-8"?>
-<p:tagLst xmlns:a="http://schemas.openxmlformats.org/drawingml/2006/main" xmlns:r="http://schemas.openxmlformats.org/officeDocument/2006/relationships" xmlns:p="http://schemas.openxmlformats.org/presentationml/2006/main">
+<file path=ppt/tags/tag24.xml><?xml version="1.0" encoding="utf-8"?>
+<p:tagLst xmlns:p="http://schemas.openxmlformats.org/presentationml/2006/main">
   <p:tag name="KSO_WM_DIAGRAM_MAX_ITEMCNT" val="6"/>
   <p:tag name="KSO_WM_DIAGRAM_MIN_ITEMCNT" val="2"/>
   <p:tag name="KSO_WM_DIAGRAM_VIRTUALLY_FRAME" val="{&quot;height&quot;:389.07496062992135,&quot;left&quot;:186.35003326656314,&quot;top&quot;:75.52503937007873,&quot;width&quot;:601.3500122070312}"/>
@@ -12920,8 +12875,8 @@
 </p:tagLst>
 </file>
 
-<file path=ppt/tags/tag26.xml><?xml version="1.0" encoding="utf-8"?>
-<p:tagLst xmlns:a="http://schemas.openxmlformats.org/drawingml/2006/main" xmlns:r="http://schemas.openxmlformats.org/officeDocument/2006/relationships" xmlns:p="http://schemas.openxmlformats.org/presentationml/2006/main">
+<file path=ppt/tags/tag25.xml><?xml version="1.0" encoding="utf-8"?>
+<p:tagLst xmlns:p="http://schemas.openxmlformats.org/presentationml/2006/main">
   <p:tag name="KSO_WM_DIAGRAM_MAX_ITEMCNT" val="6"/>
   <p:tag name="KSO_WM_DIAGRAM_MIN_ITEMCNT" val="2"/>
   <p:tag name="KSO_WM_DIAGRAM_VIRTUALLY_FRAME" val="{&quot;height&quot;:389.07496062992135,&quot;left&quot;:186.35003326656314,&quot;top&quot;:75.52503937007873,&quot;width&quot;:601.3500122070312}"/>
@@ -12954,8 +12909,8 @@
 </p:tagLst>
 </file>
 
-<file path=ppt/tags/tag27.xml><?xml version="1.0" encoding="utf-8"?>
-<p:tagLst xmlns:a="http://schemas.openxmlformats.org/drawingml/2006/main" xmlns:r="http://schemas.openxmlformats.org/officeDocument/2006/relationships" xmlns:p="http://schemas.openxmlformats.org/presentationml/2006/main">
+<file path=ppt/tags/tag26.xml><?xml version="1.0" encoding="utf-8"?>
+<p:tagLst xmlns:p="http://schemas.openxmlformats.org/presentationml/2006/main">
   <p:tag name="KSO_WM_DIAGRAM_MAX_ITEMCNT" val="6"/>
   <p:tag name="KSO_WM_DIAGRAM_MIN_ITEMCNT" val="2"/>
   <p:tag name="KSO_WM_DIAGRAM_VIRTUALLY_FRAME" val="{&quot;height&quot;:389.07496062992135,&quot;left&quot;:186.35003326656314,&quot;top&quot;:75.52503937007873,&quot;width&quot;:601.3500122070312}"/>
@@ -12987,8 +12942,42 @@
 </p:tagLst>
 </file>
 
+<file path=ppt/tags/tag27.xml><?xml version="1.0" encoding="utf-8"?>
+<p:tagLst xmlns:p="http://schemas.openxmlformats.org/presentationml/2006/main">
+  <p:tag name="RESOURCE_RECORD_KEY" val="{&quot;70&quot;:[3321980,3321390,3320305,3321374]}"/>
+</p:tagLst>
+</file>
+
 <file path=ppt/tags/tag3.xml><?xml version="1.0" encoding="utf-8"?>
-<p:tagLst xmlns:a="http://schemas.openxmlformats.org/drawingml/2006/main" xmlns:r="http://schemas.openxmlformats.org/officeDocument/2006/relationships" xmlns:p="http://schemas.openxmlformats.org/presentationml/2006/main">
+<p:tagLst xmlns:p="http://schemas.openxmlformats.org/presentationml/2006/main">
+  <p:tag name="KSO_WM_UNIT_HIGHLIGHT" val="0"/>
+  <p:tag name="KSO_WM_UNIT_COMPATIBLE" val="0"/>
+  <p:tag name="KSO_WM_UNIT_DIAGRAM_ISNUMVISUAL" val="0"/>
+  <p:tag name="KSO_WM_UNIT_DIAGRAM_ISREFERUNIT" val="0"/>
+  <p:tag name="KSO_WM_UNIT_ID" val="diagram20238176_2*n_h_i*1_1_2"/>
+  <p:tag name="KSO_WM_TEMPLATE_CATEGORY" val="diagram"/>
+  <p:tag name="KSO_WM_TEMPLATE_INDEX" val="20238176"/>
+  <p:tag name="KSO_WM_UNIT_LAYERLEVEL" val="1_1_1"/>
+  <p:tag name="KSO_WM_TAG_VERSION" val="3.0"/>
+  <p:tag name="KSO_WM_DIAGRAM_VERSION" val="3"/>
+  <p:tag name="KSO_WM_DIAGRAM_COLOR_TRICK" val="1"/>
+  <p:tag name="KSO_WM_DIAGRAM_COLOR_TEXT_CAN_REMOVE" val="n"/>
+  <p:tag name="KSO_WM_DIAGRAM_GROUP_CODE" val="n1-1"/>
+  <p:tag name="KSO_WM_UNIT_TYPE" val="n_h_i"/>
+  <p:tag name="KSO_WM_UNIT_INDEX" val="1_1_2"/>
+  <p:tag name="KSO_WM_DIAGRAM_MAX_ITEMCNT" val="6"/>
+  <p:tag name="KSO_WM_DIAGRAM_MIN_ITEMCNT" val="2"/>
+  <p:tag name="KSO_WM_DIAGRAM_VIRTUALLY_FRAME" val="{&quot;height&quot;:372.9,&quot;left&quot;:53.57498779296875,&quot;top&quot;:83.6,&quot;width&quot;:852.9000244140625}"/>
+  <p:tag name="KSO_WM_DIAGRAM_COLOR_MATCH_VALUE" val="{&quot;shape&quot;:{&quot;fill&quot;:{&quot;solid&quot;:{&quot;brightness&quot;:0.800000011920929,&quot;colorType&quot;:1,&quot;foreColorIndex&quot;:5,&quot;transparency&quot;:0.4000000059604645},&quot;type&quot;:1},&quot;glow&quot;:{&quot;colorType&quot;:0},&quot;line&quot;:{&quot;type&quot;:0},&quot;shadow&quot;:{&quot;colorType&quot;:0},&quot;threeD&quot;:{&quot;curvedSurface&quot;:{&quot;brightness&quot;:0,&quot;colorType&quot;:2,&quot;rgb&quot;:&quot;#000000&quot;},&quot;depth&quot;:{&quot;colorType&quot;:0}}},&quot;text&quot;:{&quot;fill&quot;:{&quot;solid&quot;:{&quot;brightness&quot;:0,&quot;colorType&quot;:1,&quot;foreColorIndex&quot;:2,&quot;transparency&quot;:0},&quot;type&quot;:1},&quot;glow&quot;:{&quot;colorType&quot;:0},&quot;line&quot;:{&quot;type&quot;:0},&quot;shadow&quot;:{&quot;colorType&quot;:0},&quot;threeD&quot;:{&quot;curvedSurface&quot;:{&quot;brightness&quot;:0,&quot;colorType&quot;:2,&quot;rgb&quot;:&quot;#000000&quot;},&quot;depth&quot;:{&quot;colorType&quot;:0}}}}"/>
+  <p:tag name="KSO_WM_UNIT_FILL_TYPE" val="1"/>
+  <p:tag name="KSO_WM_UNIT_FILL_FORE_SCHEMECOLOR_INDEX" val="5"/>
+  <p:tag name="KSO_WM_UNIT_FILL_FORE_SCHEMECOLOR_INDEX_BRIGHTNESS" val="0.8"/>
+  <p:tag name="KSO_WM_DIAGRAM_USE_COLOR_VALUE" val="{&quot;color_scheme&quot;:1,&quot;color_type&quot;:1,&quot;theme_color_indexes&quot;:[]}"/>
+</p:tagLst>
+</file>
+
+<file path=ppt/tags/tag4.xml><?xml version="1.0" encoding="utf-8"?>
+<p:tagLst xmlns:p="http://schemas.openxmlformats.org/presentationml/2006/main">
   <p:tag name="KSO_WM_UNIT_HIGHLIGHT" val="0"/>
   <p:tag name="KSO_WM_UNIT_COMPATIBLE" val="0"/>
   <p:tag name="KSO_WM_UNIT_DIAGRAM_ISNUMVISUAL" val="0"/>
@@ -13012,8 +13001,8 @@
 </p:tagLst>
 </file>
 
-<file path=ppt/tags/tag4.xml><?xml version="1.0" encoding="utf-8"?>
-<p:tagLst xmlns:a="http://schemas.openxmlformats.org/drawingml/2006/main" xmlns:r="http://schemas.openxmlformats.org/officeDocument/2006/relationships" xmlns:p="http://schemas.openxmlformats.org/presentationml/2006/main">
+<file path=ppt/tags/tag5.xml><?xml version="1.0" encoding="utf-8"?>
+<p:tagLst xmlns:p="http://schemas.openxmlformats.org/presentationml/2006/main">
   <p:tag name="KSO_WM_UNIT_HIGHLIGHT" val="0"/>
   <p:tag name="KSO_WM_UNIT_COMPATIBLE" val="0"/>
   <p:tag name="KSO_WM_UNIT_DIAGRAM_ISNUMVISUAL" val="0"/>
@@ -13037,8 +13026,8 @@
 </p:tagLst>
 </file>
 
-<file path=ppt/tags/tag5.xml><?xml version="1.0" encoding="utf-8"?>
-<p:tagLst xmlns:a="http://schemas.openxmlformats.org/drawingml/2006/main" xmlns:r="http://schemas.openxmlformats.org/officeDocument/2006/relationships" xmlns:p="http://schemas.openxmlformats.org/presentationml/2006/main">
+<file path=ppt/tags/tag6.xml><?xml version="1.0" encoding="utf-8"?>
+<p:tagLst xmlns:p="http://schemas.openxmlformats.org/presentationml/2006/main">
   <p:tag name="KSO_WM_UNIT_HIGHLIGHT" val="0"/>
   <p:tag name="KSO_WM_UNIT_COMPATIBLE" val="0"/>
   <p:tag name="KSO_WM_UNIT_DIAGRAM_ISNUMVISUAL" val="0"/>
@@ -13062,67 +13051,43 @@
 </p:tagLst>
 </file>
 
-<file path=ppt/tags/tag6.xml><?xml version="1.0" encoding="utf-8"?>
-<p:tagLst xmlns:a="http://schemas.openxmlformats.org/drawingml/2006/main" xmlns:r="http://schemas.openxmlformats.org/officeDocument/2006/relationships" xmlns:p="http://schemas.openxmlformats.org/presentationml/2006/main">
+<file path=ppt/tags/tag7.xml><?xml version="1.0" encoding="utf-8"?>
+<p:tagLst xmlns:p="http://schemas.openxmlformats.org/presentationml/2006/main">
+  <p:tag name="KSO_WM_DIAGRAM_VIRTUALLY_FRAME" val="{&quot;height&quot;:351.67499847412114,&quot;left&quot;:54.80003326656315,&quot;top&quot;:179.30004089595764,&quot;width&quot;:854.6750061035157}"/>
+</p:tagLst>
+</file>
+
+<file path=ppt/tags/tag8.xml><?xml version="1.0" encoding="utf-8"?>
+<p:tagLst xmlns:p="http://schemas.openxmlformats.org/presentationml/2006/main">
+  <p:tag name="KSO_WM_DIAGRAM_VIRTUALLY_FRAME" val="{&quot;height&quot;:351.67499847412114,&quot;left&quot;:54.80003326656315,&quot;top&quot;:179.30004089595764,&quot;width&quot;:850.4500122070312}"/>
+</p:tagLst>
+</file>
+
+<file path=ppt/tags/tag9.xml><?xml version="1.0" encoding="utf-8"?>
+<p:tagLst xmlns:p="http://schemas.openxmlformats.org/presentationml/2006/main">
+  <p:tag name="KSO_WM_DIAGRAM_MAX_ITEMCNT" val="4"/>
+  <p:tag name="KSO_WM_DIAGRAM_MIN_ITEMCNT" val="2"/>
+  <p:tag name="KSO_WM_DIAGRAM_VIRTUALLY_FRAME" val="{&quot;height&quot;:351.67499847412114,&quot;left&quot;:54.80003326656315,&quot;top&quot;:179.30004089595764,&quot;width&quot;:854.6750061035157}"/>
+  <p:tag name="KSO_WM_DIAGRAM_COLOR_MATCH_VALUE" val="{&quot;shape&quot;:{&quot;fill&quot;:{&quot;solid&quot;:{&quot;brightness&quot;:0.6000000238418579,&quot;colorType&quot;:1,&quot;foreColorIndex&quot;:5,&quot;transparency&quot;:0.800000011920929},&quot;type&quot;:1},&quot;glow&quot;:{&quot;colorType&quot;:0},&quot;line&quot;:{&quot;type&quot;:0},&quot;shadow&quot;:{&quot;colorType&quot;:0},&quot;threeD&quot;:{&quot;curvedSurface&quot;:{&quot;brightness&quot;:0,&quot;colorType&quot;:2,&quot;rgb&quot;:&quot;#000000&quot;},&quot;depth&quot;:{&quot;colorType&quot;:0}}},&quot;text&quot;:{&quot;fill&quot;:{&quot;solid&quot;:{&quot;brightness&quot;:0,&quot;colorType&quot;:1,&quot;foreColorIndex&quot;:2,&quot;transparency&quot;:0},&quot;type&quot;:1},&quot;glow&quot;:{&quot;colorType&quot;:0},&quot;line&quot;:{&quot;type&quot;:0},&quot;shadow&quot;:{&quot;colorType&quot;:0},&quot;threeD&quot;:{&quot;curvedSurface&quot;:{&quot;brightness&quot;:0,&quot;colorType&quot;:2,&quot;rgb&quot;:&quot;#000000&quot;},&quot;depth&quot;:{&quot;colorType&quot;:0}}}}"/>
+  <p:tag name="KSO_WM_DIAGRAM_VERSION" val="3"/>
+  <p:tag name="KSO_WM_DIAGRAM_COLOR_TRICK" val="1"/>
+  <p:tag name="KSO_WM_DIAGRAM_COLOR_TEXT_CAN_REMOVE" val="n"/>
   <p:tag name="KSO_WM_UNIT_HIGHLIGHT" val="0"/>
   <p:tag name="KSO_WM_UNIT_COMPATIBLE" val="0"/>
   <p:tag name="KSO_WM_UNIT_DIAGRAM_ISNUMVISUAL" val="0"/>
   <p:tag name="KSO_WM_UNIT_DIAGRAM_ISREFERUNIT" val="0"/>
-  <p:tag name="KSO_WM_UNIT_ID" val="diagram20238176_2*n_h_i*1_1_1"/>
+  <p:tag name="KSO_WM_DIAGRAM_GROUP_CODE" val="l1-1"/>
+  <p:tag name="KSO_WM_UNIT_TYPE" val="l_h_i"/>
+  <p:tag name="KSO_WM_UNIT_INDEX" val="1_2_1"/>
+  <p:tag name="KSO_WM_UNIT_ID" val="diagram20237921_2*l_h_i*1_2_1"/>
   <p:tag name="KSO_WM_TEMPLATE_CATEGORY" val="diagram"/>
-  <p:tag name="KSO_WM_TEMPLATE_INDEX" val="20238176"/>
+  <p:tag name="KSO_WM_TEMPLATE_INDEX" val="20237921"/>
   <p:tag name="KSO_WM_UNIT_LAYERLEVEL" val="1_1_1"/>
   <p:tag name="KSO_WM_TAG_VERSION" val="3.0"/>
-  <p:tag name="KSO_WM_DIAGRAM_VERSION" val="3"/>
-  <p:tag name="KSO_WM_DIAGRAM_COLOR_TRICK" val="1"/>
-  <p:tag name="KSO_WM_DIAGRAM_COLOR_TEXT_CAN_REMOVE" val="n"/>
-  <p:tag name="KSO_WM_DIAGRAM_GROUP_CODE" val="n1-1"/>
-  <p:tag name="KSO_WM_UNIT_TYPE" val="n_h_i"/>
-  <p:tag name="KSO_WM_UNIT_INDEX" val="1_1_1"/>
-  <p:tag name="KSO_WM_DIAGRAM_MAX_ITEMCNT" val="6"/>
-  <p:tag name="KSO_WM_DIAGRAM_MIN_ITEMCNT" val="2"/>
-  <p:tag name="KSO_WM_DIAGRAM_VIRTUALLY_FRAME" val="{&quot;height&quot;:372.9,&quot;left&quot;:53.57498779296875,&quot;top&quot;:83.6,&quot;width&quot;:852.9000244140625}"/>
-  <p:tag name="KSO_WM_DIAGRAM_COLOR_MATCH_VALUE" val="{&quot;shape&quot;:{&quot;fill&quot;:{&quot;gradient&quot;:[{&quot;brightness&quot;:0.800000011920929,&quot;colorType&quot;:1,&quot;foreColorIndex&quot;:5,&quot;pos&quot;:0,&quot;transparency&quot;:1},{&quot;brightness&quot;:0.800000011920929,&quot;colorType&quot;:1,&quot;foreColorIndex&quot;:5,&quot;pos&quot;:1,&quot;transparency&quot;:0.49000000953674316}],&quot;type&quot;:3},&quot;glow&quot;:{&quot;colorType&quot;:0},&quot;line&quot;:{&quot;type&quot;:0},&quot;shadow&quot;:{&quot;colorType&quot;:0},&quot;threeD&quot;:{&quot;curvedSurface&quot;:{&quot;brightness&quot;:0,&quot;colorType&quot;:2,&quot;rgb&quot;:&quot;#000000&quot;},&quot;depth&quot;:{&quot;colorType&quot;:0}}},&quot;text&quot;:{&quot;fill&quot;:{&quot;solid&quot;:{&quot;brightness&quot;:0,&quot;colorType&quot;:1,&quot;foreColorIndex&quot;:2,&quot;transparency&quot;:0},&quot;type&quot;:1},&quot;glow&quot;:{&quot;colorType&quot;:0},&quot;line&quot;:{&quot;type&quot;:0},&quot;shadow&quot;:{&quot;colorType&quot;:0},&quot;threeD&quot;:{&quot;curvedSurface&quot;:{&quot;brightness&quot;:0,&quot;colorType&quot;:2,&quot;rgb&quot;:&quot;#000000&quot;},&quot;depth&quot;:{&quot;colorType&quot;:0}}}}"/>
-  <p:tag name="KSO_WM_UNIT_FILL_TYPE" val="3"/>
-  <p:tag name="KSO_WM_DIAGRAM_USE_COLOR_VALUE" val="{&quot;color_scheme&quot;:1,&quot;color_type&quot;:1,&quot;theme_color_indexes&quot;:[]}"/>
-</p:tagLst>
-</file>
-
-<file path=ppt/tags/tag7.xml><?xml version="1.0" encoding="utf-8"?>
-<p:tagLst xmlns:a="http://schemas.openxmlformats.org/drawingml/2006/main" xmlns:r="http://schemas.openxmlformats.org/officeDocument/2006/relationships" xmlns:p="http://schemas.openxmlformats.org/presentationml/2006/main">
-  <p:tag name="KSO_WM_UNIT_HIGHLIGHT" val="0"/>
-  <p:tag name="KSO_WM_UNIT_COMPATIBLE" val="0"/>
-  <p:tag name="KSO_WM_UNIT_DIAGRAM_ISNUMVISUAL" val="0"/>
-  <p:tag name="KSO_WM_UNIT_DIAGRAM_ISREFERUNIT" val="0"/>
-  <p:tag name="KSO_WM_UNIT_ID" val="diagram20238176_2*n_h_i*1_1_3"/>
-  <p:tag name="KSO_WM_TEMPLATE_CATEGORY" val="diagram"/>
-  <p:tag name="KSO_WM_TEMPLATE_INDEX" val="20238176"/>
-  <p:tag name="KSO_WM_UNIT_LAYERLEVEL" val="1_1_1"/>
-  <p:tag name="KSO_WM_TAG_VERSION" val="3.0"/>
-  <p:tag name="KSO_WM_DIAGRAM_VERSION" val="3"/>
-  <p:tag name="KSO_WM_DIAGRAM_COLOR_TRICK" val="1"/>
-  <p:tag name="KSO_WM_DIAGRAM_COLOR_TEXT_CAN_REMOVE" val="n"/>
-  <p:tag name="KSO_WM_DIAGRAM_GROUP_CODE" val="n1-1"/>
-  <p:tag name="KSO_WM_UNIT_TYPE" val="n_h_i"/>
-  <p:tag name="KSO_WM_UNIT_INDEX" val="1_1_3"/>
-  <p:tag name="KSO_WM_DIAGRAM_MAX_ITEMCNT" val="6"/>
-  <p:tag name="KSO_WM_DIAGRAM_MIN_ITEMCNT" val="2"/>
-  <p:tag name="KSO_WM_DIAGRAM_VIRTUALLY_FRAME" val="{&quot;height&quot;:372.9,&quot;left&quot;:53.57498779296875,&quot;top&quot;:83.6,&quot;width&quot;:852.9000244140625}"/>
-  <p:tag name="KSO_WM_DIAGRAM_COLOR_MATCH_VALUE" val="{&quot;shape&quot;:{&quot;fill&quot;:{&quot;type&quot;:0},&quot;glow&quot;:{&quot;colorType&quot;:0},&quot;line&quot;:{&quot;solidLine&quot;:{&quot;brightness&quot;:0,&quot;colorType&quot;:1,&quot;foreColorIndex&quot;:5,&quot;transparency&quot;:0},&quot;type&quot;:1},&quot;shadow&quot;:{&quot;brightness&quot;:0,&quot;colorType&quot;:1,&quot;foreColorIndex&quot;:5,&quot;transparency&quot;:0.6000000238418579},&quot;threeD&quot;:{&quot;curvedSurface&quot;:{&quot;brightness&quot;:0,&quot;colorType&quot;:2,&quot;rgb&quot;:&quot;#000000&quot;},&quot;depth&quot;:{&quot;colorType&quot;:0}}},&quot;text&quot;:{&quot;fill&quot;:{&quot;solid&quot;:{&quot;brightness&quot;:0,&quot;colorType&quot;:1,&quot;foreColorIndex&quot;:2,&quot;transparency&quot;:0},&quot;type&quot;:1},&quot;glow&quot;:{&quot;colorType&quot;:0},&quot;line&quot;:{&quot;type&quot;:0},&quot;shadow&quot;:{&quot;colorType&quot;:0},&quot;threeD&quot;:{&quot;curvedSurface&quot;:{&quot;brightness&quot;:0,&quot;colorType&quot;:2,&quot;rgb&quot;:&quot;#000000&quot;},&quot;depth&quot;:{&quot;colorType&quot;:0}}}}"/>
-  <p:tag name="KSO_WM_UNIT_LINE_FORE_SCHEMECOLOR_INDEX" val="5"/>
-  <p:tag name="KSO_WM_DIAGRAM_USE_COLOR_VALUE" val="{&quot;color_scheme&quot;:1,&quot;color_type&quot;:1,&quot;theme_color_indexes&quot;:[]}"/>
-</p:tagLst>
-</file>
-
-<file path=ppt/tags/tag8.xml><?xml version="1.0" encoding="utf-8"?>
-<p:tagLst xmlns:a="http://schemas.openxmlformats.org/drawingml/2006/main" xmlns:r="http://schemas.openxmlformats.org/officeDocument/2006/relationships" xmlns:p="http://schemas.openxmlformats.org/presentationml/2006/main">
-  <p:tag name="KSO_WM_DIAGRAM_VIRTUALLY_FRAME" val="{&quot;height&quot;:351.67499847412114,&quot;left&quot;:54.80003326656315,&quot;top&quot;:179.30004089595764,&quot;width&quot;:854.6750061035157}"/>
-</p:tagLst>
-</file>
-
-<file path=ppt/tags/tag9.xml><?xml version="1.0" encoding="utf-8"?>
-<p:tagLst xmlns:a="http://schemas.openxmlformats.org/drawingml/2006/main" xmlns:r="http://schemas.openxmlformats.org/officeDocument/2006/relationships" xmlns:p="http://schemas.openxmlformats.org/presentationml/2006/main">
-  <p:tag name="KSO_WM_DIAGRAM_VIRTUALLY_FRAME" val="{&quot;height&quot;:351.67499847412114,&quot;left&quot;:54.80003326656315,&quot;top&quot;:179.30004089595764,&quot;width&quot;:850.4500122070312}"/>
+  <p:tag name="KSO_WM_BEAUTIFY_FLAG" val="#wm#"/>
+  <p:tag name="KSO_WM_UNIT_FILL_TYPE" val="1"/>
+  <p:tag name="KSO_WM_UNIT_FILL_FORE_SCHEMECOLOR_INDEX" val="5"/>
+  <p:tag name="KSO_WM_UNIT_FILL_FORE_SCHEMECOLOR_INDEX_BRIGHTNESS" val="0.6"/>
 </p:tagLst>
 </file>
 
@@ -13377,8 +13342,6 @@
       </a:bgFillStyleLst>
     </a:fmtScheme>
   </a:themeElements>
-  <a:objectDefaults/>
-  <a:extraClrSchemeLst/>
   <a:extLst>
     <a:ext uri="{05A4C25C-085E-4340-85A3-A5531E510DB2}">
       <thm15:themeFamily xmlns:thm15="http://schemas.microsoft.com/office/thememl/2012/main" name="Office Theme" id="{62F939B6-93AF-4DB8-9C6B-D6C7DFDC589F}" vid="{4A3C46E8-61CC-4603-A589-7422A47A8E4A}"/>
@@ -13638,8 +13601,6 @@
       </a:bgFillStyleLst>
     </a:fmtScheme>
   </a:themeElements>
-  <a:objectDefaults/>
-  <a:extraClrSchemeLst/>
   <a:extLst>
     <a:ext uri="{05A4C25C-085E-4340-85A3-A5531E510DB2}">
       <thm15:themeFamily xmlns:thm15="http://schemas.microsoft.com/office/thememl/2012/main" name="Office Theme" id="{62F939B6-93AF-4DB8-9C6B-D6C7DFDC589F}" vid="{4A3C46E8-61CC-4603-A589-7422A47A8E4A}"/>

--- a/presentation/Presentation.pptx
+++ b/presentation/Presentation.pptx
@@ -5,17 +5,17 @@
     <p:sldMasterId id="2147483648" r:id="rId1"/>
   </p:sldMasterIdLst>
   <p:notesMasterIdLst>
-    <p:notesMasterId r:id="rId11"/>
+    <p:notesMasterId r:id="rId5"/>
   </p:notesMasterIdLst>
   <p:sldIdLst>
     <p:sldId id="256" r:id="rId3"/>
     <p:sldId id="260" r:id="rId4"/>
-    <p:sldId id="261" r:id="rId5"/>
-    <p:sldId id="264" r:id="rId6"/>
-    <p:sldId id="262" r:id="rId7"/>
-    <p:sldId id="265" r:id="rId8"/>
-    <p:sldId id="266" r:id="rId9"/>
-    <p:sldId id="267" r:id="rId10"/>
+    <p:sldId id="261" r:id="rId6"/>
+    <p:sldId id="264" r:id="rId7"/>
+    <p:sldId id="262" r:id="rId8"/>
+    <p:sldId id="265" r:id="rId9"/>
+    <p:sldId id="266" r:id="rId10"/>
+    <p:sldId id="267" r:id="rId11"/>
   </p:sldIdLst>
   <p:sldSz cx="12192000" cy="6858000"/>
   <p:notesSz cx="6858000" cy="9144000"/>
@@ -465,6 +465,243 @@
     </a:lvl9pPr>
   </p:notesStyle>
 </p:notesMaster>
+</file>
+
+<file path=ppt/notesSlides/notesSlide1.xml><?xml version="1.0" encoding="utf-8"?>
+<p:notes xmlns:a="http://schemas.openxmlformats.org/drawingml/2006/main" xmlns:r="http://schemas.openxmlformats.org/officeDocument/2006/relationships" xmlns:p="http://schemas.openxmlformats.org/presentationml/2006/main">
+  <p:cSld>
+    <p:spTree>
+      <p:nvGrpSpPr>
+        <p:cNvPr id="1" name=""/>
+        <p:cNvGrpSpPr/>
+        <p:nvPr/>
+      </p:nvGrpSpPr>
+      <p:grpSpPr/>
+      <p:sp>
+        <p:nvSpPr>
+          <p:cNvPr id="2" name="Slide Image Placeholder 1"/>
+          <p:cNvSpPr>
+            <a:spLocks noGrp="1"/>
+          </p:cNvSpPr>
+          <p:nvPr>
+            <p:ph type="sldImg" idx="2"/>
+          </p:nvPr>
+        </p:nvSpPr>
+        <p:spPr/>
+      </p:sp>
+      <p:sp>
+        <p:nvSpPr>
+          <p:cNvPr id="3" name="Text Placeholder 2"/>
+          <p:cNvSpPr>
+            <a:spLocks noGrp="1"/>
+          </p:cNvSpPr>
+          <p:nvPr>
+            <p:ph type="body" idx="3"/>
+          </p:nvPr>
+        </p:nvSpPr>
+        <p:spPr/>
+        <p:txBody>
+          <a:bodyPr/>
+          <a:p>
+            <a:r>
+              <a:rPr lang="en-US" altLang="en-GB"/>
+              <a:t>In today’s digital landscape, efficient and secure file transfers are more important than ever. Whether it’s cloud storage, real-time data exchange, or large-scale media distribution, speed and reliability are critical. However, the established combination of TCP and TLS - while robust and secure - comes with drawbacks. Increased latency due to extra handshake rounds and issues like head-of-line blocking can slow down data delivery, especially in environments where every millisecond counts. Our goal was to see if QUIC, a protocol designed to integrate transport and security, could significantly improve performance under these conditions.</a:t>
+            </a:r>
+            <a:endParaRPr lang="en-US" altLang="en-GB"/>
+          </a:p>
+        </p:txBody>
+      </p:sp>
+    </p:spTree>
+  </p:cSld>
+  <p:clrMapOvr>
+    <a:masterClrMapping/>
+  </p:clrMapOvr>
+</p:notes>
+</file>
+
+<file path=ppt/notesSlides/notesSlide2.xml><?xml version="1.0" encoding="utf-8"?>
+<p:notes xmlns:a="http://schemas.openxmlformats.org/drawingml/2006/main" xmlns:r="http://schemas.openxmlformats.org/officeDocument/2006/relationships" xmlns:p="http://schemas.openxmlformats.org/presentationml/2006/main">
+  <p:cSld>
+    <p:spTree>
+      <p:nvGrpSpPr>
+        <p:cNvPr id="1" name=""/>
+        <p:cNvGrpSpPr/>
+        <p:nvPr/>
+      </p:nvGrpSpPr>
+      <p:grpSpPr/>
+      <p:sp>
+        <p:nvSpPr>
+          <p:cNvPr id="2" name="Slide Image Placeholder 1"/>
+          <p:cNvSpPr>
+            <a:spLocks noGrp="1"/>
+          </p:cNvSpPr>
+          <p:nvPr>
+            <p:ph type="sldImg" idx="2"/>
+          </p:nvPr>
+        </p:nvSpPr>
+        <p:spPr/>
+      </p:sp>
+      <p:sp>
+        <p:nvSpPr>
+          <p:cNvPr id="3" name="Text Placeholder 2"/>
+          <p:cNvSpPr>
+            <a:spLocks noGrp="1"/>
+          </p:cNvSpPr>
+          <p:nvPr>
+            <p:ph type="body" idx="3"/>
+          </p:nvPr>
+        </p:nvSpPr>
+        <p:spPr/>
+        <p:txBody>
+          <a:bodyPr/>
+          <a:p>
+            <a:r>
+              <a:rPr lang="en-US" altLang="en-GB"/>
+              <a:t>Before diving into the specifics, it’s useful to cover some background. TCP has long been the backbone of the Internet, providing reliable data transmission over a connection-oriented network. With the growing need for secure communication, TLS was added as a separate layer to encrypt the data, which introduced additional processing and extra round trips to establish connections. One of the main issues is what we call head-of-line blocking. In a TCP connection, if one packet is lost or delayed, subsequent packets - even if they’ve been received - cannot be processed until that missing packet is retransmitted. This can be especially problematic in a secure environment where additional handshake steps are required. Moreover, the separate TLS handshake adds extra time before data can even start flowing. In scenarios where multiple connections are made rapidly or the network latency is high, these delays can add up, reducing the overall efficiency of the file transfer process.</a:t>
+            </a:r>
+            <a:endParaRPr lang="en-US" altLang="en-GB"/>
+          </a:p>
+        </p:txBody>
+      </p:sp>
+    </p:spTree>
+  </p:cSld>
+  <p:clrMapOvr>
+    <a:masterClrMapping/>
+  </p:clrMapOvr>
+</p:notes>
+</file>
+
+<file path=ppt/notesSlides/notesSlide3.xml><?xml version="1.0" encoding="utf-8"?>
+<p:notes xmlns:a="http://schemas.openxmlformats.org/drawingml/2006/main" xmlns:r="http://schemas.openxmlformats.org/officeDocument/2006/relationships" xmlns:p="http://schemas.openxmlformats.org/presentationml/2006/main">
+  <p:cSld>
+    <p:spTree>
+      <p:nvGrpSpPr>
+        <p:cNvPr id="1" name=""/>
+        <p:cNvGrpSpPr/>
+        <p:nvPr/>
+      </p:nvGrpSpPr>
+      <p:grpSpPr/>
+      <p:sp>
+        <p:nvSpPr>
+          <p:cNvPr id="2" name="Slide Image Placeholder 1"/>
+          <p:cNvSpPr>
+            <a:spLocks noGrp="1"/>
+          </p:cNvSpPr>
+          <p:nvPr>
+            <p:ph type="sldImg" idx="2"/>
+          </p:nvPr>
+        </p:nvSpPr>
+        <p:spPr/>
+      </p:sp>
+      <p:sp>
+        <p:nvSpPr>
+          <p:cNvPr id="3" name="Text Placeholder 2"/>
+          <p:cNvSpPr>
+            <a:spLocks noGrp="1"/>
+          </p:cNvSpPr>
+          <p:nvPr>
+            <p:ph type="body" idx="3"/>
+          </p:nvPr>
+        </p:nvSpPr>
+        <p:spPr/>
+        <p:txBody>
+          <a:bodyPr/>
+          <a:p>
+            <a:r>
+              <a:rPr lang="en-US" altLang="en-GB"/>
+              <a:t>Now, moving on to the advantages of QUIC and </a:t>
+            </a:r>
+            <a:r>
+              <a:rPr lang="it-IT" altLang="en-US"/>
+              <a:t>then </a:t>
+            </a:r>
+            <a:r>
+              <a:rPr lang="en-US" altLang="en-GB"/>
+              <a:t>a brief overview of our implementation. QUIC was designed to overcome many of the inherent limitations of TCP + TLS. One key feature is its streamlined connection establishment. By combining transport and security protocols, QUIC reduces the number of round trips required to open a secure connection - sometimes even achieving a 0-RTT connection for repeat communications. This means that data can start flowing much faster than with TCP + TLS. Additionally, QUIC’s architecture is built to address head-of-line blocking by allowing multiple independent data streams within a single connection. This way, if one stream experiences packet loss, it doesn’t hold up the other streams.</a:t>
+            </a:r>
+            <a:endParaRPr lang="en-US" altLang="en-GB"/>
+          </a:p>
+        </p:txBody>
+      </p:sp>
+    </p:spTree>
+  </p:cSld>
+  <p:clrMapOvr>
+    <a:masterClrMapping/>
+  </p:clrMapOvr>
+</p:notes>
+</file>
+
+<file path=ppt/notesSlides/notesSlide4.xml><?xml version="1.0" encoding="utf-8"?>
+<p:notes xmlns:a="http://schemas.openxmlformats.org/drawingml/2006/main" xmlns:r="http://schemas.openxmlformats.org/officeDocument/2006/relationships" xmlns:p="http://schemas.openxmlformats.org/presentationml/2006/main">
+  <p:cSld>
+    <p:spTree>
+      <p:nvGrpSpPr>
+        <p:cNvPr id="1" name=""/>
+        <p:cNvGrpSpPr/>
+        <p:nvPr/>
+      </p:nvGrpSpPr>
+      <p:grpSpPr/>
+      <p:sp>
+        <p:nvSpPr>
+          <p:cNvPr id="2" name="Slide Image Placeholder 1"/>
+          <p:cNvSpPr>
+            <a:spLocks noGrp="1"/>
+          </p:cNvSpPr>
+          <p:nvPr>
+            <p:ph type="sldImg" idx="2"/>
+          </p:nvPr>
+        </p:nvSpPr>
+        <p:spPr/>
+      </p:sp>
+      <p:sp>
+        <p:nvSpPr>
+          <p:cNvPr id="3" name="Text Placeholder 2"/>
+          <p:cNvSpPr>
+            <a:spLocks noGrp="1"/>
+          </p:cNvSpPr>
+          <p:nvPr>
+            <p:ph type="body" idx="3"/>
+          </p:nvPr>
+        </p:nvSpPr>
+        <p:spPr/>
+        <p:txBody>
+          <a:bodyPr/>
+          <a:p>
+            <a:r>
+              <a:rPr lang="en-US" altLang="en-GB"/>
+              <a:t>Let’s take a closer look at out implementation on Slide 5.</a:t>
+            </a:r>
+            <a:endParaRPr lang="en-US" altLang="en-GB"/>
+          </a:p>
+          <a:p>
+            <a:r>
+              <a:rPr lang="en-US" altLang="en-GB"/>
+              <a:t>For the TCP + TLS setup, we leveraged Python’s standard libraries to build a robust and secure connection foundation. One of the features of our implementation is that the certificates and private keys are generated dynamically through our code. </a:t>
+            </a:r>
+            <a:endParaRPr lang="en-US" altLang="en-GB"/>
+          </a:p>
+          <a:p>
+            <a:r>
+              <a:rPr lang="en-US" altLang="en-GB"/>
+              <a:t>On the other side, for the QUIC implementation, we chose aioquic - a specialized library built on top of Python’s asyncio. Because aioquic operates in asynchronous mode, it allows us to manage multiple connections concurrently, potentially reducing delays and boosting performance.</a:t>
+            </a:r>
+            <a:endParaRPr lang="en-US" altLang="en-GB"/>
+          </a:p>
+          <a:p>
+            <a:r>
+              <a:rPr lang="en-US" altLang="en-GB"/>
+              <a:t>In addition to the protocol implementations, our application is designed with three core functionalities in mind. It can either upload a file to the server or download a file from the server, but it also provides a ping capability from both ends, which is essential for measuring latency and ensuring that the connection is responsive.</a:t>
+            </a:r>
+            <a:endParaRPr lang="en-US" altLang="en-GB"/>
+          </a:p>
+        </p:txBody>
+      </p:sp>
+    </p:spTree>
+  </p:cSld>
+  <p:clrMapOvr>
+    <a:masterClrMapping/>
+  </p:clrMapOvr>
+</p:notes>
 </file>
 
 <file path=ppt/slideLayouts/slideLayout1.xml><?xml version="1.0" encoding="utf-8"?>
@@ -3373,7 +3610,19 @@
               <a:rPr lang="en-US" altLang="en-GB" sz="2400" b="1">
                 <a:effectLst/>
               </a:rPr>
-              <a:t>Performance Comparison of QUIC and TCL+TLS Protocols</a:t>
+              <a:t>Performance Comparison of QUIC and TC</a:t>
+            </a:r>
+            <a:r>
+              <a:rPr lang="it-IT" altLang="en-US" sz="2400" b="1">
+                <a:effectLst/>
+              </a:rPr>
+              <a:t>P</a:t>
+            </a:r>
+            <a:r>
+              <a:rPr lang="en-US" altLang="en-GB" sz="2400" b="1">
+                <a:effectLst/>
+              </a:rPr>
+              <a:t>+TLS Protocols</a:t>
             </a:r>
             <a:endParaRPr lang="en-US" altLang="en-GB" sz="2400" b="1">
               <a:effectLst/>
@@ -6900,7 +7149,7 @@
         </p:nvSpPr>
         <p:spPr>
           <a:xfrm rot="1380000">
-            <a:off x="2362200" y="1169353"/>
+            <a:off x="3221355" y="1169353"/>
             <a:ext cx="114300" cy="4519295"/>
           </a:xfrm>
           <a:prstGeom prst="rect">

--- a/presentation/Presentation.pptx
+++ b/presentation/Presentation.pptx
@@ -505,7 +505,15 @@
           <a:p>
             <a:r>
               <a:rPr lang="en-US" altLang="en-GB"/>
-              <a:t>In today’s digital landscape, efficient and secure file transfers are more important than ever. Whether it’s cloud storage, real-time data exchange, or large-scale media distribution, speed and reliability are critical. However, the established combination of TCP and TLS - while robust and secure - comes with drawbacks. Increased latency due to extra handshake rounds and issues like head-of-line blocking can slow down data delivery, especially in environments where every millisecond counts. Our goal was to see if QUIC, a protocol designed to integrate transport and security, could significantly improve performance under these conditions.</a:t>
+              <a:t>In today’s </a:t>
+            </a:r>
+            <a:r>
+              <a:rPr lang="it-IT" altLang="en-US"/>
+              <a:t>world</a:t>
+            </a:r>
+            <a:r>
+              <a:rPr lang="en-US" altLang="en-GB"/>
+              <a:t>, efficient and secure file transfers are more important than ever. Whether it’s cloud storage, real-time data exchange, or large-scale media distribution, speed and reliability are critical. However, the established combination of TCP and TLS - while robust and secure - comes with drawbacks. Increased latency due to extra handshake rounds and issues like head-of-line blocking can slow down data delivery, especially in environments where every millisecond counts. Our goal was to see if QUIC, a protocol designed to integrate transport and security, could significantly improve performance under these conditions.</a:t>
             </a:r>
             <a:endParaRPr lang="en-US" altLang="en-GB"/>
           </a:p>
@@ -557,7 +565,7 @@
           <a:p>
             <a:r>
               <a:rPr lang="en-US" altLang="en-GB"/>
-              <a:t>Before diving into the specifics, it’s useful to cover some background. TCP has long been the backbone of the Internet, providing reliable data transmission over a connection-oriented network. With the growing need for secure communication, TLS was added as a separate layer to encrypt the data, which introduced additional processing and extra round trips to establish connections. One of the main issues is what we call head-of-line blocking. In a TCP connection, if one packet is lost or delayed, subsequent packets - even if they’ve been received - cannot be processed until that missing packet is retransmitted. This can be especially problematic in a secure environment where additional handshake steps are required. Moreover, the separate TLS handshake adds extra time before data can even start flowing. In scenarios where multiple connections are made rapidly or the network latency is high, these delays can add up, reducing the overall efficiency of the file transfer process.</a:t>
+              <a:t>Before diving into the specifics, it’s useful to cover some background. TCP has long been the backbone of the Internet, providing reliable data transmission over a connection-oriented network. With the growing need for secure communication, TLS was added as a separate layer to encrypt the data, which introduced additional processing and extra round trips to establish connections. One of the main issues is what we call head-of-line blocking. In a TCP connection, if one packet is lost or delayed, subsequent packets - even if they’ve been received - cannot be processed until that missing packet is retransmitted. Moreover, the separate TLS handshake adds extra time before data can even start flowing. In scenarios where multiple connections are made rapidly or the network latency is high, these delays can add up, reducing the overall efficiency of the file transfer process.</a:t>
             </a:r>
             <a:endParaRPr lang="en-US" altLang="en-GB"/>
           </a:p>
@@ -609,15 +617,7 @@
           <a:p>
             <a:r>
               <a:rPr lang="en-US" altLang="en-GB"/>
-              <a:t>Now, moving on to the advantages of QUIC and </a:t>
-            </a:r>
-            <a:r>
-              <a:rPr lang="it-IT" altLang="en-US"/>
-              <a:t>then </a:t>
-            </a:r>
-            <a:r>
-              <a:rPr lang="en-US" altLang="en-GB"/>
-              <a:t>a brief overview of our implementation. QUIC was designed to overcome many of the inherent limitations of TCP + TLS. One key feature is its streamlined connection establishment. By combining transport and security protocols, QUIC reduces the number of round trips required to open a secure connection - sometimes even achieving a 0-RTT connection for repeat communications. This means that data can start flowing much faster than with TCP + TLS. Additionally, QUIC’s architecture is built to address head-of-line blocking by allowing multiple independent data streams within a single connection. This way, if one stream experiences packet loss, it doesn’t hold up the other streams.</a:t>
+              <a:t>Now, moving on to the advantages of QUIC. QUIC was designed to overcome many of the inherent limitations of TCP + TLS. One key feature is its streamlined connection establishment. By combining transport and security protocols, QUIC reduces the number of round trips required to open a secure connection - sometimes even achieving a 0-RTT connection for repeat communications. This means that data can start flowing much faster than with TCP + TLS. Additionally, QUIC’s architecture is built to address head-of-line blocking by allowing multiple independent data streams within a single connection. This way, if one stream experiences packet loss, it doesn’t hold up the other streams.</a:t>
             </a:r>
             <a:endParaRPr lang="en-US" altLang="en-GB"/>
           </a:p>
@@ -683,7 +683,15 @@
           <a:p>
             <a:r>
               <a:rPr lang="en-US" altLang="en-GB"/>
-              <a:t>On the other side, for the QUIC implementation, we chose aioquic - a specialized library built on top of Python’s asyncio. Because aioquic operates in asynchronous mode, it allows us to manage multiple connections concurrently, potentially reducing delays and boosting performance.</a:t>
+              <a:t>On the other side, for the QUIC implementation, we chose aioquic - a specialized library built on top of Python’s asyncio. </a:t>
+            </a:r>
+            <a:r>
+              <a:rPr lang="it-IT" altLang="en-US"/>
+              <a:t>Since </a:t>
+            </a:r>
+            <a:r>
+              <a:rPr lang="en-US" altLang="en-GB"/>
+              <a:t>aioquic operates in asynchronous mode, it allows us to manage multiple connections concurrently, potentially reducing delays and boosting performance.</a:t>
             </a:r>
             <a:endParaRPr lang="en-US" altLang="en-GB"/>
           </a:p>
